--- a/FinalProject_presentation.pptx
+++ b/FinalProject_presentation.pptx
@@ -10,13 +10,15 @@
     <p:sldId id="260" r:id="rId7"/>
     <p:sldId id="269" r:id="rId8"/>
     <p:sldId id="261" r:id="rId9"/>
-    <p:sldId id="264" r:id="rId10"/>
-    <p:sldId id="265" r:id="rId11"/>
-    <p:sldId id="270" r:id="rId12"/>
-    <p:sldId id="267" r:id="rId13"/>
-    <p:sldId id="271" r:id="rId14"/>
-    <p:sldId id="266" r:id="rId15"/>
-    <p:sldId id="258" r:id="rId16"/>
+    <p:sldId id="273" r:id="rId10"/>
+    <p:sldId id="272" r:id="rId11"/>
+    <p:sldId id="264" r:id="rId12"/>
+    <p:sldId id="265" r:id="rId13"/>
+    <p:sldId id="270" r:id="rId14"/>
+    <p:sldId id="267" r:id="rId15"/>
+    <p:sldId id="271" r:id="rId16"/>
+    <p:sldId id="266" r:id="rId17"/>
+    <p:sldId id="258" r:id="rId18"/>
   </p:sldIdLst>
   <p:sldSz cx="12192000" cy="6858000"/>
   <p:notesSz cx="6858000" cy="9144000"/>
@@ -124,6 +126,1500 @@
 </file>
 
 <file path=ppt/diagrams/colors1.xml><?xml version="1.0" encoding="utf-8"?>
+<dgm:colorsDef xmlns:dgm="http://schemas.openxmlformats.org/drawingml/2006/diagram" xmlns:a="http://schemas.openxmlformats.org/drawingml/2006/main" uniqueId="urn:microsoft.com/office/officeart/2005/8/colors/accent1_2">
+  <dgm:title val=""/>
+  <dgm:desc val=""/>
+  <dgm:catLst>
+    <dgm:cat type="accent1" pri="11200"/>
+  </dgm:catLst>
+  <dgm:styleLbl name="node0">
+    <dgm:fillClrLst meth="repeat">
+      <a:schemeClr val="accent1"/>
+    </dgm:fillClrLst>
+    <dgm:linClrLst meth="repeat">
+      <a:schemeClr val="lt1"/>
+    </dgm:linClrLst>
+    <dgm:effectClrLst/>
+    <dgm:txLinClrLst/>
+    <dgm:txFillClrLst/>
+    <dgm:txEffectClrLst/>
+  </dgm:styleLbl>
+  <dgm:styleLbl name="alignNode1">
+    <dgm:fillClrLst meth="repeat">
+      <a:schemeClr val="accent1"/>
+    </dgm:fillClrLst>
+    <dgm:linClrLst meth="repeat">
+      <a:schemeClr val="accent1"/>
+    </dgm:linClrLst>
+    <dgm:effectClrLst/>
+    <dgm:txLinClrLst/>
+    <dgm:txFillClrLst/>
+    <dgm:txEffectClrLst/>
+  </dgm:styleLbl>
+  <dgm:styleLbl name="node1">
+    <dgm:fillClrLst meth="repeat">
+      <a:schemeClr val="accent1"/>
+    </dgm:fillClrLst>
+    <dgm:linClrLst meth="repeat">
+      <a:schemeClr val="lt1"/>
+    </dgm:linClrLst>
+    <dgm:effectClrLst/>
+    <dgm:txLinClrLst/>
+    <dgm:txFillClrLst/>
+    <dgm:txEffectClrLst/>
+  </dgm:styleLbl>
+  <dgm:styleLbl name="lnNode1">
+    <dgm:fillClrLst meth="repeat">
+      <a:schemeClr val="accent1"/>
+    </dgm:fillClrLst>
+    <dgm:linClrLst meth="repeat">
+      <a:schemeClr val="lt1"/>
+    </dgm:linClrLst>
+    <dgm:effectClrLst/>
+    <dgm:txLinClrLst/>
+    <dgm:txFillClrLst/>
+    <dgm:txEffectClrLst/>
+  </dgm:styleLbl>
+  <dgm:styleLbl name="vennNode1">
+    <dgm:fillClrLst meth="repeat">
+      <a:schemeClr val="accent1">
+        <a:alpha val="50000"/>
+      </a:schemeClr>
+    </dgm:fillClrLst>
+    <dgm:linClrLst meth="repeat">
+      <a:schemeClr val="lt1"/>
+    </dgm:linClrLst>
+    <dgm:effectClrLst/>
+    <dgm:txLinClrLst/>
+    <dgm:txFillClrLst/>
+    <dgm:txEffectClrLst/>
+  </dgm:styleLbl>
+  <dgm:styleLbl name="node2">
+    <dgm:fillClrLst meth="repeat">
+      <a:schemeClr val="accent1"/>
+    </dgm:fillClrLst>
+    <dgm:linClrLst meth="repeat">
+      <a:schemeClr val="lt1"/>
+    </dgm:linClrLst>
+    <dgm:effectClrLst/>
+    <dgm:txLinClrLst/>
+    <dgm:txFillClrLst/>
+    <dgm:txEffectClrLst/>
+  </dgm:styleLbl>
+  <dgm:styleLbl name="node3">
+    <dgm:fillClrLst meth="repeat">
+      <a:schemeClr val="accent1"/>
+    </dgm:fillClrLst>
+    <dgm:linClrLst meth="repeat">
+      <a:schemeClr val="lt1"/>
+    </dgm:linClrLst>
+    <dgm:effectClrLst/>
+    <dgm:txLinClrLst/>
+    <dgm:txFillClrLst/>
+    <dgm:txEffectClrLst/>
+  </dgm:styleLbl>
+  <dgm:styleLbl name="node4">
+    <dgm:fillClrLst meth="repeat">
+      <a:schemeClr val="accent1"/>
+    </dgm:fillClrLst>
+    <dgm:linClrLst meth="repeat">
+      <a:schemeClr val="lt1"/>
+    </dgm:linClrLst>
+    <dgm:effectClrLst/>
+    <dgm:txLinClrLst/>
+    <dgm:txFillClrLst/>
+    <dgm:txEffectClrLst/>
+  </dgm:styleLbl>
+  <dgm:styleLbl name="fgImgPlace1">
+    <dgm:fillClrLst meth="repeat">
+      <a:schemeClr val="accent1">
+        <a:tint val="50000"/>
+      </a:schemeClr>
+    </dgm:fillClrLst>
+    <dgm:linClrLst meth="repeat">
+      <a:schemeClr val="lt1"/>
+    </dgm:linClrLst>
+    <dgm:effectClrLst/>
+    <dgm:txLinClrLst/>
+    <dgm:txFillClrLst meth="repeat">
+      <a:schemeClr val="lt1"/>
+    </dgm:txFillClrLst>
+    <dgm:txEffectClrLst/>
+  </dgm:styleLbl>
+  <dgm:styleLbl name="alignImgPlace1">
+    <dgm:fillClrLst meth="repeat">
+      <a:schemeClr val="accent1">
+        <a:tint val="50000"/>
+      </a:schemeClr>
+    </dgm:fillClrLst>
+    <dgm:linClrLst meth="repeat">
+      <a:schemeClr val="lt1"/>
+    </dgm:linClrLst>
+    <dgm:effectClrLst/>
+    <dgm:txLinClrLst/>
+    <dgm:txFillClrLst meth="repeat">
+      <a:schemeClr val="lt1"/>
+    </dgm:txFillClrLst>
+    <dgm:txEffectClrLst/>
+  </dgm:styleLbl>
+  <dgm:styleLbl name="bgImgPlace1">
+    <dgm:fillClrLst meth="repeat">
+      <a:schemeClr val="accent1">
+        <a:tint val="50000"/>
+      </a:schemeClr>
+    </dgm:fillClrLst>
+    <dgm:linClrLst meth="repeat">
+      <a:schemeClr val="lt1"/>
+    </dgm:linClrLst>
+    <dgm:effectClrLst/>
+    <dgm:txLinClrLst/>
+    <dgm:txFillClrLst meth="repeat">
+      <a:schemeClr val="lt1"/>
+    </dgm:txFillClrLst>
+    <dgm:txEffectClrLst/>
+  </dgm:styleLbl>
+  <dgm:styleLbl name="sibTrans2D1">
+    <dgm:fillClrLst meth="repeat">
+      <a:schemeClr val="accent1">
+        <a:tint val="60000"/>
+      </a:schemeClr>
+    </dgm:fillClrLst>
+    <dgm:linClrLst meth="repeat">
+      <a:schemeClr val="accent1">
+        <a:tint val="60000"/>
+      </a:schemeClr>
+    </dgm:linClrLst>
+    <dgm:effectClrLst/>
+    <dgm:txLinClrLst/>
+    <dgm:txFillClrLst/>
+    <dgm:txEffectClrLst/>
+  </dgm:styleLbl>
+  <dgm:styleLbl name="fgSibTrans2D1">
+    <dgm:fillClrLst meth="repeat">
+      <a:schemeClr val="accent1">
+        <a:tint val="60000"/>
+      </a:schemeClr>
+    </dgm:fillClrLst>
+    <dgm:linClrLst meth="repeat">
+      <a:schemeClr val="accent1">
+        <a:tint val="60000"/>
+      </a:schemeClr>
+    </dgm:linClrLst>
+    <dgm:effectClrLst/>
+    <dgm:txLinClrLst/>
+    <dgm:txFillClrLst/>
+    <dgm:txEffectClrLst/>
+  </dgm:styleLbl>
+  <dgm:styleLbl name="bgSibTrans2D1">
+    <dgm:fillClrLst meth="repeat">
+      <a:schemeClr val="accent1">
+        <a:tint val="60000"/>
+      </a:schemeClr>
+    </dgm:fillClrLst>
+    <dgm:linClrLst meth="repeat">
+      <a:schemeClr val="accent1">
+        <a:tint val="60000"/>
+      </a:schemeClr>
+    </dgm:linClrLst>
+    <dgm:effectClrLst/>
+    <dgm:txLinClrLst/>
+    <dgm:txFillClrLst/>
+    <dgm:txEffectClrLst/>
+  </dgm:styleLbl>
+  <dgm:styleLbl name="sibTrans1D1">
+    <dgm:fillClrLst meth="repeat">
+      <a:schemeClr val="accent1"/>
+    </dgm:fillClrLst>
+    <dgm:linClrLst meth="repeat">
+      <a:schemeClr val="accent1"/>
+    </dgm:linClrLst>
+    <dgm:effectClrLst/>
+    <dgm:txLinClrLst/>
+    <dgm:txFillClrLst meth="repeat">
+      <a:schemeClr val="tx1"/>
+    </dgm:txFillClrLst>
+    <dgm:txEffectClrLst/>
+  </dgm:styleLbl>
+  <dgm:styleLbl name="callout">
+    <dgm:fillClrLst meth="repeat">
+      <a:schemeClr val="accent1"/>
+    </dgm:fillClrLst>
+    <dgm:linClrLst meth="repeat">
+      <a:schemeClr val="accent1">
+        <a:tint val="50000"/>
+      </a:schemeClr>
+    </dgm:linClrLst>
+    <dgm:effectClrLst/>
+    <dgm:txLinClrLst/>
+    <dgm:txFillClrLst meth="repeat">
+      <a:schemeClr val="tx1"/>
+    </dgm:txFillClrLst>
+    <dgm:txEffectClrLst/>
+  </dgm:styleLbl>
+  <dgm:styleLbl name="asst0">
+    <dgm:fillClrLst meth="repeat">
+      <a:schemeClr val="accent1"/>
+    </dgm:fillClrLst>
+    <dgm:linClrLst meth="repeat">
+      <a:schemeClr val="lt1"/>
+    </dgm:linClrLst>
+    <dgm:effectClrLst/>
+    <dgm:txLinClrLst/>
+    <dgm:txFillClrLst/>
+    <dgm:txEffectClrLst/>
+  </dgm:styleLbl>
+  <dgm:styleLbl name="asst1">
+    <dgm:fillClrLst meth="repeat">
+      <a:schemeClr val="accent1"/>
+    </dgm:fillClrLst>
+    <dgm:linClrLst meth="repeat">
+      <a:schemeClr val="lt1"/>
+    </dgm:linClrLst>
+    <dgm:effectClrLst/>
+    <dgm:txLinClrLst/>
+    <dgm:txFillClrLst/>
+    <dgm:txEffectClrLst/>
+  </dgm:styleLbl>
+  <dgm:styleLbl name="asst2">
+    <dgm:fillClrLst meth="repeat">
+      <a:schemeClr val="accent1"/>
+    </dgm:fillClrLst>
+    <dgm:linClrLst meth="repeat">
+      <a:schemeClr val="lt1"/>
+    </dgm:linClrLst>
+    <dgm:effectClrLst/>
+    <dgm:txLinClrLst/>
+    <dgm:txFillClrLst/>
+    <dgm:txEffectClrLst/>
+  </dgm:styleLbl>
+  <dgm:styleLbl name="asst3">
+    <dgm:fillClrLst meth="repeat">
+      <a:schemeClr val="accent1"/>
+    </dgm:fillClrLst>
+    <dgm:linClrLst meth="repeat">
+      <a:schemeClr val="lt1"/>
+    </dgm:linClrLst>
+    <dgm:effectClrLst/>
+    <dgm:txLinClrLst/>
+    <dgm:txFillClrLst/>
+    <dgm:txEffectClrLst/>
+  </dgm:styleLbl>
+  <dgm:styleLbl name="asst4">
+    <dgm:fillClrLst meth="repeat">
+      <a:schemeClr val="accent1"/>
+    </dgm:fillClrLst>
+    <dgm:linClrLst meth="repeat">
+      <a:schemeClr val="lt1"/>
+    </dgm:linClrLst>
+    <dgm:effectClrLst/>
+    <dgm:txLinClrLst/>
+    <dgm:txFillClrLst/>
+    <dgm:txEffectClrLst/>
+  </dgm:styleLbl>
+  <dgm:styleLbl name="parChTrans2D1">
+    <dgm:fillClrLst meth="repeat">
+      <a:schemeClr val="accent1">
+        <a:tint val="60000"/>
+      </a:schemeClr>
+    </dgm:fillClrLst>
+    <dgm:linClrLst meth="repeat">
+      <a:schemeClr val="accent1">
+        <a:tint val="60000"/>
+      </a:schemeClr>
+    </dgm:linClrLst>
+    <dgm:effectClrLst/>
+    <dgm:txLinClrLst/>
+    <dgm:txFillClrLst meth="repeat">
+      <a:schemeClr val="lt1"/>
+    </dgm:txFillClrLst>
+    <dgm:txEffectClrLst/>
+  </dgm:styleLbl>
+  <dgm:styleLbl name="parChTrans2D2">
+    <dgm:fillClrLst meth="repeat">
+      <a:schemeClr val="accent1"/>
+    </dgm:fillClrLst>
+    <dgm:linClrLst meth="repeat">
+      <a:schemeClr val="accent1"/>
+    </dgm:linClrLst>
+    <dgm:effectClrLst/>
+    <dgm:txLinClrLst/>
+    <dgm:txFillClrLst meth="repeat">
+      <a:schemeClr val="lt1"/>
+    </dgm:txFillClrLst>
+    <dgm:txEffectClrLst/>
+  </dgm:styleLbl>
+  <dgm:styleLbl name="parChTrans2D3">
+    <dgm:fillClrLst meth="repeat">
+      <a:schemeClr val="accent1"/>
+    </dgm:fillClrLst>
+    <dgm:linClrLst meth="repeat">
+      <a:schemeClr val="accent1"/>
+    </dgm:linClrLst>
+    <dgm:effectClrLst/>
+    <dgm:txLinClrLst/>
+    <dgm:txFillClrLst meth="repeat">
+      <a:schemeClr val="lt1"/>
+    </dgm:txFillClrLst>
+    <dgm:txEffectClrLst/>
+  </dgm:styleLbl>
+  <dgm:styleLbl name="parChTrans2D4">
+    <dgm:fillClrLst meth="repeat">
+      <a:schemeClr val="accent1"/>
+    </dgm:fillClrLst>
+    <dgm:linClrLst meth="repeat">
+      <a:schemeClr val="accent1"/>
+    </dgm:linClrLst>
+    <dgm:effectClrLst/>
+    <dgm:txLinClrLst/>
+    <dgm:txFillClrLst meth="repeat">
+      <a:schemeClr val="lt1"/>
+    </dgm:txFillClrLst>
+    <dgm:txEffectClrLst/>
+  </dgm:styleLbl>
+  <dgm:styleLbl name="parChTrans1D1">
+    <dgm:fillClrLst meth="repeat">
+      <a:schemeClr val="accent1"/>
+    </dgm:fillClrLst>
+    <dgm:linClrLst meth="repeat">
+      <a:schemeClr val="accent1">
+        <a:shade val="60000"/>
+      </a:schemeClr>
+    </dgm:linClrLst>
+    <dgm:effectClrLst/>
+    <dgm:txLinClrLst/>
+    <dgm:txFillClrLst meth="repeat">
+      <a:schemeClr val="tx1"/>
+    </dgm:txFillClrLst>
+    <dgm:txEffectClrLst/>
+  </dgm:styleLbl>
+  <dgm:styleLbl name="parChTrans1D2">
+    <dgm:fillClrLst meth="repeat">
+      <a:schemeClr val="accent1"/>
+    </dgm:fillClrLst>
+    <dgm:linClrLst meth="repeat">
+      <a:schemeClr val="accent1">
+        <a:shade val="60000"/>
+      </a:schemeClr>
+    </dgm:linClrLst>
+    <dgm:effectClrLst/>
+    <dgm:txLinClrLst/>
+    <dgm:txFillClrLst meth="repeat">
+      <a:schemeClr val="tx1"/>
+    </dgm:txFillClrLst>
+    <dgm:txEffectClrLst/>
+  </dgm:styleLbl>
+  <dgm:styleLbl name="parChTrans1D3">
+    <dgm:fillClrLst meth="repeat">
+      <a:schemeClr val="accent1"/>
+    </dgm:fillClrLst>
+    <dgm:linClrLst meth="repeat">
+      <a:schemeClr val="accent1">
+        <a:shade val="80000"/>
+      </a:schemeClr>
+    </dgm:linClrLst>
+    <dgm:effectClrLst/>
+    <dgm:txLinClrLst/>
+    <dgm:txFillClrLst meth="repeat">
+      <a:schemeClr val="tx1"/>
+    </dgm:txFillClrLst>
+    <dgm:txEffectClrLst/>
+  </dgm:styleLbl>
+  <dgm:styleLbl name="parChTrans1D4">
+    <dgm:fillClrLst meth="repeat">
+      <a:schemeClr val="accent1"/>
+    </dgm:fillClrLst>
+    <dgm:linClrLst meth="repeat">
+      <a:schemeClr val="accent1">
+        <a:shade val="80000"/>
+      </a:schemeClr>
+    </dgm:linClrLst>
+    <dgm:effectClrLst/>
+    <dgm:txLinClrLst/>
+    <dgm:txFillClrLst meth="repeat">
+      <a:schemeClr val="tx1"/>
+    </dgm:txFillClrLst>
+    <dgm:txEffectClrLst/>
+  </dgm:styleLbl>
+  <dgm:styleLbl name="fgAcc1">
+    <dgm:fillClrLst meth="repeat">
+      <a:schemeClr val="lt1">
+        <a:alpha val="90000"/>
+      </a:schemeClr>
+    </dgm:fillClrLst>
+    <dgm:linClrLst meth="repeat">
+      <a:schemeClr val="accent1"/>
+    </dgm:linClrLst>
+    <dgm:effectClrLst/>
+    <dgm:txLinClrLst/>
+    <dgm:txFillClrLst meth="repeat">
+      <a:schemeClr val="dk1"/>
+    </dgm:txFillClrLst>
+    <dgm:txEffectClrLst/>
+  </dgm:styleLbl>
+  <dgm:styleLbl name="conFgAcc1">
+    <dgm:fillClrLst meth="repeat">
+      <a:schemeClr val="lt1">
+        <a:alpha val="90000"/>
+      </a:schemeClr>
+    </dgm:fillClrLst>
+    <dgm:linClrLst meth="repeat">
+      <a:schemeClr val="accent1"/>
+    </dgm:linClrLst>
+    <dgm:effectClrLst/>
+    <dgm:txLinClrLst/>
+    <dgm:txFillClrLst meth="repeat">
+      <a:schemeClr val="dk1"/>
+    </dgm:txFillClrLst>
+    <dgm:txEffectClrLst/>
+  </dgm:styleLbl>
+  <dgm:styleLbl name="alignAcc1">
+    <dgm:fillClrLst meth="repeat">
+      <a:schemeClr val="lt1">
+        <a:alpha val="90000"/>
+      </a:schemeClr>
+    </dgm:fillClrLst>
+    <dgm:linClrLst meth="repeat">
+      <a:schemeClr val="accent1"/>
+    </dgm:linClrLst>
+    <dgm:effectClrLst/>
+    <dgm:txLinClrLst/>
+    <dgm:txFillClrLst meth="repeat">
+      <a:schemeClr val="dk1"/>
+    </dgm:txFillClrLst>
+    <dgm:txEffectClrLst/>
+  </dgm:styleLbl>
+  <dgm:styleLbl name="trAlignAcc1">
+    <dgm:fillClrLst meth="repeat">
+      <a:schemeClr val="lt1">
+        <a:alpha val="40000"/>
+      </a:schemeClr>
+    </dgm:fillClrLst>
+    <dgm:linClrLst meth="repeat">
+      <a:schemeClr val="accent1"/>
+    </dgm:linClrLst>
+    <dgm:effectClrLst/>
+    <dgm:txLinClrLst/>
+    <dgm:txFillClrLst meth="repeat">
+      <a:schemeClr val="dk1"/>
+    </dgm:txFillClrLst>
+    <dgm:txEffectClrLst/>
+  </dgm:styleLbl>
+  <dgm:styleLbl name="bgAcc1">
+    <dgm:fillClrLst meth="repeat">
+      <a:schemeClr val="lt1">
+        <a:alpha val="90000"/>
+      </a:schemeClr>
+    </dgm:fillClrLst>
+    <dgm:linClrLst meth="repeat">
+      <a:schemeClr val="accent1"/>
+    </dgm:linClrLst>
+    <dgm:effectClrLst/>
+    <dgm:txLinClrLst/>
+    <dgm:txFillClrLst meth="repeat">
+      <a:schemeClr val="dk1"/>
+    </dgm:txFillClrLst>
+    <dgm:txEffectClrLst/>
+  </dgm:styleLbl>
+  <dgm:styleLbl name="solidFgAcc1">
+    <dgm:fillClrLst meth="repeat">
+      <a:schemeClr val="lt1"/>
+    </dgm:fillClrLst>
+    <dgm:linClrLst meth="repeat">
+      <a:schemeClr val="accent1"/>
+    </dgm:linClrLst>
+    <dgm:effectClrLst/>
+    <dgm:txLinClrLst/>
+    <dgm:txFillClrLst meth="repeat">
+      <a:schemeClr val="dk1"/>
+    </dgm:txFillClrLst>
+    <dgm:txEffectClrLst/>
+  </dgm:styleLbl>
+  <dgm:styleLbl name="solidAlignAcc1">
+    <dgm:fillClrLst meth="repeat">
+      <a:schemeClr val="lt1"/>
+    </dgm:fillClrLst>
+    <dgm:linClrLst meth="repeat">
+      <a:schemeClr val="accent1"/>
+    </dgm:linClrLst>
+    <dgm:effectClrLst/>
+    <dgm:txLinClrLst/>
+    <dgm:txFillClrLst meth="repeat">
+      <a:schemeClr val="dk1"/>
+    </dgm:txFillClrLst>
+    <dgm:txEffectClrLst/>
+  </dgm:styleLbl>
+  <dgm:styleLbl name="solidBgAcc1">
+    <dgm:fillClrLst meth="repeat">
+      <a:schemeClr val="lt1"/>
+    </dgm:fillClrLst>
+    <dgm:linClrLst meth="repeat">
+      <a:schemeClr val="accent1"/>
+    </dgm:linClrLst>
+    <dgm:effectClrLst/>
+    <dgm:txLinClrLst/>
+    <dgm:txFillClrLst meth="repeat">
+      <a:schemeClr val="dk1"/>
+    </dgm:txFillClrLst>
+    <dgm:txEffectClrLst/>
+  </dgm:styleLbl>
+  <dgm:styleLbl name="fgAccFollowNode1">
+    <dgm:fillClrLst meth="repeat">
+      <a:schemeClr val="accent1">
+        <a:alpha val="90000"/>
+        <a:tint val="40000"/>
+      </a:schemeClr>
+    </dgm:fillClrLst>
+    <dgm:linClrLst meth="repeat">
+      <a:schemeClr val="accent1">
+        <a:alpha val="90000"/>
+        <a:tint val="40000"/>
+      </a:schemeClr>
+    </dgm:linClrLst>
+    <dgm:effectClrLst/>
+    <dgm:txLinClrLst/>
+    <dgm:txFillClrLst meth="repeat">
+      <a:schemeClr val="dk1"/>
+    </dgm:txFillClrLst>
+    <dgm:txEffectClrLst/>
+  </dgm:styleLbl>
+  <dgm:styleLbl name="alignAccFollowNode1">
+    <dgm:fillClrLst meth="repeat">
+      <a:schemeClr val="accent1">
+        <a:alpha val="90000"/>
+        <a:tint val="40000"/>
+      </a:schemeClr>
+    </dgm:fillClrLst>
+    <dgm:linClrLst meth="repeat">
+      <a:schemeClr val="accent1">
+        <a:alpha val="90000"/>
+        <a:tint val="40000"/>
+      </a:schemeClr>
+    </dgm:linClrLst>
+    <dgm:effectClrLst/>
+    <dgm:txLinClrLst/>
+    <dgm:txFillClrLst meth="repeat">
+      <a:schemeClr val="dk1"/>
+    </dgm:txFillClrLst>
+    <dgm:txEffectClrLst/>
+  </dgm:styleLbl>
+  <dgm:styleLbl name="bgAccFollowNode1">
+    <dgm:fillClrLst meth="repeat">
+      <a:schemeClr val="accent1">
+        <a:alpha val="90000"/>
+        <a:tint val="40000"/>
+      </a:schemeClr>
+    </dgm:fillClrLst>
+    <dgm:linClrLst meth="repeat">
+      <a:schemeClr val="accent1">
+        <a:alpha val="90000"/>
+        <a:tint val="40000"/>
+      </a:schemeClr>
+    </dgm:linClrLst>
+    <dgm:effectClrLst/>
+    <dgm:txLinClrLst/>
+    <dgm:txFillClrLst meth="repeat">
+      <a:schemeClr val="dk1"/>
+    </dgm:txFillClrLst>
+    <dgm:txEffectClrLst/>
+  </dgm:styleLbl>
+  <dgm:styleLbl name="fgAcc0">
+    <dgm:fillClrLst meth="repeat">
+      <a:schemeClr val="lt1">
+        <a:alpha val="90000"/>
+      </a:schemeClr>
+    </dgm:fillClrLst>
+    <dgm:linClrLst meth="repeat">
+      <a:schemeClr val="accent1"/>
+    </dgm:linClrLst>
+    <dgm:effectClrLst/>
+    <dgm:txLinClrLst/>
+    <dgm:txFillClrLst meth="repeat">
+      <a:schemeClr val="dk1"/>
+    </dgm:txFillClrLst>
+    <dgm:txEffectClrLst/>
+  </dgm:styleLbl>
+  <dgm:styleLbl name="fgAcc2">
+    <dgm:fillClrLst meth="repeat">
+      <a:schemeClr val="lt1">
+        <a:alpha val="90000"/>
+      </a:schemeClr>
+    </dgm:fillClrLst>
+    <dgm:linClrLst meth="repeat">
+      <a:schemeClr val="accent1"/>
+    </dgm:linClrLst>
+    <dgm:effectClrLst/>
+    <dgm:txLinClrLst/>
+    <dgm:txFillClrLst meth="repeat">
+      <a:schemeClr val="dk1"/>
+    </dgm:txFillClrLst>
+    <dgm:txEffectClrLst/>
+  </dgm:styleLbl>
+  <dgm:styleLbl name="fgAcc3">
+    <dgm:fillClrLst meth="repeat">
+      <a:schemeClr val="lt1">
+        <a:alpha val="90000"/>
+      </a:schemeClr>
+    </dgm:fillClrLst>
+    <dgm:linClrLst meth="repeat">
+      <a:schemeClr val="accent1"/>
+    </dgm:linClrLst>
+    <dgm:effectClrLst/>
+    <dgm:txLinClrLst/>
+    <dgm:txFillClrLst meth="repeat">
+      <a:schemeClr val="dk1"/>
+    </dgm:txFillClrLst>
+    <dgm:txEffectClrLst/>
+  </dgm:styleLbl>
+  <dgm:styleLbl name="fgAcc4">
+    <dgm:fillClrLst meth="repeat">
+      <a:schemeClr val="lt1">
+        <a:alpha val="90000"/>
+      </a:schemeClr>
+    </dgm:fillClrLst>
+    <dgm:linClrLst meth="repeat">
+      <a:schemeClr val="accent1"/>
+    </dgm:linClrLst>
+    <dgm:effectClrLst/>
+    <dgm:txLinClrLst/>
+    <dgm:txFillClrLst meth="repeat">
+      <a:schemeClr val="dk1"/>
+    </dgm:txFillClrLst>
+    <dgm:txEffectClrLst/>
+  </dgm:styleLbl>
+  <dgm:styleLbl name="bgShp">
+    <dgm:fillClrLst meth="repeat">
+      <a:schemeClr val="accent1">
+        <a:tint val="40000"/>
+      </a:schemeClr>
+    </dgm:fillClrLst>
+    <dgm:linClrLst meth="repeat">
+      <a:schemeClr val="accent1"/>
+    </dgm:linClrLst>
+    <dgm:effectClrLst/>
+    <dgm:txLinClrLst/>
+    <dgm:txFillClrLst meth="repeat">
+      <a:schemeClr val="dk1"/>
+    </dgm:txFillClrLst>
+    <dgm:txEffectClrLst/>
+  </dgm:styleLbl>
+  <dgm:styleLbl name="dkBgShp">
+    <dgm:fillClrLst meth="repeat">
+      <a:schemeClr val="accent1">
+        <a:shade val="80000"/>
+      </a:schemeClr>
+    </dgm:fillClrLst>
+    <dgm:linClrLst meth="repeat">
+      <a:schemeClr val="accent1"/>
+    </dgm:linClrLst>
+    <dgm:effectClrLst/>
+    <dgm:txLinClrLst/>
+    <dgm:txFillClrLst meth="repeat">
+      <a:schemeClr val="lt1"/>
+    </dgm:txFillClrLst>
+    <dgm:txEffectClrLst/>
+  </dgm:styleLbl>
+  <dgm:styleLbl name="trBgShp">
+    <dgm:fillClrLst meth="repeat">
+      <a:schemeClr val="accent1">
+        <a:tint val="50000"/>
+        <a:alpha val="40000"/>
+      </a:schemeClr>
+    </dgm:fillClrLst>
+    <dgm:linClrLst meth="repeat">
+      <a:schemeClr val="accent1"/>
+    </dgm:linClrLst>
+    <dgm:effectClrLst/>
+    <dgm:txLinClrLst/>
+    <dgm:txFillClrLst meth="repeat">
+      <a:schemeClr val="lt1"/>
+    </dgm:txFillClrLst>
+    <dgm:txEffectClrLst/>
+  </dgm:styleLbl>
+  <dgm:styleLbl name="fgShp">
+    <dgm:fillClrLst meth="repeat">
+      <a:schemeClr val="accent1">
+        <a:tint val="60000"/>
+      </a:schemeClr>
+    </dgm:fillClrLst>
+    <dgm:linClrLst meth="repeat">
+      <a:schemeClr val="lt1"/>
+    </dgm:linClrLst>
+    <dgm:effectClrLst/>
+    <dgm:txLinClrLst/>
+    <dgm:txFillClrLst meth="repeat">
+      <a:schemeClr val="dk1"/>
+    </dgm:txFillClrLst>
+    <dgm:txEffectClrLst/>
+  </dgm:styleLbl>
+  <dgm:styleLbl name="revTx">
+    <dgm:fillClrLst meth="repeat">
+      <a:schemeClr val="lt1">
+        <a:alpha val="0"/>
+      </a:schemeClr>
+    </dgm:fillClrLst>
+    <dgm:linClrLst meth="repeat">
+      <a:schemeClr val="dk1">
+        <a:alpha val="0"/>
+      </a:schemeClr>
+    </dgm:linClrLst>
+    <dgm:effectClrLst/>
+    <dgm:txLinClrLst/>
+    <dgm:txFillClrLst meth="repeat">
+      <a:schemeClr val="tx1"/>
+    </dgm:txFillClrLst>
+    <dgm:txEffectClrLst/>
+  </dgm:styleLbl>
+</dgm:colorsDef>
+</file>
+
+<file path=ppt/diagrams/colors2.xml><?xml version="1.0" encoding="utf-8"?>
+<dgm:colorsDef xmlns:dgm="http://schemas.openxmlformats.org/drawingml/2006/diagram" xmlns:a="http://schemas.openxmlformats.org/drawingml/2006/main" uniqueId="urn:microsoft.com/office/officeart/2005/8/colors/accent1_2">
+  <dgm:title val=""/>
+  <dgm:desc val=""/>
+  <dgm:catLst>
+    <dgm:cat type="accent1" pri="11200"/>
+  </dgm:catLst>
+  <dgm:styleLbl name="node0">
+    <dgm:fillClrLst meth="repeat">
+      <a:schemeClr val="accent1"/>
+    </dgm:fillClrLst>
+    <dgm:linClrLst meth="repeat">
+      <a:schemeClr val="lt1"/>
+    </dgm:linClrLst>
+    <dgm:effectClrLst/>
+    <dgm:txLinClrLst/>
+    <dgm:txFillClrLst/>
+    <dgm:txEffectClrLst/>
+  </dgm:styleLbl>
+  <dgm:styleLbl name="alignNode1">
+    <dgm:fillClrLst meth="repeat">
+      <a:schemeClr val="accent1"/>
+    </dgm:fillClrLst>
+    <dgm:linClrLst meth="repeat">
+      <a:schemeClr val="accent1"/>
+    </dgm:linClrLst>
+    <dgm:effectClrLst/>
+    <dgm:txLinClrLst/>
+    <dgm:txFillClrLst/>
+    <dgm:txEffectClrLst/>
+  </dgm:styleLbl>
+  <dgm:styleLbl name="node1">
+    <dgm:fillClrLst meth="repeat">
+      <a:schemeClr val="accent1"/>
+    </dgm:fillClrLst>
+    <dgm:linClrLst meth="repeat">
+      <a:schemeClr val="lt1"/>
+    </dgm:linClrLst>
+    <dgm:effectClrLst/>
+    <dgm:txLinClrLst/>
+    <dgm:txFillClrLst/>
+    <dgm:txEffectClrLst/>
+  </dgm:styleLbl>
+  <dgm:styleLbl name="lnNode1">
+    <dgm:fillClrLst meth="repeat">
+      <a:schemeClr val="accent1"/>
+    </dgm:fillClrLst>
+    <dgm:linClrLst meth="repeat">
+      <a:schemeClr val="lt1"/>
+    </dgm:linClrLst>
+    <dgm:effectClrLst/>
+    <dgm:txLinClrLst/>
+    <dgm:txFillClrLst/>
+    <dgm:txEffectClrLst/>
+  </dgm:styleLbl>
+  <dgm:styleLbl name="vennNode1">
+    <dgm:fillClrLst meth="repeat">
+      <a:schemeClr val="accent1">
+        <a:alpha val="50000"/>
+      </a:schemeClr>
+    </dgm:fillClrLst>
+    <dgm:linClrLst meth="repeat">
+      <a:schemeClr val="lt1"/>
+    </dgm:linClrLst>
+    <dgm:effectClrLst/>
+    <dgm:txLinClrLst/>
+    <dgm:txFillClrLst/>
+    <dgm:txEffectClrLst/>
+  </dgm:styleLbl>
+  <dgm:styleLbl name="node2">
+    <dgm:fillClrLst meth="repeat">
+      <a:schemeClr val="accent1"/>
+    </dgm:fillClrLst>
+    <dgm:linClrLst meth="repeat">
+      <a:schemeClr val="lt1"/>
+    </dgm:linClrLst>
+    <dgm:effectClrLst/>
+    <dgm:txLinClrLst/>
+    <dgm:txFillClrLst/>
+    <dgm:txEffectClrLst/>
+  </dgm:styleLbl>
+  <dgm:styleLbl name="node3">
+    <dgm:fillClrLst meth="repeat">
+      <a:schemeClr val="accent1"/>
+    </dgm:fillClrLst>
+    <dgm:linClrLst meth="repeat">
+      <a:schemeClr val="lt1"/>
+    </dgm:linClrLst>
+    <dgm:effectClrLst/>
+    <dgm:txLinClrLst/>
+    <dgm:txFillClrLst/>
+    <dgm:txEffectClrLst/>
+  </dgm:styleLbl>
+  <dgm:styleLbl name="node4">
+    <dgm:fillClrLst meth="repeat">
+      <a:schemeClr val="accent1"/>
+    </dgm:fillClrLst>
+    <dgm:linClrLst meth="repeat">
+      <a:schemeClr val="lt1"/>
+    </dgm:linClrLst>
+    <dgm:effectClrLst/>
+    <dgm:txLinClrLst/>
+    <dgm:txFillClrLst/>
+    <dgm:txEffectClrLst/>
+  </dgm:styleLbl>
+  <dgm:styleLbl name="fgImgPlace1">
+    <dgm:fillClrLst meth="repeat">
+      <a:schemeClr val="accent1">
+        <a:tint val="50000"/>
+      </a:schemeClr>
+    </dgm:fillClrLst>
+    <dgm:linClrLst meth="repeat">
+      <a:schemeClr val="lt1"/>
+    </dgm:linClrLst>
+    <dgm:effectClrLst/>
+    <dgm:txLinClrLst/>
+    <dgm:txFillClrLst meth="repeat">
+      <a:schemeClr val="lt1"/>
+    </dgm:txFillClrLst>
+    <dgm:txEffectClrLst/>
+  </dgm:styleLbl>
+  <dgm:styleLbl name="alignImgPlace1">
+    <dgm:fillClrLst meth="repeat">
+      <a:schemeClr val="accent1">
+        <a:tint val="50000"/>
+      </a:schemeClr>
+    </dgm:fillClrLst>
+    <dgm:linClrLst meth="repeat">
+      <a:schemeClr val="lt1"/>
+    </dgm:linClrLst>
+    <dgm:effectClrLst/>
+    <dgm:txLinClrLst/>
+    <dgm:txFillClrLst meth="repeat">
+      <a:schemeClr val="lt1"/>
+    </dgm:txFillClrLst>
+    <dgm:txEffectClrLst/>
+  </dgm:styleLbl>
+  <dgm:styleLbl name="bgImgPlace1">
+    <dgm:fillClrLst meth="repeat">
+      <a:schemeClr val="accent1">
+        <a:tint val="50000"/>
+      </a:schemeClr>
+    </dgm:fillClrLst>
+    <dgm:linClrLst meth="repeat">
+      <a:schemeClr val="lt1"/>
+    </dgm:linClrLst>
+    <dgm:effectClrLst/>
+    <dgm:txLinClrLst/>
+    <dgm:txFillClrLst meth="repeat">
+      <a:schemeClr val="lt1"/>
+    </dgm:txFillClrLst>
+    <dgm:txEffectClrLst/>
+  </dgm:styleLbl>
+  <dgm:styleLbl name="sibTrans2D1">
+    <dgm:fillClrLst meth="repeat">
+      <a:schemeClr val="accent1">
+        <a:tint val="60000"/>
+      </a:schemeClr>
+    </dgm:fillClrLst>
+    <dgm:linClrLst meth="repeat">
+      <a:schemeClr val="accent1">
+        <a:tint val="60000"/>
+      </a:schemeClr>
+    </dgm:linClrLst>
+    <dgm:effectClrLst/>
+    <dgm:txLinClrLst/>
+    <dgm:txFillClrLst/>
+    <dgm:txEffectClrLst/>
+  </dgm:styleLbl>
+  <dgm:styleLbl name="fgSibTrans2D1">
+    <dgm:fillClrLst meth="repeat">
+      <a:schemeClr val="accent1">
+        <a:tint val="60000"/>
+      </a:schemeClr>
+    </dgm:fillClrLst>
+    <dgm:linClrLst meth="repeat">
+      <a:schemeClr val="accent1">
+        <a:tint val="60000"/>
+      </a:schemeClr>
+    </dgm:linClrLst>
+    <dgm:effectClrLst/>
+    <dgm:txLinClrLst/>
+    <dgm:txFillClrLst/>
+    <dgm:txEffectClrLst/>
+  </dgm:styleLbl>
+  <dgm:styleLbl name="bgSibTrans2D1">
+    <dgm:fillClrLst meth="repeat">
+      <a:schemeClr val="accent1">
+        <a:tint val="60000"/>
+      </a:schemeClr>
+    </dgm:fillClrLst>
+    <dgm:linClrLst meth="repeat">
+      <a:schemeClr val="accent1">
+        <a:tint val="60000"/>
+      </a:schemeClr>
+    </dgm:linClrLst>
+    <dgm:effectClrLst/>
+    <dgm:txLinClrLst/>
+    <dgm:txFillClrLst/>
+    <dgm:txEffectClrLst/>
+  </dgm:styleLbl>
+  <dgm:styleLbl name="sibTrans1D1">
+    <dgm:fillClrLst meth="repeat">
+      <a:schemeClr val="accent1"/>
+    </dgm:fillClrLst>
+    <dgm:linClrLst meth="repeat">
+      <a:schemeClr val="accent1"/>
+    </dgm:linClrLst>
+    <dgm:effectClrLst/>
+    <dgm:txLinClrLst/>
+    <dgm:txFillClrLst meth="repeat">
+      <a:schemeClr val="tx1"/>
+    </dgm:txFillClrLst>
+    <dgm:txEffectClrLst/>
+  </dgm:styleLbl>
+  <dgm:styleLbl name="callout">
+    <dgm:fillClrLst meth="repeat">
+      <a:schemeClr val="accent1"/>
+    </dgm:fillClrLst>
+    <dgm:linClrLst meth="repeat">
+      <a:schemeClr val="accent1">
+        <a:tint val="50000"/>
+      </a:schemeClr>
+    </dgm:linClrLst>
+    <dgm:effectClrLst/>
+    <dgm:txLinClrLst/>
+    <dgm:txFillClrLst meth="repeat">
+      <a:schemeClr val="tx1"/>
+    </dgm:txFillClrLst>
+    <dgm:txEffectClrLst/>
+  </dgm:styleLbl>
+  <dgm:styleLbl name="asst0">
+    <dgm:fillClrLst meth="repeat">
+      <a:schemeClr val="accent1"/>
+    </dgm:fillClrLst>
+    <dgm:linClrLst meth="repeat">
+      <a:schemeClr val="lt1"/>
+    </dgm:linClrLst>
+    <dgm:effectClrLst/>
+    <dgm:txLinClrLst/>
+    <dgm:txFillClrLst/>
+    <dgm:txEffectClrLst/>
+  </dgm:styleLbl>
+  <dgm:styleLbl name="asst1">
+    <dgm:fillClrLst meth="repeat">
+      <a:schemeClr val="accent1"/>
+    </dgm:fillClrLst>
+    <dgm:linClrLst meth="repeat">
+      <a:schemeClr val="lt1"/>
+    </dgm:linClrLst>
+    <dgm:effectClrLst/>
+    <dgm:txLinClrLst/>
+    <dgm:txFillClrLst/>
+    <dgm:txEffectClrLst/>
+  </dgm:styleLbl>
+  <dgm:styleLbl name="asst2">
+    <dgm:fillClrLst meth="repeat">
+      <a:schemeClr val="accent1"/>
+    </dgm:fillClrLst>
+    <dgm:linClrLst meth="repeat">
+      <a:schemeClr val="lt1"/>
+    </dgm:linClrLst>
+    <dgm:effectClrLst/>
+    <dgm:txLinClrLst/>
+    <dgm:txFillClrLst/>
+    <dgm:txEffectClrLst/>
+  </dgm:styleLbl>
+  <dgm:styleLbl name="asst3">
+    <dgm:fillClrLst meth="repeat">
+      <a:schemeClr val="accent1"/>
+    </dgm:fillClrLst>
+    <dgm:linClrLst meth="repeat">
+      <a:schemeClr val="lt1"/>
+    </dgm:linClrLst>
+    <dgm:effectClrLst/>
+    <dgm:txLinClrLst/>
+    <dgm:txFillClrLst/>
+    <dgm:txEffectClrLst/>
+  </dgm:styleLbl>
+  <dgm:styleLbl name="asst4">
+    <dgm:fillClrLst meth="repeat">
+      <a:schemeClr val="accent1"/>
+    </dgm:fillClrLst>
+    <dgm:linClrLst meth="repeat">
+      <a:schemeClr val="lt1"/>
+    </dgm:linClrLst>
+    <dgm:effectClrLst/>
+    <dgm:txLinClrLst/>
+    <dgm:txFillClrLst/>
+    <dgm:txEffectClrLst/>
+  </dgm:styleLbl>
+  <dgm:styleLbl name="parChTrans2D1">
+    <dgm:fillClrLst meth="repeat">
+      <a:schemeClr val="accent1">
+        <a:tint val="60000"/>
+      </a:schemeClr>
+    </dgm:fillClrLst>
+    <dgm:linClrLst meth="repeat">
+      <a:schemeClr val="accent1">
+        <a:tint val="60000"/>
+      </a:schemeClr>
+    </dgm:linClrLst>
+    <dgm:effectClrLst/>
+    <dgm:txLinClrLst/>
+    <dgm:txFillClrLst meth="repeat">
+      <a:schemeClr val="lt1"/>
+    </dgm:txFillClrLst>
+    <dgm:txEffectClrLst/>
+  </dgm:styleLbl>
+  <dgm:styleLbl name="parChTrans2D2">
+    <dgm:fillClrLst meth="repeat">
+      <a:schemeClr val="accent1"/>
+    </dgm:fillClrLst>
+    <dgm:linClrLst meth="repeat">
+      <a:schemeClr val="accent1"/>
+    </dgm:linClrLst>
+    <dgm:effectClrLst/>
+    <dgm:txLinClrLst/>
+    <dgm:txFillClrLst meth="repeat">
+      <a:schemeClr val="lt1"/>
+    </dgm:txFillClrLst>
+    <dgm:txEffectClrLst/>
+  </dgm:styleLbl>
+  <dgm:styleLbl name="parChTrans2D3">
+    <dgm:fillClrLst meth="repeat">
+      <a:schemeClr val="accent1"/>
+    </dgm:fillClrLst>
+    <dgm:linClrLst meth="repeat">
+      <a:schemeClr val="accent1"/>
+    </dgm:linClrLst>
+    <dgm:effectClrLst/>
+    <dgm:txLinClrLst/>
+    <dgm:txFillClrLst meth="repeat">
+      <a:schemeClr val="lt1"/>
+    </dgm:txFillClrLst>
+    <dgm:txEffectClrLst/>
+  </dgm:styleLbl>
+  <dgm:styleLbl name="parChTrans2D4">
+    <dgm:fillClrLst meth="repeat">
+      <a:schemeClr val="accent1"/>
+    </dgm:fillClrLst>
+    <dgm:linClrLst meth="repeat">
+      <a:schemeClr val="accent1"/>
+    </dgm:linClrLst>
+    <dgm:effectClrLst/>
+    <dgm:txLinClrLst/>
+    <dgm:txFillClrLst meth="repeat">
+      <a:schemeClr val="lt1"/>
+    </dgm:txFillClrLst>
+    <dgm:txEffectClrLst/>
+  </dgm:styleLbl>
+  <dgm:styleLbl name="parChTrans1D1">
+    <dgm:fillClrLst meth="repeat">
+      <a:schemeClr val="accent1"/>
+    </dgm:fillClrLst>
+    <dgm:linClrLst meth="repeat">
+      <a:schemeClr val="accent1">
+        <a:shade val="60000"/>
+      </a:schemeClr>
+    </dgm:linClrLst>
+    <dgm:effectClrLst/>
+    <dgm:txLinClrLst/>
+    <dgm:txFillClrLst meth="repeat">
+      <a:schemeClr val="tx1"/>
+    </dgm:txFillClrLst>
+    <dgm:txEffectClrLst/>
+  </dgm:styleLbl>
+  <dgm:styleLbl name="parChTrans1D2">
+    <dgm:fillClrLst meth="repeat">
+      <a:schemeClr val="accent1"/>
+    </dgm:fillClrLst>
+    <dgm:linClrLst meth="repeat">
+      <a:schemeClr val="accent1">
+        <a:shade val="60000"/>
+      </a:schemeClr>
+    </dgm:linClrLst>
+    <dgm:effectClrLst/>
+    <dgm:txLinClrLst/>
+    <dgm:txFillClrLst meth="repeat">
+      <a:schemeClr val="tx1"/>
+    </dgm:txFillClrLst>
+    <dgm:txEffectClrLst/>
+  </dgm:styleLbl>
+  <dgm:styleLbl name="parChTrans1D3">
+    <dgm:fillClrLst meth="repeat">
+      <a:schemeClr val="accent1"/>
+    </dgm:fillClrLst>
+    <dgm:linClrLst meth="repeat">
+      <a:schemeClr val="accent1">
+        <a:shade val="80000"/>
+      </a:schemeClr>
+    </dgm:linClrLst>
+    <dgm:effectClrLst/>
+    <dgm:txLinClrLst/>
+    <dgm:txFillClrLst meth="repeat">
+      <a:schemeClr val="tx1"/>
+    </dgm:txFillClrLst>
+    <dgm:txEffectClrLst/>
+  </dgm:styleLbl>
+  <dgm:styleLbl name="parChTrans1D4">
+    <dgm:fillClrLst meth="repeat">
+      <a:schemeClr val="accent1"/>
+    </dgm:fillClrLst>
+    <dgm:linClrLst meth="repeat">
+      <a:schemeClr val="accent1">
+        <a:shade val="80000"/>
+      </a:schemeClr>
+    </dgm:linClrLst>
+    <dgm:effectClrLst/>
+    <dgm:txLinClrLst/>
+    <dgm:txFillClrLst meth="repeat">
+      <a:schemeClr val="tx1"/>
+    </dgm:txFillClrLst>
+    <dgm:txEffectClrLst/>
+  </dgm:styleLbl>
+  <dgm:styleLbl name="fgAcc1">
+    <dgm:fillClrLst meth="repeat">
+      <a:schemeClr val="lt1">
+        <a:alpha val="90000"/>
+      </a:schemeClr>
+    </dgm:fillClrLst>
+    <dgm:linClrLst meth="repeat">
+      <a:schemeClr val="accent1"/>
+    </dgm:linClrLst>
+    <dgm:effectClrLst/>
+    <dgm:txLinClrLst/>
+    <dgm:txFillClrLst meth="repeat">
+      <a:schemeClr val="dk1"/>
+    </dgm:txFillClrLst>
+    <dgm:txEffectClrLst/>
+  </dgm:styleLbl>
+  <dgm:styleLbl name="conFgAcc1">
+    <dgm:fillClrLst meth="repeat">
+      <a:schemeClr val="lt1">
+        <a:alpha val="90000"/>
+      </a:schemeClr>
+    </dgm:fillClrLst>
+    <dgm:linClrLst meth="repeat">
+      <a:schemeClr val="accent1"/>
+    </dgm:linClrLst>
+    <dgm:effectClrLst/>
+    <dgm:txLinClrLst/>
+    <dgm:txFillClrLst meth="repeat">
+      <a:schemeClr val="dk1"/>
+    </dgm:txFillClrLst>
+    <dgm:txEffectClrLst/>
+  </dgm:styleLbl>
+  <dgm:styleLbl name="alignAcc1">
+    <dgm:fillClrLst meth="repeat">
+      <a:schemeClr val="lt1">
+        <a:alpha val="90000"/>
+      </a:schemeClr>
+    </dgm:fillClrLst>
+    <dgm:linClrLst meth="repeat">
+      <a:schemeClr val="accent1"/>
+    </dgm:linClrLst>
+    <dgm:effectClrLst/>
+    <dgm:txLinClrLst/>
+    <dgm:txFillClrLst meth="repeat">
+      <a:schemeClr val="dk1"/>
+    </dgm:txFillClrLst>
+    <dgm:txEffectClrLst/>
+  </dgm:styleLbl>
+  <dgm:styleLbl name="trAlignAcc1">
+    <dgm:fillClrLst meth="repeat">
+      <a:schemeClr val="lt1">
+        <a:alpha val="40000"/>
+      </a:schemeClr>
+    </dgm:fillClrLst>
+    <dgm:linClrLst meth="repeat">
+      <a:schemeClr val="accent1"/>
+    </dgm:linClrLst>
+    <dgm:effectClrLst/>
+    <dgm:txLinClrLst/>
+    <dgm:txFillClrLst meth="repeat">
+      <a:schemeClr val="dk1"/>
+    </dgm:txFillClrLst>
+    <dgm:txEffectClrLst/>
+  </dgm:styleLbl>
+  <dgm:styleLbl name="bgAcc1">
+    <dgm:fillClrLst meth="repeat">
+      <a:schemeClr val="lt1">
+        <a:alpha val="90000"/>
+      </a:schemeClr>
+    </dgm:fillClrLst>
+    <dgm:linClrLst meth="repeat">
+      <a:schemeClr val="accent1"/>
+    </dgm:linClrLst>
+    <dgm:effectClrLst/>
+    <dgm:txLinClrLst/>
+    <dgm:txFillClrLst meth="repeat">
+      <a:schemeClr val="dk1"/>
+    </dgm:txFillClrLst>
+    <dgm:txEffectClrLst/>
+  </dgm:styleLbl>
+  <dgm:styleLbl name="solidFgAcc1">
+    <dgm:fillClrLst meth="repeat">
+      <a:schemeClr val="lt1"/>
+    </dgm:fillClrLst>
+    <dgm:linClrLst meth="repeat">
+      <a:schemeClr val="accent1"/>
+    </dgm:linClrLst>
+    <dgm:effectClrLst/>
+    <dgm:txLinClrLst/>
+    <dgm:txFillClrLst meth="repeat">
+      <a:schemeClr val="dk1"/>
+    </dgm:txFillClrLst>
+    <dgm:txEffectClrLst/>
+  </dgm:styleLbl>
+  <dgm:styleLbl name="solidAlignAcc1">
+    <dgm:fillClrLst meth="repeat">
+      <a:schemeClr val="lt1"/>
+    </dgm:fillClrLst>
+    <dgm:linClrLst meth="repeat">
+      <a:schemeClr val="accent1"/>
+    </dgm:linClrLst>
+    <dgm:effectClrLst/>
+    <dgm:txLinClrLst/>
+    <dgm:txFillClrLst meth="repeat">
+      <a:schemeClr val="dk1"/>
+    </dgm:txFillClrLst>
+    <dgm:txEffectClrLst/>
+  </dgm:styleLbl>
+  <dgm:styleLbl name="solidBgAcc1">
+    <dgm:fillClrLst meth="repeat">
+      <a:schemeClr val="lt1"/>
+    </dgm:fillClrLst>
+    <dgm:linClrLst meth="repeat">
+      <a:schemeClr val="accent1"/>
+    </dgm:linClrLst>
+    <dgm:effectClrLst/>
+    <dgm:txLinClrLst/>
+    <dgm:txFillClrLst meth="repeat">
+      <a:schemeClr val="dk1"/>
+    </dgm:txFillClrLst>
+    <dgm:txEffectClrLst/>
+  </dgm:styleLbl>
+  <dgm:styleLbl name="fgAccFollowNode1">
+    <dgm:fillClrLst meth="repeat">
+      <a:schemeClr val="accent1">
+        <a:alpha val="90000"/>
+        <a:tint val="40000"/>
+      </a:schemeClr>
+    </dgm:fillClrLst>
+    <dgm:linClrLst meth="repeat">
+      <a:schemeClr val="accent1">
+        <a:alpha val="90000"/>
+        <a:tint val="40000"/>
+      </a:schemeClr>
+    </dgm:linClrLst>
+    <dgm:effectClrLst/>
+    <dgm:txLinClrLst/>
+    <dgm:txFillClrLst meth="repeat">
+      <a:schemeClr val="dk1"/>
+    </dgm:txFillClrLst>
+    <dgm:txEffectClrLst/>
+  </dgm:styleLbl>
+  <dgm:styleLbl name="alignAccFollowNode1">
+    <dgm:fillClrLst meth="repeat">
+      <a:schemeClr val="accent1">
+        <a:alpha val="90000"/>
+        <a:tint val="40000"/>
+      </a:schemeClr>
+    </dgm:fillClrLst>
+    <dgm:linClrLst meth="repeat">
+      <a:schemeClr val="accent1">
+        <a:alpha val="90000"/>
+        <a:tint val="40000"/>
+      </a:schemeClr>
+    </dgm:linClrLst>
+    <dgm:effectClrLst/>
+    <dgm:txLinClrLst/>
+    <dgm:txFillClrLst meth="repeat">
+      <a:schemeClr val="dk1"/>
+    </dgm:txFillClrLst>
+    <dgm:txEffectClrLst/>
+  </dgm:styleLbl>
+  <dgm:styleLbl name="bgAccFollowNode1">
+    <dgm:fillClrLst meth="repeat">
+      <a:schemeClr val="accent1">
+        <a:alpha val="90000"/>
+        <a:tint val="40000"/>
+      </a:schemeClr>
+    </dgm:fillClrLst>
+    <dgm:linClrLst meth="repeat">
+      <a:schemeClr val="accent1">
+        <a:alpha val="90000"/>
+        <a:tint val="40000"/>
+      </a:schemeClr>
+    </dgm:linClrLst>
+    <dgm:effectClrLst/>
+    <dgm:txLinClrLst/>
+    <dgm:txFillClrLst meth="repeat">
+      <a:schemeClr val="dk1"/>
+    </dgm:txFillClrLst>
+    <dgm:txEffectClrLst/>
+  </dgm:styleLbl>
+  <dgm:styleLbl name="fgAcc0">
+    <dgm:fillClrLst meth="repeat">
+      <a:schemeClr val="lt1">
+        <a:alpha val="90000"/>
+      </a:schemeClr>
+    </dgm:fillClrLst>
+    <dgm:linClrLst meth="repeat">
+      <a:schemeClr val="accent1"/>
+    </dgm:linClrLst>
+    <dgm:effectClrLst/>
+    <dgm:txLinClrLst/>
+    <dgm:txFillClrLst meth="repeat">
+      <a:schemeClr val="dk1"/>
+    </dgm:txFillClrLst>
+    <dgm:txEffectClrLst/>
+  </dgm:styleLbl>
+  <dgm:styleLbl name="fgAcc2">
+    <dgm:fillClrLst meth="repeat">
+      <a:schemeClr val="lt1">
+        <a:alpha val="90000"/>
+      </a:schemeClr>
+    </dgm:fillClrLst>
+    <dgm:linClrLst meth="repeat">
+      <a:schemeClr val="accent1"/>
+    </dgm:linClrLst>
+    <dgm:effectClrLst/>
+    <dgm:txLinClrLst/>
+    <dgm:txFillClrLst meth="repeat">
+      <a:schemeClr val="dk1"/>
+    </dgm:txFillClrLst>
+    <dgm:txEffectClrLst/>
+  </dgm:styleLbl>
+  <dgm:styleLbl name="fgAcc3">
+    <dgm:fillClrLst meth="repeat">
+      <a:schemeClr val="lt1">
+        <a:alpha val="90000"/>
+      </a:schemeClr>
+    </dgm:fillClrLst>
+    <dgm:linClrLst meth="repeat">
+      <a:schemeClr val="accent1"/>
+    </dgm:linClrLst>
+    <dgm:effectClrLst/>
+    <dgm:txLinClrLst/>
+    <dgm:txFillClrLst meth="repeat">
+      <a:schemeClr val="dk1"/>
+    </dgm:txFillClrLst>
+    <dgm:txEffectClrLst/>
+  </dgm:styleLbl>
+  <dgm:styleLbl name="fgAcc4">
+    <dgm:fillClrLst meth="repeat">
+      <a:schemeClr val="lt1">
+        <a:alpha val="90000"/>
+      </a:schemeClr>
+    </dgm:fillClrLst>
+    <dgm:linClrLst meth="repeat">
+      <a:schemeClr val="accent1"/>
+    </dgm:linClrLst>
+    <dgm:effectClrLst/>
+    <dgm:txLinClrLst/>
+    <dgm:txFillClrLst meth="repeat">
+      <a:schemeClr val="dk1"/>
+    </dgm:txFillClrLst>
+    <dgm:txEffectClrLst/>
+  </dgm:styleLbl>
+  <dgm:styleLbl name="bgShp">
+    <dgm:fillClrLst meth="repeat">
+      <a:schemeClr val="accent1">
+        <a:tint val="40000"/>
+      </a:schemeClr>
+    </dgm:fillClrLst>
+    <dgm:linClrLst meth="repeat">
+      <a:schemeClr val="accent1"/>
+    </dgm:linClrLst>
+    <dgm:effectClrLst/>
+    <dgm:txLinClrLst/>
+    <dgm:txFillClrLst meth="repeat">
+      <a:schemeClr val="dk1"/>
+    </dgm:txFillClrLst>
+    <dgm:txEffectClrLst/>
+  </dgm:styleLbl>
+  <dgm:styleLbl name="dkBgShp">
+    <dgm:fillClrLst meth="repeat">
+      <a:schemeClr val="accent1">
+        <a:shade val="80000"/>
+      </a:schemeClr>
+    </dgm:fillClrLst>
+    <dgm:linClrLst meth="repeat">
+      <a:schemeClr val="accent1"/>
+    </dgm:linClrLst>
+    <dgm:effectClrLst/>
+    <dgm:txLinClrLst/>
+    <dgm:txFillClrLst meth="repeat">
+      <a:schemeClr val="lt1"/>
+    </dgm:txFillClrLst>
+    <dgm:txEffectClrLst/>
+  </dgm:styleLbl>
+  <dgm:styleLbl name="trBgShp">
+    <dgm:fillClrLst meth="repeat">
+      <a:schemeClr val="accent1">
+        <a:tint val="50000"/>
+        <a:alpha val="40000"/>
+      </a:schemeClr>
+    </dgm:fillClrLst>
+    <dgm:linClrLst meth="repeat">
+      <a:schemeClr val="accent1"/>
+    </dgm:linClrLst>
+    <dgm:effectClrLst/>
+    <dgm:txLinClrLst/>
+    <dgm:txFillClrLst meth="repeat">
+      <a:schemeClr val="lt1"/>
+    </dgm:txFillClrLst>
+    <dgm:txEffectClrLst/>
+  </dgm:styleLbl>
+  <dgm:styleLbl name="fgShp">
+    <dgm:fillClrLst meth="repeat">
+      <a:schemeClr val="accent1">
+        <a:tint val="60000"/>
+      </a:schemeClr>
+    </dgm:fillClrLst>
+    <dgm:linClrLst meth="repeat">
+      <a:schemeClr val="lt1"/>
+    </dgm:linClrLst>
+    <dgm:effectClrLst/>
+    <dgm:txLinClrLst/>
+    <dgm:txFillClrLst meth="repeat">
+      <a:schemeClr val="dk1"/>
+    </dgm:txFillClrLst>
+    <dgm:txEffectClrLst/>
+  </dgm:styleLbl>
+  <dgm:styleLbl name="revTx">
+    <dgm:fillClrLst meth="repeat">
+      <a:schemeClr val="lt1">
+        <a:alpha val="0"/>
+      </a:schemeClr>
+    </dgm:fillClrLst>
+    <dgm:linClrLst meth="repeat">
+      <a:schemeClr val="dk1">
+        <a:alpha val="0"/>
+      </a:schemeClr>
+    </dgm:linClrLst>
+    <dgm:effectClrLst/>
+    <dgm:txLinClrLst/>
+    <dgm:txFillClrLst meth="repeat">
+      <a:schemeClr val="tx1"/>
+    </dgm:txFillClrLst>
+    <dgm:txEffectClrLst/>
+  </dgm:styleLbl>
+</dgm:colorsDef>
+</file>
+
+<file path=ppt/diagrams/colors3.xml><?xml version="1.0" encoding="utf-8"?>
 <dgm:colorsDef xmlns:dgm="http://schemas.openxmlformats.org/drawingml/2006/diagram" xmlns:a="http://schemas.openxmlformats.org/drawingml/2006/main" uniqueId="urn:microsoft.com/office/officeart/2005/8/colors/accent1_3">
   <dgm:title val=""/>
   <dgm:desc val=""/>
@@ -999,6 +2495,1184 @@
 </file>
 
 <file path=ppt/diagrams/data1.xml><?xml version="1.0" encoding="utf-8"?>
+<dgm:dataModel xmlns:dgm="http://schemas.openxmlformats.org/drawingml/2006/diagram" xmlns:a="http://schemas.openxmlformats.org/drawingml/2006/main">
+  <dgm:ptLst>
+    <dgm:pt modelId="{53C4036B-3254-40A9-B0BD-E6F9AFAE141A}" type="doc">
+      <dgm:prSet loTypeId="urn:microsoft.com/office/officeart/2005/8/layout/hProcess9" loCatId="process" qsTypeId="urn:microsoft.com/office/officeart/2005/8/quickstyle/simple1" qsCatId="simple" csTypeId="urn:microsoft.com/office/officeart/2005/8/colors/accent1_2" csCatId="accent1" phldr="1"/>
+      <dgm:spPr/>
+    </dgm:pt>
+    <dgm:pt modelId="{19778A7B-FD12-4C13-9C9A-F10E8890255F}">
+      <dgm:prSet phldrT="[Text]"/>
+      <dgm:spPr/>
+      <dgm:t>
+        <a:bodyPr/>
+        <a:lstStyle/>
+        <a:p>
+          <a:r>
+            <a:rPr lang="en-US" dirty="0"/>
+            <a:t>Tweets</a:t>
+          </a:r>
+        </a:p>
+      </dgm:t>
+    </dgm:pt>
+    <dgm:pt modelId="{F36B9CD2-BF05-4FE8-A173-52BCAD44348C}" type="parTrans" cxnId="{239CB334-41C4-44D2-BFEE-5D145CD476D6}">
+      <dgm:prSet/>
+      <dgm:spPr/>
+      <dgm:t>
+        <a:bodyPr/>
+        <a:lstStyle/>
+        <a:p>
+          <a:endParaRPr lang="en-US"/>
+        </a:p>
+      </dgm:t>
+    </dgm:pt>
+    <dgm:pt modelId="{C27190C5-EC90-4CAF-B390-35084BA58265}" type="sibTrans" cxnId="{239CB334-41C4-44D2-BFEE-5D145CD476D6}">
+      <dgm:prSet/>
+      <dgm:spPr/>
+      <dgm:t>
+        <a:bodyPr/>
+        <a:lstStyle/>
+        <a:p>
+          <a:endParaRPr lang="en-US"/>
+        </a:p>
+      </dgm:t>
+    </dgm:pt>
+    <dgm:pt modelId="{8A1C179A-59FF-4750-B495-D8BD22644107}">
+      <dgm:prSet phldrT="[Text]" phldr="1"/>
+      <dgm:spPr/>
+      <dgm:t>
+        <a:bodyPr/>
+        <a:lstStyle/>
+        <a:p>
+          <a:endParaRPr lang="en-US" dirty="0"/>
+        </a:p>
+      </dgm:t>
+    </dgm:pt>
+    <dgm:pt modelId="{76F5C572-AE66-4014-99B6-5766AB730B22}" type="parTrans" cxnId="{8184CFB5-78BB-4F75-BF5C-4FD948994683}">
+      <dgm:prSet/>
+      <dgm:spPr/>
+      <dgm:t>
+        <a:bodyPr/>
+        <a:lstStyle/>
+        <a:p>
+          <a:endParaRPr lang="en-US"/>
+        </a:p>
+      </dgm:t>
+    </dgm:pt>
+    <dgm:pt modelId="{D96AAFA4-4B8E-4336-8C7C-C1D6511E4C9D}" type="sibTrans" cxnId="{8184CFB5-78BB-4F75-BF5C-4FD948994683}">
+      <dgm:prSet/>
+      <dgm:spPr/>
+      <dgm:t>
+        <a:bodyPr/>
+        <a:lstStyle/>
+        <a:p>
+          <a:endParaRPr lang="en-US"/>
+        </a:p>
+      </dgm:t>
+    </dgm:pt>
+    <dgm:pt modelId="{4A1936EE-9052-4D7E-B299-981821E0B154}">
+      <dgm:prSet phldrT="[Text]" phldr="1"/>
+      <dgm:spPr/>
+      <dgm:t>
+        <a:bodyPr/>
+        <a:lstStyle/>
+        <a:p>
+          <a:endParaRPr lang="en-US" dirty="0"/>
+        </a:p>
+      </dgm:t>
+    </dgm:pt>
+    <dgm:pt modelId="{585DDFDA-3B0B-445A-A381-B45A17857CD8}" type="parTrans" cxnId="{76ACB643-E0FA-446D-80E8-06F0958A073B}">
+      <dgm:prSet/>
+      <dgm:spPr/>
+      <dgm:t>
+        <a:bodyPr/>
+        <a:lstStyle/>
+        <a:p>
+          <a:endParaRPr lang="en-US"/>
+        </a:p>
+      </dgm:t>
+    </dgm:pt>
+    <dgm:pt modelId="{D294CDAA-C924-4376-9F74-C69E4C6D146E}" type="sibTrans" cxnId="{76ACB643-E0FA-446D-80E8-06F0958A073B}">
+      <dgm:prSet/>
+      <dgm:spPr/>
+      <dgm:t>
+        <a:bodyPr/>
+        <a:lstStyle/>
+        <a:p>
+          <a:endParaRPr lang="en-US"/>
+        </a:p>
+      </dgm:t>
+    </dgm:pt>
+    <dgm:pt modelId="{46BDB9AB-D6E8-4BC2-8284-898AFEEB18EC}">
+      <dgm:prSet phldrT="[Text]"/>
+      <dgm:spPr/>
+      <dgm:t>
+        <a:bodyPr/>
+        <a:lstStyle/>
+        <a:p>
+          <a:endParaRPr lang="en-US" dirty="0"/>
+        </a:p>
+      </dgm:t>
+    </dgm:pt>
+    <dgm:pt modelId="{C12A8C5C-A684-424B-8F6A-A6B827CB0AA1}" type="parTrans" cxnId="{7227D202-41E8-485A-ACFC-558FBC6FA88D}">
+      <dgm:prSet/>
+      <dgm:spPr/>
+      <dgm:t>
+        <a:bodyPr/>
+        <a:lstStyle/>
+        <a:p>
+          <a:endParaRPr lang="en-US"/>
+        </a:p>
+      </dgm:t>
+    </dgm:pt>
+    <dgm:pt modelId="{80C8D187-5B48-4BA6-9E57-295EF609F674}" type="sibTrans" cxnId="{7227D202-41E8-485A-ACFC-558FBC6FA88D}">
+      <dgm:prSet/>
+      <dgm:spPr/>
+      <dgm:t>
+        <a:bodyPr/>
+        <a:lstStyle/>
+        <a:p>
+          <a:endParaRPr lang="en-US"/>
+        </a:p>
+      </dgm:t>
+    </dgm:pt>
+    <dgm:pt modelId="{34521409-94F4-4D4F-B649-70080873E82B}">
+      <dgm:prSet phldrT="[Text]"/>
+      <dgm:spPr/>
+      <dgm:t>
+        <a:bodyPr/>
+        <a:lstStyle/>
+        <a:p>
+          <a:endParaRPr lang="en-US" dirty="0"/>
+        </a:p>
+      </dgm:t>
+    </dgm:pt>
+    <dgm:pt modelId="{814E9308-F7AC-4E78-92CA-0DF2A456FD10}" type="parTrans" cxnId="{1BC4453B-0A2F-4025-87E7-6B3E58565514}">
+      <dgm:prSet/>
+      <dgm:spPr/>
+      <dgm:t>
+        <a:bodyPr/>
+        <a:lstStyle/>
+        <a:p>
+          <a:endParaRPr lang="en-US"/>
+        </a:p>
+      </dgm:t>
+    </dgm:pt>
+    <dgm:pt modelId="{7F428F40-6897-45B1-8AC2-FC3568A54D47}" type="sibTrans" cxnId="{1BC4453B-0A2F-4025-87E7-6B3E58565514}">
+      <dgm:prSet/>
+      <dgm:spPr/>
+      <dgm:t>
+        <a:bodyPr/>
+        <a:lstStyle/>
+        <a:p>
+          <a:endParaRPr lang="en-US"/>
+        </a:p>
+      </dgm:t>
+    </dgm:pt>
+    <dgm:pt modelId="{D4EE7CAC-0BD4-4606-A3B0-BC6726EBCB88}">
+      <dgm:prSet phldrT="[Text]"/>
+      <dgm:spPr/>
+      <dgm:t>
+        <a:bodyPr/>
+        <a:lstStyle/>
+        <a:p>
+          <a:endParaRPr lang="en-US" dirty="0"/>
+        </a:p>
+      </dgm:t>
+    </dgm:pt>
+    <dgm:pt modelId="{B3A0FF91-22E8-40E3-A6DA-7A215D011803}" type="parTrans" cxnId="{301B9C1A-2331-4753-9497-75435857AE20}">
+      <dgm:prSet/>
+      <dgm:spPr/>
+      <dgm:t>
+        <a:bodyPr/>
+        <a:lstStyle/>
+        <a:p>
+          <a:endParaRPr lang="en-US"/>
+        </a:p>
+      </dgm:t>
+    </dgm:pt>
+    <dgm:pt modelId="{F4D401E6-2875-4FB4-AF19-45F4EC997322}" type="sibTrans" cxnId="{301B9C1A-2331-4753-9497-75435857AE20}">
+      <dgm:prSet/>
+      <dgm:spPr/>
+      <dgm:t>
+        <a:bodyPr/>
+        <a:lstStyle/>
+        <a:p>
+          <a:endParaRPr lang="en-US"/>
+        </a:p>
+      </dgm:t>
+    </dgm:pt>
+    <dgm:pt modelId="{4C09E74C-5120-48BA-B087-A6E8F91FBE66}" type="pres">
+      <dgm:prSet presAssocID="{53C4036B-3254-40A9-B0BD-E6F9AFAE141A}" presName="CompostProcess" presStyleCnt="0">
+        <dgm:presLayoutVars>
+          <dgm:dir/>
+          <dgm:resizeHandles val="exact"/>
+        </dgm:presLayoutVars>
+      </dgm:prSet>
+      <dgm:spPr/>
+    </dgm:pt>
+    <dgm:pt modelId="{A40B1D93-2272-4B39-9378-06A7FF290D7C}" type="pres">
+      <dgm:prSet presAssocID="{53C4036B-3254-40A9-B0BD-E6F9AFAE141A}" presName="arrow" presStyleLbl="bgShp" presStyleIdx="0" presStyleCnt="1"/>
+      <dgm:spPr/>
+    </dgm:pt>
+    <dgm:pt modelId="{92712AB0-0CBE-4837-A209-43BD4B527C06}" type="pres">
+      <dgm:prSet presAssocID="{53C4036B-3254-40A9-B0BD-E6F9AFAE141A}" presName="linearProcess" presStyleCnt="0"/>
+      <dgm:spPr/>
+    </dgm:pt>
+    <dgm:pt modelId="{F4F57F76-D1E7-4588-9B60-30C93D15FA60}" type="pres">
+      <dgm:prSet presAssocID="{19778A7B-FD12-4C13-9C9A-F10E8890255F}" presName="textNode" presStyleLbl="node1" presStyleIdx="0" presStyleCnt="6">
+        <dgm:presLayoutVars>
+          <dgm:bulletEnabled val="1"/>
+        </dgm:presLayoutVars>
+      </dgm:prSet>
+      <dgm:spPr/>
+    </dgm:pt>
+    <dgm:pt modelId="{751E1072-CF0A-45F3-B735-5FA083AA6634}" type="pres">
+      <dgm:prSet presAssocID="{C27190C5-EC90-4CAF-B390-35084BA58265}" presName="sibTrans" presStyleCnt="0"/>
+      <dgm:spPr/>
+    </dgm:pt>
+    <dgm:pt modelId="{BF90CF63-D497-4F1F-B6AB-719B004C59FE}" type="pres">
+      <dgm:prSet presAssocID="{8A1C179A-59FF-4750-B495-D8BD22644107}" presName="textNode" presStyleLbl="node1" presStyleIdx="1" presStyleCnt="6">
+        <dgm:presLayoutVars>
+          <dgm:bulletEnabled val="1"/>
+        </dgm:presLayoutVars>
+      </dgm:prSet>
+      <dgm:spPr/>
+    </dgm:pt>
+    <dgm:pt modelId="{DC1A98D4-8656-4C9B-AF57-682634445D90}" type="pres">
+      <dgm:prSet presAssocID="{D96AAFA4-4B8E-4336-8C7C-C1D6511E4C9D}" presName="sibTrans" presStyleCnt="0"/>
+      <dgm:spPr/>
+    </dgm:pt>
+    <dgm:pt modelId="{DB3D4FDE-4C9B-48D7-B212-4B70B3B30472}" type="pres">
+      <dgm:prSet presAssocID="{4A1936EE-9052-4D7E-B299-981821E0B154}" presName="textNode" presStyleLbl="node1" presStyleIdx="2" presStyleCnt="6">
+        <dgm:presLayoutVars>
+          <dgm:bulletEnabled val="1"/>
+        </dgm:presLayoutVars>
+      </dgm:prSet>
+      <dgm:spPr/>
+    </dgm:pt>
+    <dgm:pt modelId="{486C5CF0-EBF9-433D-8BA9-1995CF5960A2}" type="pres">
+      <dgm:prSet presAssocID="{D294CDAA-C924-4376-9F74-C69E4C6D146E}" presName="sibTrans" presStyleCnt="0"/>
+      <dgm:spPr/>
+    </dgm:pt>
+    <dgm:pt modelId="{08657EB2-0DF2-401B-9CAF-EABD5BCE458B}" type="pres">
+      <dgm:prSet presAssocID="{34521409-94F4-4D4F-B649-70080873E82B}" presName="textNode" presStyleLbl="node1" presStyleIdx="3" presStyleCnt="6">
+        <dgm:presLayoutVars>
+          <dgm:bulletEnabled val="1"/>
+        </dgm:presLayoutVars>
+      </dgm:prSet>
+      <dgm:spPr/>
+    </dgm:pt>
+    <dgm:pt modelId="{656B7615-CDAE-4F1B-B4F9-366270821A0F}" type="pres">
+      <dgm:prSet presAssocID="{7F428F40-6897-45B1-8AC2-FC3568A54D47}" presName="sibTrans" presStyleCnt="0"/>
+      <dgm:spPr/>
+    </dgm:pt>
+    <dgm:pt modelId="{929B4F05-4FEB-4C04-9CB7-E7D7C949337C}" type="pres">
+      <dgm:prSet presAssocID="{D4EE7CAC-0BD4-4606-A3B0-BC6726EBCB88}" presName="textNode" presStyleLbl="node1" presStyleIdx="4" presStyleCnt="6">
+        <dgm:presLayoutVars>
+          <dgm:bulletEnabled val="1"/>
+        </dgm:presLayoutVars>
+      </dgm:prSet>
+      <dgm:spPr/>
+    </dgm:pt>
+    <dgm:pt modelId="{6727479D-5C6A-4D8B-90C9-6409A4E0F3F8}" type="pres">
+      <dgm:prSet presAssocID="{F4D401E6-2875-4FB4-AF19-45F4EC997322}" presName="sibTrans" presStyleCnt="0"/>
+      <dgm:spPr/>
+    </dgm:pt>
+    <dgm:pt modelId="{22280DE5-4AFC-4FE0-8F8D-4B72D51BCDCF}" type="pres">
+      <dgm:prSet presAssocID="{46BDB9AB-D6E8-4BC2-8284-898AFEEB18EC}" presName="textNode" presStyleLbl="node1" presStyleIdx="5" presStyleCnt="6">
+        <dgm:presLayoutVars>
+          <dgm:bulletEnabled val="1"/>
+        </dgm:presLayoutVars>
+      </dgm:prSet>
+      <dgm:spPr/>
+    </dgm:pt>
+  </dgm:ptLst>
+  <dgm:cxnLst>
+    <dgm:cxn modelId="{D0ACC501-C362-4C4A-A2F6-9FB7FB8322C2}" type="presOf" srcId="{34521409-94F4-4D4F-B649-70080873E82B}" destId="{08657EB2-0DF2-401B-9CAF-EABD5BCE458B}" srcOrd="0" destOrd="0" presId="urn:microsoft.com/office/officeart/2005/8/layout/hProcess9"/>
+    <dgm:cxn modelId="{7227D202-41E8-485A-ACFC-558FBC6FA88D}" srcId="{53C4036B-3254-40A9-B0BD-E6F9AFAE141A}" destId="{46BDB9AB-D6E8-4BC2-8284-898AFEEB18EC}" srcOrd="5" destOrd="0" parTransId="{C12A8C5C-A684-424B-8F6A-A6B827CB0AA1}" sibTransId="{80C8D187-5B48-4BA6-9E57-295EF609F674}"/>
+    <dgm:cxn modelId="{301B9C1A-2331-4753-9497-75435857AE20}" srcId="{53C4036B-3254-40A9-B0BD-E6F9AFAE141A}" destId="{D4EE7CAC-0BD4-4606-A3B0-BC6726EBCB88}" srcOrd="4" destOrd="0" parTransId="{B3A0FF91-22E8-40E3-A6DA-7A215D011803}" sibTransId="{F4D401E6-2875-4FB4-AF19-45F4EC997322}"/>
+    <dgm:cxn modelId="{9677791E-DE58-4A0A-A6E4-F164A971F709}" type="presOf" srcId="{D4EE7CAC-0BD4-4606-A3B0-BC6726EBCB88}" destId="{929B4F05-4FEB-4C04-9CB7-E7D7C949337C}" srcOrd="0" destOrd="0" presId="urn:microsoft.com/office/officeart/2005/8/layout/hProcess9"/>
+    <dgm:cxn modelId="{239CB334-41C4-44D2-BFEE-5D145CD476D6}" srcId="{53C4036B-3254-40A9-B0BD-E6F9AFAE141A}" destId="{19778A7B-FD12-4C13-9C9A-F10E8890255F}" srcOrd="0" destOrd="0" parTransId="{F36B9CD2-BF05-4FE8-A173-52BCAD44348C}" sibTransId="{C27190C5-EC90-4CAF-B390-35084BA58265}"/>
+    <dgm:cxn modelId="{1BC4453B-0A2F-4025-87E7-6B3E58565514}" srcId="{53C4036B-3254-40A9-B0BD-E6F9AFAE141A}" destId="{34521409-94F4-4D4F-B649-70080873E82B}" srcOrd="3" destOrd="0" parTransId="{814E9308-F7AC-4E78-92CA-0DF2A456FD10}" sibTransId="{7F428F40-6897-45B1-8AC2-FC3568A54D47}"/>
+    <dgm:cxn modelId="{2739A85D-5AF4-4E41-BC91-4698DEAC2A0F}" type="presOf" srcId="{46BDB9AB-D6E8-4BC2-8284-898AFEEB18EC}" destId="{22280DE5-4AFC-4FE0-8F8D-4B72D51BCDCF}" srcOrd="0" destOrd="0" presId="urn:microsoft.com/office/officeart/2005/8/layout/hProcess9"/>
+    <dgm:cxn modelId="{76ACB643-E0FA-446D-80E8-06F0958A073B}" srcId="{53C4036B-3254-40A9-B0BD-E6F9AFAE141A}" destId="{4A1936EE-9052-4D7E-B299-981821E0B154}" srcOrd="2" destOrd="0" parTransId="{585DDFDA-3B0B-445A-A381-B45A17857CD8}" sibTransId="{D294CDAA-C924-4376-9F74-C69E4C6D146E}"/>
+    <dgm:cxn modelId="{B3986447-3D7D-4536-BB25-025ED7D7EA01}" type="presOf" srcId="{19778A7B-FD12-4C13-9C9A-F10E8890255F}" destId="{F4F57F76-D1E7-4588-9B60-30C93D15FA60}" srcOrd="0" destOrd="0" presId="urn:microsoft.com/office/officeart/2005/8/layout/hProcess9"/>
+    <dgm:cxn modelId="{0BDFA24C-B7A8-4C15-A6D5-209EB3F00478}" type="presOf" srcId="{53C4036B-3254-40A9-B0BD-E6F9AFAE141A}" destId="{4C09E74C-5120-48BA-B087-A6E8F91FBE66}" srcOrd="0" destOrd="0" presId="urn:microsoft.com/office/officeart/2005/8/layout/hProcess9"/>
+    <dgm:cxn modelId="{8184CFB5-78BB-4F75-BF5C-4FD948994683}" srcId="{53C4036B-3254-40A9-B0BD-E6F9AFAE141A}" destId="{8A1C179A-59FF-4750-B495-D8BD22644107}" srcOrd="1" destOrd="0" parTransId="{76F5C572-AE66-4014-99B6-5766AB730B22}" sibTransId="{D96AAFA4-4B8E-4336-8C7C-C1D6511E4C9D}"/>
+    <dgm:cxn modelId="{109C4CCD-728A-4788-B09F-FEC3EFA4D5E1}" type="presOf" srcId="{4A1936EE-9052-4D7E-B299-981821E0B154}" destId="{DB3D4FDE-4C9B-48D7-B212-4B70B3B30472}" srcOrd="0" destOrd="0" presId="urn:microsoft.com/office/officeart/2005/8/layout/hProcess9"/>
+    <dgm:cxn modelId="{68C7EEE7-912A-419C-B71C-D1B9CC5B772D}" type="presOf" srcId="{8A1C179A-59FF-4750-B495-D8BD22644107}" destId="{BF90CF63-D497-4F1F-B6AB-719B004C59FE}" srcOrd="0" destOrd="0" presId="urn:microsoft.com/office/officeart/2005/8/layout/hProcess9"/>
+    <dgm:cxn modelId="{35206AC4-F153-41E1-B754-27973F76AE44}" type="presParOf" srcId="{4C09E74C-5120-48BA-B087-A6E8F91FBE66}" destId="{A40B1D93-2272-4B39-9378-06A7FF290D7C}" srcOrd="0" destOrd="0" presId="urn:microsoft.com/office/officeart/2005/8/layout/hProcess9"/>
+    <dgm:cxn modelId="{8C15F173-EDA3-43E6-9809-E4D1345016AD}" type="presParOf" srcId="{4C09E74C-5120-48BA-B087-A6E8F91FBE66}" destId="{92712AB0-0CBE-4837-A209-43BD4B527C06}" srcOrd="1" destOrd="0" presId="urn:microsoft.com/office/officeart/2005/8/layout/hProcess9"/>
+    <dgm:cxn modelId="{0A36B690-C81D-44C4-9A78-078790E60E16}" type="presParOf" srcId="{92712AB0-0CBE-4837-A209-43BD4B527C06}" destId="{F4F57F76-D1E7-4588-9B60-30C93D15FA60}" srcOrd="0" destOrd="0" presId="urn:microsoft.com/office/officeart/2005/8/layout/hProcess9"/>
+    <dgm:cxn modelId="{083565B3-BCF9-44C8-9BE9-2197FAB681D3}" type="presParOf" srcId="{92712AB0-0CBE-4837-A209-43BD4B527C06}" destId="{751E1072-CF0A-45F3-B735-5FA083AA6634}" srcOrd="1" destOrd="0" presId="urn:microsoft.com/office/officeart/2005/8/layout/hProcess9"/>
+    <dgm:cxn modelId="{CC94378C-E680-4DD5-A7E0-06B0D6EC30BD}" type="presParOf" srcId="{92712AB0-0CBE-4837-A209-43BD4B527C06}" destId="{BF90CF63-D497-4F1F-B6AB-719B004C59FE}" srcOrd="2" destOrd="0" presId="urn:microsoft.com/office/officeart/2005/8/layout/hProcess9"/>
+    <dgm:cxn modelId="{18BE55F6-5767-40BB-AF5E-8225B4F890A8}" type="presParOf" srcId="{92712AB0-0CBE-4837-A209-43BD4B527C06}" destId="{DC1A98D4-8656-4C9B-AF57-682634445D90}" srcOrd="3" destOrd="0" presId="urn:microsoft.com/office/officeart/2005/8/layout/hProcess9"/>
+    <dgm:cxn modelId="{D1BC9157-9A37-477D-88D3-17E9D1146B7E}" type="presParOf" srcId="{92712AB0-0CBE-4837-A209-43BD4B527C06}" destId="{DB3D4FDE-4C9B-48D7-B212-4B70B3B30472}" srcOrd="4" destOrd="0" presId="urn:microsoft.com/office/officeart/2005/8/layout/hProcess9"/>
+    <dgm:cxn modelId="{98799D3A-C5AB-4494-99B6-F1700653AA6C}" type="presParOf" srcId="{92712AB0-0CBE-4837-A209-43BD4B527C06}" destId="{486C5CF0-EBF9-433D-8BA9-1995CF5960A2}" srcOrd="5" destOrd="0" presId="urn:microsoft.com/office/officeart/2005/8/layout/hProcess9"/>
+    <dgm:cxn modelId="{97C1422C-69B7-431B-9248-C9D7DC0A2E50}" type="presParOf" srcId="{92712AB0-0CBE-4837-A209-43BD4B527C06}" destId="{08657EB2-0DF2-401B-9CAF-EABD5BCE458B}" srcOrd="6" destOrd="0" presId="urn:microsoft.com/office/officeart/2005/8/layout/hProcess9"/>
+    <dgm:cxn modelId="{2AEB1B53-3BEE-4D1D-91AF-E23256B70965}" type="presParOf" srcId="{92712AB0-0CBE-4837-A209-43BD4B527C06}" destId="{656B7615-CDAE-4F1B-B4F9-366270821A0F}" srcOrd="7" destOrd="0" presId="urn:microsoft.com/office/officeart/2005/8/layout/hProcess9"/>
+    <dgm:cxn modelId="{E8CDF2D3-7913-4CD1-AAAF-BBC8CC619C6E}" type="presParOf" srcId="{92712AB0-0CBE-4837-A209-43BD4B527C06}" destId="{929B4F05-4FEB-4C04-9CB7-E7D7C949337C}" srcOrd="8" destOrd="0" presId="urn:microsoft.com/office/officeart/2005/8/layout/hProcess9"/>
+    <dgm:cxn modelId="{A9CED981-42EA-4301-8BD6-217A1DF62AEA}" type="presParOf" srcId="{92712AB0-0CBE-4837-A209-43BD4B527C06}" destId="{6727479D-5C6A-4D8B-90C9-6409A4E0F3F8}" srcOrd="9" destOrd="0" presId="urn:microsoft.com/office/officeart/2005/8/layout/hProcess9"/>
+    <dgm:cxn modelId="{2285EFD2-563E-4F86-8882-933793625266}" type="presParOf" srcId="{92712AB0-0CBE-4837-A209-43BD4B527C06}" destId="{22280DE5-4AFC-4FE0-8F8D-4B72D51BCDCF}" srcOrd="10" destOrd="0" presId="urn:microsoft.com/office/officeart/2005/8/layout/hProcess9"/>
+  </dgm:cxnLst>
+  <dgm:bg/>
+  <dgm:whole/>
+  <dgm:extLst>
+    <a:ext uri="http://schemas.microsoft.com/office/drawing/2008/diagram">
+      <dsp:dataModelExt xmlns:dsp="http://schemas.microsoft.com/office/drawing/2008/diagram" relId="rId6" minVer="http://schemas.openxmlformats.org/drawingml/2006/diagram"/>
+    </a:ext>
+  </dgm:extLst>
+</dgm:dataModel>
+</file>
+
+<file path=ppt/diagrams/data2.xml><?xml version="1.0" encoding="utf-8"?>
+<dgm:dataModel xmlns:dgm="http://schemas.openxmlformats.org/drawingml/2006/diagram" xmlns:a="http://schemas.openxmlformats.org/drawingml/2006/main">
+  <dgm:ptLst>
+    <dgm:pt modelId="{FCC610B7-ED4E-48C8-A8DD-65CE90BF37A6}" type="doc">
+      <dgm:prSet loTypeId="urn:microsoft.com/office/officeart/2005/8/layout/hProcess6" loCatId="process" qsTypeId="urn:microsoft.com/office/officeart/2005/8/quickstyle/simple1" qsCatId="simple" csTypeId="urn:microsoft.com/office/officeart/2005/8/colors/accent1_2" csCatId="accent1" phldr="1"/>
+      <dgm:spPr/>
+      <dgm:t>
+        <a:bodyPr/>
+        <a:lstStyle/>
+        <a:p>
+          <a:endParaRPr lang="en-US"/>
+        </a:p>
+      </dgm:t>
+    </dgm:pt>
+    <dgm:pt modelId="{27656DE9-ECD7-4D88-81F7-9ED3A9785DCF}">
+      <dgm:prSet phldrT="[Text]" custT="1"/>
+      <dgm:spPr/>
+      <dgm:t>
+        <a:bodyPr/>
+        <a:lstStyle/>
+        <a:p>
+          <a:r>
+            <a:rPr lang="en-US" sz="1400" dirty="0"/>
+            <a:t>Tweets </a:t>
+          </a:r>
+          <a:r>
+            <a:rPr lang="en-US" sz="1100" dirty="0"/>
+            <a:t>(true &amp; false)</a:t>
+          </a:r>
+          <a:endParaRPr lang="en-US" sz="1400" dirty="0"/>
+        </a:p>
+      </dgm:t>
+    </dgm:pt>
+    <dgm:pt modelId="{483C0942-EB27-414B-A1A2-07DE1FB9E8A5}" type="parTrans" cxnId="{7F85FF6C-D1B4-480B-998D-8F1E49FAF637}">
+      <dgm:prSet/>
+      <dgm:spPr/>
+      <dgm:t>
+        <a:bodyPr/>
+        <a:lstStyle/>
+        <a:p>
+          <a:endParaRPr lang="en-US"/>
+        </a:p>
+      </dgm:t>
+    </dgm:pt>
+    <dgm:pt modelId="{8FADB66C-B728-4A0B-BCDF-B9E58EA103AB}" type="sibTrans" cxnId="{7F85FF6C-D1B4-480B-998D-8F1E49FAF637}">
+      <dgm:prSet/>
+      <dgm:spPr/>
+      <dgm:t>
+        <a:bodyPr/>
+        <a:lstStyle/>
+        <a:p>
+          <a:endParaRPr lang="en-US"/>
+        </a:p>
+      </dgm:t>
+    </dgm:pt>
+    <dgm:pt modelId="{73A99067-B670-46CC-BCA2-782FC06E7D35}">
+      <dgm:prSet phldrT="[Text]" custT="1"/>
+      <dgm:spPr/>
+      <dgm:t>
+        <a:bodyPr/>
+        <a:lstStyle/>
+        <a:p>
+          <a:r>
+            <a:rPr lang="en-US" sz="1200" dirty="0"/>
+            <a:t>Clean Tweets</a:t>
+          </a:r>
+        </a:p>
+      </dgm:t>
+    </dgm:pt>
+    <dgm:pt modelId="{73FB6610-32ED-4E4A-8D54-580471C5AC98}" type="parTrans" cxnId="{959D3E33-20C4-4928-B3B8-A4DED4CBBB8A}">
+      <dgm:prSet/>
+      <dgm:spPr/>
+      <dgm:t>
+        <a:bodyPr/>
+        <a:lstStyle/>
+        <a:p>
+          <a:endParaRPr lang="en-US"/>
+        </a:p>
+      </dgm:t>
+    </dgm:pt>
+    <dgm:pt modelId="{69BC14C4-CCAC-43CA-B1CB-BCDD9809B24C}" type="sibTrans" cxnId="{959D3E33-20C4-4928-B3B8-A4DED4CBBB8A}">
+      <dgm:prSet/>
+      <dgm:spPr/>
+      <dgm:t>
+        <a:bodyPr/>
+        <a:lstStyle/>
+        <a:p>
+          <a:endParaRPr lang="en-US"/>
+        </a:p>
+      </dgm:t>
+    </dgm:pt>
+    <dgm:pt modelId="{871044BB-2EFE-463E-8F59-113BBCBBDE21}">
+      <dgm:prSet phldrT="[Text]"/>
+      <dgm:spPr/>
+      <dgm:t>
+        <a:bodyPr/>
+        <a:lstStyle/>
+        <a:p>
+          <a:r>
+            <a:rPr lang="en-US" dirty="0"/>
+            <a:t>List of words</a:t>
+          </a:r>
+        </a:p>
+      </dgm:t>
+    </dgm:pt>
+    <dgm:pt modelId="{6E9F2DBF-A72D-4687-B1A5-45F07FE3D863}" type="parTrans" cxnId="{8D9B7DEC-2B4F-49F3-9028-A67C1150349C}">
+      <dgm:prSet/>
+      <dgm:spPr/>
+      <dgm:t>
+        <a:bodyPr/>
+        <a:lstStyle/>
+        <a:p>
+          <a:endParaRPr lang="en-US"/>
+        </a:p>
+      </dgm:t>
+    </dgm:pt>
+    <dgm:pt modelId="{2375A552-71D8-4A9F-B451-52DFA027BD3C}" type="sibTrans" cxnId="{8D9B7DEC-2B4F-49F3-9028-A67C1150349C}">
+      <dgm:prSet/>
+      <dgm:spPr/>
+      <dgm:t>
+        <a:bodyPr/>
+        <a:lstStyle/>
+        <a:p>
+          <a:endParaRPr lang="en-US"/>
+        </a:p>
+      </dgm:t>
+    </dgm:pt>
+    <dgm:pt modelId="{2E534356-EDDC-43D6-9665-7A6383E1A8D8}">
+      <dgm:prSet phldrT="[Text]"/>
+      <dgm:spPr/>
+      <dgm:t>
+        <a:bodyPr/>
+        <a:lstStyle/>
+        <a:p>
+          <a:r>
+            <a:rPr lang="en-US" dirty="0"/>
+            <a:t>From Words to Numbers</a:t>
+          </a:r>
+        </a:p>
+      </dgm:t>
+    </dgm:pt>
+    <dgm:pt modelId="{00440162-D8AE-4A8A-A118-A4BB9C0D3489}" type="parTrans" cxnId="{2476B4EC-55FE-401D-8B0F-2AF85C95885A}">
+      <dgm:prSet/>
+      <dgm:spPr/>
+      <dgm:t>
+        <a:bodyPr/>
+        <a:lstStyle/>
+        <a:p>
+          <a:endParaRPr lang="en-US"/>
+        </a:p>
+      </dgm:t>
+    </dgm:pt>
+    <dgm:pt modelId="{FF85F851-E3CE-4AB3-A6B4-1479EE875AE4}" type="sibTrans" cxnId="{2476B4EC-55FE-401D-8B0F-2AF85C95885A}">
+      <dgm:prSet/>
+      <dgm:spPr/>
+      <dgm:t>
+        <a:bodyPr/>
+        <a:lstStyle/>
+        <a:p>
+          <a:endParaRPr lang="en-US"/>
+        </a:p>
+      </dgm:t>
+    </dgm:pt>
+    <dgm:pt modelId="{475FA737-41F9-44B4-8C83-F0B9D712B98E}">
+      <dgm:prSet phldrT="[Text]" phldr="1"/>
+      <dgm:spPr/>
+      <dgm:t>
+        <a:bodyPr/>
+        <a:lstStyle/>
+        <a:p>
+          <a:endParaRPr lang="en-US" dirty="0"/>
+        </a:p>
+      </dgm:t>
+    </dgm:pt>
+    <dgm:pt modelId="{346D991E-B02E-4EC5-B867-69BB6C9E0753}" type="parTrans" cxnId="{379FD5B2-5771-42D2-A622-4490EB895BA1}">
+      <dgm:prSet/>
+      <dgm:spPr/>
+      <dgm:t>
+        <a:bodyPr/>
+        <a:lstStyle/>
+        <a:p>
+          <a:endParaRPr lang="en-US"/>
+        </a:p>
+      </dgm:t>
+    </dgm:pt>
+    <dgm:pt modelId="{D9CDF5DE-F892-4039-AA67-79B755766452}" type="sibTrans" cxnId="{379FD5B2-5771-42D2-A622-4490EB895BA1}">
+      <dgm:prSet/>
+      <dgm:spPr/>
+      <dgm:t>
+        <a:bodyPr/>
+        <a:lstStyle/>
+        <a:p>
+          <a:endParaRPr lang="en-US"/>
+        </a:p>
+      </dgm:t>
+    </dgm:pt>
+    <dgm:pt modelId="{7E979A2A-D8A9-4D34-BF5B-0D44D76DE951}">
+      <dgm:prSet phldrT="[Text]" phldr="1"/>
+      <dgm:spPr/>
+      <dgm:t>
+        <a:bodyPr/>
+        <a:lstStyle/>
+        <a:p>
+          <a:endParaRPr lang="en-US" dirty="0"/>
+        </a:p>
+      </dgm:t>
+    </dgm:pt>
+    <dgm:pt modelId="{E2889108-9599-4DBA-A4ED-3B077A2D1BC3}" type="parTrans" cxnId="{4E58F09E-1F79-4BA4-874E-E5CCECB1CE69}">
+      <dgm:prSet/>
+      <dgm:spPr/>
+      <dgm:t>
+        <a:bodyPr/>
+        <a:lstStyle/>
+        <a:p>
+          <a:endParaRPr lang="en-US"/>
+        </a:p>
+      </dgm:t>
+    </dgm:pt>
+    <dgm:pt modelId="{C559D5D4-33FB-42B7-87D7-3C49D17723A6}" type="sibTrans" cxnId="{4E58F09E-1F79-4BA4-874E-E5CCECB1CE69}">
+      <dgm:prSet/>
+      <dgm:spPr/>
+      <dgm:t>
+        <a:bodyPr/>
+        <a:lstStyle/>
+        <a:p>
+          <a:endParaRPr lang="en-US"/>
+        </a:p>
+      </dgm:t>
+    </dgm:pt>
+    <dgm:pt modelId="{D85729E4-4DE3-4050-8C2C-11286444AD3A}">
+      <dgm:prSet phldrT="[Text]" phldr="1"/>
+      <dgm:spPr/>
+      <dgm:t>
+        <a:bodyPr/>
+        <a:lstStyle/>
+        <a:p>
+          <a:endParaRPr lang="en-US" dirty="0"/>
+        </a:p>
+      </dgm:t>
+    </dgm:pt>
+    <dgm:pt modelId="{0D9412D4-F67C-43F3-A349-C4F75A8DF5B4}" type="parTrans" cxnId="{AF2AA922-6CD7-4681-9F08-42003D3EBF54}">
+      <dgm:prSet/>
+      <dgm:spPr/>
+      <dgm:t>
+        <a:bodyPr/>
+        <a:lstStyle/>
+        <a:p>
+          <a:endParaRPr lang="en-US"/>
+        </a:p>
+      </dgm:t>
+    </dgm:pt>
+    <dgm:pt modelId="{F84E7151-CACB-4339-959F-84E3A569308A}" type="sibTrans" cxnId="{AF2AA922-6CD7-4681-9F08-42003D3EBF54}">
+      <dgm:prSet/>
+      <dgm:spPr/>
+      <dgm:t>
+        <a:bodyPr/>
+        <a:lstStyle/>
+        <a:p>
+          <a:endParaRPr lang="en-US"/>
+        </a:p>
+      </dgm:t>
+    </dgm:pt>
+    <dgm:pt modelId="{5BF5E0B4-9837-46FA-93DA-87DC0349312F}">
+      <dgm:prSet phldrT="[Text]"/>
+      <dgm:spPr/>
+      <dgm:t>
+        <a:bodyPr/>
+        <a:lstStyle/>
+        <a:p>
+          <a:r>
+            <a:rPr lang="en-US" dirty="0"/>
+            <a:t>Ff</a:t>
+          </a:r>
+        </a:p>
+      </dgm:t>
+    </dgm:pt>
+    <dgm:pt modelId="{348B0274-CF7E-4E08-A9C3-CB97CEF59B8B}" type="parTrans" cxnId="{E984863B-0DE8-4C2A-A70A-F762EBFAF5D2}">
+      <dgm:prSet/>
+      <dgm:spPr/>
+      <dgm:t>
+        <a:bodyPr/>
+        <a:lstStyle/>
+        <a:p>
+          <a:endParaRPr lang="en-US"/>
+        </a:p>
+      </dgm:t>
+    </dgm:pt>
+    <dgm:pt modelId="{87F20F50-61C6-4302-BBE4-55A60869C1B2}" type="sibTrans" cxnId="{E984863B-0DE8-4C2A-A70A-F762EBFAF5D2}">
+      <dgm:prSet/>
+      <dgm:spPr/>
+      <dgm:t>
+        <a:bodyPr/>
+        <a:lstStyle/>
+        <a:p>
+          <a:endParaRPr lang="en-US"/>
+        </a:p>
+      </dgm:t>
+    </dgm:pt>
+    <dgm:pt modelId="{88064330-217C-4D6F-81E5-6DDE9316A7B5}">
+      <dgm:prSet phldrT="[Text]"/>
+      <dgm:spPr/>
+      <dgm:t>
+        <a:bodyPr/>
+        <a:lstStyle/>
+        <a:p>
+          <a:r>
+            <a:rPr lang="en-US" dirty="0"/>
+            <a:t>Kk</a:t>
+          </a:r>
+        </a:p>
+      </dgm:t>
+    </dgm:pt>
+    <dgm:pt modelId="{26CC7EA4-B636-4A98-A450-3C277DB641B1}" type="parTrans" cxnId="{2F8279B3-49B9-48C7-9545-B60FA4AC41E3}">
+      <dgm:prSet/>
+      <dgm:spPr/>
+      <dgm:t>
+        <a:bodyPr/>
+        <a:lstStyle/>
+        <a:p>
+          <a:endParaRPr lang="en-US"/>
+        </a:p>
+      </dgm:t>
+    </dgm:pt>
+    <dgm:pt modelId="{B5F4915A-35C7-4A8B-8AEE-E2E83B005F0E}" type="sibTrans" cxnId="{2F8279B3-49B9-48C7-9545-B60FA4AC41E3}">
+      <dgm:prSet/>
+      <dgm:spPr/>
+      <dgm:t>
+        <a:bodyPr/>
+        <a:lstStyle/>
+        <a:p>
+          <a:endParaRPr lang="en-US"/>
+        </a:p>
+      </dgm:t>
+    </dgm:pt>
+    <dgm:pt modelId="{17B1720C-00B2-4612-982D-2A683C297FB9}">
+      <dgm:prSet phldrT="[Text]"/>
+      <dgm:spPr/>
+      <dgm:t>
+        <a:bodyPr/>
+        <a:lstStyle/>
+        <a:p>
+          <a:r>
+            <a:rPr lang="en-US" dirty="0" err="1"/>
+            <a:t>nn</a:t>
+          </a:r>
+          <a:endParaRPr lang="en-US" dirty="0"/>
+        </a:p>
+      </dgm:t>
+    </dgm:pt>
+    <dgm:pt modelId="{D4221D54-D68F-45D7-9CC4-9D8532D3849E}" type="parTrans" cxnId="{1F1684D6-EC9B-4C61-86DC-F4C9C8D80219}">
+      <dgm:prSet/>
+      <dgm:spPr/>
+      <dgm:t>
+        <a:bodyPr/>
+        <a:lstStyle/>
+        <a:p>
+          <a:endParaRPr lang="en-US"/>
+        </a:p>
+      </dgm:t>
+    </dgm:pt>
+    <dgm:pt modelId="{F2E50D6D-2BBF-443D-AB57-FA9AFB5671C6}" type="sibTrans" cxnId="{1F1684D6-EC9B-4C61-86DC-F4C9C8D80219}">
+      <dgm:prSet/>
+      <dgm:spPr/>
+      <dgm:t>
+        <a:bodyPr/>
+        <a:lstStyle/>
+        <a:p>
+          <a:endParaRPr lang="en-US"/>
+        </a:p>
+      </dgm:t>
+    </dgm:pt>
+    <dgm:pt modelId="{ACFFD53E-0357-4AA0-8FA5-D167B95FC0D8}">
+      <dgm:prSet phldrT="[Text]"/>
+      <dgm:spPr/>
+      <dgm:t>
+        <a:bodyPr/>
+        <a:lstStyle/>
+        <a:p>
+          <a:endParaRPr lang="en-US" sz="1100" dirty="0"/>
+        </a:p>
+      </dgm:t>
+    </dgm:pt>
+    <dgm:pt modelId="{FBFEC8B7-34BD-46E4-9A97-4062175F996A}" type="parTrans" cxnId="{6DC08D5F-CF14-4346-94E7-D04FB2019778}">
+      <dgm:prSet/>
+      <dgm:spPr/>
+      <dgm:t>
+        <a:bodyPr/>
+        <a:lstStyle/>
+        <a:p>
+          <a:endParaRPr lang="en-US"/>
+        </a:p>
+      </dgm:t>
+    </dgm:pt>
+    <dgm:pt modelId="{74A27EA9-45FE-4454-9A7C-44BC02E6F3AA}" type="sibTrans" cxnId="{6DC08D5F-CF14-4346-94E7-D04FB2019778}">
+      <dgm:prSet/>
+      <dgm:spPr/>
+      <dgm:t>
+        <a:bodyPr/>
+        <a:lstStyle/>
+        <a:p>
+          <a:endParaRPr lang="en-US"/>
+        </a:p>
+      </dgm:t>
+    </dgm:pt>
+    <dgm:pt modelId="{ACF55BF4-D9BE-4DE4-B0C6-C1B291EFAD5C}">
+      <dgm:prSet/>
+      <dgm:spPr/>
+      <dgm:t>
+        <a:bodyPr/>
+        <a:lstStyle/>
+        <a:p>
+          <a:r>
+            <a:rPr lang="en-US"/>
+            <a:t>CountVectorize</a:t>
+          </a:r>
+          <a:endParaRPr lang="en-US" dirty="0"/>
+        </a:p>
+      </dgm:t>
+    </dgm:pt>
+    <dgm:pt modelId="{C87BCD85-07A5-4D84-A4A4-38B003D35205}" type="parTrans" cxnId="{24ECFA63-6D07-4313-BDE4-2BD3F3D49010}">
+      <dgm:prSet/>
+      <dgm:spPr/>
+      <dgm:t>
+        <a:bodyPr/>
+        <a:lstStyle/>
+        <a:p>
+          <a:endParaRPr lang="en-US"/>
+        </a:p>
+      </dgm:t>
+    </dgm:pt>
+    <dgm:pt modelId="{D05B3CB5-6F02-4312-8CFD-05E1E29D07BF}" type="sibTrans" cxnId="{24ECFA63-6D07-4313-BDE4-2BD3F3D49010}">
+      <dgm:prSet/>
+      <dgm:spPr/>
+      <dgm:t>
+        <a:bodyPr/>
+        <a:lstStyle/>
+        <a:p>
+          <a:endParaRPr lang="en-US"/>
+        </a:p>
+      </dgm:t>
+    </dgm:pt>
+    <dgm:pt modelId="{BB4BE77C-E421-4B0B-9B63-D5406B4886F9}">
+      <dgm:prSet/>
+      <dgm:spPr/>
+      <dgm:t>
+        <a:bodyPr/>
+        <a:lstStyle/>
+        <a:p>
+          <a:r>
+            <a:rPr lang="en-US"/>
+            <a:t>TF-IDF</a:t>
+          </a:r>
+          <a:endParaRPr lang="en-US" dirty="0"/>
+        </a:p>
+      </dgm:t>
+    </dgm:pt>
+    <dgm:pt modelId="{E1F9B041-C50F-4F33-B266-D6E2F6262F40}" type="parTrans" cxnId="{5A79A68A-2463-4D73-BE44-4E99DC0A2FE8}">
+      <dgm:prSet/>
+      <dgm:spPr/>
+      <dgm:t>
+        <a:bodyPr/>
+        <a:lstStyle/>
+        <a:p>
+          <a:endParaRPr lang="en-US"/>
+        </a:p>
+      </dgm:t>
+    </dgm:pt>
+    <dgm:pt modelId="{40265FFE-E31A-4656-9197-4C1CD3ED3BB0}" type="sibTrans" cxnId="{5A79A68A-2463-4D73-BE44-4E99DC0A2FE8}">
+      <dgm:prSet/>
+      <dgm:spPr/>
+      <dgm:t>
+        <a:bodyPr/>
+        <a:lstStyle/>
+        <a:p>
+          <a:endParaRPr lang="en-US"/>
+        </a:p>
+      </dgm:t>
+    </dgm:pt>
+    <dgm:pt modelId="{FBF8810B-7AA7-4C5D-9511-A82FA1AB9E29}">
+      <dgm:prSet/>
+      <dgm:spPr/>
+      <dgm:t>
+        <a:bodyPr/>
+        <a:lstStyle/>
+        <a:p>
+          <a:r>
+            <a:rPr lang="en-US"/>
+            <a:t>Word2Vec</a:t>
+          </a:r>
+          <a:endParaRPr lang="en-US" dirty="0"/>
+        </a:p>
+      </dgm:t>
+    </dgm:pt>
+    <dgm:pt modelId="{C459ACAA-E9E2-4888-90DC-44600CC9D0D5}" type="parTrans" cxnId="{C76607CF-389B-41C8-BCF5-2E446F7FC046}">
+      <dgm:prSet/>
+      <dgm:spPr/>
+      <dgm:t>
+        <a:bodyPr/>
+        <a:lstStyle/>
+        <a:p>
+          <a:endParaRPr lang="en-US"/>
+        </a:p>
+      </dgm:t>
+    </dgm:pt>
+    <dgm:pt modelId="{EA3BCCAC-4A38-4896-9AEB-14659A3ECDFB}" type="sibTrans" cxnId="{C76607CF-389B-41C8-BCF5-2E446F7FC046}">
+      <dgm:prSet/>
+      <dgm:spPr/>
+      <dgm:t>
+        <a:bodyPr/>
+        <a:lstStyle/>
+        <a:p>
+          <a:endParaRPr lang="en-US"/>
+        </a:p>
+      </dgm:t>
+    </dgm:pt>
+    <dgm:pt modelId="{39EAE9A6-A337-425A-B4E7-89F0FF6B85A1}">
+      <dgm:prSet/>
+      <dgm:spPr/>
+      <dgm:t>
+        <a:bodyPr/>
+        <a:lstStyle/>
+        <a:p>
+          <a:r>
+            <a:rPr lang="en-US" dirty="0" err="1"/>
+            <a:t>GloVe</a:t>
+          </a:r>
+          <a:endParaRPr lang="en-US" dirty="0"/>
+        </a:p>
+      </dgm:t>
+    </dgm:pt>
+    <dgm:pt modelId="{FB9A50E9-8C38-401C-B169-43C1EDCD6607}" type="parTrans" cxnId="{13CCC73B-148B-40B6-AA7A-D19C72AD4009}">
+      <dgm:prSet/>
+      <dgm:spPr/>
+      <dgm:t>
+        <a:bodyPr/>
+        <a:lstStyle/>
+        <a:p>
+          <a:endParaRPr lang="en-US"/>
+        </a:p>
+      </dgm:t>
+    </dgm:pt>
+    <dgm:pt modelId="{5AB654C3-A054-4DE7-9A46-66FA67266BC3}" type="sibTrans" cxnId="{13CCC73B-148B-40B6-AA7A-D19C72AD4009}">
+      <dgm:prSet/>
+      <dgm:spPr/>
+      <dgm:t>
+        <a:bodyPr/>
+        <a:lstStyle/>
+        <a:p>
+          <a:endParaRPr lang="en-US"/>
+        </a:p>
+      </dgm:t>
+    </dgm:pt>
+    <dgm:pt modelId="{51FCEF61-8A4E-4827-9CB4-108B49783232}">
+      <dgm:prSet phldrT="[Text]"/>
+      <dgm:spPr/>
+      <dgm:t>
+        <a:bodyPr/>
+        <a:lstStyle/>
+        <a:p>
+          <a:r>
+            <a:rPr lang="en-US" dirty="0" err="1"/>
+            <a:t>nn</a:t>
+          </a:r>
+          <a:endParaRPr lang="en-US" dirty="0"/>
+        </a:p>
+      </dgm:t>
+    </dgm:pt>
+    <dgm:pt modelId="{77FB5D69-658F-4477-A5C6-674C1545769D}" type="parTrans" cxnId="{13B19F34-96A1-4892-909D-6FDDB5B4B558}">
+      <dgm:prSet/>
+      <dgm:spPr/>
+      <dgm:t>
+        <a:bodyPr/>
+        <a:lstStyle/>
+        <a:p>
+          <a:endParaRPr lang="en-US"/>
+        </a:p>
+      </dgm:t>
+    </dgm:pt>
+    <dgm:pt modelId="{F1A4EF80-21D3-4C6E-AF19-9ED5AB97F4FE}" type="sibTrans" cxnId="{13B19F34-96A1-4892-909D-6FDDB5B4B558}">
+      <dgm:prSet/>
+      <dgm:spPr/>
+      <dgm:t>
+        <a:bodyPr/>
+        <a:lstStyle/>
+        <a:p>
+          <a:endParaRPr lang="en-US"/>
+        </a:p>
+      </dgm:t>
+    </dgm:pt>
+    <dgm:pt modelId="{39CE39A3-292B-47B1-B3BE-EE202ADDAA32}" type="pres">
+      <dgm:prSet presAssocID="{FCC610B7-ED4E-48C8-A8DD-65CE90BF37A6}" presName="theList" presStyleCnt="0">
+        <dgm:presLayoutVars>
+          <dgm:dir/>
+          <dgm:animLvl val="lvl"/>
+          <dgm:resizeHandles val="exact"/>
+        </dgm:presLayoutVars>
+      </dgm:prSet>
+      <dgm:spPr/>
+    </dgm:pt>
+    <dgm:pt modelId="{4A7543AA-8275-4ADE-B7D6-B08DCC6FD690}" type="pres">
+      <dgm:prSet presAssocID="{27656DE9-ECD7-4D88-81F7-9ED3A9785DCF}" presName="compNode" presStyleCnt="0"/>
+      <dgm:spPr/>
+    </dgm:pt>
+    <dgm:pt modelId="{DE0C5A1F-8068-4FEF-8B89-490528159ACF}" type="pres">
+      <dgm:prSet presAssocID="{27656DE9-ECD7-4D88-81F7-9ED3A9785DCF}" presName="noGeometry" presStyleCnt="0"/>
+      <dgm:spPr/>
+    </dgm:pt>
+    <dgm:pt modelId="{6CCCDC42-FB56-4C1B-AAFD-35C38DCA61EC}" type="pres">
+      <dgm:prSet presAssocID="{27656DE9-ECD7-4D88-81F7-9ED3A9785DCF}" presName="childTextVisible" presStyleLbl="bgAccFollowNode1" presStyleIdx="0" presStyleCnt="5">
+        <dgm:presLayoutVars>
+          <dgm:bulletEnabled val="1"/>
+        </dgm:presLayoutVars>
+      </dgm:prSet>
+      <dgm:spPr/>
+    </dgm:pt>
+    <dgm:pt modelId="{B81A0926-CE01-4298-AA75-FBBE02A0ED0F}" type="pres">
+      <dgm:prSet presAssocID="{27656DE9-ECD7-4D88-81F7-9ED3A9785DCF}" presName="childTextHidden" presStyleLbl="bgAccFollowNode1" presStyleIdx="0" presStyleCnt="5"/>
+      <dgm:spPr/>
+    </dgm:pt>
+    <dgm:pt modelId="{9DC668E7-0EFA-43C4-B93A-2C084044A0E4}" type="pres">
+      <dgm:prSet presAssocID="{27656DE9-ECD7-4D88-81F7-9ED3A9785DCF}" presName="parentText" presStyleLbl="node1" presStyleIdx="0" presStyleCnt="5">
+        <dgm:presLayoutVars>
+          <dgm:chMax val="1"/>
+          <dgm:bulletEnabled val="1"/>
+        </dgm:presLayoutVars>
+      </dgm:prSet>
+      <dgm:spPr/>
+    </dgm:pt>
+    <dgm:pt modelId="{59DFBDF2-A5FB-4E76-B054-4F95BA9AA9C9}" type="pres">
+      <dgm:prSet presAssocID="{27656DE9-ECD7-4D88-81F7-9ED3A9785DCF}" presName="aSpace" presStyleCnt="0"/>
+      <dgm:spPr/>
+    </dgm:pt>
+    <dgm:pt modelId="{E477A2C7-06D4-458D-99D1-2450799596B5}" type="pres">
+      <dgm:prSet presAssocID="{871044BB-2EFE-463E-8F59-113BBCBBDE21}" presName="compNode" presStyleCnt="0"/>
+      <dgm:spPr/>
+    </dgm:pt>
+    <dgm:pt modelId="{FBB4B9E9-7217-419A-AD1A-4C4AB7F4D121}" type="pres">
+      <dgm:prSet presAssocID="{871044BB-2EFE-463E-8F59-113BBCBBDE21}" presName="noGeometry" presStyleCnt="0"/>
+      <dgm:spPr/>
+    </dgm:pt>
+    <dgm:pt modelId="{8FD4F355-FE1A-41BC-8EAE-FD83C51040F8}" type="pres">
+      <dgm:prSet presAssocID="{871044BB-2EFE-463E-8F59-113BBCBBDE21}" presName="childTextVisible" presStyleLbl="bgAccFollowNode1" presStyleIdx="1" presStyleCnt="5">
+        <dgm:presLayoutVars>
+          <dgm:bulletEnabled val="1"/>
+        </dgm:presLayoutVars>
+      </dgm:prSet>
+      <dgm:spPr/>
+    </dgm:pt>
+    <dgm:pt modelId="{38FD3C35-DFC6-4790-888B-C9AEB5CB304F}" type="pres">
+      <dgm:prSet presAssocID="{871044BB-2EFE-463E-8F59-113BBCBBDE21}" presName="childTextHidden" presStyleLbl="bgAccFollowNode1" presStyleIdx="1" presStyleCnt="5"/>
+      <dgm:spPr/>
+    </dgm:pt>
+    <dgm:pt modelId="{DFC4E36F-E6DC-43CB-9B2E-0E0D0BA62049}" type="pres">
+      <dgm:prSet presAssocID="{871044BB-2EFE-463E-8F59-113BBCBBDE21}" presName="parentText" presStyleLbl="node1" presStyleIdx="1" presStyleCnt="5">
+        <dgm:presLayoutVars>
+          <dgm:chMax val="1"/>
+          <dgm:bulletEnabled val="1"/>
+        </dgm:presLayoutVars>
+      </dgm:prSet>
+      <dgm:spPr/>
+    </dgm:pt>
+    <dgm:pt modelId="{B8F1DE30-5731-4C98-8EA2-A3DDD1277A2F}" type="pres">
+      <dgm:prSet presAssocID="{871044BB-2EFE-463E-8F59-113BBCBBDE21}" presName="aSpace" presStyleCnt="0"/>
+      <dgm:spPr/>
+    </dgm:pt>
+    <dgm:pt modelId="{4D06A501-DE08-44FB-A451-62524845CFEA}" type="pres">
+      <dgm:prSet presAssocID="{475FA737-41F9-44B4-8C83-F0B9D712B98E}" presName="compNode" presStyleCnt="0"/>
+      <dgm:spPr/>
+    </dgm:pt>
+    <dgm:pt modelId="{FD88C4C5-1B3A-4F5F-9EB4-90E505D57A3D}" type="pres">
+      <dgm:prSet presAssocID="{475FA737-41F9-44B4-8C83-F0B9D712B98E}" presName="noGeometry" presStyleCnt="0"/>
+      <dgm:spPr/>
+    </dgm:pt>
+    <dgm:pt modelId="{837D470B-67F9-443A-A26B-187E3DFE6CAA}" type="pres">
+      <dgm:prSet presAssocID="{475FA737-41F9-44B4-8C83-F0B9D712B98E}" presName="childTextVisible" presStyleLbl="bgAccFollowNode1" presStyleIdx="2" presStyleCnt="5">
+        <dgm:presLayoutVars>
+          <dgm:bulletEnabled val="1"/>
+        </dgm:presLayoutVars>
+      </dgm:prSet>
+      <dgm:spPr/>
+    </dgm:pt>
+    <dgm:pt modelId="{C3FDE947-73D7-4D71-AB1F-6EB889864FED}" type="pres">
+      <dgm:prSet presAssocID="{475FA737-41F9-44B4-8C83-F0B9D712B98E}" presName="childTextHidden" presStyleLbl="bgAccFollowNode1" presStyleIdx="2" presStyleCnt="5"/>
+      <dgm:spPr/>
+    </dgm:pt>
+    <dgm:pt modelId="{966D2B8A-3ADD-4776-B91F-9807B495D2D5}" type="pres">
+      <dgm:prSet presAssocID="{475FA737-41F9-44B4-8C83-F0B9D712B98E}" presName="parentText" presStyleLbl="node1" presStyleIdx="2" presStyleCnt="5">
+        <dgm:presLayoutVars>
+          <dgm:chMax val="1"/>
+          <dgm:bulletEnabled val="1"/>
+        </dgm:presLayoutVars>
+      </dgm:prSet>
+      <dgm:spPr/>
+    </dgm:pt>
+    <dgm:pt modelId="{BE1BF4DB-A463-4AEF-928B-77E47FEB2084}" type="pres">
+      <dgm:prSet presAssocID="{475FA737-41F9-44B4-8C83-F0B9D712B98E}" presName="aSpace" presStyleCnt="0"/>
+      <dgm:spPr/>
+    </dgm:pt>
+    <dgm:pt modelId="{6C9EF9F4-2E90-41C1-B631-F6FA0AAD4729}" type="pres">
+      <dgm:prSet presAssocID="{5BF5E0B4-9837-46FA-93DA-87DC0349312F}" presName="compNode" presStyleCnt="0"/>
+      <dgm:spPr/>
+    </dgm:pt>
+    <dgm:pt modelId="{7BB18397-DBF5-4F3E-A4D6-809824E337F1}" type="pres">
+      <dgm:prSet presAssocID="{5BF5E0B4-9837-46FA-93DA-87DC0349312F}" presName="noGeometry" presStyleCnt="0"/>
+      <dgm:spPr/>
+    </dgm:pt>
+    <dgm:pt modelId="{54CDC1EF-F04E-4413-A41A-44EDE21190C1}" type="pres">
+      <dgm:prSet presAssocID="{5BF5E0B4-9837-46FA-93DA-87DC0349312F}" presName="childTextVisible" presStyleLbl="bgAccFollowNode1" presStyleIdx="3" presStyleCnt="5">
+        <dgm:presLayoutVars>
+          <dgm:bulletEnabled val="1"/>
+        </dgm:presLayoutVars>
+      </dgm:prSet>
+      <dgm:spPr/>
+    </dgm:pt>
+    <dgm:pt modelId="{123E1D18-8340-4F9D-864D-86A62B83705A}" type="pres">
+      <dgm:prSet presAssocID="{5BF5E0B4-9837-46FA-93DA-87DC0349312F}" presName="childTextHidden" presStyleLbl="bgAccFollowNode1" presStyleIdx="3" presStyleCnt="5"/>
+      <dgm:spPr/>
+    </dgm:pt>
+    <dgm:pt modelId="{1FA0DE21-12AB-4DF2-B400-5B73B7C88E69}" type="pres">
+      <dgm:prSet presAssocID="{5BF5E0B4-9837-46FA-93DA-87DC0349312F}" presName="parentText" presStyleLbl="node1" presStyleIdx="3" presStyleCnt="5">
+        <dgm:presLayoutVars>
+          <dgm:chMax val="1"/>
+          <dgm:bulletEnabled val="1"/>
+        </dgm:presLayoutVars>
+      </dgm:prSet>
+      <dgm:spPr/>
+    </dgm:pt>
+    <dgm:pt modelId="{8F031CE9-2AEF-4071-A4B7-B515EDB35664}" type="pres">
+      <dgm:prSet presAssocID="{5BF5E0B4-9837-46FA-93DA-87DC0349312F}" presName="aSpace" presStyleCnt="0"/>
+      <dgm:spPr/>
+    </dgm:pt>
+    <dgm:pt modelId="{DFCDC906-05B0-4021-88FA-E9229612B5B7}" type="pres">
+      <dgm:prSet presAssocID="{51FCEF61-8A4E-4827-9CB4-108B49783232}" presName="compNode" presStyleCnt="0"/>
+      <dgm:spPr/>
+    </dgm:pt>
+    <dgm:pt modelId="{5A1F4519-87AE-4DB9-BEB4-2E0CF75EC94E}" type="pres">
+      <dgm:prSet presAssocID="{51FCEF61-8A4E-4827-9CB4-108B49783232}" presName="noGeometry" presStyleCnt="0"/>
+      <dgm:spPr/>
+    </dgm:pt>
+    <dgm:pt modelId="{7426F8D9-6479-4C0E-B041-8747115A7003}" type="pres">
+      <dgm:prSet presAssocID="{51FCEF61-8A4E-4827-9CB4-108B49783232}" presName="childTextVisible" presStyleLbl="bgAccFollowNode1" presStyleIdx="4" presStyleCnt="5">
+        <dgm:presLayoutVars>
+          <dgm:bulletEnabled val="1"/>
+        </dgm:presLayoutVars>
+      </dgm:prSet>
+      <dgm:spPr/>
+    </dgm:pt>
+    <dgm:pt modelId="{C476E099-C80B-47EE-BE5D-9D24E94C6D2D}" type="pres">
+      <dgm:prSet presAssocID="{51FCEF61-8A4E-4827-9CB4-108B49783232}" presName="childTextHidden" presStyleLbl="bgAccFollowNode1" presStyleIdx="4" presStyleCnt="5"/>
+      <dgm:spPr/>
+    </dgm:pt>
+    <dgm:pt modelId="{E7D392FA-306F-4A6C-AFBA-4CBB5BB4382F}" type="pres">
+      <dgm:prSet presAssocID="{51FCEF61-8A4E-4827-9CB4-108B49783232}" presName="parentText" presStyleLbl="node1" presStyleIdx="4" presStyleCnt="5">
+        <dgm:presLayoutVars>
+          <dgm:chMax val="1"/>
+          <dgm:bulletEnabled val="1"/>
+        </dgm:presLayoutVars>
+      </dgm:prSet>
+      <dgm:spPr/>
+    </dgm:pt>
+  </dgm:ptLst>
+  <dgm:cxnLst>
+    <dgm:cxn modelId="{95E62E0A-B369-416A-9383-E0FCC2376916}" type="presOf" srcId="{871044BB-2EFE-463E-8F59-113BBCBBDE21}" destId="{DFC4E36F-E6DC-43CB-9B2E-0E0D0BA62049}" srcOrd="0" destOrd="0" presId="urn:microsoft.com/office/officeart/2005/8/layout/hProcess6"/>
+    <dgm:cxn modelId="{75A72D1E-4491-44EA-A39A-DD36D5AB500A}" type="presOf" srcId="{39EAE9A6-A337-425A-B4E7-89F0FF6B85A1}" destId="{8FD4F355-FE1A-41BC-8EAE-FD83C51040F8}" srcOrd="0" destOrd="4" presId="urn:microsoft.com/office/officeart/2005/8/layout/hProcess6"/>
+    <dgm:cxn modelId="{DC06CB20-3EF1-44B4-8FFD-7477635221DC}" type="presOf" srcId="{17B1720C-00B2-4612-982D-2A683C297FB9}" destId="{123E1D18-8340-4F9D-864D-86A62B83705A}" srcOrd="1" destOrd="0" presId="urn:microsoft.com/office/officeart/2005/8/layout/hProcess6"/>
+    <dgm:cxn modelId="{AF2AA922-6CD7-4681-9F08-42003D3EBF54}" srcId="{475FA737-41F9-44B4-8C83-F0B9D712B98E}" destId="{D85729E4-4DE3-4050-8C2C-11286444AD3A}" srcOrd="1" destOrd="0" parTransId="{0D9412D4-F67C-43F3-A349-C4F75A8DF5B4}" sibTransId="{F84E7151-CACB-4339-959F-84E3A569308A}"/>
+    <dgm:cxn modelId="{393C9C26-C780-4CBD-B484-E9AC3A968FF0}" type="presOf" srcId="{FCC610B7-ED4E-48C8-A8DD-65CE90BF37A6}" destId="{39CE39A3-292B-47B1-B3BE-EE202ADDAA32}" srcOrd="0" destOrd="0" presId="urn:microsoft.com/office/officeart/2005/8/layout/hProcess6"/>
+    <dgm:cxn modelId="{CA7E4130-F81F-47C1-974D-C0C44857F0C1}" type="presOf" srcId="{27656DE9-ECD7-4D88-81F7-9ED3A9785DCF}" destId="{9DC668E7-0EFA-43C4-B93A-2C084044A0E4}" srcOrd="0" destOrd="0" presId="urn:microsoft.com/office/officeart/2005/8/layout/hProcess6"/>
+    <dgm:cxn modelId="{C37EA430-7AE0-4076-A59B-000E5BDB6614}" type="presOf" srcId="{7E979A2A-D8A9-4D34-BF5B-0D44D76DE951}" destId="{C3FDE947-73D7-4D71-AB1F-6EB889864FED}" srcOrd="1" destOrd="0" presId="urn:microsoft.com/office/officeart/2005/8/layout/hProcess6"/>
+    <dgm:cxn modelId="{959D3E33-20C4-4928-B3B8-A4DED4CBBB8A}" srcId="{27656DE9-ECD7-4D88-81F7-9ED3A9785DCF}" destId="{73A99067-B670-46CC-BCA2-782FC06E7D35}" srcOrd="0" destOrd="0" parTransId="{73FB6610-32ED-4E4A-8D54-580471C5AC98}" sibTransId="{69BC14C4-CCAC-43CA-B1CB-BCDD9809B24C}"/>
+    <dgm:cxn modelId="{13B19F34-96A1-4892-909D-6FDDB5B4B558}" srcId="{FCC610B7-ED4E-48C8-A8DD-65CE90BF37A6}" destId="{51FCEF61-8A4E-4827-9CB4-108B49783232}" srcOrd="4" destOrd="0" parTransId="{77FB5D69-658F-4477-A5C6-674C1545769D}" sibTransId="{F1A4EF80-21D3-4C6E-AF19-9ED5AB97F4FE}"/>
+    <dgm:cxn modelId="{E984863B-0DE8-4C2A-A70A-F762EBFAF5D2}" srcId="{FCC610B7-ED4E-48C8-A8DD-65CE90BF37A6}" destId="{5BF5E0B4-9837-46FA-93DA-87DC0349312F}" srcOrd="3" destOrd="0" parTransId="{348B0274-CF7E-4E08-A9C3-CB97CEF59B8B}" sibTransId="{87F20F50-61C6-4302-BBE4-55A60869C1B2}"/>
+    <dgm:cxn modelId="{13CCC73B-148B-40B6-AA7A-D19C72AD4009}" srcId="{871044BB-2EFE-463E-8F59-113BBCBBDE21}" destId="{39EAE9A6-A337-425A-B4E7-89F0FF6B85A1}" srcOrd="4" destOrd="0" parTransId="{FB9A50E9-8C38-401C-B169-43C1EDCD6607}" sibTransId="{5AB654C3-A054-4DE7-9A46-66FA67266BC3}"/>
+    <dgm:cxn modelId="{522A6040-7308-4987-BEA6-DEF427A70335}" type="presOf" srcId="{39EAE9A6-A337-425A-B4E7-89F0FF6B85A1}" destId="{38FD3C35-DFC6-4790-888B-C9AEB5CB304F}" srcOrd="1" destOrd="4" presId="urn:microsoft.com/office/officeart/2005/8/layout/hProcess6"/>
+    <dgm:cxn modelId="{6DC08D5F-CF14-4346-94E7-D04FB2019778}" srcId="{27656DE9-ECD7-4D88-81F7-9ED3A9785DCF}" destId="{ACFFD53E-0357-4AA0-8FA5-D167B95FC0D8}" srcOrd="1" destOrd="0" parTransId="{FBFEC8B7-34BD-46E4-9A97-4062175F996A}" sibTransId="{74A27EA9-45FE-4454-9A7C-44BC02E6F3AA}"/>
+    <dgm:cxn modelId="{0EB21760-3429-43B1-B910-341D646138F6}" type="presOf" srcId="{73A99067-B670-46CC-BCA2-782FC06E7D35}" destId="{6CCCDC42-FB56-4C1B-AAFD-35C38DCA61EC}" srcOrd="0" destOrd="0" presId="urn:microsoft.com/office/officeart/2005/8/layout/hProcess6"/>
+    <dgm:cxn modelId="{24ECFA63-6D07-4313-BDE4-2BD3F3D49010}" srcId="{871044BB-2EFE-463E-8F59-113BBCBBDE21}" destId="{ACF55BF4-D9BE-4DE4-B0C6-C1B291EFAD5C}" srcOrd="1" destOrd="0" parTransId="{C87BCD85-07A5-4D84-A4A4-38B003D35205}" sibTransId="{D05B3CB5-6F02-4312-8CFD-05E1E29D07BF}"/>
+    <dgm:cxn modelId="{17FF5D48-0EB3-4895-ADE7-12125BE8FFED}" type="presOf" srcId="{73A99067-B670-46CC-BCA2-782FC06E7D35}" destId="{B81A0926-CE01-4298-AA75-FBBE02A0ED0F}" srcOrd="1" destOrd="0" presId="urn:microsoft.com/office/officeart/2005/8/layout/hProcess6"/>
+    <dgm:cxn modelId="{148D8A49-17A8-407A-8175-1073A9842C71}" type="presOf" srcId="{88064330-217C-4D6F-81E5-6DDE9316A7B5}" destId="{123E1D18-8340-4F9D-864D-86A62B83705A}" srcOrd="1" destOrd="1" presId="urn:microsoft.com/office/officeart/2005/8/layout/hProcess6"/>
+    <dgm:cxn modelId="{7F85FF6C-D1B4-480B-998D-8F1E49FAF637}" srcId="{FCC610B7-ED4E-48C8-A8DD-65CE90BF37A6}" destId="{27656DE9-ECD7-4D88-81F7-9ED3A9785DCF}" srcOrd="0" destOrd="0" parTransId="{483C0942-EB27-414B-A1A2-07DE1FB9E8A5}" sibTransId="{8FADB66C-B728-4A0B-BCDF-B9E58EA103AB}"/>
+    <dgm:cxn modelId="{7FF4F44D-F9B9-4D5E-8DD9-9B0FB6356587}" type="presOf" srcId="{5BF5E0B4-9837-46FA-93DA-87DC0349312F}" destId="{1FA0DE21-12AB-4DF2-B400-5B73B7C88E69}" srcOrd="0" destOrd="0" presId="urn:microsoft.com/office/officeart/2005/8/layout/hProcess6"/>
+    <dgm:cxn modelId="{CB08016E-510E-45FE-8168-F67089351B70}" type="presOf" srcId="{D85729E4-4DE3-4050-8C2C-11286444AD3A}" destId="{C3FDE947-73D7-4D71-AB1F-6EB889864FED}" srcOrd="1" destOrd="1" presId="urn:microsoft.com/office/officeart/2005/8/layout/hProcess6"/>
+    <dgm:cxn modelId="{8BC4AC7A-8342-484A-B932-97AB91809233}" type="presOf" srcId="{2E534356-EDDC-43D6-9665-7A6383E1A8D8}" destId="{8FD4F355-FE1A-41BC-8EAE-FD83C51040F8}" srcOrd="0" destOrd="0" presId="urn:microsoft.com/office/officeart/2005/8/layout/hProcess6"/>
+    <dgm:cxn modelId="{2943817B-AE63-4239-B35C-79CD982CCCDF}" type="presOf" srcId="{ACF55BF4-D9BE-4DE4-B0C6-C1B291EFAD5C}" destId="{38FD3C35-DFC6-4790-888B-C9AEB5CB304F}" srcOrd="1" destOrd="1" presId="urn:microsoft.com/office/officeart/2005/8/layout/hProcess6"/>
+    <dgm:cxn modelId="{19292483-2E5B-443E-88F4-EDADACBB4930}" type="presOf" srcId="{FBF8810B-7AA7-4C5D-9511-A82FA1AB9E29}" destId="{8FD4F355-FE1A-41BC-8EAE-FD83C51040F8}" srcOrd="0" destOrd="3" presId="urn:microsoft.com/office/officeart/2005/8/layout/hProcess6"/>
+    <dgm:cxn modelId="{0B635C8A-414F-40F9-839B-EBB8568EC358}" type="presOf" srcId="{2E534356-EDDC-43D6-9665-7A6383E1A8D8}" destId="{38FD3C35-DFC6-4790-888B-C9AEB5CB304F}" srcOrd="1" destOrd="0" presId="urn:microsoft.com/office/officeart/2005/8/layout/hProcess6"/>
+    <dgm:cxn modelId="{5A79A68A-2463-4D73-BE44-4E99DC0A2FE8}" srcId="{871044BB-2EFE-463E-8F59-113BBCBBDE21}" destId="{BB4BE77C-E421-4B0B-9B63-D5406B4886F9}" srcOrd="2" destOrd="0" parTransId="{E1F9B041-C50F-4F33-B266-D6E2F6262F40}" sibTransId="{40265FFE-E31A-4656-9197-4C1CD3ED3BB0}"/>
+    <dgm:cxn modelId="{72458097-E797-4100-B572-5B5205D2CA61}" type="presOf" srcId="{ACFFD53E-0357-4AA0-8FA5-D167B95FC0D8}" destId="{6CCCDC42-FB56-4C1B-AAFD-35C38DCA61EC}" srcOrd="0" destOrd="1" presId="urn:microsoft.com/office/officeart/2005/8/layout/hProcess6"/>
+    <dgm:cxn modelId="{9C50F49B-F37D-4338-96DD-415DD3AF7BFB}" type="presOf" srcId="{ACF55BF4-D9BE-4DE4-B0C6-C1B291EFAD5C}" destId="{8FD4F355-FE1A-41BC-8EAE-FD83C51040F8}" srcOrd="0" destOrd="1" presId="urn:microsoft.com/office/officeart/2005/8/layout/hProcess6"/>
+    <dgm:cxn modelId="{4E58F09E-1F79-4BA4-874E-E5CCECB1CE69}" srcId="{475FA737-41F9-44B4-8C83-F0B9D712B98E}" destId="{7E979A2A-D8A9-4D34-BF5B-0D44D76DE951}" srcOrd="0" destOrd="0" parTransId="{E2889108-9599-4DBA-A4ED-3B077A2D1BC3}" sibTransId="{C559D5D4-33FB-42B7-87D7-3C49D17723A6}"/>
+    <dgm:cxn modelId="{461F82AB-AC62-44B8-AFC8-E27CBED6DEEC}" type="presOf" srcId="{475FA737-41F9-44B4-8C83-F0B9D712B98E}" destId="{966D2B8A-3ADD-4776-B91F-9807B495D2D5}" srcOrd="0" destOrd="0" presId="urn:microsoft.com/office/officeart/2005/8/layout/hProcess6"/>
+    <dgm:cxn modelId="{7BAFFBAD-3F30-4ABA-851C-65773E51B342}" type="presOf" srcId="{17B1720C-00B2-4612-982D-2A683C297FB9}" destId="{54CDC1EF-F04E-4413-A41A-44EDE21190C1}" srcOrd="0" destOrd="0" presId="urn:microsoft.com/office/officeart/2005/8/layout/hProcess6"/>
+    <dgm:cxn modelId="{379FD5B2-5771-42D2-A622-4490EB895BA1}" srcId="{FCC610B7-ED4E-48C8-A8DD-65CE90BF37A6}" destId="{475FA737-41F9-44B4-8C83-F0B9D712B98E}" srcOrd="2" destOrd="0" parTransId="{346D991E-B02E-4EC5-B867-69BB6C9E0753}" sibTransId="{D9CDF5DE-F892-4039-AA67-79B755766452}"/>
+    <dgm:cxn modelId="{2F8279B3-49B9-48C7-9545-B60FA4AC41E3}" srcId="{5BF5E0B4-9837-46FA-93DA-87DC0349312F}" destId="{88064330-217C-4D6F-81E5-6DDE9316A7B5}" srcOrd="1" destOrd="0" parTransId="{26CC7EA4-B636-4A98-A450-3C277DB641B1}" sibTransId="{B5F4915A-35C7-4A8B-8AEE-E2E83B005F0E}"/>
+    <dgm:cxn modelId="{0F5BE4B3-8D82-4918-BA6B-34B931C58788}" type="presOf" srcId="{7E979A2A-D8A9-4D34-BF5B-0D44D76DE951}" destId="{837D470B-67F9-443A-A26B-187E3DFE6CAA}" srcOrd="0" destOrd="0" presId="urn:microsoft.com/office/officeart/2005/8/layout/hProcess6"/>
+    <dgm:cxn modelId="{C76607CF-389B-41C8-BCF5-2E446F7FC046}" srcId="{871044BB-2EFE-463E-8F59-113BBCBBDE21}" destId="{FBF8810B-7AA7-4C5D-9511-A82FA1AB9E29}" srcOrd="3" destOrd="0" parTransId="{C459ACAA-E9E2-4888-90DC-44600CC9D0D5}" sibTransId="{EA3BCCAC-4A38-4896-9AEB-14659A3ECDFB}"/>
+    <dgm:cxn modelId="{94C14ECF-6FA7-4103-9AAE-9E40AB41CEE7}" type="presOf" srcId="{FBF8810B-7AA7-4C5D-9511-A82FA1AB9E29}" destId="{38FD3C35-DFC6-4790-888B-C9AEB5CB304F}" srcOrd="1" destOrd="3" presId="urn:microsoft.com/office/officeart/2005/8/layout/hProcess6"/>
+    <dgm:cxn modelId="{1F1684D6-EC9B-4C61-86DC-F4C9C8D80219}" srcId="{5BF5E0B4-9837-46FA-93DA-87DC0349312F}" destId="{17B1720C-00B2-4612-982D-2A683C297FB9}" srcOrd="0" destOrd="0" parTransId="{D4221D54-D68F-45D7-9CC4-9D8532D3849E}" sibTransId="{F2E50D6D-2BBF-443D-AB57-FA9AFB5671C6}"/>
+    <dgm:cxn modelId="{2E1C4BE1-51F4-433D-95EF-F31788F2F2EB}" type="presOf" srcId="{ACFFD53E-0357-4AA0-8FA5-D167B95FC0D8}" destId="{B81A0926-CE01-4298-AA75-FBBE02A0ED0F}" srcOrd="1" destOrd="1" presId="urn:microsoft.com/office/officeart/2005/8/layout/hProcess6"/>
+    <dgm:cxn modelId="{657A5AE2-269C-4D17-A36F-3619C6EAD23F}" type="presOf" srcId="{88064330-217C-4D6F-81E5-6DDE9316A7B5}" destId="{54CDC1EF-F04E-4413-A41A-44EDE21190C1}" srcOrd="0" destOrd="1" presId="urn:microsoft.com/office/officeart/2005/8/layout/hProcess6"/>
+    <dgm:cxn modelId="{8848C5E5-47C6-48F3-B250-E1F6315EC6D0}" type="presOf" srcId="{BB4BE77C-E421-4B0B-9B63-D5406B4886F9}" destId="{38FD3C35-DFC6-4790-888B-C9AEB5CB304F}" srcOrd="1" destOrd="2" presId="urn:microsoft.com/office/officeart/2005/8/layout/hProcess6"/>
+    <dgm:cxn modelId="{8D9B7DEC-2B4F-49F3-9028-A67C1150349C}" srcId="{FCC610B7-ED4E-48C8-A8DD-65CE90BF37A6}" destId="{871044BB-2EFE-463E-8F59-113BBCBBDE21}" srcOrd="1" destOrd="0" parTransId="{6E9F2DBF-A72D-4687-B1A5-45F07FE3D863}" sibTransId="{2375A552-71D8-4A9F-B451-52DFA027BD3C}"/>
+    <dgm:cxn modelId="{2476B4EC-55FE-401D-8B0F-2AF85C95885A}" srcId="{871044BB-2EFE-463E-8F59-113BBCBBDE21}" destId="{2E534356-EDDC-43D6-9665-7A6383E1A8D8}" srcOrd="0" destOrd="0" parTransId="{00440162-D8AE-4A8A-A118-A4BB9C0D3489}" sibTransId="{FF85F851-E3CE-4AB3-A6B4-1479EE875AE4}"/>
+    <dgm:cxn modelId="{9EA8C1EC-E107-4262-9FE0-F1D871C7333E}" type="presOf" srcId="{D85729E4-4DE3-4050-8C2C-11286444AD3A}" destId="{837D470B-67F9-443A-A26B-187E3DFE6CAA}" srcOrd="0" destOrd="1" presId="urn:microsoft.com/office/officeart/2005/8/layout/hProcess6"/>
+    <dgm:cxn modelId="{DFD70CED-5C50-42CF-AE68-9F5BE3836820}" type="presOf" srcId="{51FCEF61-8A4E-4827-9CB4-108B49783232}" destId="{E7D392FA-306F-4A6C-AFBA-4CBB5BB4382F}" srcOrd="0" destOrd="0" presId="urn:microsoft.com/office/officeart/2005/8/layout/hProcess6"/>
+    <dgm:cxn modelId="{B2F8D3EE-8AD8-4E05-8F01-FD4352EAFC79}" type="presOf" srcId="{BB4BE77C-E421-4B0B-9B63-D5406B4886F9}" destId="{8FD4F355-FE1A-41BC-8EAE-FD83C51040F8}" srcOrd="0" destOrd="2" presId="urn:microsoft.com/office/officeart/2005/8/layout/hProcess6"/>
+    <dgm:cxn modelId="{4699C3E6-1843-468C-B4FE-8C4E8E3BD8BF}" type="presParOf" srcId="{39CE39A3-292B-47B1-B3BE-EE202ADDAA32}" destId="{4A7543AA-8275-4ADE-B7D6-B08DCC6FD690}" srcOrd="0" destOrd="0" presId="urn:microsoft.com/office/officeart/2005/8/layout/hProcess6"/>
+    <dgm:cxn modelId="{56043D37-1A7E-4925-902F-C9167B1D4E74}" type="presParOf" srcId="{4A7543AA-8275-4ADE-B7D6-B08DCC6FD690}" destId="{DE0C5A1F-8068-4FEF-8B89-490528159ACF}" srcOrd="0" destOrd="0" presId="urn:microsoft.com/office/officeart/2005/8/layout/hProcess6"/>
+    <dgm:cxn modelId="{A7C360C3-A6A9-49E9-B880-A8D86292975B}" type="presParOf" srcId="{4A7543AA-8275-4ADE-B7D6-B08DCC6FD690}" destId="{6CCCDC42-FB56-4C1B-AAFD-35C38DCA61EC}" srcOrd="1" destOrd="0" presId="urn:microsoft.com/office/officeart/2005/8/layout/hProcess6"/>
+    <dgm:cxn modelId="{3FA3D701-3617-43E8-897F-0367A45A3D42}" type="presParOf" srcId="{4A7543AA-8275-4ADE-B7D6-B08DCC6FD690}" destId="{B81A0926-CE01-4298-AA75-FBBE02A0ED0F}" srcOrd="2" destOrd="0" presId="urn:microsoft.com/office/officeart/2005/8/layout/hProcess6"/>
+    <dgm:cxn modelId="{7B177E85-A71E-4AE3-A50E-3B9FA316553E}" type="presParOf" srcId="{4A7543AA-8275-4ADE-B7D6-B08DCC6FD690}" destId="{9DC668E7-0EFA-43C4-B93A-2C084044A0E4}" srcOrd="3" destOrd="0" presId="urn:microsoft.com/office/officeart/2005/8/layout/hProcess6"/>
+    <dgm:cxn modelId="{A22B4A89-A3E6-4808-AD00-C5A33961E7C5}" type="presParOf" srcId="{39CE39A3-292B-47B1-B3BE-EE202ADDAA32}" destId="{59DFBDF2-A5FB-4E76-B054-4F95BA9AA9C9}" srcOrd="1" destOrd="0" presId="urn:microsoft.com/office/officeart/2005/8/layout/hProcess6"/>
+    <dgm:cxn modelId="{F060FA4A-A5B3-4437-BCCD-24009C2B31A6}" type="presParOf" srcId="{39CE39A3-292B-47B1-B3BE-EE202ADDAA32}" destId="{E477A2C7-06D4-458D-99D1-2450799596B5}" srcOrd="2" destOrd="0" presId="urn:microsoft.com/office/officeart/2005/8/layout/hProcess6"/>
+    <dgm:cxn modelId="{F18FDECC-A883-4E95-A183-2086278E8DDA}" type="presParOf" srcId="{E477A2C7-06D4-458D-99D1-2450799596B5}" destId="{FBB4B9E9-7217-419A-AD1A-4C4AB7F4D121}" srcOrd="0" destOrd="0" presId="urn:microsoft.com/office/officeart/2005/8/layout/hProcess6"/>
+    <dgm:cxn modelId="{C54B2A47-BE0E-437C-9ACA-CC83E20C19B3}" type="presParOf" srcId="{E477A2C7-06D4-458D-99D1-2450799596B5}" destId="{8FD4F355-FE1A-41BC-8EAE-FD83C51040F8}" srcOrd="1" destOrd="0" presId="urn:microsoft.com/office/officeart/2005/8/layout/hProcess6"/>
+    <dgm:cxn modelId="{7AE22FC0-A373-4A02-8E0B-2743A7F17875}" type="presParOf" srcId="{E477A2C7-06D4-458D-99D1-2450799596B5}" destId="{38FD3C35-DFC6-4790-888B-C9AEB5CB304F}" srcOrd="2" destOrd="0" presId="urn:microsoft.com/office/officeart/2005/8/layout/hProcess6"/>
+    <dgm:cxn modelId="{29FD3739-D45A-431B-80CC-768D686D6383}" type="presParOf" srcId="{E477A2C7-06D4-458D-99D1-2450799596B5}" destId="{DFC4E36F-E6DC-43CB-9B2E-0E0D0BA62049}" srcOrd="3" destOrd="0" presId="urn:microsoft.com/office/officeart/2005/8/layout/hProcess6"/>
+    <dgm:cxn modelId="{17E9AF02-090D-4CC0-89E9-1301ADEDC957}" type="presParOf" srcId="{39CE39A3-292B-47B1-B3BE-EE202ADDAA32}" destId="{B8F1DE30-5731-4C98-8EA2-A3DDD1277A2F}" srcOrd="3" destOrd="0" presId="urn:microsoft.com/office/officeart/2005/8/layout/hProcess6"/>
+    <dgm:cxn modelId="{D7C7737E-2BB9-465D-AE13-E5D9E69470D0}" type="presParOf" srcId="{39CE39A3-292B-47B1-B3BE-EE202ADDAA32}" destId="{4D06A501-DE08-44FB-A451-62524845CFEA}" srcOrd="4" destOrd="0" presId="urn:microsoft.com/office/officeart/2005/8/layout/hProcess6"/>
+    <dgm:cxn modelId="{719CC47B-369F-41FF-A048-64C927F9AE4A}" type="presParOf" srcId="{4D06A501-DE08-44FB-A451-62524845CFEA}" destId="{FD88C4C5-1B3A-4F5F-9EB4-90E505D57A3D}" srcOrd="0" destOrd="0" presId="urn:microsoft.com/office/officeart/2005/8/layout/hProcess6"/>
+    <dgm:cxn modelId="{628C5EDA-120A-4E7C-94C6-1DE86E731DE4}" type="presParOf" srcId="{4D06A501-DE08-44FB-A451-62524845CFEA}" destId="{837D470B-67F9-443A-A26B-187E3DFE6CAA}" srcOrd="1" destOrd="0" presId="urn:microsoft.com/office/officeart/2005/8/layout/hProcess6"/>
+    <dgm:cxn modelId="{B6A11D78-1CF7-44CB-9E7C-A8790FAD3741}" type="presParOf" srcId="{4D06A501-DE08-44FB-A451-62524845CFEA}" destId="{C3FDE947-73D7-4D71-AB1F-6EB889864FED}" srcOrd="2" destOrd="0" presId="urn:microsoft.com/office/officeart/2005/8/layout/hProcess6"/>
+    <dgm:cxn modelId="{FC2B42CE-0CE3-496C-8E10-D53E7073A790}" type="presParOf" srcId="{4D06A501-DE08-44FB-A451-62524845CFEA}" destId="{966D2B8A-3ADD-4776-B91F-9807B495D2D5}" srcOrd="3" destOrd="0" presId="urn:microsoft.com/office/officeart/2005/8/layout/hProcess6"/>
+    <dgm:cxn modelId="{0779D2AF-DD32-4549-9A35-BFAEAD91BF21}" type="presParOf" srcId="{39CE39A3-292B-47B1-B3BE-EE202ADDAA32}" destId="{BE1BF4DB-A463-4AEF-928B-77E47FEB2084}" srcOrd="5" destOrd="0" presId="urn:microsoft.com/office/officeart/2005/8/layout/hProcess6"/>
+    <dgm:cxn modelId="{461E1615-97F4-408F-9591-8FDA5F14848B}" type="presParOf" srcId="{39CE39A3-292B-47B1-B3BE-EE202ADDAA32}" destId="{6C9EF9F4-2E90-41C1-B631-F6FA0AAD4729}" srcOrd="6" destOrd="0" presId="urn:microsoft.com/office/officeart/2005/8/layout/hProcess6"/>
+    <dgm:cxn modelId="{AB74F16C-0FA6-44AD-A4C1-ACB177373D32}" type="presParOf" srcId="{6C9EF9F4-2E90-41C1-B631-F6FA0AAD4729}" destId="{7BB18397-DBF5-4F3E-A4D6-809824E337F1}" srcOrd="0" destOrd="0" presId="urn:microsoft.com/office/officeart/2005/8/layout/hProcess6"/>
+    <dgm:cxn modelId="{6BCAC26B-3643-46A8-BA5D-E94719FAA57D}" type="presParOf" srcId="{6C9EF9F4-2E90-41C1-B631-F6FA0AAD4729}" destId="{54CDC1EF-F04E-4413-A41A-44EDE21190C1}" srcOrd="1" destOrd="0" presId="urn:microsoft.com/office/officeart/2005/8/layout/hProcess6"/>
+    <dgm:cxn modelId="{D7012451-6461-4153-B5D6-59D064E04810}" type="presParOf" srcId="{6C9EF9F4-2E90-41C1-B631-F6FA0AAD4729}" destId="{123E1D18-8340-4F9D-864D-86A62B83705A}" srcOrd="2" destOrd="0" presId="urn:microsoft.com/office/officeart/2005/8/layout/hProcess6"/>
+    <dgm:cxn modelId="{0C9BEA78-8DB6-48EA-A866-FBDCF85B7CAD}" type="presParOf" srcId="{6C9EF9F4-2E90-41C1-B631-F6FA0AAD4729}" destId="{1FA0DE21-12AB-4DF2-B400-5B73B7C88E69}" srcOrd="3" destOrd="0" presId="urn:microsoft.com/office/officeart/2005/8/layout/hProcess6"/>
+    <dgm:cxn modelId="{932C330C-1249-41A5-9813-B101964F5E63}" type="presParOf" srcId="{39CE39A3-292B-47B1-B3BE-EE202ADDAA32}" destId="{8F031CE9-2AEF-4071-A4B7-B515EDB35664}" srcOrd="7" destOrd="0" presId="urn:microsoft.com/office/officeart/2005/8/layout/hProcess6"/>
+    <dgm:cxn modelId="{16798F49-7345-4667-A625-6B524F99DE42}" type="presParOf" srcId="{39CE39A3-292B-47B1-B3BE-EE202ADDAA32}" destId="{DFCDC906-05B0-4021-88FA-E9229612B5B7}" srcOrd="8" destOrd="0" presId="urn:microsoft.com/office/officeart/2005/8/layout/hProcess6"/>
+    <dgm:cxn modelId="{11E1B058-91CD-46E5-9C1E-C2C2E97E1253}" type="presParOf" srcId="{DFCDC906-05B0-4021-88FA-E9229612B5B7}" destId="{5A1F4519-87AE-4DB9-BEB4-2E0CF75EC94E}" srcOrd="0" destOrd="0" presId="urn:microsoft.com/office/officeart/2005/8/layout/hProcess6"/>
+    <dgm:cxn modelId="{7EC7ED08-F1E0-490E-8BD5-DD94387ABDCE}" type="presParOf" srcId="{DFCDC906-05B0-4021-88FA-E9229612B5B7}" destId="{7426F8D9-6479-4C0E-B041-8747115A7003}" srcOrd="1" destOrd="0" presId="urn:microsoft.com/office/officeart/2005/8/layout/hProcess6"/>
+    <dgm:cxn modelId="{B1318F07-75FC-4582-BAA6-3B0D4D2E5AEC}" type="presParOf" srcId="{DFCDC906-05B0-4021-88FA-E9229612B5B7}" destId="{C476E099-C80B-47EE-BE5D-9D24E94C6D2D}" srcOrd="2" destOrd="0" presId="urn:microsoft.com/office/officeart/2005/8/layout/hProcess6"/>
+    <dgm:cxn modelId="{7DA53BED-B557-4EA3-B231-ACB7F2DEFC66}" type="presParOf" srcId="{DFCDC906-05B0-4021-88FA-E9229612B5B7}" destId="{E7D392FA-306F-4A6C-AFBA-4CBB5BB4382F}" srcOrd="3" destOrd="0" presId="urn:microsoft.com/office/officeart/2005/8/layout/hProcess6"/>
+  </dgm:cxnLst>
+  <dgm:bg/>
+  <dgm:whole/>
+  <dgm:extLst>
+    <a:ext uri="http://schemas.microsoft.com/office/drawing/2008/diagram">
+      <dsp:dataModelExt xmlns:dsp="http://schemas.microsoft.com/office/drawing/2008/diagram" relId="rId6" minVer="http://schemas.openxmlformats.org/drawingml/2006/diagram"/>
+    </a:ext>
+  </dgm:extLst>
+</dgm:dataModel>
+</file>
+
+<file path=ppt/diagrams/data3.xml><?xml version="1.0" encoding="utf-8"?>
 <dgm:dataModel xmlns:dgm="http://schemas.openxmlformats.org/drawingml/2006/diagram" xmlns:a="http://schemas.openxmlformats.org/drawingml/2006/main">
   <dgm:ptLst>
     <dgm:pt modelId="{6A70FD8F-0050-42E3-8B3A-6ED7CFB9852E}" type="doc">
@@ -1440,6 +4114,1409 @@
 </file>
 
 <file path=ppt/diagrams/drawing1.xml><?xml version="1.0" encoding="utf-8"?>
+<dsp:drawing xmlns:dgm="http://schemas.openxmlformats.org/drawingml/2006/diagram" xmlns:dsp="http://schemas.microsoft.com/office/drawing/2008/diagram" xmlns:a="http://schemas.openxmlformats.org/drawingml/2006/main">
+  <dsp:spTree>
+    <dsp:nvGrpSpPr>
+      <dsp:cNvPr id="0" name=""/>
+      <dsp:cNvGrpSpPr/>
+    </dsp:nvGrpSpPr>
+    <dsp:grpSpPr/>
+    <dsp:sp modelId="{A40B1D93-2272-4B39-9378-06A7FF290D7C}">
+      <dsp:nvSpPr>
+        <dsp:cNvPr id="0" name=""/>
+        <dsp:cNvSpPr/>
+      </dsp:nvSpPr>
+      <dsp:spPr>
+        <a:xfrm>
+          <a:off x="791692" y="0"/>
+          <a:ext cx="8972513" cy="3970704"/>
+        </a:xfrm>
+        <a:prstGeom prst="rightArrow">
+          <a:avLst/>
+        </a:prstGeom>
+        <a:solidFill>
+          <a:schemeClr val="accent1">
+            <a:tint val="40000"/>
+            <a:hueOff val="0"/>
+            <a:satOff val="0"/>
+            <a:lumOff val="0"/>
+            <a:alphaOff val="0"/>
+          </a:schemeClr>
+        </a:solidFill>
+        <a:ln>
+          <a:noFill/>
+        </a:ln>
+        <a:effectLst/>
+      </dsp:spPr>
+      <dsp:style>
+        <a:lnRef idx="0">
+          <a:scrgbClr r="0" g="0" b="0"/>
+        </a:lnRef>
+        <a:fillRef idx="1">
+          <a:scrgbClr r="0" g="0" b="0"/>
+        </a:fillRef>
+        <a:effectRef idx="0">
+          <a:scrgbClr r="0" g="0" b="0"/>
+        </a:effectRef>
+        <a:fontRef idx="minor"/>
+      </dsp:style>
+    </dsp:sp>
+    <dsp:sp modelId="{F4F57F76-D1E7-4588-9B60-30C93D15FA60}">
+      <dsp:nvSpPr>
+        <dsp:cNvPr id="0" name=""/>
+        <dsp:cNvSpPr/>
+      </dsp:nvSpPr>
+      <dsp:spPr>
+        <a:xfrm>
+          <a:off x="128" y="1191211"/>
+          <a:ext cx="1544727" cy="1588281"/>
+        </a:xfrm>
+        <a:prstGeom prst="roundRect">
+          <a:avLst/>
+        </a:prstGeom>
+        <a:solidFill>
+          <a:schemeClr val="accent1">
+            <a:hueOff val="0"/>
+            <a:satOff val="0"/>
+            <a:lumOff val="0"/>
+            <a:alphaOff val="0"/>
+          </a:schemeClr>
+        </a:solidFill>
+        <a:ln w="22225" cap="rnd" cmpd="sng" algn="ctr">
+          <a:solidFill>
+            <a:schemeClr val="lt1">
+              <a:hueOff val="0"/>
+              <a:satOff val="0"/>
+              <a:lumOff val="0"/>
+              <a:alphaOff val="0"/>
+            </a:schemeClr>
+          </a:solidFill>
+          <a:prstDash val="solid"/>
+        </a:ln>
+        <a:effectLst/>
+      </dsp:spPr>
+      <dsp:style>
+        <a:lnRef idx="2">
+          <a:scrgbClr r="0" g="0" b="0"/>
+        </a:lnRef>
+        <a:fillRef idx="1">
+          <a:scrgbClr r="0" g="0" b="0"/>
+        </a:fillRef>
+        <a:effectRef idx="0">
+          <a:scrgbClr r="0" g="0" b="0"/>
+        </a:effectRef>
+        <a:fontRef idx="minor">
+          <a:schemeClr val="lt1"/>
+        </a:fontRef>
+      </dsp:style>
+      <dsp:txBody>
+        <a:bodyPr spcFirstLastPara="0" vert="horz" wrap="square" lIns="118110" tIns="118110" rIns="118110" bIns="118110" numCol="1" spcCol="1270" anchor="ctr" anchorCtr="0">
+          <a:noAutofit/>
+        </a:bodyPr>
+        <a:lstStyle/>
+        <a:p>
+          <a:pPr marL="0" lvl="0" indent="0" algn="ctr" defTabSz="1377950">
+            <a:lnSpc>
+              <a:spcPct val="90000"/>
+            </a:lnSpc>
+            <a:spcBef>
+              <a:spcPct val="0"/>
+            </a:spcBef>
+            <a:spcAft>
+              <a:spcPct val="35000"/>
+            </a:spcAft>
+            <a:buNone/>
+          </a:pPr>
+          <a:r>
+            <a:rPr lang="en-US" sz="3100" kern="1200" dirty="0"/>
+            <a:t>Tweets</a:t>
+          </a:r>
+        </a:p>
+      </dsp:txBody>
+      <dsp:txXfrm>
+        <a:off x="75535" y="1266618"/>
+        <a:ext cx="1393913" cy="1437467"/>
+      </dsp:txXfrm>
+    </dsp:sp>
+    <dsp:sp modelId="{BF90CF63-D497-4F1F-B6AB-719B004C59FE}">
+      <dsp:nvSpPr>
+        <dsp:cNvPr id="0" name=""/>
+        <dsp:cNvSpPr/>
+      </dsp:nvSpPr>
+      <dsp:spPr>
+        <a:xfrm>
+          <a:off x="1802311" y="1191211"/>
+          <a:ext cx="1544727" cy="1588281"/>
+        </a:xfrm>
+        <a:prstGeom prst="roundRect">
+          <a:avLst/>
+        </a:prstGeom>
+        <a:solidFill>
+          <a:schemeClr val="accent1">
+            <a:hueOff val="0"/>
+            <a:satOff val="0"/>
+            <a:lumOff val="0"/>
+            <a:alphaOff val="0"/>
+          </a:schemeClr>
+        </a:solidFill>
+        <a:ln w="22225" cap="rnd" cmpd="sng" algn="ctr">
+          <a:solidFill>
+            <a:schemeClr val="lt1">
+              <a:hueOff val="0"/>
+              <a:satOff val="0"/>
+              <a:lumOff val="0"/>
+              <a:alphaOff val="0"/>
+            </a:schemeClr>
+          </a:solidFill>
+          <a:prstDash val="solid"/>
+        </a:ln>
+        <a:effectLst/>
+      </dsp:spPr>
+      <dsp:style>
+        <a:lnRef idx="2">
+          <a:scrgbClr r="0" g="0" b="0"/>
+        </a:lnRef>
+        <a:fillRef idx="1">
+          <a:scrgbClr r="0" g="0" b="0"/>
+        </a:fillRef>
+        <a:effectRef idx="0">
+          <a:scrgbClr r="0" g="0" b="0"/>
+        </a:effectRef>
+        <a:fontRef idx="minor">
+          <a:schemeClr val="lt1"/>
+        </a:fontRef>
+      </dsp:style>
+      <dsp:txBody>
+        <a:bodyPr spcFirstLastPara="0" vert="horz" wrap="square" lIns="118110" tIns="118110" rIns="118110" bIns="118110" numCol="1" spcCol="1270" anchor="ctr" anchorCtr="0">
+          <a:noAutofit/>
+        </a:bodyPr>
+        <a:lstStyle/>
+        <a:p>
+          <a:pPr marL="0" lvl="0" indent="0" algn="ctr" defTabSz="1377950">
+            <a:lnSpc>
+              <a:spcPct val="90000"/>
+            </a:lnSpc>
+            <a:spcBef>
+              <a:spcPct val="0"/>
+            </a:spcBef>
+            <a:spcAft>
+              <a:spcPct val="35000"/>
+            </a:spcAft>
+            <a:buNone/>
+          </a:pPr>
+          <a:endParaRPr lang="en-US" sz="3100" kern="1200" dirty="0"/>
+        </a:p>
+      </dsp:txBody>
+      <dsp:txXfrm>
+        <a:off x="1877718" y="1266618"/>
+        <a:ext cx="1393913" cy="1437467"/>
+      </dsp:txXfrm>
+    </dsp:sp>
+    <dsp:sp modelId="{DB3D4FDE-4C9B-48D7-B212-4B70B3B30472}">
+      <dsp:nvSpPr>
+        <dsp:cNvPr id="0" name=""/>
+        <dsp:cNvSpPr/>
+      </dsp:nvSpPr>
+      <dsp:spPr>
+        <a:xfrm>
+          <a:off x="3604493" y="1191211"/>
+          <a:ext cx="1544727" cy="1588281"/>
+        </a:xfrm>
+        <a:prstGeom prst="roundRect">
+          <a:avLst/>
+        </a:prstGeom>
+        <a:solidFill>
+          <a:schemeClr val="accent1">
+            <a:hueOff val="0"/>
+            <a:satOff val="0"/>
+            <a:lumOff val="0"/>
+            <a:alphaOff val="0"/>
+          </a:schemeClr>
+        </a:solidFill>
+        <a:ln w="22225" cap="rnd" cmpd="sng" algn="ctr">
+          <a:solidFill>
+            <a:schemeClr val="lt1">
+              <a:hueOff val="0"/>
+              <a:satOff val="0"/>
+              <a:lumOff val="0"/>
+              <a:alphaOff val="0"/>
+            </a:schemeClr>
+          </a:solidFill>
+          <a:prstDash val="solid"/>
+        </a:ln>
+        <a:effectLst/>
+      </dsp:spPr>
+      <dsp:style>
+        <a:lnRef idx="2">
+          <a:scrgbClr r="0" g="0" b="0"/>
+        </a:lnRef>
+        <a:fillRef idx="1">
+          <a:scrgbClr r="0" g="0" b="0"/>
+        </a:fillRef>
+        <a:effectRef idx="0">
+          <a:scrgbClr r="0" g="0" b="0"/>
+        </a:effectRef>
+        <a:fontRef idx="minor">
+          <a:schemeClr val="lt1"/>
+        </a:fontRef>
+      </dsp:style>
+      <dsp:txBody>
+        <a:bodyPr spcFirstLastPara="0" vert="horz" wrap="square" lIns="118110" tIns="118110" rIns="118110" bIns="118110" numCol="1" spcCol="1270" anchor="ctr" anchorCtr="0">
+          <a:noAutofit/>
+        </a:bodyPr>
+        <a:lstStyle/>
+        <a:p>
+          <a:pPr marL="0" lvl="0" indent="0" algn="ctr" defTabSz="1377950">
+            <a:lnSpc>
+              <a:spcPct val="90000"/>
+            </a:lnSpc>
+            <a:spcBef>
+              <a:spcPct val="0"/>
+            </a:spcBef>
+            <a:spcAft>
+              <a:spcPct val="35000"/>
+            </a:spcAft>
+            <a:buNone/>
+          </a:pPr>
+          <a:endParaRPr lang="en-US" sz="3100" kern="1200" dirty="0"/>
+        </a:p>
+      </dsp:txBody>
+      <dsp:txXfrm>
+        <a:off x="3679900" y="1266618"/>
+        <a:ext cx="1393913" cy="1437467"/>
+      </dsp:txXfrm>
+    </dsp:sp>
+    <dsp:sp modelId="{08657EB2-0DF2-401B-9CAF-EABD5BCE458B}">
+      <dsp:nvSpPr>
+        <dsp:cNvPr id="0" name=""/>
+        <dsp:cNvSpPr/>
+      </dsp:nvSpPr>
+      <dsp:spPr>
+        <a:xfrm>
+          <a:off x="5406676" y="1191211"/>
+          <a:ext cx="1544727" cy="1588281"/>
+        </a:xfrm>
+        <a:prstGeom prst="roundRect">
+          <a:avLst/>
+        </a:prstGeom>
+        <a:solidFill>
+          <a:schemeClr val="accent1">
+            <a:hueOff val="0"/>
+            <a:satOff val="0"/>
+            <a:lumOff val="0"/>
+            <a:alphaOff val="0"/>
+          </a:schemeClr>
+        </a:solidFill>
+        <a:ln w="22225" cap="rnd" cmpd="sng" algn="ctr">
+          <a:solidFill>
+            <a:schemeClr val="lt1">
+              <a:hueOff val="0"/>
+              <a:satOff val="0"/>
+              <a:lumOff val="0"/>
+              <a:alphaOff val="0"/>
+            </a:schemeClr>
+          </a:solidFill>
+          <a:prstDash val="solid"/>
+        </a:ln>
+        <a:effectLst/>
+      </dsp:spPr>
+      <dsp:style>
+        <a:lnRef idx="2">
+          <a:scrgbClr r="0" g="0" b="0"/>
+        </a:lnRef>
+        <a:fillRef idx="1">
+          <a:scrgbClr r="0" g="0" b="0"/>
+        </a:fillRef>
+        <a:effectRef idx="0">
+          <a:scrgbClr r="0" g="0" b="0"/>
+        </a:effectRef>
+        <a:fontRef idx="minor">
+          <a:schemeClr val="lt1"/>
+        </a:fontRef>
+      </dsp:style>
+      <dsp:txBody>
+        <a:bodyPr spcFirstLastPara="0" vert="horz" wrap="square" lIns="118110" tIns="118110" rIns="118110" bIns="118110" numCol="1" spcCol="1270" anchor="ctr" anchorCtr="0">
+          <a:noAutofit/>
+        </a:bodyPr>
+        <a:lstStyle/>
+        <a:p>
+          <a:pPr marL="0" lvl="0" indent="0" algn="ctr" defTabSz="1377950">
+            <a:lnSpc>
+              <a:spcPct val="90000"/>
+            </a:lnSpc>
+            <a:spcBef>
+              <a:spcPct val="0"/>
+            </a:spcBef>
+            <a:spcAft>
+              <a:spcPct val="35000"/>
+            </a:spcAft>
+            <a:buNone/>
+          </a:pPr>
+          <a:endParaRPr lang="en-US" sz="3100" kern="1200" dirty="0"/>
+        </a:p>
+      </dsp:txBody>
+      <dsp:txXfrm>
+        <a:off x="5482083" y="1266618"/>
+        <a:ext cx="1393913" cy="1437467"/>
+      </dsp:txXfrm>
+    </dsp:sp>
+    <dsp:sp modelId="{929B4F05-4FEB-4C04-9CB7-E7D7C949337C}">
+      <dsp:nvSpPr>
+        <dsp:cNvPr id="0" name=""/>
+        <dsp:cNvSpPr/>
+      </dsp:nvSpPr>
+      <dsp:spPr>
+        <a:xfrm>
+          <a:off x="7208858" y="1191211"/>
+          <a:ext cx="1544727" cy="1588281"/>
+        </a:xfrm>
+        <a:prstGeom prst="roundRect">
+          <a:avLst/>
+        </a:prstGeom>
+        <a:solidFill>
+          <a:schemeClr val="accent1">
+            <a:hueOff val="0"/>
+            <a:satOff val="0"/>
+            <a:lumOff val="0"/>
+            <a:alphaOff val="0"/>
+          </a:schemeClr>
+        </a:solidFill>
+        <a:ln w="22225" cap="rnd" cmpd="sng" algn="ctr">
+          <a:solidFill>
+            <a:schemeClr val="lt1">
+              <a:hueOff val="0"/>
+              <a:satOff val="0"/>
+              <a:lumOff val="0"/>
+              <a:alphaOff val="0"/>
+            </a:schemeClr>
+          </a:solidFill>
+          <a:prstDash val="solid"/>
+        </a:ln>
+        <a:effectLst/>
+      </dsp:spPr>
+      <dsp:style>
+        <a:lnRef idx="2">
+          <a:scrgbClr r="0" g="0" b="0"/>
+        </a:lnRef>
+        <a:fillRef idx="1">
+          <a:scrgbClr r="0" g="0" b="0"/>
+        </a:fillRef>
+        <a:effectRef idx="0">
+          <a:scrgbClr r="0" g="0" b="0"/>
+        </a:effectRef>
+        <a:fontRef idx="minor">
+          <a:schemeClr val="lt1"/>
+        </a:fontRef>
+      </dsp:style>
+      <dsp:txBody>
+        <a:bodyPr spcFirstLastPara="0" vert="horz" wrap="square" lIns="118110" tIns="118110" rIns="118110" bIns="118110" numCol="1" spcCol="1270" anchor="ctr" anchorCtr="0">
+          <a:noAutofit/>
+        </a:bodyPr>
+        <a:lstStyle/>
+        <a:p>
+          <a:pPr marL="0" lvl="0" indent="0" algn="ctr" defTabSz="1377950">
+            <a:lnSpc>
+              <a:spcPct val="90000"/>
+            </a:lnSpc>
+            <a:spcBef>
+              <a:spcPct val="0"/>
+            </a:spcBef>
+            <a:spcAft>
+              <a:spcPct val="35000"/>
+            </a:spcAft>
+            <a:buNone/>
+          </a:pPr>
+          <a:endParaRPr lang="en-US" sz="3100" kern="1200" dirty="0"/>
+        </a:p>
+      </dsp:txBody>
+      <dsp:txXfrm>
+        <a:off x="7284265" y="1266618"/>
+        <a:ext cx="1393913" cy="1437467"/>
+      </dsp:txXfrm>
+    </dsp:sp>
+    <dsp:sp modelId="{22280DE5-4AFC-4FE0-8F8D-4B72D51BCDCF}">
+      <dsp:nvSpPr>
+        <dsp:cNvPr id="0" name=""/>
+        <dsp:cNvSpPr/>
+      </dsp:nvSpPr>
+      <dsp:spPr>
+        <a:xfrm>
+          <a:off x="9011041" y="1191211"/>
+          <a:ext cx="1544727" cy="1588281"/>
+        </a:xfrm>
+        <a:prstGeom prst="roundRect">
+          <a:avLst/>
+        </a:prstGeom>
+        <a:solidFill>
+          <a:schemeClr val="accent1">
+            <a:hueOff val="0"/>
+            <a:satOff val="0"/>
+            <a:lumOff val="0"/>
+            <a:alphaOff val="0"/>
+          </a:schemeClr>
+        </a:solidFill>
+        <a:ln w="22225" cap="rnd" cmpd="sng" algn="ctr">
+          <a:solidFill>
+            <a:schemeClr val="lt1">
+              <a:hueOff val="0"/>
+              <a:satOff val="0"/>
+              <a:lumOff val="0"/>
+              <a:alphaOff val="0"/>
+            </a:schemeClr>
+          </a:solidFill>
+          <a:prstDash val="solid"/>
+        </a:ln>
+        <a:effectLst/>
+      </dsp:spPr>
+      <dsp:style>
+        <a:lnRef idx="2">
+          <a:scrgbClr r="0" g="0" b="0"/>
+        </a:lnRef>
+        <a:fillRef idx="1">
+          <a:scrgbClr r="0" g="0" b="0"/>
+        </a:fillRef>
+        <a:effectRef idx="0">
+          <a:scrgbClr r="0" g="0" b="0"/>
+        </a:effectRef>
+        <a:fontRef idx="minor">
+          <a:schemeClr val="lt1"/>
+        </a:fontRef>
+      </dsp:style>
+      <dsp:txBody>
+        <a:bodyPr spcFirstLastPara="0" vert="horz" wrap="square" lIns="118110" tIns="118110" rIns="118110" bIns="118110" numCol="1" spcCol="1270" anchor="ctr" anchorCtr="0">
+          <a:noAutofit/>
+        </a:bodyPr>
+        <a:lstStyle/>
+        <a:p>
+          <a:pPr marL="0" lvl="0" indent="0" algn="ctr" defTabSz="1377950">
+            <a:lnSpc>
+              <a:spcPct val="90000"/>
+            </a:lnSpc>
+            <a:spcBef>
+              <a:spcPct val="0"/>
+            </a:spcBef>
+            <a:spcAft>
+              <a:spcPct val="35000"/>
+            </a:spcAft>
+            <a:buNone/>
+          </a:pPr>
+          <a:endParaRPr lang="en-US" sz="3100" kern="1200" dirty="0"/>
+        </a:p>
+      </dsp:txBody>
+      <dsp:txXfrm>
+        <a:off x="9086448" y="1266618"/>
+        <a:ext cx="1393913" cy="1437467"/>
+      </dsp:txXfrm>
+    </dsp:sp>
+  </dsp:spTree>
+</dsp:drawing>
+</file>
+
+<file path=ppt/diagrams/drawing2.xml><?xml version="1.0" encoding="utf-8"?>
+<dsp:drawing xmlns:dgm="http://schemas.openxmlformats.org/drawingml/2006/diagram" xmlns:dsp="http://schemas.microsoft.com/office/drawing/2008/diagram" xmlns:a="http://schemas.openxmlformats.org/drawingml/2006/main">
+  <dsp:spTree>
+    <dsp:nvGrpSpPr>
+      <dsp:cNvPr id="0" name=""/>
+      <dsp:cNvGrpSpPr/>
+    </dsp:nvGrpSpPr>
+    <dsp:grpSpPr/>
+    <dsp:sp modelId="{6CCCDC42-FB56-4C1B-AAFD-35C38DCA61EC}">
+      <dsp:nvSpPr>
+        <dsp:cNvPr id="0" name=""/>
+        <dsp:cNvSpPr/>
+      </dsp:nvSpPr>
+      <dsp:spPr>
+        <a:xfrm>
+          <a:off x="428703" y="1075886"/>
+          <a:ext cx="1695423" cy="1482013"/>
+        </a:xfrm>
+        <a:prstGeom prst="rightArrow">
+          <a:avLst>
+            <a:gd name="adj1" fmla="val 70000"/>
+            <a:gd name="adj2" fmla="val 50000"/>
+          </a:avLst>
+        </a:prstGeom>
+        <a:solidFill>
+          <a:schemeClr val="accent1">
+            <a:alpha val="90000"/>
+            <a:tint val="40000"/>
+            <a:hueOff val="0"/>
+            <a:satOff val="0"/>
+            <a:lumOff val="0"/>
+            <a:alphaOff val="0"/>
+          </a:schemeClr>
+        </a:solidFill>
+        <a:ln w="22225" cap="rnd" cmpd="sng" algn="ctr">
+          <a:solidFill>
+            <a:schemeClr val="accent1">
+              <a:alpha val="90000"/>
+              <a:tint val="40000"/>
+              <a:hueOff val="0"/>
+              <a:satOff val="0"/>
+              <a:lumOff val="0"/>
+              <a:alphaOff val="0"/>
+            </a:schemeClr>
+          </a:solidFill>
+          <a:prstDash val="solid"/>
+        </a:ln>
+        <a:effectLst/>
+      </dsp:spPr>
+      <dsp:style>
+        <a:lnRef idx="2">
+          <a:scrgbClr r="0" g="0" b="0"/>
+        </a:lnRef>
+        <a:fillRef idx="1">
+          <a:scrgbClr r="0" g="0" b="0"/>
+        </a:fillRef>
+        <a:effectRef idx="0">
+          <a:scrgbClr r="0" g="0" b="0"/>
+        </a:effectRef>
+        <a:fontRef idx="minor"/>
+      </dsp:style>
+      <dsp:txBody>
+        <a:bodyPr spcFirstLastPara="0" vert="horz" wrap="square" lIns="30480" tIns="7620" rIns="15240" bIns="7620" numCol="1" spcCol="1270" anchor="ctr" anchorCtr="0">
+          <a:noAutofit/>
+        </a:bodyPr>
+        <a:lstStyle/>
+        <a:p>
+          <a:pPr marL="114300" lvl="1" indent="-114300" algn="l" defTabSz="533400">
+            <a:lnSpc>
+              <a:spcPct val="90000"/>
+            </a:lnSpc>
+            <a:spcBef>
+              <a:spcPct val="0"/>
+            </a:spcBef>
+            <a:spcAft>
+              <a:spcPct val="15000"/>
+            </a:spcAft>
+            <a:buChar char="•"/>
+          </a:pPr>
+          <a:r>
+            <a:rPr lang="en-US" sz="1200" kern="1200" dirty="0"/>
+            <a:t>Clean Tweets</a:t>
+          </a:r>
+        </a:p>
+        <a:p>
+          <a:pPr marL="57150" lvl="1" indent="-57150" algn="l" defTabSz="488950">
+            <a:lnSpc>
+              <a:spcPct val="90000"/>
+            </a:lnSpc>
+            <a:spcBef>
+              <a:spcPct val="0"/>
+            </a:spcBef>
+            <a:spcAft>
+              <a:spcPct val="15000"/>
+            </a:spcAft>
+            <a:buChar char="•"/>
+          </a:pPr>
+          <a:endParaRPr lang="en-US" sz="1100" kern="1200" dirty="0"/>
+        </a:p>
+      </dsp:txBody>
+      <dsp:txXfrm>
+        <a:off x="852559" y="1298188"/>
+        <a:ext cx="826519" cy="1037409"/>
+      </dsp:txXfrm>
+    </dsp:sp>
+    <dsp:sp modelId="{9DC668E7-0EFA-43C4-B93A-2C084044A0E4}">
+      <dsp:nvSpPr>
+        <dsp:cNvPr id="0" name=""/>
+        <dsp:cNvSpPr/>
+      </dsp:nvSpPr>
+      <dsp:spPr>
+        <a:xfrm>
+          <a:off x="4847" y="1393037"/>
+          <a:ext cx="847711" cy="847711"/>
+        </a:xfrm>
+        <a:prstGeom prst="ellipse">
+          <a:avLst/>
+        </a:prstGeom>
+        <a:solidFill>
+          <a:schemeClr val="accent1">
+            <a:hueOff val="0"/>
+            <a:satOff val="0"/>
+            <a:lumOff val="0"/>
+            <a:alphaOff val="0"/>
+          </a:schemeClr>
+        </a:solidFill>
+        <a:ln w="22225" cap="rnd" cmpd="sng" algn="ctr">
+          <a:solidFill>
+            <a:schemeClr val="lt1">
+              <a:hueOff val="0"/>
+              <a:satOff val="0"/>
+              <a:lumOff val="0"/>
+              <a:alphaOff val="0"/>
+            </a:schemeClr>
+          </a:solidFill>
+          <a:prstDash val="solid"/>
+        </a:ln>
+        <a:effectLst/>
+      </dsp:spPr>
+      <dsp:style>
+        <a:lnRef idx="2">
+          <a:scrgbClr r="0" g="0" b="0"/>
+        </a:lnRef>
+        <a:fillRef idx="1">
+          <a:scrgbClr r="0" g="0" b="0"/>
+        </a:fillRef>
+        <a:effectRef idx="0">
+          <a:scrgbClr r="0" g="0" b="0"/>
+        </a:effectRef>
+        <a:fontRef idx="minor">
+          <a:schemeClr val="lt1"/>
+        </a:fontRef>
+      </dsp:style>
+      <dsp:txBody>
+        <a:bodyPr spcFirstLastPara="0" vert="horz" wrap="square" lIns="8890" tIns="8890" rIns="8890" bIns="8890" numCol="1" spcCol="1270" anchor="ctr" anchorCtr="0">
+          <a:noAutofit/>
+        </a:bodyPr>
+        <a:lstStyle/>
+        <a:p>
+          <a:pPr marL="0" lvl="0" indent="0" algn="ctr" defTabSz="622300">
+            <a:lnSpc>
+              <a:spcPct val="90000"/>
+            </a:lnSpc>
+            <a:spcBef>
+              <a:spcPct val="0"/>
+            </a:spcBef>
+            <a:spcAft>
+              <a:spcPct val="35000"/>
+            </a:spcAft>
+            <a:buNone/>
+          </a:pPr>
+          <a:r>
+            <a:rPr lang="en-US" sz="1400" kern="1200" dirty="0"/>
+            <a:t>Tweets </a:t>
+          </a:r>
+          <a:r>
+            <a:rPr lang="en-US" sz="1100" kern="1200" dirty="0"/>
+            <a:t>(true &amp; false)</a:t>
+          </a:r>
+          <a:endParaRPr lang="en-US" sz="1400" kern="1200" dirty="0"/>
+        </a:p>
+      </dsp:txBody>
+      <dsp:txXfrm>
+        <a:off x="128991" y="1517181"/>
+        <a:ext cx="599423" cy="599423"/>
+      </dsp:txXfrm>
+    </dsp:sp>
+    <dsp:sp modelId="{8FD4F355-FE1A-41BC-8EAE-FD83C51040F8}">
+      <dsp:nvSpPr>
+        <dsp:cNvPr id="0" name=""/>
+        <dsp:cNvSpPr/>
+      </dsp:nvSpPr>
+      <dsp:spPr>
+        <a:xfrm>
+          <a:off x="2653947" y="1075886"/>
+          <a:ext cx="1695423" cy="1482013"/>
+        </a:xfrm>
+        <a:prstGeom prst="rightArrow">
+          <a:avLst>
+            <a:gd name="adj1" fmla="val 70000"/>
+            <a:gd name="adj2" fmla="val 50000"/>
+          </a:avLst>
+        </a:prstGeom>
+        <a:solidFill>
+          <a:schemeClr val="accent1">
+            <a:alpha val="90000"/>
+            <a:tint val="40000"/>
+            <a:hueOff val="0"/>
+            <a:satOff val="0"/>
+            <a:lumOff val="0"/>
+            <a:alphaOff val="0"/>
+          </a:schemeClr>
+        </a:solidFill>
+        <a:ln w="22225" cap="rnd" cmpd="sng" algn="ctr">
+          <a:solidFill>
+            <a:schemeClr val="accent1">
+              <a:alpha val="90000"/>
+              <a:tint val="40000"/>
+              <a:hueOff val="0"/>
+              <a:satOff val="0"/>
+              <a:lumOff val="0"/>
+              <a:alphaOff val="0"/>
+            </a:schemeClr>
+          </a:solidFill>
+          <a:prstDash val="solid"/>
+        </a:ln>
+        <a:effectLst/>
+      </dsp:spPr>
+      <dsp:style>
+        <a:lnRef idx="2">
+          <a:scrgbClr r="0" g="0" b="0"/>
+        </a:lnRef>
+        <a:fillRef idx="1">
+          <a:scrgbClr r="0" g="0" b="0"/>
+        </a:fillRef>
+        <a:effectRef idx="0">
+          <a:scrgbClr r="0" g="0" b="0"/>
+        </a:effectRef>
+        <a:fontRef idx="minor"/>
+      </dsp:style>
+      <dsp:txBody>
+        <a:bodyPr spcFirstLastPara="0" vert="horz" wrap="square" lIns="20320" tIns="5080" rIns="10160" bIns="5080" numCol="1" spcCol="1270" anchor="ctr" anchorCtr="0">
+          <a:noAutofit/>
+        </a:bodyPr>
+        <a:lstStyle/>
+        <a:p>
+          <a:pPr marL="57150" lvl="1" indent="-57150" algn="l" defTabSz="355600">
+            <a:lnSpc>
+              <a:spcPct val="90000"/>
+            </a:lnSpc>
+            <a:spcBef>
+              <a:spcPct val="0"/>
+            </a:spcBef>
+            <a:spcAft>
+              <a:spcPct val="15000"/>
+            </a:spcAft>
+            <a:buChar char="•"/>
+          </a:pPr>
+          <a:r>
+            <a:rPr lang="en-US" sz="800" kern="1200" dirty="0"/>
+            <a:t>From Words to Numbers</a:t>
+          </a:r>
+        </a:p>
+        <a:p>
+          <a:pPr marL="57150" lvl="1" indent="-57150" algn="l" defTabSz="355600">
+            <a:lnSpc>
+              <a:spcPct val="90000"/>
+            </a:lnSpc>
+            <a:spcBef>
+              <a:spcPct val="0"/>
+            </a:spcBef>
+            <a:spcAft>
+              <a:spcPct val="15000"/>
+            </a:spcAft>
+            <a:buChar char="•"/>
+          </a:pPr>
+          <a:r>
+            <a:rPr lang="en-US" sz="800" kern="1200"/>
+            <a:t>CountVectorize</a:t>
+          </a:r>
+          <a:endParaRPr lang="en-US" sz="800" kern="1200" dirty="0"/>
+        </a:p>
+        <a:p>
+          <a:pPr marL="57150" lvl="1" indent="-57150" algn="l" defTabSz="355600">
+            <a:lnSpc>
+              <a:spcPct val="90000"/>
+            </a:lnSpc>
+            <a:spcBef>
+              <a:spcPct val="0"/>
+            </a:spcBef>
+            <a:spcAft>
+              <a:spcPct val="15000"/>
+            </a:spcAft>
+            <a:buChar char="•"/>
+          </a:pPr>
+          <a:r>
+            <a:rPr lang="en-US" sz="800" kern="1200"/>
+            <a:t>TF-IDF</a:t>
+          </a:r>
+          <a:endParaRPr lang="en-US" sz="800" kern="1200" dirty="0"/>
+        </a:p>
+        <a:p>
+          <a:pPr marL="57150" lvl="1" indent="-57150" algn="l" defTabSz="355600">
+            <a:lnSpc>
+              <a:spcPct val="90000"/>
+            </a:lnSpc>
+            <a:spcBef>
+              <a:spcPct val="0"/>
+            </a:spcBef>
+            <a:spcAft>
+              <a:spcPct val="15000"/>
+            </a:spcAft>
+            <a:buChar char="•"/>
+          </a:pPr>
+          <a:r>
+            <a:rPr lang="en-US" sz="800" kern="1200"/>
+            <a:t>Word2Vec</a:t>
+          </a:r>
+          <a:endParaRPr lang="en-US" sz="800" kern="1200" dirty="0"/>
+        </a:p>
+        <a:p>
+          <a:pPr marL="57150" lvl="1" indent="-57150" algn="l" defTabSz="355600">
+            <a:lnSpc>
+              <a:spcPct val="90000"/>
+            </a:lnSpc>
+            <a:spcBef>
+              <a:spcPct val="0"/>
+            </a:spcBef>
+            <a:spcAft>
+              <a:spcPct val="15000"/>
+            </a:spcAft>
+            <a:buChar char="•"/>
+          </a:pPr>
+          <a:r>
+            <a:rPr lang="en-US" sz="800" kern="1200" dirty="0" err="1"/>
+            <a:t>GloVe</a:t>
+          </a:r>
+          <a:endParaRPr lang="en-US" sz="800" kern="1200" dirty="0"/>
+        </a:p>
+      </dsp:txBody>
+      <dsp:txXfrm>
+        <a:off x="3077803" y="1298188"/>
+        <a:ext cx="826519" cy="1037409"/>
+      </dsp:txXfrm>
+    </dsp:sp>
+    <dsp:sp modelId="{DFC4E36F-E6DC-43CB-9B2E-0E0D0BA62049}">
+      <dsp:nvSpPr>
+        <dsp:cNvPr id="0" name=""/>
+        <dsp:cNvSpPr/>
+      </dsp:nvSpPr>
+      <dsp:spPr>
+        <a:xfrm>
+          <a:off x="2230091" y="1393037"/>
+          <a:ext cx="847711" cy="847711"/>
+        </a:xfrm>
+        <a:prstGeom prst="ellipse">
+          <a:avLst/>
+        </a:prstGeom>
+        <a:solidFill>
+          <a:schemeClr val="accent1">
+            <a:hueOff val="0"/>
+            <a:satOff val="0"/>
+            <a:lumOff val="0"/>
+            <a:alphaOff val="0"/>
+          </a:schemeClr>
+        </a:solidFill>
+        <a:ln w="22225" cap="rnd" cmpd="sng" algn="ctr">
+          <a:solidFill>
+            <a:schemeClr val="lt1">
+              <a:hueOff val="0"/>
+              <a:satOff val="0"/>
+              <a:lumOff val="0"/>
+              <a:alphaOff val="0"/>
+            </a:schemeClr>
+          </a:solidFill>
+          <a:prstDash val="solid"/>
+        </a:ln>
+        <a:effectLst/>
+      </dsp:spPr>
+      <dsp:style>
+        <a:lnRef idx="2">
+          <a:scrgbClr r="0" g="0" b="0"/>
+        </a:lnRef>
+        <a:fillRef idx="1">
+          <a:scrgbClr r="0" g="0" b="0"/>
+        </a:fillRef>
+        <a:effectRef idx="0">
+          <a:scrgbClr r="0" g="0" b="0"/>
+        </a:effectRef>
+        <a:fontRef idx="minor">
+          <a:schemeClr val="lt1"/>
+        </a:fontRef>
+      </dsp:style>
+      <dsp:txBody>
+        <a:bodyPr spcFirstLastPara="0" vert="horz" wrap="square" lIns="10795" tIns="10795" rIns="10795" bIns="10795" numCol="1" spcCol="1270" anchor="ctr" anchorCtr="0">
+          <a:noAutofit/>
+        </a:bodyPr>
+        <a:lstStyle/>
+        <a:p>
+          <a:pPr marL="0" lvl="0" indent="0" algn="ctr" defTabSz="755650">
+            <a:lnSpc>
+              <a:spcPct val="90000"/>
+            </a:lnSpc>
+            <a:spcBef>
+              <a:spcPct val="0"/>
+            </a:spcBef>
+            <a:spcAft>
+              <a:spcPct val="35000"/>
+            </a:spcAft>
+            <a:buNone/>
+          </a:pPr>
+          <a:r>
+            <a:rPr lang="en-US" sz="1700" kern="1200" dirty="0"/>
+            <a:t>List of words</a:t>
+          </a:r>
+        </a:p>
+      </dsp:txBody>
+      <dsp:txXfrm>
+        <a:off x="2354235" y="1517181"/>
+        <a:ext cx="599423" cy="599423"/>
+      </dsp:txXfrm>
+    </dsp:sp>
+    <dsp:sp modelId="{837D470B-67F9-443A-A26B-187E3DFE6CAA}">
+      <dsp:nvSpPr>
+        <dsp:cNvPr id="0" name=""/>
+        <dsp:cNvSpPr/>
+      </dsp:nvSpPr>
+      <dsp:spPr>
+        <a:xfrm>
+          <a:off x="4879191" y="1075886"/>
+          <a:ext cx="1695423" cy="1482013"/>
+        </a:xfrm>
+        <a:prstGeom prst="rightArrow">
+          <a:avLst>
+            <a:gd name="adj1" fmla="val 70000"/>
+            <a:gd name="adj2" fmla="val 50000"/>
+          </a:avLst>
+        </a:prstGeom>
+        <a:solidFill>
+          <a:schemeClr val="accent1">
+            <a:alpha val="90000"/>
+            <a:tint val="40000"/>
+            <a:hueOff val="0"/>
+            <a:satOff val="0"/>
+            <a:lumOff val="0"/>
+            <a:alphaOff val="0"/>
+          </a:schemeClr>
+        </a:solidFill>
+        <a:ln w="22225" cap="rnd" cmpd="sng" algn="ctr">
+          <a:solidFill>
+            <a:schemeClr val="accent1">
+              <a:alpha val="90000"/>
+              <a:tint val="40000"/>
+              <a:hueOff val="0"/>
+              <a:satOff val="0"/>
+              <a:lumOff val="0"/>
+              <a:alphaOff val="0"/>
+            </a:schemeClr>
+          </a:solidFill>
+          <a:prstDash val="solid"/>
+        </a:ln>
+        <a:effectLst/>
+      </dsp:spPr>
+      <dsp:style>
+        <a:lnRef idx="2">
+          <a:scrgbClr r="0" g="0" b="0"/>
+        </a:lnRef>
+        <a:fillRef idx="1">
+          <a:scrgbClr r="0" g="0" b="0"/>
+        </a:fillRef>
+        <a:effectRef idx="0">
+          <a:scrgbClr r="0" g="0" b="0"/>
+        </a:effectRef>
+        <a:fontRef idx="minor"/>
+      </dsp:style>
+      <dsp:txBody>
+        <a:bodyPr spcFirstLastPara="0" vert="horz" wrap="square" lIns="20320" tIns="5080" rIns="10160" bIns="5080" numCol="1" spcCol="1270" anchor="ctr" anchorCtr="0">
+          <a:noAutofit/>
+        </a:bodyPr>
+        <a:lstStyle/>
+        <a:p>
+          <a:pPr marL="57150" lvl="1" indent="-57150" algn="l" defTabSz="355600">
+            <a:lnSpc>
+              <a:spcPct val="90000"/>
+            </a:lnSpc>
+            <a:spcBef>
+              <a:spcPct val="0"/>
+            </a:spcBef>
+            <a:spcAft>
+              <a:spcPct val="15000"/>
+            </a:spcAft>
+            <a:buChar char="•"/>
+          </a:pPr>
+          <a:endParaRPr lang="en-US" sz="800" kern="1200" dirty="0"/>
+        </a:p>
+        <a:p>
+          <a:pPr marL="57150" lvl="1" indent="-57150" algn="l" defTabSz="355600">
+            <a:lnSpc>
+              <a:spcPct val="90000"/>
+            </a:lnSpc>
+            <a:spcBef>
+              <a:spcPct val="0"/>
+            </a:spcBef>
+            <a:spcAft>
+              <a:spcPct val="15000"/>
+            </a:spcAft>
+            <a:buChar char="•"/>
+          </a:pPr>
+          <a:endParaRPr lang="en-US" sz="800" kern="1200" dirty="0"/>
+        </a:p>
+      </dsp:txBody>
+      <dsp:txXfrm>
+        <a:off x="5303047" y="1298188"/>
+        <a:ext cx="826519" cy="1037409"/>
+      </dsp:txXfrm>
+    </dsp:sp>
+    <dsp:sp modelId="{966D2B8A-3ADD-4776-B91F-9807B495D2D5}">
+      <dsp:nvSpPr>
+        <dsp:cNvPr id="0" name=""/>
+        <dsp:cNvSpPr/>
+      </dsp:nvSpPr>
+      <dsp:spPr>
+        <a:xfrm>
+          <a:off x="4455335" y="1393037"/>
+          <a:ext cx="847711" cy="847711"/>
+        </a:xfrm>
+        <a:prstGeom prst="ellipse">
+          <a:avLst/>
+        </a:prstGeom>
+        <a:solidFill>
+          <a:schemeClr val="accent1">
+            <a:hueOff val="0"/>
+            <a:satOff val="0"/>
+            <a:lumOff val="0"/>
+            <a:alphaOff val="0"/>
+          </a:schemeClr>
+        </a:solidFill>
+        <a:ln w="22225" cap="rnd" cmpd="sng" algn="ctr">
+          <a:solidFill>
+            <a:schemeClr val="lt1">
+              <a:hueOff val="0"/>
+              <a:satOff val="0"/>
+              <a:lumOff val="0"/>
+              <a:alphaOff val="0"/>
+            </a:schemeClr>
+          </a:solidFill>
+          <a:prstDash val="solid"/>
+        </a:ln>
+        <a:effectLst/>
+      </dsp:spPr>
+      <dsp:style>
+        <a:lnRef idx="2">
+          <a:scrgbClr r="0" g="0" b="0"/>
+        </a:lnRef>
+        <a:fillRef idx="1">
+          <a:scrgbClr r="0" g="0" b="0"/>
+        </a:fillRef>
+        <a:effectRef idx="0">
+          <a:scrgbClr r="0" g="0" b="0"/>
+        </a:effectRef>
+        <a:fontRef idx="minor">
+          <a:schemeClr val="lt1"/>
+        </a:fontRef>
+      </dsp:style>
+      <dsp:txBody>
+        <a:bodyPr spcFirstLastPara="0" vert="horz" wrap="square" lIns="10795" tIns="10795" rIns="10795" bIns="10795" numCol="1" spcCol="1270" anchor="ctr" anchorCtr="0">
+          <a:noAutofit/>
+        </a:bodyPr>
+        <a:lstStyle/>
+        <a:p>
+          <a:pPr marL="0" lvl="0" indent="0" algn="ctr" defTabSz="755650">
+            <a:lnSpc>
+              <a:spcPct val="90000"/>
+            </a:lnSpc>
+            <a:spcBef>
+              <a:spcPct val="0"/>
+            </a:spcBef>
+            <a:spcAft>
+              <a:spcPct val="35000"/>
+            </a:spcAft>
+            <a:buNone/>
+          </a:pPr>
+          <a:endParaRPr lang="en-US" sz="1700" kern="1200" dirty="0"/>
+        </a:p>
+      </dsp:txBody>
+      <dsp:txXfrm>
+        <a:off x="4579479" y="1517181"/>
+        <a:ext cx="599423" cy="599423"/>
+      </dsp:txXfrm>
+    </dsp:sp>
+    <dsp:sp modelId="{54CDC1EF-F04E-4413-A41A-44EDE21190C1}">
+      <dsp:nvSpPr>
+        <dsp:cNvPr id="0" name=""/>
+        <dsp:cNvSpPr/>
+      </dsp:nvSpPr>
+      <dsp:spPr>
+        <a:xfrm>
+          <a:off x="7104434" y="1075886"/>
+          <a:ext cx="1695423" cy="1482013"/>
+        </a:xfrm>
+        <a:prstGeom prst="rightArrow">
+          <a:avLst>
+            <a:gd name="adj1" fmla="val 70000"/>
+            <a:gd name="adj2" fmla="val 50000"/>
+          </a:avLst>
+        </a:prstGeom>
+        <a:solidFill>
+          <a:schemeClr val="accent1">
+            <a:alpha val="90000"/>
+            <a:tint val="40000"/>
+            <a:hueOff val="0"/>
+            <a:satOff val="0"/>
+            <a:lumOff val="0"/>
+            <a:alphaOff val="0"/>
+          </a:schemeClr>
+        </a:solidFill>
+        <a:ln w="22225" cap="rnd" cmpd="sng" algn="ctr">
+          <a:solidFill>
+            <a:schemeClr val="accent1">
+              <a:alpha val="90000"/>
+              <a:tint val="40000"/>
+              <a:hueOff val="0"/>
+              <a:satOff val="0"/>
+              <a:lumOff val="0"/>
+              <a:alphaOff val="0"/>
+            </a:schemeClr>
+          </a:solidFill>
+          <a:prstDash val="solid"/>
+        </a:ln>
+        <a:effectLst/>
+      </dsp:spPr>
+      <dsp:style>
+        <a:lnRef idx="2">
+          <a:scrgbClr r="0" g="0" b="0"/>
+        </a:lnRef>
+        <a:fillRef idx="1">
+          <a:scrgbClr r="0" g="0" b="0"/>
+        </a:fillRef>
+        <a:effectRef idx="0">
+          <a:scrgbClr r="0" g="0" b="0"/>
+        </a:effectRef>
+        <a:fontRef idx="minor"/>
+      </dsp:style>
+      <dsp:txBody>
+        <a:bodyPr spcFirstLastPara="0" vert="horz" wrap="square" lIns="20320" tIns="5080" rIns="10160" bIns="5080" numCol="1" spcCol="1270" anchor="ctr" anchorCtr="0">
+          <a:noAutofit/>
+        </a:bodyPr>
+        <a:lstStyle/>
+        <a:p>
+          <a:pPr marL="57150" lvl="1" indent="-57150" algn="l" defTabSz="355600">
+            <a:lnSpc>
+              <a:spcPct val="90000"/>
+            </a:lnSpc>
+            <a:spcBef>
+              <a:spcPct val="0"/>
+            </a:spcBef>
+            <a:spcAft>
+              <a:spcPct val="15000"/>
+            </a:spcAft>
+            <a:buChar char="•"/>
+          </a:pPr>
+          <a:r>
+            <a:rPr lang="en-US" sz="800" kern="1200" dirty="0" err="1"/>
+            <a:t>nn</a:t>
+          </a:r>
+          <a:endParaRPr lang="en-US" sz="800" kern="1200" dirty="0"/>
+        </a:p>
+        <a:p>
+          <a:pPr marL="57150" lvl="1" indent="-57150" algn="l" defTabSz="355600">
+            <a:lnSpc>
+              <a:spcPct val="90000"/>
+            </a:lnSpc>
+            <a:spcBef>
+              <a:spcPct val="0"/>
+            </a:spcBef>
+            <a:spcAft>
+              <a:spcPct val="15000"/>
+            </a:spcAft>
+            <a:buChar char="•"/>
+          </a:pPr>
+          <a:r>
+            <a:rPr lang="en-US" sz="800" kern="1200" dirty="0"/>
+            <a:t>Kk</a:t>
+          </a:r>
+        </a:p>
+      </dsp:txBody>
+      <dsp:txXfrm>
+        <a:off x="7528290" y="1298188"/>
+        <a:ext cx="826519" cy="1037409"/>
+      </dsp:txXfrm>
+    </dsp:sp>
+    <dsp:sp modelId="{1FA0DE21-12AB-4DF2-B400-5B73B7C88E69}">
+      <dsp:nvSpPr>
+        <dsp:cNvPr id="0" name=""/>
+        <dsp:cNvSpPr/>
+      </dsp:nvSpPr>
+      <dsp:spPr>
+        <a:xfrm>
+          <a:off x="6680578" y="1393037"/>
+          <a:ext cx="847711" cy="847711"/>
+        </a:xfrm>
+        <a:prstGeom prst="ellipse">
+          <a:avLst/>
+        </a:prstGeom>
+        <a:solidFill>
+          <a:schemeClr val="accent1">
+            <a:hueOff val="0"/>
+            <a:satOff val="0"/>
+            <a:lumOff val="0"/>
+            <a:alphaOff val="0"/>
+          </a:schemeClr>
+        </a:solidFill>
+        <a:ln w="22225" cap="rnd" cmpd="sng" algn="ctr">
+          <a:solidFill>
+            <a:schemeClr val="lt1">
+              <a:hueOff val="0"/>
+              <a:satOff val="0"/>
+              <a:lumOff val="0"/>
+              <a:alphaOff val="0"/>
+            </a:schemeClr>
+          </a:solidFill>
+          <a:prstDash val="solid"/>
+        </a:ln>
+        <a:effectLst/>
+      </dsp:spPr>
+      <dsp:style>
+        <a:lnRef idx="2">
+          <a:scrgbClr r="0" g="0" b="0"/>
+        </a:lnRef>
+        <a:fillRef idx="1">
+          <a:scrgbClr r="0" g="0" b="0"/>
+        </a:fillRef>
+        <a:effectRef idx="0">
+          <a:scrgbClr r="0" g="0" b="0"/>
+        </a:effectRef>
+        <a:fontRef idx="minor">
+          <a:schemeClr val="lt1"/>
+        </a:fontRef>
+      </dsp:style>
+      <dsp:txBody>
+        <a:bodyPr spcFirstLastPara="0" vert="horz" wrap="square" lIns="10795" tIns="10795" rIns="10795" bIns="10795" numCol="1" spcCol="1270" anchor="ctr" anchorCtr="0">
+          <a:noAutofit/>
+        </a:bodyPr>
+        <a:lstStyle/>
+        <a:p>
+          <a:pPr marL="0" lvl="0" indent="0" algn="ctr" defTabSz="755650">
+            <a:lnSpc>
+              <a:spcPct val="90000"/>
+            </a:lnSpc>
+            <a:spcBef>
+              <a:spcPct val="0"/>
+            </a:spcBef>
+            <a:spcAft>
+              <a:spcPct val="35000"/>
+            </a:spcAft>
+            <a:buNone/>
+          </a:pPr>
+          <a:r>
+            <a:rPr lang="en-US" sz="1700" kern="1200" dirty="0"/>
+            <a:t>Ff</a:t>
+          </a:r>
+        </a:p>
+      </dsp:txBody>
+      <dsp:txXfrm>
+        <a:off x="6804722" y="1517181"/>
+        <a:ext cx="599423" cy="599423"/>
+      </dsp:txXfrm>
+    </dsp:sp>
+    <dsp:sp modelId="{7426F8D9-6479-4C0E-B041-8747115A7003}">
+      <dsp:nvSpPr>
+        <dsp:cNvPr id="0" name=""/>
+        <dsp:cNvSpPr/>
+      </dsp:nvSpPr>
+      <dsp:spPr>
+        <a:xfrm>
+          <a:off x="9329678" y="1075886"/>
+          <a:ext cx="1695423" cy="1482013"/>
+        </a:xfrm>
+        <a:prstGeom prst="rightArrow">
+          <a:avLst>
+            <a:gd name="adj1" fmla="val 70000"/>
+            <a:gd name="adj2" fmla="val 50000"/>
+          </a:avLst>
+        </a:prstGeom>
+        <a:solidFill>
+          <a:schemeClr val="accent1">
+            <a:alpha val="90000"/>
+            <a:tint val="40000"/>
+            <a:hueOff val="0"/>
+            <a:satOff val="0"/>
+            <a:lumOff val="0"/>
+            <a:alphaOff val="0"/>
+          </a:schemeClr>
+        </a:solidFill>
+        <a:ln w="22225" cap="rnd" cmpd="sng" algn="ctr">
+          <a:solidFill>
+            <a:schemeClr val="accent1">
+              <a:alpha val="90000"/>
+              <a:tint val="40000"/>
+              <a:hueOff val="0"/>
+              <a:satOff val="0"/>
+              <a:lumOff val="0"/>
+              <a:alphaOff val="0"/>
+            </a:schemeClr>
+          </a:solidFill>
+          <a:prstDash val="solid"/>
+        </a:ln>
+        <a:effectLst/>
+      </dsp:spPr>
+      <dsp:style>
+        <a:lnRef idx="2">
+          <a:scrgbClr r="0" g="0" b="0"/>
+        </a:lnRef>
+        <a:fillRef idx="1">
+          <a:scrgbClr r="0" g="0" b="0"/>
+        </a:fillRef>
+        <a:effectRef idx="0">
+          <a:scrgbClr r="0" g="0" b="0"/>
+        </a:effectRef>
+        <a:fontRef idx="minor"/>
+      </dsp:style>
+    </dsp:sp>
+    <dsp:sp modelId="{E7D392FA-306F-4A6C-AFBA-4CBB5BB4382F}">
+      <dsp:nvSpPr>
+        <dsp:cNvPr id="0" name=""/>
+        <dsp:cNvSpPr/>
+      </dsp:nvSpPr>
+      <dsp:spPr>
+        <a:xfrm>
+          <a:off x="8905822" y="1393037"/>
+          <a:ext cx="847711" cy="847711"/>
+        </a:xfrm>
+        <a:prstGeom prst="ellipse">
+          <a:avLst/>
+        </a:prstGeom>
+        <a:solidFill>
+          <a:schemeClr val="accent1">
+            <a:hueOff val="0"/>
+            <a:satOff val="0"/>
+            <a:lumOff val="0"/>
+            <a:alphaOff val="0"/>
+          </a:schemeClr>
+        </a:solidFill>
+        <a:ln w="22225" cap="rnd" cmpd="sng" algn="ctr">
+          <a:solidFill>
+            <a:schemeClr val="lt1">
+              <a:hueOff val="0"/>
+              <a:satOff val="0"/>
+              <a:lumOff val="0"/>
+              <a:alphaOff val="0"/>
+            </a:schemeClr>
+          </a:solidFill>
+          <a:prstDash val="solid"/>
+        </a:ln>
+        <a:effectLst/>
+      </dsp:spPr>
+      <dsp:style>
+        <a:lnRef idx="2">
+          <a:scrgbClr r="0" g="0" b="0"/>
+        </a:lnRef>
+        <a:fillRef idx="1">
+          <a:scrgbClr r="0" g="0" b="0"/>
+        </a:fillRef>
+        <a:effectRef idx="0">
+          <a:scrgbClr r="0" g="0" b="0"/>
+        </a:effectRef>
+        <a:fontRef idx="minor">
+          <a:schemeClr val="lt1"/>
+        </a:fontRef>
+      </dsp:style>
+      <dsp:txBody>
+        <a:bodyPr spcFirstLastPara="0" vert="horz" wrap="square" lIns="10795" tIns="10795" rIns="10795" bIns="10795" numCol="1" spcCol="1270" anchor="ctr" anchorCtr="0">
+          <a:noAutofit/>
+        </a:bodyPr>
+        <a:lstStyle/>
+        <a:p>
+          <a:pPr marL="0" lvl="0" indent="0" algn="ctr" defTabSz="755650">
+            <a:lnSpc>
+              <a:spcPct val="90000"/>
+            </a:lnSpc>
+            <a:spcBef>
+              <a:spcPct val="0"/>
+            </a:spcBef>
+            <a:spcAft>
+              <a:spcPct val="35000"/>
+            </a:spcAft>
+            <a:buNone/>
+          </a:pPr>
+          <a:r>
+            <a:rPr lang="en-US" sz="1700" kern="1200" dirty="0" err="1"/>
+            <a:t>nn</a:t>
+          </a:r>
+          <a:endParaRPr lang="en-US" sz="1700" kern="1200" dirty="0"/>
+        </a:p>
+      </dsp:txBody>
+      <dsp:txXfrm>
+        <a:off x="9029966" y="1517181"/>
+        <a:ext cx="599423" cy="599423"/>
+      </dsp:txXfrm>
+    </dsp:sp>
+  </dsp:spTree>
+</dsp:drawing>
+</file>
+
+<file path=ppt/diagrams/drawing3.xml><?xml version="1.0" encoding="utf-8"?>
 <dsp:drawing xmlns:dgm="http://schemas.openxmlformats.org/drawingml/2006/diagram" xmlns:dsp="http://schemas.microsoft.com/office/drawing/2008/diagram" xmlns:a="http://schemas.openxmlformats.org/drawingml/2006/main">
   <dsp:spTree>
     <dsp:nvGrpSpPr>
@@ -2142,6 +6219,454 @@
 </file>
 
 <file path=ppt/diagrams/layout1.xml><?xml version="1.0" encoding="utf-8"?>
+<dgm:layoutDef xmlns:dgm="http://schemas.openxmlformats.org/drawingml/2006/diagram" xmlns:a="http://schemas.openxmlformats.org/drawingml/2006/main" uniqueId="urn:microsoft.com/office/officeart/2005/8/layout/hProcess9">
+  <dgm:title val=""/>
+  <dgm:desc val=""/>
+  <dgm:catLst>
+    <dgm:cat type="process" pri="5000"/>
+    <dgm:cat type="convert" pri="13000"/>
+  </dgm:catLst>
+  <dgm:sampData useDef="1">
+    <dgm:dataModel>
+      <dgm:ptLst/>
+      <dgm:bg/>
+      <dgm:whole/>
+    </dgm:dataModel>
+  </dgm:sampData>
+  <dgm:styleData>
+    <dgm:dataModel>
+      <dgm:ptLst>
+        <dgm:pt modelId="0" type="doc"/>
+        <dgm:pt modelId="1"/>
+        <dgm:pt modelId="2"/>
+      </dgm:ptLst>
+      <dgm:cxnLst>
+        <dgm:cxn modelId="3" srcId="0" destId="1" srcOrd="0" destOrd="0"/>
+        <dgm:cxn modelId="4" srcId="0" destId="2" srcOrd="1" destOrd="0"/>
+      </dgm:cxnLst>
+      <dgm:bg/>
+      <dgm:whole/>
+    </dgm:dataModel>
+  </dgm:styleData>
+  <dgm:clrData>
+    <dgm:dataModel>
+      <dgm:ptLst>
+        <dgm:pt modelId="0" type="doc"/>
+        <dgm:pt modelId="1"/>
+        <dgm:pt modelId="2"/>
+        <dgm:pt modelId="3"/>
+        <dgm:pt modelId="4"/>
+      </dgm:ptLst>
+      <dgm:cxnLst>
+        <dgm:cxn modelId="5" srcId="0" destId="1" srcOrd="0" destOrd="0"/>
+        <dgm:cxn modelId="6" srcId="0" destId="2" srcOrd="1" destOrd="0"/>
+        <dgm:cxn modelId="7" srcId="0" destId="3" srcOrd="2" destOrd="0"/>
+        <dgm:cxn modelId="8" srcId="0" destId="4" srcOrd="3" destOrd="0"/>
+      </dgm:cxnLst>
+      <dgm:bg/>
+      <dgm:whole/>
+    </dgm:dataModel>
+  </dgm:clrData>
+  <dgm:layoutNode name="CompostProcess">
+    <dgm:varLst>
+      <dgm:dir/>
+      <dgm:resizeHandles val="exact"/>
+    </dgm:varLst>
+    <dgm:alg type="composite">
+      <dgm:param type="horzAlign" val="ctr"/>
+      <dgm:param type="vertAlign" val="mid"/>
+    </dgm:alg>
+    <dgm:shape xmlns:r="http://schemas.openxmlformats.org/officeDocument/2006/relationships" r:blip="">
+      <dgm:adjLst/>
+    </dgm:shape>
+    <dgm:presOf/>
+    <dgm:constrLst>
+      <dgm:constr type="w" for="ch" forName="arrow" refType="w" fact="0.85"/>
+      <dgm:constr type="h" for="ch" forName="arrow" refType="h"/>
+      <dgm:constr type="ctrX" for="ch" forName="arrow" refType="w" fact="0.5"/>
+      <dgm:constr type="ctrY" for="ch" forName="arrow" refType="h" fact="0.5"/>
+      <dgm:constr type="w" for="ch" forName="linearProcess" refType="w"/>
+      <dgm:constr type="h" for="ch" forName="linearProcess" refType="h" fact="0.4"/>
+      <dgm:constr type="ctrX" for="ch" forName="linearProcess" refType="w" fact="0.5"/>
+      <dgm:constr type="ctrY" for="ch" forName="linearProcess" refType="h" fact="0.5"/>
+    </dgm:constrLst>
+    <dgm:ruleLst/>
+    <dgm:layoutNode name="arrow" styleLbl="bgShp">
+      <dgm:alg type="sp"/>
+      <dgm:choose name="Name0">
+        <dgm:if name="Name1" func="var" arg="dir" op="equ" val="norm">
+          <dgm:shape xmlns:r="http://schemas.openxmlformats.org/officeDocument/2006/relationships" type="rightArrow" r:blip="">
+            <dgm:adjLst/>
+          </dgm:shape>
+        </dgm:if>
+        <dgm:else name="Name2">
+          <dgm:shape xmlns:r="http://schemas.openxmlformats.org/officeDocument/2006/relationships" type="leftArrow" r:blip="">
+            <dgm:adjLst/>
+          </dgm:shape>
+        </dgm:else>
+      </dgm:choose>
+      <dgm:presOf/>
+      <dgm:constrLst/>
+      <dgm:ruleLst/>
+    </dgm:layoutNode>
+    <dgm:layoutNode name="linearProcess">
+      <dgm:choose name="Name3">
+        <dgm:if name="Name4" func="var" arg="dir" op="equ" val="norm">
+          <dgm:alg type="lin"/>
+        </dgm:if>
+        <dgm:else name="Name5">
+          <dgm:alg type="lin">
+            <dgm:param type="linDir" val="fromR"/>
+          </dgm:alg>
+        </dgm:else>
+      </dgm:choose>
+      <dgm:shape xmlns:r="http://schemas.openxmlformats.org/officeDocument/2006/relationships" r:blip="">
+        <dgm:adjLst/>
+      </dgm:shape>
+      <dgm:presOf/>
+      <dgm:constrLst>
+        <dgm:constr type="userA" for="ch" ptType="node" refType="w"/>
+        <dgm:constr type="h" for="ch" ptType="node" refType="h"/>
+        <dgm:constr type="w" for="ch" ptType="node" op="equ"/>
+        <dgm:constr type="w" for="ch" forName="sibTrans" refType="w" fact="0.05"/>
+        <dgm:constr type="primFontSz" for="ch" ptType="node" op="equ" val="65"/>
+      </dgm:constrLst>
+      <dgm:ruleLst/>
+      <dgm:forEach name="Name6" axis="ch" ptType="node">
+        <dgm:layoutNode name="textNode" styleLbl="node1">
+          <dgm:varLst>
+            <dgm:bulletEnabled val="1"/>
+          </dgm:varLst>
+          <dgm:alg type="tx"/>
+          <dgm:shape xmlns:r="http://schemas.openxmlformats.org/officeDocument/2006/relationships" type="roundRect" r:blip="">
+            <dgm:adjLst/>
+          </dgm:shape>
+          <dgm:presOf axis="desOrSelf" ptType="node"/>
+          <dgm:constrLst>
+            <dgm:constr type="userA"/>
+            <dgm:constr type="w" refType="userA" fact="0.3"/>
+            <dgm:constr type="tMarg" refType="primFontSz" fact="0.3"/>
+            <dgm:constr type="bMarg" refType="primFontSz" fact="0.3"/>
+            <dgm:constr type="lMarg" refType="primFontSz" fact="0.3"/>
+            <dgm:constr type="rMarg" refType="primFontSz" fact="0.3"/>
+          </dgm:constrLst>
+          <dgm:ruleLst>
+            <dgm:rule type="w" val="NaN" fact="1" max="NaN"/>
+            <dgm:rule type="primFontSz" val="5" fact="NaN" max="NaN"/>
+          </dgm:ruleLst>
+        </dgm:layoutNode>
+        <dgm:forEach name="Name7" axis="followSib" ptType="sibTrans" cnt="1">
+          <dgm:layoutNode name="sibTrans">
+            <dgm:alg type="sp"/>
+            <dgm:shape xmlns:r="http://schemas.openxmlformats.org/officeDocument/2006/relationships" r:blip="">
+              <dgm:adjLst/>
+            </dgm:shape>
+            <dgm:presOf/>
+            <dgm:constrLst/>
+            <dgm:ruleLst/>
+          </dgm:layoutNode>
+        </dgm:forEach>
+      </dgm:forEach>
+    </dgm:layoutNode>
+  </dgm:layoutNode>
+</dgm:layoutDef>
+</file>
+
+<file path=ppt/diagrams/layout2.xml><?xml version="1.0" encoding="utf-8"?>
+<dgm:layoutDef xmlns:dgm="http://schemas.openxmlformats.org/drawingml/2006/diagram" xmlns:a="http://schemas.openxmlformats.org/drawingml/2006/main" uniqueId="urn:microsoft.com/office/officeart/2005/8/layout/hProcess6">
+  <dgm:title val=""/>
+  <dgm:desc val=""/>
+  <dgm:catLst>
+    <dgm:cat type="process" pri="7000"/>
+  </dgm:catLst>
+  <dgm:sampData>
+    <dgm:dataModel>
+      <dgm:ptLst>
+        <dgm:pt modelId="0" type="doc"/>
+        <dgm:pt modelId="1">
+          <dgm:prSet phldr="1"/>
+        </dgm:pt>
+        <dgm:pt modelId="11">
+          <dgm:prSet phldr="1"/>
+        </dgm:pt>
+        <dgm:pt modelId="12">
+          <dgm:prSet phldr="1"/>
+        </dgm:pt>
+        <dgm:pt modelId="2">
+          <dgm:prSet phldr="1"/>
+        </dgm:pt>
+        <dgm:pt modelId="21">
+          <dgm:prSet phldr="1"/>
+        </dgm:pt>
+        <dgm:pt modelId="22">
+          <dgm:prSet phldr="1"/>
+        </dgm:pt>
+        <dgm:pt modelId="3">
+          <dgm:prSet phldr="1"/>
+        </dgm:pt>
+        <dgm:pt modelId="31">
+          <dgm:prSet phldr="1"/>
+        </dgm:pt>
+        <dgm:pt modelId="32">
+          <dgm:prSet phldr="1"/>
+        </dgm:pt>
+      </dgm:ptLst>
+      <dgm:cxnLst>
+        <dgm:cxn modelId="4" srcId="0" destId="1" srcOrd="0" destOrd="0"/>
+        <dgm:cxn modelId="5" srcId="0" destId="2" srcOrd="1" destOrd="0"/>
+        <dgm:cxn modelId="13" srcId="1" destId="11" srcOrd="0" destOrd="0"/>
+        <dgm:cxn modelId="14" srcId="1" destId="12" srcOrd="0" destOrd="0"/>
+        <dgm:cxn modelId="23" srcId="2" destId="21" srcOrd="0" destOrd="0"/>
+        <dgm:cxn modelId="24" srcId="2" destId="22" srcOrd="0" destOrd="0"/>
+        <dgm:cxn modelId="33" srcId="3" destId="31" srcOrd="0" destOrd="0"/>
+        <dgm:cxn modelId="34" srcId="3" destId="32" srcOrd="0" destOrd="0"/>
+      </dgm:cxnLst>
+      <dgm:bg/>
+      <dgm:whole/>
+    </dgm:dataModel>
+  </dgm:sampData>
+  <dgm:styleData>
+    <dgm:dataModel>
+      <dgm:ptLst>
+        <dgm:pt modelId="0" type="doc"/>
+        <dgm:pt modelId="1"/>
+        <dgm:pt modelId="11"/>
+        <dgm:pt modelId="2"/>
+        <dgm:pt modelId="21"/>
+      </dgm:ptLst>
+      <dgm:cxnLst>
+        <dgm:cxn modelId="4" srcId="0" destId="1" srcOrd="0" destOrd="0"/>
+        <dgm:cxn modelId="5" srcId="0" destId="2" srcOrd="1" destOrd="0"/>
+        <dgm:cxn modelId="13" srcId="1" destId="11" srcOrd="0" destOrd="0"/>
+        <dgm:cxn modelId="23" srcId="2" destId="21" srcOrd="0" destOrd="0"/>
+      </dgm:cxnLst>
+      <dgm:bg/>
+      <dgm:whole/>
+    </dgm:dataModel>
+  </dgm:styleData>
+  <dgm:clrData>
+    <dgm:dataModel>
+      <dgm:ptLst>
+        <dgm:pt modelId="0" type="doc"/>
+        <dgm:pt modelId="1"/>
+        <dgm:pt modelId="11"/>
+        <dgm:pt modelId="2"/>
+        <dgm:pt modelId="21"/>
+        <dgm:pt modelId="3"/>
+        <dgm:pt modelId="31"/>
+        <dgm:pt modelId="4"/>
+        <dgm:pt modelId="41"/>
+      </dgm:ptLst>
+      <dgm:cxnLst>
+        <dgm:cxn modelId="5" srcId="0" destId="1" srcOrd="0" destOrd="0"/>
+        <dgm:cxn modelId="6" srcId="0" destId="2" srcOrd="1" destOrd="0"/>
+        <dgm:cxn modelId="7" srcId="0" destId="3" srcOrd="2" destOrd="0"/>
+        <dgm:cxn modelId="8" srcId="0" destId="4" srcOrd="3" destOrd="0"/>
+        <dgm:cxn modelId="13" srcId="1" destId="11" srcOrd="0" destOrd="0"/>
+        <dgm:cxn modelId="23" srcId="2" destId="21" srcOrd="0" destOrd="0"/>
+        <dgm:cxn modelId="33" srcId="3" destId="31" srcOrd="0" destOrd="0"/>
+        <dgm:cxn modelId="43" srcId="4" destId="41" srcOrd="0" destOrd="0"/>
+      </dgm:cxnLst>
+      <dgm:bg/>
+      <dgm:whole/>
+    </dgm:dataModel>
+  </dgm:clrData>
+  <dgm:layoutNode name="theList">
+    <dgm:varLst>
+      <dgm:dir/>
+      <dgm:animLvl val="lvl"/>
+      <dgm:resizeHandles val="exact"/>
+    </dgm:varLst>
+    <dgm:choose name="Name0">
+      <dgm:if name="Name1" func="var" arg="dir" op="equ" val="norm">
+        <dgm:alg type="lin">
+          <dgm:param type="linDir" val="fromL"/>
+          <dgm:param type="nodeHorzAlign" val="l"/>
+        </dgm:alg>
+      </dgm:if>
+      <dgm:else name="Name2">
+        <dgm:alg type="lin">
+          <dgm:param type="linDir" val="fromR"/>
+          <dgm:param type="nodeHorzAlign" val="r"/>
+        </dgm:alg>
+      </dgm:else>
+    </dgm:choose>
+    <dgm:shape xmlns:r="http://schemas.openxmlformats.org/officeDocument/2006/relationships" r:blip="">
+      <dgm:adjLst/>
+    </dgm:shape>
+    <dgm:presOf/>
+    <dgm:constrLst>
+      <dgm:constr type="w" for="ch" forName="compNode" refType="w"/>
+      <dgm:constr type="h" for="ch" forName="compNode" refType="w" refFor="ch" refForName="compNode" fact="0.7"/>
+      <dgm:constr type="ctrY" for="ch" forName="compNode" refType="h" fact="0.5"/>
+      <dgm:constr type="w" for="ch" forName="aSpace" refType="w" fact="0.05"/>
+      <dgm:constr type="primFontSz" for="des" forName="childTextHidden" op="equ" val="65"/>
+      <dgm:constr type="primFontSz" for="des" forName="parentText" op="equ"/>
+    </dgm:constrLst>
+    <dgm:ruleLst/>
+    <dgm:forEach name="aNodeForEach" axis="ch" ptType="node">
+      <dgm:layoutNode name="compNode">
+        <dgm:alg type="composite">
+          <dgm:param type="ar" val="1.43"/>
+        </dgm:alg>
+        <dgm:shape xmlns:r="http://schemas.openxmlformats.org/officeDocument/2006/relationships" r:blip="">
+          <dgm:adjLst/>
+        </dgm:shape>
+        <dgm:presOf/>
+        <dgm:choose name="Name3">
+          <dgm:if name="Name4" func="var" arg="dir" op="equ" val="norm">
+            <dgm:constrLst>
+              <dgm:constr type="w" for="ch" forName="childTextVisible" refType="w" fact="0.8"/>
+              <dgm:constr type="h" for="ch" forName="childTextVisible" refType="h"/>
+              <dgm:constr type="r" for="ch" forName="childTextVisible" refType="w"/>
+              <dgm:constr type="w" for="ch" forName="childTextHidden" refType="w" fact="0.6"/>
+              <dgm:constr type="h" for="ch" forName="childTextHidden" refType="h"/>
+              <dgm:constr type="r" for="ch" forName="childTextHidden" refType="w"/>
+              <dgm:constr type="l" for="ch" forName="parentText"/>
+              <dgm:constr type="w" for="ch" forName="parentText" refType="w" fact="0.4"/>
+              <dgm:constr type="h" for="ch" forName="parentText" refType="w" refFor="ch" refForName="parentText" op="equ"/>
+              <dgm:constr type="ctrY" for="ch" forName="parentText" refType="h" fact="0.5"/>
+            </dgm:constrLst>
+          </dgm:if>
+          <dgm:else name="Name5">
+            <dgm:constrLst>
+              <dgm:constr type="w" for="ch" forName="childTextVisible" refType="w" fact="0.8"/>
+              <dgm:constr type="h" for="ch" forName="childTextVisible" refType="h"/>
+              <dgm:constr type="l" for="ch" forName="childTextVisible"/>
+              <dgm:constr type="w" for="ch" forName="childTextHidden" refType="w" fact="0.6"/>
+              <dgm:constr type="h" for="ch" forName="childTextHidden" refType="h"/>
+              <dgm:constr type="l" for="ch" forName="childTextHidden"/>
+              <dgm:constr type="r" for="ch" forName="parentText" refType="w"/>
+              <dgm:constr type="w" for="ch" forName="parentText" refType="w" fact="0.4"/>
+              <dgm:constr type="h" for="ch" forName="parentText" refType="w" refFor="ch" refForName="parentText" op="equ"/>
+              <dgm:constr type="ctrY" for="ch" forName="parentText" refType="h" fact="0.5"/>
+            </dgm:constrLst>
+          </dgm:else>
+        </dgm:choose>
+        <dgm:ruleLst/>
+        <dgm:layoutNode name="noGeometry">
+          <dgm:alg type="sp"/>
+          <dgm:shape xmlns:r="http://schemas.openxmlformats.org/officeDocument/2006/relationships" r:blip="">
+            <dgm:adjLst/>
+          </dgm:shape>
+          <dgm:presOf/>
+          <dgm:constrLst/>
+          <dgm:ruleLst/>
+        </dgm:layoutNode>
+        <dgm:layoutNode name="childTextVisible" styleLbl="bgAccFollowNode1">
+          <dgm:varLst>
+            <dgm:bulletEnabled val="1"/>
+          </dgm:varLst>
+          <dgm:alg type="sp"/>
+          <dgm:choose name="Name6">
+            <dgm:if name="Name7" func="var" arg="dir" op="equ" val="norm">
+              <dgm:shape xmlns:r="http://schemas.openxmlformats.org/officeDocument/2006/relationships" type="rightArrow" r:blip="">
+                <dgm:adjLst>
+                  <dgm:adj idx="1" val="0.7"/>
+                  <dgm:adj idx="2" val="0.5"/>
+                </dgm:adjLst>
+              </dgm:shape>
+            </dgm:if>
+            <dgm:else name="Name8">
+              <dgm:shape xmlns:r="http://schemas.openxmlformats.org/officeDocument/2006/relationships" type="leftArrow" r:blip="">
+                <dgm:adjLst>
+                  <dgm:adj idx="1" val="0.7"/>
+                  <dgm:adj idx="2" val="0.5"/>
+                </dgm:adjLst>
+              </dgm:shape>
+            </dgm:else>
+          </dgm:choose>
+          <dgm:presOf axis="des" ptType="node"/>
+          <dgm:constrLst/>
+          <dgm:ruleLst/>
+        </dgm:layoutNode>
+        <dgm:layoutNode name="childTextHidden" styleLbl="bgAccFollowNode1">
+          <dgm:choose name="Name9">
+            <dgm:if name="Name10" axis="des followSib" ptType="node node" st="1 1" cnt="1 0" func="cnt" op="gte" val="1">
+              <dgm:alg type="tx">
+                <dgm:param type="stBulletLvl" val="1"/>
+                <dgm:param type="txAnchorVertCh" val="mid"/>
+              </dgm:alg>
+            </dgm:if>
+            <dgm:else name="Name11">
+              <dgm:alg type="tx">
+                <dgm:param type="stBulletLvl" val="2"/>
+                <dgm:param type="txAnchorVertCh" val="mid"/>
+              </dgm:alg>
+            </dgm:else>
+          </dgm:choose>
+          <dgm:choose name="Name12">
+            <dgm:if name="Name13" func="var" arg="dir" op="equ" val="norm">
+              <dgm:shape xmlns:r="http://schemas.openxmlformats.org/officeDocument/2006/relationships" type="rightArrow" r:blip="" hideGeom="1">
+                <dgm:adjLst>
+                  <dgm:adj idx="1" val="0.7"/>
+                  <dgm:adj idx="2" val="0.5"/>
+                </dgm:adjLst>
+              </dgm:shape>
+            </dgm:if>
+            <dgm:else name="Name14">
+              <dgm:shape xmlns:r="http://schemas.openxmlformats.org/officeDocument/2006/relationships" type="leftArrow" r:blip="" hideGeom="1">
+                <dgm:adjLst>
+                  <dgm:adj idx="1" val="0.7"/>
+                  <dgm:adj idx="2" val="0.5"/>
+                </dgm:adjLst>
+              </dgm:shape>
+            </dgm:else>
+          </dgm:choose>
+          <dgm:presOf axis="des" ptType="node"/>
+          <dgm:constrLst>
+            <dgm:constr type="secFontSz" refType="primFontSz"/>
+            <dgm:constr type="tMarg" refType="primFontSz" fact="0.05"/>
+            <dgm:constr type="bMarg" refType="primFontSz" fact="0.05"/>
+            <dgm:constr type="rMarg" refType="primFontSz" fact="0.1"/>
+            <dgm:constr type="lMarg" refType="primFontSz" fact="0.2"/>
+          </dgm:constrLst>
+          <dgm:ruleLst>
+            <dgm:rule type="primFontSz" val="5" fact="NaN" max="NaN"/>
+          </dgm:ruleLst>
+        </dgm:layoutNode>
+        <dgm:layoutNode name="parentText" styleLbl="node1">
+          <dgm:varLst>
+            <dgm:chMax val="1"/>
+            <dgm:bulletEnabled val="1"/>
+          </dgm:varLst>
+          <dgm:alg type="tx"/>
+          <dgm:shape xmlns:r="http://schemas.openxmlformats.org/officeDocument/2006/relationships" type="ellipse" r:blip="">
+            <dgm:adjLst/>
+          </dgm:shape>
+          <dgm:presOf axis="self"/>
+          <dgm:constrLst>
+            <dgm:constr type="primFontSz" val="65"/>
+            <dgm:constr type="tMarg" refType="primFontSz" fact="0.05"/>
+            <dgm:constr type="bMarg" refType="primFontSz" fact="0.05"/>
+            <dgm:constr type="lMarg" refType="primFontSz" fact="0.05"/>
+            <dgm:constr type="rMarg" refType="primFontSz" fact="0.05"/>
+          </dgm:constrLst>
+          <dgm:ruleLst>
+            <dgm:rule type="primFontSz" val="5" fact="NaN" max="NaN"/>
+          </dgm:ruleLst>
+        </dgm:layoutNode>
+      </dgm:layoutNode>
+      <dgm:choose name="Name15">
+        <dgm:if name="Name16" axis="self" ptType="node" func="revPos" op="gte" val="2">
+          <dgm:layoutNode name="aSpace">
+            <dgm:alg type="sp"/>
+            <dgm:shape xmlns:r="http://schemas.openxmlformats.org/officeDocument/2006/relationships" r:blip="">
+              <dgm:adjLst/>
+            </dgm:shape>
+            <dgm:presOf/>
+            <dgm:constrLst/>
+            <dgm:ruleLst/>
+          </dgm:layoutNode>
+        </dgm:if>
+        <dgm:else name="Name17"/>
+      </dgm:choose>
+    </dgm:forEach>
+  </dgm:layoutNode>
+</dgm:layoutDef>
+</file>
+
+<file path=ppt/diagrams/layout3.xml><?xml version="1.0" encoding="utf-8"?>
 <dgm:layoutDef xmlns:dgm="http://schemas.openxmlformats.org/drawingml/2006/diagram" xmlns:a="http://schemas.openxmlformats.org/drawingml/2006/main" uniqueId="urn:microsoft.com/office/officeart/2016/7/layout/RoundedRectangleTimeline">
   <dgm:title val="Rounded Rectangle Timeline"/>
   <dgm:desc val="Use to show a list of events in chronological order. An invisible box contains the description while the date is shown in rectangles, except for the first and last node where the corners of the rectangle are rounded. It can display large amount of text and long descriptive date format."/>
@@ -2725,6 +7250,2074 @@
 </file>
 
 <file path=ppt/diagrams/quickStyle1.xml><?xml version="1.0" encoding="utf-8"?>
+<dgm:styleDef xmlns:dgm="http://schemas.openxmlformats.org/drawingml/2006/diagram" xmlns:a="http://schemas.openxmlformats.org/drawingml/2006/main" uniqueId="urn:microsoft.com/office/officeart/2005/8/quickstyle/simple1">
+  <dgm:title val=""/>
+  <dgm:desc val=""/>
+  <dgm:catLst>
+    <dgm:cat type="simple" pri="10100"/>
+  </dgm:catLst>
+  <dgm:scene3d>
+    <a:camera prst="orthographicFront"/>
+    <a:lightRig rig="threePt" dir="t"/>
+  </dgm:scene3d>
+  <dgm:styleLbl name="node0">
+    <dgm:scene3d>
+      <a:camera prst="orthographicFront"/>
+      <a:lightRig rig="threePt" dir="t"/>
+    </dgm:scene3d>
+    <dgm:sp3d/>
+    <dgm:txPr/>
+    <dgm:style>
+      <a:lnRef idx="2">
+        <a:scrgbClr r="0" g="0" b="0"/>
+      </a:lnRef>
+      <a:fillRef idx="1">
+        <a:scrgbClr r="0" g="0" b="0"/>
+      </a:fillRef>
+      <a:effectRef idx="0">
+        <a:scrgbClr r="0" g="0" b="0"/>
+      </a:effectRef>
+      <a:fontRef idx="minor">
+        <a:schemeClr val="lt1"/>
+      </a:fontRef>
+    </dgm:style>
+  </dgm:styleLbl>
+  <dgm:styleLbl name="lnNode1">
+    <dgm:scene3d>
+      <a:camera prst="orthographicFront"/>
+      <a:lightRig rig="threePt" dir="t"/>
+    </dgm:scene3d>
+    <dgm:sp3d/>
+    <dgm:txPr/>
+    <dgm:style>
+      <a:lnRef idx="2">
+        <a:scrgbClr r="0" g="0" b="0"/>
+      </a:lnRef>
+      <a:fillRef idx="1">
+        <a:scrgbClr r="0" g="0" b="0"/>
+      </a:fillRef>
+      <a:effectRef idx="0">
+        <a:scrgbClr r="0" g="0" b="0"/>
+      </a:effectRef>
+      <a:fontRef idx="minor">
+        <a:schemeClr val="lt1"/>
+      </a:fontRef>
+    </dgm:style>
+  </dgm:styleLbl>
+  <dgm:styleLbl name="vennNode1">
+    <dgm:scene3d>
+      <a:camera prst="orthographicFront"/>
+      <a:lightRig rig="threePt" dir="t"/>
+    </dgm:scene3d>
+    <dgm:sp3d/>
+    <dgm:txPr/>
+    <dgm:style>
+      <a:lnRef idx="2">
+        <a:scrgbClr r="0" g="0" b="0"/>
+      </a:lnRef>
+      <a:fillRef idx="1">
+        <a:scrgbClr r="0" g="0" b="0"/>
+      </a:fillRef>
+      <a:effectRef idx="0">
+        <a:scrgbClr r="0" g="0" b="0"/>
+      </a:effectRef>
+      <a:fontRef idx="minor">
+        <a:schemeClr val="tx1"/>
+      </a:fontRef>
+    </dgm:style>
+  </dgm:styleLbl>
+  <dgm:styleLbl name="alignNode1">
+    <dgm:scene3d>
+      <a:camera prst="orthographicFront"/>
+      <a:lightRig rig="threePt" dir="t"/>
+    </dgm:scene3d>
+    <dgm:sp3d/>
+    <dgm:txPr/>
+    <dgm:style>
+      <a:lnRef idx="2">
+        <a:scrgbClr r="0" g="0" b="0"/>
+      </a:lnRef>
+      <a:fillRef idx="1">
+        <a:scrgbClr r="0" g="0" b="0"/>
+      </a:fillRef>
+      <a:effectRef idx="0">
+        <a:scrgbClr r="0" g="0" b="0"/>
+      </a:effectRef>
+      <a:fontRef idx="minor">
+        <a:schemeClr val="lt1"/>
+      </a:fontRef>
+    </dgm:style>
+  </dgm:styleLbl>
+  <dgm:styleLbl name="node1">
+    <dgm:scene3d>
+      <a:camera prst="orthographicFront"/>
+      <a:lightRig rig="threePt" dir="t"/>
+    </dgm:scene3d>
+    <dgm:sp3d/>
+    <dgm:txPr/>
+    <dgm:style>
+      <a:lnRef idx="2">
+        <a:scrgbClr r="0" g="0" b="0"/>
+      </a:lnRef>
+      <a:fillRef idx="1">
+        <a:scrgbClr r="0" g="0" b="0"/>
+      </a:fillRef>
+      <a:effectRef idx="0">
+        <a:scrgbClr r="0" g="0" b="0"/>
+      </a:effectRef>
+      <a:fontRef idx="minor">
+        <a:schemeClr val="lt1"/>
+      </a:fontRef>
+    </dgm:style>
+  </dgm:styleLbl>
+  <dgm:styleLbl name="node2">
+    <dgm:scene3d>
+      <a:camera prst="orthographicFront"/>
+      <a:lightRig rig="threePt" dir="t"/>
+    </dgm:scene3d>
+    <dgm:sp3d/>
+    <dgm:txPr/>
+    <dgm:style>
+      <a:lnRef idx="2">
+        <a:scrgbClr r="0" g="0" b="0"/>
+      </a:lnRef>
+      <a:fillRef idx="1">
+        <a:scrgbClr r="0" g="0" b="0"/>
+      </a:fillRef>
+      <a:effectRef idx="0">
+        <a:scrgbClr r="0" g="0" b="0"/>
+      </a:effectRef>
+      <a:fontRef idx="minor">
+        <a:schemeClr val="lt1"/>
+      </a:fontRef>
+    </dgm:style>
+  </dgm:styleLbl>
+  <dgm:styleLbl name="node3">
+    <dgm:scene3d>
+      <a:camera prst="orthographicFront"/>
+      <a:lightRig rig="threePt" dir="t"/>
+    </dgm:scene3d>
+    <dgm:sp3d/>
+    <dgm:txPr/>
+    <dgm:style>
+      <a:lnRef idx="2">
+        <a:scrgbClr r="0" g="0" b="0"/>
+      </a:lnRef>
+      <a:fillRef idx="1">
+        <a:scrgbClr r="0" g="0" b="0"/>
+      </a:fillRef>
+      <a:effectRef idx="0">
+        <a:scrgbClr r="0" g="0" b="0"/>
+      </a:effectRef>
+      <a:fontRef idx="minor">
+        <a:schemeClr val="lt1"/>
+      </a:fontRef>
+    </dgm:style>
+  </dgm:styleLbl>
+  <dgm:styleLbl name="node4">
+    <dgm:scene3d>
+      <a:camera prst="orthographicFront"/>
+      <a:lightRig rig="threePt" dir="t"/>
+    </dgm:scene3d>
+    <dgm:sp3d/>
+    <dgm:txPr/>
+    <dgm:style>
+      <a:lnRef idx="2">
+        <a:scrgbClr r="0" g="0" b="0"/>
+      </a:lnRef>
+      <a:fillRef idx="1">
+        <a:scrgbClr r="0" g="0" b="0"/>
+      </a:fillRef>
+      <a:effectRef idx="0">
+        <a:scrgbClr r="0" g="0" b="0"/>
+      </a:effectRef>
+      <a:fontRef idx="minor">
+        <a:schemeClr val="lt1"/>
+      </a:fontRef>
+    </dgm:style>
+  </dgm:styleLbl>
+  <dgm:styleLbl name="fgImgPlace1">
+    <dgm:scene3d>
+      <a:camera prst="orthographicFront"/>
+      <a:lightRig rig="threePt" dir="t"/>
+    </dgm:scene3d>
+    <dgm:sp3d/>
+    <dgm:txPr/>
+    <dgm:style>
+      <a:lnRef idx="2">
+        <a:scrgbClr r="0" g="0" b="0"/>
+      </a:lnRef>
+      <a:fillRef idx="1">
+        <a:scrgbClr r="0" g="0" b="0"/>
+      </a:fillRef>
+      <a:effectRef idx="0">
+        <a:scrgbClr r="0" g="0" b="0"/>
+      </a:effectRef>
+      <a:fontRef idx="minor"/>
+    </dgm:style>
+  </dgm:styleLbl>
+  <dgm:styleLbl name="alignImgPlace1">
+    <dgm:scene3d>
+      <a:camera prst="orthographicFront"/>
+      <a:lightRig rig="threePt" dir="t"/>
+    </dgm:scene3d>
+    <dgm:sp3d/>
+    <dgm:txPr/>
+    <dgm:style>
+      <a:lnRef idx="2">
+        <a:scrgbClr r="0" g="0" b="0"/>
+      </a:lnRef>
+      <a:fillRef idx="1">
+        <a:scrgbClr r="0" g="0" b="0"/>
+      </a:fillRef>
+      <a:effectRef idx="0">
+        <a:scrgbClr r="0" g="0" b="0"/>
+      </a:effectRef>
+      <a:fontRef idx="minor"/>
+    </dgm:style>
+  </dgm:styleLbl>
+  <dgm:styleLbl name="bgImgPlace1">
+    <dgm:scene3d>
+      <a:camera prst="orthographicFront"/>
+      <a:lightRig rig="threePt" dir="t"/>
+    </dgm:scene3d>
+    <dgm:sp3d/>
+    <dgm:txPr/>
+    <dgm:style>
+      <a:lnRef idx="2">
+        <a:scrgbClr r="0" g="0" b="0"/>
+      </a:lnRef>
+      <a:fillRef idx="1">
+        <a:scrgbClr r="0" g="0" b="0"/>
+      </a:fillRef>
+      <a:effectRef idx="0">
+        <a:scrgbClr r="0" g="0" b="0"/>
+      </a:effectRef>
+      <a:fontRef idx="minor"/>
+    </dgm:style>
+  </dgm:styleLbl>
+  <dgm:styleLbl name="sibTrans2D1">
+    <dgm:scene3d>
+      <a:camera prst="orthographicFront"/>
+      <a:lightRig rig="threePt" dir="t"/>
+    </dgm:scene3d>
+    <dgm:sp3d/>
+    <dgm:txPr/>
+    <dgm:style>
+      <a:lnRef idx="0">
+        <a:scrgbClr r="0" g="0" b="0"/>
+      </a:lnRef>
+      <a:fillRef idx="1">
+        <a:scrgbClr r="0" g="0" b="0"/>
+      </a:fillRef>
+      <a:effectRef idx="0">
+        <a:scrgbClr r="0" g="0" b="0"/>
+      </a:effectRef>
+      <a:fontRef idx="minor">
+        <a:schemeClr val="lt1"/>
+      </a:fontRef>
+    </dgm:style>
+  </dgm:styleLbl>
+  <dgm:styleLbl name="fgSibTrans2D1">
+    <dgm:scene3d>
+      <a:camera prst="orthographicFront"/>
+      <a:lightRig rig="threePt" dir="t"/>
+    </dgm:scene3d>
+    <dgm:sp3d/>
+    <dgm:txPr/>
+    <dgm:style>
+      <a:lnRef idx="0">
+        <a:scrgbClr r="0" g="0" b="0"/>
+      </a:lnRef>
+      <a:fillRef idx="1">
+        <a:scrgbClr r="0" g="0" b="0"/>
+      </a:fillRef>
+      <a:effectRef idx="0">
+        <a:scrgbClr r="0" g="0" b="0"/>
+      </a:effectRef>
+      <a:fontRef idx="minor">
+        <a:schemeClr val="lt1"/>
+      </a:fontRef>
+    </dgm:style>
+  </dgm:styleLbl>
+  <dgm:styleLbl name="bgSibTrans2D1">
+    <dgm:scene3d>
+      <a:camera prst="orthographicFront"/>
+      <a:lightRig rig="threePt" dir="t"/>
+    </dgm:scene3d>
+    <dgm:sp3d/>
+    <dgm:txPr/>
+    <dgm:style>
+      <a:lnRef idx="0">
+        <a:scrgbClr r="0" g="0" b="0"/>
+      </a:lnRef>
+      <a:fillRef idx="1">
+        <a:scrgbClr r="0" g="0" b="0"/>
+      </a:fillRef>
+      <a:effectRef idx="0">
+        <a:scrgbClr r="0" g="0" b="0"/>
+      </a:effectRef>
+      <a:fontRef idx="minor">
+        <a:schemeClr val="lt1"/>
+      </a:fontRef>
+    </dgm:style>
+  </dgm:styleLbl>
+  <dgm:styleLbl name="sibTrans1D1">
+    <dgm:scene3d>
+      <a:camera prst="orthographicFront"/>
+      <a:lightRig rig="threePt" dir="t"/>
+    </dgm:scene3d>
+    <dgm:sp3d/>
+    <dgm:txPr/>
+    <dgm:style>
+      <a:lnRef idx="1">
+        <a:scrgbClr r="0" g="0" b="0"/>
+      </a:lnRef>
+      <a:fillRef idx="0">
+        <a:scrgbClr r="0" g="0" b="0"/>
+      </a:fillRef>
+      <a:effectRef idx="0">
+        <a:scrgbClr r="0" g="0" b="0"/>
+      </a:effectRef>
+      <a:fontRef idx="minor"/>
+    </dgm:style>
+  </dgm:styleLbl>
+  <dgm:styleLbl name="callout">
+    <dgm:scene3d>
+      <a:camera prst="orthographicFront"/>
+      <a:lightRig rig="threePt" dir="t"/>
+    </dgm:scene3d>
+    <dgm:sp3d/>
+    <dgm:txPr/>
+    <dgm:style>
+      <a:lnRef idx="2">
+        <a:scrgbClr r="0" g="0" b="0"/>
+      </a:lnRef>
+      <a:fillRef idx="1">
+        <a:scrgbClr r="0" g="0" b="0"/>
+      </a:fillRef>
+      <a:effectRef idx="0">
+        <a:scrgbClr r="0" g="0" b="0"/>
+      </a:effectRef>
+      <a:fontRef idx="minor"/>
+    </dgm:style>
+  </dgm:styleLbl>
+  <dgm:styleLbl name="asst0">
+    <dgm:scene3d>
+      <a:camera prst="orthographicFront"/>
+      <a:lightRig rig="threePt" dir="t"/>
+    </dgm:scene3d>
+    <dgm:sp3d/>
+    <dgm:txPr/>
+    <dgm:style>
+      <a:lnRef idx="2">
+        <a:scrgbClr r="0" g="0" b="0"/>
+      </a:lnRef>
+      <a:fillRef idx="1">
+        <a:scrgbClr r="0" g="0" b="0"/>
+      </a:fillRef>
+      <a:effectRef idx="0">
+        <a:scrgbClr r="0" g="0" b="0"/>
+      </a:effectRef>
+      <a:fontRef idx="minor">
+        <a:schemeClr val="lt1"/>
+      </a:fontRef>
+    </dgm:style>
+  </dgm:styleLbl>
+  <dgm:styleLbl name="asst1">
+    <dgm:scene3d>
+      <a:camera prst="orthographicFront"/>
+      <a:lightRig rig="threePt" dir="t"/>
+    </dgm:scene3d>
+    <dgm:sp3d/>
+    <dgm:txPr/>
+    <dgm:style>
+      <a:lnRef idx="2">
+        <a:scrgbClr r="0" g="0" b="0"/>
+      </a:lnRef>
+      <a:fillRef idx="1">
+        <a:scrgbClr r="0" g="0" b="0"/>
+      </a:fillRef>
+      <a:effectRef idx="0">
+        <a:scrgbClr r="0" g="0" b="0"/>
+      </a:effectRef>
+      <a:fontRef idx="minor">
+        <a:schemeClr val="lt1"/>
+      </a:fontRef>
+    </dgm:style>
+  </dgm:styleLbl>
+  <dgm:styleLbl name="asst2">
+    <dgm:scene3d>
+      <a:camera prst="orthographicFront"/>
+      <a:lightRig rig="threePt" dir="t"/>
+    </dgm:scene3d>
+    <dgm:sp3d/>
+    <dgm:txPr/>
+    <dgm:style>
+      <a:lnRef idx="2">
+        <a:scrgbClr r="0" g="0" b="0"/>
+      </a:lnRef>
+      <a:fillRef idx="1">
+        <a:scrgbClr r="0" g="0" b="0"/>
+      </a:fillRef>
+      <a:effectRef idx="0">
+        <a:scrgbClr r="0" g="0" b="0"/>
+      </a:effectRef>
+      <a:fontRef idx="minor">
+        <a:schemeClr val="lt1"/>
+      </a:fontRef>
+    </dgm:style>
+  </dgm:styleLbl>
+  <dgm:styleLbl name="asst3">
+    <dgm:scene3d>
+      <a:camera prst="orthographicFront"/>
+      <a:lightRig rig="threePt" dir="t"/>
+    </dgm:scene3d>
+    <dgm:sp3d/>
+    <dgm:txPr/>
+    <dgm:style>
+      <a:lnRef idx="2">
+        <a:scrgbClr r="0" g="0" b="0"/>
+      </a:lnRef>
+      <a:fillRef idx="1">
+        <a:scrgbClr r="0" g="0" b="0"/>
+      </a:fillRef>
+      <a:effectRef idx="0">
+        <a:scrgbClr r="0" g="0" b="0"/>
+      </a:effectRef>
+      <a:fontRef idx="minor">
+        <a:schemeClr val="lt1"/>
+      </a:fontRef>
+    </dgm:style>
+  </dgm:styleLbl>
+  <dgm:styleLbl name="asst4">
+    <dgm:scene3d>
+      <a:camera prst="orthographicFront"/>
+      <a:lightRig rig="threePt" dir="t"/>
+    </dgm:scene3d>
+    <dgm:sp3d/>
+    <dgm:txPr/>
+    <dgm:style>
+      <a:lnRef idx="2">
+        <a:scrgbClr r="0" g="0" b="0"/>
+      </a:lnRef>
+      <a:fillRef idx="1">
+        <a:scrgbClr r="0" g="0" b="0"/>
+      </a:fillRef>
+      <a:effectRef idx="0">
+        <a:scrgbClr r="0" g="0" b="0"/>
+      </a:effectRef>
+      <a:fontRef idx="minor">
+        <a:schemeClr val="lt1"/>
+      </a:fontRef>
+    </dgm:style>
+  </dgm:styleLbl>
+  <dgm:styleLbl name="parChTrans2D1">
+    <dgm:scene3d>
+      <a:camera prst="orthographicFront"/>
+      <a:lightRig rig="threePt" dir="t"/>
+    </dgm:scene3d>
+    <dgm:sp3d/>
+    <dgm:txPr/>
+    <dgm:style>
+      <a:lnRef idx="2">
+        <a:scrgbClr r="0" g="0" b="0"/>
+      </a:lnRef>
+      <a:fillRef idx="1">
+        <a:scrgbClr r="0" g="0" b="0"/>
+      </a:fillRef>
+      <a:effectRef idx="0">
+        <a:scrgbClr r="0" g="0" b="0"/>
+      </a:effectRef>
+      <a:fontRef idx="minor">
+        <a:schemeClr val="lt1"/>
+      </a:fontRef>
+    </dgm:style>
+  </dgm:styleLbl>
+  <dgm:styleLbl name="parChTrans2D2">
+    <dgm:scene3d>
+      <a:camera prst="orthographicFront"/>
+      <a:lightRig rig="threePt" dir="t"/>
+    </dgm:scene3d>
+    <dgm:sp3d/>
+    <dgm:txPr/>
+    <dgm:style>
+      <a:lnRef idx="2">
+        <a:scrgbClr r="0" g="0" b="0"/>
+      </a:lnRef>
+      <a:fillRef idx="1">
+        <a:scrgbClr r="0" g="0" b="0"/>
+      </a:fillRef>
+      <a:effectRef idx="0">
+        <a:scrgbClr r="0" g="0" b="0"/>
+      </a:effectRef>
+      <a:fontRef idx="minor">
+        <a:schemeClr val="lt1"/>
+      </a:fontRef>
+    </dgm:style>
+  </dgm:styleLbl>
+  <dgm:styleLbl name="parChTrans2D3">
+    <dgm:scene3d>
+      <a:camera prst="orthographicFront"/>
+      <a:lightRig rig="threePt" dir="t"/>
+    </dgm:scene3d>
+    <dgm:sp3d/>
+    <dgm:txPr/>
+    <dgm:style>
+      <a:lnRef idx="2">
+        <a:scrgbClr r="0" g="0" b="0"/>
+      </a:lnRef>
+      <a:fillRef idx="1">
+        <a:scrgbClr r="0" g="0" b="0"/>
+      </a:fillRef>
+      <a:effectRef idx="0">
+        <a:scrgbClr r="0" g="0" b="0"/>
+      </a:effectRef>
+      <a:fontRef idx="minor">
+        <a:schemeClr val="lt1"/>
+      </a:fontRef>
+    </dgm:style>
+  </dgm:styleLbl>
+  <dgm:styleLbl name="parChTrans2D4">
+    <dgm:scene3d>
+      <a:camera prst="orthographicFront"/>
+      <a:lightRig rig="threePt" dir="t"/>
+    </dgm:scene3d>
+    <dgm:sp3d/>
+    <dgm:txPr/>
+    <dgm:style>
+      <a:lnRef idx="2">
+        <a:scrgbClr r="0" g="0" b="0"/>
+      </a:lnRef>
+      <a:fillRef idx="1">
+        <a:scrgbClr r="0" g="0" b="0"/>
+      </a:fillRef>
+      <a:effectRef idx="0">
+        <a:scrgbClr r="0" g="0" b="0"/>
+      </a:effectRef>
+      <a:fontRef idx="minor">
+        <a:schemeClr val="lt1"/>
+      </a:fontRef>
+    </dgm:style>
+  </dgm:styleLbl>
+  <dgm:styleLbl name="parChTrans1D1">
+    <dgm:scene3d>
+      <a:camera prst="orthographicFront"/>
+      <a:lightRig rig="threePt" dir="t"/>
+    </dgm:scene3d>
+    <dgm:sp3d/>
+    <dgm:txPr/>
+    <dgm:style>
+      <a:lnRef idx="2">
+        <a:scrgbClr r="0" g="0" b="0"/>
+      </a:lnRef>
+      <a:fillRef idx="0">
+        <a:scrgbClr r="0" g="0" b="0"/>
+      </a:fillRef>
+      <a:effectRef idx="0">
+        <a:scrgbClr r="0" g="0" b="0"/>
+      </a:effectRef>
+      <a:fontRef idx="minor"/>
+    </dgm:style>
+  </dgm:styleLbl>
+  <dgm:styleLbl name="parChTrans1D2">
+    <dgm:scene3d>
+      <a:camera prst="orthographicFront"/>
+      <a:lightRig rig="threePt" dir="t"/>
+    </dgm:scene3d>
+    <dgm:sp3d/>
+    <dgm:txPr/>
+    <dgm:style>
+      <a:lnRef idx="2">
+        <a:scrgbClr r="0" g="0" b="0"/>
+      </a:lnRef>
+      <a:fillRef idx="0">
+        <a:scrgbClr r="0" g="0" b="0"/>
+      </a:fillRef>
+      <a:effectRef idx="0">
+        <a:scrgbClr r="0" g="0" b="0"/>
+      </a:effectRef>
+      <a:fontRef idx="minor"/>
+    </dgm:style>
+  </dgm:styleLbl>
+  <dgm:styleLbl name="parChTrans1D3">
+    <dgm:scene3d>
+      <a:camera prst="orthographicFront"/>
+      <a:lightRig rig="threePt" dir="t"/>
+    </dgm:scene3d>
+    <dgm:sp3d/>
+    <dgm:txPr/>
+    <dgm:style>
+      <a:lnRef idx="2">
+        <a:scrgbClr r="0" g="0" b="0"/>
+      </a:lnRef>
+      <a:fillRef idx="0">
+        <a:scrgbClr r="0" g="0" b="0"/>
+      </a:fillRef>
+      <a:effectRef idx="0">
+        <a:scrgbClr r="0" g="0" b="0"/>
+      </a:effectRef>
+      <a:fontRef idx="minor"/>
+    </dgm:style>
+  </dgm:styleLbl>
+  <dgm:styleLbl name="parChTrans1D4">
+    <dgm:scene3d>
+      <a:camera prst="orthographicFront"/>
+      <a:lightRig rig="threePt" dir="t"/>
+    </dgm:scene3d>
+    <dgm:sp3d/>
+    <dgm:txPr/>
+    <dgm:style>
+      <a:lnRef idx="2">
+        <a:scrgbClr r="0" g="0" b="0"/>
+      </a:lnRef>
+      <a:fillRef idx="0">
+        <a:scrgbClr r="0" g="0" b="0"/>
+      </a:fillRef>
+      <a:effectRef idx="0">
+        <a:scrgbClr r="0" g="0" b="0"/>
+      </a:effectRef>
+      <a:fontRef idx="minor"/>
+    </dgm:style>
+  </dgm:styleLbl>
+  <dgm:styleLbl name="fgAcc1">
+    <dgm:scene3d>
+      <a:camera prst="orthographicFront"/>
+      <a:lightRig rig="threePt" dir="t"/>
+    </dgm:scene3d>
+    <dgm:sp3d/>
+    <dgm:txPr/>
+    <dgm:style>
+      <a:lnRef idx="2">
+        <a:scrgbClr r="0" g="0" b="0"/>
+      </a:lnRef>
+      <a:fillRef idx="1">
+        <a:scrgbClr r="0" g="0" b="0"/>
+      </a:fillRef>
+      <a:effectRef idx="0">
+        <a:scrgbClr r="0" g="0" b="0"/>
+      </a:effectRef>
+      <a:fontRef idx="minor"/>
+    </dgm:style>
+  </dgm:styleLbl>
+  <dgm:styleLbl name="conFgAcc1">
+    <dgm:scene3d>
+      <a:camera prst="orthographicFront"/>
+      <a:lightRig rig="threePt" dir="t"/>
+    </dgm:scene3d>
+    <dgm:sp3d/>
+    <dgm:txPr/>
+    <dgm:style>
+      <a:lnRef idx="2">
+        <a:scrgbClr r="0" g="0" b="0"/>
+      </a:lnRef>
+      <a:fillRef idx="1">
+        <a:scrgbClr r="0" g="0" b="0"/>
+      </a:fillRef>
+      <a:effectRef idx="0">
+        <a:scrgbClr r="0" g="0" b="0"/>
+      </a:effectRef>
+      <a:fontRef idx="minor"/>
+    </dgm:style>
+  </dgm:styleLbl>
+  <dgm:styleLbl name="alignAcc1">
+    <dgm:scene3d>
+      <a:camera prst="orthographicFront"/>
+      <a:lightRig rig="threePt" dir="t"/>
+    </dgm:scene3d>
+    <dgm:sp3d/>
+    <dgm:txPr/>
+    <dgm:style>
+      <a:lnRef idx="2">
+        <a:scrgbClr r="0" g="0" b="0"/>
+      </a:lnRef>
+      <a:fillRef idx="1">
+        <a:scrgbClr r="0" g="0" b="0"/>
+      </a:fillRef>
+      <a:effectRef idx="0">
+        <a:scrgbClr r="0" g="0" b="0"/>
+      </a:effectRef>
+      <a:fontRef idx="minor"/>
+    </dgm:style>
+  </dgm:styleLbl>
+  <dgm:styleLbl name="trAlignAcc1">
+    <dgm:scene3d>
+      <a:camera prst="orthographicFront"/>
+      <a:lightRig rig="threePt" dir="t"/>
+    </dgm:scene3d>
+    <dgm:sp3d/>
+    <dgm:txPr/>
+    <dgm:style>
+      <a:lnRef idx="1">
+        <a:scrgbClr r="0" g="0" b="0"/>
+      </a:lnRef>
+      <a:fillRef idx="1">
+        <a:scrgbClr r="0" g="0" b="0"/>
+      </a:fillRef>
+      <a:effectRef idx="0">
+        <a:scrgbClr r="0" g="0" b="0"/>
+      </a:effectRef>
+      <a:fontRef idx="minor"/>
+    </dgm:style>
+  </dgm:styleLbl>
+  <dgm:styleLbl name="bgAcc1">
+    <dgm:scene3d>
+      <a:camera prst="orthographicFront"/>
+      <a:lightRig rig="threePt" dir="t"/>
+    </dgm:scene3d>
+    <dgm:sp3d/>
+    <dgm:txPr/>
+    <dgm:style>
+      <a:lnRef idx="2">
+        <a:scrgbClr r="0" g="0" b="0"/>
+      </a:lnRef>
+      <a:fillRef idx="1">
+        <a:scrgbClr r="0" g="0" b="0"/>
+      </a:fillRef>
+      <a:effectRef idx="0">
+        <a:scrgbClr r="0" g="0" b="0"/>
+      </a:effectRef>
+      <a:fontRef idx="minor"/>
+    </dgm:style>
+  </dgm:styleLbl>
+  <dgm:styleLbl name="solidFgAcc1">
+    <dgm:scene3d>
+      <a:camera prst="orthographicFront"/>
+      <a:lightRig rig="threePt" dir="t"/>
+    </dgm:scene3d>
+    <dgm:sp3d/>
+    <dgm:txPr/>
+    <dgm:style>
+      <a:lnRef idx="2">
+        <a:scrgbClr r="0" g="0" b="0"/>
+      </a:lnRef>
+      <a:fillRef idx="1">
+        <a:scrgbClr r="0" g="0" b="0"/>
+      </a:fillRef>
+      <a:effectRef idx="0">
+        <a:scrgbClr r="0" g="0" b="0"/>
+      </a:effectRef>
+      <a:fontRef idx="minor"/>
+    </dgm:style>
+  </dgm:styleLbl>
+  <dgm:styleLbl name="solidAlignAcc1">
+    <dgm:scene3d>
+      <a:camera prst="orthographicFront"/>
+      <a:lightRig rig="threePt" dir="t"/>
+    </dgm:scene3d>
+    <dgm:sp3d/>
+    <dgm:txPr/>
+    <dgm:style>
+      <a:lnRef idx="2">
+        <a:scrgbClr r="0" g="0" b="0"/>
+      </a:lnRef>
+      <a:fillRef idx="1">
+        <a:scrgbClr r="0" g="0" b="0"/>
+      </a:fillRef>
+      <a:effectRef idx="0">
+        <a:scrgbClr r="0" g="0" b="0"/>
+      </a:effectRef>
+      <a:fontRef idx="minor"/>
+    </dgm:style>
+  </dgm:styleLbl>
+  <dgm:styleLbl name="solidBgAcc1">
+    <dgm:scene3d>
+      <a:camera prst="orthographicFront"/>
+      <a:lightRig rig="threePt" dir="t"/>
+    </dgm:scene3d>
+    <dgm:sp3d/>
+    <dgm:txPr/>
+    <dgm:style>
+      <a:lnRef idx="2">
+        <a:scrgbClr r="0" g="0" b="0"/>
+      </a:lnRef>
+      <a:fillRef idx="1">
+        <a:scrgbClr r="0" g="0" b="0"/>
+      </a:fillRef>
+      <a:effectRef idx="0">
+        <a:scrgbClr r="0" g="0" b="0"/>
+      </a:effectRef>
+      <a:fontRef idx="minor"/>
+    </dgm:style>
+  </dgm:styleLbl>
+  <dgm:styleLbl name="fgAccFollowNode1">
+    <dgm:scene3d>
+      <a:camera prst="orthographicFront"/>
+      <a:lightRig rig="threePt" dir="t"/>
+    </dgm:scene3d>
+    <dgm:sp3d/>
+    <dgm:txPr/>
+    <dgm:style>
+      <a:lnRef idx="2">
+        <a:scrgbClr r="0" g="0" b="0"/>
+      </a:lnRef>
+      <a:fillRef idx="1">
+        <a:scrgbClr r="0" g="0" b="0"/>
+      </a:fillRef>
+      <a:effectRef idx="0">
+        <a:scrgbClr r="0" g="0" b="0"/>
+      </a:effectRef>
+      <a:fontRef idx="minor"/>
+    </dgm:style>
+  </dgm:styleLbl>
+  <dgm:styleLbl name="alignAccFollowNode1">
+    <dgm:scene3d>
+      <a:camera prst="orthographicFront"/>
+      <a:lightRig rig="threePt" dir="t"/>
+    </dgm:scene3d>
+    <dgm:sp3d/>
+    <dgm:txPr/>
+    <dgm:style>
+      <a:lnRef idx="2">
+        <a:scrgbClr r="0" g="0" b="0"/>
+      </a:lnRef>
+      <a:fillRef idx="1">
+        <a:scrgbClr r="0" g="0" b="0"/>
+      </a:fillRef>
+      <a:effectRef idx="0">
+        <a:scrgbClr r="0" g="0" b="0"/>
+      </a:effectRef>
+      <a:fontRef idx="minor"/>
+    </dgm:style>
+  </dgm:styleLbl>
+  <dgm:styleLbl name="bgAccFollowNode1">
+    <dgm:scene3d>
+      <a:camera prst="orthographicFront"/>
+      <a:lightRig rig="threePt" dir="t"/>
+    </dgm:scene3d>
+    <dgm:sp3d/>
+    <dgm:txPr/>
+    <dgm:style>
+      <a:lnRef idx="2">
+        <a:scrgbClr r="0" g="0" b="0"/>
+      </a:lnRef>
+      <a:fillRef idx="1">
+        <a:scrgbClr r="0" g="0" b="0"/>
+      </a:fillRef>
+      <a:effectRef idx="0">
+        <a:scrgbClr r="0" g="0" b="0"/>
+      </a:effectRef>
+      <a:fontRef idx="minor"/>
+    </dgm:style>
+  </dgm:styleLbl>
+  <dgm:styleLbl name="fgAcc0">
+    <dgm:scene3d>
+      <a:camera prst="orthographicFront"/>
+      <a:lightRig rig="threePt" dir="t"/>
+    </dgm:scene3d>
+    <dgm:sp3d/>
+    <dgm:txPr/>
+    <dgm:style>
+      <a:lnRef idx="2">
+        <a:scrgbClr r="0" g="0" b="0"/>
+      </a:lnRef>
+      <a:fillRef idx="1">
+        <a:scrgbClr r="0" g="0" b="0"/>
+      </a:fillRef>
+      <a:effectRef idx="0">
+        <a:scrgbClr r="0" g="0" b="0"/>
+      </a:effectRef>
+      <a:fontRef idx="minor"/>
+    </dgm:style>
+  </dgm:styleLbl>
+  <dgm:styleLbl name="fgAcc2">
+    <dgm:scene3d>
+      <a:camera prst="orthographicFront"/>
+      <a:lightRig rig="threePt" dir="t"/>
+    </dgm:scene3d>
+    <dgm:sp3d/>
+    <dgm:txPr/>
+    <dgm:style>
+      <a:lnRef idx="2">
+        <a:scrgbClr r="0" g="0" b="0"/>
+      </a:lnRef>
+      <a:fillRef idx="1">
+        <a:scrgbClr r="0" g="0" b="0"/>
+      </a:fillRef>
+      <a:effectRef idx="0">
+        <a:scrgbClr r="0" g="0" b="0"/>
+      </a:effectRef>
+      <a:fontRef idx="minor"/>
+    </dgm:style>
+  </dgm:styleLbl>
+  <dgm:styleLbl name="fgAcc3">
+    <dgm:scene3d>
+      <a:camera prst="orthographicFront"/>
+      <a:lightRig rig="threePt" dir="t"/>
+    </dgm:scene3d>
+    <dgm:sp3d/>
+    <dgm:txPr/>
+    <dgm:style>
+      <a:lnRef idx="2">
+        <a:scrgbClr r="0" g="0" b="0"/>
+      </a:lnRef>
+      <a:fillRef idx="1">
+        <a:scrgbClr r="0" g="0" b="0"/>
+      </a:fillRef>
+      <a:effectRef idx="0">
+        <a:scrgbClr r="0" g="0" b="0"/>
+      </a:effectRef>
+      <a:fontRef idx="minor"/>
+    </dgm:style>
+  </dgm:styleLbl>
+  <dgm:styleLbl name="fgAcc4">
+    <dgm:scene3d>
+      <a:camera prst="orthographicFront"/>
+      <a:lightRig rig="threePt" dir="t"/>
+    </dgm:scene3d>
+    <dgm:sp3d/>
+    <dgm:txPr/>
+    <dgm:style>
+      <a:lnRef idx="2">
+        <a:scrgbClr r="0" g="0" b="0"/>
+      </a:lnRef>
+      <a:fillRef idx="1">
+        <a:scrgbClr r="0" g="0" b="0"/>
+      </a:fillRef>
+      <a:effectRef idx="0">
+        <a:scrgbClr r="0" g="0" b="0"/>
+      </a:effectRef>
+      <a:fontRef idx="minor"/>
+    </dgm:style>
+  </dgm:styleLbl>
+  <dgm:styleLbl name="bgShp">
+    <dgm:scene3d>
+      <a:camera prst="orthographicFront"/>
+      <a:lightRig rig="threePt" dir="t"/>
+    </dgm:scene3d>
+    <dgm:sp3d/>
+    <dgm:txPr/>
+    <dgm:style>
+      <a:lnRef idx="0">
+        <a:scrgbClr r="0" g="0" b="0"/>
+      </a:lnRef>
+      <a:fillRef idx="1">
+        <a:scrgbClr r="0" g="0" b="0"/>
+      </a:fillRef>
+      <a:effectRef idx="0">
+        <a:scrgbClr r="0" g="0" b="0"/>
+      </a:effectRef>
+      <a:fontRef idx="minor"/>
+    </dgm:style>
+  </dgm:styleLbl>
+  <dgm:styleLbl name="dkBgShp">
+    <dgm:scene3d>
+      <a:camera prst="orthographicFront"/>
+      <a:lightRig rig="threePt" dir="t"/>
+    </dgm:scene3d>
+    <dgm:sp3d/>
+    <dgm:txPr/>
+    <dgm:style>
+      <a:lnRef idx="0">
+        <a:scrgbClr r="0" g="0" b="0"/>
+      </a:lnRef>
+      <a:fillRef idx="1">
+        <a:scrgbClr r="0" g="0" b="0"/>
+      </a:fillRef>
+      <a:effectRef idx="0">
+        <a:scrgbClr r="0" g="0" b="0"/>
+      </a:effectRef>
+      <a:fontRef idx="minor"/>
+    </dgm:style>
+  </dgm:styleLbl>
+  <dgm:styleLbl name="trBgShp">
+    <dgm:scene3d>
+      <a:camera prst="orthographicFront"/>
+      <a:lightRig rig="threePt" dir="t"/>
+    </dgm:scene3d>
+    <dgm:sp3d/>
+    <dgm:txPr/>
+    <dgm:style>
+      <a:lnRef idx="0">
+        <a:scrgbClr r="0" g="0" b="0"/>
+      </a:lnRef>
+      <a:fillRef idx="1">
+        <a:scrgbClr r="0" g="0" b="0"/>
+      </a:fillRef>
+      <a:effectRef idx="0">
+        <a:scrgbClr r="0" g="0" b="0"/>
+      </a:effectRef>
+      <a:fontRef idx="minor"/>
+    </dgm:style>
+  </dgm:styleLbl>
+  <dgm:styleLbl name="fgShp">
+    <dgm:scene3d>
+      <a:camera prst="orthographicFront"/>
+      <a:lightRig rig="threePt" dir="t"/>
+    </dgm:scene3d>
+    <dgm:sp3d/>
+    <dgm:txPr/>
+    <dgm:style>
+      <a:lnRef idx="2">
+        <a:scrgbClr r="0" g="0" b="0"/>
+      </a:lnRef>
+      <a:fillRef idx="1">
+        <a:scrgbClr r="0" g="0" b="0"/>
+      </a:fillRef>
+      <a:effectRef idx="0">
+        <a:scrgbClr r="0" g="0" b="0"/>
+      </a:effectRef>
+      <a:fontRef idx="minor"/>
+    </dgm:style>
+  </dgm:styleLbl>
+  <dgm:styleLbl name="revTx">
+    <dgm:scene3d>
+      <a:camera prst="orthographicFront"/>
+      <a:lightRig rig="threePt" dir="t"/>
+    </dgm:scene3d>
+    <dgm:sp3d/>
+    <dgm:txPr/>
+    <dgm:style>
+      <a:lnRef idx="0">
+        <a:scrgbClr r="0" g="0" b="0"/>
+      </a:lnRef>
+      <a:fillRef idx="0">
+        <a:scrgbClr r="0" g="0" b="0"/>
+      </a:fillRef>
+      <a:effectRef idx="0">
+        <a:scrgbClr r="0" g="0" b="0"/>
+      </a:effectRef>
+      <a:fontRef idx="minor"/>
+    </dgm:style>
+  </dgm:styleLbl>
+</dgm:styleDef>
+</file>
+
+<file path=ppt/diagrams/quickStyle2.xml><?xml version="1.0" encoding="utf-8"?>
+<dgm:styleDef xmlns:dgm="http://schemas.openxmlformats.org/drawingml/2006/diagram" xmlns:a="http://schemas.openxmlformats.org/drawingml/2006/main" uniqueId="urn:microsoft.com/office/officeart/2005/8/quickstyle/simple1">
+  <dgm:title val=""/>
+  <dgm:desc val=""/>
+  <dgm:catLst>
+    <dgm:cat type="simple" pri="10100"/>
+  </dgm:catLst>
+  <dgm:scene3d>
+    <a:camera prst="orthographicFront"/>
+    <a:lightRig rig="threePt" dir="t"/>
+  </dgm:scene3d>
+  <dgm:styleLbl name="node0">
+    <dgm:scene3d>
+      <a:camera prst="orthographicFront"/>
+      <a:lightRig rig="threePt" dir="t"/>
+    </dgm:scene3d>
+    <dgm:sp3d/>
+    <dgm:txPr/>
+    <dgm:style>
+      <a:lnRef idx="2">
+        <a:scrgbClr r="0" g="0" b="0"/>
+      </a:lnRef>
+      <a:fillRef idx="1">
+        <a:scrgbClr r="0" g="0" b="0"/>
+      </a:fillRef>
+      <a:effectRef idx="0">
+        <a:scrgbClr r="0" g="0" b="0"/>
+      </a:effectRef>
+      <a:fontRef idx="minor">
+        <a:schemeClr val="lt1"/>
+      </a:fontRef>
+    </dgm:style>
+  </dgm:styleLbl>
+  <dgm:styleLbl name="lnNode1">
+    <dgm:scene3d>
+      <a:camera prst="orthographicFront"/>
+      <a:lightRig rig="threePt" dir="t"/>
+    </dgm:scene3d>
+    <dgm:sp3d/>
+    <dgm:txPr/>
+    <dgm:style>
+      <a:lnRef idx="2">
+        <a:scrgbClr r="0" g="0" b="0"/>
+      </a:lnRef>
+      <a:fillRef idx="1">
+        <a:scrgbClr r="0" g="0" b="0"/>
+      </a:fillRef>
+      <a:effectRef idx="0">
+        <a:scrgbClr r="0" g="0" b="0"/>
+      </a:effectRef>
+      <a:fontRef idx="minor">
+        <a:schemeClr val="lt1"/>
+      </a:fontRef>
+    </dgm:style>
+  </dgm:styleLbl>
+  <dgm:styleLbl name="vennNode1">
+    <dgm:scene3d>
+      <a:camera prst="orthographicFront"/>
+      <a:lightRig rig="threePt" dir="t"/>
+    </dgm:scene3d>
+    <dgm:sp3d/>
+    <dgm:txPr/>
+    <dgm:style>
+      <a:lnRef idx="2">
+        <a:scrgbClr r="0" g="0" b="0"/>
+      </a:lnRef>
+      <a:fillRef idx="1">
+        <a:scrgbClr r="0" g="0" b="0"/>
+      </a:fillRef>
+      <a:effectRef idx="0">
+        <a:scrgbClr r="0" g="0" b="0"/>
+      </a:effectRef>
+      <a:fontRef idx="minor">
+        <a:schemeClr val="tx1"/>
+      </a:fontRef>
+    </dgm:style>
+  </dgm:styleLbl>
+  <dgm:styleLbl name="alignNode1">
+    <dgm:scene3d>
+      <a:camera prst="orthographicFront"/>
+      <a:lightRig rig="threePt" dir="t"/>
+    </dgm:scene3d>
+    <dgm:sp3d/>
+    <dgm:txPr/>
+    <dgm:style>
+      <a:lnRef idx="2">
+        <a:scrgbClr r="0" g="0" b="0"/>
+      </a:lnRef>
+      <a:fillRef idx="1">
+        <a:scrgbClr r="0" g="0" b="0"/>
+      </a:fillRef>
+      <a:effectRef idx="0">
+        <a:scrgbClr r="0" g="0" b="0"/>
+      </a:effectRef>
+      <a:fontRef idx="minor">
+        <a:schemeClr val="lt1"/>
+      </a:fontRef>
+    </dgm:style>
+  </dgm:styleLbl>
+  <dgm:styleLbl name="node1">
+    <dgm:scene3d>
+      <a:camera prst="orthographicFront"/>
+      <a:lightRig rig="threePt" dir="t"/>
+    </dgm:scene3d>
+    <dgm:sp3d/>
+    <dgm:txPr/>
+    <dgm:style>
+      <a:lnRef idx="2">
+        <a:scrgbClr r="0" g="0" b="0"/>
+      </a:lnRef>
+      <a:fillRef idx="1">
+        <a:scrgbClr r="0" g="0" b="0"/>
+      </a:fillRef>
+      <a:effectRef idx="0">
+        <a:scrgbClr r="0" g="0" b="0"/>
+      </a:effectRef>
+      <a:fontRef idx="minor">
+        <a:schemeClr val="lt1"/>
+      </a:fontRef>
+    </dgm:style>
+  </dgm:styleLbl>
+  <dgm:styleLbl name="node2">
+    <dgm:scene3d>
+      <a:camera prst="orthographicFront"/>
+      <a:lightRig rig="threePt" dir="t"/>
+    </dgm:scene3d>
+    <dgm:sp3d/>
+    <dgm:txPr/>
+    <dgm:style>
+      <a:lnRef idx="2">
+        <a:scrgbClr r="0" g="0" b="0"/>
+      </a:lnRef>
+      <a:fillRef idx="1">
+        <a:scrgbClr r="0" g="0" b="0"/>
+      </a:fillRef>
+      <a:effectRef idx="0">
+        <a:scrgbClr r="0" g="0" b="0"/>
+      </a:effectRef>
+      <a:fontRef idx="minor">
+        <a:schemeClr val="lt1"/>
+      </a:fontRef>
+    </dgm:style>
+  </dgm:styleLbl>
+  <dgm:styleLbl name="node3">
+    <dgm:scene3d>
+      <a:camera prst="orthographicFront"/>
+      <a:lightRig rig="threePt" dir="t"/>
+    </dgm:scene3d>
+    <dgm:sp3d/>
+    <dgm:txPr/>
+    <dgm:style>
+      <a:lnRef idx="2">
+        <a:scrgbClr r="0" g="0" b="0"/>
+      </a:lnRef>
+      <a:fillRef idx="1">
+        <a:scrgbClr r="0" g="0" b="0"/>
+      </a:fillRef>
+      <a:effectRef idx="0">
+        <a:scrgbClr r="0" g="0" b="0"/>
+      </a:effectRef>
+      <a:fontRef idx="minor">
+        <a:schemeClr val="lt1"/>
+      </a:fontRef>
+    </dgm:style>
+  </dgm:styleLbl>
+  <dgm:styleLbl name="node4">
+    <dgm:scene3d>
+      <a:camera prst="orthographicFront"/>
+      <a:lightRig rig="threePt" dir="t"/>
+    </dgm:scene3d>
+    <dgm:sp3d/>
+    <dgm:txPr/>
+    <dgm:style>
+      <a:lnRef idx="2">
+        <a:scrgbClr r="0" g="0" b="0"/>
+      </a:lnRef>
+      <a:fillRef idx="1">
+        <a:scrgbClr r="0" g="0" b="0"/>
+      </a:fillRef>
+      <a:effectRef idx="0">
+        <a:scrgbClr r="0" g="0" b="0"/>
+      </a:effectRef>
+      <a:fontRef idx="minor">
+        <a:schemeClr val="lt1"/>
+      </a:fontRef>
+    </dgm:style>
+  </dgm:styleLbl>
+  <dgm:styleLbl name="fgImgPlace1">
+    <dgm:scene3d>
+      <a:camera prst="orthographicFront"/>
+      <a:lightRig rig="threePt" dir="t"/>
+    </dgm:scene3d>
+    <dgm:sp3d/>
+    <dgm:txPr/>
+    <dgm:style>
+      <a:lnRef idx="2">
+        <a:scrgbClr r="0" g="0" b="0"/>
+      </a:lnRef>
+      <a:fillRef idx="1">
+        <a:scrgbClr r="0" g="0" b="0"/>
+      </a:fillRef>
+      <a:effectRef idx="0">
+        <a:scrgbClr r="0" g="0" b="0"/>
+      </a:effectRef>
+      <a:fontRef idx="minor"/>
+    </dgm:style>
+  </dgm:styleLbl>
+  <dgm:styleLbl name="alignImgPlace1">
+    <dgm:scene3d>
+      <a:camera prst="orthographicFront"/>
+      <a:lightRig rig="threePt" dir="t"/>
+    </dgm:scene3d>
+    <dgm:sp3d/>
+    <dgm:txPr/>
+    <dgm:style>
+      <a:lnRef idx="2">
+        <a:scrgbClr r="0" g="0" b="0"/>
+      </a:lnRef>
+      <a:fillRef idx="1">
+        <a:scrgbClr r="0" g="0" b="0"/>
+      </a:fillRef>
+      <a:effectRef idx="0">
+        <a:scrgbClr r="0" g="0" b="0"/>
+      </a:effectRef>
+      <a:fontRef idx="minor"/>
+    </dgm:style>
+  </dgm:styleLbl>
+  <dgm:styleLbl name="bgImgPlace1">
+    <dgm:scene3d>
+      <a:camera prst="orthographicFront"/>
+      <a:lightRig rig="threePt" dir="t"/>
+    </dgm:scene3d>
+    <dgm:sp3d/>
+    <dgm:txPr/>
+    <dgm:style>
+      <a:lnRef idx="2">
+        <a:scrgbClr r="0" g="0" b="0"/>
+      </a:lnRef>
+      <a:fillRef idx="1">
+        <a:scrgbClr r="0" g="0" b="0"/>
+      </a:fillRef>
+      <a:effectRef idx="0">
+        <a:scrgbClr r="0" g="0" b="0"/>
+      </a:effectRef>
+      <a:fontRef idx="minor"/>
+    </dgm:style>
+  </dgm:styleLbl>
+  <dgm:styleLbl name="sibTrans2D1">
+    <dgm:scene3d>
+      <a:camera prst="orthographicFront"/>
+      <a:lightRig rig="threePt" dir="t"/>
+    </dgm:scene3d>
+    <dgm:sp3d/>
+    <dgm:txPr/>
+    <dgm:style>
+      <a:lnRef idx="0">
+        <a:scrgbClr r="0" g="0" b="0"/>
+      </a:lnRef>
+      <a:fillRef idx="1">
+        <a:scrgbClr r="0" g="0" b="0"/>
+      </a:fillRef>
+      <a:effectRef idx="0">
+        <a:scrgbClr r="0" g="0" b="0"/>
+      </a:effectRef>
+      <a:fontRef idx="minor">
+        <a:schemeClr val="lt1"/>
+      </a:fontRef>
+    </dgm:style>
+  </dgm:styleLbl>
+  <dgm:styleLbl name="fgSibTrans2D1">
+    <dgm:scene3d>
+      <a:camera prst="orthographicFront"/>
+      <a:lightRig rig="threePt" dir="t"/>
+    </dgm:scene3d>
+    <dgm:sp3d/>
+    <dgm:txPr/>
+    <dgm:style>
+      <a:lnRef idx="0">
+        <a:scrgbClr r="0" g="0" b="0"/>
+      </a:lnRef>
+      <a:fillRef idx="1">
+        <a:scrgbClr r="0" g="0" b="0"/>
+      </a:fillRef>
+      <a:effectRef idx="0">
+        <a:scrgbClr r="0" g="0" b="0"/>
+      </a:effectRef>
+      <a:fontRef idx="minor">
+        <a:schemeClr val="lt1"/>
+      </a:fontRef>
+    </dgm:style>
+  </dgm:styleLbl>
+  <dgm:styleLbl name="bgSibTrans2D1">
+    <dgm:scene3d>
+      <a:camera prst="orthographicFront"/>
+      <a:lightRig rig="threePt" dir="t"/>
+    </dgm:scene3d>
+    <dgm:sp3d/>
+    <dgm:txPr/>
+    <dgm:style>
+      <a:lnRef idx="0">
+        <a:scrgbClr r="0" g="0" b="0"/>
+      </a:lnRef>
+      <a:fillRef idx="1">
+        <a:scrgbClr r="0" g="0" b="0"/>
+      </a:fillRef>
+      <a:effectRef idx="0">
+        <a:scrgbClr r="0" g="0" b="0"/>
+      </a:effectRef>
+      <a:fontRef idx="minor">
+        <a:schemeClr val="lt1"/>
+      </a:fontRef>
+    </dgm:style>
+  </dgm:styleLbl>
+  <dgm:styleLbl name="sibTrans1D1">
+    <dgm:scene3d>
+      <a:camera prst="orthographicFront"/>
+      <a:lightRig rig="threePt" dir="t"/>
+    </dgm:scene3d>
+    <dgm:sp3d/>
+    <dgm:txPr/>
+    <dgm:style>
+      <a:lnRef idx="1">
+        <a:scrgbClr r="0" g="0" b="0"/>
+      </a:lnRef>
+      <a:fillRef idx="0">
+        <a:scrgbClr r="0" g="0" b="0"/>
+      </a:fillRef>
+      <a:effectRef idx="0">
+        <a:scrgbClr r="0" g="0" b="0"/>
+      </a:effectRef>
+      <a:fontRef idx="minor"/>
+    </dgm:style>
+  </dgm:styleLbl>
+  <dgm:styleLbl name="callout">
+    <dgm:scene3d>
+      <a:camera prst="orthographicFront"/>
+      <a:lightRig rig="threePt" dir="t"/>
+    </dgm:scene3d>
+    <dgm:sp3d/>
+    <dgm:txPr/>
+    <dgm:style>
+      <a:lnRef idx="2">
+        <a:scrgbClr r="0" g="0" b="0"/>
+      </a:lnRef>
+      <a:fillRef idx="1">
+        <a:scrgbClr r="0" g="0" b="0"/>
+      </a:fillRef>
+      <a:effectRef idx="0">
+        <a:scrgbClr r="0" g="0" b="0"/>
+      </a:effectRef>
+      <a:fontRef idx="minor"/>
+    </dgm:style>
+  </dgm:styleLbl>
+  <dgm:styleLbl name="asst0">
+    <dgm:scene3d>
+      <a:camera prst="orthographicFront"/>
+      <a:lightRig rig="threePt" dir="t"/>
+    </dgm:scene3d>
+    <dgm:sp3d/>
+    <dgm:txPr/>
+    <dgm:style>
+      <a:lnRef idx="2">
+        <a:scrgbClr r="0" g="0" b="0"/>
+      </a:lnRef>
+      <a:fillRef idx="1">
+        <a:scrgbClr r="0" g="0" b="0"/>
+      </a:fillRef>
+      <a:effectRef idx="0">
+        <a:scrgbClr r="0" g="0" b="0"/>
+      </a:effectRef>
+      <a:fontRef idx="minor">
+        <a:schemeClr val="lt1"/>
+      </a:fontRef>
+    </dgm:style>
+  </dgm:styleLbl>
+  <dgm:styleLbl name="asst1">
+    <dgm:scene3d>
+      <a:camera prst="orthographicFront"/>
+      <a:lightRig rig="threePt" dir="t"/>
+    </dgm:scene3d>
+    <dgm:sp3d/>
+    <dgm:txPr/>
+    <dgm:style>
+      <a:lnRef idx="2">
+        <a:scrgbClr r="0" g="0" b="0"/>
+      </a:lnRef>
+      <a:fillRef idx="1">
+        <a:scrgbClr r="0" g="0" b="0"/>
+      </a:fillRef>
+      <a:effectRef idx="0">
+        <a:scrgbClr r="0" g="0" b="0"/>
+      </a:effectRef>
+      <a:fontRef idx="minor">
+        <a:schemeClr val="lt1"/>
+      </a:fontRef>
+    </dgm:style>
+  </dgm:styleLbl>
+  <dgm:styleLbl name="asst2">
+    <dgm:scene3d>
+      <a:camera prst="orthographicFront"/>
+      <a:lightRig rig="threePt" dir="t"/>
+    </dgm:scene3d>
+    <dgm:sp3d/>
+    <dgm:txPr/>
+    <dgm:style>
+      <a:lnRef idx="2">
+        <a:scrgbClr r="0" g="0" b="0"/>
+      </a:lnRef>
+      <a:fillRef idx="1">
+        <a:scrgbClr r="0" g="0" b="0"/>
+      </a:fillRef>
+      <a:effectRef idx="0">
+        <a:scrgbClr r="0" g="0" b="0"/>
+      </a:effectRef>
+      <a:fontRef idx="minor">
+        <a:schemeClr val="lt1"/>
+      </a:fontRef>
+    </dgm:style>
+  </dgm:styleLbl>
+  <dgm:styleLbl name="asst3">
+    <dgm:scene3d>
+      <a:camera prst="orthographicFront"/>
+      <a:lightRig rig="threePt" dir="t"/>
+    </dgm:scene3d>
+    <dgm:sp3d/>
+    <dgm:txPr/>
+    <dgm:style>
+      <a:lnRef idx="2">
+        <a:scrgbClr r="0" g="0" b="0"/>
+      </a:lnRef>
+      <a:fillRef idx="1">
+        <a:scrgbClr r="0" g="0" b="0"/>
+      </a:fillRef>
+      <a:effectRef idx="0">
+        <a:scrgbClr r="0" g="0" b="0"/>
+      </a:effectRef>
+      <a:fontRef idx="minor">
+        <a:schemeClr val="lt1"/>
+      </a:fontRef>
+    </dgm:style>
+  </dgm:styleLbl>
+  <dgm:styleLbl name="asst4">
+    <dgm:scene3d>
+      <a:camera prst="orthographicFront"/>
+      <a:lightRig rig="threePt" dir="t"/>
+    </dgm:scene3d>
+    <dgm:sp3d/>
+    <dgm:txPr/>
+    <dgm:style>
+      <a:lnRef idx="2">
+        <a:scrgbClr r="0" g="0" b="0"/>
+      </a:lnRef>
+      <a:fillRef idx="1">
+        <a:scrgbClr r="0" g="0" b="0"/>
+      </a:fillRef>
+      <a:effectRef idx="0">
+        <a:scrgbClr r="0" g="0" b="0"/>
+      </a:effectRef>
+      <a:fontRef idx="minor">
+        <a:schemeClr val="lt1"/>
+      </a:fontRef>
+    </dgm:style>
+  </dgm:styleLbl>
+  <dgm:styleLbl name="parChTrans2D1">
+    <dgm:scene3d>
+      <a:camera prst="orthographicFront"/>
+      <a:lightRig rig="threePt" dir="t"/>
+    </dgm:scene3d>
+    <dgm:sp3d/>
+    <dgm:txPr/>
+    <dgm:style>
+      <a:lnRef idx="2">
+        <a:scrgbClr r="0" g="0" b="0"/>
+      </a:lnRef>
+      <a:fillRef idx="1">
+        <a:scrgbClr r="0" g="0" b="0"/>
+      </a:fillRef>
+      <a:effectRef idx="0">
+        <a:scrgbClr r="0" g="0" b="0"/>
+      </a:effectRef>
+      <a:fontRef idx="minor">
+        <a:schemeClr val="lt1"/>
+      </a:fontRef>
+    </dgm:style>
+  </dgm:styleLbl>
+  <dgm:styleLbl name="parChTrans2D2">
+    <dgm:scene3d>
+      <a:camera prst="orthographicFront"/>
+      <a:lightRig rig="threePt" dir="t"/>
+    </dgm:scene3d>
+    <dgm:sp3d/>
+    <dgm:txPr/>
+    <dgm:style>
+      <a:lnRef idx="2">
+        <a:scrgbClr r="0" g="0" b="0"/>
+      </a:lnRef>
+      <a:fillRef idx="1">
+        <a:scrgbClr r="0" g="0" b="0"/>
+      </a:fillRef>
+      <a:effectRef idx="0">
+        <a:scrgbClr r="0" g="0" b="0"/>
+      </a:effectRef>
+      <a:fontRef idx="minor">
+        <a:schemeClr val="lt1"/>
+      </a:fontRef>
+    </dgm:style>
+  </dgm:styleLbl>
+  <dgm:styleLbl name="parChTrans2D3">
+    <dgm:scene3d>
+      <a:camera prst="orthographicFront"/>
+      <a:lightRig rig="threePt" dir="t"/>
+    </dgm:scene3d>
+    <dgm:sp3d/>
+    <dgm:txPr/>
+    <dgm:style>
+      <a:lnRef idx="2">
+        <a:scrgbClr r="0" g="0" b="0"/>
+      </a:lnRef>
+      <a:fillRef idx="1">
+        <a:scrgbClr r="0" g="0" b="0"/>
+      </a:fillRef>
+      <a:effectRef idx="0">
+        <a:scrgbClr r="0" g="0" b="0"/>
+      </a:effectRef>
+      <a:fontRef idx="minor">
+        <a:schemeClr val="lt1"/>
+      </a:fontRef>
+    </dgm:style>
+  </dgm:styleLbl>
+  <dgm:styleLbl name="parChTrans2D4">
+    <dgm:scene3d>
+      <a:camera prst="orthographicFront"/>
+      <a:lightRig rig="threePt" dir="t"/>
+    </dgm:scene3d>
+    <dgm:sp3d/>
+    <dgm:txPr/>
+    <dgm:style>
+      <a:lnRef idx="2">
+        <a:scrgbClr r="0" g="0" b="0"/>
+      </a:lnRef>
+      <a:fillRef idx="1">
+        <a:scrgbClr r="0" g="0" b="0"/>
+      </a:fillRef>
+      <a:effectRef idx="0">
+        <a:scrgbClr r="0" g="0" b="0"/>
+      </a:effectRef>
+      <a:fontRef idx="minor">
+        <a:schemeClr val="lt1"/>
+      </a:fontRef>
+    </dgm:style>
+  </dgm:styleLbl>
+  <dgm:styleLbl name="parChTrans1D1">
+    <dgm:scene3d>
+      <a:camera prst="orthographicFront"/>
+      <a:lightRig rig="threePt" dir="t"/>
+    </dgm:scene3d>
+    <dgm:sp3d/>
+    <dgm:txPr/>
+    <dgm:style>
+      <a:lnRef idx="2">
+        <a:scrgbClr r="0" g="0" b="0"/>
+      </a:lnRef>
+      <a:fillRef idx="0">
+        <a:scrgbClr r="0" g="0" b="0"/>
+      </a:fillRef>
+      <a:effectRef idx="0">
+        <a:scrgbClr r="0" g="0" b="0"/>
+      </a:effectRef>
+      <a:fontRef idx="minor"/>
+    </dgm:style>
+  </dgm:styleLbl>
+  <dgm:styleLbl name="parChTrans1D2">
+    <dgm:scene3d>
+      <a:camera prst="orthographicFront"/>
+      <a:lightRig rig="threePt" dir="t"/>
+    </dgm:scene3d>
+    <dgm:sp3d/>
+    <dgm:txPr/>
+    <dgm:style>
+      <a:lnRef idx="2">
+        <a:scrgbClr r="0" g="0" b="0"/>
+      </a:lnRef>
+      <a:fillRef idx="0">
+        <a:scrgbClr r="0" g="0" b="0"/>
+      </a:fillRef>
+      <a:effectRef idx="0">
+        <a:scrgbClr r="0" g="0" b="0"/>
+      </a:effectRef>
+      <a:fontRef idx="minor"/>
+    </dgm:style>
+  </dgm:styleLbl>
+  <dgm:styleLbl name="parChTrans1D3">
+    <dgm:scene3d>
+      <a:camera prst="orthographicFront"/>
+      <a:lightRig rig="threePt" dir="t"/>
+    </dgm:scene3d>
+    <dgm:sp3d/>
+    <dgm:txPr/>
+    <dgm:style>
+      <a:lnRef idx="2">
+        <a:scrgbClr r="0" g="0" b="0"/>
+      </a:lnRef>
+      <a:fillRef idx="0">
+        <a:scrgbClr r="0" g="0" b="0"/>
+      </a:fillRef>
+      <a:effectRef idx="0">
+        <a:scrgbClr r="0" g="0" b="0"/>
+      </a:effectRef>
+      <a:fontRef idx="minor"/>
+    </dgm:style>
+  </dgm:styleLbl>
+  <dgm:styleLbl name="parChTrans1D4">
+    <dgm:scene3d>
+      <a:camera prst="orthographicFront"/>
+      <a:lightRig rig="threePt" dir="t"/>
+    </dgm:scene3d>
+    <dgm:sp3d/>
+    <dgm:txPr/>
+    <dgm:style>
+      <a:lnRef idx="2">
+        <a:scrgbClr r="0" g="0" b="0"/>
+      </a:lnRef>
+      <a:fillRef idx="0">
+        <a:scrgbClr r="0" g="0" b="0"/>
+      </a:fillRef>
+      <a:effectRef idx="0">
+        <a:scrgbClr r="0" g="0" b="0"/>
+      </a:effectRef>
+      <a:fontRef idx="minor"/>
+    </dgm:style>
+  </dgm:styleLbl>
+  <dgm:styleLbl name="fgAcc1">
+    <dgm:scene3d>
+      <a:camera prst="orthographicFront"/>
+      <a:lightRig rig="threePt" dir="t"/>
+    </dgm:scene3d>
+    <dgm:sp3d/>
+    <dgm:txPr/>
+    <dgm:style>
+      <a:lnRef idx="2">
+        <a:scrgbClr r="0" g="0" b="0"/>
+      </a:lnRef>
+      <a:fillRef idx="1">
+        <a:scrgbClr r="0" g="0" b="0"/>
+      </a:fillRef>
+      <a:effectRef idx="0">
+        <a:scrgbClr r="0" g="0" b="0"/>
+      </a:effectRef>
+      <a:fontRef idx="minor"/>
+    </dgm:style>
+  </dgm:styleLbl>
+  <dgm:styleLbl name="conFgAcc1">
+    <dgm:scene3d>
+      <a:camera prst="orthographicFront"/>
+      <a:lightRig rig="threePt" dir="t"/>
+    </dgm:scene3d>
+    <dgm:sp3d/>
+    <dgm:txPr/>
+    <dgm:style>
+      <a:lnRef idx="2">
+        <a:scrgbClr r="0" g="0" b="0"/>
+      </a:lnRef>
+      <a:fillRef idx="1">
+        <a:scrgbClr r="0" g="0" b="0"/>
+      </a:fillRef>
+      <a:effectRef idx="0">
+        <a:scrgbClr r="0" g="0" b="0"/>
+      </a:effectRef>
+      <a:fontRef idx="minor"/>
+    </dgm:style>
+  </dgm:styleLbl>
+  <dgm:styleLbl name="alignAcc1">
+    <dgm:scene3d>
+      <a:camera prst="orthographicFront"/>
+      <a:lightRig rig="threePt" dir="t"/>
+    </dgm:scene3d>
+    <dgm:sp3d/>
+    <dgm:txPr/>
+    <dgm:style>
+      <a:lnRef idx="2">
+        <a:scrgbClr r="0" g="0" b="0"/>
+      </a:lnRef>
+      <a:fillRef idx="1">
+        <a:scrgbClr r="0" g="0" b="0"/>
+      </a:fillRef>
+      <a:effectRef idx="0">
+        <a:scrgbClr r="0" g="0" b="0"/>
+      </a:effectRef>
+      <a:fontRef idx="minor"/>
+    </dgm:style>
+  </dgm:styleLbl>
+  <dgm:styleLbl name="trAlignAcc1">
+    <dgm:scene3d>
+      <a:camera prst="orthographicFront"/>
+      <a:lightRig rig="threePt" dir="t"/>
+    </dgm:scene3d>
+    <dgm:sp3d/>
+    <dgm:txPr/>
+    <dgm:style>
+      <a:lnRef idx="1">
+        <a:scrgbClr r="0" g="0" b="0"/>
+      </a:lnRef>
+      <a:fillRef idx="1">
+        <a:scrgbClr r="0" g="0" b="0"/>
+      </a:fillRef>
+      <a:effectRef idx="0">
+        <a:scrgbClr r="0" g="0" b="0"/>
+      </a:effectRef>
+      <a:fontRef idx="minor"/>
+    </dgm:style>
+  </dgm:styleLbl>
+  <dgm:styleLbl name="bgAcc1">
+    <dgm:scene3d>
+      <a:camera prst="orthographicFront"/>
+      <a:lightRig rig="threePt" dir="t"/>
+    </dgm:scene3d>
+    <dgm:sp3d/>
+    <dgm:txPr/>
+    <dgm:style>
+      <a:lnRef idx="2">
+        <a:scrgbClr r="0" g="0" b="0"/>
+      </a:lnRef>
+      <a:fillRef idx="1">
+        <a:scrgbClr r="0" g="0" b="0"/>
+      </a:fillRef>
+      <a:effectRef idx="0">
+        <a:scrgbClr r="0" g="0" b="0"/>
+      </a:effectRef>
+      <a:fontRef idx="minor"/>
+    </dgm:style>
+  </dgm:styleLbl>
+  <dgm:styleLbl name="solidFgAcc1">
+    <dgm:scene3d>
+      <a:camera prst="orthographicFront"/>
+      <a:lightRig rig="threePt" dir="t"/>
+    </dgm:scene3d>
+    <dgm:sp3d/>
+    <dgm:txPr/>
+    <dgm:style>
+      <a:lnRef idx="2">
+        <a:scrgbClr r="0" g="0" b="0"/>
+      </a:lnRef>
+      <a:fillRef idx="1">
+        <a:scrgbClr r="0" g="0" b="0"/>
+      </a:fillRef>
+      <a:effectRef idx="0">
+        <a:scrgbClr r="0" g="0" b="0"/>
+      </a:effectRef>
+      <a:fontRef idx="minor"/>
+    </dgm:style>
+  </dgm:styleLbl>
+  <dgm:styleLbl name="solidAlignAcc1">
+    <dgm:scene3d>
+      <a:camera prst="orthographicFront"/>
+      <a:lightRig rig="threePt" dir="t"/>
+    </dgm:scene3d>
+    <dgm:sp3d/>
+    <dgm:txPr/>
+    <dgm:style>
+      <a:lnRef idx="2">
+        <a:scrgbClr r="0" g="0" b="0"/>
+      </a:lnRef>
+      <a:fillRef idx="1">
+        <a:scrgbClr r="0" g="0" b="0"/>
+      </a:fillRef>
+      <a:effectRef idx="0">
+        <a:scrgbClr r="0" g="0" b="0"/>
+      </a:effectRef>
+      <a:fontRef idx="minor"/>
+    </dgm:style>
+  </dgm:styleLbl>
+  <dgm:styleLbl name="solidBgAcc1">
+    <dgm:scene3d>
+      <a:camera prst="orthographicFront"/>
+      <a:lightRig rig="threePt" dir="t"/>
+    </dgm:scene3d>
+    <dgm:sp3d/>
+    <dgm:txPr/>
+    <dgm:style>
+      <a:lnRef idx="2">
+        <a:scrgbClr r="0" g="0" b="0"/>
+      </a:lnRef>
+      <a:fillRef idx="1">
+        <a:scrgbClr r="0" g="0" b="0"/>
+      </a:fillRef>
+      <a:effectRef idx="0">
+        <a:scrgbClr r="0" g="0" b="0"/>
+      </a:effectRef>
+      <a:fontRef idx="minor"/>
+    </dgm:style>
+  </dgm:styleLbl>
+  <dgm:styleLbl name="fgAccFollowNode1">
+    <dgm:scene3d>
+      <a:camera prst="orthographicFront"/>
+      <a:lightRig rig="threePt" dir="t"/>
+    </dgm:scene3d>
+    <dgm:sp3d/>
+    <dgm:txPr/>
+    <dgm:style>
+      <a:lnRef idx="2">
+        <a:scrgbClr r="0" g="0" b="0"/>
+      </a:lnRef>
+      <a:fillRef idx="1">
+        <a:scrgbClr r="0" g="0" b="0"/>
+      </a:fillRef>
+      <a:effectRef idx="0">
+        <a:scrgbClr r="0" g="0" b="0"/>
+      </a:effectRef>
+      <a:fontRef idx="minor"/>
+    </dgm:style>
+  </dgm:styleLbl>
+  <dgm:styleLbl name="alignAccFollowNode1">
+    <dgm:scene3d>
+      <a:camera prst="orthographicFront"/>
+      <a:lightRig rig="threePt" dir="t"/>
+    </dgm:scene3d>
+    <dgm:sp3d/>
+    <dgm:txPr/>
+    <dgm:style>
+      <a:lnRef idx="2">
+        <a:scrgbClr r="0" g="0" b="0"/>
+      </a:lnRef>
+      <a:fillRef idx="1">
+        <a:scrgbClr r="0" g="0" b="0"/>
+      </a:fillRef>
+      <a:effectRef idx="0">
+        <a:scrgbClr r="0" g="0" b="0"/>
+      </a:effectRef>
+      <a:fontRef idx="minor"/>
+    </dgm:style>
+  </dgm:styleLbl>
+  <dgm:styleLbl name="bgAccFollowNode1">
+    <dgm:scene3d>
+      <a:camera prst="orthographicFront"/>
+      <a:lightRig rig="threePt" dir="t"/>
+    </dgm:scene3d>
+    <dgm:sp3d/>
+    <dgm:txPr/>
+    <dgm:style>
+      <a:lnRef idx="2">
+        <a:scrgbClr r="0" g="0" b="0"/>
+      </a:lnRef>
+      <a:fillRef idx="1">
+        <a:scrgbClr r="0" g="0" b="0"/>
+      </a:fillRef>
+      <a:effectRef idx="0">
+        <a:scrgbClr r="0" g="0" b="0"/>
+      </a:effectRef>
+      <a:fontRef idx="minor"/>
+    </dgm:style>
+  </dgm:styleLbl>
+  <dgm:styleLbl name="fgAcc0">
+    <dgm:scene3d>
+      <a:camera prst="orthographicFront"/>
+      <a:lightRig rig="threePt" dir="t"/>
+    </dgm:scene3d>
+    <dgm:sp3d/>
+    <dgm:txPr/>
+    <dgm:style>
+      <a:lnRef idx="2">
+        <a:scrgbClr r="0" g="0" b="0"/>
+      </a:lnRef>
+      <a:fillRef idx="1">
+        <a:scrgbClr r="0" g="0" b="0"/>
+      </a:fillRef>
+      <a:effectRef idx="0">
+        <a:scrgbClr r="0" g="0" b="0"/>
+      </a:effectRef>
+      <a:fontRef idx="minor"/>
+    </dgm:style>
+  </dgm:styleLbl>
+  <dgm:styleLbl name="fgAcc2">
+    <dgm:scene3d>
+      <a:camera prst="orthographicFront"/>
+      <a:lightRig rig="threePt" dir="t"/>
+    </dgm:scene3d>
+    <dgm:sp3d/>
+    <dgm:txPr/>
+    <dgm:style>
+      <a:lnRef idx="2">
+        <a:scrgbClr r="0" g="0" b="0"/>
+      </a:lnRef>
+      <a:fillRef idx="1">
+        <a:scrgbClr r="0" g="0" b="0"/>
+      </a:fillRef>
+      <a:effectRef idx="0">
+        <a:scrgbClr r="0" g="0" b="0"/>
+      </a:effectRef>
+      <a:fontRef idx="minor"/>
+    </dgm:style>
+  </dgm:styleLbl>
+  <dgm:styleLbl name="fgAcc3">
+    <dgm:scene3d>
+      <a:camera prst="orthographicFront"/>
+      <a:lightRig rig="threePt" dir="t"/>
+    </dgm:scene3d>
+    <dgm:sp3d/>
+    <dgm:txPr/>
+    <dgm:style>
+      <a:lnRef idx="2">
+        <a:scrgbClr r="0" g="0" b="0"/>
+      </a:lnRef>
+      <a:fillRef idx="1">
+        <a:scrgbClr r="0" g="0" b="0"/>
+      </a:fillRef>
+      <a:effectRef idx="0">
+        <a:scrgbClr r="0" g="0" b="0"/>
+      </a:effectRef>
+      <a:fontRef idx="minor"/>
+    </dgm:style>
+  </dgm:styleLbl>
+  <dgm:styleLbl name="fgAcc4">
+    <dgm:scene3d>
+      <a:camera prst="orthographicFront"/>
+      <a:lightRig rig="threePt" dir="t"/>
+    </dgm:scene3d>
+    <dgm:sp3d/>
+    <dgm:txPr/>
+    <dgm:style>
+      <a:lnRef idx="2">
+        <a:scrgbClr r="0" g="0" b="0"/>
+      </a:lnRef>
+      <a:fillRef idx="1">
+        <a:scrgbClr r="0" g="0" b="0"/>
+      </a:fillRef>
+      <a:effectRef idx="0">
+        <a:scrgbClr r="0" g="0" b="0"/>
+      </a:effectRef>
+      <a:fontRef idx="minor"/>
+    </dgm:style>
+  </dgm:styleLbl>
+  <dgm:styleLbl name="bgShp">
+    <dgm:scene3d>
+      <a:camera prst="orthographicFront"/>
+      <a:lightRig rig="threePt" dir="t"/>
+    </dgm:scene3d>
+    <dgm:sp3d/>
+    <dgm:txPr/>
+    <dgm:style>
+      <a:lnRef idx="0">
+        <a:scrgbClr r="0" g="0" b="0"/>
+      </a:lnRef>
+      <a:fillRef idx="1">
+        <a:scrgbClr r="0" g="0" b="0"/>
+      </a:fillRef>
+      <a:effectRef idx="0">
+        <a:scrgbClr r="0" g="0" b="0"/>
+      </a:effectRef>
+      <a:fontRef idx="minor"/>
+    </dgm:style>
+  </dgm:styleLbl>
+  <dgm:styleLbl name="dkBgShp">
+    <dgm:scene3d>
+      <a:camera prst="orthographicFront"/>
+      <a:lightRig rig="threePt" dir="t"/>
+    </dgm:scene3d>
+    <dgm:sp3d/>
+    <dgm:txPr/>
+    <dgm:style>
+      <a:lnRef idx="0">
+        <a:scrgbClr r="0" g="0" b="0"/>
+      </a:lnRef>
+      <a:fillRef idx="1">
+        <a:scrgbClr r="0" g="0" b="0"/>
+      </a:fillRef>
+      <a:effectRef idx="0">
+        <a:scrgbClr r="0" g="0" b="0"/>
+      </a:effectRef>
+      <a:fontRef idx="minor"/>
+    </dgm:style>
+  </dgm:styleLbl>
+  <dgm:styleLbl name="trBgShp">
+    <dgm:scene3d>
+      <a:camera prst="orthographicFront"/>
+      <a:lightRig rig="threePt" dir="t"/>
+    </dgm:scene3d>
+    <dgm:sp3d/>
+    <dgm:txPr/>
+    <dgm:style>
+      <a:lnRef idx="0">
+        <a:scrgbClr r="0" g="0" b="0"/>
+      </a:lnRef>
+      <a:fillRef idx="1">
+        <a:scrgbClr r="0" g="0" b="0"/>
+      </a:fillRef>
+      <a:effectRef idx="0">
+        <a:scrgbClr r="0" g="0" b="0"/>
+      </a:effectRef>
+      <a:fontRef idx="minor"/>
+    </dgm:style>
+  </dgm:styleLbl>
+  <dgm:styleLbl name="fgShp">
+    <dgm:scene3d>
+      <a:camera prst="orthographicFront"/>
+      <a:lightRig rig="threePt" dir="t"/>
+    </dgm:scene3d>
+    <dgm:sp3d/>
+    <dgm:txPr/>
+    <dgm:style>
+      <a:lnRef idx="2">
+        <a:scrgbClr r="0" g="0" b="0"/>
+      </a:lnRef>
+      <a:fillRef idx="1">
+        <a:scrgbClr r="0" g="0" b="0"/>
+      </a:fillRef>
+      <a:effectRef idx="0">
+        <a:scrgbClr r="0" g="0" b="0"/>
+      </a:effectRef>
+      <a:fontRef idx="minor"/>
+    </dgm:style>
+  </dgm:styleLbl>
+  <dgm:styleLbl name="revTx">
+    <dgm:scene3d>
+      <a:camera prst="orthographicFront"/>
+      <a:lightRig rig="threePt" dir="t"/>
+    </dgm:scene3d>
+    <dgm:sp3d/>
+    <dgm:txPr/>
+    <dgm:style>
+      <a:lnRef idx="0">
+        <a:scrgbClr r="0" g="0" b="0"/>
+      </a:lnRef>
+      <a:fillRef idx="0">
+        <a:scrgbClr r="0" g="0" b="0"/>
+      </a:fillRef>
+      <a:effectRef idx="0">
+        <a:scrgbClr r="0" g="0" b="0"/>
+      </a:effectRef>
+      <a:fontRef idx="minor"/>
+    </dgm:style>
+  </dgm:styleLbl>
+</dgm:styleDef>
+</file>
+
+<file path=ppt/diagrams/quickStyle3.xml><?xml version="1.0" encoding="utf-8"?>
 <dgm:styleDef xmlns:dgm="http://schemas.openxmlformats.org/drawingml/2006/diagram" xmlns:a="http://schemas.openxmlformats.org/drawingml/2006/main" uniqueId="urn:microsoft.com/office/officeart/2005/8/quickstyle/simple1">
   <dgm:title val=""/>
   <dgm:desc val=""/>
@@ -7911,6 +14504,942 @@
           <p:cNvPr id="2" name="Title 1">
             <a:extLst>
               <a:ext uri="{FF2B5EF4-FFF2-40B4-BE49-F238E27FC236}">
+                <a16:creationId xmlns:a16="http://schemas.microsoft.com/office/drawing/2014/main" id="{BB9EE068-D112-421F-A76B-D2916EAF840E}"/>
+              </a:ext>
+            </a:extLst>
+          </p:cNvPr>
+          <p:cNvSpPr>
+            <a:spLocks noGrp="1"/>
+          </p:cNvSpPr>
+          <p:nvPr>
+            <p:ph type="title"/>
+          </p:nvPr>
+        </p:nvSpPr>
+        <p:spPr/>
+        <p:txBody>
+          <a:bodyPr/>
+          <a:lstStyle/>
+          <a:p>
+            <a:r>
+              <a:rPr lang="en-US" dirty="0"/>
+              <a:t>Classification </a:t>
+            </a:r>
+            <a:r>
+              <a:rPr lang="en-US" dirty="0">
+                <a:highlight>
+                  <a:srgbClr val="FFFF00"/>
+                </a:highlight>
+              </a:rPr>
+              <a:t>Precision/Recall rates</a:t>
+            </a:r>
+            <a:br>
+              <a:rPr lang="en-US" dirty="0">
+                <a:highlight>
+                  <a:srgbClr val="FFFF00"/>
+                </a:highlight>
+              </a:rPr>
+            </a:br>
+            <a:r>
+              <a:rPr lang="en-US" dirty="0"/>
+              <a:t>Default Hyperparameters </a:t>
+            </a:r>
+          </a:p>
+        </p:txBody>
+      </p:sp>
+      <p:graphicFrame>
+        <p:nvGraphicFramePr>
+          <p:cNvPr id="4" name="Table 4">
+            <a:extLst>
+              <a:ext uri="{FF2B5EF4-FFF2-40B4-BE49-F238E27FC236}">
+                <a16:creationId xmlns:a16="http://schemas.microsoft.com/office/drawing/2014/main" id="{AFA74345-C30A-4545-9FC9-D4ACCAF7BB39}"/>
+              </a:ext>
+            </a:extLst>
+          </p:cNvPr>
+          <p:cNvGraphicFramePr>
+            <a:graphicFrameLocks noGrp="1"/>
+          </p:cNvGraphicFramePr>
+          <p:nvPr>
+            <p:ph idx="1"/>
+          </p:nvPr>
+        </p:nvGraphicFramePr>
+        <p:xfrm>
+          <a:off x="838200" y="2599348"/>
+          <a:ext cx="8763000" cy="2123440"/>
+        </p:xfrm>
+        <a:graphic>
+          <a:graphicData uri="http://schemas.openxmlformats.org/drawingml/2006/table">
+            <a:tbl>
+              <a:tblPr firstRow="1" bandRow="1">
+                <a:tableStyleId>{5C22544A-7EE6-4342-B048-85BDC9FD1C3A}</a:tableStyleId>
+              </a:tblPr>
+              <a:tblGrid>
+                <a:gridCol w="1752600">
+                  <a:extLst>
+                    <a:ext uri="{9D8B030D-6E8A-4147-A177-3AD203B41FA5}">
+                      <a16:colId xmlns:a16="http://schemas.microsoft.com/office/drawing/2014/main" val="1675195018"/>
+                    </a:ext>
+                  </a:extLst>
+                </a:gridCol>
+                <a:gridCol w="1752600">
+                  <a:extLst>
+                    <a:ext uri="{9D8B030D-6E8A-4147-A177-3AD203B41FA5}">
+                      <a16:colId xmlns:a16="http://schemas.microsoft.com/office/drawing/2014/main" val="2523006943"/>
+                    </a:ext>
+                  </a:extLst>
+                </a:gridCol>
+                <a:gridCol w="1752600">
+                  <a:extLst>
+                    <a:ext uri="{9D8B030D-6E8A-4147-A177-3AD203B41FA5}">
+                      <a16:colId xmlns:a16="http://schemas.microsoft.com/office/drawing/2014/main" val="4041600084"/>
+                    </a:ext>
+                  </a:extLst>
+                </a:gridCol>
+                <a:gridCol w="1752600">
+                  <a:extLst>
+                    <a:ext uri="{9D8B030D-6E8A-4147-A177-3AD203B41FA5}">
+                      <a16:colId xmlns:a16="http://schemas.microsoft.com/office/drawing/2014/main" val="2131329611"/>
+                    </a:ext>
+                  </a:extLst>
+                </a:gridCol>
+                <a:gridCol w="1752600">
+                  <a:extLst>
+                    <a:ext uri="{9D8B030D-6E8A-4147-A177-3AD203B41FA5}">
+                      <a16:colId xmlns:a16="http://schemas.microsoft.com/office/drawing/2014/main" val="1017018966"/>
+                    </a:ext>
+                  </a:extLst>
+                </a:gridCol>
+              </a:tblGrid>
+              <a:tr h="370840">
+                <a:tc>
+                  <a:txBody>
+                    <a:bodyPr/>
+                    <a:lstStyle/>
+                    <a:p>
+                      <a:endParaRPr lang="en-US"/>
+                    </a:p>
+                  </a:txBody>
+                  <a:tcPr/>
+                </a:tc>
+                <a:tc>
+                  <a:txBody>
+                    <a:bodyPr/>
+                    <a:lstStyle/>
+                    <a:p>
+                      <a:r>
+                        <a:rPr lang="en-US" dirty="0"/>
+                        <a:t>Logistic Regression</a:t>
+                      </a:r>
+                    </a:p>
+                  </a:txBody>
+                  <a:tcPr/>
+                </a:tc>
+                <a:tc>
+                  <a:txBody>
+                    <a:bodyPr/>
+                    <a:lstStyle/>
+                    <a:p>
+                      <a:r>
+                        <a:rPr lang="en-US" dirty="0"/>
+                        <a:t>Random</a:t>
+                      </a:r>
+                    </a:p>
+                    <a:p>
+                      <a:r>
+                        <a:rPr lang="en-US" dirty="0"/>
+                        <a:t>Forest</a:t>
+                      </a:r>
+                    </a:p>
+                  </a:txBody>
+                  <a:tcPr/>
+                </a:tc>
+                <a:tc>
+                  <a:txBody>
+                    <a:bodyPr/>
+                    <a:lstStyle/>
+                    <a:p>
+                      <a:r>
+                        <a:rPr lang="en-US" dirty="0"/>
+                        <a:t>XGBoost</a:t>
+                      </a:r>
+                    </a:p>
+                  </a:txBody>
+                  <a:tcPr/>
+                </a:tc>
+                <a:tc>
+                  <a:txBody>
+                    <a:bodyPr/>
+                    <a:lstStyle/>
+                    <a:p>
+                      <a:r>
+                        <a:rPr lang="en-US" dirty="0"/>
+                        <a:t>Deep </a:t>
+                      </a:r>
+                      <a:r>
+                        <a:rPr lang="en-US" dirty="0" err="1"/>
+                        <a:t>NNet</a:t>
+                      </a:r>
+                      <a:endParaRPr lang="en-US" dirty="0"/>
+                    </a:p>
+                  </a:txBody>
+                  <a:tcPr/>
+                </a:tc>
+                <a:extLst>
+                  <a:ext uri="{0D108BD9-81ED-4DB2-BD59-A6C34878D82A}">
+                    <a16:rowId xmlns:a16="http://schemas.microsoft.com/office/drawing/2014/main" val="1224513483"/>
+                  </a:ext>
+                </a:extLst>
+              </a:tr>
+              <a:tr h="370840">
+                <a:tc>
+                  <a:txBody>
+                    <a:bodyPr/>
+                    <a:lstStyle/>
+                    <a:p>
+                      <a:r>
+                        <a:rPr lang="en-US" dirty="0"/>
+                        <a:t>CountVectorizer</a:t>
+                      </a:r>
+                    </a:p>
+                  </a:txBody>
+                  <a:tcPr/>
+                </a:tc>
+                <a:tc>
+                  <a:txBody>
+                    <a:bodyPr/>
+                    <a:lstStyle/>
+                    <a:p>
+                      <a:r>
+                        <a:rPr lang="en-US" dirty="0"/>
+                        <a:t>79%</a:t>
+                      </a:r>
+                    </a:p>
+                  </a:txBody>
+                  <a:tcPr/>
+                </a:tc>
+                <a:tc>
+                  <a:txBody>
+                    <a:bodyPr/>
+                    <a:lstStyle/>
+                    <a:p>
+                      <a:endParaRPr lang="en-US"/>
+                    </a:p>
+                  </a:txBody>
+                  <a:tcPr/>
+                </a:tc>
+                <a:tc>
+                  <a:txBody>
+                    <a:bodyPr/>
+                    <a:lstStyle/>
+                    <a:p>
+                      <a:endParaRPr lang="en-US"/>
+                    </a:p>
+                  </a:txBody>
+                  <a:tcPr/>
+                </a:tc>
+                <a:tc>
+                  <a:txBody>
+                    <a:bodyPr/>
+                    <a:lstStyle/>
+                    <a:p>
+                      <a:endParaRPr lang="en-US" dirty="0"/>
+                    </a:p>
+                  </a:txBody>
+                  <a:tcPr/>
+                </a:tc>
+                <a:extLst>
+                  <a:ext uri="{0D108BD9-81ED-4DB2-BD59-A6C34878D82A}">
+                    <a16:rowId xmlns:a16="http://schemas.microsoft.com/office/drawing/2014/main" val="616880063"/>
+                  </a:ext>
+                </a:extLst>
+              </a:tr>
+              <a:tr h="370840">
+                <a:tc>
+                  <a:txBody>
+                    <a:bodyPr/>
+                    <a:lstStyle/>
+                    <a:p>
+                      <a:r>
+                        <a:rPr lang="en-US" dirty="0"/>
+                        <a:t>TF-IDF</a:t>
+                      </a:r>
+                    </a:p>
+                  </a:txBody>
+                  <a:tcPr/>
+                </a:tc>
+                <a:tc>
+                  <a:txBody>
+                    <a:bodyPr/>
+                    <a:lstStyle/>
+                    <a:p>
+                      <a:endParaRPr lang="en-US" dirty="0"/>
+                    </a:p>
+                  </a:txBody>
+                  <a:tcPr/>
+                </a:tc>
+                <a:tc>
+                  <a:txBody>
+                    <a:bodyPr/>
+                    <a:lstStyle/>
+                    <a:p>
+                      <a:endParaRPr lang="en-US" dirty="0"/>
+                    </a:p>
+                  </a:txBody>
+                  <a:tcPr/>
+                </a:tc>
+                <a:tc>
+                  <a:txBody>
+                    <a:bodyPr/>
+                    <a:lstStyle/>
+                    <a:p>
+                      <a:endParaRPr lang="en-US" dirty="0"/>
+                    </a:p>
+                  </a:txBody>
+                  <a:tcPr/>
+                </a:tc>
+                <a:tc>
+                  <a:txBody>
+                    <a:bodyPr/>
+                    <a:lstStyle/>
+                    <a:p>
+                      <a:endParaRPr lang="en-US" dirty="0"/>
+                    </a:p>
+                  </a:txBody>
+                  <a:tcPr/>
+                </a:tc>
+                <a:extLst>
+                  <a:ext uri="{0D108BD9-81ED-4DB2-BD59-A6C34878D82A}">
+                    <a16:rowId xmlns:a16="http://schemas.microsoft.com/office/drawing/2014/main" val="1926177694"/>
+                  </a:ext>
+                </a:extLst>
+              </a:tr>
+              <a:tr h="370840">
+                <a:tc>
+                  <a:txBody>
+                    <a:bodyPr/>
+                    <a:lstStyle/>
+                    <a:p>
+                      <a:r>
+                        <a:rPr lang="en-US" dirty="0"/>
+                        <a:t>Word2Vect</a:t>
+                      </a:r>
+                    </a:p>
+                  </a:txBody>
+                  <a:tcPr/>
+                </a:tc>
+                <a:tc>
+                  <a:txBody>
+                    <a:bodyPr/>
+                    <a:lstStyle/>
+                    <a:p>
+                      <a:endParaRPr lang="en-US" dirty="0"/>
+                    </a:p>
+                  </a:txBody>
+                  <a:tcPr/>
+                </a:tc>
+                <a:tc>
+                  <a:txBody>
+                    <a:bodyPr/>
+                    <a:lstStyle/>
+                    <a:p>
+                      <a:endParaRPr lang="en-US" dirty="0"/>
+                    </a:p>
+                  </a:txBody>
+                  <a:tcPr/>
+                </a:tc>
+                <a:tc>
+                  <a:txBody>
+                    <a:bodyPr/>
+                    <a:lstStyle/>
+                    <a:p>
+                      <a:endParaRPr lang="en-US" dirty="0"/>
+                    </a:p>
+                  </a:txBody>
+                  <a:tcPr/>
+                </a:tc>
+                <a:tc>
+                  <a:txBody>
+                    <a:bodyPr/>
+                    <a:lstStyle/>
+                    <a:p>
+                      <a:endParaRPr lang="en-US" dirty="0"/>
+                    </a:p>
+                  </a:txBody>
+                  <a:tcPr/>
+                </a:tc>
+                <a:extLst>
+                  <a:ext uri="{0D108BD9-81ED-4DB2-BD59-A6C34878D82A}">
+                    <a16:rowId xmlns:a16="http://schemas.microsoft.com/office/drawing/2014/main" val="183308313"/>
+                  </a:ext>
+                </a:extLst>
+              </a:tr>
+              <a:tr h="370840">
+                <a:tc>
+                  <a:txBody>
+                    <a:bodyPr/>
+                    <a:lstStyle/>
+                    <a:p>
+                      <a:r>
+                        <a:rPr lang="en-US" dirty="0" err="1"/>
+                        <a:t>GloVe</a:t>
+                      </a:r>
+                      <a:endParaRPr lang="en-US" dirty="0"/>
+                    </a:p>
+                  </a:txBody>
+                  <a:tcPr/>
+                </a:tc>
+                <a:tc>
+                  <a:txBody>
+                    <a:bodyPr/>
+                    <a:lstStyle/>
+                    <a:p>
+                      <a:endParaRPr lang="en-US" dirty="0"/>
+                    </a:p>
+                  </a:txBody>
+                  <a:tcPr/>
+                </a:tc>
+                <a:tc>
+                  <a:txBody>
+                    <a:bodyPr/>
+                    <a:lstStyle/>
+                    <a:p>
+                      <a:endParaRPr lang="en-US" dirty="0"/>
+                    </a:p>
+                  </a:txBody>
+                  <a:tcPr/>
+                </a:tc>
+                <a:tc>
+                  <a:txBody>
+                    <a:bodyPr/>
+                    <a:lstStyle/>
+                    <a:p>
+                      <a:endParaRPr lang="en-US" dirty="0"/>
+                    </a:p>
+                  </a:txBody>
+                  <a:tcPr/>
+                </a:tc>
+                <a:tc>
+                  <a:txBody>
+                    <a:bodyPr/>
+                    <a:lstStyle/>
+                    <a:p>
+                      <a:endParaRPr lang="en-US" dirty="0"/>
+                    </a:p>
+                  </a:txBody>
+                  <a:tcPr/>
+                </a:tc>
+                <a:extLst>
+                  <a:ext uri="{0D108BD9-81ED-4DB2-BD59-A6C34878D82A}">
+                    <a16:rowId xmlns:a16="http://schemas.microsoft.com/office/drawing/2014/main" val="3697505038"/>
+                  </a:ext>
+                </a:extLst>
+              </a:tr>
+            </a:tbl>
+          </a:graphicData>
+        </a:graphic>
+      </p:graphicFrame>
+    </p:spTree>
+    <p:extLst>
+      <p:ext uri="{BB962C8B-B14F-4D97-AF65-F5344CB8AC3E}">
+        <p14:creationId xmlns:p14="http://schemas.microsoft.com/office/powerpoint/2010/main" val="4154953922"/>
+      </p:ext>
+    </p:extLst>
+  </p:cSld>
+  <p:clrMapOvr>
+    <a:masterClrMapping/>
+  </p:clrMapOvr>
+</p:sld>
+</file>
+
+<file path=ppt/slides/slide11.xml><?xml version="1.0" encoding="utf-8"?>
+<p:sld xmlns:a="http://schemas.openxmlformats.org/drawingml/2006/main" xmlns:r="http://schemas.openxmlformats.org/officeDocument/2006/relationships" xmlns:p="http://schemas.openxmlformats.org/presentationml/2006/main">
+  <p:cSld>
+    <p:spTree>
+      <p:nvGrpSpPr>
+        <p:cNvPr id="1" name=""/>
+        <p:cNvGrpSpPr/>
+        <p:nvPr/>
+      </p:nvGrpSpPr>
+      <p:grpSpPr>
+        <a:xfrm>
+          <a:off x="0" y="0"/>
+          <a:ext cx="0" cy="0"/>
+          <a:chOff x="0" y="0"/>
+          <a:chExt cx="0" cy="0"/>
+        </a:xfrm>
+      </p:grpSpPr>
+      <p:sp>
+        <p:nvSpPr>
+          <p:cNvPr id="2" name="Title 1">
+            <a:extLst>
+              <a:ext uri="{FF2B5EF4-FFF2-40B4-BE49-F238E27FC236}">
+                <a16:creationId xmlns:a16="http://schemas.microsoft.com/office/drawing/2014/main" id="{BB9EE068-D112-421F-A76B-D2916EAF840E}"/>
+              </a:ext>
+            </a:extLst>
+          </p:cNvPr>
+          <p:cNvSpPr>
+            <a:spLocks noGrp="1"/>
+          </p:cNvSpPr>
+          <p:nvPr>
+            <p:ph type="title"/>
+          </p:nvPr>
+        </p:nvSpPr>
+        <p:spPr/>
+        <p:txBody>
+          <a:bodyPr/>
+          <a:lstStyle/>
+          <a:p>
+            <a:r>
+              <a:rPr lang="en-US" dirty="0"/>
+              <a:t>Classification </a:t>
+            </a:r>
+            <a:r>
+              <a:rPr lang="en-US" dirty="0">
+                <a:highlight>
+                  <a:srgbClr val="FFFF00"/>
+                </a:highlight>
+              </a:rPr>
+              <a:t>Precision/Recall rates</a:t>
+            </a:r>
+            <a:br>
+              <a:rPr lang="en-US" dirty="0">
+                <a:highlight>
+                  <a:srgbClr val="FFFF00"/>
+                </a:highlight>
+              </a:rPr>
+            </a:br>
+            <a:r>
+              <a:rPr lang="en-US" dirty="0"/>
+              <a:t>Tuned Hyperparameters </a:t>
+            </a:r>
+          </a:p>
+        </p:txBody>
+      </p:sp>
+      <p:graphicFrame>
+        <p:nvGraphicFramePr>
+          <p:cNvPr id="4" name="Table 4">
+            <a:extLst>
+              <a:ext uri="{FF2B5EF4-FFF2-40B4-BE49-F238E27FC236}">
+                <a16:creationId xmlns:a16="http://schemas.microsoft.com/office/drawing/2014/main" id="{AFA74345-C30A-4545-9FC9-D4ACCAF7BB39}"/>
+              </a:ext>
+            </a:extLst>
+          </p:cNvPr>
+          <p:cNvGraphicFramePr>
+            <a:graphicFrameLocks noGrp="1"/>
+          </p:cNvGraphicFramePr>
+          <p:nvPr>
+            <p:ph idx="1"/>
+          </p:nvPr>
+        </p:nvGraphicFramePr>
+        <p:xfrm>
+          <a:off x="838200" y="2599348"/>
+          <a:ext cx="8763000" cy="2123440"/>
+        </p:xfrm>
+        <a:graphic>
+          <a:graphicData uri="http://schemas.openxmlformats.org/drawingml/2006/table">
+            <a:tbl>
+              <a:tblPr firstRow="1" bandRow="1">
+                <a:tableStyleId>{5C22544A-7EE6-4342-B048-85BDC9FD1C3A}</a:tableStyleId>
+              </a:tblPr>
+              <a:tblGrid>
+                <a:gridCol w="1752600">
+                  <a:extLst>
+                    <a:ext uri="{9D8B030D-6E8A-4147-A177-3AD203B41FA5}">
+                      <a16:colId xmlns:a16="http://schemas.microsoft.com/office/drawing/2014/main" val="1675195018"/>
+                    </a:ext>
+                  </a:extLst>
+                </a:gridCol>
+                <a:gridCol w="1752600">
+                  <a:extLst>
+                    <a:ext uri="{9D8B030D-6E8A-4147-A177-3AD203B41FA5}">
+                      <a16:colId xmlns:a16="http://schemas.microsoft.com/office/drawing/2014/main" val="2523006943"/>
+                    </a:ext>
+                  </a:extLst>
+                </a:gridCol>
+                <a:gridCol w="1752600">
+                  <a:extLst>
+                    <a:ext uri="{9D8B030D-6E8A-4147-A177-3AD203B41FA5}">
+                      <a16:colId xmlns:a16="http://schemas.microsoft.com/office/drawing/2014/main" val="4041600084"/>
+                    </a:ext>
+                  </a:extLst>
+                </a:gridCol>
+                <a:gridCol w="1752600">
+                  <a:extLst>
+                    <a:ext uri="{9D8B030D-6E8A-4147-A177-3AD203B41FA5}">
+                      <a16:colId xmlns:a16="http://schemas.microsoft.com/office/drawing/2014/main" val="2131329611"/>
+                    </a:ext>
+                  </a:extLst>
+                </a:gridCol>
+                <a:gridCol w="1752600">
+                  <a:extLst>
+                    <a:ext uri="{9D8B030D-6E8A-4147-A177-3AD203B41FA5}">
+                      <a16:colId xmlns:a16="http://schemas.microsoft.com/office/drawing/2014/main" val="1017018966"/>
+                    </a:ext>
+                  </a:extLst>
+                </a:gridCol>
+              </a:tblGrid>
+              <a:tr h="370840">
+                <a:tc>
+                  <a:txBody>
+                    <a:bodyPr/>
+                    <a:lstStyle/>
+                    <a:p>
+                      <a:endParaRPr lang="en-US"/>
+                    </a:p>
+                  </a:txBody>
+                  <a:tcPr/>
+                </a:tc>
+                <a:tc>
+                  <a:txBody>
+                    <a:bodyPr/>
+                    <a:lstStyle/>
+                    <a:p>
+                      <a:r>
+                        <a:rPr lang="en-US" dirty="0"/>
+                        <a:t>Logistic Regression</a:t>
+                      </a:r>
+                    </a:p>
+                  </a:txBody>
+                  <a:tcPr/>
+                </a:tc>
+                <a:tc>
+                  <a:txBody>
+                    <a:bodyPr/>
+                    <a:lstStyle/>
+                    <a:p>
+                      <a:r>
+                        <a:rPr lang="en-US" dirty="0"/>
+                        <a:t>Random</a:t>
+                      </a:r>
+                    </a:p>
+                    <a:p>
+                      <a:r>
+                        <a:rPr lang="en-US" dirty="0"/>
+                        <a:t>Forest</a:t>
+                      </a:r>
+                    </a:p>
+                  </a:txBody>
+                  <a:tcPr/>
+                </a:tc>
+                <a:tc>
+                  <a:txBody>
+                    <a:bodyPr/>
+                    <a:lstStyle/>
+                    <a:p>
+                      <a:r>
+                        <a:rPr lang="en-US" dirty="0"/>
+                        <a:t>XGBoost</a:t>
+                      </a:r>
+                    </a:p>
+                  </a:txBody>
+                  <a:tcPr/>
+                </a:tc>
+                <a:tc>
+                  <a:txBody>
+                    <a:bodyPr/>
+                    <a:lstStyle/>
+                    <a:p>
+                      <a:r>
+                        <a:rPr lang="en-US" dirty="0"/>
+                        <a:t>Deep </a:t>
+                      </a:r>
+                      <a:r>
+                        <a:rPr lang="en-US" dirty="0" err="1"/>
+                        <a:t>NNet</a:t>
+                      </a:r>
+                      <a:endParaRPr lang="en-US" dirty="0"/>
+                    </a:p>
+                  </a:txBody>
+                  <a:tcPr/>
+                </a:tc>
+                <a:extLst>
+                  <a:ext uri="{0D108BD9-81ED-4DB2-BD59-A6C34878D82A}">
+                    <a16:rowId xmlns:a16="http://schemas.microsoft.com/office/drawing/2014/main" val="1224513483"/>
+                  </a:ext>
+                </a:extLst>
+              </a:tr>
+              <a:tr h="370840">
+                <a:tc>
+                  <a:txBody>
+                    <a:bodyPr/>
+                    <a:lstStyle/>
+                    <a:p>
+                      <a:r>
+                        <a:rPr lang="en-US" dirty="0"/>
+                        <a:t>CountVectorizer</a:t>
+                      </a:r>
+                    </a:p>
+                  </a:txBody>
+                  <a:tcPr/>
+                </a:tc>
+                <a:tc>
+                  <a:txBody>
+                    <a:bodyPr/>
+                    <a:lstStyle/>
+                    <a:p>
+                      <a:r>
+                        <a:rPr lang="en-US" dirty="0"/>
+                        <a:t>79%</a:t>
+                      </a:r>
+                    </a:p>
+                  </a:txBody>
+                  <a:tcPr/>
+                </a:tc>
+                <a:tc>
+                  <a:txBody>
+                    <a:bodyPr/>
+                    <a:lstStyle/>
+                    <a:p>
+                      <a:endParaRPr lang="en-US"/>
+                    </a:p>
+                  </a:txBody>
+                  <a:tcPr/>
+                </a:tc>
+                <a:tc>
+                  <a:txBody>
+                    <a:bodyPr/>
+                    <a:lstStyle/>
+                    <a:p>
+                      <a:endParaRPr lang="en-US"/>
+                    </a:p>
+                  </a:txBody>
+                  <a:tcPr/>
+                </a:tc>
+                <a:tc>
+                  <a:txBody>
+                    <a:bodyPr/>
+                    <a:lstStyle/>
+                    <a:p>
+                      <a:endParaRPr lang="en-US" dirty="0"/>
+                    </a:p>
+                  </a:txBody>
+                  <a:tcPr/>
+                </a:tc>
+                <a:extLst>
+                  <a:ext uri="{0D108BD9-81ED-4DB2-BD59-A6C34878D82A}">
+                    <a16:rowId xmlns:a16="http://schemas.microsoft.com/office/drawing/2014/main" val="616880063"/>
+                  </a:ext>
+                </a:extLst>
+              </a:tr>
+              <a:tr h="370840">
+                <a:tc>
+                  <a:txBody>
+                    <a:bodyPr/>
+                    <a:lstStyle/>
+                    <a:p>
+                      <a:r>
+                        <a:rPr lang="en-US" dirty="0"/>
+                        <a:t>TF-IDF</a:t>
+                      </a:r>
+                    </a:p>
+                  </a:txBody>
+                  <a:tcPr/>
+                </a:tc>
+                <a:tc>
+                  <a:txBody>
+                    <a:bodyPr/>
+                    <a:lstStyle/>
+                    <a:p>
+                      <a:endParaRPr lang="en-US" dirty="0"/>
+                    </a:p>
+                  </a:txBody>
+                  <a:tcPr/>
+                </a:tc>
+                <a:tc>
+                  <a:txBody>
+                    <a:bodyPr/>
+                    <a:lstStyle/>
+                    <a:p>
+                      <a:endParaRPr lang="en-US" dirty="0"/>
+                    </a:p>
+                  </a:txBody>
+                  <a:tcPr/>
+                </a:tc>
+                <a:tc>
+                  <a:txBody>
+                    <a:bodyPr/>
+                    <a:lstStyle/>
+                    <a:p>
+                      <a:endParaRPr lang="en-US" dirty="0"/>
+                    </a:p>
+                  </a:txBody>
+                  <a:tcPr/>
+                </a:tc>
+                <a:tc>
+                  <a:txBody>
+                    <a:bodyPr/>
+                    <a:lstStyle/>
+                    <a:p>
+                      <a:endParaRPr lang="en-US" dirty="0"/>
+                    </a:p>
+                  </a:txBody>
+                  <a:tcPr/>
+                </a:tc>
+                <a:extLst>
+                  <a:ext uri="{0D108BD9-81ED-4DB2-BD59-A6C34878D82A}">
+                    <a16:rowId xmlns:a16="http://schemas.microsoft.com/office/drawing/2014/main" val="1926177694"/>
+                  </a:ext>
+                </a:extLst>
+              </a:tr>
+              <a:tr h="370840">
+                <a:tc>
+                  <a:txBody>
+                    <a:bodyPr/>
+                    <a:lstStyle/>
+                    <a:p>
+                      <a:r>
+                        <a:rPr lang="en-US" dirty="0"/>
+                        <a:t>Word2Vect</a:t>
+                      </a:r>
+                    </a:p>
+                  </a:txBody>
+                  <a:tcPr/>
+                </a:tc>
+                <a:tc>
+                  <a:txBody>
+                    <a:bodyPr/>
+                    <a:lstStyle/>
+                    <a:p>
+                      <a:endParaRPr lang="en-US" dirty="0"/>
+                    </a:p>
+                  </a:txBody>
+                  <a:tcPr/>
+                </a:tc>
+                <a:tc>
+                  <a:txBody>
+                    <a:bodyPr/>
+                    <a:lstStyle/>
+                    <a:p>
+                      <a:endParaRPr lang="en-US" dirty="0"/>
+                    </a:p>
+                  </a:txBody>
+                  <a:tcPr/>
+                </a:tc>
+                <a:tc>
+                  <a:txBody>
+                    <a:bodyPr/>
+                    <a:lstStyle/>
+                    <a:p>
+                      <a:endParaRPr lang="en-US" dirty="0"/>
+                    </a:p>
+                  </a:txBody>
+                  <a:tcPr/>
+                </a:tc>
+                <a:tc>
+                  <a:txBody>
+                    <a:bodyPr/>
+                    <a:lstStyle/>
+                    <a:p>
+                      <a:endParaRPr lang="en-US" dirty="0"/>
+                    </a:p>
+                  </a:txBody>
+                  <a:tcPr/>
+                </a:tc>
+                <a:extLst>
+                  <a:ext uri="{0D108BD9-81ED-4DB2-BD59-A6C34878D82A}">
+                    <a16:rowId xmlns:a16="http://schemas.microsoft.com/office/drawing/2014/main" val="183308313"/>
+                  </a:ext>
+                </a:extLst>
+              </a:tr>
+              <a:tr h="370840">
+                <a:tc>
+                  <a:txBody>
+                    <a:bodyPr/>
+                    <a:lstStyle/>
+                    <a:p>
+                      <a:r>
+                        <a:rPr lang="en-US" dirty="0" err="1"/>
+                        <a:t>GloVe</a:t>
+                      </a:r>
+                      <a:endParaRPr lang="en-US" dirty="0"/>
+                    </a:p>
+                  </a:txBody>
+                  <a:tcPr/>
+                </a:tc>
+                <a:tc>
+                  <a:txBody>
+                    <a:bodyPr/>
+                    <a:lstStyle/>
+                    <a:p>
+                      <a:endParaRPr lang="en-US" dirty="0"/>
+                    </a:p>
+                  </a:txBody>
+                  <a:tcPr/>
+                </a:tc>
+                <a:tc>
+                  <a:txBody>
+                    <a:bodyPr/>
+                    <a:lstStyle/>
+                    <a:p>
+                      <a:endParaRPr lang="en-US" dirty="0"/>
+                    </a:p>
+                  </a:txBody>
+                  <a:tcPr/>
+                </a:tc>
+                <a:tc>
+                  <a:txBody>
+                    <a:bodyPr/>
+                    <a:lstStyle/>
+                    <a:p>
+                      <a:endParaRPr lang="en-US" dirty="0"/>
+                    </a:p>
+                  </a:txBody>
+                  <a:tcPr/>
+                </a:tc>
+                <a:tc>
+                  <a:txBody>
+                    <a:bodyPr/>
+                    <a:lstStyle/>
+                    <a:p>
+                      <a:endParaRPr lang="en-US" dirty="0"/>
+                    </a:p>
+                  </a:txBody>
+                  <a:tcPr/>
+                </a:tc>
+                <a:extLst>
+                  <a:ext uri="{0D108BD9-81ED-4DB2-BD59-A6C34878D82A}">
+                    <a16:rowId xmlns:a16="http://schemas.microsoft.com/office/drawing/2014/main" val="3697505038"/>
+                  </a:ext>
+                </a:extLst>
+              </a:tr>
+            </a:tbl>
+          </a:graphicData>
+        </a:graphic>
+      </p:graphicFrame>
+    </p:spTree>
+    <p:extLst>
+      <p:ext uri="{BB962C8B-B14F-4D97-AF65-F5344CB8AC3E}">
+        <p14:creationId xmlns:p14="http://schemas.microsoft.com/office/powerpoint/2010/main" val="165710529"/>
+      </p:ext>
+    </p:extLst>
+  </p:cSld>
+  <p:clrMapOvr>
+    <a:masterClrMapping/>
+  </p:clrMapOvr>
+</p:sld>
+</file>
+
+<file path=ppt/slides/slide12.xml><?xml version="1.0" encoding="utf-8"?>
+<p:sld xmlns:a="http://schemas.openxmlformats.org/drawingml/2006/main" xmlns:r="http://schemas.openxmlformats.org/officeDocument/2006/relationships" xmlns:p="http://schemas.openxmlformats.org/presentationml/2006/main">
+  <p:cSld>
+    <p:spTree>
+      <p:nvGrpSpPr>
+        <p:cNvPr id="1" name=""/>
+        <p:cNvGrpSpPr/>
+        <p:nvPr/>
+      </p:nvGrpSpPr>
+      <p:grpSpPr>
+        <a:xfrm>
+          <a:off x="0" y="0"/>
+          <a:ext cx="0" cy="0"/>
+          <a:chOff x="0" y="0"/>
+          <a:chExt cx="0" cy="0"/>
+        </a:xfrm>
+      </p:grpSpPr>
+      <p:sp>
+        <p:nvSpPr>
+          <p:cNvPr id="2" name="Title 1">
+            <a:extLst>
+              <a:ext uri="{FF2B5EF4-FFF2-40B4-BE49-F238E27FC236}">
                 <a16:creationId xmlns:a16="http://schemas.microsoft.com/office/drawing/2014/main" id="{7F92F32C-00D4-47E2-8D04-D403030811B7}"/>
               </a:ext>
             </a:extLst>
@@ -8002,7 +15531,7 @@
 </p:sld>
 </file>
 
-<file path=ppt/slides/slide11.xml><?xml version="1.0" encoding="utf-8"?>
+<file path=ppt/slides/slide13.xml><?xml version="1.0" encoding="utf-8"?>
 <p:sld xmlns:a="http://schemas.openxmlformats.org/drawingml/2006/main" xmlns:r="http://schemas.openxmlformats.org/officeDocument/2006/relationships" xmlns:p="http://schemas.openxmlformats.org/presentationml/2006/main">
   <p:cSld>
     <p:spTree>
@@ -8062,7 +15591,7 @@
 </p:sld>
 </file>
 
-<file path=ppt/slides/slide12.xml><?xml version="1.0" encoding="utf-8"?>
+<file path=ppt/slides/slide14.xml><?xml version="1.0" encoding="utf-8"?>
 <p:sld xmlns:a="http://schemas.openxmlformats.org/drawingml/2006/main" xmlns:r="http://schemas.openxmlformats.org/officeDocument/2006/relationships" xmlns:p="http://schemas.openxmlformats.org/presentationml/2006/main">
   <p:cSld>
     <p:spTree>
@@ -8433,9 +15962,208 @@
             <p:ph type="title"/>
           </p:nvPr>
         </p:nvSpPr>
-        <p:spPr/>
+        <p:spPr>
+          <a:xfrm>
+            <a:off x="581192" y="702156"/>
+            <a:ext cx="11029616" cy="528767"/>
+          </a:xfrm>
+        </p:spPr>
         <p:txBody>
-          <a:bodyPr/>
+          <a:bodyPr>
+            <a:normAutofit/>
+          </a:bodyPr>
+          <a:lstStyle/>
+          <a:p>
+            <a:r>
+              <a:rPr lang="en-US" dirty="0"/>
+              <a:t>Process Steps</a:t>
+            </a:r>
+          </a:p>
+        </p:txBody>
+      </p:sp>
+      <p:graphicFrame>
+        <p:nvGraphicFramePr>
+          <p:cNvPr id="5" name="Content Placeholder 4">
+            <a:extLst>
+              <a:ext uri="{FF2B5EF4-FFF2-40B4-BE49-F238E27FC236}">
+                <a16:creationId xmlns:a16="http://schemas.microsoft.com/office/drawing/2014/main" id="{3D47E70A-66C3-4017-84E7-253210677E7C}"/>
+              </a:ext>
+            </a:extLst>
+          </p:cNvPr>
+          <p:cNvGraphicFramePr>
+            <a:graphicFrameLocks noGrp="1"/>
+          </p:cNvGraphicFramePr>
+          <p:nvPr>
+            <p:ph idx="1"/>
+            <p:extLst>
+              <p:ext uri="{D42A27DB-BD31-4B8C-83A1-F6EECF244321}">
+                <p14:modId xmlns:p14="http://schemas.microsoft.com/office/powerpoint/2010/main" val="3243743383"/>
+              </p:ext>
+            </p:extLst>
+          </p:nvPr>
+        </p:nvGraphicFramePr>
+        <p:xfrm>
+          <a:off x="668216" y="1664679"/>
+          <a:ext cx="10555898" cy="3970704"/>
+        </p:xfrm>
+        <a:graphic>
+          <a:graphicData uri="http://schemas.openxmlformats.org/drawingml/2006/diagram">
+            <dgm:relIds xmlns:dgm="http://schemas.openxmlformats.org/drawingml/2006/diagram" xmlns:r="http://schemas.openxmlformats.org/officeDocument/2006/relationships" r:dm="rId2" r:lo="rId3" r:qs="rId4" r:cs="rId5"/>
+          </a:graphicData>
+        </a:graphic>
+      </p:graphicFrame>
+    </p:spTree>
+    <p:extLst>
+      <p:ext uri="{BB962C8B-B14F-4D97-AF65-F5344CB8AC3E}">
+        <p14:creationId xmlns:p14="http://schemas.microsoft.com/office/powerpoint/2010/main" val="2605636242"/>
+      </p:ext>
+    </p:extLst>
+  </p:cSld>
+  <p:clrMapOvr>
+    <a:masterClrMapping/>
+  </p:clrMapOvr>
+</p:sld>
+</file>
+
+<file path=ppt/slides/slide6.xml><?xml version="1.0" encoding="utf-8"?>
+<p:sld xmlns:a="http://schemas.openxmlformats.org/drawingml/2006/main" xmlns:r="http://schemas.openxmlformats.org/officeDocument/2006/relationships" xmlns:p="http://schemas.openxmlformats.org/presentationml/2006/main">
+  <p:cSld>
+    <p:spTree>
+      <p:nvGrpSpPr>
+        <p:cNvPr id="1" name=""/>
+        <p:cNvGrpSpPr/>
+        <p:nvPr/>
+      </p:nvGrpSpPr>
+      <p:grpSpPr>
+        <a:xfrm>
+          <a:off x="0" y="0"/>
+          <a:ext cx="0" cy="0"/>
+          <a:chOff x="0" y="0"/>
+          <a:chExt cx="0" cy="0"/>
+        </a:xfrm>
+      </p:grpSpPr>
+      <p:sp>
+        <p:nvSpPr>
+          <p:cNvPr id="2" name="Title 1">
+            <a:extLst>
+              <a:ext uri="{FF2B5EF4-FFF2-40B4-BE49-F238E27FC236}">
+                <a16:creationId xmlns:a16="http://schemas.microsoft.com/office/drawing/2014/main" id="{BC04C2C1-5B8B-4536-92EA-69BB6774D8F5}"/>
+              </a:ext>
+            </a:extLst>
+          </p:cNvPr>
+          <p:cNvSpPr>
+            <a:spLocks noGrp="1"/>
+          </p:cNvSpPr>
+          <p:nvPr>
+            <p:ph type="title"/>
+          </p:nvPr>
+        </p:nvSpPr>
+        <p:spPr>
+          <a:xfrm>
+            <a:off x="581192" y="702156"/>
+            <a:ext cx="11029616" cy="528767"/>
+          </a:xfrm>
+        </p:spPr>
+        <p:txBody>
+          <a:bodyPr>
+            <a:normAutofit/>
+          </a:bodyPr>
+          <a:lstStyle/>
+          <a:p>
+            <a:r>
+              <a:rPr lang="en-US" dirty="0"/>
+              <a:t>Process Steps</a:t>
+            </a:r>
+          </a:p>
+        </p:txBody>
+      </p:sp>
+      <p:graphicFrame>
+        <p:nvGraphicFramePr>
+          <p:cNvPr id="7" name="Content Placeholder 6">
+            <a:extLst>
+              <a:ext uri="{FF2B5EF4-FFF2-40B4-BE49-F238E27FC236}">
+                <a16:creationId xmlns:a16="http://schemas.microsoft.com/office/drawing/2014/main" id="{59627763-94C5-49EC-98D2-5A0AAEAD6B02}"/>
+              </a:ext>
+            </a:extLst>
+          </p:cNvPr>
+          <p:cNvGraphicFramePr>
+            <a:graphicFrameLocks noGrp="1"/>
+          </p:cNvGraphicFramePr>
+          <p:nvPr>
+            <p:ph idx="1"/>
+            <p:extLst>
+              <p:ext uri="{D42A27DB-BD31-4B8C-83A1-F6EECF244321}">
+                <p14:modId xmlns:p14="http://schemas.microsoft.com/office/powerpoint/2010/main" val="978222233"/>
+              </p:ext>
+            </p:extLst>
+          </p:nvPr>
+        </p:nvGraphicFramePr>
+        <p:xfrm>
+          <a:off x="581025" y="1790578"/>
+          <a:ext cx="11029950" cy="3633787"/>
+        </p:xfrm>
+        <a:graphic>
+          <a:graphicData uri="http://schemas.openxmlformats.org/drawingml/2006/diagram">
+            <dgm:relIds xmlns:dgm="http://schemas.openxmlformats.org/drawingml/2006/diagram" xmlns:r="http://schemas.openxmlformats.org/officeDocument/2006/relationships" r:dm="rId2" r:lo="rId3" r:qs="rId4" r:cs="rId5"/>
+          </a:graphicData>
+        </a:graphic>
+      </p:graphicFrame>
+    </p:spTree>
+    <p:extLst>
+      <p:ext uri="{BB962C8B-B14F-4D97-AF65-F5344CB8AC3E}">
+        <p14:creationId xmlns:p14="http://schemas.microsoft.com/office/powerpoint/2010/main" val="3728706500"/>
+      </p:ext>
+    </p:extLst>
+  </p:cSld>
+  <p:clrMapOvr>
+    <a:masterClrMapping/>
+  </p:clrMapOvr>
+</p:sld>
+</file>
+
+<file path=ppt/slides/slide7.xml><?xml version="1.0" encoding="utf-8"?>
+<p:sld xmlns:a="http://schemas.openxmlformats.org/drawingml/2006/main" xmlns:r="http://schemas.openxmlformats.org/officeDocument/2006/relationships" xmlns:p="http://schemas.openxmlformats.org/presentationml/2006/main">
+  <p:cSld>
+    <p:spTree>
+      <p:nvGrpSpPr>
+        <p:cNvPr id="1" name=""/>
+        <p:cNvGrpSpPr/>
+        <p:nvPr/>
+      </p:nvGrpSpPr>
+      <p:grpSpPr>
+        <a:xfrm>
+          <a:off x="0" y="0"/>
+          <a:ext cx="0" cy="0"/>
+          <a:chOff x="0" y="0"/>
+          <a:chExt cx="0" cy="0"/>
+        </a:xfrm>
+      </p:grpSpPr>
+      <p:sp>
+        <p:nvSpPr>
+          <p:cNvPr id="2" name="Title 1">
+            <a:extLst>
+              <a:ext uri="{FF2B5EF4-FFF2-40B4-BE49-F238E27FC236}">
+                <a16:creationId xmlns:a16="http://schemas.microsoft.com/office/drawing/2014/main" id="{BC04C2C1-5B8B-4536-92EA-69BB6774D8F5}"/>
+              </a:ext>
+            </a:extLst>
+          </p:cNvPr>
+          <p:cNvSpPr>
+            <a:spLocks noGrp="1"/>
+          </p:cNvSpPr>
+          <p:nvPr>
+            <p:ph type="title"/>
+          </p:nvPr>
+        </p:nvSpPr>
+        <p:spPr>
+          <a:xfrm>
+            <a:off x="581192" y="702156"/>
+            <a:ext cx="11029616" cy="528767"/>
+          </a:xfrm>
+        </p:spPr>
+        <p:txBody>
+          <a:bodyPr>
+            <a:normAutofit/>
+          </a:bodyPr>
           <a:lstStyle/>
           <a:p>
             <a:r>
@@ -8461,7 +16189,12 @@
             <p:ph idx="1"/>
           </p:nvPr>
         </p:nvSpPr>
-        <p:spPr/>
+        <p:spPr>
+          <a:xfrm>
+            <a:off x="3856892" y="2340864"/>
+            <a:ext cx="7753915" cy="3634486"/>
+          </a:xfrm>
+        </p:spPr>
         <p:txBody>
           <a:bodyPr/>
           <a:lstStyle/>
@@ -8470,10 +16203,40 @@
           </a:p>
         </p:txBody>
       </p:sp>
+      <p:pic>
+        <p:nvPicPr>
+          <p:cNvPr id="4" name="Picture 3">
+            <a:extLst>
+              <a:ext uri="{FF2B5EF4-FFF2-40B4-BE49-F238E27FC236}">
+                <a16:creationId xmlns:a16="http://schemas.microsoft.com/office/drawing/2014/main" id="{6B64EFF3-50DB-4CE0-AA23-36FC87731C20}"/>
+              </a:ext>
+            </a:extLst>
+          </p:cNvPr>
+          <p:cNvPicPr>
+            <a:picLocks noChangeAspect="1"/>
+          </p:cNvPicPr>
+          <p:nvPr/>
+        </p:nvPicPr>
+        <p:blipFill>
+          <a:blip r:embed="rId2"/>
+          <a:stretch>
+            <a:fillRect/>
+          </a:stretch>
+        </p:blipFill>
+        <p:spPr>
+          <a:xfrm>
+            <a:off x="858348" y="1700212"/>
+            <a:ext cx="5153025" cy="3457575"/>
+          </a:xfrm>
+          <a:prstGeom prst="rect">
+            <a:avLst/>
+          </a:prstGeom>
+        </p:spPr>
+      </p:pic>
     </p:spTree>
     <p:extLst>
       <p:ext uri="{BB962C8B-B14F-4D97-AF65-F5344CB8AC3E}">
-        <p14:creationId xmlns:p14="http://schemas.microsoft.com/office/powerpoint/2010/main" val="2605636242"/>
+        <p14:creationId xmlns:p14="http://schemas.microsoft.com/office/powerpoint/2010/main" val="3107388520"/>
       </p:ext>
     </p:extLst>
   </p:cSld>
@@ -8483,7 +16246,7 @@
 </p:sld>
 </file>
 
-<file path=ppt/slides/slide6.xml><?xml version="1.0" encoding="utf-8"?>
+<file path=ppt/slides/slide8.xml><?xml version="1.0" encoding="utf-8"?>
 <p:sld xmlns:a="http://schemas.openxmlformats.org/drawingml/2006/main" xmlns:r="http://schemas.openxmlformats.org/officeDocument/2006/relationships" xmlns:p="http://schemas.openxmlformats.org/presentationml/2006/main">
   <p:cSld>
     <p:spTree>
@@ -8966,7 +16729,7 @@
 </p:sld>
 </file>
 
-<file path=ppt/slides/slide7.xml><?xml version="1.0" encoding="utf-8"?>
+<file path=ppt/slides/slide9.xml><?xml version="1.0" encoding="utf-8"?>
 <p:sld xmlns:a="http://schemas.openxmlformats.org/drawingml/2006/main" xmlns:r="http://schemas.openxmlformats.org/officeDocument/2006/relationships" xmlns:p="http://schemas.openxmlformats.org/presentationml/2006/main">
   <p:cSld>
     <p:spTree>
@@ -9442,942 +17205,6 @@
 </p:sld>
 </file>
 
-<file path=ppt/slides/slide8.xml><?xml version="1.0" encoding="utf-8"?>
-<p:sld xmlns:a="http://schemas.openxmlformats.org/drawingml/2006/main" xmlns:r="http://schemas.openxmlformats.org/officeDocument/2006/relationships" xmlns:p="http://schemas.openxmlformats.org/presentationml/2006/main">
-  <p:cSld>
-    <p:spTree>
-      <p:nvGrpSpPr>
-        <p:cNvPr id="1" name=""/>
-        <p:cNvGrpSpPr/>
-        <p:nvPr/>
-      </p:nvGrpSpPr>
-      <p:grpSpPr>
-        <a:xfrm>
-          <a:off x="0" y="0"/>
-          <a:ext cx="0" cy="0"/>
-          <a:chOff x="0" y="0"/>
-          <a:chExt cx="0" cy="0"/>
-        </a:xfrm>
-      </p:grpSpPr>
-      <p:sp>
-        <p:nvSpPr>
-          <p:cNvPr id="2" name="Title 1">
-            <a:extLst>
-              <a:ext uri="{FF2B5EF4-FFF2-40B4-BE49-F238E27FC236}">
-                <a16:creationId xmlns:a16="http://schemas.microsoft.com/office/drawing/2014/main" id="{BB9EE068-D112-421F-A76B-D2916EAF840E}"/>
-              </a:ext>
-            </a:extLst>
-          </p:cNvPr>
-          <p:cNvSpPr>
-            <a:spLocks noGrp="1"/>
-          </p:cNvSpPr>
-          <p:nvPr>
-            <p:ph type="title"/>
-          </p:nvPr>
-        </p:nvSpPr>
-        <p:spPr/>
-        <p:txBody>
-          <a:bodyPr/>
-          <a:lstStyle/>
-          <a:p>
-            <a:r>
-              <a:rPr lang="en-US" dirty="0"/>
-              <a:t>Classification </a:t>
-            </a:r>
-            <a:r>
-              <a:rPr lang="en-US" dirty="0">
-                <a:highlight>
-                  <a:srgbClr val="FFFF00"/>
-                </a:highlight>
-              </a:rPr>
-              <a:t>Precision/Recall rates</a:t>
-            </a:r>
-            <a:br>
-              <a:rPr lang="en-US" dirty="0">
-                <a:highlight>
-                  <a:srgbClr val="FFFF00"/>
-                </a:highlight>
-              </a:rPr>
-            </a:br>
-            <a:r>
-              <a:rPr lang="en-US" dirty="0"/>
-              <a:t>Default Hyperparameters </a:t>
-            </a:r>
-          </a:p>
-        </p:txBody>
-      </p:sp>
-      <p:graphicFrame>
-        <p:nvGraphicFramePr>
-          <p:cNvPr id="4" name="Table 4">
-            <a:extLst>
-              <a:ext uri="{FF2B5EF4-FFF2-40B4-BE49-F238E27FC236}">
-                <a16:creationId xmlns:a16="http://schemas.microsoft.com/office/drawing/2014/main" id="{AFA74345-C30A-4545-9FC9-D4ACCAF7BB39}"/>
-              </a:ext>
-            </a:extLst>
-          </p:cNvPr>
-          <p:cNvGraphicFramePr>
-            <a:graphicFrameLocks noGrp="1"/>
-          </p:cNvGraphicFramePr>
-          <p:nvPr>
-            <p:ph idx="1"/>
-          </p:nvPr>
-        </p:nvGraphicFramePr>
-        <p:xfrm>
-          <a:off x="838200" y="2599348"/>
-          <a:ext cx="8763000" cy="2123440"/>
-        </p:xfrm>
-        <a:graphic>
-          <a:graphicData uri="http://schemas.openxmlformats.org/drawingml/2006/table">
-            <a:tbl>
-              <a:tblPr firstRow="1" bandRow="1">
-                <a:tableStyleId>{5C22544A-7EE6-4342-B048-85BDC9FD1C3A}</a:tableStyleId>
-              </a:tblPr>
-              <a:tblGrid>
-                <a:gridCol w="1752600">
-                  <a:extLst>
-                    <a:ext uri="{9D8B030D-6E8A-4147-A177-3AD203B41FA5}">
-                      <a16:colId xmlns:a16="http://schemas.microsoft.com/office/drawing/2014/main" val="1675195018"/>
-                    </a:ext>
-                  </a:extLst>
-                </a:gridCol>
-                <a:gridCol w="1752600">
-                  <a:extLst>
-                    <a:ext uri="{9D8B030D-6E8A-4147-A177-3AD203B41FA5}">
-                      <a16:colId xmlns:a16="http://schemas.microsoft.com/office/drawing/2014/main" val="2523006943"/>
-                    </a:ext>
-                  </a:extLst>
-                </a:gridCol>
-                <a:gridCol w="1752600">
-                  <a:extLst>
-                    <a:ext uri="{9D8B030D-6E8A-4147-A177-3AD203B41FA5}">
-                      <a16:colId xmlns:a16="http://schemas.microsoft.com/office/drawing/2014/main" val="4041600084"/>
-                    </a:ext>
-                  </a:extLst>
-                </a:gridCol>
-                <a:gridCol w="1752600">
-                  <a:extLst>
-                    <a:ext uri="{9D8B030D-6E8A-4147-A177-3AD203B41FA5}">
-                      <a16:colId xmlns:a16="http://schemas.microsoft.com/office/drawing/2014/main" val="2131329611"/>
-                    </a:ext>
-                  </a:extLst>
-                </a:gridCol>
-                <a:gridCol w="1752600">
-                  <a:extLst>
-                    <a:ext uri="{9D8B030D-6E8A-4147-A177-3AD203B41FA5}">
-                      <a16:colId xmlns:a16="http://schemas.microsoft.com/office/drawing/2014/main" val="1017018966"/>
-                    </a:ext>
-                  </a:extLst>
-                </a:gridCol>
-              </a:tblGrid>
-              <a:tr h="370840">
-                <a:tc>
-                  <a:txBody>
-                    <a:bodyPr/>
-                    <a:lstStyle/>
-                    <a:p>
-                      <a:endParaRPr lang="en-US"/>
-                    </a:p>
-                  </a:txBody>
-                  <a:tcPr/>
-                </a:tc>
-                <a:tc>
-                  <a:txBody>
-                    <a:bodyPr/>
-                    <a:lstStyle/>
-                    <a:p>
-                      <a:r>
-                        <a:rPr lang="en-US" dirty="0"/>
-                        <a:t>Logistic Regression</a:t>
-                      </a:r>
-                    </a:p>
-                  </a:txBody>
-                  <a:tcPr/>
-                </a:tc>
-                <a:tc>
-                  <a:txBody>
-                    <a:bodyPr/>
-                    <a:lstStyle/>
-                    <a:p>
-                      <a:r>
-                        <a:rPr lang="en-US" dirty="0"/>
-                        <a:t>Random</a:t>
-                      </a:r>
-                    </a:p>
-                    <a:p>
-                      <a:r>
-                        <a:rPr lang="en-US" dirty="0"/>
-                        <a:t>Forest</a:t>
-                      </a:r>
-                    </a:p>
-                  </a:txBody>
-                  <a:tcPr/>
-                </a:tc>
-                <a:tc>
-                  <a:txBody>
-                    <a:bodyPr/>
-                    <a:lstStyle/>
-                    <a:p>
-                      <a:r>
-                        <a:rPr lang="en-US" dirty="0"/>
-                        <a:t>XGBoost</a:t>
-                      </a:r>
-                    </a:p>
-                  </a:txBody>
-                  <a:tcPr/>
-                </a:tc>
-                <a:tc>
-                  <a:txBody>
-                    <a:bodyPr/>
-                    <a:lstStyle/>
-                    <a:p>
-                      <a:r>
-                        <a:rPr lang="en-US" dirty="0"/>
-                        <a:t>Deep </a:t>
-                      </a:r>
-                      <a:r>
-                        <a:rPr lang="en-US" dirty="0" err="1"/>
-                        <a:t>NNet</a:t>
-                      </a:r>
-                      <a:endParaRPr lang="en-US" dirty="0"/>
-                    </a:p>
-                  </a:txBody>
-                  <a:tcPr/>
-                </a:tc>
-                <a:extLst>
-                  <a:ext uri="{0D108BD9-81ED-4DB2-BD59-A6C34878D82A}">
-                    <a16:rowId xmlns:a16="http://schemas.microsoft.com/office/drawing/2014/main" val="1224513483"/>
-                  </a:ext>
-                </a:extLst>
-              </a:tr>
-              <a:tr h="370840">
-                <a:tc>
-                  <a:txBody>
-                    <a:bodyPr/>
-                    <a:lstStyle/>
-                    <a:p>
-                      <a:r>
-                        <a:rPr lang="en-US" dirty="0"/>
-                        <a:t>CountVectorizer</a:t>
-                      </a:r>
-                    </a:p>
-                  </a:txBody>
-                  <a:tcPr/>
-                </a:tc>
-                <a:tc>
-                  <a:txBody>
-                    <a:bodyPr/>
-                    <a:lstStyle/>
-                    <a:p>
-                      <a:r>
-                        <a:rPr lang="en-US" dirty="0"/>
-                        <a:t>79%</a:t>
-                      </a:r>
-                    </a:p>
-                  </a:txBody>
-                  <a:tcPr/>
-                </a:tc>
-                <a:tc>
-                  <a:txBody>
-                    <a:bodyPr/>
-                    <a:lstStyle/>
-                    <a:p>
-                      <a:endParaRPr lang="en-US"/>
-                    </a:p>
-                  </a:txBody>
-                  <a:tcPr/>
-                </a:tc>
-                <a:tc>
-                  <a:txBody>
-                    <a:bodyPr/>
-                    <a:lstStyle/>
-                    <a:p>
-                      <a:endParaRPr lang="en-US"/>
-                    </a:p>
-                  </a:txBody>
-                  <a:tcPr/>
-                </a:tc>
-                <a:tc>
-                  <a:txBody>
-                    <a:bodyPr/>
-                    <a:lstStyle/>
-                    <a:p>
-                      <a:endParaRPr lang="en-US" dirty="0"/>
-                    </a:p>
-                  </a:txBody>
-                  <a:tcPr/>
-                </a:tc>
-                <a:extLst>
-                  <a:ext uri="{0D108BD9-81ED-4DB2-BD59-A6C34878D82A}">
-                    <a16:rowId xmlns:a16="http://schemas.microsoft.com/office/drawing/2014/main" val="616880063"/>
-                  </a:ext>
-                </a:extLst>
-              </a:tr>
-              <a:tr h="370840">
-                <a:tc>
-                  <a:txBody>
-                    <a:bodyPr/>
-                    <a:lstStyle/>
-                    <a:p>
-                      <a:r>
-                        <a:rPr lang="en-US" dirty="0"/>
-                        <a:t>TF-IDF</a:t>
-                      </a:r>
-                    </a:p>
-                  </a:txBody>
-                  <a:tcPr/>
-                </a:tc>
-                <a:tc>
-                  <a:txBody>
-                    <a:bodyPr/>
-                    <a:lstStyle/>
-                    <a:p>
-                      <a:endParaRPr lang="en-US" dirty="0"/>
-                    </a:p>
-                  </a:txBody>
-                  <a:tcPr/>
-                </a:tc>
-                <a:tc>
-                  <a:txBody>
-                    <a:bodyPr/>
-                    <a:lstStyle/>
-                    <a:p>
-                      <a:endParaRPr lang="en-US" dirty="0"/>
-                    </a:p>
-                  </a:txBody>
-                  <a:tcPr/>
-                </a:tc>
-                <a:tc>
-                  <a:txBody>
-                    <a:bodyPr/>
-                    <a:lstStyle/>
-                    <a:p>
-                      <a:endParaRPr lang="en-US" dirty="0"/>
-                    </a:p>
-                  </a:txBody>
-                  <a:tcPr/>
-                </a:tc>
-                <a:tc>
-                  <a:txBody>
-                    <a:bodyPr/>
-                    <a:lstStyle/>
-                    <a:p>
-                      <a:endParaRPr lang="en-US" dirty="0"/>
-                    </a:p>
-                  </a:txBody>
-                  <a:tcPr/>
-                </a:tc>
-                <a:extLst>
-                  <a:ext uri="{0D108BD9-81ED-4DB2-BD59-A6C34878D82A}">
-                    <a16:rowId xmlns:a16="http://schemas.microsoft.com/office/drawing/2014/main" val="1926177694"/>
-                  </a:ext>
-                </a:extLst>
-              </a:tr>
-              <a:tr h="370840">
-                <a:tc>
-                  <a:txBody>
-                    <a:bodyPr/>
-                    <a:lstStyle/>
-                    <a:p>
-                      <a:r>
-                        <a:rPr lang="en-US" dirty="0"/>
-                        <a:t>Word2Vect</a:t>
-                      </a:r>
-                    </a:p>
-                  </a:txBody>
-                  <a:tcPr/>
-                </a:tc>
-                <a:tc>
-                  <a:txBody>
-                    <a:bodyPr/>
-                    <a:lstStyle/>
-                    <a:p>
-                      <a:endParaRPr lang="en-US" dirty="0"/>
-                    </a:p>
-                  </a:txBody>
-                  <a:tcPr/>
-                </a:tc>
-                <a:tc>
-                  <a:txBody>
-                    <a:bodyPr/>
-                    <a:lstStyle/>
-                    <a:p>
-                      <a:endParaRPr lang="en-US" dirty="0"/>
-                    </a:p>
-                  </a:txBody>
-                  <a:tcPr/>
-                </a:tc>
-                <a:tc>
-                  <a:txBody>
-                    <a:bodyPr/>
-                    <a:lstStyle/>
-                    <a:p>
-                      <a:endParaRPr lang="en-US" dirty="0"/>
-                    </a:p>
-                  </a:txBody>
-                  <a:tcPr/>
-                </a:tc>
-                <a:tc>
-                  <a:txBody>
-                    <a:bodyPr/>
-                    <a:lstStyle/>
-                    <a:p>
-                      <a:endParaRPr lang="en-US" dirty="0"/>
-                    </a:p>
-                  </a:txBody>
-                  <a:tcPr/>
-                </a:tc>
-                <a:extLst>
-                  <a:ext uri="{0D108BD9-81ED-4DB2-BD59-A6C34878D82A}">
-                    <a16:rowId xmlns:a16="http://schemas.microsoft.com/office/drawing/2014/main" val="183308313"/>
-                  </a:ext>
-                </a:extLst>
-              </a:tr>
-              <a:tr h="370840">
-                <a:tc>
-                  <a:txBody>
-                    <a:bodyPr/>
-                    <a:lstStyle/>
-                    <a:p>
-                      <a:r>
-                        <a:rPr lang="en-US" dirty="0" err="1"/>
-                        <a:t>GloVe</a:t>
-                      </a:r>
-                      <a:endParaRPr lang="en-US" dirty="0"/>
-                    </a:p>
-                  </a:txBody>
-                  <a:tcPr/>
-                </a:tc>
-                <a:tc>
-                  <a:txBody>
-                    <a:bodyPr/>
-                    <a:lstStyle/>
-                    <a:p>
-                      <a:endParaRPr lang="en-US" dirty="0"/>
-                    </a:p>
-                  </a:txBody>
-                  <a:tcPr/>
-                </a:tc>
-                <a:tc>
-                  <a:txBody>
-                    <a:bodyPr/>
-                    <a:lstStyle/>
-                    <a:p>
-                      <a:endParaRPr lang="en-US" dirty="0"/>
-                    </a:p>
-                  </a:txBody>
-                  <a:tcPr/>
-                </a:tc>
-                <a:tc>
-                  <a:txBody>
-                    <a:bodyPr/>
-                    <a:lstStyle/>
-                    <a:p>
-                      <a:endParaRPr lang="en-US" dirty="0"/>
-                    </a:p>
-                  </a:txBody>
-                  <a:tcPr/>
-                </a:tc>
-                <a:tc>
-                  <a:txBody>
-                    <a:bodyPr/>
-                    <a:lstStyle/>
-                    <a:p>
-                      <a:endParaRPr lang="en-US" dirty="0"/>
-                    </a:p>
-                  </a:txBody>
-                  <a:tcPr/>
-                </a:tc>
-                <a:extLst>
-                  <a:ext uri="{0D108BD9-81ED-4DB2-BD59-A6C34878D82A}">
-                    <a16:rowId xmlns:a16="http://schemas.microsoft.com/office/drawing/2014/main" val="3697505038"/>
-                  </a:ext>
-                </a:extLst>
-              </a:tr>
-            </a:tbl>
-          </a:graphicData>
-        </a:graphic>
-      </p:graphicFrame>
-    </p:spTree>
-    <p:extLst>
-      <p:ext uri="{BB962C8B-B14F-4D97-AF65-F5344CB8AC3E}">
-        <p14:creationId xmlns:p14="http://schemas.microsoft.com/office/powerpoint/2010/main" val="4154953922"/>
-      </p:ext>
-    </p:extLst>
-  </p:cSld>
-  <p:clrMapOvr>
-    <a:masterClrMapping/>
-  </p:clrMapOvr>
-</p:sld>
-</file>
-
-<file path=ppt/slides/slide9.xml><?xml version="1.0" encoding="utf-8"?>
-<p:sld xmlns:a="http://schemas.openxmlformats.org/drawingml/2006/main" xmlns:r="http://schemas.openxmlformats.org/officeDocument/2006/relationships" xmlns:p="http://schemas.openxmlformats.org/presentationml/2006/main">
-  <p:cSld>
-    <p:spTree>
-      <p:nvGrpSpPr>
-        <p:cNvPr id="1" name=""/>
-        <p:cNvGrpSpPr/>
-        <p:nvPr/>
-      </p:nvGrpSpPr>
-      <p:grpSpPr>
-        <a:xfrm>
-          <a:off x="0" y="0"/>
-          <a:ext cx="0" cy="0"/>
-          <a:chOff x="0" y="0"/>
-          <a:chExt cx="0" cy="0"/>
-        </a:xfrm>
-      </p:grpSpPr>
-      <p:sp>
-        <p:nvSpPr>
-          <p:cNvPr id="2" name="Title 1">
-            <a:extLst>
-              <a:ext uri="{FF2B5EF4-FFF2-40B4-BE49-F238E27FC236}">
-                <a16:creationId xmlns:a16="http://schemas.microsoft.com/office/drawing/2014/main" id="{BB9EE068-D112-421F-A76B-D2916EAF840E}"/>
-              </a:ext>
-            </a:extLst>
-          </p:cNvPr>
-          <p:cNvSpPr>
-            <a:spLocks noGrp="1"/>
-          </p:cNvSpPr>
-          <p:nvPr>
-            <p:ph type="title"/>
-          </p:nvPr>
-        </p:nvSpPr>
-        <p:spPr/>
-        <p:txBody>
-          <a:bodyPr/>
-          <a:lstStyle/>
-          <a:p>
-            <a:r>
-              <a:rPr lang="en-US" dirty="0"/>
-              <a:t>Classification </a:t>
-            </a:r>
-            <a:r>
-              <a:rPr lang="en-US" dirty="0">
-                <a:highlight>
-                  <a:srgbClr val="FFFF00"/>
-                </a:highlight>
-              </a:rPr>
-              <a:t>Precision/Recall rates</a:t>
-            </a:r>
-            <a:br>
-              <a:rPr lang="en-US" dirty="0">
-                <a:highlight>
-                  <a:srgbClr val="FFFF00"/>
-                </a:highlight>
-              </a:rPr>
-            </a:br>
-            <a:r>
-              <a:rPr lang="en-US" dirty="0"/>
-              <a:t>Tuned Hyperparameters </a:t>
-            </a:r>
-          </a:p>
-        </p:txBody>
-      </p:sp>
-      <p:graphicFrame>
-        <p:nvGraphicFramePr>
-          <p:cNvPr id="4" name="Table 4">
-            <a:extLst>
-              <a:ext uri="{FF2B5EF4-FFF2-40B4-BE49-F238E27FC236}">
-                <a16:creationId xmlns:a16="http://schemas.microsoft.com/office/drawing/2014/main" id="{AFA74345-C30A-4545-9FC9-D4ACCAF7BB39}"/>
-              </a:ext>
-            </a:extLst>
-          </p:cNvPr>
-          <p:cNvGraphicFramePr>
-            <a:graphicFrameLocks noGrp="1"/>
-          </p:cNvGraphicFramePr>
-          <p:nvPr>
-            <p:ph idx="1"/>
-          </p:nvPr>
-        </p:nvGraphicFramePr>
-        <p:xfrm>
-          <a:off x="838200" y="2599348"/>
-          <a:ext cx="8763000" cy="2123440"/>
-        </p:xfrm>
-        <a:graphic>
-          <a:graphicData uri="http://schemas.openxmlformats.org/drawingml/2006/table">
-            <a:tbl>
-              <a:tblPr firstRow="1" bandRow="1">
-                <a:tableStyleId>{5C22544A-7EE6-4342-B048-85BDC9FD1C3A}</a:tableStyleId>
-              </a:tblPr>
-              <a:tblGrid>
-                <a:gridCol w="1752600">
-                  <a:extLst>
-                    <a:ext uri="{9D8B030D-6E8A-4147-A177-3AD203B41FA5}">
-                      <a16:colId xmlns:a16="http://schemas.microsoft.com/office/drawing/2014/main" val="1675195018"/>
-                    </a:ext>
-                  </a:extLst>
-                </a:gridCol>
-                <a:gridCol w="1752600">
-                  <a:extLst>
-                    <a:ext uri="{9D8B030D-6E8A-4147-A177-3AD203B41FA5}">
-                      <a16:colId xmlns:a16="http://schemas.microsoft.com/office/drawing/2014/main" val="2523006943"/>
-                    </a:ext>
-                  </a:extLst>
-                </a:gridCol>
-                <a:gridCol w="1752600">
-                  <a:extLst>
-                    <a:ext uri="{9D8B030D-6E8A-4147-A177-3AD203B41FA5}">
-                      <a16:colId xmlns:a16="http://schemas.microsoft.com/office/drawing/2014/main" val="4041600084"/>
-                    </a:ext>
-                  </a:extLst>
-                </a:gridCol>
-                <a:gridCol w="1752600">
-                  <a:extLst>
-                    <a:ext uri="{9D8B030D-6E8A-4147-A177-3AD203B41FA5}">
-                      <a16:colId xmlns:a16="http://schemas.microsoft.com/office/drawing/2014/main" val="2131329611"/>
-                    </a:ext>
-                  </a:extLst>
-                </a:gridCol>
-                <a:gridCol w="1752600">
-                  <a:extLst>
-                    <a:ext uri="{9D8B030D-6E8A-4147-A177-3AD203B41FA5}">
-                      <a16:colId xmlns:a16="http://schemas.microsoft.com/office/drawing/2014/main" val="1017018966"/>
-                    </a:ext>
-                  </a:extLst>
-                </a:gridCol>
-              </a:tblGrid>
-              <a:tr h="370840">
-                <a:tc>
-                  <a:txBody>
-                    <a:bodyPr/>
-                    <a:lstStyle/>
-                    <a:p>
-                      <a:endParaRPr lang="en-US"/>
-                    </a:p>
-                  </a:txBody>
-                  <a:tcPr/>
-                </a:tc>
-                <a:tc>
-                  <a:txBody>
-                    <a:bodyPr/>
-                    <a:lstStyle/>
-                    <a:p>
-                      <a:r>
-                        <a:rPr lang="en-US" dirty="0"/>
-                        <a:t>Logistic Regression</a:t>
-                      </a:r>
-                    </a:p>
-                  </a:txBody>
-                  <a:tcPr/>
-                </a:tc>
-                <a:tc>
-                  <a:txBody>
-                    <a:bodyPr/>
-                    <a:lstStyle/>
-                    <a:p>
-                      <a:r>
-                        <a:rPr lang="en-US" dirty="0"/>
-                        <a:t>Random</a:t>
-                      </a:r>
-                    </a:p>
-                    <a:p>
-                      <a:r>
-                        <a:rPr lang="en-US" dirty="0"/>
-                        <a:t>Forest</a:t>
-                      </a:r>
-                    </a:p>
-                  </a:txBody>
-                  <a:tcPr/>
-                </a:tc>
-                <a:tc>
-                  <a:txBody>
-                    <a:bodyPr/>
-                    <a:lstStyle/>
-                    <a:p>
-                      <a:r>
-                        <a:rPr lang="en-US" dirty="0"/>
-                        <a:t>XGBoost</a:t>
-                      </a:r>
-                    </a:p>
-                  </a:txBody>
-                  <a:tcPr/>
-                </a:tc>
-                <a:tc>
-                  <a:txBody>
-                    <a:bodyPr/>
-                    <a:lstStyle/>
-                    <a:p>
-                      <a:r>
-                        <a:rPr lang="en-US" dirty="0"/>
-                        <a:t>Deep </a:t>
-                      </a:r>
-                      <a:r>
-                        <a:rPr lang="en-US" dirty="0" err="1"/>
-                        <a:t>NNet</a:t>
-                      </a:r>
-                      <a:endParaRPr lang="en-US" dirty="0"/>
-                    </a:p>
-                  </a:txBody>
-                  <a:tcPr/>
-                </a:tc>
-                <a:extLst>
-                  <a:ext uri="{0D108BD9-81ED-4DB2-BD59-A6C34878D82A}">
-                    <a16:rowId xmlns:a16="http://schemas.microsoft.com/office/drawing/2014/main" val="1224513483"/>
-                  </a:ext>
-                </a:extLst>
-              </a:tr>
-              <a:tr h="370840">
-                <a:tc>
-                  <a:txBody>
-                    <a:bodyPr/>
-                    <a:lstStyle/>
-                    <a:p>
-                      <a:r>
-                        <a:rPr lang="en-US" dirty="0"/>
-                        <a:t>CountVectorizer</a:t>
-                      </a:r>
-                    </a:p>
-                  </a:txBody>
-                  <a:tcPr/>
-                </a:tc>
-                <a:tc>
-                  <a:txBody>
-                    <a:bodyPr/>
-                    <a:lstStyle/>
-                    <a:p>
-                      <a:r>
-                        <a:rPr lang="en-US" dirty="0"/>
-                        <a:t>79%</a:t>
-                      </a:r>
-                    </a:p>
-                  </a:txBody>
-                  <a:tcPr/>
-                </a:tc>
-                <a:tc>
-                  <a:txBody>
-                    <a:bodyPr/>
-                    <a:lstStyle/>
-                    <a:p>
-                      <a:endParaRPr lang="en-US"/>
-                    </a:p>
-                  </a:txBody>
-                  <a:tcPr/>
-                </a:tc>
-                <a:tc>
-                  <a:txBody>
-                    <a:bodyPr/>
-                    <a:lstStyle/>
-                    <a:p>
-                      <a:endParaRPr lang="en-US"/>
-                    </a:p>
-                  </a:txBody>
-                  <a:tcPr/>
-                </a:tc>
-                <a:tc>
-                  <a:txBody>
-                    <a:bodyPr/>
-                    <a:lstStyle/>
-                    <a:p>
-                      <a:endParaRPr lang="en-US" dirty="0"/>
-                    </a:p>
-                  </a:txBody>
-                  <a:tcPr/>
-                </a:tc>
-                <a:extLst>
-                  <a:ext uri="{0D108BD9-81ED-4DB2-BD59-A6C34878D82A}">
-                    <a16:rowId xmlns:a16="http://schemas.microsoft.com/office/drawing/2014/main" val="616880063"/>
-                  </a:ext>
-                </a:extLst>
-              </a:tr>
-              <a:tr h="370840">
-                <a:tc>
-                  <a:txBody>
-                    <a:bodyPr/>
-                    <a:lstStyle/>
-                    <a:p>
-                      <a:r>
-                        <a:rPr lang="en-US" dirty="0"/>
-                        <a:t>TF-IDF</a:t>
-                      </a:r>
-                    </a:p>
-                  </a:txBody>
-                  <a:tcPr/>
-                </a:tc>
-                <a:tc>
-                  <a:txBody>
-                    <a:bodyPr/>
-                    <a:lstStyle/>
-                    <a:p>
-                      <a:endParaRPr lang="en-US" dirty="0"/>
-                    </a:p>
-                  </a:txBody>
-                  <a:tcPr/>
-                </a:tc>
-                <a:tc>
-                  <a:txBody>
-                    <a:bodyPr/>
-                    <a:lstStyle/>
-                    <a:p>
-                      <a:endParaRPr lang="en-US" dirty="0"/>
-                    </a:p>
-                  </a:txBody>
-                  <a:tcPr/>
-                </a:tc>
-                <a:tc>
-                  <a:txBody>
-                    <a:bodyPr/>
-                    <a:lstStyle/>
-                    <a:p>
-                      <a:endParaRPr lang="en-US" dirty="0"/>
-                    </a:p>
-                  </a:txBody>
-                  <a:tcPr/>
-                </a:tc>
-                <a:tc>
-                  <a:txBody>
-                    <a:bodyPr/>
-                    <a:lstStyle/>
-                    <a:p>
-                      <a:endParaRPr lang="en-US" dirty="0"/>
-                    </a:p>
-                  </a:txBody>
-                  <a:tcPr/>
-                </a:tc>
-                <a:extLst>
-                  <a:ext uri="{0D108BD9-81ED-4DB2-BD59-A6C34878D82A}">
-                    <a16:rowId xmlns:a16="http://schemas.microsoft.com/office/drawing/2014/main" val="1926177694"/>
-                  </a:ext>
-                </a:extLst>
-              </a:tr>
-              <a:tr h="370840">
-                <a:tc>
-                  <a:txBody>
-                    <a:bodyPr/>
-                    <a:lstStyle/>
-                    <a:p>
-                      <a:r>
-                        <a:rPr lang="en-US" dirty="0"/>
-                        <a:t>Word2Vect</a:t>
-                      </a:r>
-                    </a:p>
-                  </a:txBody>
-                  <a:tcPr/>
-                </a:tc>
-                <a:tc>
-                  <a:txBody>
-                    <a:bodyPr/>
-                    <a:lstStyle/>
-                    <a:p>
-                      <a:endParaRPr lang="en-US" dirty="0"/>
-                    </a:p>
-                  </a:txBody>
-                  <a:tcPr/>
-                </a:tc>
-                <a:tc>
-                  <a:txBody>
-                    <a:bodyPr/>
-                    <a:lstStyle/>
-                    <a:p>
-                      <a:endParaRPr lang="en-US" dirty="0"/>
-                    </a:p>
-                  </a:txBody>
-                  <a:tcPr/>
-                </a:tc>
-                <a:tc>
-                  <a:txBody>
-                    <a:bodyPr/>
-                    <a:lstStyle/>
-                    <a:p>
-                      <a:endParaRPr lang="en-US" dirty="0"/>
-                    </a:p>
-                  </a:txBody>
-                  <a:tcPr/>
-                </a:tc>
-                <a:tc>
-                  <a:txBody>
-                    <a:bodyPr/>
-                    <a:lstStyle/>
-                    <a:p>
-                      <a:endParaRPr lang="en-US" dirty="0"/>
-                    </a:p>
-                  </a:txBody>
-                  <a:tcPr/>
-                </a:tc>
-                <a:extLst>
-                  <a:ext uri="{0D108BD9-81ED-4DB2-BD59-A6C34878D82A}">
-                    <a16:rowId xmlns:a16="http://schemas.microsoft.com/office/drawing/2014/main" val="183308313"/>
-                  </a:ext>
-                </a:extLst>
-              </a:tr>
-              <a:tr h="370840">
-                <a:tc>
-                  <a:txBody>
-                    <a:bodyPr/>
-                    <a:lstStyle/>
-                    <a:p>
-                      <a:r>
-                        <a:rPr lang="en-US" dirty="0" err="1"/>
-                        <a:t>GloVe</a:t>
-                      </a:r>
-                      <a:endParaRPr lang="en-US" dirty="0"/>
-                    </a:p>
-                  </a:txBody>
-                  <a:tcPr/>
-                </a:tc>
-                <a:tc>
-                  <a:txBody>
-                    <a:bodyPr/>
-                    <a:lstStyle/>
-                    <a:p>
-                      <a:endParaRPr lang="en-US" dirty="0"/>
-                    </a:p>
-                  </a:txBody>
-                  <a:tcPr/>
-                </a:tc>
-                <a:tc>
-                  <a:txBody>
-                    <a:bodyPr/>
-                    <a:lstStyle/>
-                    <a:p>
-                      <a:endParaRPr lang="en-US" dirty="0"/>
-                    </a:p>
-                  </a:txBody>
-                  <a:tcPr/>
-                </a:tc>
-                <a:tc>
-                  <a:txBody>
-                    <a:bodyPr/>
-                    <a:lstStyle/>
-                    <a:p>
-                      <a:endParaRPr lang="en-US" dirty="0"/>
-                    </a:p>
-                  </a:txBody>
-                  <a:tcPr/>
-                </a:tc>
-                <a:tc>
-                  <a:txBody>
-                    <a:bodyPr/>
-                    <a:lstStyle/>
-                    <a:p>
-                      <a:endParaRPr lang="en-US" dirty="0"/>
-                    </a:p>
-                  </a:txBody>
-                  <a:tcPr/>
-                </a:tc>
-                <a:extLst>
-                  <a:ext uri="{0D108BD9-81ED-4DB2-BD59-A6C34878D82A}">
-                    <a16:rowId xmlns:a16="http://schemas.microsoft.com/office/drawing/2014/main" val="3697505038"/>
-                  </a:ext>
-                </a:extLst>
-              </a:tr>
-            </a:tbl>
-          </a:graphicData>
-        </a:graphic>
-      </p:graphicFrame>
-    </p:spTree>
-    <p:extLst>
-      <p:ext uri="{BB962C8B-B14F-4D97-AF65-F5344CB8AC3E}">
-        <p14:creationId xmlns:p14="http://schemas.microsoft.com/office/powerpoint/2010/main" val="165710529"/>
-      </p:ext>
-    </p:extLst>
-  </p:cSld>
-  <p:clrMapOvr>
-    <a:masterClrMapping/>
-  </p:clrMapOvr>
-</p:sld>
-</file>
-
 <file path=ppt/theme/theme1.xml><?xml version="1.0" encoding="utf-8"?>
 <a:theme xmlns:a="http://schemas.openxmlformats.org/drawingml/2006/main" name="DividendVTI">
   <a:themeElements>
@@ -10648,6 +17475,15 @@
 </file>
 
 <file path=customXml/item1.xml><?xml version="1.0" encoding="utf-8"?>
+<?mso-contentType ?>
+<FormTemplates xmlns="http://schemas.microsoft.com/sharepoint/v3/contenttype/forms">
+  <Display>DocumentLibraryForm</Display>
+  <Edit>DocumentLibraryForm</Edit>
+  <New>DocumentLibraryForm</New>
+</FormTemplates>
+</file>
+
+<file path=customXml/item2.xml><?xml version="1.0" encoding="utf-8"?>
 <ct:contentTypeSchema xmlns:ct="http://schemas.microsoft.com/office/2006/metadata/contentType" xmlns:ma="http://schemas.microsoft.com/office/2006/metadata/properties/metaAttributes" ct:_="" ma:_="" ma:contentTypeName="Document" ma:contentTypeID="0x010100D09A4AC55DB23B409F9930A45A577CF8" ma:contentTypeVersion="13" ma:contentTypeDescription="Create a new document." ma:contentTypeScope="" ma:versionID="62863ce91714a6e6926beb841da81f45">
   <xsd:schema xmlns:xsd="http://www.w3.org/2001/XMLSchema" xmlns:xs="http://www.w3.org/2001/XMLSchema" xmlns:p="http://schemas.microsoft.com/office/2006/metadata/properties" xmlns:ns3="7eb5e0e6-c3bc-4107-a33a-80c64eb88319" xmlns:ns4="fedaa18d-8384-436c-aaa0-67ec6927a806" targetNamespace="http://schemas.microsoft.com/office/2006/metadata/properties" ma:root="true" ma:fieldsID="156b1824d531b0327b383d58586d45c8" ns3:_="" ns4:_="">
     <xsd:import namespace="7eb5e0e6-c3bc-4107-a33a-80c64eb88319"/>
@@ -10870,15 +17706,6 @@
 </ct:contentTypeSchema>
 </file>
 
-<file path=customXml/item2.xml><?xml version="1.0" encoding="utf-8"?>
-<?mso-contentType ?>
-<FormTemplates xmlns="http://schemas.microsoft.com/sharepoint/v3/contenttype/forms">
-  <Display>DocumentLibraryForm</Display>
-  <Edit>DocumentLibraryForm</Edit>
-  <New>DocumentLibraryForm</New>
-</FormTemplates>
-</file>
-
 <file path=customXml/item3.xml><?xml version="1.0" encoding="utf-8"?>
 <p:properties xmlns:p="http://schemas.microsoft.com/office/2006/metadata/properties" xmlns:xsi="http://www.w3.org/2001/XMLSchema-instance" xmlns:pc="http://schemas.microsoft.com/office/infopath/2007/PartnerControls">
   <documentManagement/>
@@ -10886,6 +17713,14 @@
 </file>
 
 <file path=customXml/itemProps1.xml><?xml version="1.0" encoding="utf-8"?>
+<ds:datastoreItem xmlns:ds="http://schemas.openxmlformats.org/officeDocument/2006/customXml" ds:itemID="{C6B9F356-E37B-4A78-945B-3DAA33D11308}">
+  <ds:schemaRefs>
+    <ds:schemaRef ds:uri="http://schemas.microsoft.com/sharepoint/v3/contenttype/forms"/>
+  </ds:schemaRefs>
+</ds:datastoreItem>
+</file>
+
+<file path=customXml/itemProps2.xml><?xml version="1.0" encoding="utf-8"?>
 <ds:datastoreItem xmlns:ds="http://schemas.openxmlformats.org/officeDocument/2006/customXml" ds:itemID="{CDCEAE7F-77A9-4A38-AC78-B7889F39FB25}">
   <ds:schemaRefs>
     <ds:schemaRef ds:uri="http://schemas.microsoft.com/office/2006/metadata/contentType"/>
@@ -10900,14 +17735,6 @@
     <ds:schemaRef ds:uri="http://purl.org/dc/elements/1.1/"/>
     <ds:schemaRef ds:uri="http://purl.org/dc/terms/"/>
     <ds:schemaRef ds:uri="http://schemas.microsoft.com/internal/obd"/>
-  </ds:schemaRefs>
-</ds:datastoreItem>
-</file>
-
-<file path=customXml/itemProps2.xml><?xml version="1.0" encoding="utf-8"?>
-<ds:datastoreItem xmlns:ds="http://schemas.openxmlformats.org/officeDocument/2006/customXml" ds:itemID="{C6B9F356-E37B-4A78-945B-3DAA33D11308}">
-  <ds:schemaRefs>
-    <ds:schemaRef ds:uri="http://schemas.microsoft.com/sharepoint/v3/contenttype/forms"/>
   </ds:schemaRefs>
 </ds:datastoreItem>
 </file>

--- a/FinalProject_presentation.pptx
+++ b/FinalProject_presentation.pptx
@@ -9,16 +9,14 @@
     <p:sldId id="259" r:id="rId6"/>
     <p:sldId id="260" r:id="rId7"/>
     <p:sldId id="269" r:id="rId8"/>
-    <p:sldId id="261" r:id="rId9"/>
-    <p:sldId id="273" r:id="rId10"/>
-    <p:sldId id="272" r:id="rId11"/>
-    <p:sldId id="264" r:id="rId12"/>
-    <p:sldId id="265" r:id="rId13"/>
-    <p:sldId id="270" r:id="rId14"/>
-    <p:sldId id="267" r:id="rId15"/>
-    <p:sldId id="271" r:id="rId16"/>
-    <p:sldId id="266" r:id="rId17"/>
-    <p:sldId id="258" r:id="rId18"/>
+    <p:sldId id="273" r:id="rId9"/>
+    <p:sldId id="264" r:id="rId10"/>
+    <p:sldId id="265" r:id="rId11"/>
+    <p:sldId id="270" r:id="rId12"/>
+    <p:sldId id="267" r:id="rId13"/>
+    <p:sldId id="271" r:id="rId14"/>
+    <p:sldId id="266" r:id="rId15"/>
+    <p:sldId id="258" r:id="rId16"/>
   </p:sldIdLst>
   <p:sldSz cx="12192000" cy="6858000"/>
   <p:notesSz cx="6858000" cy="9144000"/>
@@ -873,753 +871,6 @@
 </file>
 
 <file path=ppt/diagrams/colors2.xml><?xml version="1.0" encoding="utf-8"?>
-<dgm:colorsDef xmlns:dgm="http://schemas.openxmlformats.org/drawingml/2006/diagram" xmlns:a="http://schemas.openxmlformats.org/drawingml/2006/main" uniqueId="urn:microsoft.com/office/officeart/2005/8/colors/accent1_2">
-  <dgm:title val=""/>
-  <dgm:desc val=""/>
-  <dgm:catLst>
-    <dgm:cat type="accent1" pri="11200"/>
-  </dgm:catLst>
-  <dgm:styleLbl name="node0">
-    <dgm:fillClrLst meth="repeat">
-      <a:schemeClr val="accent1"/>
-    </dgm:fillClrLst>
-    <dgm:linClrLst meth="repeat">
-      <a:schemeClr val="lt1"/>
-    </dgm:linClrLst>
-    <dgm:effectClrLst/>
-    <dgm:txLinClrLst/>
-    <dgm:txFillClrLst/>
-    <dgm:txEffectClrLst/>
-  </dgm:styleLbl>
-  <dgm:styleLbl name="alignNode1">
-    <dgm:fillClrLst meth="repeat">
-      <a:schemeClr val="accent1"/>
-    </dgm:fillClrLst>
-    <dgm:linClrLst meth="repeat">
-      <a:schemeClr val="accent1"/>
-    </dgm:linClrLst>
-    <dgm:effectClrLst/>
-    <dgm:txLinClrLst/>
-    <dgm:txFillClrLst/>
-    <dgm:txEffectClrLst/>
-  </dgm:styleLbl>
-  <dgm:styleLbl name="node1">
-    <dgm:fillClrLst meth="repeat">
-      <a:schemeClr val="accent1"/>
-    </dgm:fillClrLst>
-    <dgm:linClrLst meth="repeat">
-      <a:schemeClr val="lt1"/>
-    </dgm:linClrLst>
-    <dgm:effectClrLst/>
-    <dgm:txLinClrLst/>
-    <dgm:txFillClrLst/>
-    <dgm:txEffectClrLst/>
-  </dgm:styleLbl>
-  <dgm:styleLbl name="lnNode1">
-    <dgm:fillClrLst meth="repeat">
-      <a:schemeClr val="accent1"/>
-    </dgm:fillClrLst>
-    <dgm:linClrLst meth="repeat">
-      <a:schemeClr val="lt1"/>
-    </dgm:linClrLst>
-    <dgm:effectClrLst/>
-    <dgm:txLinClrLst/>
-    <dgm:txFillClrLst/>
-    <dgm:txEffectClrLst/>
-  </dgm:styleLbl>
-  <dgm:styleLbl name="vennNode1">
-    <dgm:fillClrLst meth="repeat">
-      <a:schemeClr val="accent1">
-        <a:alpha val="50000"/>
-      </a:schemeClr>
-    </dgm:fillClrLst>
-    <dgm:linClrLst meth="repeat">
-      <a:schemeClr val="lt1"/>
-    </dgm:linClrLst>
-    <dgm:effectClrLst/>
-    <dgm:txLinClrLst/>
-    <dgm:txFillClrLst/>
-    <dgm:txEffectClrLst/>
-  </dgm:styleLbl>
-  <dgm:styleLbl name="node2">
-    <dgm:fillClrLst meth="repeat">
-      <a:schemeClr val="accent1"/>
-    </dgm:fillClrLst>
-    <dgm:linClrLst meth="repeat">
-      <a:schemeClr val="lt1"/>
-    </dgm:linClrLst>
-    <dgm:effectClrLst/>
-    <dgm:txLinClrLst/>
-    <dgm:txFillClrLst/>
-    <dgm:txEffectClrLst/>
-  </dgm:styleLbl>
-  <dgm:styleLbl name="node3">
-    <dgm:fillClrLst meth="repeat">
-      <a:schemeClr val="accent1"/>
-    </dgm:fillClrLst>
-    <dgm:linClrLst meth="repeat">
-      <a:schemeClr val="lt1"/>
-    </dgm:linClrLst>
-    <dgm:effectClrLst/>
-    <dgm:txLinClrLst/>
-    <dgm:txFillClrLst/>
-    <dgm:txEffectClrLst/>
-  </dgm:styleLbl>
-  <dgm:styleLbl name="node4">
-    <dgm:fillClrLst meth="repeat">
-      <a:schemeClr val="accent1"/>
-    </dgm:fillClrLst>
-    <dgm:linClrLst meth="repeat">
-      <a:schemeClr val="lt1"/>
-    </dgm:linClrLst>
-    <dgm:effectClrLst/>
-    <dgm:txLinClrLst/>
-    <dgm:txFillClrLst/>
-    <dgm:txEffectClrLst/>
-  </dgm:styleLbl>
-  <dgm:styleLbl name="fgImgPlace1">
-    <dgm:fillClrLst meth="repeat">
-      <a:schemeClr val="accent1">
-        <a:tint val="50000"/>
-      </a:schemeClr>
-    </dgm:fillClrLst>
-    <dgm:linClrLst meth="repeat">
-      <a:schemeClr val="lt1"/>
-    </dgm:linClrLst>
-    <dgm:effectClrLst/>
-    <dgm:txLinClrLst/>
-    <dgm:txFillClrLst meth="repeat">
-      <a:schemeClr val="lt1"/>
-    </dgm:txFillClrLst>
-    <dgm:txEffectClrLst/>
-  </dgm:styleLbl>
-  <dgm:styleLbl name="alignImgPlace1">
-    <dgm:fillClrLst meth="repeat">
-      <a:schemeClr val="accent1">
-        <a:tint val="50000"/>
-      </a:schemeClr>
-    </dgm:fillClrLst>
-    <dgm:linClrLst meth="repeat">
-      <a:schemeClr val="lt1"/>
-    </dgm:linClrLst>
-    <dgm:effectClrLst/>
-    <dgm:txLinClrLst/>
-    <dgm:txFillClrLst meth="repeat">
-      <a:schemeClr val="lt1"/>
-    </dgm:txFillClrLst>
-    <dgm:txEffectClrLst/>
-  </dgm:styleLbl>
-  <dgm:styleLbl name="bgImgPlace1">
-    <dgm:fillClrLst meth="repeat">
-      <a:schemeClr val="accent1">
-        <a:tint val="50000"/>
-      </a:schemeClr>
-    </dgm:fillClrLst>
-    <dgm:linClrLst meth="repeat">
-      <a:schemeClr val="lt1"/>
-    </dgm:linClrLst>
-    <dgm:effectClrLst/>
-    <dgm:txLinClrLst/>
-    <dgm:txFillClrLst meth="repeat">
-      <a:schemeClr val="lt1"/>
-    </dgm:txFillClrLst>
-    <dgm:txEffectClrLst/>
-  </dgm:styleLbl>
-  <dgm:styleLbl name="sibTrans2D1">
-    <dgm:fillClrLst meth="repeat">
-      <a:schemeClr val="accent1">
-        <a:tint val="60000"/>
-      </a:schemeClr>
-    </dgm:fillClrLst>
-    <dgm:linClrLst meth="repeat">
-      <a:schemeClr val="accent1">
-        <a:tint val="60000"/>
-      </a:schemeClr>
-    </dgm:linClrLst>
-    <dgm:effectClrLst/>
-    <dgm:txLinClrLst/>
-    <dgm:txFillClrLst/>
-    <dgm:txEffectClrLst/>
-  </dgm:styleLbl>
-  <dgm:styleLbl name="fgSibTrans2D1">
-    <dgm:fillClrLst meth="repeat">
-      <a:schemeClr val="accent1">
-        <a:tint val="60000"/>
-      </a:schemeClr>
-    </dgm:fillClrLst>
-    <dgm:linClrLst meth="repeat">
-      <a:schemeClr val="accent1">
-        <a:tint val="60000"/>
-      </a:schemeClr>
-    </dgm:linClrLst>
-    <dgm:effectClrLst/>
-    <dgm:txLinClrLst/>
-    <dgm:txFillClrLst/>
-    <dgm:txEffectClrLst/>
-  </dgm:styleLbl>
-  <dgm:styleLbl name="bgSibTrans2D1">
-    <dgm:fillClrLst meth="repeat">
-      <a:schemeClr val="accent1">
-        <a:tint val="60000"/>
-      </a:schemeClr>
-    </dgm:fillClrLst>
-    <dgm:linClrLst meth="repeat">
-      <a:schemeClr val="accent1">
-        <a:tint val="60000"/>
-      </a:schemeClr>
-    </dgm:linClrLst>
-    <dgm:effectClrLst/>
-    <dgm:txLinClrLst/>
-    <dgm:txFillClrLst/>
-    <dgm:txEffectClrLst/>
-  </dgm:styleLbl>
-  <dgm:styleLbl name="sibTrans1D1">
-    <dgm:fillClrLst meth="repeat">
-      <a:schemeClr val="accent1"/>
-    </dgm:fillClrLst>
-    <dgm:linClrLst meth="repeat">
-      <a:schemeClr val="accent1"/>
-    </dgm:linClrLst>
-    <dgm:effectClrLst/>
-    <dgm:txLinClrLst/>
-    <dgm:txFillClrLst meth="repeat">
-      <a:schemeClr val="tx1"/>
-    </dgm:txFillClrLst>
-    <dgm:txEffectClrLst/>
-  </dgm:styleLbl>
-  <dgm:styleLbl name="callout">
-    <dgm:fillClrLst meth="repeat">
-      <a:schemeClr val="accent1"/>
-    </dgm:fillClrLst>
-    <dgm:linClrLst meth="repeat">
-      <a:schemeClr val="accent1">
-        <a:tint val="50000"/>
-      </a:schemeClr>
-    </dgm:linClrLst>
-    <dgm:effectClrLst/>
-    <dgm:txLinClrLst/>
-    <dgm:txFillClrLst meth="repeat">
-      <a:schemeClr val="tx1"/>
-    </dgm:txFillClrLst>
-    <dgm:txEffectClrLst/>
-  </dgm:styleLbl>
-  <dgm:styleLbl name="asst0">
-    <dgm:fillClrLst meth="repeat">
-      <a:schemeClr val="accent1"/>
-    </dgm:fillClrLst>
-    <dgm:linClrLst meth="repeat">
-      <a:schemeClr val="lt1"/>
-    </dgm:linClrLst>
-    <dgm:effectClrLst/>
-    <dgm:txLinClrLst/>
-    <dgm:txFillClrLst/>
-    <dgm:txEffectClrLst/>
-  </dgm:styleLbl>
-  <dgm:styleLbl name="asst1">
-    <dgm:fillClrLst meth="repeat">
-      <a:schemeClr val="accent1"/>
-    </dgm:fillClrLst>
-    <dgm:linClrLst meth="repeat">
-      <a:schemeClr val="lt1"/>
-    </dgm:linClrLst>
-    <dgm:effectClrLst/>
-    <dgm:txLinClrLst/>
-    <dgm:txFillClrLst/>
-    <dgm:txEffectClrLst/>
-  </dgm:styleLbl>
-  <dgm:styleLbl name="asst2">
-    <dgm:fillClrLst meth="repeat">
-      <a:schemeClr val="accent1"/>
-    </dgm:fillClrLst>
-    <dgm:linClrLst meth="repeat">
-      <a:schemeClr val="lt1"/>
-    </dgm:linClrLst>
-    <dgm:effectClrLst/>
-    <dgm:txLinClrLst/>
-    <dgm:txFillClrLst/>
-    <dgm:txEffectClrLst/>
-  </dgm:styleLbl>
-  <dgm:styleLbl name="asst3">
-    <dgm:fillClrLst meth="repeat">
-      <a:schemeClr val="accent1"/>
-    </dgm:fillClrLst>
-    <dgm:linClrLst meth="repeat">
-      <a:schemeClr val="lt1"/>
-    </dgm:linClrLst>
-    <dgm:effectClrLst/>
-    <dgm:txLinClrLst/>
-    <dgm:txFillClrLst/>
-    <dgm:txEffectClrLst/>
-  </dgm:styleLbl>
-  <dgm:styleLbl name="asst4">
-    <dgm:fillClrLst meth="repeat">
-      <a:schemeClr val="accent1"/>
-    </dgm:fillClrLst>
-    <dgm:linClrLst meth="repeat">
-      <a:schemeClr val="lt1"/>
-    </dgm:linClrLst>
-    <dgm:effectClrLst/>
-    <dgm:txLinClrLst/>
-    <dgm:txFillClrLst/>
-    <dgm:txEffectClrLst/>
-  </dgm:styleLbl>
-  <dgm:styleLbl name="parChTrans2D1">
-    <dgm:fillClrLst meth="repeat">
-      <a:schemeClr val="accent1">
-        <a:tint val="60000"/>
-      </a:schemeClr>
-    </dgm:fillClrLst>
-    <dgm:linClrLst meth="repeat">
-      <a:schemeClr val="accent1">
-        <a:tint val="60000"/>
-      </a:schemeClr>
-    </dgm:linClrLst>
-    <dgm:effectClrLst/>
-    <dgm:txLinClrLst/>
-    <dgm:txFillClrLst meth="repeat">
-      <a:schemeClr val="lt1"/>
-    </dgm:txFillClrLst>
-    <dgm:txEffectClrLst/>
-  </dgm:styleLbl>
-  <dgm:styleLbl name="parChTrans2D2">
-    <dgm:fillClrLst meth="repeat">
-      <a:schemeClr val="accent1"/>
-    </dgm:fillClrLst>
-    <dgm:linClrLst meth="repeat">
-      <a:schemeClr val="accent1"/>
-    </dgm:linClrLst>
-    <dgm:effectClrLst/>
-    <dgm:txLinClrLst/>
-    <dgm:txFillClrLst meth="repeat">
-      <a:schemeClr val="lt1"/>
-    </dgm:txFillClrLst>
-    <dgm:txEffectClrLst/>
-  </dgm:styleLbl>
-  <dgm:styleLbl name="parChTrans2D3">
-    <dgm:fillClrLst meth="repeat">
-      <a:schemeClr val="accent1"/>
-    </dgm:fillClrLst>
-    <dgm:linClrLst meth="repeat">
-      <a:schemeClr val="accent1"/>
-    </dgm:linClrLst>
-    <dgm:effectClrLst/>
-    <dgm:txLinClrLst/>
-    <dgm:txFillClrLst meth="repeat">
-      <a:schemeClr val="lt1"/>
-    </dgm:txFillClrLst>
-    <dgm:txEffectClrLst/>
-  </dgm:styleLbl>
-  <dgm:styleLbl name="parChTrans2D4">
-    <dgm:fillClrLst meth="repeat">
-      <a:schemeClr val="accent1"/>
-    </dgm:fillClrLst>
-    <dgm:linClrLst meth="repeat">
-      <a:schemeClr val="accent1"/>
-    </dgm:linClrLst>
-    <dgm:effectClrLst/>
-    <dgm:txLinClrLst/>
-    <dgm:txFillClrLst meth="repeat">
-      <a:schemeClr val="lt1"/>
-    </dgm:txFillClrLst>
-    <dgm:txEffectClrLst/>
-  </dgm:styleLbl>
-  <dgm:styleLbl name="parChTrans1D1">
-    <dgm:fillClrLst meth="repeat">
-      <a:schemeClr val="accent1"/>
-    </dgm:fillClrLst>
-    <dgm:linClrLst meth="repeat">
-      <a:schemeClr val="accent1">
-        <a:shade val="60000"/>
-      </a:schemeClr>
-    </dgm:linClrLst>
-    <dgm:effectClrLst/>
-    <dgm:txLinClrLst/>
-    <dgm:txFillClrLst meth="repeat">
-      <a:schemeClr val="tx1"/>
-    </dgm:txFillClrLst>
-    <dgm:txEffectClrLst/>
-  </dgm:styleLbl>
-  <dgm:styleLbl name="parChTrans1D2">
-    <dgm:fillClrLst meth="repeat">
-      <a:schemeClr val="accent1"/>
-    </dgm:fillClrLst>
-    <dgm:linClrLst meth="repeat">
-      <a:schemeClr val="accent1">
-        <a:shade val="60000"/>
-      </a:schemeClr>
-    </dgm:linClrLst>
-    <dgm:effectClrLst/>
-    <dgm:txLinClrLst/>
-    <dgm:txFillClrLst meth="repeat">
-      <a:schemeClr val="tx1"/>
-    </dgm:txFillClrLst>
-    <dgm:txEffectClrLst/>
-  </dgm:styleLbl>
-  <dgm:styleLbl name="parChTrans1D3">
-    <dgm:fillClrLst meth="repeat">
-      <a:schemeClr val="accent1"/>
-    </dgm:fillClrLst>
-    <dgm:linClrLst meth="repeat">
-      <a:schemeClr val="accent1">
-        <a:shade val="80000"/>
-      </a:schemeClr>
-    </dgm:linClrLst>
-    <dgm:effectClrLst/>
-    <dgm:txLinClrLst/>
-    <dgm:txFillClrLst meth="repeat">
-      <a:schemeClr val="tx1"/>
-    </dgm:txFillClrLst>
-    <dgm:txEffectClrLst/>
-  </dgm:styleLbl>
-  <dgm:styleLbl name="parChTrans1D4">
-    <dgm:fillClrLst meth="repeat">
-      <a:schemeClr val="accent1"/>
-    </dgm:fillClrLst>
-    <dgm:linClrLst meth="repeat">
-      <a:schemeClr val="accent1">
-        <a:shade val="80000"/>
-      </a:schemeClr>
-    </dgm:linClrLst>
-    <dgm:effectClrLst/>
-    <dgm:txLinClrLst/>
-    <dgm:txFillClrLst meth="repeat">
-      <a:schemeClr val="tx1"/>
-    </dgm:txFillClrLst>
-    <dgm:txEffectClrLst/>
-  </dgm:styleLbl>
-  <dgm:styleLbl name="fgAcc1">
-    <dgm:fillClrLst meth="repeat">
-      <a:schemeClr val="lt1">
-        <a:alpha val="90000"/>
-      </a:schemeClr>
-    </dgm:fillClrLst>
-    <dgm:linClrLst meth="repeat">
-      <a:schemeClr val="accent1"/>
-    </dgm:linClrLst>
-    <dgm:effectClrLst/>
-    <dgm:txLinClrLst/>
-    <dgm:txFillClrLst meth="repeat">
-      <a:schemeClr val="dk1"/>
-    </dgm:txFillClrLst>
-    <dgm:txEffectClrLst/>
-  </dgm:styleLbl>
-  <dgm:styleLbl name="conFgAcc1">
-    <dgm:fillClrLst meth="repeat">
-      <a:schemeClr val="lt1">
-        <a:alpha val="90000"/>
-      </a:schemeClr>
-    </dgm:fillClrLst>
-    <dgm:linClrLst meth="repeat">
-      <a:schemeClr val="accent1"/>
-    </dgm:linClrLst>
-    <dgm:effectClrLst/>
-    <dgm:txLinClrLst/>
-    <dgm:txFillClrLst meth="repeat">
-      <a:schemeClr val="dk1"/>
-    </dgm:txFillClrLst>
-    <dgm:txEffectClrLst/>
-  </dgm:styleLbl>
-  <dgm:styleLbl name="alignAcc1">
-    <dgm:fillClrLst meth="repeat">
-      <a:schemeClr val="lt1">
-        <a:alpha val="90000"/>
-      </a:schemeClr>
-    </dgm:fillClrLst>
-    <dgm:linClrLst meth="repeat">
-      <a:schemeClr val="accent1"/>
-    </dgm:linClrLst>
-    <dgm:effectClrLst/>
-    <dgm:txLinClrLst/>
-    <dgm:txFillClrLst meth="repeat">
-      <a:schemeClr val="dk1"/>
-    </dgm:txFillClrLst>
-    <dgm:txEffectClrLst/>
-  </dgm:styleLbl>
-  <dgm:styleLbl name="trAlignAcc1">
-    <dgm:fillClrLst meth="repeat">
-      <a:schemeClr val="lt1">
-        <a:alpha val="40000"/>
-      </a:schemeClr>
-    </dgm:fillClrLst>
-    <dgm:linClrLst meth="repeat">
-      <a:schemeClr val="accent1"/>
-    </dgm:linClrLst>
-    <dgm:effectClrLst/>
-    <dgm:txLinClrLst/>
-    <dgm:txFillClrLst meth="repeat">
-      <a:schemeClr val="dk1"/>
-    </dgm:txFillClrLst>
-    <dgm:txEffectClrLst/>
-  </dgm:styleLbl>
-  <dgm:styleLbl name="bgAcc1">
-    <dgm:fillClrLst meth="repeat">
-      <a:schemeClr val="lt1">
-        <a:alpha val="90000"/>
-      </a:schemeClr>
-    </dgm:fillClrLst>
-    <dgm:linClrLst meth="repeat">
-      <a:schemeClr val="accent1"/>
-    </dgm:linClrLst>
-    <dgm:effectClrLst/>
-    <dgm:txLinClrLst/>
-    <dgm:txFillClrLst meth="repeat">
-      <a:schemeClr val="dk1"/>
-    </dgm:txFillClrLst>
-    <dgm:txEffectClrLst/>
-  </dgm:styleLbl>
-  <dgm:styleLbl name="solidFgAcc1">
-    <dgm:fillClrLst meth="repeat">
-      <a:schemeClr val="lt1"/>
-    </dgm:fillClrLst>
-    <dgm:linClrLst meth="repeat">
-      <a:schemeClr val="accent1"/>
-    </dgm:linClrLst>
-    <dgm:effectClrLst/>
-    <dgm:txLinClrLst/>
-    <dgm:txFillClrLst meth="repeat">
-      <a:schemeClr val="dk1"/>
-    </dgm:txFillClrLst>
-    <dgm:txEffectClrLst/>
-  </dgm:styleLbl>
-  <dgm:styleLbl name="solidAlignAcc1">
-    <dgm:fillClrLst meth="repeat">
-      <a:schemeClr val="lt1"/>
-    </dgm:fillClrLst>
-    <dgm:linClrLst meth="repeat">
-      <a:schemeClr val="accent1"/>
-    </dgm:linClrLst>
-    <dgm:effectClrLst/>
-    <dgm:txLinClrLst/>
-    <dgm:txFillClrLst meth="repeat">
-      <a:schemeClr val="dk1"/>
-    </dgm:txFillClrLst>
-    <dgm:txEffectClrLst/>
-  </dgm:styleLbl>
-  <dgm:styleLbl name="solidBgAcc1">
-    <dgm:fillClrLst meth="repeat">
-      <a:schemeClr val="lt1"/>
-    </dgm:fillClrLst>
-    <dgm:linClrLst meth="repeat">
-      <a:schemeClr val="accent1"/>
-    </dgm:linClrLst>
-    <dgm:effectClrLst/>
-    <dgm:txLinClrLst/>
-    <dgm:txFillClrLst meth="repeat">
-      <a:schemeClr val="dk1"/>
-    </dgm:txFillClrLst>
-    <dgm:txEffectClrLst/>
-  </dgm:styleLbl>
-  <dgm:styleLbl name="fgAccFollowNode1">
-    <dgm:fillClrLst meth="repeat">
-      <a:schemeClr val="accent1">
-        <a:alpha val="90000"/>
-        <a:tint val="40000"/>
-      </a:schemeClr>
-    </dgm:fillClrLst>
-    <dgm:linClrLst meth="repeat">
-      <a:schemeClr val="accent1">
-        <a:alpha val="90000"/>
-        <a:tint val="40000"/>
-      </a:schemeClr>
-    </dgm:linClrLst>
-    <dgm:effectClrLst/>
-    <dgm:txLinClrLst/>
-    <dgm:txFillClrLst meth="repeat">
-      <a:schemeClr val="dk1"/>
-    </dgm:txFillClrLst>
-    <dgm:txEffectClrLst/>
-  </dgm:styleLbl>
-  <dgm:styleLbl name="alignAccFollowNode1">
-    <dgm:fillClrLst meth="repeat">
-      <a:schemeClr val="accent1">
-        <a:alpha val="90000"/>
-        <a:tint val="40000"/>
-      </a:schemeClr>
-    </dgm:fillClrLst>
-    <dgm:linClrLst meth="repeat">
-      <a:schemeClr val="accent1">
-        <a:alpha val="90000"/>
-        <a:tint val="40000"/>
-      </a:schemeClr>
-    </dgm:linClrLst>
-    <dgm:effectClrLst/>
-    <dgm:txLinClrLst/>
-    <dgm:txFillClrLst meth="repeat">
-      <a:schemeClr val="dk1"/>
-    </dgm:txFillClrLst>
-    <dgm:txEffectClrLst/>
-  </dgm:styleLbl>
-  <dgm:styleLbl name="bgAccFollowNode1">
-    <dgm:fillClrLst meth="repeat">
-      <a:schemeClr val="accent1">
-        <a:alpha val="90000"/>
-        <a:tint val="40000"/>
-      </a:schemeClr>
-    </dgm:fillClrLst>
-    <dgm:linClrLst meth="repeat">
-      <a:schemeClr val="accent1">
-        <a:alpha val="90000"/>
-        <a:tint val="40000"/>
-      </a:schemeClr>
-    </dgm:linClrLst>
-    <dgm:effectClrLst/>
-    <dgm:txLinClrLst/>
-    <dgm:txFillClrLst meth="repeat">
-      <a:schemeClr val="dk1"/>
-    </dgm:txFillClrLst>
-    <dgm:txEffectClrLst/>
-  </dgm:styleLbl>
-  <dgm:styleLbl name="fgAcc0">
-    <dgm:fillClrLst meth="repeat">
-      <a:schemeClr val="lt1">
-        <a:alpha val="90000"/>
-      </a:schemeClr>
-    </dgm:fillClrLst>
-    <dgm:linClrLst meth="repeat">
-      <a:schemeClr val="accent1"/>
-    </dgm:linClrLst>
-    <dgm:effectClrLst/>
-    <dgm:txLinClrLst/>
-    <dgm:txFillClrLst meth="repeat">
-      <a:schemeClr val="dk1"/>
-    </dgm:txFillClrLst>
-    <dgm:txEffectClrLst/>
-  </dgm:styleLbl>
-  <dgm:styleLbl name="fgAcc2">
-    <dgm:fillClrLst meth="repeat">
-      <a:schemeClr val="lt1">
-        <a:alpha val="90000"/>
-      </a:schemeClr>
-    </dgm:fillClrLst>
-    <dgm:linClrLst meth="repeat">
-      <a:schemeClr val="accent1"/>
-    </dgm:linClrLst>
-    <dgm:effectClrLst/>
-    <dgm:txLinClrLst/>
-    <dgm:txFillClrLst meth="repeat">
-      <a:schemeClr val="dk1"/>
-    </dgm:txFillClrLst>
-    <dgm:txEffectClrLst/>
-  </dgm:styleLbl>
-  <dgm:styleLbl name="fgAcc3">
-    <dgm:fillClrLst meth="repeat">
-      <a:schemeClr val="lt1">
-        <a:alpha val="90000"/>
-      </a:schemeClr>
-    </dgm:fillClrLst>
-    <dgm:linClrLst meth="repeat">
-      <a:schemeClr val="accent1"/>
-    </dgm:linClrLst>
-    <dgm:effectClrLst/>
-    <dgm:txLinClrLst/>
-    <dgm:txFillClrLst meth="repeat">
-      <a:schemeClr val="dk1"/>
-    </dgm:txFillClrLst>
-    <dgm:txEffectClrLst/>
-  </dgm:styleLbl>
-  <dgm:styleLbl name="fgAcc4">
-    <dgm:fillClrLst meth="repeat">
-      <a:schemeClr val="lt1">
-        <a:alpha val="90000"/>
-      </a:schemeClr>
-    </dgm:fillClrLst>
-    <dgm:linClrLst meth="repeat">
-      <a:schemeClr val="accent1"/>
-    </dgm:linClrLst>
-    <dgm:effectClrLst/>
-    <dgm:txLinClrLst/>
-    <dgm:txFillClrLst meth="repeat">
-      <a:schemeClr val="dk1"/>
-    </dgm:txFillClrLst>
-    <dgm:txEffectClrLst/>
-  </dgm:styleLbl>
-  <dgm:styleLbl name="bgShp">
-    <dgm:fillClrLst meth="repeat">
-      <a:schemeClr val="accent1">
-        <a:tint val="40000"/>
-      </a:schemeClr>
-    </dgm:fillClrLst>
-    <dgm:linClrLst meth="repeat">
-      <a:schemeClr val="accent1"/>
-    </dgm:linClrLst>
-    <dgm:effectClrLst/>
-    <dgm:txLinClrLst/>
-    <dgm:txFillClrLst meth="repeat">
-      <a:schemeClr val="dk1"/>
-    </dgm:txFillClrLst>
-    <dgm:txEffectClrLst/>
-  </dgm:styleLbl>
-  <dgm:styleLbl name="dkBgShp">
-    <dgm:fillClrLst meth="repeat">
-      <a:schemeClr val="accent1">
-        <a:shade val="80000"/>
-      </a:schemeClr>
-    </dgm:fillClrLst>
-    <dgm:linClrLst meth="repeat">
-      <a:schemeClr val="accent1"/>
-    </dgm:linClrLst>
-    <dgm:effectClrLst/>
-    <dgm:txLinClrLst/>
-    <dgm:txFillClrLst meth="repeat">
-      <a:schemeClr val="lt1"/>
-    </dgm:txFillClrLst>
-    <dgm:txEffectClrLst/>
-  </dgm:styleLbl>
-  <dgm:styleLbl name="trBgShp">
-    <dgm:fillClrLst meth="repeat">
-      <a:schemeClr val="accent1">
-        <a:tint val="50000"/>
-        <a:alpha val="40000"/>
-      </a:schemeClr>
-    </dgm:fillClrLst>
-    <dgm:linClrLst meth="repeat">
-      <a:schemeClr val="accent1"/>
-    </dgm:linClrLst>
-    <dgm:effectClrLst/>
-    <dgm:txLinClrLst/>
-    <dgm:txFillClrLst meth="repeat">
-      <a:schemeClr val="lt1"/>
-    </dgm:txFillClrLst>
-    <dgm:txEffectClrLst/>
-  </dgm:styleLbl>
-  <dgm:styleLbl name="fgShp">
-    <dgm:fillClrLst meth="repeat">
-      <a:schemeClr val="accent1">
-        <a:tint val="60000"/>
-      </a:schemeClr>
-    </dgm:fillClrLst>
-    <dgm:linClrLst meth="repeat">
-      <a:schemeClr val="lt1"/>
-    </dgm:linClrLst>
-    <dgm:effectClrLst/>
-    <dgm:txLinClrLst/>
-    <dgm:txFillClrLst meth="repeat">
-      <a:schemeClr val="dk1"/>
-    </dgm:txFillClrLst>
-    <dgm:txEffectClrLst/>
-  </dgm:styleLbl>
-  <dgm:styleLbl name="revTx">
-    <dgm:fillClrLst meth="repeat">
-      <a:schemeClr val="lt1">
-        <a:alpha val="0"/>
-      </a:schemeClr>
-    </dgm:fillClrLst>
-    <dgm:linClrLst meth="repeat">
-      <a:schemeClr val="dk1">
-        <a:alpha val="0"/>
-      </a:schemeClr>
-    </dgm:linClrLst>
-    <dgm:effectClrLst/>
-    <dgm:txLinClrLst/>
-    <dgm:txFillClrLst meth="repeat">
-      <a:schemeClr val="tx1"/>
-    </dgm:txFillClrLst>
-    <dgm:txEffectClrLst/>
-  </dgm:styleLbl>
-</dgm:colorsDef>
-</file>
-
-<file path=ppt/diagrams/colors3.xml><?xml version="1.0" encoding="utf-8"?>
 <dgm:colorsDef xmlns:dgm="http://schemas.openxmlformats.org/drawingml/2006/diagram" xmlns:a="http://schemas.openxmlformats.org/drawingml/2006/main" uniqueId="urn:microsoft.com/office/officeart/2005/8/colors/accent1_3">
   <dgm:title val=""/>
   <dgm:desc val=""/>
@@ -2497,338 +1748,6 @@
 <file path=ppt/diagrams/data1.xml><?xml version="1.0" encoding="utf-8"?>
 <dgm:dataModel xmlns:dgm="http://schemas.openxmlformats.org/drawingml/2006/diagram" xmlns:a="http://schemas.openxmlformats.org/drawingml/2006/main">
   <dgm:ptLst>
-    <dgm:pt modelId="{53C4036B-3254-40A9-B0BD-E6F9AFAE141A}" type="doc">
-      <dgm:prSet loTypeId="urn:microsoft.com/office/officeart/2005/8/layout/hProcess9" loCatId="process" qsTypeId="urn:microsoft.com/office/officeart/2005/8/quickstyle/simple1" qsCatId="simple" csTypeId="urn:microsoft.com/office/officeart/2005/8/colors/accent1_2" csCatId="accent1" phldr="1"/>
-      <dgm:spPr/>
-    </dgm:pt>
-    <dgm:pt modelId="{19778A7B-FD12-4C13-9C9A-F10E8890255F}">
-      <dgm:prSet phldrT="[Text]"/>
-      <dgm:spPr/>
-      <dgm:t>
-        <a:bodyPr/>
-        <a:lstStyle/>
-        <a:p>
-          <a:r>
-            <a:rPr lang="en-US" dirty="0"/>
-            <a:t>Tweets</a:t>
-          </a:r>
-        </a:p>
-      </dgm:t>
-    </dgm:pt>
-    <dgm:pt modelId="{F36B9CD2-BF05-4FE8-A173-52BCAD44348C}" type="parTrans" cxnId="{239CB334-41C4-44D2-BFEE-5D145CD476D6}">
-      <dgm:prSet/>
-      <dgm:spPr/>
-      <dgm:t>
-        <a:bodyPr/>
-        <a:lstStyle/>
-        <a:p>
-          <a:endParaRPr lang="en-US"/>
-        </a:p>
-      </dgm:t>
-    </dgm:pt>
-    <dgm:pt modelId="{C27190C5-EC90-4CAF-B390-35084BA58265}" type="sibTrans" cxnId="{239CB334-41C4-44D2-BFEE-5D145CD476D6}">
-      <dgm:prSet/>
-      <dgm:spPr/>
-      <dgm:t>
-        <a:bodyPr/>
-        <a:lstStyle/>
-        <a:p>
-          <a:endParaRPr lang="en-US"/>
-        </a:p>
-      </dgm:t>
-    </dgm:pt>
-    <dgm:pt modelId="{8A1C179A-59FF-4750-B495-D8BD22644107}">
-      <dgm:prSet phldrT="[Text]" phldr="1"/>
-      <dgm:spPr/>
-      <dgm:t>
-        <a:bodyPr/>
-        <a:lstStyle/>
-        <a:p>
-          <a:endParaRPr lang="en-US" dirty="0"/>
-        </a:p>
-      </dgm:t>
-    </dgm:pt>
-    <dgm:pt modelId="{76F5C572-AE66-4014-99B6-5766AB730B22}" type="parTrans" cxnId="{8184CFB5-78BB-4F75-BF5C-4FD948994683}">
-      <dgm:prSet/>
-      <dgm:spPr/>
-      <dgm:t>
-        <a:bodyPr/>
-        <a:lstStyle/>
-        <a:p>
-          <a:endParaRPr lang="en-US"/>
-        </a:p>
-      </dgm:t>
-    </dgm:pt>
-    <dgm:pt modelId="{D96AAFA4-4B8E-4336-8C7C-C1D6511E4C9D}" type="sibTrans" cxnId="{8184CFB5-78BB-4F75-BF5C-4FD948994683}">
-      <dgm:prSet/>
-      <dgm:spPr/>
-      <dgm:t>
-        <a:bodyPr/>
-        <a:lstStyle/>
-        <a:p>
-          <a:endParaRPr lang="en-US"/>
-        </a:p>
-      </dgm:t>
-    </dgm:pt>
-    <dgm:pt modelId="{4A1936EE-9052-4D7E-B299-981821E0B154}">
-      <dgm:prSet phldrT="[Text]" phldr="1"/>
-      <dgm:spPr/>
-      <dgm:t>
-        <a:bodyPr/>
-        <a:lstStyle/>
-        <a:p>
-          <a:endParaRPr lang="en-US" dirty="0"/>
-        </a:p>
-      </dgm:t>
-    </dgm:pt>
-    <dgm:pt modelId="{585DDFDA-3B0B-445A-A381-B45A17857CD8}" type="parTrans" cxnId="{76ACB643-E0FA-446D-80E8-06F0958A073B}">
-      <dgm:prSet/>
-      <dgm:spPr/>
-      <dgm:t>
-        <a:bodyPr/>
-        <a:lstStyle/>
-        <a:p>
-          <a:endParaRPr lang="en-US"/>
-        </a:p>
-      </dgm:t>
-    </dgm:pt>
-    <dgm:pt modelId="{D294CDAA-C924-4376-9F74-C69E4C6D146E}" type="sibTrans" cxnId="{76ACB643-E0FA-446D-80E8-06F0958A073B}">
-      <dgm:prSet/>
-      <dgm:spPr/>
-      <dgm:t>
-        <a:bodyPr/>
-        <a:lstStyle/>
-        <a:p>
-          <a:endParaRPr lang="en-US"/>
-        </a:p>
-      </dgm:t>
-    </dgm:pt>
-    <dgm:pt modelId="{46BDB9AB-D6E8-4BC2-8284-898AFEEB18EC}">
-      <dgm:prSet phldrT="[Text]"/>
-      <dgm:spPr/>
-      <dgm:t>
-        <a:bodyPr/>
-        <a:lstStyle/>
-        <a:p>
-          <a:endParaRPr lang="en-US" dirty="0"/>
-        </a:p>
-      </dgm:t>
-    </dgm:pt>
-    <dgm:pt modelId="{C12A8C5C-A684-424B-8F6A-A6B827CB0AA1}" type="parTrans" cxnId="{7227D202-41E8-485A-ACFC-558FBC6FA88D}">
-      <dgm:prSet/>
-      <dgm:spPr/>
-      <dgm:t>
-        <a:bodyPr/>
-        <a:lstStyle/>
-        <a:p>
-          <a:endParaRPr lang="en-US"/>
-        </a:p>
-      </dgm:t>
-    </dgm:pt>
-    <dgm:pt modelId="{80C8D187-5B48-4BA6-9E57-295EF609F674}" type="sibTrans" cxnId="{7227D202-41E8-485A-ACFC-558FBC6FA88D}">
-      <dgm:prSet/>
-      <dgm:spPr/>
-      <dgm:t>
-        <a:bodyPr/>
-        <a:lstStyle/>
-        <a:p>
-          <a:endParaRPr lang="en-US"/>
-        </a:p>
-      </dgm:t>
-    </dgm:pt>
-    <dgm:pt modelId="{34521409-94F4-4D4F-B649-70080873E82B}">
-      <dgm:prSet phldrT="[Text]"/>
-      <dgm:spPr/>
-      <dgm:t>
-        <a:bodyPr/>
-        <a:lstStyle/>
-        <a:p>
-          <a:endParaRPr lang="en-US" dirty="0"/>
-        </a:p>
-      </dgm:t>
-    </dgm:pt>
-    <dgm:pt modelId="{814E9308-F7AC-4E78-92CA-0DF2A456FD10}" type="parTrans" cxnId="{1BC4453B-0A2F-4025-87E7-6B3E58565514}">
-      <dgm:prSet/>
-      <dgm:spPr/>
-      <dgm:t>
-        <a:bodyPr/>
-        <a:lstStyle/>
-        <a:p>
-          <a:endParaRPr lang="en-US"/>
-        </a:p>
-      </dgm:t>
-    </dgm:pt>
-    <dgm:pt modelId="{7F428F40-6897-45B1-8AC2-FC3568A54D47}" type="sibTrans" cxnId="{1BC4453B-0A2F-4025-87E7-6B3E58565514}">
-      <dgm:prSet/>
-      <dgm:spPr/>
-      <dgm:t>
-        <a:bodyPr/>
-        <a:lstStyle/>
-        <a:p>
-          <a:endParaRPr lang="en-US"/>
-        </a:p>
-      </dgm:t>
-    </dgm:pt>
-    <dgm:pt modelId="{D4EE7CAC-0BD4-4606-A3B0-BC6726EBCB88}">
-      <dgm:prSet phldrT="[Text]"/>
-      <dgm:spPr/>
-      <dgm:t>
-        <a:bodyPr/>
-        <a:lstStyle/>
-        <a:p>
-          <a:endParaRPr lang="en-US" dirty="0"/>
-        </a:p>
-      </dgm:t>
-    </dgm:pt>
-    <dgm:pt modelId="{B3A0FF91-22E8-40E3-A6DA-7A215D011803}" type="parTrans" cxnId="{301B9C1A-2331-4753-9497-75435857AE20}">
-      <dgm:prSet/>
-      <dgm:spPr/>
-      <dgm:t>
-        <a:bodyPr/>
-        <a:lstStyle/>
-        <a:p>
-          <a:endParaRPr lang="en-US"/>
-        </a:p>
-      </dgm:t>
-    </dgm:pt>
-    <dgm:pt modelId="{F4D401E6-2875-4FB4-AF19-45F4EC997322}" type="sibTrans" cxnId="{301B9C1A-2331-4753-9497-75435857AE20}">
-      <dgm:prSet/>
-      <dgm:spPr/>
-      <dgm:t>
-        <a:bodyPr/>
-        <a:lstStyle/>
-        <a:p>
-          <a:endParaRPr lang="en-US"/>
-        </a:p>
-      </dgm:t>
-    </dgm:pt>
-    <dgm:pt modelId="{4C09E74C-5120-48BA-B087-A6E8F91FBE66}" type="pres">
-      <dgm:prSet presAssocID="{53C4036B-3254-40A9-B0BD-E6F9AFAE141A}" presName="CompostProcess" presStyleCnt="0">
-        <dgm:presLayoutVars>
-          <dgm:dir/>
-          <dgm:resizeHandles val="exact"/>
-        </dgm:presLayoutVars>
-      </dgm:prSet>
-      <dgm:spPr/>
-    </dgm:pt>
-    <dgm:pt modelId="{A40B1D93-2272-4B39-9378-06A7FF290D7C}" type="pres">
-      <dgm:prSet presAssocID="{53C4036B-3254-40A9-B0BD-E6F9AFAE141A}" presName="arrow" presStyleLbl="bgShp" presStyleIdx="0" presStyleCnt="1"/>
-      <dgm:spPr/>
-    </dgm:pt>
-    <dgm:pt modelId="{92712AB0-0CBE-4837-A209-43BD4B527C06}" type="pres">
-      <dgm:prSet presAssocID="{53C4036B-3254-40A9-B0BD-E6F9AFAE141A}" presName="linearProcess" presStyleCnt="0"/>
-      <dgm:spPr/>
-    </dgm:pt>
-    <dgm:pt modelId="{F4F57F76-D1E7-4588-9B60-30C93D15FA60}" type="pres">
-      <dgm:prSet presAssocID="{19778A7B-FD12-4C13-9C9A-F10E8890255F}" presName="textNode" presStyleLbl="node1" presStyleIdx="0" presStyleCnt="6">
-        <dgm:presLayoutVars>
-          <dgm:bulletEnabled val="1"/>
-        </dgm:presLayoutVars>
-      </dgm:prSet>
-      <dgm:spPr/>
-    </dgm:pt>
-    <dgm:pt modelId="{751E1072-CF0A-45F3-B735-5FA083AA6634}" type="pres">
-      <dgm:prSet presAssocID="{C27190C5-EC90-4CAF-B390-35084BA58265}" presName="sibTrans" presStyleCnt="0"/>
-      <dgm:spPr/>
-    </dgm:pt>
-    <dgm:pt modelId="{BF90CF63-D497-4F1F-B6AB-719B004C59FE}" type="pres">
-      <dgm:prSet presAssocID="{8A1C179A-59FF-4750-B495-D8BD22644107}" presName="textNode" presStyleLbl="node1" presStyleIdx="1" presStyleCnt="6">
-        <dgm:presLayoutVars>
-          <dgm:bulletEnabled val="1"/>
-        </dgm:presLayoutVars>
-      </dgm:prSet>
-      <dgm:spPr/>
-    </dgm:pt>
-    <dgm:pt modelId="{DC1A98D4-8656-4C9B-AF57-682634445D90}" type="pres">
-      <dgm:prSet presAssocID="{D96AAFA4-4B8E-4336-8C7C-C1D6511E4C9D}" presName="sibTrans" presStyleCnt="0"/>
-      <dgm:spPr/>
-    </dgm:pt>
-    <dgm:pt modelId="{DB3D4FDE-4C9B-48D7-B212-4B70B3B30472}" type="pres">
-      <dgm:prSet presAssocID="{4A1936EE-9052-4D7E-B299-981821E0B154}" presName="textNode" presStyleLbl="node1" presStyleIdx="2" presStyleCnt="6">
-        <dgm:presLayoutVars>
-          <dgm:bulletEnabled val="1"/>
-        </dgm:presLayoutVars>
-      </dgm:prSet>
-      <dgm:spPr/>
-    </dgm:pt>
-    <dgm:pt modelId="{486C5CF0-EBF9-433D-8BA9-1995CF5960A2}" type="pres">
-      <dgm:prSet presAssocID="{D294CDAA-C924-4376-9F74-C69E4C6D146E}" presName="sibTrans" presStyleCnt="0"/>
-      <dgm:spPr/>
-    </dgm:pt>
-    <dgm:pt modelId="{08657EB2-0DF2-401B-9CAF-EABD5BCE458B}" type="pres">
-      <dgm:prSet presAssocID="{34521409-94F4-4D4F-B649-70080873E82B}" presName="textNode" presStyleLbl="node1" presStyleIdx="3" presStyleCnt="6">
-        <dgm:presLayoutVars>
-          <dgm:bulletEnabled val="1"/>
-        </dgm:presLayoutVars>
-      </dgm:prSet>
-      <dgm:spPr/>
-    </dgm:pt>
-    <dgm:pt modelId="{656B7615-CDAE-4F1B-B4F9-366270821A0F}" type="pres">
-      <dgm:prSet presAssocID="{7F428F40-6897-45B1-8AC2-FC3568A54D47}" presName="sibTrans" presStyleCnt="0"/>
-      <dgm:spPr/>
-    </dgm:pt>
-    <dgm:pt modelId="{929B4F05-4FEB-4C04-9CB7-E7D7C949337C}" type="pres">
-      <dgm:prSet presAssocID="{D4EE7CAC-0BD4-4606-A3B0-BC6726EBCB88}" presName="textNode" presStyleLbl="node1" presStyleIdx="4" presStyleCnt="6">
-        <dgm:presLayoutVars>
-          <dgm:bulletEnabled val="1"/>
-        </dgm:presLayoutVars>
-      </dgm:prSet>
-      <dgm:spPr/>
-    </dgm:pt>
-    <dgm:pt modelId="{6727479D-5C6A-4D8B-90C9-6409A4E0F3F8}" type="pres">
-      <dgm:prSet presAssocID="{F4D401E6-2875-4FB4-AF19-45F4EC997322}" presName="sibTrans" presStyleCnt="0"/>
-      <dgm:spPr/>
-    </dgm:pt>
-    <dgm:pt modelId="{22280DE5-4AFC-4FE0-8F8D-4B72D51BCDCF}" type="pres">
-      <dgm:prSet presAssocID="{46BDB9AB-D6E8-4BC2-8284-898AFEEB18EC}" presName="textNode" presStyleLbl="node1" presStyleIdx="5" presStyleCnt="6">
-        <dgm:presLayoutVars>
-          <dgm:bulletEnabled val="1"/>
-        </dgm:presLayoutVars>
-      </dgm:prSet>
-      <dgm:spPr/>
-    </dgm:pt>
-  </dgm:ptLst>
-  <dgm:cxnLst>
-    <dgm:cxn modelId="{D0ACC501-C362-4C4A-A2F6-9FB7FB8322C2}" type="presOf" srcId="{34521409-94F4-4D4F-B649-70080873E82B}" destId="{08657EB2-0DF2-401B-9CAF-EABD5BCE458B}" srcOrd="0" destOrd="0" presId="urn:microsoft.com/office/officeart/2005/8/layout/hProcess9"/>
-    <dgm:cxn modelId="{7227D202-41E8-485A-ACFC-558FBC6FA88D}" srcId="{53C4036B-3254-40A9-B0BD-E6F9AFAE141A}" destId="{46BDB9AB-D6E8-4BC2-8284-898AFEEB18EC}" srcOrd="5" destOrd="0" parTransId="{C12A8C5C-A684-424B-8F6A-A6B827CB0AA1}" sibTransId="{80C8D187-5B48-4BA6-9E57-295EF609F674}"/>
-    <dgm:cxn modelId="{301B9C1A-2331-4753-9497-75435857AE20}" srcId="{53C4036B-3254-40A9-B0BD-E6F9AFAE141A}" destId="{D4EE7CAC-0BD4-4606-A3B0-BC6726EBCB88}" srcOrd="4" destOrd="0" parTransId="{B3A0FF91-22E8-40E3-A6DA-7A215D011803}" sibTransId="{F4D401E6-2875-4FB4-AF19-45F4EC997322}"/>
-    <dgm:cxn modelId="{9677791E-DE58-4A0A-A6E4-F164A971F709}" type="presOf" srcId="{D4EE7CAC-0BD4-4606-A3B0-BC6726EBCB88}" destId="{929B4F05-4FEB-4C04-9CB7-E7D7C949337C}" srcOrd="0" destOrd="0" presId="urn:microsoft.com/office/officeart/2005/8/layout/hProcess9"/>
-    <dgm:cxn modelId="{239CB334-41C4-44D2-BFEE-5D145CD476D6}" srcId="{53C4036B-3254-40A9-B0BD-E6F9AFAE141A}" destId="{19778A7B-FD12-4C13-9C9A-F10E8890255F}" srcOrd="0" destOrd="0" parTransId="{F36B9CD2-BF05-4FE8-A173-52BCAD44348C}" sibTransId="{C27190C5-EC90-4CAF-B390-35084BA58265}"/>
-    <dgm:cxn modelId="{1BC4453B-0A2F-4025-87E7-6B3E58565514}" srcId="{53C4036B-3254-40A9-B0BD-E6F9AFAE141A}" destId="{34521409-94F4-4D4F-B649-70080873E82B}" srcOrd="3" destOrd="0" parTransId="{814E9308-F7AC-4E78-92CA-0DF2A456FD10}" sibTransId="{7F428F40-6897-45B1-8AC2-FC3568A54D47}"/>
-    <dgm:cxn modelId="{2739A85D-5AF4-4E41-BC91-4698DEAC2A0F}" type="presOf" srcId="{46BDB9AB-D6E8-4BC2-8284-898AFEEB18EC}" destId="{22280DE5-4AFC-4FE0-8F8D-4B72D51BCDCF}" srcOrd="0" destOrd="0" presId="urn:microsoft.com/office/officeart/2005/8/layout/hProcess9"/>
-    <dgm:cxn modelId="{76ACB643-E0FA-446D-80E8-06F0958A073B}" srcId="{53C4036B-3254-40A9-B0BD-E6F9AFAE141A}" destId="{4A1936EE-9052-4D7E-B299-981821E0B154}" srcOrd="2" destOrd="0" parTransId="{585DDFDA-3B0B-445A-A381-B45A17857CD8}" sibTransId="{D294CDAA-C924-4376-9F74-C69E4C6D146E}"/>
-    <dgm:cxn modelId="{B3986447-3D7D-4536-BB25-025ED7D7EA01}" type="presOf" srcId="{19778A7B-FD12-4C13-9C9A-F10E8890255F}" destId="{F4F57F76-D1E7-4588-9B60-30C93D15FA60}" srcOrd="0" destOrd="0" presId="urn:microsoft.com/office/officeart/2005/8/layout/hProcess9"/>
-    <dgm:cxn modelId="{0BDFA24C-B7A8-4C15-A6D5-209EB3F00478}" type="presOf" srcId="{53C4036B-3254-40A9-B0BD-E6F9AFAE141A}" destId="{4C09E74C-5120-48BA-B087-A6E8F91FBE66}" srcOrd="0" destOrd="0" presId="urn:microsoft.com/office/officeart/2005/8/layout/hProcess9"/>
-    <dgm:cxn modelId="{8184CFB5-78BB-4F75-BF5C-4FD948994683}" srcId="{53C4036B-3254-40A9-B0BD-E6F9AFAE141A}" destId="{8A1C179A-59FF-4750-B495-D8BD22644107}" srcOrd="1" destOrd="0" parTransId="{76F5C572-AE66-4014-99B6-5766AB730B22}" sibTransId="{D96AAFA4-4B8E-4336-8C7C-C1D6511E4C9D}"/>
-    <dgm:cxn modelId="{109C4CCD-728A-4788-B09F-FEC3EFA4D5E1}" type="presOf" srcId="{4A1936EE-9052-4D7E-B299-981821E0B154}" destId="{DB3D4FDE-4C9B-48D7-B212-4B70B3B30472}" srcOrd="0" destOrd="0" presId="urn:microsoft.com/office/officeart/2005/8/layout/hProcess9"/>
-    <dgm:cxn modelId="{68C7EEE7-912A-419C-B71C-D1B9CC5B772D}" type="presOf" srcId="{8A1C179A-59FF-4750-B495-D8BD22644107}" destId="{BF90CF63-D497-4F1F-B6AB-719B004C59FE}" srcOrd="0" destOrd="0" presId="urn:microsoft.com/office/officeart/2005/8/layout/hProcess9"/>
-    <dgm:cxn modelId="{35206AC4-F153-41E1-B754-27973F76AE44}" type="presParOf" srcId="{4C09E74C-5120-48BA-B087-A6E8F91FBE66}" destId="{A40B1D93-2272-4B39-9378-06A7FF290D7C}" srcOrd="0" destOrd="0" presId="urn:microsoft.com/office/officeart/2005/8/layout/hProcess9"/>
-    <dgm:cxn modelId="{8C15F173-EDA3-43E6-9809-E4D1345016AD}" type="presParOf" srcId="{4C09E74C-5120-48BA-B087-A6E8F91FBE66}" destId="{92712AB0-0CBE-4837-A209-43BD4B527C06}" srcOrd="1" destOrd="0" presId="urn:microsoft.com/office/officeart/2005/8/layout/hProcess9"/>
-    <dgm:cxn modelId="{0A36B690-C81D-44C4-9A78-078790E60E16}" type="presParOf" srcId="{92712AB0-0CBE-4837-A209-43BD4B527C06}" destId="{F4F57F76-D1E7-4588-9B60-30C93D15FA60}" srcOrd="0" destOrd="0" presId="urn:microsoft.com/office/officeart/2005/8/layout/hProcess9"/>
-    <dgm:cxn modelId="{083565B3-BCF9-44C8-9BE9-2197FAB681D3}" type="presParOf" srcId="{92712AB0-0CBE-4837-A209-43BD4B527C06}" destId="{751E1072-CF0A-45F3-B735-5FA083AA6634}" srcOrd="1" destOrd="0" presId="urn:microsoft.com/office/officeart/2005/8/layout/hProcess9"/>
-    <dgm:cxn modelId="{CC94378C-E680-4DD5-A7E0-06B0D6EC30BD}" type="presParOf" srcId="{92712AB0-0CBE-4837-A209-43BD4B527C06}" destId="{BF90CF63-D497-4F1F-B6AB-719B004C59FE}" srcOrd="2" destOrd="0" presId="urn:microsoft.com/office/officeart/2005/8/layout/hProcess9"/>
-    <dgm:cxn modelId="{18BE55F6-5767-40BB-AF5E-8225B4F890A8}" type="presParOf" srcId="{92712AB0-0CBE-4837-A209-43BD4B527C06}" destId="{DC1A98D4-8656-4C9B-AF57-682634445D90}" srcOrd="3" destOrd="0" presId="urn:microsoft.com/office/officeart/2005/8/layout/hProcess9"/>
-    <dgm:cxn modelId="{D1BC9157-9A37-477D-88D3-17E9D1146B7E}" type="presParOf" srcId="{92712AB0-0CBE-4837-A209-43BD4B527C06}" destId="{DB3D4FDE-4C9B-48D7-B212-4B70B3B30472}" srcOrd="4" destOrd="0" presId="urn:microsoft.com/office/officeart/2005/8/layout/hProcess9"/>
-    <dgm:cxn modelId="{98799D3A-C5AB-4494-99B6-F1700653AA6C}" type="presParOf" srcId="{92712AB0-0CBE-4837-A209-43BD4B527C06}" destId="{486C5CF0-EBF9-433D-8BA9-1995CF5960A2}" srcOrd="5" destOrd="0" presId="urn:microsoft.com/office/officeart/2005/8/layout/hProcess9"/>
-    <dgm:cxn modelId="{97C1422C-69B7-431B-9248-C9D7DC0A2E50}" type="presParOf" srcId="{92712AB0-0CBE-4837-A209-43BD4B527C06}" destId="{08657EB2-0DF2-401B-9CAF-EABD5BCE458B}" srcOrd="6" destOrd="0" presId="urn:microsoft.com/office/officeart/2005/8/layout/hProcess9"/>
-    <dgm:cxn modelId="{2AEB1B53-3BEE-4D1D-91AF-E23256B70965}" type="presParOf" srcId="{92712AB0-0CBE-4837-A209-43BD4B527C06}" destId="{656B7615-CDAE-4F1B-B4F9-366270821A0F}" srcOrd="7" destOrd="0" presId="urn:microsoft.com/office/officeart/2005/8/layout/hProcess9"/>
-    <dgm:cxn modelId="{E8CDF2D3-7913-4CD1-AAAF-BBC8CC619C6E}" type="presParOf" srcId="{92712AB0-0CBE-4837-A209-43BD4B527C06}" destId="{929B4F05-4FEB-4C04-9CB7-E7D7C949337C}" srcOrd="8" destOrd="0" presId="urn:microsoft.com/office/officeart/2005/8/layout/hProcess9"/>
-    <dgm:cxn modelId="{A9CED981-42EA-4301-8BD6-217A1DF62AEA}" type="presParOf" srcId="{92712AB0-0CBE-4837-A209-43BD4B527C06}" destId="{6727479D-5C6A-4D8B-90C9-6409A4E0F3F8}" srcOrd="9" destOrd="0" presId="urn:microsoft.com/office/officeart/2005/8/layout/hProcess9"/>
-    <dgm:cxn modelId="{2285EFD2-563E-4F86-8882-933793625266}" type="presParOf" srcId="{92712AB0-0CBE-4837-A209-43BD4B527C06}" destId="{22280DE5-4AFC-4FE0-8F8D-4B72D51BCDCF}" srcOrd="10" destOrd="0" presId="urn:microsoft.com/office/officeart/2005/8/layout/hProcess9"/>
-  </dgm:cxnLst>
-  <dgm:bg/>
-  <dgm:whole/>
-  <dgm:extLst>
-    <a:ext uri="http://schemas.microsoft.com/office/drawing/2008/diagram">
-      <dsp:dataModelExt xmlns:dsp="http://schemas.microsoft.com/office/drawing/2008/diagram" relId="rId6" minVer="http://schemas.openxmlformats.org/drawingml/2006/diagram"/>
-    </a:ext>
-  </dgm:extLst>
-</dgm:dataModel>
-</file>
-
-<file path=ppt/diagrams/data2.xml><?xml version="1.0" encoding="utf-8"?>
-<dgm:dataModel xmlns:dgm="http://schemas.openxmlformats.org/drawingml/2006/diagram" xmlns:a="http://schemas.openxmlformats.org/drawingml/2006/main">
-  <dgm:ptLst>
     <dgm:pt modelId="{FCC610B7-ED4E-48C8-A8DD-65CE90BF37A6}" type="doc">
       <dgm:prSet loTypeId="urn:microsoft.com/office/officeart/2005/8/layout/hProcess6" loCatId="process" qsTypeId="urn:microsoft.com/office/officeart/2005/8/quickstyle/simple1" qsCatId="simple" csTypeId="urn:microsoft.com/office/officeart/2005/8/colors/accent1_2" csCatId="accent1" phldr="1"/>
       <dgm:spPr/>
@@ -2848,14 +1767,13 @@
         <a:lstStyle/>
         <a:p>
           <a:r>
-            <a:rPr lang="en-US" sz="1400" dirty="0"/>
-            <a:t>Tweets </a:t>
+            <a:rPr lang="en-US" sz="1200" dirty="0"/>
+            <a:t>Tweets</a:t>
           </a:r>
           <a:r>
-            <a:rPr lang="en-US" sz="1100" dirty="0"/>
-            <a:t>(true &amp; false)</a:t>
+            <a:rPr lang="en-US" sz="1400" dirty="0"/>
+            <a:t> </a:t>
           </a:r>
-          <a:endParaRPr lang="en-US" sz="1400" dirty="0"/>
         </a:p>
       </dgm:t>
     </dgm:pt>
@@ -2888,9 +1806,13 @@
         <a:bodyPr/>
         <a:lstStyle/>
         <a:p>
+          <a:pPr algn="ctr">
+            <a:buFont typeface="Arial" panose="020B0604020202020204" pitchFamily="34" charset="0"/>
+            <a:buNone/>
+          </a:pPr>
           <a:r>
-            <a:rPr lang="en-US" sz="1200" dirty="0"/>
-            <a:t>Clean Tweets</a:t>
+            <a:rPr lang="en-US" sz="1000" dirty="0"/>
+            <a:t>Remove Upper Case, Punctuation, Stop-words, … etc.</a:t>
           </a:r>
         </a:p>
       </dgm:t>
@@ -2918,14 +1840,14 @@
       </dgm:t>
     </dgm:pt>
     <dgm:pt modelId="{871044BB-2EFE-463E-8F59-113BBCBBDE21}">
-      <dgm:prSet phldrT="[Text]"/>
+      <dgm:prSet phldrT="[Text]" custT="1"/>
       <dgm:spPr/>
       <dgm:t>
         <a:bodyPr/>
         <a:lstStyle/>
         <a:p>
           <a:r>
-            <a:rPr lang="en-US" dirty="0"/>
+            <a:rPr lang="en-US" sz="1200" dirty="0"/>
             <a:t>List of words</a:t>
           </a:r>
         </a:p>
@@ -2953,50 +1875,17 @@
         </a:p>
       </dgm:t>
     </dgm:pt>
-    <dgm:pt modelId="{2E534356-EDDC-43D6-9665-7A6383E1A8D8}">
-      <dgm:prSet phldrT="[Text]"/>
+    <dgm:pt modelId="{475FA737-41F9-44B4-8C83-F0B9D712B98E}">
+      <dgm:prSet phldrT="[Text]" custT="1"/>
       <dgm:spPr/>
       <dgm:t>
         <a:bodyPr/>
         <a:lstStyle/>
         <a:p>
           <a:r>
-            <a:rPr lang="en-US" dirty="0"/>
-            <a:t>From Words to Numbers</a:t>
+            <a:rPr lang="en-US" sz="1200" dirty="0"/>
+            <a:t>Training &amp; Testing Lists</a:t>
           </a:r>
-        </a:p>
-      </dgm:t>
-    </dgm:pt>
-    <dgm:pt modelId="{00440162-D8AE-4A8A-A118-A4BB9C0D3489}" type="parTrans" cxnId="{2476B4EC-55FE-401D-8B0F-2AF85C95885A}">
-      <dgm:prSet/>
-      <dgm:spPr/>
-      <dgm:t>
-        <a:bodyPr/>
-        <a:lstStyle/>
-        <a:p>
-          <a:endParaRPr lang="en-US"/>
-        </a:p>
-      </dgm:t>
-    </dgm:pt>
-    <dgm:pt modelId="{FF85F851-E3CE-4AB3-A6B4-1479EE875AE4}" type="sibTrans" cxnId="{2476B4EC-55FE-401D-8B0F-2AF85C95885A}">
-      <dgm:prSet/>
-      <dgm:spPr/>
-      <dgm:t>
-        <a:bodyPr/>
-        <a:lstStyle/>
-        <a:p>
-          <a:endParaRPr lang="en-US"/>
-        </a:p>
-      </dgm:t>
-    </dgm:pt>
-    <dgm:pt modelId="{475FA737-41F9-44B4-8C83-F0B9D712B98E}">
-      <dgm:prSet phldrT="[Text]" phldr="1"/>
-      <dgm:spPr/>
-      <dgm:t>
-        <a:bodyPr/>
-        <a:lstStyle/>
-        <a:p>
-          <a:endParaRPr lang="en-US" dirty="0"/>
         </a:p>
       </dgm:t>
     </dgm:pt>
@@ -3023,13 +1912,16 @@
       </dgm:t>
     </dgm:pt>
     <dgm:pt modelId="{7E979A2A-D8A9-4D34-BF5B-0D44D76DE951}">
-      <dgm:prSet phldrT="[Text]" phldr="1"/>
+      <dgm:prSet phldrT="[Text]" custT="1"/>
       <dgm:spPr/>
       <dgm:t>
         <a:bodyPr/>
         <a:lstStyle/>
         <a:p>
-          <a:endParaRPr lang="en-US" dirty="0"/>
+          <a:r>
+            <a:rPr lang="en-US" sz="1000" dirty="0"/>
+            <a:t>From Words to Numbers </a:t>
+          </a:r>
         </a:p>
       </dgm:t>
     </dgm:pt>
@@ -3055,49 +1947,16 @@
         </a:p>
       </dgm:t>
     </dgm:pt>
-    <dgm:pt modelId="{D85729E4-4DE3-4050-8C2C-11286444AD3A}">
-      <dgm:prSet phldrT="[Text]" phldr="1"/>
-      <dgm:spPr/>
-      <dgm:t>
-        <a:bodyPr/>
-        <a:lstStyle/>
-        <a:p>
-          <a:endParaRPr lang="en-US" dirty="0"/>
-        </a:p>
-      </dgm:t>
-    </dgm:pt>
-    <dgm:pt modelId="{0D9412D4-F67C-43F3-A349-C4F75A8DF5B4}" type="parTrans" cxnId="{AF2AA922-6CD7-4681-9F08-42003D3EBF54}">
-      <dgm:prSet/>
-      <dgm:spPr/>
-      <dgm:t>
-        <a:bodyPr/>
-        <a:lstStyle/>
-        <a:p>
-          <a:endParaRPr lang="en-US"/>
-        </a:p>
-      </dgm:t>
-    </dgm:pt>
-    <dgm:pt modelId="{F84E7151-CACB-4339-959F-84E3A569308A}" type="sibTrans" cxnId="{AF2AA922-6CD7-4681-9F08-42003D3EBF54}">
-      <dgm:prSet/>
-      <dgm:spPr/>
-      <dgm:t>
-        <a:bodyPr/>
-        <a:lstStyle/>
-        <a:p>
-          <a:endParaRPr lang="en-US"/>
-        </a:p>
-      </dgm:t>
-    </dgm:pt>
     <dgm:pt modelId="{5BF5E0B4-9837-46FA-93DA-87DC0349312F}">
-      <dgm:prSet phldrT="[Text]"/>
+      <dgm:prSet phldrT="[Text]" custT="1"/>
       <dgm:spPr/>
       <dgm:t>
         <a:bodyPr/>
         <a:lstStyle/>
         <a:p>
           <a:r>
-            <a:rPr lang="en-US" dirty="0"/>
-            <a:t>Ff</a:t>
+            <a:rPr lang="en-US" sz="1200" dirty="0"/>
+            <a:t>Training &amp; Testing Matrices</a:t>
           </a:r>
         </a:p>
       </dgm:t>
@@ -3125,15 +1984,15 @@
       </dgm:t>
     </dgm:pt>
     <dgm:pt modelId="{88064330-217C-4D6F-81E5-6DDE9316A7B5}">
-      <dgm:prSet phldrT="[Text]"/>
+      <dgm:prSet phldrT="[Text]" custT="1"/>
       <dgm:spPr/>
       <dgm:t>
         <a:bodyPr/>
         <a:lstStyle/>
         <a:p>
           <a:r>
-            <a:rPr lang="en-US" dirty="0"/>
-            <a:t>Kk</a:t>
+            <a:rPr lang="en-US" sz="1000" dirty="0"/>
+            <a:t>Classify Testing Tweets</a:t>
           </a:r>
         </a:p>
       </dgm:t>
@@ -3161,17 +2020,16 @@
       </dgm:t>
     </dgm:pt>
     <dgm:pt modelId="{17B1720C-00B2-4612-982D-2A683C297FB9}">
-      <dgm:prSet phldrT="[Text]"/>
+      <dgm:prSet phldrT="[Text]" custT="1"/>
       <dgm:spPr/>
       <dgm:t>
         <a:bodyPr/>
         <a:lstStyle/>
         <a:p>
           <a:r>
-            <a:rPr lang="en-US" dirty="0" err="1"/>
-            <a:t>nn</a:t>
+            <a:rPr lang="en-US" sz="1000" dirty="0"/>
+            <a:t>Train/Tune Classifiers</a:t>
           </a:r>
-          <a:endParaRPr lang="en-US" dirty="0"/>
         </a:p>
       </dgm:t>
     </dgm:pt>
@@ -3197,18 +2055,21 @@
         </a:p>
       </dgm:t>
     </dgm:pt>
-    <dgm:pt modelId="{ACFFD53E-0357-4AA0-8FA5-D167B95FC0D8}">
-      <dgm:prSet phldrT="[Text]"/>
+    <dgm:pt modelId="{51FCEF61-8A4E-4827-9CB4-108B49783232}">
+      <dgm:prSet phldrT="[Text]" custT="1"/>
       <dgm:spPr/>
       <dgm:t>
         <a:bodyPr/>
         <a:lstStyle/>
         <a:p>
-          <a:endParaRPr lang="en-US" sz="1100" dirty="0"/>
+          <a:r>
+            <a:rPr lang="en-US" sz="1200" dirty="0"/>
+            <a:t>True or False Tweet</a:t>
+          </a:r>
         </a:p>
       </dgm:t>
     </dgm:pt>
-    <dgm:pt modelId="{FBFEC8B7-34BD-46E4-9A97-4062175F996A}" type="parTrans" cxnId="{6DC08D5F-CF14-4346-94E7-D04FB2019778}">
+    <dgm:pt modelId="{F1A4EF80-21D3-4C6E-AF19-9ED5AB97F4FE}" type="sibTrans" cxnId="{13B19F34-96A1-4892-909D-6FDDB5B4B558}">
       <dgm:prSet/>
       <dgm:spPr/>
       <dgm:t>
@@ -3216,180 +2077,6 @@
         <a:lstStyle/>
         <a:p>
           <a:endParaRPr lang="en-US"/>
-        </a:p>
-      </dgm:t>
-    </dgm:pt>
-    <dgm:pt modelId="{74A27EA9-45FE-4454-9A7C-44BC02E6F3AA}" type="sibTrans" cxnId="{6DC08D5F-CF14-4346-94E7-D04FB2019778}">
-      <dgm:prSet/>
-      <dgm:spPr/>
-      <dgm:t>
-        <a:bodyPr/>
-        <a:lstStyle/>
-        <a:p>
-          <a:endParaRPr lang="en-US"/>
-        </a:p>
-      </dgm:t>
-    </dgm:pt>
-    <dgm:pt modelId="{ACF55BF4-D9BE-4DE4-B0C6-C1B291EFAD5C}">
-      <dgm:prSet/>
-      <dgm:spPr/>
-      <dgm:t>
-        <a:bodyPr/>
-        <a:lstStyle/>
-        <a:p>
-          <a:r>
-            <a:rPr lang="en-US"/>
-            <a:t>CountVectorize</a:t>
-          </a:r>
-          <a:endParaRPr lang="en-US" dirty="0"/>
-        </a:p>
-      </dgm:t>
-    </dgm:pt>
-    <dgm:pt modelId="{C87BCD85-07A5-4D84-A4A4-38B003D35205}" type="parTrans" cxnId="{24ECFA63-6D07-4313-BDE4-2BD3F3D49010}">
-      <dgm:prSet/>
-      <dgm:spPr/>
-      <dgm:t>
-        <a:bodyPr/>
-        <a:lstStyle/>
-        <a:p>
-          <a:endParaRPr lang="en-US"/>
-        </a:p>
-      </dgm:t>
-    </dgm:pt>
-    <dgm:pt modelId="{D05B3CB5-6F02-4312-8CFD-05E1E29D07BF}" type="sibTrans" cxnId="{24ECFA63-6D07-4313-BDE4-2BD3F3D49010}">
-      <dgm:prSet/>
-      <dgm:spPr/>
-      <dgm:t>
-        <a:bodyPr/>
-        <a:lstStyle/>
-        <a:p>
-          <a:endParaRPr lang="en-US"/>
-        </a:p>
-      </dgm:t>
-    </dgm:pt>
-    <dgm:pt modelId="{BB4BE77C-E421-4B0B-9B63-D5406B4886F9}">
-      <dgm:prSet/>
-      <dgm:spPr/>
-      <dgm:t>
-        <a:bodyPr/>
-        <a:lstStyle/>
-        <a:p>
-          <a:r>
-            <a:rPr lang="en-US"/>
-            <a:t>TF-IDF</a:t>
-          </a:r>
-          <a:endParaRPr lang="en-US" dirty="0"/>
-        </a:p>
-      </dgm:t>
-    </dgm:pt>
-    <dgm:pt modelId="{E1F9B041-C50F-4F33-B266-D6E2F6262F40}" type="parTrans" cxnId="{5A79A68A-2463-4D73-BE44-4E99DC0A2FE8}">
-      <dgm:prSet/>
-      <dgm:spPr/>
-      <dgm:t>
-        <a:bodyPr/>
-        <a:lstStyle/>
-        <a:p>
-          <a:endParaRPr lang="en-US"/>
-        </a:p>
-      </dgm:t>
-    </dgm:pt>
-    <dgm:pt modelId="{40265FFE-E31A-4656-9197-4C1CD3ED3BB0}" type="sibTrans" cxnId="{5A79A68A-2463-4D73-BE44-4E99DC0A2FE8}">
-      <dgm:prSet/>
-      <dgm:spPr/>
-      <dgm:t>
-        <a:bodyPr/>
-        <a:lstStyle/>
-        <a:p>
-          <a:endParaRPr lang="en-US"/>
-        </a:p>
-      </dgm:t>
-    </dgm:pt>
-    <dgm:pt modelId="{FBF8810B-7AA7-4C5D-9511-A82FA1AB9E29}">
-      <dgm:prSet/>
-      <dgm:spPr/>
-      <dgm:t>
-        <a:bodyPr/>
-        <a:lstStyle/>
-        <a:p>
-          <a:r>
-            <a:rPr lang="en-US"/>
-            <a:t>Word2Vec</a:t>
-          </a:r>
-          <a:endParaRPr lang="en-US" dirty="0"/>
-        </a:p>
-      </dgm:t>
-    </dgm:pt>
-    <dgm:pt modelId="{C459ACAA-E9E2-4888-90DC-44600CC9D0D5}" type="parTrans" cxnId="{C76607CF-389B-41C8-BCF5-2E446F7FC046}">
-      <dgm:prSet/>
-      <dgm:spPr/>
-      <dgm:t>
-        <a:bodyPr/>
-        <a:lstStyle/>
-        <a:p>
-          <a:endParaRPr lang="en-US"/>
-        </a:p>
-      </dgm:t>
-    </dgm:pt>
-    <dgm:pt modelId="{EA3BCCAC-4A38-4896-9AEB-14659A3ECDFB}" type="sibTrans" cxnId="{C76607CF-389B-41C8-BCF5-2E446F7FC046}">
-      <dgm:prSet/>
-      <dgm:spPr/>
-      <dgm:t>
-        <a:bodyPr/>
-        <a:lstStyle/>
-        <a:p>
-          <a:endParaRPr lang="en-US"/>
-        </a:p>
-      </dgm:t>
-    </dgm:pt>
-    <dgm:pt modelId="{39EAE9A6-A337-425A-B4E7-89F0FF6B85A1}">
-      <dgm:prSet/>
-      <dgm:spPr/>
-      <dgm:t>
-        <a:bodyPr/>
-        <a:lstStyle/>
-        <a:p>
-          <a:r>
-            <a:rPr lang="en-US" dirty="0" err="1"/>
-            <a:t>GloVe</a:t>
-          </a:r>
-          <a:endParaRPr lang="en-US" dirty="0"/>
-        </a:p>
-      </dgm:t>
-    </dgm:pt>
-    <dgm:pt modelId="{FB9A50E9-8C38-401C-B169-43C1EDCD6607}" type="parTrans" cxnId="{13CCC73B-148B-40B6-AA7A-D19C72AD4009}">
-      <dgm:prSet/>
-      <dgm:spPr/>
-      <dgm:t>
-        <a:bodyPr/>
-        <a:lstStyle/>
-        <a:p>
-          <a:endParaRPr lang="en-US"/>
-        </a:p>
-      </dgm:t>
-    </dgm:pt>
-    <dgm:pt modelId="{5AB654C3-A054-4DE7-9A46-66FA67266BC3}" type="sibTrans" cxnId="{13CCC73B-148B-40B6-AA7A-D19C72AD4009}">
-      <dgm:prSet/>
-      <dgm:spPr/>
-      <dgm:t>
-        <a:bodyPr/>
-        <a:lstStyle/>
-        <a:p>
-          <a:endParaRPr lang="en-US"/>
-        </a:p>
-      </dgm:t>
-    </dgm:pt>
-    <dgm:pt modelId="{51FCEF61-8A4E-4827-9CB4-108B49783232}">
-      <dgm:prSet phldrT="[Text]"/>
-      <dgm:spPr/>
-      <dgm:t>
-        <a:bodyPr/>
-        <a:lstStyle/>
-        <a:p>
-          <a:r>
-            <a:rPr lang="en-US" dirty="0" err="1"/>
-            <a:t>nn</a:t>
-          </a:r>
-          <a:endParaRPr lang="en-US" dirty="0"/>
         </a:p>
       </dgm:t>
     </dgm:pt>
@@ -3404,7 +2091,106 @@
         </a:p>
       </dgm:t>
     </dgm:pt>
-    <dgm:pt modelId="{F1A4EF80-21D3-4C6E-AF19-9ED5AB97F4FE}" type="sibTrans" cxnId="{13B19F34-96A1-4892-909D-6FDDB5B4B558}">
+    <dgm:pt modelId="{45CB0562-981F-4243-AEF8-BD48C218D6B8}">
+      <dgm:prSet phldrT="[Text]" custT="1"/>
+      <dgm:spPr/>
+      <dgm:t>
+        <a:bodyPr/>
+        <a:lstStyle/>
+        <a:p>
+          <a:r>
+            <a:rPr lang="en-US" sz="1000" dirty="0"/>
+            <a:t>Accuracy</a:t>
+          </a:r>
+        </a:p>
+      </dgm:t>
+    </dgm:pt>
+    <dgm:pt modelId="{BE1CDB5F-42A9-477D-9C01-4309126266F9}" type="parTrans" cxnId="{9D90BA51-0C21-4C7D-8F70-21268330ED92}">
+      <dgm:prSet/>
+      <dgm:spPr/>
+      <dgm:t>
+        <a:bodyPr/>
+        <a:lstStyle/>
+        <a:p>
+          <a:endParaRPr lang="en-US"/>
+        </a:p>
+      </dgm:t>
+    </dgm:pt>
+    <dgm:pt modelId="{A228F4DB-4FBA-4656-93CD-FBEAFFEDBAEE}" type="sibTrans" cxnId="{9D90BA51-0C21-4C7D-8F70-21268330ED92}">
+      <dgm:prSet/>
+      <dgm:spPr/>
+      <dgm:t>
+        <a:bodyPr/>
+        <a:lstStyle/>
+        <a:p>
+          <a:endParaRPr lang="en-US"/>
+        </a:p>
+      </dgm:t>
+    </dgm:pt>
+    <dgm:pt modelId="{49728DAE-2661-4071-BCFB-CEDF6274F494}">
+      <dgm:prSet phldrT="[Text]" custT="1"/>
+      <dgm:spPr/>
+      <dgm:t>
+        <a:bodyPr/>
+        <a:lstStyle/>
+        <a:p>
+          <a:r>
+            <a:rPr lang="en-US" sz="1000" dirty="0"/>
+            <a:t>Precision and Recall Rates</a:t>
+          </a:r>
+        </a:p>
+      </dgm:t>
+    </dgm:pt>
+    <dgm:pt modelId="{00A97176-B422-4404-857E-3B6DB04B9C65}" type="parTrans" cxnId="{72238919-366B-473F-8523-0F3CE884DF58}">
+      <dgm:prSet/>
+      <dgm:spPr/>
+      <dgm:t>
+        <a:bodyPr/>
+        <a:lstStyle/>
+        <a:p>
+          <a:endParaRPr lang="en-US"/>
+        </a:p>
+      </dgm:t>
+    </dgm:pt>
+    <dgm:pt modelId="{CDE705C5-1EE2-4748-969F-3C6ACBAA3801}" type="sibTrans" cxnId="{72238919-366B-473F-8523-0F3CE884DF58}">
+      <dgm:prSet/>
+      <dgm:spPr/>
+      <dgm:t>
+        <a:bodyPr/>
+        <a:lstStyle/>
+        <a:p>
+          <a:endParaRPr lang="en-US"/>
+        </a:p>
+      </dgm:t>
+    </dgm:pt>
+    <dgm:pt modelId="{FA56145C-A848-4EAB-96DC-5608FF46F45B}">
+      <dgm:prSet phldrT="[Text]" custT="1"/>
+      <dgm:spPr/>
+      <dgm:t>
+        <a:bodyPr/>
+        <a:lstStyle/>
+        <a:p>
+          <a:pPr algn="ctr"/>
+          <a:r>
+            <a:rPr lang="en-US" sz="1000" dirty="0"/>
+            <a:t>Split into Training &amp; Testing sets</a:t>
+          </a:r>
+          <a:endParaRPr lang="en-US" sz="1200" dirty="0"/>
+        </a:p>
+      </dgm:t>
+    </dgm:pt>
+    <dgm:pt modelId="{CF4B55D5-B351-45C1-9FF2-066E34FC81E3}" type="parTrans" cxnId="{83424FEB-4A18-4E40-82CF-8C21B0A8EC09}">
+      <dgm:prSet/>
+      <dgm:spPr/>
+      <dgm:t>
+        <a:bodyPr/>
+        <a:lstStyle/>
+        <a:p>
+          <a:endParaRPr lang="en-US"/>
+        </a:p>
+      </dgm:t>
+    </dgm:pt>
+    <dgm:pt modelId="{F32628DB-5675-4458-A479-3DFFEE5C125E}" type="sibTrans" cxnId="{83424FEB-4A18-4E40-82CF-8C21B0A8EC09}">
       <dgm:prSet/>
       <dgm:spPr/>
       <dgm:t>
@@ -3578,7 +2364,7 @@
       <dgm:spPr/>
     </dgm:pt>
     <dgm:pt modelId="{E7D392FA-306F-4A6C-AFBA-4CBB5BB4382F}" type="pres">
-      <dgm:prSet presAssocID="{51FCEF61-8A4E-4827-9CB4-108B49783232}" presName="parentText" presStyleLbl="node1" presStyleIdx="4" presStyleCnt="5">
+      <dgm:prSet presAssocID="{51FCEF61-8A4E-4827-9CB4-108B49783232}" presName="parentText" presStyleLbl="node1" presStyleIdx="4" presStyleCnt="5" custScaleX="104125">
         <dgm:presLayoutVars>
           <dgm:chMax val="1"/>
           <dgm:bulletEnabled val="1"/>
@@ -3589,49 +2375,37 @@
   </dgm:ptLst>
   <dgm:cxnLst>
     <dgm:cxn modelId="{95E62E0A-B369-416A-9383-E0FCC2376916}" type="presOf" srcId="{871044BB-2EFE-463E-8F59-113BBCBBDE21}" destId="{DFC4E36F-E6DC-43CB-9B2E-0E0D0BA62049}" srcOrd="0" destOrd="0" presId="urn:microsoft.com/office/officeart/2005/8/layout/hProcess6"/>
-    <dgm:cxn modelId="{75A72D1E-4491-44EA-A39A-DD36D5AB500A}" type="presOf" srcId="{39EAE9A6-A337-425A-B4E7-89F0FF6B85A1}" destId="{8FD4F355-FE1A-41BC-8EAE-FD83C51040F8}" srcOrd="0" destOrd="4" presId="urn:microsoft.com/office/officeart/2005/8/layout/hProcess6"/>
+    <dgm:cxn modelId="{72238919-366B-473F-8523-0F3CE884DF58}" srcId="{51FCEF61-8A4E-4827-9CB4-108B49783232}" destId="{49728DAE-2661-4071-BCFB-CEDF6274F494}" srcOrd="1" destOrd="0" parTransId="{00A97176-B422-4404-857E-3B6DB04B9C65}" sibTransId="{CDE705C5-1EE2-4748-969F-3C6ACBAA3801}"/>
+    <dgm:cxn modelId="{57B0B01F-2FCF-453A-BA24-9C6C3E46628F}" type="presOf" srcId="{49728DAE-2661-4071-BCFB-CEDF6274F494}" destId="{7426F8D9-6479-4C0E-B041-8747115A7003}" srcOrd="0" destOrd="1" presId="urn:microsoft.com/office/officeart/2005/8/layout/hProcess6"/>
     <dgm:cxn modelId="{DC06CB20-3EF1-44B4-8FFD-7477635221DC}" type="presOf" srcId="{17B1720C-00B2-4612-982D-2A683C297FB9}" destId="{123E1D18-8340-4F9D-864D-86A62B83705A}" srcOrd="1" destOrd="0" presId="urn:microsoft.com/office/officeart/2005/8/layout/hProcess6"/>
-    <dgm:cxn modelId="{AF2AA922-6CD7-4681-9F08-42003D3EBF54}" srcId="{475FA737-41F9-44B4-8C83-F0B9D712B98E}" destId="{D85729E4-4DE3-4050-8C2C-11286444AD3A}" srcOrd="1" destOrd="0" parTransId="{0D9412D4-F67C-43F3-A349-C4F75A8DF5B4}" sibTransId="{F84E7151-CACB-4339-959F-84E3A569308A}"/>
+    <dgm:cxn modelId="{C73CFE21-16E0-48C8-8801-ACD9AB34CB35}" type="presOf" srcId="{45CB0562-981F-4243-AEF8-BD48C218D6B8}" destId="{C476E099-C80B-47EE-BE5D-9D24E94C6D2D}" srcOrd="1" destOrd="0" presId="urn:microsoft.com/office/officeart/2005/8/layout/hProcess6"/>
     <dgm:cxn modelId="{393C9C26-C780-4CBD-B484-E9AC3A968FF0}" type="presOf" srcId="{FCC610B7-ED4E-48C8-A8DD-65CE90BF37A6}" destId="{39CE39A3-292B-47B1-B3BE-EE202ADDAA32}" srcOrd="0" destOrd="0" presId="urn:microsoft.com/office/officeart/2005/8/layout/hProcess6"/>
     <dgm:cxn modelId="{CA7E4130-F81F-47C1-974D-C0C44857F0C1}" type="presOf" srcId="{27656DE9-ECD7-4D88-81F7-9ED3A9785DCF}" destId="{9DC668E7-0EFA-43C4-B93A-2C084044A0E4}" srcOrd="0" destOrd="0" presId="urn:microsoft.com/office/officeart/2005/8/layout/hProcess6"/>
     <dgm:cxn modelId="{C37EA430-7AE0-4076-A59B-000E5BDB6614}" type="presOf" srcId="{7E979A2A-D8A9-4D34-BF5B-0D44D76DE951}" destId="{C3FDE947-73D7-4D71-AB1F-6EB889864FED}" srcOrd="1" destOrd="0" presId="urn:microsoft.com/office/officeart/2005/8/layout/hProcess6"/>
     <dgm:cxn modelId="{959D3E33-20C4-4928-B3B8-A4DED4CBBB8A}" srcId="{27656DE9-ECD7-4D88-81F7-9ED3A9785DCF}" destId="{73A99067-B670-46CC-BCA2-782FC06E7D35}" srcOrd="0" destOrd="0" parTransId="{73FB6610-32ED-4E4A-8D54-580471C5AC98}" sibTransId="{69BC14C4-CCAC-43CA-B1CB-BCDD9809B24C}"/>
     <dgm:cxn modelId="{13B19F34-96A1-4892-909D-6FDDB5B4B558}" srcId="{FCC610B7-ED4E-48C8-A8DD-65CE90BF37A6}" destId="{51FCEF61-8A4E-4827-9CB4-108B49783232}" srcOrd="4" destOrd="0" parTransId="{77FB5D69-658F-4477-A5C6-674C1545769D}" sibTransId="{F1A4EF80-21D3-4C6E-AF19-9ED5AB97F4FE}"/>
     <dgm:cxn modelId="{E984863B-0DE8-4C2A-A70A-F762EBFAF5D2}" srcId="{FCC610B7-ED4E-48C8-A8DD-65CE90BF37A6}" destId="{5BF5E0B4-9837-46FA-93DA-87DC0349312F}" srcOrd="3" destOrd="0" parTransId="{348B0274-CF7E-4E08-A9C3-CB97CEF59B8B}" sibTransId="{87F20F50-61C6-4302-BBE4-55A60869C1B2}"/>
-    <dgm:cxn modelId="{13CCC73B-148B-40B6-AA7A-D19C72AD4009}" srcId="{871044BB-2EFE-463E-8F59-113BBCBBDE21}" destId="{39EAE9A6-A337-425A-B4E7-89F0FF6B85A1}" srcOrd="4" destOrd="0" parTransId="{FB9A50E9-8C38-401C-B169-43C1EDCD6607}" sibTransId="{5AB654C3-A054-4DE7-9A46-66FA67266BC3}"/>
-    <dgm:cxn modelId="{522A6040-7308-4987-BEA6-DEF427A70335}" type="presOf" srcId="{39EAE9A6-A337-425A-B4E7-89F0FF6B85A1}" destId="{38FD3C35-DFC6-4790-888B-C9AEB5CB304F}" srcOrd="1" destOrd="4" presId="urn:microsoft.com/office/officeart/2005/8/layout/hProcess6"/>
-    <dgm:cxn modelId="{6DC08D5F-CF14-4346-94E7-D04FB2019778}" srcId="{27656DE9-ECD7-4D88-81F7-9ED3A9785DCF}" destId="{ACFFD53E-0357-4AA0-8FA5-D167B95FC0D8}" srcOrd="1" destOrd="0" parTransId="{FBFEC8B7-34BD-46E4-9A97-4062175F996A}" sibTransId="{74A27EA9-45FE-4454-9A7C-44BC02E6F3AA}"/>
+    <dgm:cxn modelId="{3DA7AE3B-3646-4611-B8EB-6887C1BE3D5C}" type="presOf" srcId="{FA56145C-A848-4EAB-96DC-5608FF46F45B}" destId="{8FD4F355-FE1A-41BC-8EAE-FD83C51040F8}" srcOrd="0" destOrd="0" presId="urn:microsoft.com/office/officeart/2005/8/layout/hProcess6"/>
     <dgm:cxn modelId="{0EB21760-3429-43B1-B910-341D646138F6}" type="presOf" srcId="{73A99067-B670-46CC-BCA2-782FC06E7D35}" destId="{6CCCDC42-FB56-4C1B-AAFD-35C38DCA61EC}" srcOrd="0" destOrd="0" presId="urn:microsoft.com/office/officeart/2005/8/layout/hProcess6"/>
-    <dgm:cxn modelId="{24ECFA63-6D07-4313-BDE4-2BD3F3D49010}" srcId="{871044BB-2EFE-463E-8F59-113BBCBBDE21}" destId="{ACF55BF4-D9BE-4DE4-B0C6-C1B291EFAD5C}" srcOrd="1" destOrd="0" parTransId="{C87BCD85-07A5-4D84-A4A4-38B003D35205}" sibTransId="{D05B3CB5-6F02-4312-8CFD-05E1E29D07BF}"/>
     <dgm:cxn modelId="{17FF5D48-0EB3-4895-ADE7-12125BE8FFED}" type="presOf" srcId="{73A99067-B670-46CC-BCA2-782FC06E7D35}" destId="{B81A0926-CE01-4298-AA75-FBBE02A0ED0F}" srcOrd="1" destOrd="0" presId="urn:microsoft.com/office/officeart/2005/8/layout/hProcess6"/>
     <dgm:cxn modelId="{148D8A49-17A8-407A-8175-1073A9842C71}" type="presOf" srcId="{88064330-217C-4D6F-81E5-6DDE9316A7B5}" destId="{123E1D18-8340-4F9D-864D-86A62B83705A}" srcOrd="1" destOrd="1" presId="urn:microsoft.com/office/officeart/2005/8/layout/hProcess6"/>
     <dgm:cxn modelId="{7F85FF6C-D1B4-480B-998D-8F1E49FAF637}" srcId="{FCC610B7-ED4E-48C8-A8DD-65CE90BF37A6}" destId="{27656DE9-ECD7-4D88-81F7-9ED3A9785DCF}" srcOrd="0" destOrd="0" parTransId="{483C0942-EB27-414B-A1A2-07DE1FB9E8A5}" sibTransId="{8FADB66C-B728-4A0B-BCDF-B9E58EA103AB}"/>
     <dgm:cxn modelId="{7FF4F44D-F9B9-4D5E-8DD9-9B0FB6356587}" type="presOf" srcId="{5BF5E0B4-9837-46FA-93DA-87DC0349312F}" destId="{1FA0DE21-12AB-4DF2-B400-5B73B7C88E69}" srcOrd="0" destOrd="0" presId="urn:microsoft.com/office/officeart/2005/8/layout/hProcess6"/>
-    <dgm:cxn modelId="{CB08016E-510E-45FE-8168-F67089351B70}" type="presOf" srcId="{D85729E4-4DE3-4050-8C2C-11286444AD3A}" destId="{C3FDE947-73D7-4D71-AB1F-6EB889864FED}" srcOrd="1" destOrd="1" presId="urn:microsoft.com/office/officeart/2005/8/layout/hProcess6"/>
-    <dgm:cxn modelId="{8BC4AC7A-8342-484A-B932-97AB91809233}" type="presOf" srcId="{2E534356-EDDC-43D6-9665-7A6383E1A8D8}" destId="{8FD4F355-FE1A-41BC-8EAE-FD83C51040F8}" srcOrd="0" destOrd="0" presId="urn:microsoft.com/office/officeart/2005/8/layout/hProcess6"/>
-    <dgm:cxn modelId="{2943817B-AE63-4239-B35C-79CD982CCCDF}" type="presOf" srcId="{ACF55BF4-D9BE-4DE4-B0C6-C1B291EFAD5C}" destId="{38FD3C35-DFC6-4790-888B-C9AEB5CB304F}" srcOrd="1" destOrd="1" presId="urn:microsoft.com/office/officeart/2005/8/layout/hProcess6"/>
-    <dgm:cxn modelId="{19292483-2E5B-443E-88F4-EDADACBB4930}" type="presOf" srcId="{FBF8810B-7AA7-4C5D-9511-A82FA1AB9E29}" destId="{8FD4F355-FE1A-41BC-8EAE-FD83C51040F8}" srcOrd="0" destOrd="3" presId="urn:microsoft.com/office/officeart/2005/8/layout/hProcess6"/>
-    <dgm:cxn modelId="{0B635C8A-414F-40F9-839B-EBB8568EC358}" type="presOf" srcId="{2E534356-EDDC-43D6-9665-7A6383E1A8D8}" destId="{38FD3C35-DFC6-4790-888B-C9AEB5CB304F}" srcOrd="1" destOrd="0" presId="urn:microsoft.com/office/officeart/2005/8/layout/hProcess6"/>
-    <dgm:cxn modelId="{5A79A68A-2463-4D73-BE44-4E99DC0A2FE8}" srcId="{871044BB-2EFE-463E-8F59-113BBCBBDE21}" destId="{BB4BE77C-E421-4B0B-9B63-D5406B4886F9}" srcOrd="2" destOrd="0" parTransId="{E1F9B041-C50F-4F33-B266-D6E2F6262F40}" sibTransId="{40265FFE-E31A-4656-9197-4C1CD3ED3BB0}"/>
-    <dgm:cxn modelId="{72458097-E797-4100-B572-5B5205D2CA61}" type="presOf" srcId="{ACFFD53E-0357-4AA0-8FA5-D167B95FC0D8}" destId="{6CCCDC42-FB56-4C1B-AAFD-35C38DCA61EC}" srcOrd="0" destOrd="1" presId="urn:microsoft.com/office/officeart/2005/8/layout/hProcess6"/>
-    <dgm:cxn modelId="{9C50F49B-F37D-4338-96DD-415DD3AF7BFB}" type="presOf" srcId="{ACF55BF4-D9BE-4DE4-B0C6-C1B291EFAD5C}" destId="{8FD4F355-FE1A-41BC-8EAE-FD83C51040F8}" srcOrd="0" destOrd="1" presId="urn:microsoft.com/office/officeart/2005/8/layout/hProcess6"/>
+    <dgm:cxn modelId="{9D90BA51-0C21-4C7D-8F70-21268330ED92}" srcId="{51FCEF61-8A4E-4827-9CB4-108B49783232}" destId="{45CB0562-981F-4243-AEF8-BD48C218D6B8}" srcOrd="0" destOrd="0" parTransId="{BE1CDB5F-42A9-477D-9C01-4309126266F9}" sibTransId="{A228F4DB-4FBA-4656-93CD-FBEAFFEDBAEE}"/>
+    <dgm:cxn modelId="{8C276797-8D19-42AB-A5CB-C0B5F6246CBD}" type="presOf" srcId="{FA56145C-A848-4EAB-96DC-5608FF46F45B}" destId="{38FD3C35-DFC6-4790-888B-C9AEB5CB304F}" srcOrd="1" destOrd="0" presId="urn:microsoft.com/office/officeart/2005/8/layout/hProcess6"/>
     <dgm:cxn modelId="{4E58F09E-1F79-4BA4-874E-E5CCECB1CE69}" srcId="{475FA737-41F9-44B4-8C83-F0B9D712B98E}" destId="{7E979A2A-D8A9-4D34-BF5B-0D44D76DE951}" srcOrd="0" destOrd="0" parTransId="{E2889108-9599-4DBA-A4ED-3B077A2D1BC3}" sibTransId="{C559D5D4-33FB-42B7-87D7-3C49D17723A6}"/>
     <dgm:cxn modelId="{461F82AB-AC62-44B8-AFC8-E27CBED6DEEC}" type="presOf" srcId="{475FA737-41F9-44B4-8C83-F0B9D712B98E}" destId="{966D2B8A-3ADD-4776-B91F-9807B495D2D5}" srcOrd="0" destOrd="0" presId="urn:microsoft.com/office/officeart/2005/8/layout/hProcess6"/>
     <dgm:cxn modelId="{7BAFFBAD-3F30-4ABA-851C-65773E51B342}" type="presOf" srcId="{17B1720C-00B2-4612-982D-2A683C297FB9}" destId="{54CDC1EF-F04E-4413-A41A-44EDE21190C1}" srcOrd="0" destOrd="0" presId="urn:microsoft.com/office/officeart/2005/8/layout/hProcess6"/>
     <dgm:cxn modelId="{379FD5B2-5771-42D2-A622-4490EB895BA1}" srcId="{FCC610B7-ED4E-48C8-A8DD-65CE90BF37A6}" destId="{475FA737-41F9-44B4-8C83-F0B9D712B98E}" srcOrd="2" destOrd="0" parTransId="{346D991E-B02E-4EC5-B867-69BB6C9E0753}" sibTransId="{D9CDF5DE-F892-4039-AA67-79B755766452}"/>
     <dgm:cxn modelId="{2F8279B3-49B9-48C7-9545-B60FA4AC41E3}" srcId="{5BF5E0B4-9837-46FA-93DA-87DC0349312F}" destId="{88064330-217C-4D6F-81E5-6DDE9316A7B5}" srcOrd="1" destOrd="0" parTransId="{26CC7EA4-B636-4A98-A450-3C277DB641B1}" sibTransId="{B5F4915A-35C7-4A8B-8AEE-E2E83B005F0E}"/>
+    <dgm:cxn modelId="{85AFABB3-32D9-42D4-A47D-630698F3B1C5}" type="presOf" srcId="{45CB0562-981F-4243-AEF8-BD48C218D6B8}" destId="{7426F8D9-6479-4C0E-B041-8747115A7003}" srcOrd="0" destOrd="0" presId="urn:microsoft.com/office/officeart/2005/8/layout/hProcess6"/>
     <dgm:cxn modelId="{0F5BE4B3-8D82-4918-BA6B-34B931C58788}" type="presOf" srcId="{7E979A2A-D8A9-4D34-BF5B-0D44D76DE951}" destId="{837D470B-67F9-443A-A26B-187E3DFE6CAA}" srcOrd="0" destOrd="0" presId="urn:microsoft.com/office/officeart/2005/8/layout/hProcess6"/>
-    <dgm:cxn modelId="{C76607CF-389B-41C8-BCF5-2E446F7FC046}" srcId="{871044BB-2EFE-463E-8F59-113BBCBBDE21}" destId="{FBF8810B-7AA7-4C5D-9511-A82FA1AB9E29}" srcOrd="3" destOrd="0" parTransId="{C459ACAA-E9E2-4888-90DC-44600CC9D0D5}" sibTransId="{EA3BCCAC-4A38-4896-9AEB-14659A3ECDFB}"/>
-    <dgm:cxn modelId="{94C14ECF-6FA7-4103-9AAE-9E40AB41CEE7}" type="presOf" srcId="{FBF8810B-7AA7-4C5D-9511-A82FA1AB9E29}" destId="{38FD3C35-DFC6-4790-888B-C9AEB5CB304F}" srcOrd="1" destOrd="3" presId="urn:microsoft.com/office/officeart/2005/8/layout/hProcess6"/>
+    <dgm:cxn modelId="{9A7482BA-B24B-459E-B44B-DE524123DD92}" type="presOf" srcId="{49728DAE-2661-4071-BCFB-CEDF6274F494}" destId="{C476E099-C80B-47EE-BE5D-9D24E94C6D2D}" srcOrd="1" destOrd="1" presId="urn:microsoft.com/office/officeart/2005/8/layout/hProcess6"/>
     <dgm:cxn modelId="{1F1684D6-EC9B-4C61-86DC-F4C9C8D80219}" srcId="{5BF5E0B4-9837-46FA-93DA-87DC0349312F}" destId="{17B1720C-00B2-4612-982D-2A683C297FB9}" srcOrd="0" destOrd="0" parTransId="{D4221D54-D68F-45D7-9CC4-9D8532D3849E}" sibTransId="{F2E50D6D-2BBF-443D-AB57-FA9AFB5671C6}"/>
-    <dgm:cxn modelId="{2E1C4BE1-51F4-433D-95EF-F31788F2F2EB}" type="presOf" srcId="{ACFFD53E-0357-4AA0-8FA5-D167B95FC0D8}" destId="{B81A0926-CE01-4298-AA75-FBBE02A0ED0F}" srcOrd="1" destOrd="1" presId="urn:microsoft.com/office/officeart/2005/8/layout/hProcess6"/>
     <dgm:cxn modelId="{657A5AE2-269C-4D17-A36F-3619C6EAD23F}" type="presOf" srcId="{88064330-217C-4D6F-81E5-6DDE9316A7B5}" destId="{54CDC1EF-F04E-4413-A41A-44EDE21190C1}" srcOrd="0" destOrd="1" presId="urn:microsoft.com/office/officeart/2005/8/layout/hProcess6"/>
-    <dgm:cxn modelId="{8848C5E5-47C6-48F3-B250-E1F6315EC6D0}" type="presOf" srcId="{BB4BE77C-E421-4B0B-9B63-D5406B4886F9}" destId="{38FD3C35-DFC6-4790-888B-C9AEB5CB304F}" srcOrd="1" destOrd="2" presId="urn:microsoft.com/office/officeart/2005/8/layout/hProcess6"/>
+    <dgm:cxn modelId="{83424FEB-4A18-4E40-82CF-8C21B0A8EC09}" srcId="{871044BB-2EFE-463E-8F59-113BBCBBDE21}" destId="{FA56145C-A848-4EAB-96DC-5608FF46F45B}" srcOrd="0" destOrd="0" parTransId="{CF4B55D5-B351-45C1-9FF2-066E34FC81E3}" sibTransId="{F32628DB-5675-4458-A479-3DFFEE5C125E}"/>
     <dgm:cxn modelId="{8D9B7DEC-2B4F-49F3-9028-A67C1150349C}" srcId="{FCC610B7-ED4E-48C8-A8DD-65CE90BF37A6}" destId="{871044BB-2EFE-463E-8F59-113BBCBBDE21}" srcOrd="1" destOrd="0" parTransId="{6E9F2DBF-A72D-4687-B1A5-45F07FE3D863}" sibTransId="{2375A552-71D8-4A9F-B451-52DFA027BD3C}"/>
-    <dgm:cxn modelId="{2476B4EC-55FE-401D-8B0F-2AF85C95885A}" srcId="{871044BB-2EFE-463E-8F59-113BBCBBDE21}" destId="{2E534356-EDDC-43D6-9665-7A6383E1A8D8}" srcOrd="0" destOrd="0" parTransId="{00440162-D8AE-4A8A-A118-A4BB9C0D3489}" sibTransId="{FF85F851-E3CE-4AB3-A6B4-1479EE875AE4}"/>
-    <dgm:cxn modelId="{9EA8C1EC-E107-4262-9FE0-F1D871C7333E}" type="presOf" srcId="{D85729E4-4DE3-4050-8C2C-11286444AD3A}" destId="{837D470B-67F9-443A-A26B-187E3DFE6CAA}" srcOrd="0" destOrd="1" presId="urn:microsoft.com/office/officeart/2005/8/layout/hProcess6"/>
     <dgm:cxn modelId="{DFD70CED-5C50-42CF-AE68-9F5BE3836820}" type="presOf" srcId="{51FCEF61-8A4E-4827-9CB4-108B49783232}" destId="{E7D392FA-306F-4A6C-AFBA-4CBB5BB4382F}" srcOrd="0" destOrd="0" presId="urn:microsoft.com/office/officeart/2005/8/layout/hProcess6"/>
-    <dgm:cxn modelId="{B2F8D3EE-8AD8-4E05-8F01-FD4352EAFC79}" type="presOf" srcId="{BB4BE77C-E421-4B0B-9B63-D5406B4886F9}" destId="{8FD4F355-FE1A-41BC-8EAE-FD83C51040F8}" srcOrd="0" destOrd="2" presId="urn:microsoft.com/office/officeart/2005/8/layout/hProcess6"/>
     <dgm:cxn modelId="{4699C3E6-1843-468C-B4FE-8C4E8E3BD8BF}" type="presParOf" srcId="{39CE39A3-292B-47B1-B3BE-EE202ADDAA32}" destId="{4A7543AA-8275-4ADE-B7D6-B08DCC6FD690}" srcOrd="0" destOrd="0" presId="urn:microsoft.com/office/officeart/2005/8/layout/hProcess6"/>
     <dgm:cxn modelId="{56043D37-1A7E-4925-902F-C9167B1D4E74}" type="presParOf" srcId="{4A7543AA-8275-4ADE-B7D6-B08DCC6FD690}" destId="{DE0C5A1F-8068-4FEF-8B89-490528159ACF}" srcOrd="0" destOrd="0" presId="urn:microsoft.com/office/officeart/2005/8/layout/hProcess6"/>
     <dgm:cxn modelId="{A7C360C3-A6A9-49E9-B880-A8D86292975B}" type="presParOf" srcId="{4A7543AA-8275-4ADE-B7D6-B08DCC6FD690}" destId="{6CCCDC42-FB56-4C1B-AAFD-35C38DCA61EC}" srcOrd="1" destOrd="0" presId="urn:microsoft.com/office/officeart/2005/8/layout/hProcess6"/>
@@ -3672,7 +2446,7 @@
 </dgm:dataModel>
 </file>
 
-<file path=ppt/diagrams/data3.xml><?xml version="1.0" encoding="utf-8"?>
+<file path=ppt/diagrams/data2.xml><?xml version="1.0" encoding="utf-8"?>
 <dgm:dataModel xmlns:dgm="http://schemas.openxmlformats.org/drawingml/2006/diagram" xmlns:a="http://schemas.openxmlformats.org/drawingml/2006/main">
   <dgm:ptLst>
     <dgm:pt modelId="{6A70FD8F-0050-42E3-8B3A-6ED7CFB9852E}" type="doc">
@@ -4121,505 +2895,6 @@
       <dsp:cNvGrpSpPr/>
     </dsp:nvGrpSpPr>
     <dsp:grpSpPr/>
-    <dsp:sp modelId="{A40B1D93-2272-4B39-9378-06A7FF290D7C}">
-      <dsp:nvSpPr>
-        <dsp:cNvPr id="0" name=""/>
-        <dsp:cNvSpPr/>
-      </dsp:nvSpPr>
-      <dsp:spPr>
-        <a:xfrm>
-          <a:off x="791692" y="0"/>
-          <a:ext cx="8972513" cy="3970704"/>
-        </a:xfrm>
-        <a:prstGeom prst="rightArrow">
-          <a:avLst/>
-        </a:prstGeom>
-        <a:solidFill>
-          <a:schemeClr val="accent1">
-            <a:tint val="40000"/>
-            <a:hueOff val="0"/>
-            <a:satOff val="0"/>
-            <a:lumOff val="0"/>
-            <a:alphaOff val="0"/>
-          </a:schemeClr>
-        </a:solidFill>
-        <a:ln>
-          <a:noFill/>
-        </a:ln>
-        <a:effectLst/>
-      </dsp:spPr>
-      <dsp:style>
-        <a:lnRef idx="0">
-          <a:scrgbClr r="0" g="0" b="0"/>
-        </a:lnRef>
-        <a:fillRef idx="1">
-          <a:scrgbClr r="0" g="0" b="0"/>
-        </a:fillRef>
-        <a:effectRef idx="0">
-          <a:scrgbClr r="0" g="0" b="0"/>
-        </a:effectRef>
-        <a:fontRef idx="minor"/>
-      </dsp:style>
-    </dsp:sp>
-    <dsp:sp modelId="{F4F57F76-D1E7-4588-9B60-30C93D15FA60}">
-      <dsp:nvSpPr>
-        <dsp:cNvPr id="0" name=""/>
-        <dsp:cNvSpPr/>
-      </dsp:nvSpPr>
-      <dsp:spPr>
-        <a:xfrm>
-          <a:off x="128" y="1191211"/>
-          <a:ext cx="1544727" cy="1588281"/>
-        </a:xfrm>
-        <a:prstGeom prst="roundRect">
-          <a:avLst/>
-        </a:prstGeom>
-        <a:solidFill>
-          <a:schemeClr val="accent1">
-            <a:hueOff val="0"/>
-            <a:satOff val="0"/>
-            <a:lumOff val="0"/>
-            <a:alphaOff val="0"/>
-          </a:schemeClr>
-        </a:solidFill>
-        <a:ln w="22225" cap="rnd" cmpd="sng" algn="ctr">
-          <a:solidFill>
-            <a:schemeClr val="lt1">
-              <a:hueOff val="0"/>
-              <a:satOff val="0"/>
-              <a:lumOff val="0"/>
-              <a:alphaOff val="0"/>
-            </a:schemeClr>
-          </a:solidFill>
-          <a:prstDash val="solid"/>
-        </a:ln>
-        <a:effectLst/>
-      </dsp:spPr>
-      <dsp:style>
-        <a:lnRef idx="2">
-          <a:scrgbClr r="0" g="0" b="0"/>
-        </a:lnRef>
-        <a:fillRef idx="1">
-          <a:scrgbClr r="0" g="0" b="0"/>
-        </a:fillRef>
-        <a:effectRef idx="0">
-          <a:scrgbClr r="0" g="0" b="0"/>
-        </a:effectRef>
-        <a:fontRef idx="minor">
-          <a:schemeClr val="lt1"/>
-        </a:fontRef>
-      </dsp:style>
-      <dsp:txBody>
-        <a:bodyPr spcFirstLastPara="0" vert="horz" wrap="square" lIns="118110" tIns="118110" rIns="118110" bIns="118110" numCol="1" spcCol="1270" anchor="ctr" anchorCtr="0">
-          <a:noAutofit/>
-        </a:bodyPr>
-        <a:lstStyle/>
-        <a:p>
-          <a:pPr marL="0" lvl="0" indent="0" algn="ctr" defTabSz="1377950">
-            <a:lnSpc>
-              <a:spcPct val="90000"/>
-            </a:lnSpc>
-            <a:spcBef>
-              <a:spcPct val="0"/>
-            </a:spcBef>
-            <a:spcAft>
-              <a:spcPct val="35000"/>
-            </a:spcAft>
-            <a:buNone/>
-          </a:pPr>
-          <a:r>
-            <a:rPr lang="en-US" sz="3100" kern="1200" dirty="0"/>
-            <a:t>Tweets</a:t>
-          </a:r>
-        </a:p>
-      </dsp:txBody>
-      <dsp:txXfrm>
-        <a:off x="75535" y="1266618"/>
-        <a:ext cx="1393913" cy="1437467"/>
-      </dsp:txXfrm>
-    </dsp:sp>
-    <dsp:sp modelId="{BF90CF63-D497-4F1F-B6AB-719B004C59FE}">
-      <dsp:nvSpPr>
-        <dsp:cNvPr id="0" name=""/>
-        <dsp:cNvSpPr/>
-      </dsp:nvSpPr>
-      <dsp:spPr>
-        <a:xfrm>
-          <a:off x="1802311" y="1191211"/>
-          <a:ext cx="1544727" cy="1588281"/>
-        </a:xfrm>
-        <a:prstGeom prst="roundRect">
-          <a:avLst/>
-        </a:prstGeom>
-        <a:solidFill>
-          <a:schemeClr val="accent1">
-            <a:hueOff val="0"/>
-            <a:satOff val="0"/>
-            <a:lumOff val="0"/>
-            <a:alphaOff val="0"/>
-          </a:schemeClr>
-        </a:solidFill>
-        <a:ln w="22225" cap="rnd" cmpd="sng" algn="ctr">
-          <a:solidFill>
-            <a:schemeClr val="lt1">
-              <a:hueOff val="0"/>
-              <a:satOff val="0"/>
-              <a:lumOff val="0"/>
-              <a:alphaOff val="0"/>
-            </a:schemeClr>
-          </a:solidFill>
-          <a:prstDash val="solid"/>
-        </a:ln>
-        <a:effectLst/>
-      </dsp:spPr>
-      <dsp:style>
-        <a:lnRef idx="2">
-          <a:scrgbClr r="0" g="0" b="0"/>
-        </a:lnRef>
-        <a:fillRef idx="1">
-          <a:scrgbClr r="0" g="0" b="0"/>
-        </a:fillRef>
-        <a:effectRef idx="0">
-          <a:scrgbClr r="0" g="0" b="0"/>
-        </a:effectRef>
-        <a:fontRef idx="minor">
-          <a:schemeClr val="lt1"/>
-        </a:fontRef>
-      </dsp:style>
-      <dsp:txBody>
-        <a:bodyPr spcFirstLastPara="0" vert="horz" wrap="square" lIns="118110" tIns="118110" rIns="118110" bIns="118110" numCol="1" spcCol="1270" anchor="ctr" anchorCtr="0">
-          <a:noAutofit/>
-        </a:bodyPr>
-        <a:lstStyle/>
-        <a:p>
-          <a:pPr marL="0" lvl="0" indent="0" algn="ctr" defTabSz="1377950">
-            <a:lnSpc>
-              <a:spcPct val="90000"/>
-            </a:lnSpc>
-            <a:spcBef>
-              <a:spcPct val="0"/>
-            </a:spcBef>
-            <a:spcAft>
-              <a:spcPct val="35000"/>
-            </a:spcAft>
-            <a:buNone/>
-          </a:pPr>
-          <a:endParaRPr lang="en-US" sz="3100" kern="1200" dirty="0"/>
-        </a:p>
-      </dsp:txBody>
-      <dsp:txXfrm>
-        <a:off x="1877718" y="1266618"/>
-        <a:ext cx="1393913" cy="1437467"/>
-      </dsp:txXfrm>
-    </dsp:sp>
-    <dsp:sp modelId="{DB3D4FDE-4C9B-48D7-B212-4B70B3B30472}">
-      <dsp:nvSpPr>
-        <dsp:cNvPr id="0" name=""/>
-        <dsp:cNvSpPr/>
-      </dsp:nvSpPr>
-      <dsp:spPr>
-        <a:xfrm>
-          <a:off x="3604493" y="1191211"/>
-          <a:ext cx="1544727" cy="1588281"/>
-        </a:xfrm>
-        <a:prstGeom prst="roundRect">
-          <a:avLst/>
-        </a:prstGeom>
-        <a:solidFill>
-          <a:schemeClr val="accent1">
-            <a:hueOff val="0"/>
-            <a:satOff val="0"/>
-            <a:lumOff val="0"/>
-            <a:alphaOff val="0"/>
-          </a:schemeClr>
-        </a:solidFill>
-        <a:ln w="22225" cap="rnd" cmpd="sng" algn="ctr">
-          <a:solidFill>
-            <a:schemeClr val="lt1">
-              <a:hueOff val="0"/>
-              <a:satOff val="0"/>
-              <a:lumOff val="0"/>
-              <a:alphaOff val="0"/>
-            </a:schemeClr>
-          </a:solidFill>
-          <a:prstDash val="solid"/>
-        </a:ln>
-        <a:effectLst/>
-      </dsp:spPr>
-      <dsp:style>
-        <a:lnRef idx="2">
-          <a:scrgbClr r="0" g="0" b="0"/>
-        </a:lnRef>
-        <a:fillRef idx="1">
-          <a:scrgbClr r="0" g="0" b="0"/>
-        </a:fillRef>
-        <a:effectRef idx="0">
-          <a:scrgbClr r="0" g="0" b="0"/>
-        </a:effectRef>
-        <a:fontRef idx="minor">
-          <a:schemeClr val="lt1"/>
-        </a:fontRef>
-      </dsp:style>
-      <dsp:txBody>
-        <a:bodyPr spcFirstLastPara="0" vert="horz" wrap="square" lIns="118110" tIns="118110" rIns="118110" bIns="118110" numCol="1" spcCol="1270" anchor="ctr" anchorCtr="0">
-          <a:noAutofit/>
-        </a:bodyPr>
-        <a:lstStyle/>
-        <a:p>
-          <a:pPr marL="0" lvl="0" indent="0" algn="ctr" defTabSz="1377950">
-            <a:lnSpc>
-              <a:spcPct val="90000"/>
-            </a:lnSpc>
-            <a:spcBef>
-              <a:spcPct val="0"/>
-            </a:spcBef>
-            <a:spcAft>
-              <a:spcPct val="35000"/>
-            </a:spcAft>
-            <a:buNone/>
-          </a:pPr>
-          <a:endParaRPr lang="en-US" sz="3100" kern="1200" dirty="0"/>
-        </a:p>
-      </dsp:txBody>
-      <dsp:txXfrm>
-        <a:off x="3679900" y="1266618"/>
-        <a:ext cx="1393913" cy="1437467"/>
-      </dsp:txXfrm>
-    </dsp:sp>
-    <dsp:sp modelId="{08657EB2-0DF2-401B-9CAF-EABD5BCE458B}">
-      <dsp:nvSpPr>
-        <dsp:cNvPr id="0" name=""/>
-        <dsp:cNvSpPr/>
-      </dsp:nvSpPr>
-      <dsp:spPr>
-        <a:xfrm>
-          <a:off x="5406676" y="1191211"/>
-          <a:ext cx="1544727" cy="1588281"/>
-        </a:xfrm>
-        <a:prstGeom prst="roundRect">
-          <a:avLst/>
-        </a:prstGeom>
-        <a:solidFill>
-          <a:schemeClr val="accent1">
-            <a:hueOff val="0"/>
-            <a:satOff val="0"/>
-            <a:lumOff val="0"/>
-            <a:alphaOff val="0"/>
-          </a:schemeClr>
-        </a:solidFill>
-        <a:ln w="22225" cap="rnd" cmpd="sng" algn="ctr">
-          <a:solidFill>
-            <a:schemeClr val="lt1">
-              <a:hueOff val="0"/>
-              <a:satOff val="0"/>
-              <a:lumOff val="0"/>
-              <a:alphaOff val="0"/>
-            </a:schemeClr>
-          </a:solidFill>
-          <a:prstDash val="solid"/>
-        </a:ln>
-        <a:effectLst/>
-      </dsp:spPr>
-      <dsp:style>
-        <a:lnRef idx="2">
-          <a:scrgbClr r="0" g="0" b="0"/>
-        </a:lnRef>
-        <a:fillRef idx="1">
-          <a:scrgbClr r="0" g="0" b="0"/>
-        </a:fillRef>
-        <a:effectRef idx="0">
-          <a:scrgbClr r="0" g="0" b="0"/>
-        </a:effectRef>
-        <a:fontRef idx="minor">
-          <a:schemeClr val="lt1"/>
-        </a:fontRef>
-      </dsp:style>
-      <dsp:txBody>
-        <a:bodyPr spcFirstLastPara="0" vert="horz" wrap="square" lIns="118110" tIns="118110" rIns="118110" bIns="118110" numCol="1" spcCol="1270" anchor="ctr" anchorCtr="0">
-          <a:noAutofit/>
-        </a:bodyPr>
-        <a:lstStyle/>
-        <a:p>
-          <a:pPr marL="0" lvl="0" indent="0" algn="ctr" defTabSz="1377950">
-            <a:lnSpc>
-              <a:spcPct val="90000"/>
-            </a:lnSpc>
-            <a:spcBef>
-              <a:spcPct val="0"/>
-            </a:spcBef>
-            <a:spcAft>
-              <a:spcPct val="35000"/>
-            </a:spcAft>
-            <a:buNone/>
-          </a:pPr>
-          <a:endParaRPr lang="en-US" sz="3100" kern="1200" dirty="0"/>
-        </a:p>
-      </dsp:txBody>
-      <dsp:txXfrm>
-        <a:off x="5482083" y="1266618"/>
-        <a:ext cx="1393913" cy="1437467"/>
-      </dsp:txXfrm>
-    </dsp:sp>
-    <dsp:sp modelId="{929B4F05-4FEB-4C04-9CB7-E7D7C949337C}">
-      <dsp:nvSpPr>
-        <dsp:cNvPr id="0" name=""/>
-        <dsp:cNvSpPr/>
-      </dsp:nvSpPr>
-      <dsp:spPr>
-        <a:xfrm>
-          <a:off x="7208858" y="1191211"/>
-          <a:ext cx="1544727" cy="1588281"/>
-        </a:xfrm>
-        <a:prstGeom prst="roundRect">
-          <a:avLst/>
-        </a:prstGeom>
-        <a:solidFill>
-          <a:schemeClr val="accent1">
-            <a:hueOff val="0"/>
-            <a:satOff val="0"/>
-            <a:lumOff val="0"/>
-            <a:alphaOff val="0"/>
-          </a:schemeClr>
-        </a:solidFill>
-        <a:ln w="22225" cap="rnd" cmpd="sng" algn="ctr">
-          <a:solidFill>
-            <a:schemeClr val="lt1">
-              <a:hueOff val="0"/>
-              <a:satOff val="0"/>
-              <a:lumOff val="0"/>
-              <a:alphaOff val="0"/>
-            </a:schemeClr>
-          </a:solidFill>
-          <a:prstDash val="solid"/>
-        </a:ln>
-        <a:effectLst/>
-      </dsp:spPr>
-      <dsp:style>
-        <a:lnRef idx="2">
-          <a:scrgbClr r="0" g="0" b="0"/>
-        </a:lnRef>
-        <a:fillRef idx="1">
-          <a:scrgbClr r="0" g="0" b="0"/>
-        </a:fillRef>
-        <a:effectRef idx="0">
-          <a:scrgbClr r="0" g="0" b="0"/>
-        </a:effectRef>
-        <a:fontRef idx="minor">
-          <a:schemeClr val="lt1"/>
-        </a:fontRef>
-      </dsp:style>
-      <dsp:txBody>
-        <a:bodyPr spcFirstLastPara="0" vert="horz" wrap="square" lIns="118110" tIns="118110" rIns="118110" bIns="118110" numCol="1" spcCol="1270" anchor="ctr" anchorCtr="0">
-          <a:noAutofit/>
-        </a:bodyPr>
-        <a:lstStyle/>
-        <a:p>
-          <a:pPr marL="0" lvl="0" indent="0" algn="ctr" defTabSz="1377950">
-            <a:lnSpc>
-              <a:spcPct val="90000"/>
-            </a:lnSpc>
-            <a:spcBef>
-              <a:spcPct val="0"/>
-            </a:spcBef>
-            <a:spcAft>
-              <a:spcPct val="35000"/>
-            </a:spcAft>
-            <a:buNone/>
-          </a:pPr>
-          <a:endParaRPr lang="en-US" sz="3100" kern="1200" dirty="0"/>
-        </a:p>
-      </dsp:txBody>
-      <dsp:txXfrm>
-        <a:off x="7284265" y="1266618"/>
-        <a:ext cx="1393913" cy="1437467"/>
-      </dsp:txXfrm>
-    </dsp:sp>
-    <dsp:sp modelId="{22280DE5-4AFC-4FE0-8F8D-4B72D51BCDCF}">
-      <dsp:nvSpPr>
-        <dsp:cNvPr id="0" name=""/>
-        <dsp:cNvSpPr/>
-      </dsp:nvSpPr>
-      <dsp:spPr>
-        <a:xfrm>
-          <a:off x="9011041" y="1191211"/>
-          <a:ext cx="1544727" cy="1588281"/>
-        </a:xfrm>
-        <a:prstGeom prst="roundRect">
-          <a:avLst/>
-        </a:prstGeom>
-        <a:solidFill>
-          <a:schemeClr val="accent1">
-            <a:hueOff val="0"/>
-            <a:satOff val="0"/>
-            <a:lumOff val="0"/>
-            <a:alphaOff val="0"/>
-          </a:schemeClr>
-        </a:solidFill>
-        <a:ln w="22225" cap="rnd" cmpd="sng" algn="ctr">
-          <a:solidFill>
-            <a:schemeClr val="lt1">
-              <a:hueOff val="0"/>
-              <a:satOff val="0"/>
-              <a:lumOff val="0"/>
-              <a:alphaOff val="0"/>
-            </a:schemeClr>
-          </a:solidFill>
-          <a:prstDash val="solid"/>
-        </a:ln>
-        <a:effectLst/>
-      </dsp:spPr>
-      <dsp:style>
-        <a:lnRef idx="2">
-          <a:scrgbClr r="0" g="0" b="0"/>
-        </a:lnRef>
-        <a:fillRef idx="1">
-          <a:scrgbClr r="0" g="0" b="0"/>
-        </a:fillRef>
-        <a:effectRef idx="0">
-          <a:scrgbClr r="0" g="0" b="0"/>
-        </a:effectRef>
-        <a:fontRef idx="minor">
-          <a:schemeClr val="lt1"/>
-        </a:fontRef>
-      </dsp:style>
-      <dsp:txBody>
-        <a:bodyPr spcFirstLastPara="0" vert="horz" wrap="square" lIns="118110" tIns="118110" rIns="118110" bIns="118110" numCol="1" spcCol="1270" anchor="ctr" anchorCtr="0">
-          <a:noAutofit/>
-        </a:bodyPr>
-        <a:lstStyle/>
-        <a:p>
-          <a:pPr marL="0" lvl="0" indent="0" algn="ctr" defTabSz="1377950">
-            <a:lnSpc>
-              <a:spcPct val="90000"/>
-            </a:lnSpc>
-            <a:spcBef>
-              <a:spcPct val="0"/>
-            </a:spcBef>
-            <a:spcAft>
-              <a:spcPct val="35000"/>
-            </a:spcAft>
-            <a:buNone/>
-          </a:pPr>
-          <a:endParaRPr lang="en-US" sz="3100" kern="1200" dirty="0"/>
-        </a:p>
-      </dsp:txBody>
-      <dsp:txXfrm>
-        <a:off x="9086448" y="1266618"/>
-        <a:ext cx="1393913" cy="1437467"/>
-      </dsp:txXfrm>
-    </dsp:sp>
-  </dsp:spTree>
-</dsp:drawing>
-</file>
-
-<file path=ppt/diagrams/drawing2.xml><?xml version="1.0" encoding="utf-8"?>
-<dsp:drawing xmlns:dgm="http://schemas.openxmlformats.org/drawingml/2006/diagram" xmlns:dsp="http://schemas.microsoft.com/office/drawing/2008/diagram" xmlns:a="http://schemas.openxmlformats.org/drawingml/2006/main">
-  <dsp:spTree>
-    <dsp:nvGrpSpPr>
-      <dsp:cNvPr id="0" name=""/>
-      <dsp:cNvGrpSpPr/>
-    </dsp:nvGrpSpPr>
-    <dsp:grpSpPr/>
     <dsp:sp modelId="{6CCCDC42-FB56-4C1B-AAFD-35C38DCA61EC}">
       <dsp:nvSpPr>
         <dsp:cNvPr id="0" name=""/>
@@ -4627,8 +2902,8 @@
       </dsp:nvSpPr>
       <dsp:spPr>
         <a:xfrm>
-          <a:off x="428703" y="1075886"/>
-          <a:ext cx="1695423" cy="1482013"/>
+          <a:off x="426435" y="574445"/>
+          <a:ext cx="1693269" cy="1480130"/>
         </a:xfrm>
         <a:prstGeom prst="rightArrow">
           <a:avLst>
@@ -4674,12 +2949,12 @@
         <a:fontRef idx="minor"/>
       </dsp:style>
       <dsp:txBody>
-        <a:bodyPr spcFirstLastPara="0" vert="horz" wrap="square" lIns="30480" tIns="7620" rIns="15240" bIns="7620" numCol="1" spcCol="1270" anchor="ctr" anchorCtr="0">
+        <a:bodyPr spcFirstLastPara="0" vert="horz" wrap="square" lIns="25400" tIns="6350" rIns="12700" bIns="6350" numCol="1" spcCol="1270" anchor="ctr" anchorCtr="0">
           <a:noAutofit/>
         </a:bodyPr>
         <a:lstStyle/>
         <a:p>
-          <a:pPr marL="114300" lvl="1" indent="-114300" algn="l" defTabSz="533400">
+          <a:pPr marL="0" lvl="0" indent="0" algn="ctr" defTabSz="444500">
             <a:lnSpc>
               <a:spcPct val="90000"/>
             </a:lnSpc>
@@ -4687,34 +2962,20 @@
               <a:spcPct val="0"/>
             </a:spcBef>
             <a:spcAft>
-              <a:spcPct val="15000"/>
+              <a:spcPct val="35000"/>
             </a:spcAft>
-            <a:buChar char="•"/>
+            <a:buFont typeface="Arial" panose="020B0604020202020204" pitchFamily="34" charset="0"/>
+            <a:buNone/>
           </a:pPr>
           <a:r>
-            <a:rPr lang="en-US" sz="1200" kern="1200" dirty="0"/>
-            <a:t>Clean Tweets</a:t>
+            <a:rPr lang="en-US" sz="1000" kern="1200" dirty="0"/>
+            <a:t>Remove Upper Case, Punctuation, Stop-words, … etc.</a:t>
           </a:r>
-        </a:p>
-        <a:p>
-          <a:pPr marL="57150" lvl="1" indent="-57150" algn="l" defTabSz="488950">
-            <a:lnSpc>
-              <a:spcPct val="90000"/>
-            </a:lnSpc>
-            <a:spcBef>
-              <a:spcPct val="0"/>
-            </a:spcBef>
-            <a:spcAft>
-              <a:spcPct val="15000"/>
-            </a:spcAft>
-            <a:buChar char="•"/>
-          </a:pPr>
-          <a:endParaRPr lang="en-US" sz="1100" kern="1200" dirty="0"/>
         </a:p>
       </dsp:txBody>
       <dsp:txXfrm>
-        <a:off x="852559" y="1298188"/>
-        <a:ext cx="826519" cy="1037409"/>
+        <a:off x="849752" y="796465"/>
+        <a:ext cx="825469" cy="1036091"/>
       </dsp:txXfrm>
     </dsp:sp>
     <dsp:sp modelId="{9DC668E7-0EFA-43C4-B93A-2C084044A0E4}">
@@ -4724,8 +2985,8 @@
       </dsp:nvSpPr>
       <dsp:spPr>
         <a:xfrm>
-          <a:off x="4847" y="1393037"/>
-          <a:ext cx="847711" cy="847711"/>
+          <a:off x="3117" y="891193"/>
+          <a:ext cx="846634" cy="846634"/>
         </a:xfrm>
         <a:prstGeom prst="ellipse">
           <a:avLst/>
@@ -4766,12 +3027,12 @@
         </a:fontRef>
       </dsp:style>
       <dsp:txBody>
-        <a:bodyPr spcFirstLastPara="0" vert="horz" wrap="square" lIns="8890" tIns="8890" rIns="8890" bIns="8890" numCol="1" spcCol="1270" anchor="ctr" anchorCtr="0">
+        <a:bodyPr spcFirstLastPara="0" vert="horz" wrap="square" lIns="7620" tIns="7620" rIns="7620" bIns="7620" numCol="1" spcCol="1270" anchor="ctr" anchorCtr="0">
           <a:noAutofit/>
         </a:bodyPr>
         <a:lstStyle/>
         <a:p>
-          <a:pPr marL="0" lvl="0" indent="0" algn="ctr" defTabSz="622300">
+          <a:pPr marL="0" lvl="0" indent="0" algn="ctr" defTabSz="533400">
             <a:lnSpc>
               <a:spcPct val="90000"/>
             </a:lnSpc>
@@ -4784,19 +3045,18 @@
             <a:buNone/>
           </a:pPr>
           <a:r>
-            <a:rPr lang="en-US" sz="1400" kern="1200" dirty="0"/>
-            <a:t>Tweets </a:t>
+            <a:rPr lang="en-US" sz="1200" kern="1200" dirty="0"/>
+            <a:t>Tweets</a:t>
           </a:r>
           <a:r>
-            <a:rPr lang="en-US" sz="1100" kern="1200" dirty="0"/>
-            <a:t>(true &amp; false)</a:t>
+            <a:rPr lang="en-US" sz="1400" kern="1200" dirty="0"/>
+            <a:t> </a:t>
           </a:r>
-          <a:endParaRPr lang="en-US" sz="1400" kern="1200" dirty="0"/>
         </a:p>
       </dsp:txBody>
       <dsp:txXfrm>
-        <a:off x="128991" y="1517181"/>
-        <a:ext cx="599423" cy="599423"/>
+        <a:off x="127104" y="1015180"/>
+        <a:ext cx="598660" cy="598660"/>
       </dsp:txXfrm>
     </dsp:sp>
     <dsp:sp modelId="{8FD4F355-FE1A-41BC-8EAE-FD83C51040F8}">
@@ -4806,8 +3066,8 @@
       </dsp:nvSpPr>
       <dsp:spPr>
         <a:xfrm>
-          <a:off x="2653947" y="1075886"/>
-          <a:ext cx="1695423" cy="1482013"/>
+          <a:off x="2648851" y="574445"/>
+          <a:ext cx="1693269" cy="1480130"/>
         </a:xfrm>
         <a:prstGeom prst="rightArrow">
           <a:avLst>
@@ -4853,12 +3113,12 @@
         <a:fontRef idx="minor"/>
       </dsp:style>
       <dsp:txBody>
-        <a:bodyPr spcFirstLastPara="0" vert="horz" wrap="square" lIns="20320" tIns="5080" rIns="10160" bIns="5080" numCol="1" spcCol="1270" anchor="ctr" anchorCtr="0">
+        <a:bodyPr spcFirstLastPara="0" vert="horz" wrap="square" lIns="25400" tIns="6350" rIns="12700" bIns="6350" numCol="1" spcCol="1270" anchor="ctr" anchorCtr="0">
           <a:noAutofit/>
         </a:bodyPr>
         <a:lstStyle/>
         <a:p>
-          <a:pPr marL="57150" lvl="1" indent="-57150" algn="l" defTabSz="355600">
+          <a:pPr marL="0" lvl="0" indent="0" algn="ctr" defTabSz="444500">
             <a:lnSpc>
               <a:spcPct val="90000"/>
             </a:lnSpc>
@@ -4866,95 +3126,20 @@
               <a:spcPct val="0"/>
             </a:spcBef>
             <a:spcAft>
-              <a:spcPct val="15000"/>
+              <a:spcPct val="35000"/>
             </a:spcAft>
-            <a:buChar char="•"/>
+            <a:buNone/>
           </a:pPr>
           <a:r>
-            <a:rPr lang="en-US" sz="800" kern="1200" dirty="0"/>
-            <a:t>From Words to Numbers</a:t>
+            <a:rPr lang="en-US" sz="1000" kern="1200" dirty="0"/>
+            <a:t>Split into Training &amp; Testing sets</a:t>
           </a:r>
-        </a:p>
-        <a:p>
-          <a:pPr marL="57150" lvl="1" indent="-57150" algn="l" defTabSz="355600">
-            <a:lnSpc>
-              <a:spcPct val="90000"/>
-            </a:lnSpc>
-            <a:spcBef>
-              <a:spcPct val="0"/>
-            </a:spcBef>
-            <a:spcAft>
-              <a:spcPct val="15000"/>
-            </a:spcAft>
-            <a:buChar char="•"/>
-          </a:pPr>
-          <a:r>
-            <a:rPr lang="en-US" sz="800" kern="1200"/>
-            <a:t>CountVectorize</a:t>
-          </a:r>
-          <a:endParaRPr lang="en-US" sz="800" kern="1200" dirty="0"/>
-        </a:p>
-        <a:p>
-          <a:pPr marL="57150" lvl="1" indent="-57150" algn="l" defTabSz="355600">
-            <a:lnSpc>
-              <a:spcPct val="90000"/>
-            </a:lnSpc>
-            <a:spcBef>
-              <a:spcPct val="0"/>
-            </a:spcBef>
-            <a:spcAft>
-              <a:spcPct val="15000"/>
-            </a:spcAft>
-            <a:buChar char="•"/>
-          </a:pPr>
-          <a:r>
-            <a:rPr lang="en-US" sz="800" kern="1200"/>
-            <a:t>TF-IDF</a:t>
-          </a:r>
-          <a:endParaRPr lang="en-US" sz="800" kern="1200" dirty="0"/>
-        </a:p>
-        <a:p>
-          <a:pPr marL="57150" lvl="1" indent="-57150" algn="l" defTabSz="355600">
-            <a:lnSpc>
-              <a:spcPct val="90000"/>
-            </a:lnSpc>
-            <a:spcBef>
-              <a:spcPct val="0"/>
-            </a:spcBef>
-            <a:spcAft>
-              <a:spcPct val="15000"/>
-            </a:spcAft>
-            <a:buChar char="•"/>
-          </a:pPr>
-          <a:r>
-            <a:rPr lang="en-US" sz="800" kern="1200"/>
-            <a:t>Word2Vec</a:t>
-          </a:r>
-          <a:endParaRPr lang="en-US" sz="800" kern="1200" dirty="0"/>
-        </a:p>
-        <a:p>
-          <a:pPr marL="57150" lvl="1" indent="-57150" algn="l" defTabSz="355600">
-            <a:lnSpc>
-              <a:spcPct val="90000"/>
-            </a:lnSpc>
-            <a:spcBef>
-              <a:spcPct val="0"/>
-            </a:spcBef>
-            <a:spcAft>
-              <a:spcPct val="15000"/>
-            </a:spcAft>
-            <a:buChar char="•"/>
-          </a:pPr>
-          <a:r>
-            <a:rPr lang="en-US" sz="800" kern="1200" dirty="0" err="1"/>
-            <a:t>GloVe</a:t>
-          </a:r>
-          <a:endParaRPr lang="en-US" sz="800" kern="1200" dirty="0"/>
+          <a:endParaRPr lang="en-US" sz="1200" kern="1200" dirty="0"/>
         </a:p>
       </dsp:txBody>
       <dsp:txXfrm>
-        <a:off x="3077803" y="1298188"/>
-        <a:ext cx="826519" cy="1037409"/>
+        <a:off x="3072168" y="796465"/>
+        <a:ext cx="825469" cy="1036091"/>
       </dsp:txXfrm>
     </dsp:sp>
     <dsp:sp modelId="{DFC4E36F-E6DC-43CB-9B2E-0E0D0BA62049}">
@@ -4964,8 +3149,8 @@
       </dsp:nvSpPr>
       <dsp:spPr>
         <a:xfrm>
-          <a:off x="2230091" y="1393037"/>
-          <a:ext cx="847711" cy="847711"/>
+          <a:off x="2225534" y="891193"/>
+          <a:ext cx="846634" cy="846634"/>
         </a:xfrm>
         <a:prstGeom prst="ellipse">
           <a:avLst/>
@@ -5006,12 +3191,12 @@
         </a:fontRef>
       </dsp:style>
       <dsp:txBody>
-        <a:bodyPr spcFirstLastPara="0" vert="horz" wrap="square" lIns="10795" tIns="10795" rIns="10795" bIns="10795" numCol="1" spcCol="1270" anchor="ctr" anchorCtr="0">
+        <a:bodyPr spcFirstLastPara="0" vert="horz" wrap="square" lIns="7620" tIns="7620" rIns="7620" bIns="7620" numCol="1" spcCol="1270" anchor="ctr" anchorCtr="0">
           <a:noAutofit/>
         </a:bodyPr>
         <a:lstStyle/>
         <a:p>
-          <a:pPr marL="0" lvl="0" indent="0" algn="ctr" defTabSz="755650">
+          <a:pPr marL="0" lvl="0" indent="0" algn="ctr" defTabSz="533400">
             <a:lnSpc>
               <a:spcPct val="90000"/>
             </a:lnSpc>
@@ -5024,14 +3209,14 @@
             <a:buNone/>
           </a:pPr>
           <a:r>
-            <a:rPr lang="en-US" sz="1700" kern="1200" dirty="0"/>
+            <a:rPr lang="en-US" sz="1200" kern="1200" dirty="0"/>
             <a:t>List of words</a:t>
           </a:r>
         </a:p>
       </dsp:txBody>
       <dsp:txXfrm>
-        <a:off x="2354235" y="1517181"/>
-        <a:ext cx="599423" cy="599423"/>
+        <a:off x="2349521" y="1015180"/>
+        <a:ext cx="598660" cy="598660"/>
       </dsp:txXfrm>
     </dsp:sp>
     <dsp:sp modelId="{837D470B-67F9-443A-A26B-187E3DFE6CAA}">
@@ -5041,8 +3226,8 @@
       </dsp:nvSpPr>
       <dsp:spPr>
         <a:xfrm>
-          <a:off x="4879191" y="1075886"/>
-          <a:ext cx="1695423" cy="1482013"/>
+          <a:off x="4871267" y="574445"/>
+          <a:ext cx="1693269" cy="1480130"/>
         </a:xfrm>
         <a:prstGeom prst="rightArrow">
           <a:avLst>
@@ -5088,12 +3273,12 @@
         <a:fontRef idx="minor"/>
       </dsp:style>
       <dsp:txBody>
-        <a:bodyPr spcFirstLastPara="0" vert="horz" wrap="square" lIns="20320" tIns="5080" rIns="10160" bIns="5080" numCol="1" spcCol="1270" anchor="ctr" anchorCtr="0">
+        <a:bodyPr spcFirstLastPara="0" vert="horz" wrap="square" lIns="25400" tIns="6350" rIns="12700" bIns="6350" numCol="1" spcCol="1270" anchor="ctr" anchorCtr="0">
           <a:noAutofit/>
         </a:bodyPr>
         <a:lstStyle/>
         <a:p>
-          <a:pPr marL="57150" lvl="1" indent="-57150" algn="l" defTabSz="355600">
+          <a:pPr marL="0" lvl="0" indent="0" algn="ctr" defTabSz="444500">
             <a:lnSpc>
               <a:spcPct val="90000"/>
             </a:lnSpc>
@@ -5101,31 +3286,19 @@
               <a:spcPct val="0"/>
             </a:spcBef>
             <a:spcAft>
-              <a:spcPct val="15000"/>
+              <a:spcPct val="35000"/>
             </a:spcAft>
-            <a:buChar char="•"/>
+            <a:buNone/>
           </a:pPr>
-          <a:endParaRPr lang="en-US" sz="800" kern="1200" dirty="0"/>
-        </a:p>
-        <a:p>
-          <a:pPr marL="57150" lvl="1" indent="-57150" algn="l" defTabSz="355600">
-            <a:lnSpc>
-              <a:spcPct val="90000"/>
-            </a:lnSpc>
-            <a:spcBef>
-              <a:spcPct val="0"/>
-            </a:spcBef>
-            <a:spcAft>
-              <a:spcPct val="15000"/>
-            </a:spcAft>
-            <a:buChar char="•"/>
-          </a:pPr>
-          <a:endParaRPr lang="en-US" sz="800" kern="1200" dirty="0"/>
+          <a:r>
+            <a:rPr lang="en-US" sz="1000" kern="1200" dirty="0"/>
+            <a:t>From Words to Numbers </a:t>
+          </a:r>
         </a:p>
       </dsp:txBody>
       <dsp:txXfrm>
-        <a:off x="5303047" y="1298188"/>
-        <a:ext cx="826519" cy="1037409"/>
+        <a:off x="5294585" y="796465"/>
+        <a:ext cx="825469" cy="1036091"/>
       </dsp:txXfrm>
     </dsp:sp>
     <dsp:sp modelId="{966D2B8A-3ADD-4776-B91F-9807B495D2D5}">
@@ -5135,8 +3308,8 @@
       </dsp:nvSpPr>
       <dsp:spPr>
         <a:xfrm>
-          <a:off x="4455335" y="1393037"/>
-          <a:ext cx="847711" cy="847711"/>
+          <a:off x="4447950" y="891193"/>
+          <a:ext cx="846634" cy="846634"/>
         </a:xfrm>
         <a:prstGeom prst="ellipse">
           <a:avLst/>
@@ -5177,12 +3350,12 @@
         </a:fontRef>
       </dsp:style>
       <dsp:txBody>
-        <a:bodyPr spcFirstLastPara="0" vert="horz" wrap="square" lIns="10795" tIns="10795" rIns="10795" bIns="10795" numCol="1" spcCol="1270" anchor="ctr" anchorCtr="0">
+        <a:bodyPr spcFirstLastPara="0" vert="horz" wrap="square" lIns="7620" tIns="7620" rIns="7620" bIns="7620" numCol="1" spcCol="1270" anchor="ctr" anchorCtr="0">
           <a:noAutofit/>
         </a:bodyPr>
         <a:lstStyle/>
         <a:p>
-          <a:pPr marL="0" lvl="0" indent="0" algn="ctr" defTabSz="755650">
+          <a:pPr marL="0" lvl="0" indent="0" algn="ctr" defTabSz="533400">
             <a:lnSpc>
               <a:spcPct val="90000"/>
             </a:lnSpc>
@@ -5194,12 +3367,15 @@
             </a:spcAft>
             <a:buNone/>
           </a:pPr>
-          <a:endParaRPr lang="en-US" sz="1700" kern="1200" dirty="0"/>
+          <a:r>
+            <a:rPr lang="en-US" sz="1200" kern="1200" dirty="0"/>
+            <a:t>Training &amp; Testing Lists</a:t>
+          </a:r>
         </a:p>
       </dsp:txBody>
       <dsp:txXfrm>
-        <a:off x="4579479" y="1517181"/>
-        <a:ext cx="599423" cy="599423"/>
+        <a:off x="4571937" y="1015180"/>
+        <a:ext cx="598660" cy="598660"/>
       </dsp:txXfrm>
     </dsp:sp>
     <dsp:sp modelId="{54CDC1EF-F04E-4413-A41A-44EDE21190C1}">
@@ -5209,8 +3385,8 @@
       </dsp:nvSpPr>
       <dsp:spPr>
         <a:xfrm>
-          <a:off x="7104434" y="1075886"/>
-          <a:ext cx="1695423" cy="1482013"/>
+          <a:off x="7093684" y="574445"/>
+          <a:ext cx="1693269" cy="1480130"/>
         </a:xfrm>
         <a:prstGeom prst="rightArrow">
           <a:avLst>
@@ -5256,12 +3432,12 @@
         <a:fontRef idx="minor"/>
       </dsp:style>
       <dsp:txBody>
-        <a:bodyPr spcFirstLastPara="0" vert="horz" wrap="square" lIns="20320" tIns="5080" rIns="10160" bIns="5080" numCol="1" spcCol="1270" anchor="ctr" anchorCtr="0">
+        <a:bodyPr spcFirstLastPara="0" vert="horz" wrap="square" lIns="25400" tIns="6350" rIns="12700" bIns="6350" numCol="1" spcCol="1270" anchor="ctr" anchorCtr="0">
           <a:noAutofit/>
         </a:bodyPr>
         <a:lstStyle/>
         <a:p>
-          <a:pPr marL="57150" lvl="1" indent="-57150" algn="l" defTabSz="355600">
+          <a:pPr marL="57150" lvl="1" indent="-57150" algn="l" defTabSz="444500">
             <a:lnSpc>
               <a:spcPct val="90000"/>
             </a:lnSpc>
@@ -5274,13 +3450,12 @@
             <a:buChar char="•"/>
           </a:pPr>
           <a:r>
-            <a:rPr lang="en-US" sz="800" kern="1200" dirty="0" err="1"/>
-            <a:t>nn</a:t>
+            <a:rPr lang="en-US" sz="1000" kern="1200" dirty="0"/>
+            <a:t>Train/Tune Classifiers</a:t>
           </a:r>
-          <a:endParaRPr lang="en-US" sz="800" kern="1200" dirty="0"/>
         </a:p>
         <a:p>
-          <a:pPr marL="57150" lvl="1" indent="-57150" algn="l" defTabSz="355600">
+          <a:pPr marL="57150" lvl="1" indent="-57150" algn="l" defTabSz="444500">
             <a:lnSpc>
               <a:spcPct val="90000"/>
             </a:lnSpc>
@@ -5293,14 +3468,14 @@
             <a:buChar char="•"/>
           </a:pPr>
           <a:r>
-            <a:rPr lang="en-US" sz="800" kern="1200" dirty="0"/>
-            <a:t>Kk</a:t>
+            <a:rPr lang="en-US" sz="1000" kern="1200" dirty="0"/>
+            <a:t>Classify Testing Tweets</a:t>
           </a:r>
         </a:p>
       </dsp:txBody>
       <dsp:txXfrm>
-        <a:off x="7528290" y="1298188"/>
-        <a:ext cx="826519" cy="1037409"/>
+        <a:off x="7517001" y="796465"/>
+        <a:ext cx="825469" cy="1036091"/>
       </dsp:txXfrm>
     </dsp:sp>
     <dsp:sp modelId="{1FA0DE21-12AB-4DF2-B400-5B73B7C88E69}">
@@ -5310,8 +3485,8 @@
       </dsp:nvSpPr>
       <dsp:spPr>
         <a:xfrm>
-          <a:off x="6680578" y="1393037"/>
-          <a:ext cx="847711" cy="847711"/>
+          <a:off x="6670366" y="891193"/>
+          <a:ext cx="846634" cy="846634"/>
         </a:xfrm>
         <a:prstGeom prst="ellipse">
           <a:avLst/>
@@ -5352,12 +3527,12 @@
         </a:fontRef>
       </dsp:style>
       <dsp:txBody>
-        <a:bodyPr spcFirstLastPara="0" vert="horz" wrap="square" lIns="10795" tIns="10795" rIns="10795" bIns="10795" numCol="1" spcCol="1270" anchor="ctr" anchorCtr="0">
+        <a:bodyPr spcFirstLastPara="0" vert="horz" wrap="square" lIns="7620" tIns="7620" rIns="7620" bIns="7620" numCol="1" spcCol="1270" anchor="ctr" anchorCtr="0">
           <a:noAutofit/>
         </a:bodyPr>
         <a:lstStyle/>
         <a:p>
-          <a:pPr marL="0" lvl="0" indent="0" algn="ctr" defTabSz="755650">
+          <a:pPr marL="0" lvl="0" indent="0" algn="ctr" defTabSz="533400">
             <a:lnSpc>
               <a:spcPct val="90000"/>
             </a:lnSpc>
@@ -5370,14 +3545,14 @@
             <a:buNone/>
           </a:pPr>
           <a:r>
-            <a:rPr lang="en-US" sz="1700" kern="1200" dirty="0"/>
-            <a:t>Ff</a:t>
+            <a:rPr lang="en-US" sz="1200" kern="1200" dirty="0"/>
+            <a:t>Training &amp; Testing Matrices</a:t>
           </a:r>
         </a:p>
       </dsp:txBody>
       <dsp:txXfrm>
-        <a:off x="6804722" y="1517181"/>
-        <a:ext cx="599423" cy="599423"/>
+        <a:off x="6794353" y="1015180"/>
+        <a:ext cx="598660" cy="598660"/>
       </dsp:txXfrm>
     </dsp:sp>
     <dsp:sp modelId="{7426F8D9-6479-4C0E-B041-8747115A7003}">
@@ -5387,8 +3562,8 @@
       </dsp:nvSpPr>
       <dsp:spPr>
         <a:xfrm>
-          <a:off x="9329678" y="1075886"/>
-          <a:ext cx="1695423" cy="1482013"/>
+          <a:off x="9333562" y="574445"/>
+          <a:ext cx="1693269" cy="1480130"/>
         </a:xfrm>
         <a:prstGeom prst="rightArrow">
           <a:avLst>
@@ -5433,6 +3608,52 @@
         </a:effectRef>
         <a:fontRef idx="minor"/>
       </dsp:style>
+      <dsp:txBody>
+        <a:bodyPr spcFirstLastPara="0" vert="horz" wrap="square" lIns="25400" tIns="6350" rIns="12700" bIns="6350" numCol="1" spcCol="1270" anchor="ctr" anchorCtr="0">
+          <a:noAutofit/>
+        </a:bodyPr>
+        <a:lstStyle/>
+        <a:p>
+          <a:pPr marL="57150" lvl="1" indent="-57150" algn="l" defTabSz="444500">
+            <a:lnSpc>
+              <a:spcPct val="90000"/>
+            </a:lnSpc>
+            <a:spcBef>
+              <a:spcPct val="0"/>
+            </a:spcBef>
+            <a:spcAft>
+              <a:spcPct val="15000"/>
+            </a:spcAft>
+            <a:buChar char="•"/>
+          </a:pPr>
+          <a:r>
+            <a:rPr lang="en-US" sz="1000" kern="1200" dirty="0"/>
+            <a:t>Accuracy</a:t>
+          </a:r>
+        </a:p>
+        <a:p>
+          <a:pPr marL="57150" lvl="1" indent="-57150" algn="l" defTabSz="444500">
+            <a:lnSpc>
+              <a:spcPct val="90000"/>
+            </a:lnSpc>
+            <a:spcBef>
+              <a:spcPct val="0"/>
+            </a:spcBef>
+            <a:spcAft>
+              <a:spcPct val="15000"/>
+            </a:spcAft>
+            <a:buChar char="•"/>
+          </a:pPr>
+          <a:r>
+            <a:rPr lang="en-US" sz="1000" kern="1200" dirty="0"/>
+            <a:t>Precision and Recall Rates</a:t>
+          </a:r>
+        </a:p>
+      </dsp:txBody>
+      <dsp:txXfrm>
+        <a:off x="9756880" y="796465"/>
+        <a:ext cx="825469" cy="1036091"/>
+      </dsp:txXfrm>
     </dsp:sp>
     <dsp:sp modelId="{E7D392FA-306F-4A6C-AFBA-4CBB5BB4382F}">
       <dsp:nvSpPr>
@@ -5441,8 +3662,8 @@
       </dsp:nvSpPr>
       <dsp:spPr>
         <a:xfrm>
-          <a:off x="8905822" y="1393037"/>
-          <a:ext cx="847711" cy="847711"/>
+          <a:off x="8892783" y="891193"/>
+          <a:ext cx="881558" cy="846634"/>
         </a:xfrm>
         <a:prstGeom prst="ellipse">
           <a:avLst/>
@@ -5483,12 +3704,12 @@
         </a:fontRef>
       </dsp:style>
       <dsp:txBody>
-        <a:bodyPr spcFirstLastPara="0" vert="horz" wrap="square" lIns="10795" tIns="10795" rIns="10795" bIns="10795" numCol="1" spcCol="1270" anchor="ctr" anchorCtr="0">
+        <a:bodyPr spcFirstLastPara="0" vert="horz" wrap="square" lIns="7620" tIns="7620" rIns="7620" bIns="7620" numCol="1" spcCol="1270" anchor="ctr" anchorCtr="0">
           <a:noAutofit/>
         </a:bodyPr>
         <a:lstStyle/>
         <a:p>
-          <a:pPr marL="0" lvl="0" indent="0" algn="ctr" defTabSz="755650">
+          <a:pPr marL="0" lvl="0" indent="0" algn="ctr" defTabSz="533400">
             <a:lnSpc>
               <a:spcPct val="90000"/>
             </a:lnSpc>
@@ -5501,22 +3722,21 @@
             <a:buNone/>
           </a:pPr>
           <a:r>
-            <a:rPr lang="en-US" sz="1700" kern="1200" dirty="0" err="1"/>
-            <a:t>nn</a:t>
+            <a:rPr lang="en-US" sz="1200" kern="1200" dirty="0"/>
+            <a:t>True or False Tweet</a:t>
           </a:r>
-          <a:endParaRPr lang="en-US" sz="1700" kern="1200" dirty="0"/>
         </a:p>
       </dsp:txBody>
       <dsp:txXfrm>
-        <a:off x="9029966" y="1517181"/>
-        <a:ext cx="599423" cy="599423"/>
+        <a:off x="9021884" y="1015180"/>
+        <a:ext cx="623356" cy="598660"/>
       </dsp:txXfrm>
     </dsp:sp>
   </dsp:spTree>
 </dsp:drawing>
 </file>
 
-<file path=ppt/diagrams/drawing3.xml><?xml version="1.0" encoding="utf-8"?>
+<file path=ppt/diagrams/drawing2.xml><?xml version="1.0" encoding="utf-8"?>
 <dsp:drawing xmlns:dgm="http://schemas.openxmlformats.org/drawingml/2006/diagram" xmlns:dsp="http://schemas.microsoft.com/office/drawing/2008/diagram" xmlns:a="http://schemas.openxmlformats.org/drawingml/2006/main">
   <dsp:spTree>
     <dsp:nvGrpSpPr>
@@ -6219,160 +4439,6 @@
 </file>
 
 <file path=ppt/diagrams/layout1.xml><?xml version="1.0" encoding="utf-8"?>
-<dgm:layoutDef xmlns:dgm="http://schemas.openxmlformats.org/drawingml/2006/diagram" xmlns:a="http://schemas.openxmlformats.org/drawingml/2006/main" uniqueId="urn:microsoft.com/office/officeart/2005/8/layout/hProcess9">
-  <dgm:title val=""/>
-  <dgm:desc val=""/>
-  <dgm:catLst>
-    <dgm:cat type="process" pri="5000"/>
-    <dgm:cat type="convert" pri="13000"/>
-  </dgm:catLst>
-  <dgm:sampData useDef="1">
-    <dgm:dataModel>
-      <dgm:ptLst/>
-      <dgm:bg/>
-      <dgm:whole/>
-    </dgm:dataModel>
-  </dgm:sampData>
-  <dgm:styleData>
-    <dgm:dataModel>
-      <dgm:ptLst>
-        <dgm:pt modelId="0" type="doc"/>
-        <dgm:pt modelId="1"/>
-        <dgm:pt modelId="2"/>
-      </dgm:ptLst>
-      <dgm:cxnLst>
-        <dgm:cxn modelId="3" srcId="0" destId="1" srcOrd="0" destOrd="0"/>
-        <dgm:cxn modelId="4" srcId="0" destId="2" srcOrd="1" destOrd="0"/>
-      </dgm:cxnLst>
-      <dgm:bg/>
-      <dgm:whole/>
-    </dgm:dataModel>
-  </dgm:styleData>
-  <dgm:clrData>
-    <dgm:dataModel>
-      <dgm:ptLst>
-        <dgm:pt modelId="0" type="doc"/>
-        <dgm:pt modelId="1"/>
-        <dgm:pt modelId="2"/>
-        <dgm:pt modelId="3"/>
-        <dgm:pt modelId="4"/>
-      </dgm:ptLst>
-      <dgm:cxnLst>
-        <dgm:cxn modelId="5" srcId="0" destId="1" srcOrd="0" destOrd="0"/>
-        <dgm:cxn modelId="6" srcId="0" destId="2" srcOrd="1" destOrd="0"/>
-        <dgm:cxn modelId="7" srcId="0" destId="3" srcOrd="2" destOrd="0"/>
-        <dgm:cxn modelId="8" srcId="0" destId="4" srcOrd="3" destOrd="0"/>
-      </dgm:cxnLst>
-      <dgm:bg/>
-      <dgm:whole/>
-    </dgm:dataModel>
-  </dgm:clrData>
-  <dgm:layoutNode name="CompostProcess">
-    <dgm:varLst>
-      <dgm:dir/>
-      <dgm:resizeHandles val="exact"/>
-    </dgm:varLst>
-    <dgm:alg type="composite">
-      <dgm:param type="horzAlign" val="ctr"/>
-      <dgm:param type="vertAlign" val="mid"/>
-    </dgm:alg>
-    <dgm:shape xmlns:r="http://schemas.openxmlformats.org/officeDocument/2006/relationships" r:blip="">
-      <dgm:adjLst/>
-    </dgm:shape>
-    <dgm:presOf/>
-    <dgm:constrLst>
-      <dgm:constr type="w" for="ch" forName="arrow" refType="w" fact="0.85"/>
-      <dgm:constr type="h" for="ch" forName="arrow" refType="h"/>
-      <dgm:constr type="ctrX" for="ch" forName="arrow" refType="w" fact="0.5"/>
-      <dgm:constr type="ctrY" for="ch" forName="arrow" refType="h" fact="0.5"/>
-      <dgm:constr type="w" for="ch" forName="linearProcess" refType="w"/>
-      <dgm:constr type="h" for="ch" forName="linearProcess" refType="h" fact="0.4"/>
-      <dgm:constr type="ctrX" for="ch" forName="linearProcess" refType="w" fact="0.5"/>
-      <dgm:constr type="ctrY" for="ch" forName="linearProcess" refType="h" fact="0.5"/>
-    </dgm:constrLst>
-    <dgm:ruleLst/>
-    <dgm:layoutNode name="arrow" styleLbl="bgShp">
-      <dgm:alg type="sp"/>
-      <dgm:choose name="Name0">
-        <dgm:if name="Name1" func="var" arg="dir" op="equ" val="norm">
-          <dgm:shape xmlns:r="http://schemas.openxmlformats.org/officeDocument/2006/relationships" type="rightArrow" r:blip="">
-            <dgm:adjLst/>
-          </dgm:shape>
-        </dgm:if>
-        <dgm:else name="Name2">
-          <dgm:shape xmlns:r="http://schemas.openxmlformats.org/officeDocument/2006/relationships" type="leftArrow" r:blip="">
-            <dgm:adjLst/>
-          </dgm:shape>
-        </dgm:else>
-      </dgm:choose>
-      <dgm:presOf/>
-      <dgm:constrLst/>
-      <dgm:ruleLst/>
-    </dgm:layoutNode>
-    <dgm:layoutNode name="linearProcess">
-      <dgm:choose name="Name3">
-        <dgm:if name="Name4" func="var" arg="dir" op="equ" val="norm">
-          <dgm:alg type="lin"/>
-        </dgm:if>
-        <dgm:else name="Name5">
-          <dgm:alg type="lin">
-            <dgm:param type="linDir" val="fromR"/>
-          </dgm:alg>
-        </dgm:else>
-      </dgm:choose>
-      <dgm:shape xmlns:r="http://schemas.openxmlformats.org/officeDocument/2006/relationships" r:blip="">
-        <dgm:adjLst/>
-      </dgm:shape>
-      <dgm:presOf/>
-      <dgm:constrLst>
-        <dgm:constr type="userA" for="ch" ptType="node" refType="w"/>
-        <dgm:constr type="h" for="ch" ptType="node" refType="h"/>
-        <dgm:constr type="w" for="ch" ptType="node" op="equ"/>
-        <dgm:constr type="w" for="ch" forName="sibTrans" refType="w" fact="0.05"/>
-        <dgm:constr type="primFontSz" for="ch" ptType="node" op="equ" val="65"/>
-      </dgm:constrLst>
-      <dgm:ruleLst/>
-      <dgm:forEach name="Name6" axis="ch" ptType="node">
-        <dgm:layoutNode name="textNode" styleLbl="node1">
-          <dgm:varLst>
-            <dgm:bulletEnabled val="1"/>
-          </dgm:varLst>
-          <dgm:alg type="tx"/>
-          <dgm:shape xmlns:r="http://schemas.openxmlformats.org/officeDocument/2006/relationships" type="roundRect" r:blip="">
-            <dgm:adjLst/>
-          </dgm:shape>
-          <dgm:presOf axis="desOrSelf" ptType="node"/>
-          <dgm:constrLst>
-            <dgm:constr type="userA"/>
-            <dgm:constr type="w" refType="userA" fact="0.3"/>
-            <dgm:constr type="tMarg" refType="primFontSz" fact="0.3"/>
-            <dgm:constr type="bMarg" refType="primFontSz" fact="0.3"/>
-            <dgm:constr type="lMarg" refType="primFontSz" fact="0.3"/>
-            <dgm:constr type="rMarg" refType="primFontSz" fact="0.3"/>
-          </dgm:constrLst>
-          <dgm:ruleLst>
-            <dgm:rule type="w" val="NaN" fact="1" max="NaN"/>
-            <dgm:rule type="primFontSz" val="5" fact="NaN" max="NaN"/>
-          </dgm:ruleLst>
-        </dgm:layoutNode>
-        <dgm:forEach name="Name7" axis="followSib" ptType="sibTrans" cnt="1">
-          <dgm:layoutNode name="sibTrans">
-            <dgm:alg type="sp"/>
-            <dgm:shape xmlns:r="http://schemas.openxmlformats.org/officeDocument/2006/relationships" r:blip="">
-              <dgm:adjLst/>
-            </dgm:shape>
-            <dgm:presOf/>
-            <dgm:constrLst/>
-            <dgm:ruleLst/>
-          </dgm:layoutNode>
-        </dgm:forEach>
-      </dgm:forEach>
-    </dgm:layoutNode>
-  </dgm:layoutNode>
-</dgm:layoutDef>
-</file>
-
-<file path=ppt/diagrams/layout2.xml><?xml version="1.0" encoding="utf-8"?>
 <dgm:layoutDef xmlns:dgm="http://schemas.openxmlformats.org/drawingml/2006/diagram" xmlns:a="http://schemas.openxmlformats.org/drawingml/2006/main" uniqueId="urn:microsoft.com/office/officeart/2005/8/layout/hProcess6">
   <dgm:title val=""/>
   <dgm:desc val=""/>
@@ -6666,7 +4732,7 @@
 </dgm:layoutDef>
 </file>
 
-<file path=ppt/diagrams/layout3.xml><?xml version="1.0" encoding="utf-8"?>
+<file path=ppt/diagrams/layout2.xml><?xml version="1.0" encoding="utf-8"?>
 <dgm:layoutDef xmlns:dgm="http://schemas.openxmlformats.org/drawingml/2006/diagram" xmlns:a="http://schemas.openxmlformats.org/drawingml/2006/main" uniqueId="urn:microsoft.com/office/officeart/2016/7/layout/RoundedRectangleTimeline">
   <dgm:title val="Rounded Rectangle Timeline"/>
   <dgm:desc val="Use to show a list of events in chronological order. An invisible box contains the description while the date is shown in rectangles, except for the first and last node where the corners of the rectangle are rounded. It can display large amount of text and long descriptive date format."/>
@@ -8284,1040 +6350,6 @@
 </file>
 
 <file path=ppt/diagrams/quickStyle2.xml><?xml version="1.0" encoding="utf-8"?>
-<dgm:styleDef xmlns:dgm="http://schemas.openxmlformats.org/drawingml/2006/diagram" xmlns:a="http://schemas.openxmlformats.org/drawingml/2006/main" uniqueId="urn:microsoft.com/office/officeart/2005/8/quickstyle/simple1">
-  <dgm:title val=""/>
-  <dgm:desc val=""/>
-  <dgm:catLst>
-    <dgm:cat type="simple" pri="10100"/>
-  </dgm:catLst>
-  <dgm:scene3d>
-    <a:camera prst="orthographicFront"/>
-    <a:lightRig rig="threePt" dir="t"/>
-  </dgm:scene3d>
-  <dgm:styleLbl name="node0">
-    <dgm:scene3d>
-      <a:camera prst="orthographicFront"/>
-      <a:lightRig rig="threePt" dir="t"/>
-    </dgm:scene3d>
-    <dgm:sp3d/>
-    <dgm:txPr/>
-    <dgm:style>
-      <a:lnRef idx="2">
-        <a:scrgbClr r="0" g="0" b="0"/>
-      </a:lnRef>
-      <a:fillRef idx="1">
-        <a:scrgbClr r="0" g="0" b="0"/>
-      </a:fillRef>
-      <a:effectRef idx="0">
-        <a:scrgbClr r="0" g="0" b="0"/>
-      </a:effectRef>
-      <a:fontRef idx="minor">
-        <a:schemeClr val="lt1"/>
-      </a:fontRef>
-    </dgm:style>
-  </dgm:styleLbl>
-  <dgm:styleLbl name="lnNode1">
-    <dgm:scene3d>
-      <a:camera prst="orthographicFront"/>
-      <a:lightRig rig="threePt" dir="t"/>
-    </dgm:scene3d>
-    <dgm:sp3d/>
-    <dgm:txPr/>
-    <dgm:style>
-      <a:lnRef idx="2">
-        <a:scrgbClr r="0" g="0" b="0"/>
-      </a:lnRef>
-      <a:fillRef idx="1">
-        <a:scrgbClr r="0" g="0" b="0"/>
-      </a:fillRef>
-      <a:effectRef idx="0">
-        <a:scrgbClr r="0" g="0" b="0"/>
-      </a:effectRef>
-      <a:fontRef idx="minor">
-        <a:schemeClr val="lt1"/>
-      </a:fontRef>
-    </dgm:style>
-  </dgm:styleLbl>
-  <dgm:styleLbl name="vennNode1">
-    <dgm:scene3d>
-      <a:camera prst="orthographicFront"/>
-      <a:lightRig rig="threePt" dir="t"/>
-    </dgm:scene3d>
-    <dgm:sp3d/>
-    <dgm:txPr/>
-    <dgm:style>
-      <a:lnRef idx="2">
-        <a:scrgbClr r="0" g="0" b="0"/>
-      </a:lnRef>
-      <a:fillRef idx="1">
-        <a:scrgbClr r="0" g="0" b="0"/>
-      </a:fillRef>
-      <a:effectRef idx="0">
-        <a:scrgbClr r="0" g="0" b="0"/>
-      </a:effectRef>
-      <a:fontRef idx="minor">
-        <a:schemeClr val="tx1"/>
-      </a:fontRef>
-    </dgm:style>
-  </dgm:styleLbl>
-  <dgm:styleLbl name="alignNode1">
-    <dgm:scene3d>
-      <a:camera prst="orthographicFront"/>
-      <a:lightRig rig="threePt" dir="t"/>
-    </dgm:scene3d>
-    <dgm:sp3d/>
-    <dgm:txPr/>
-    <dgm:style>
-      <a:lnRef idx="2">
-        <a:scrgbClr r="0" g="0" b="0"/>
-      </a:lnRef>
-      <a:fillRef idx="1">
-        <a:scrgbClr r="0" g="0" b="0"/>
-      </a:fillRef>
-      <a:effectRef idx="0">
-        <a:scrgbClr r="0" g="0" b="0"/>
-      </a:effectRef>
-      <a:fontRef idx="minor">
-        <a:schemeClr val="lt1"/>
-      </a:fontRef>
-    </dgm:style>
-  </dgm:styleLbl>
-  <dgm:styleLbl name="node1">
-    <dgm:scene3d>
-      <a:camera prst="orthographicFront"/>
-      <a:lightRig rig="threePt" dir="t"/>
-    </dgm:scene3d>
-    <dgm:sp3d/>
-    <dgm:txPr/>
-    <dgm:style>
-      <a:lnRef idx="2">
-        <a:scrgbClr r="0" g="0" b="0"/>
-      </a:lnRef>
-      <a:fillRef idx="1">
-        <a:scrgbClr r="0" g="0" b="0"/>
-      </a:fillRef>
-      <a:effectRef idx="0">
-        <a:scrgbClr r="0" g="0" b="0"/>
-      </a:effectRef>
-      <a:fontRef idx="minor">
-        <a:schemeClr val="lt1"/>
-      </a:fontRef>
-    </dgm:style>
-  </dgm:styleLbl>
-  <dgm:styleLbl name="node2">
-    <dgm:scene3d>
-      <a:camera prst="orthographicFront"/>
-      <a:lightRig rig="threePt" dir="t"/>
-    </dgm:scene3d>
-    <dgm:sp3d/>
-    <dgm:txPr/>
-    <dgm:style>
-      <a:lnRef idx="2">
-        <a:scrgbClr r="0" g="0" b="0"/>
-      </a:lnRef>
-      <a:fillRef idx="1">
-        <a:scrgbClr r="0" g="0" b="0"/>
-      </a:fillRef>
-      <a:effectRef idx="0">
-        <a:scrgbClr r="0" g="0" b="0"/>
-      </a:effectRef>
-      <a:fontRef idx="minor">
-        <a:schemeClr val="lt1"/>
-      </a:fontRef>
-    </dgm:style>
-  </dgm:styleLbl>
-  <dgm:styleLbl name="node3">
-    <dgm:scene3d>
-      <a:camera prst="orthographicFront"/>
-      <a:lightRig rig="threePt" dir="t"/>
-    </dgm:scene3d>
-    <dgm:sp3d/>
-    <dgm:txPr/>
-    <dgm:style>
-      <a:lnRef idx="2">
-        <a:scrgbClr r="0" g="0" b="0"/>
-      </a:lnRef>
-      <a:fillRef idx="1">
-        <a:scrgbClr r="0" g="0" b="0"/>
-      </a:fillRef>
-      <a:effectRef idx="0">
-        <a:scrgbClr r="0" g="0" b="0"/>
-      </a:effectRef>
-      <a:fontRef idx="minor">
-        <a:schemeClr val="lt1"/>
-      </a:fontRef>
-    </dgm:style>
-  </dgm:styleLbl>
-  <dgm:styleLbl name="node4">
-    <dgm:scene3d>
-      <a:camera prst="orthographicFront"/>
-      <a:lightRig rig="threePt" dir="t"/>
-    </dgm:scene3d>
-    <dgm:sp3d/>
-    <dgm:txPr/>
-    <dgm:style>
-      <a:lnRef idx="2">
-        <a:scrgbClr r="0" g="0" b="0"/>
-      </a:lnRef>
-      <a:fillRef idx="1">
-        <a:scrgbClr r="0" g="0" b="0"/>
-      </a:fillRef>
-      <a:effectRef idx="0">
-        <a:scrgbClr r="0" g="0" b="0"/>
-      </a:effectRef>
-      <a:fontRef idx="minor">
-        <a:schemeClr val="lt1"/>
-      </a:fontRef>
-    </dgm:style>
-  </dgm:styleLbl>
-  <dgm:styleLbl name="fgImgPlace1">
-    <dgm:scene3d>
-      <a:camera prst="orthographicFront"/>
-      <a:lightRig rig="threePt" dir="t"/>
-    </dgm:scene3d>
-    <dgm:sp3d/>
-    <dgm:txPr/>
-    <dgm:style>
-      <a:lnRef idx="2">
-        <a:scrgbClr r="0" g="0" b="0"/>
-      </a:lnRef>
-      <a:fillRef idx="1">
-        <a:scrgbClr r="0" g="0" b="0"/>
-      </a:fillRef>
-      <a:effectRef idx="0">
-        <a:scrgbClr r="0" g="0" b="0"/>
-      </a:effectRef>
-      <a:fontRef idx="minor"/>
-    </dgm:style>
-  </dgm:styleLbl>
-  <dgm:styleLbl name="alignImgPlace1">
-    <dgm:scene3d>
-      <a:camera prst="orthographicFront"/>
-      <a:lightRig rig="threePt" dir="t"/>
-    </dgm:scene3d>
-    <dgm:sp3d/>
-    <dgm:txPr/>
-    <dgm:style>
-      <a:lnRef idx="2">
-        <a:scrgbClr r="0" g="0" b="0"/>
-      </a:lnRef>
-      <a:fillRef idx="1">
-        <a:scrgbClr r="0" g="0" b="0"/>
-      </a:fillRef>
-      <a:effectRef idx="0">
-        <a:scrgbClr r="0" g="0" b="0"/>
-      </a:effectRef>
-      <a:fontRef idx="minor"/>
-    </dgm:style>
-  </dgm:styleLbl>
-  <dgm:styleLbl name="bgImgPlace1">
-    <dgm:scene3d>
-      <a:camera prst="orthographicFront"/>
-      <a:lightRig rig="threePt" dir="t"/>
-    </dgm:scene3d>
-    <dgm:sp3d/>
-    <dgm:txPr/>
-    <dgm:style>
-      <a:lnRef idx="2">
-        <a:scrgbClr r="0" g="0" b="0"/>
-      </a:lnRef>
-      <a:fillRef idx="1">
-        <a:scrgbClr r="0" g="0" b="0"/>
-      </a:fillRef>
-      <a:effectRef idx="0">
-        <a:scrgbClr r="0" g="0" b="0"/>
-      </a:effectRef>
-      <a:fontRef idx="minor"/>
-    </dgm:style>
-  </dgm:styleLbl>
-  <dgm:styleLbl name="sibTrans2D1">
-    <dgm:scene3d>
-      <a:camera prst="orthographicFront"/>
-      <a:lightRig rig="threePt" dir="t"/>
-    </dgm:scene3d>
-    <dgm:sp3d/>
-    <dgm:txPr/>
-    <dgm:style>
-      <a:lnRef idx="0">
-        <a:scrgbClr r="0" g="0" b="0"/>
-      </a:lnRef>
-      <a:fillRef idx="1">
-        <a:scrgbClr r="0" g="0" b="0"/>
-      </a:fillRef>
-      <a:effectRef idx="0">
-        <a:scrgbClr r="0" g="0" b="0"/>
-      </a:effectRef>
-      <a:fontRef idx="minor">
-        <a:schemeClr val="lt1"/>
-      </a:fontRef>
-    </dgm:style>
-  </dgm:styleLbl>
-  <dgm:styleLbl name="fgSibTrans2D1">
-    <dgm:scene3d>
-      <a:camera prst="orthographicFront"/>
-      <a:lightRig rig="threePt" dir="t"/>
-    </dgm:scene3d>
-    <dgm:sp3d/>
-    <dgm:txPr/>
-    <dgm:style>
-      <a:lnRef idx="0">
-        <a:scrgbClr r="0" g="0" b="0"/>
-      </a:lnRef>
-      <a:fillRef idx="1">
-        <a:scrgbClr r="0" g="0" b="0"/>
-      </a:fillRef>
-      <a:effectRef idx="0">
-        <a:scrgbClr r="0" g="0" b="0"/>
-      </a:effectRef>
-      <a:fontRef idx="minor">
-        <a:schemeClr val="lt1"/>
-      </a:fontRef>
-    </dgm:style>
-  </dgm:styleLbl>
-  <dgm:styleLbl name="bgSibTrans2D1">
-    <dgm:scene3d>
-      <a:camera prst="orthographicFront"/>
-      <a:lightRig rig="threePt" dir="t"/>
-    </dgm:scene3d>
-    <dgm:sp3d/>
-    <dgm:txPr/>
-    <dgm:style>
-      <a:lnRef idx="0">
-        <a:scrgbClr r="0" g="0" b="0"/>
-      </a:lnRef>
-      <a:fillRef idx="1">
-        <a:scrgbClr r="0" g="0" b="0"/>
-      </a:fillRef>
-      <a:effectRef idx="0">
-        <a:scrgbClr r="0" g="0" b="0"/>
-      </a:effectRef>
-      <a:fontRef idx="minor">
-        <a:schemeClr val="lt1"/>
-      </a:fontRef>
-    </dgm:style>
-  </dgm:styleLbl>
-  <dgm:styleLbl name="sibTrans1D1">
-    <dgm:scene3d>
-      <a:camera prst="orthographicFront"/>
-      <a:lightRig rig="threePt" dir="t"/>
-    </dgm:scene3d>
-    <dgm:sp3d/>
-    <dgm:txPr/>
-    <dgm:style>
-      <a:lnRef idx="1">
-        <a:scrgbClr r="0" g="0" b="0"/>
-      </a:lnRef>
-      <a:fillRef idx="0">
-        <a:scrgbClr r="0" g="0" b="0"/>
-      </a:fillRef>
-      <a:effectRef idx="0">
-        <a:scrgbClr r="0" g="0" b="0"/>
-      </a:effectRef>
-      <a:fontRef idx="minor"/>
-    </dgm:style>
-  </dgm:styleLbl>
-  <dgm:styleLbl name="callout">
-    <dgm:scene3d>
-      <a:camera prst="orthographicFront"/>
-      <a:lightRig rig="threePt" dir="t"/>
-    </dgm:scene3d>
-    <dgm:sp3d/>
-    <dgm:txPr/>
-    <dgm:style>
-      <a:lnRef idx="2">
-        <a:scrgbClr r="0" g="0" b="0"/>
-      </a:lnRef>
-      <a:fillRef idx="1">
-        <a:scrgbClr r="0" g="0" b="0"/>
-      </a:fillRef>
-      <a:effectRef idx="0">
-        <a:scrgbClr r="0" g="0" b="0"/>
-      </a:effectRef>
-      <a:fontRef idx="minor"/>
-    </dgm:style>
-  </dgm:styleLbl>
-  <dgm:styleLbl name="asst0">
-    <dgm:scene3d>
-      <a:camera prst="orthographicFront"/>
-      <a:lightRig rig="threePt" dir="t"/>
-    </dgm:scene3d>
-    <dgm:sp3d/>
-    <dgm:txPr/>
-    <dgm:style>
-      <a:lnRef idx="2">
-        <a:scrgbClr r="0" g="0" b="0"/>
-      </a:lnRef>
-      <a:fillRef idx="1">
-        <a:scrgbClr r="0" g="0" b="0"/>
-      </a:fillRef>
-      <a:effectRef idx="0">
-        <a:scrgbClr r="0" g="0" b="0"/>
-      </a:effectRef>
-      <a:fontRef idx="minor">
-        <a:schemeClr val="lt1"/>
-      </a:fontRef>
-    </dgm:style>
-  </dgm:styleLbl>
-  <dgm:styleLbl name="asst1">
-    <dgm:scene3d>
-      <a:camera prst="orthographicFront"/>
-      <a:lightRig rig="threePt" dir="t"/>
-    </dgm:scene3d>
-    <dgm:sp3d/>
-    <dgm:txPr/>
-    <dgm:style>
-      <a:lnRef idx="2">
-        <a:scrgbClr r="0" g="0" b="0"/>
-      </a:lnRef>
-      <a:fillRef idx="1">
-        <a:scrgbClr r="0" g="0" b="0"/>
-      </a:fillRef>
-      <a:effectRef idx="0">
-        <a:scrgbClr r="0" g="0" b="0"/>
-      </a:effectRef>
-      <a:fontRef idx="minor">
-        <a:schemeClr val="lt1"/>
-      </a:fontRef>
-    </dgm:style>
-  </dgm:styleLbl>
-  <dgm:styleLbl name="asst2">
-    <dgm:scene3d>
-      <a:camera prst="orthographicFront"/>
-      <a:lightRig rig="threePt" dir="t"/>
-    </dgm:scene3d>
-    <dgm:sp3d/>
-    <dgm:txPr/>
-    <dgm:style>
-      <a:lnRef idx="2">
-        <a:scrgbClr r="0" g="0" b="0"/>
-      </a:lnRef>
-      <a:fillRef idx="1">
-        <a:scrgbClr r="0" g="0" b="0"/>
-      </a:fillRef>
-      <a:effectRef idx="0">
-        <a:scrgbClr r="0" g="0" b="0"/>
-      </a:effectRef>
-      <a:fontRef idx="minor">
-        <a:schemeClr val="lt1"/>
-      </a:fontRef>
-    </dgm:style>
-  </dgm:styleLbl>
-  <dgm:styleLbl name="asst3">
-    <dgm:scene3d>
-      <a:camera prst="orthographicFront"/>
-      <a:lightRig rig="threePt" dir="t"/>
-    </dgm:scene3d>
-    <dgm:sp3d/>
-    <dgm:txPr/>
-    <dgm:style>
-      <a:lnRef idx="2">
-        <a:scrgbClr r="0" g="0" b="0"/>
-      </a:lnRef>
-      <a:fillRef idx="1">
-        <a:scrgbClr r="0" g="0" b="0"/>
-      </a:fillRef>
-      <a:effectRef idx="0">
-        <a:scrgbClr r="0" g="0" b="0"/>
-      </a:effectRef>
-      <a:fontRef idx="minor">
-        <a:schemeClr val="lt1"/>
-      </a:fontRef>
-    </dgm:style>
-  </dgm:styleLbl>
-  <dgm:styleLbl name="asst4">
-    <dgm:scene3d>
-      <a:camera prst="orthographicFront"/>
-      <a:lightRig rig="threePt" dir="t"/>
-    </dgm:scene3d>
-    <dgm:sp3d/>
-    <dgm:txPr/>
-    <dgm:style>
-      <a:lnRef idx="2">
-        <a:scrgbClr r="0" g="0" b="0"/>
-      </a:lnRef>
-      <a:fillRef idx="1">
-        <a:scrgbClr r="0" g="0" b="0"/>
-      </a:fillRef>
-      <a:effectRef idx="0">
-        <a:scrgbClr r="0" g="0" b="0"/>
-      </a:effectRef>
-      <a:fontRef idx="minor">
-        <a:schemeClr val="lt1"/>
-      </a:fontRef>
-    </dgm:style>
-  </dgm:styleLbl>
-  <dgm:styleLbl name="parChTrans2D1">
-    <dgm:scene3d>
-      <a:camera prst="orthographicFront"/>
-      <a:lightRig rig="threePt" dir="t"/>
-    </dgm:scene3d>
-    <dgm:sp3d/>
-    <dgm:txPr/>
-    <dgm:style>
-      <a:lnRef idx="2">
-        <a:scrgbClr r="0" g="0" b="0"/>
-      </a:lnRef>
-      <a:fillRef idx="1">
-        <a:scrgbClr r="0" g="0" b="0"/>
-      </a:fillRef>
-      <a:effectRef idx="0">
-        <a:scrgbClr r="0" g="0" b="0"/>
-      </a:effectRef>
-      <a:fontRef idx="minor">
-        <a:schemeClr val="lt1"/>
-      </a:fontRef>
-    </dgm:style>
-  </dgm:styleLbl>
-  <dgm:styleLbl name="parChTrans2D2">
-    <dgm:scene3d>
-      <a:camera prst="orthographicFront"/>
-      <a:lightRig rig="threePt" dir="t"/>
-    </dgm:scene3d>
-    <dgm:sp3d/>
-    <dgm:txPr/>
-    <dgm:style>
-      <a:lnRef idx="2">
-        <a:scrgbClr r="0" g="0" b="0"/>
-      </a:lnRef>
-      <a:fillRef idx="1">
-        <a:scrgbClr r="0" g="0" b="0"/>
-      </a:fillRef>
-      <a:effectRef idx="0">
-        <a:scrgbClr r="0" g="0" b="0"/>
-      </a:effectRef>
-      <a:fontRef idx="minor">
-        <a:schemeClr val="lt1"/>
-      </a:fontRef>
-    </dgm:style>
-  </dgm:styleLbl>
-  <dgm:styleLbl name="parChTrans2D3">
-    <dgm:scene3d>
-      <a:camera prst="orthographicFront"/>
-      <a:lightRig rig="threePt" dir="t"/>
-    </dgm:scene3d>
-    <dgm:sp3d/>
-    <dgm:txPr/>
-    <dgm:style>
-      <a:lnRef idx="2">
-        <a:scrgbClr r="0" g="0" b="0"/>
-      </a:lnRef>
-      <a:fillRef idx="1">
-        <a:scrgbClr r="0" g="0" b="0"/>
-      </a:fillRef>
-      <a:effectRef idx="0">
-        <a:scrgbClr r="0" g="0" b="0"/>
-      </a:effectRef>
-      <a:fontRef idx="minor">
-        <a:schemeClr val="lt1"/>
-      </a:fontRef>
-    </dgm:style>
-  </dgm:styleLbl>
-  <dgm:styleLbl name="parChTrans2D4">
-    <dgm:scene3d>
-      <a:camera prst="orthographicFront"/>
-      <a:lightRig rig="threePt" dir="t"/>
-    </dgm:scene3d>
-    <dgm:sp3d/>
-    <dgm:txPr/>
-    <dgm:style>
-      <a:lnRef idx="2">
-        <a:scrgbClr r="0" g="0" b="0"/>
-      </a:lnRef>
-      <a:fillRef idx="1">
-        <a:scrgbClr r="0" g="0" b="0"/>
-      </a:fillRef>
-      <a:effectRef idx="0">
-        <a:scrgbClr r="0" g="0" b="0"/>
-      </a:effectRef>
-      <a:fontRef idx="minor">
-        <a:schemeClr val="lt1"/>
-      </a:fontRef>
-    </dgm:style>
-  </dgm:styleLbl>
-  <dgm:styleLbl name="parChTrans1D1">
-    <dgm:scene3d>
-      <a:camera prst="orthographicFront"/>
-      <a:lightRig rig="threePt" dir="t"/>
-    </dgm:scene3d>
-    <dgm:sp3d/>
-    <dgm:txPr/>
-    <dgm:style>
-      <a:lnRef idx="2">
-        <a:scrgbClr r="0" g="0" b="0"/>
-      </a:lnRef>
-      <a:fillRef idx="0">
-        <a:scrgbClr r="0" g="0" b="0"/>
-      </a:fillRef>
-      <a:effectRef idx="0">
-        <a:scrgbClr r="0" g="0" b="0"/>
-      </a:effectRef>
-      <a:fontRef idx="minor"/>
-    </dgm:style>
-  </dgm:styleLbl>
-  <dgm:styleLbl name="parChTrans1D2">
-    <dgm:scene3d>
-      <a:camera prst="orthographicFront"/>
-      <a:lightRig rig="threePt" dir="t"/>
-    </dgm:scene3d>
-    <dgm:sp3d/>
-    <dgm:txPr/>
-    <dgm:style>
-      <a:lnRef idx="2">
-        <a:scrgbClr r="0" g="0" b="0"/>
-      </a:lnRef>
-      <a:fillRef idx="0">
-        <a:scrgbClr r="0" g="0" b="0"/>
-      </a:fillRef>
-      <a:effectRef idx="0">
-        <a:scrgbClr r="0" g="0" b="0"/>
-      </a:effectRef>
-      <a:fontRef idx="minor"/>
-    </dgm:style>
-  </dgm:styleLbl>
-  <dgm:styleLbl name="parChTrans1D3">
-    <dgm:scene3d>
-      <a:camera prst="orthographicFront"/>
-      <a:lightRig rig="threePt" dir="t"/>
-    </dgm:scene3d>
-    <dgm:sp3d/>
-    <dgm:txPr/>
-    <dgm:style>
-      <a:lnRef idx="2">
-        <a:scrgbClr r="0" g="0" b="0"/>
-      </a:lnRef>
-      <a:fillRef idx="0">
-        <a:scrgbClr r="0" g="0" b="0"/>
-      </a:fillRef>
-      <a:effectRef idx="0">
-        <a:scrgbClr r="0" g="0" b="0"/>
-      </a:effectRef>
-      <a:fontRef idx="minor"/>
-    </dgm:style>
-  </dgm:styleLbl>
-  <dgm:styleLbl name="parChTrans1D4">
-    <dgm:scene3d>
-      <a:camera prst="orthographicFront"/>
-      <a:lightRig rig="threePt" dir="t"/>
-    </dgm:scene3d>
-    <dgm:sp3d/>
-    <dgm:txPr/>
-    <dgm:style>
-      <a:lnRef idx="2">
-        <a:scrgbClr r="0" g="0" b="0"/>
-      </a:lnRef>
-      <a:fillRef idx="0">
-        <a:scrgbClr r="0" g="0" b="0"/>
-      </a:fillRef>
-      <a:effectRef idx="0">
-        <a:scrgbClr r="0" g="0" b="0"/>
-      </a:effectRef>
-      <a:fontRef idx="minor"/>
-    </dgm:style>
-  </dgm:styleLbl>
-  <dgm:styleLbl name="fgAcc1">
-    <dgm:scene3d>
-      <a:camera prst="orthographicFront"/>
-      <a:lightRig rig="threePt" dir="t"/>
-    </dgm:scene3d>
-    <dgm:sp3d/>
-    <dgm:txPr/>
-    <dgm:style>
-      <a:lnRef idx="2">
-        <a:scrgbClr r="0" g="0" b="0"/>
-      </a:lnRef>
-      <a:fillRef idx="1">
-        <a:scrgbClr r="0" g="0" b="0"/>
-      </a:fillRef>
-      <a:effectRef idx="0">
-        <a:scrgbClr r="0" g="0" b="0"/>
-      </a:effectRef>
-      <a:fontRef idx="minor"/>
-    </dgm:style>
-  </dgm:styleLbl>
-  <dgm:styleLbl name="conFgAcc1">
-    <dgm:scene3d>
-      <a:camera prst="orthographicFront"/>
-      <a:lightRig rig="threePt" dir="t"/>
-    </dgm:scene3d>
-    <dgm:sp3d/>
-    <dgm:txPr/>
-    <dgm:style>
-      <a:lnRef idx="2">
-        <a:scrgbClr r="0" g="0" b="0"/>
-      </a:lnRef>
-      <a:fillRef idx="1">
-        <a:scrgbClr r="0" g="0" b="0"/>
-      </a:fillRef>
-      <a:effectRef idx="0">
-        <a:scrgbClr r="0" g="0" b="0"/>
-      </a:effectRef>
-      <a:fontRef idx="minor"/>
-    </dgm:style>
-  </dgm:styleLbl>
-  <dgm:styleLbl name="alignAcc1">
-    <dgm:scene3d>
-      <a:camera prst="orthographicFront"/>
-      <a:lightRig rig="threePt" dir="t"/>
-    </dgm:scene3d>
-    <dgm:sp3d/>
-    <dgm:txPr/>
-    <dgm:style>
-      <a:lnRef idx="2">
-        <a:scrgbClr r="0" g="0" b="0"/>
-      </a:lnRef>
-      <a:fillRef idx="1">
-        <a:scrgbClr r="0" g="0" b="0"/>
-      </a:fillRef>
-      <a:effectRef idx="0">
-        <a:scrgbClr r="0" g="0" b="0"/>
-      </a:effectRef>
-      <a:fontRef idx="minor"/>
-    </dgm:style>
-  </dgm:styleLbl>
-  <dgm:styleLbl name="trAlignAcc1">
-    <dgm:scene3d>
-      <a:camera prst="orthographicFront"/>
-      <a:lightRig rig="threePt" dir="t"/>
-    </dgm:scene3d>
-    <dgm:sp3d/>
-    <dgm:txPr/>
-    <dgm:style>
-      <a:lnRef idx="1">
-        <a:scrgbClr r="0" g="0" b="0"/>
-      </a:lnRef>
-      <a:fillRef idx="1">
-        <a:scrgbClr r="0" g="0" b="0"/>
-      </a:fillRef>
-      <a:effectRef idx="0">
-        <a:scrgbClr r="0" g="0" b="0"/>
-      </a:effectRef>
-      <a:fontRef idx="minor"/>
-    </dgm:style>
-  </dgm:styleLbl>
-  <dgm:styleLbl name="bgAcc1">
-    <dgm:scene3d>
-      <a:camera prst="orthographicFront"/>
-      <a:lightRig rig="threePt" dir="t"/>
-    </dgm:scene3d>
-    <dgm:sp3d/>
-    <dgm:txPr/>
-    <dgm:style>
-      <a:lnRef idx="2">
-        <a:scrgbClr r="0" g="0" b="0"/>
-      </a:lnRef>
-      <a:fillRef idx="1">
-        <a:scrgbClr r="0" g="0" b="0"/>
-      </a:fillRef>
-      <a:effectRef idx="0">
-        <a:scrgbClr r="0" g="0" b="0"/>
-      </a:effectRef>
-      <a:fontRef idx="minor"/>
-    </dgm:style>
-  </dgm:styleLbl>
-  <dgm:styleLbl name="solidFgAcc1">
-    <dgm:scene3d>
-      <a:camera prst="orthographicFront"/>
-      <a:lightRig rig="threePt" dir="t"/>
-    </dgm:scene3d>
-    <dgm:sp3d/>
-    <dgm:txPr/>
-    <dgm:style>
-      <a:lnRef idx="2">
-        <a:scrgbClr r="0" g="0" b="0"/>
-      </a:lnRef>
-      <a:fillRef idx="1">
-        <a:scrgbClr r="0" g="0" b="0"/>
-      </a:fillRef>
-      <a:effectRef idx="0">
-        <a:scrgbClr r="0" g="0" b="0"/>
-      </a:effectRef>
-      <a:fontRef idx="minor"/>
-    </dgm:style>
-  </dgm:styleLbl>
-  <dgm:styleLbl name="solidAlignAcc1">
-    <dgm:scene3d>
-      <a:camera prst="orthographicFront"/>
-      <a:lightRig rig="threePt" dir="t"/>
-    </dgm:scene3d>
-    <dgm:sp3d/>
-    <dgm:txPr/>
-    <dgm:style>
-      <a:lnRef idx="2">
-        <a:scrgbClr r="0" g="0" b="0"/>
-      </a:lnRef>
-      <a:fillRef idx="1">
-        <a:scrgbClr r="0" g="0" b="0"/>
-      </a:fillRef>
-      <a:effectRef idx="0">
-        <a:scrgbClr r="0" g="0" b="0"/>
-      </a:effectRef>
-      <a:fontRef idx="minor"/>
-    </dgm:style>
-  </dgm:styleLbl>
-  <dgm:styleLbl name="solidBgAcc1">
-    <dgm:scene3d>
-      <a:camera prst="orthographicFront"/>
-      <a:lightRig rig="threePt" dir="t"/>
-    </dgm:scene3d>
-    <dgm:sp3d/>
-    <dgm:txPr/>
-    <dgm:style>
-      <a:lnRef idx="2">
-        <a:scrgbClr r="0" g="0" b="0"/>
-      </a:lnRef>
-      <a:fillRef idx="1">
-        <a:scrgbClr r="0" g="0" b="0"/>
-      </a:fillRef>
-      <a:effectRef idx="0">
-        <a:scrgbClr r="0" g="0" b="0"/>
-      </a:effectRef>
-      <a:fontRef idx="minor"/>
-    </dgm:style>
-  </dgm:styleLbl>
-  <dgm:styleLbl name="fgAccFollowNode1">
-    <dgm:scene3d>
-      <a:camera prst="orthographicFront"/>
-      <a:lightRig rig="threePt" dir="t"/>
-    </dgm:scene3d>
-    <dgm:sp3d/>
-    <dgm:txPr/>
-    <dgm:style>
-      <a:lnRef idx="2">
-        <a:scrgbClr r="0" g="0" b="0"/>
-      </a:lnRef>
-      <a:fillRef idx="1">
-        <a:scrgbClr r="0" g="0" b="0"/>
-      </a:fillRef>
-      <a:effectRef idx="0">
-        <a:scrgbClr r="0" g="0" b="0"/>
-      </a:effectRef>
-      <a:fontRef idx="minor"/>
-    </dgm:style>
-  </dgm:styleLbl>
-  <dgm:styleLbl name="alignAccFollowNode1">
-    <dgm:scene3d>
-      <a:camera prst="orthographicFront"/>
-      <a:lightRig rig="threePt" dir="t"/>
-    </dgm:scene3d>
-    <dgm:sp3d/>
-    <dgm:txPr/>
-    <dgm:style>
-      <a:lnRef idx="2">
-        <a:scrgbClr r="0" g="0" b="0"/>
-      </a:lnRef>
-      <a:fillRef idx="1">
-        <a:scrgbClr r="0" g="0" b="0"/>
-      </a:fillRef>
-      <a:effectRef idx="0">
-        <a:scrgbClr r="0" g="0" b="0"/>
-      </a:effectRef>
-      <a:fontRef idx="minor"/>
-    </dgm:style>
-  </dgm:styleLbl>
-  <dgm:styleLbl name="bgAccFollowNode1">
-    <dgm:scene3d>
-      <a:camera prst="orthographicFront"/>
-      <a:lightRig rig="threePt" dir="t"/>
-    </dgm:scene3d>
-    <dgm:sp3d/>
-    <dgm:txPr/>
-    <dgm:style>
-      <a:lnRef idx="2">
-        <a:scrgbClr r="0" g="0" b="0"/>
-      </a:lnRef>
-      <a:fillRef idx="1">
-        <a:scrgbClr r="0" g="0" b="0"/>
-      </a:fillRef>
-      <a:effectRef idx="0">
-        <a:scrgbClr r="0" g="0" b="0"/>
-      </a:effectRef>
-      <a:fontRef idx="minor"/>
-    </dgm:style>
-  </dgm:styleLbl>
-  <dgm:styleLbl name="fgAcc0">
-    <dgm:scene3d>
-      <a:camera prst="orthographicFront"/>
-      <a:lightRig rig="threePt" dir="t"/>
-    </dgm:scene3d>
-    <dgm:sp3d/>
-    <dgm:txPr/>
-    <dgm:style>
-      <a:lnRef idx="2">
-        <a:scrgbClr r="0" g="0" b="0"/>
-      </a:lnRef>
-      <a:fillRef idx="1">
-        <a:scrgbClr r="0" g="0" b="0"/>
-      </a:fillRef>
-      <a:effectRef idx="0">
-        <a:scrgbClr r="0" g="0" b="0"/>
-      </a:effectRef>
-      <a:fontRef idx="minor"/>
-    </dgm:style>
-  </dgm:styleLbl>
-  <dgm:styleLbl name="fgAcc2">
-    <dgm:scene3d>
-      <a:camera prst="orthographicFront"/>
-      <a:lightRig rig="threePt" dir="t"/>
-    </dgm:scene3d>
-    <dgm:sp3d/>
-    <dgm:txPr/>
-    <dgm:style>
-      <a:lnRef idx="2">
-        <a:scrgbClr r="0" g="0" b="0"/>
-      </a:lnRef>
-      <a:fillRef idx="1">
-        <a:scrgbClr r="0" g="0" b="0"/>
-      </a:fillRef>
-      <a:effectRef idx="0">
-        <a:scrgbClr r="0" g="0" b="0"/>
-      </a:effectRef>
-      <a:fontRef idx="minor"/>
-    </dgm:style>
-  </dgm:styleLbl>
-  <dgm:styleLbl name="fgAcc3">
-    <dgm:scene3d>
-      <a:camera prst="orthographicFront"/>
-      <a:lightRig rig="threePt" dir="t"/>
-    </dgm:scene3d>
-    <dgm:sp3d/>
-    <dgm:txPr/>
-    <dgm:style>
-      <a:lnRef idx="2">
-        <a:scrgbClr r="0" g="0" b="0"/>
-      </a:lnRef>
-      <a:fillRef idx="1">
-        <a:scrgbClr r="0" g="0" b="0"/>
-      </a:fillRef>
-      <a:effectRef idx="0">
-        <a:scrgbClr r="0" g="0" b="0"/>
-      </a:effectRef>
-      <a:fontRef idx="minor"/>
-    </dgm:style>
-  </dgm:styleLbl>
-  <dgm:styleLbl name="fgAcc4">
-    <dgm:scene3d>
-      <a:camera prst="orthographicFront"/>
-      <a:lightRig rig="threePt" dir="t"/>
-    </dgm:scene3d>
-    <dgm:sp3d/>
-    <dgm:txPr/>
-    <dgm:style>
-      <a:lnRef idx="2">
-        <a:scrgbClr r="0" g="0" b="0"/>
-      </a:lnRef>
-      <a:fillRef idx="1">
-        <a:scrgbClr r="0" g="0" b="0"/>
-      </a:fillRef>
-      <a:effectRef idx="0">
-        <a:scrgbClr r="0" g="0" b="0"/>
-      </a:effectRef>
-      <a:fontRef idx="minor"/>
-    </dgm:style>
-  </dgm:styleLbl>
-  <dgm:styleLbl name="bgShp">
-    <dgm:scene3d>
-      <a:camera prst="orthographicFront"/>
-      <a:lightRig rig="threePt" dir="t"/>
-    </dgm:scene3d>
-    <dgm:sp3d/>
-    <dgm:txPr/>
-    <dgm:style>
-      <a:lnRef idx="0">
-        <a:scrgbClr r="0" g="0" b="0"/>
-      </a:lnRef>
-      <a:fillRef idx="1">
-        <a:scrgbClr r="0" g="0" b="0"/>
-      </a:fillRef>
-      <a:effectRef idx="0">
-        <a:scrgbClr r="0" g="0" b="0"/>
-      </a:effectRef>
-      <a:fontRef idx="minor"/>
-    </dgm:style>
-  </dgm:styleLbl>
-  <dgm:styleLbl name="dkBgShp">
-    <dgm:scene3d>
-      <a:camera prst="orthographicFront"/>
-      <a:lightRig rig="threePt" dir="t"/>
-    </dgm:scene3d>
-    <dgm:sp3d/>
-    <dgm:txPr/>
-    <dgm:style>
-      <a:lnRef idx="0">
-        <a:scrgbClr r="0" g="0" b="0"/>
-      </a:lnRef>
-      <a:fillRef idx="1">
-        <a:scrgbClr r="0" g="0" b="0"/>
-      </a:fillRef>
-      <a:effectRef idx="0">
-        <a:scrgbClr r="0" g="0" b="0"/>
-      </a:effectRef>
-      <a:fontRef idx="minor"/>
-    </dgm:style>
-  </dgm:styleLbl>
-  <dgm:styleLbl name="trBgShp">
-    <dgm:scene3d>
-      <a:camera prst="orthographicFront"/>
-      <a:lightRig rig="threePt" dir="t"/>
-    </dgm:scene3d>
-    <dgm:sp3d/>
-    <dgm:txPr/>
-    <dgm:style>
-      <a:lnRef idx="0">
-        <a:scrgbClr r="0" g="0" b="0"/>
-      </a:lnRef>
-      <a:fillRef idx="1">
-        <a:scrgbClr r="0" g="0" b="0"/>
-      </a:fillRef>
-      <a:effectRef idx="0">
-        <a:scrgbClr r="0" g="0" b="0"/>
-      </a:effectRef>
-      <a:fontRef idx="minor"/>
-    </dgm:style>
-  </dgm:styleLbl>
-  <dgm:styleLbl name="fgShp">
-    <dgm:scene3d>
-      <a:camera prst="orthographicFront"/>
-      <a:lightRig rig="threePt" dir="t"/>
-    </dgm:scene3d>
-    <dgm:sp3d/>
-    <dgm:txPr/>
-    <dgm:style>
-      <a:lnRef idx="2">
-        <a:scrgbClr r="0" g="0" b="0"/>
-      </a:lnRef>
-      <a:fillRef idx="1">
-        <a:scrgbClr r="0" g="0" b="0"/>
-      </a:fillRef>
-      <a:effectRef idx="0">
-        <a:scrgbClr r="0" g="0" b="0"/>
-      </a:effectRef>
-      <a:fontRef idx="minor"/>
-    </dgm:style>
-  </dgm:styleLbl>
-  <dgm:styleLbl name="revTx">
-    <dgm:scene3d>
-      <a:camera prst="orthographicFront"/>
-      <a:lightRig rig="threePt" dir="t"/>
-    </dgm:scene3d>
-    <dgm:sp3d/>
-    <dgm:txPr/>
-    <dgm:style>
-      <a:lnRef idx="0">
-        <a:scrgbClr r="0" g="0" b="0"/>
-      </a:lnRef>
-      <a:fillRef idx="0">
-        <a:scrgbClr r="0" g="0" b="0"/>
-      </a:fillRef>
-      <a:effectRef idx="0">
-        <a:scrgbClr r="0" g="0" b="0"/>
-      </a:effectRef>
-      <a:fontRef idx="minor"/>
-    </dgm:style>
-  </dgm:styleLbl>
-</dgm:styleDef>
-</file>
-
-<file path=ppt/diagrams/quickStyle3.xml><?xml version="1.0" encoding="utf-8"?>
 <dgm:styleDef xmlns:dgm="http://schemas.openxmlformats.org/drawingml/2006/diagram" xmlns:a="http://schemas.openxmlformats.org/drawingml/2006/main" uniqueId="urn:microsoft.com/office/officeart/2005/8/quickstyle/simple1">
   <dgm:title val=""/>
   <dgm:desc val=""/>
@@ -14504,942 +11536,6 @@
           <p:cNvPr id="2" name="Title 1">
             <a:extLst>
               <a:ext uri="{FF2B5EF4-FFF2-40B4-BE49-F238E27FC236}">
-                <a16:creationId xmlns:a16="http://schemas.microsoft.com/office/drawing/2014/main" id="{BB9EE068-D112-421F-A76B-D2916EAF840E}"/>
-              </a:ext>
-            </a:extLst>
-          </p:cNvPr>
-          <p:cNvSpPr>
-            <a:spLocks noGrp="1"/>
-          </p:cNvSpPr>
-          <p:nvPr>
-            <p:ph type="title"/>
-          </p:nvPr>
-        </p:nvSpPr>
-        <p:spPr/>
-        <p:txBody>
-          <a:bodyPr/>
-          <a:lstStyle/>
-          <a:p>
-            <a:r>
-              <a:rPr lang="en-US" dirty="0"/>
-              <a:t>Classification </a:t>
-            </a:r>
-            <a:r>
-              <a:rPr lang="en-US" dirty="0">
-                <a:highlight>
-                  <a:srgbClr val="FFFF00"/>
-                </a:highlight>
-              </a:rPr>
-              <a:t>Precision/Recall rates</a:t>
-            </a:r>
-            <a:br>
-              <a:rPr lang="en-US" dirty="0">
-                <a:highlight>
-                  <a:srgbClr val="FFFF00"/>
-                </a:highlight>
-              </a:rPr>
-            </a:br>
-            <a:r>
-              <a:rPr lang="en-US" dirty="0"/>
-              <a:t>Default Hyperparameters </a:t>
-            </a:r>
-          </a:p>
-        </p:txBody>
-      </p:sp>
-      <p:graphicFrame>
-        <p:nvGraphicFramePr>
-          <p:cNvPr id="4" name="Table 4">
-            <a:extLst>
-              <a:ext uri="{FF2B5EF4-FFF2-40B4-BE49-F238E27FC236}">
-                <a16:creationId xmlns:a16="http://schemas.microsoft.com/office/drawing/2014/main" id="{AFA74345-C30A-4545-9FC9-D4ACCAF7BB39}"/>
-              </a:ext>
-            </a:extLst>
-          </p:cNvPr>
-          <p:cNvGraphicFramePr>
-            <a:graphicFrameLocks noGrp="1"/>
-          </p:cNvGraphicFramePr>
-          <p:nvPr>
-            <p:ph idx="1"/>
-          </p:nvPr>
-        </p:nvGraphicFramePr>
-        <p:xfrm>
-          <a:off x="838200" y="2599348"/>
-          <a:ext cx="8763000" cy="2123440"/>
-        </p:xfrm>
-        <a:graphic>
-          <a:graphicData uri="http://schemas.openxmlformats.org/drawingml/2006/table">
-            <a:tbl>
-              <a:tblPr firstRow="1" bandRow="1">
-                <a:tableStyleId>{5C22544A-7EE6-4342-B048-85BDC9FD1C3A}</a:tableStyleId>
-              </a:tblPr>
-              <a:tblGrid>
-                <a:gridCol w="1752600">
-                  <a:extLst>
-                    <a:ext uri="{9D8B030D-6E8A-4147-A177-3AD203B41FA5}">
-                      <a16:colId xmlns:a16="http://schemas.microsoft.com/office/drawing/2014/main" val="1675195018"/>
-                    </a:ext>
-                  </a:extLst>
-                </a:gridCol>
-                <a:gridCol w="1752600">
-                  <a:extLst>
-                    <a:ext uri="{9D8B030D-6E8A-4147-A177-3AD203B41FA5}">
-                      <a16:colId xmlns:a16="http://schemas.microsoft.com/office/drawing/2014/main" val="2523006943"/>
-                    </a:ext>
-                  </a:extLst>
-                </a:gridCol>
-                <a:gridCol w="1752600">
-                  <a:extLst>
-                    <a:ext uri="{9D8B030D-6E8A-4147-A177-3AD203B41FA5}">
-                      <a16:colId xmlns:a16="http://schemas.microsoft.com/office/drawing/2014/main" val="4041600084"/>
-                    </a:ext>
-                  </a:extLst>
-                </a:gridCol>
-                <a:gridCol w="1752600">
-                  <a:extLst>
-                    <a:ext uri="{9D8B030D-6E8A-4147-A177-3AD203B41FA5}">
-                      <a16:colId xmlns:a16="http://schemas.microsoft.com/office/drawing/2014/main" val="2131329611"/>
-                    </a:ext>
-                  </a:extLst>
-                </a:gridCol>
-                <a:gridCol w="1752600">
-                  <a:extLst>
-                    <a:ext uri="{9D8B030D-6E8A-4147-A177-3AD203B41FA5}">
-                      <a16:colId xmlns:a16="http://schemas.microsoft.com/office/drawing/2014/main" val="1017018966"/>
-                    </a:ext>
-                  </a:extLst>
-                </a:gridCol>
-              </a:tblGrid>
-              <a:tr h="370840">
-                <a:tc>
-                  <a:txBody>
-                    <a:bodyPr/>
-                    <a:lstStyle/>
-                    <a:p>
-                      <a:endParaRPr lang="en-US"/>
-                    </a:p>
-                  </a:txBody>
-                  <a:tcPr/>
-                </a:tc>
-                <a:tc>
-                  <a:txBody>
-                    <a:bodyPr/>
-                    <a:lstStyle/>
-                    <a:p>
-                      <a:r>
-                        <a:rPr lang="en-US" dirty="0"/>
-                        <a:t>Logistic Regression</a:t>
-                      </a:r>
-                    </a:p>
-                  </a:txBody>
-                  <a:tcPr/>
-                </a:tc>
-                <a:tc>
-                  <a:txBody>
-                    <a:bodyPr/>
-                    <a:lstStyle/>
-                    <a:p>
-                      <a:r>
-                        <a:rPr lang="en-US" dirty="0"/>
-                        <a:t>Random</a:t>
-                      </a:r>
-                    </a:p>
-                    <a:p>
-                      <a:r>
-                        <a:rPr lang="en-US" dirty="0"/>
-                        <a:t>Forest</a:t>
-                      </a:r>
-                    </a:p>
-                  </a:txBody>
-                  <a:tcPr/>
-                </a:tc>
-                <a:tc>
-                  <a:txBody>
-                    <a:bodyPr/>
-                    <a:lstStyle/>
-                    <a:p>
-                      <a:r>
-                        <a:rPr lang="en-US" dirty="0"/>
-                        <a:t>XGBoost</a:t>
-                      </a:r>
-                    </a:p>
-                  </a:txBody>
-                  <a:tcPr/>
-                </a:tc>
-                <a:tc>
-                  <a:txBody>
-                    <a:bodyPr/>
-                    <a:lstStyle/>
-                    <a:p>
-                      <a:r>
-                        <a:rPr lang="en-US" dirty="0"/>
-                        <a:t>Deep </a:t>
-                      </a:r>
-                      <a:r>
-                        <a:rPr lang="en-US" dirty="0" err="1"/>
-                        <a:t>NNet</a:t>
-                      </a:r>
-                      <a:endParaRPr lang="en-US" dirty="0"/>
-                    </a:p>
-                  </a:txBody>
-                  <a:tcPr/>
-                </a:tc>
-                <a:extLst>
-                  <a:ext uri="{0D108BD9-81ED-4DB2-BD59-A6C34878D82A}">
-                    <a16:rowId xmlns:a16="http://schemas.microsoft.com/office/drawing/2014/main" val="1224513483"/>
-                  </a:ext>
-                </a:extLst>
-              </a:tr>
-              <a:tr h="370840">
-                <a:tc>
-                  <a:txBody>
-                    <a:bodyPr/>
-                    <a:lstStyle/>
-                    <a:p>
-                      <a:r>
-                        <a:rPr lang="en-US" dirty="0"/>
-                        <a:t>CountVectorizer</a:t>
-                      </a:r>
-                    </a:p>
-                  </a:txBody>
-                  <a:tcPr/>
-                </a:tc>
-                <a:tc>
-                  <a:txBody>
-                    <a:bodyPr/>
-                    <a:lstStyle/>
-                    <a:p>
-                      <a:r>
-                        <a:rPr lang="en-US" dirty="0"/>
-                        <a:t>79%</a:t>
-                      </a:r>
-                    </a:p>
-                  </a:txBody>
-                  <a:tcPr/>
-                </a:tc>
-                <a:tc>
-                  <a:txBody>
-                    <a:bodyPr/>
-                    <a:lstStyle/>
-                    <a:p>
-                      <a:endParaRPr lang="en-US"/>
-                    </a:p>
-                  </a:txBody>
-                  <a:tcPr/>
-                </a:tc>
-                <a:tc>
-                  <a:txBody>
-                    <a:bodyPr/>
-                    <a:lstStyle/>
-                    <a:p>
-                      <a:endParaRPr lang="en-US"/>
-                    </a:p>
-                  </a:txBody>
-                  <a:tcPr/>
-                </a:tc>
-                <a:tc>
-                  <a:txBody>
-                    <a:bodyPr/>
-                    <a:lstStyle/>
-                    <a:p>
-                      <a:endParaRPr lang="en-US" dirty="0"/>
-                    </a:p>
-                  </a:txBody>
-                  <a:tcPr/>
-                </a:tc>
-                <a:extLst>
-                  <a:ext uri="{0D108BD9-81ED-4DB2-BD59-A6C34878D82A}">
-                    <a16:rowId xmlns:a16="http://schemas.microsoft.com/office/drawing/2014/main" val="616880063"/>
-                  </a:ext>
-                </a:extLst>
-              </a:tr>
-              <a:tr h="370840">
-                <a:tc>
-                  <a:txBody>
-                    <a:bodyPr/>
-                    <a:lstStyle/>
-                    <a:p>
-                      <a:r>
-                        <a:rPr lang="en-US" dirty="0"/>
-                        <a:t>TF-IDF</a:t>
-                      </a:r>
-                    </a:p>
-                  </a:txBody>
-                  <a:tcPr/>
-                </a:tc>
-                <a:tc>
-                  <a:txBody>
-                    <a:bodyPr/>
-                    <a:lstStyle/>
-                    <a:p>
-                      <a:endParaRPr lang="en-US" dirty="0"/>
-                    </a:p>
-                  </a:txBody>
-                  <a:tcPr/>
-                </a:tc>
-                <a:tc>
-                  <a:txBody>
-                    <a:bodyPr/>
-                    <a:lstStyle/>
-                    <a:p>
-                      <a:endParaRPr lang="en-US" dirty="0"/>
-                    </a:p>
-                  </a:txBody>
-                  <a:tcPr/>
-                </a:tc>
-                <a:tc>
-                  <a:txBody>
-                    <a:bodyPr/>
-                    <a:lstStyle/>
-                    <a:p>
-                      <a:endParaRPr lang="en-US" dirty="0"/>
-                    </a:p>
-                  </a:txBody>
-                  <a:tcPr/>
-                </a:tc>
-                <a:tc>
-                  <a:txBody>
-                    <a:bodyPr/>
-                    <a:lstStyle/>
-                    <a:p>
-                      <a:endParaRPr lang="en-US" dirty="0"/>
-                    </a:p>
-                  </a:txBody>
-                  <a:tcPr/>
-                </a:tc>
-                <a:extLst>
-                  <a:ext uri="{0D108BD9-81ED-4DB2-BD59-A6C34878D82A}">
-                    <a16:rowId xmlns:a16="http://schemas.microsoft.com/office/drawing/2014/main" val="1926177694"/>
-                  </a:ext>
-                </a:extLst>
-              </a:tr>
-              <a:tr h="370840">
-                <a:tc>
-                  <a:txBody>
-                    <a:bodyPr/>
-                    <a:lstStyle/>
-                    <a:p>
-                      <a:r>
-                        <a:rPr lang="en-US" dirty="0"/>
-                        <a:t>Word2Vect</a:t>
-                      </a:r>
-                    </a:p>
-                  </a:txBody>
-                  <a:tcPr/>
-                </a:tc>
-                <a:tc>
-                  <a:txBody>
-                    <a:bodyPr/>
-                    <a:lstStyle/>
-                    <a:p>
-                      <a:endParaRPr lang="en-US" dirty="0"/>
-                    </a:p>
-                  </a:txBody>
-                  <a:tcPr/>
-                </a:tc>
-                <a:tc>
-                  <a:txBody>
-                    <a:bodyPr/>
-                    <a:lstStyle/>
-                    <a:p>
-                      <a:endParaRPr lang="en-US" dirty="0"/>
-                    </a:p>
-                  </a:txBody>
-                  <a:tcPr/>
-                </a:tc>
-                <a:tc>
-                  <a:txBody>
-                    <a:bodyPr/>
-                    <a:lstStyle/>
-                    <a:p>
-                      <a:endParaRPr lang="en-US" dirty="0"/>
-                    </a:p>
-                  </a:txBody>
-                  <a:tcPr/>
-                </a:tc>
-                <a:tc>
-                  <a:txBody>
-                    <a:bodyPr/>
-                    <a:lstStyle/>
-                    <a:p>
-                      <a:endParaRPr lang="en-US" dirty="0"/>
-                    </a:p>
-                  </a:txBody>
-                  <a:tcPr/>
-                </a:tc>
-                <a:extLst>
-                  <a:ext uri="{0D108BD9-81ED-4DB2-BD59-A6C34878D82A}">
-                    <a16:rowId xmlns:a16="http://schemas.microsoft.com/office/drawing/2014/main" val="183308313"/>
-                  </a:ext>
-                </a:extLst>
-              </a:tr>
-              <a:tr h="370840">
-                <a:tc>
-                  <a:txBody>
-                    <a:bodyPr/>
-                    <a:lstStyle/>
-                    <a:p>
-                      <a:r>
-                        <a:rPr lang="en-US" dirty="0" err="1"/>
-                        <a:t>GloVe</a:t>
-                      </a:r>
-                      <a:endParaRPr lang="en-US" dirty="0"/>
-                    </a:p>
-                  </a:txBody>
-                  <a:tcPr/>
-                </a:tc>
-                <a:tc>
-                  <a:txBody>
-                    <a:bodyPr/>
-                    <a:lstStyle/>
-                    <a:p>
-                      <a:endParaRPr lang="en-US" dirty="0"/>
-                    </a:p>
-                  </a:txBody>
-                  <a:tcPr/>
-                </a:tc>
-                <a:tc>
-                  <a:txBody>
-                    <a:bodyPr/>
-                    <a:lstStyle/>
-                    <a:p>
-                      <a:endParaRPr lang="en-US" dirty="0"/>
-                    </a:p>
-                  </a:txBody>
-                  <a:tcPr/>
-                </a:tc>
-                <a:tc>
-                  <a:txBody>
-                    <a:bodyPr/>
-                    <a:lstStyle/>
-                    <a:p>
-                      <a:endParaRPr lang="en-US" dirty="0"/>
-                    </a:p>
-                  </a:txBody>
-                  <a:tcPr/>
-                </a:tc>
-                <a:tc>
-                  <a:txBody>
-                    <a:bodyPr/>
-                    <a:lstStyle/>
-                    <a:p>
-                      <a:endParaRPr lang="en-US" dirty="0"/>
-                    </a:p>
-                  </a:txBody>
-                  <a:tcPr/>
-                </a:tc>
-                <a:extLst>
-                  <a:ext uri="{0D108BD9-81ED-4DB2-BD59-A6C34878D82A}">
-                    <a16:rowId xmlns:a16="http://schemas.microsoft.com/office/drawing/2014/main" val="3697505038"/>
-                  </a:ext>
-                </a:extLst>
-              </a:tr>
-            </a:tbl>
-          </a:graphicData>
-        </a:graphic>
-      </p:graphicFrame>
-    </p:spTree>
-    <p:extLst>
-      <p:ext uri="{BB962C8B-B14F-4D97-AF65-F5344CB8AC3E}">
-        <p14:creationId xmlns:p14="http://schemas.microsoft.com/office/powerpoint/2010/main" val="4154953922"/>
-      </p:ext>
-    </p:extLst>
-  </p:cSld>
-  <p:clrMapOvr>
-    <a:masterClrMapping/>
-  </p:clrMapOvr>
-</p:sld>
-</file>
-
-<file path=ppt/slides/slide11.xml><?xml version="1.0" encoding="utf-8"?>
-<p:sld xmlns:a="http://schemas.openxmlformats.org/drawingml/2006/main" xmlns:r="http://schemas.openxmlformats.org/officeDocument/2006/relationships" xmlns:p="http://schemas.openxmlformats.org/presentationml/2006/main">
-  <p:cSld>
-    <p:spTree>
-      <p:nvGrpSpPr>
-        <p:cNvPr id="1" name=""/>
-        <p:cNvGrpSpPr/>
-        <p:nvPr/>
-      </p:nvGrpSpPr>
-      <p:grpSpPr>
-        <a:xfrm>
-          <a:off x="0" y="0"/>
-          <a:ext cx="0" cy="0"/>
-          <a:chOff x="0" y="0"/>
-          <a:chExt cx="0" cy="0"/>
-        </a:xfrm>
-      </p:grpSpPr>
-      <p:sp>
-        <p:nvSpPr>
-          <p:cNvPr id="2" name="Title 1">
-            <a:extLst>
-              <a:ext uri="{FF2B5EF4-FFF2-40B4-BE49-F238E27FC236}">
-                <a16:creationId xmlns:a16="http://schemas.microsoft.com/office/drawing/2014/main" id="{BB9EE068-D112-421F-A76B-D2916EAF840E}"/>
-              </a:ext>
-            </a:extLst>
-          </p:cNvPr>
-          <p:cNvSpPr>
-            <a:spLocks noGrp="1"/>
-          </p:cNvSpPr>
-          <p:nvPr>
-            <p:ph type="title"/>
-          </p:nvPr>
-        </p:nvSpPr>
-        <p:spPr/>
-        <p:txBody>
-          <a:bodyPr/>
-          <a:lstStyle/>
-          <a:p>
-            <a:r>
-              <a:rPr lang="en-US" dirty="0"/>
-              <a:t>Classification </a:t>
-            </a:r>
-            <a:r>
-              <a:rPr lang="en-US" dirty="0">
-                <a:highlight>
-                  <a:srgbClr val="FFFF00"/>
-                </a:highlight>
-              </a:rPr>
-              <a:t>Precision/Recall rates</a:t>
-            </a:r>
-            <a:br>
-              <a:rPr lang="en-US" dirty="0">
-                <a:highlight>
-                  <a:srgbClr val="FFFF00"/>
-                </a:highlight>
-              </a:rPr>
-            </a:br>
-            <a:r>
-              <a:rPr lang="en-US" dirty="0"/>
-              <a:t>Tuned Hyperparameters </a:t>
-            </a:r>
-          </a:p>
-        </p:txBody>
-      </p:sp>
-      <p:graphicFrame>
-        <p:nvGraphicFramePr>
-          <p:cNvPr id="4" name="Table 4">
-            <a:extLst>
-              <a:ext uri="{FF2B5EF4-FFF2-40B4-BE49-F238E27FC236}">
-                <a16:creationId xmlns:a16="http://schemas.microsoft.com/office/drawing/2014/main" id="{AFA74345-C30A-4545-9FC9-D4ACCAF7BB39}"/>
-              </a:ext>
-            </a:extLst>
-          </p:cNvPr>
-          <p:cNvGraphicFramePr>
-            <a:graphicFrameLocks noGrp="1"/>
-          </p:cNvGraphicFramePr>
-          <p:nvPr>
-            <p:ph idx="1"/>
-          </p:nvPr>
-        </p:nvGraphicFramePr>
-        <p:xfrm>
-          <a:off x="838200" y="2599348"/>
-          <a:ext cx="8763000" cy="2123440"/>
-        </p:xfrm>
-        <a:graphic>
-          <a:graphicData uri="http://schemas.openxmlformats.org/drawingml/2006/table">
-            <a:tbl>
-              <a:tblPr firstRow="1" bandRow="1">
-                <a:tableStyleId>{5C22544A-7EE6-4342-B048-85BDC9FD1C3A}</a:tableStyleId>
-              </a:tblPr>
-              <a:tblGrid>
-                <a:gridCol w="1752600">
-                  <a:extLst>
-                    <a:ext uri="{9D8B030D-6E8A-4147-A177-3AD203B41FA5}">
-                      <a16:colId xmlns:a16="http://schemas.microsoft.com/office/drawing/2014/main" val="1675195018"/>
-                    </a:ext>
-                  </a:extLst>
-                </a:gridCol>
-                <a:gridCol w="1752600">
-                  <a:extLst>
-                    <a:ext uri="{9D8B030D-6E8A-4147-A177-3AD203B41FA5}">
-                      <a16:colId xmlns:a16="http://schemas.microsoft.com/office/drawing/2014/main" val="2523006943"/>
-                    </a:ext>
-                  </a:extLst>
-                </a:gridCol>
-                <a:gridCol w="1752600">
-                  <a:extLst>
-                    <a:ext uri="{9D8B030D-6E8A-4147-A177-3AD203B41FA5}">
-                      <a16:colId xmlns:a16="http://schemas.microsoft.com/office/drawing/2014/main" val="4041600084"/>
-                    </a:ext>
-                  </a:extLst>
-                </a:gridCol>
-                <a:gridCol w="1752600">
-                  <a:extLst>
-                    <a:ext uri="{9D8B030D-6E8A-4147-A177-3AD203B41FA5}">
-                      <a16:colId xmlns:a16="http://schemas.microsoft.com/office/drawing/2014/main" val="2131329611"/>
-                    </a:ext>
-                  </a:extLst>
-                </a:gridCol>
-                <a:gridCol w="1752600">
-                  <a:extLst>
-                    <a:ext uri="{9D8B030D-6E8A-4147-A177-3AD203B41FA5}">
-                      <a16:colId xmlns:a16="http://schemas.microsoft.com/office/drawing/2014/main" val="1017018966"/>
-                    </a:ext>
-                  </a:extLst>
-                </a:gridCol>
-              </a:tblGrid>
-              <a:tr h="370840">
-                <a:tc>
-                  <a:txBody>
-                    <a:bodyPr/>
-                    <a:lstStyle/>
-                    <a:p>
-                      <a:endParaRPr lang="en-US"/>
-                    </a:p>
-                  </a:txBody>
-                  <a:tcPr/>
-                </a:tc>
-                <a:tc>
-                  <a:txBody>
-                    <a:bodyPr/>
-                    <a:lstStyle/>
-                    <a:p>
-                      <a:r>
-                        <a:rPr lang="en-US" dirty="0"/>
-                        <a:t>Logistic Regression</a:t>
-                      </a:r>
-                    </a:p>
-                  </a:txBody>
-                  <a:tcPr/>
-                </a:tc>
-                <a:tc>
-                  <a:txBody>
-                    <a:bodyPr/>
-                    <a:lstStyle/>
-                    <a:p>
-                      <a:r>
-                        <a:rPr lang="en-US" dirty="0"/>
-                        <a:t>Random</a:t>
-                      </a:r>
-                    </a:p>
-                    <a:p>
-                      <a:r>
-                        <a:rPr lang="en-US" dirty="0"/>
-                        <a:t>Forest</a:t>
-                      </a:r>
-                    </a:p>
-                  </a:txBody>
-                  <a:tcPr/>
-                </a:tc>
-                <a:tc>
-                  <a:txBody>
-                    <a:bodyPr/>
-                    <a:lstStyle/>
-                    <a:p>
-                      <a:r>
-                        <a:rPr lang="en-US" dirty="0"/>
-                        <a:t>XGBoost</a:t>
-                      </a:r>
-                    </a:p>
-                  </a:txBody>
-                  <a:tcPr/>
-                </a:tc>
-                <a:tc>
-                  <a:txBody>
-                    <a:bodyPr/>
-                    <a:lstStyle/>
-                    <a:p>
-                      <a:r>
-                        <a:rPr lang="en-US" dirty="0"/>
-                        <a:t>Deep </a:t>
-                      </a:r>
-                      <a:r>
-                        <a:rPr lang="en-US" dirty="0" err="1"/>
-                        <a:t>NNet</a:t>
-                      </a:r>
-                      <a:endParaRPr lang="en-US" dirty="0"/>
-                    </a:p>
-                  </a:txBody>
-                  <a:tcPr/>
-                </a:tc>
-                <a:extLst>
-                  <a:ext uri="{0D108BD9-81ED-4DB2-BD59-A6C34878D82A}">
-                    <a16:rowId xmlns:a16="http://schemas.microsoft.com/office/drawing/2014/main" val="1224513483"/>
-                  </a:ext>
-                </a:extLst>
-              </a:tr>
-              <a:tr h="370840">
-                <a:tc>
-                  <a:txBody>
-                    <a:bodyPr/>
-                    <a:lstStyle/>
-                    <a:p>
-                      <a:r>
-                        <a:rPr lang="en-US" dirty="0"/>
-                        <a:t>CountVectorizer</a:t>
-                      </a:r>
-                    </a:p>
-                  </a:txBody>
-                  <a:tcPr/>
-                </a:tc>
-                <a:tc>
-                  <a:txBody>
-                    <a:bodyPr/>
-                    <a:lstStyle/>
-                    <a:p>
-                      <a:r>
-                        <a:rPr lang="en-US" dirty="0"/>
-                        <a:t>79%</a:t>
-                      </a:r>
-                    </a:p>
-                  </a:txBody>
-                  <a:tcPr/>
-                </a:tc>
-                <a:tc>
-                  <a:txBody>
-                    <a:bodyPr/>
-                    <a:lstStyle/>
-                    <a:p>
-                      <a:endParaRPr lang="en-US"/>
-                    </a:p>
-                  </a:txBody>
-                  <a:tcPr/>
-                </a:tc>
-                <a:tc>
-                  <a:txBody>
-                    <a:bodyPr/>
-                    <a:lstStyle/>
-                    <a:p>
-                      <a:endParaRPr lang="en-US"/>
-                    </a:p>
-                  </a:txBody>
-                  <a:tcPr/>
-                </a:tc>
-                <a:tc>
-                  <a:txBody>
-                    <a:bodyPr/>
-                    <a:lstStyle/>
-                    <a:p>
-                      <a:endParaRPr lang="en-US" dirty="0"/>
-                    </a:p>
-                  </a:txBody>
-                  <a:tcPr/>
-                </a:tc>
-                <a:extLst>
-                  <a:ext uri="{0D108BD9-81ED-4DB2-BD59-A6C34878D82A}">
-                    <a16:rowId xmlns:a16="http://schemas.microsoft.com/office/drawing/2014/main" val="616880063"/>
-                  </a:ext>
-                </a:extLst>
-              </a:tr>
-              <a:tr h="370840">
-                <a:tc>
-                  <a:txBody>
-                    <a:bodyPr/>
-                    <a:lstStyle/>
-                    <a:p>
-                      <a:r>
-                        <a:rPr lang="en-US" dirty="0"/>
-                        <a:t>TF-IDF</a:t>
-                      </a:r>
-                    </a:p>
-                  </a:txBody>
-                  <a:tcPr/>
-                </a:tc>
-                <a:tc>
-                  <a:txBody>
-                    <a:bodyPr/>
-                    <a:lstStyle/>
-                    <a:p>
-                      <a:endParaRPr lang="en-US" dirty="0"/>
-                    </a:p>
-                  </a:txBody>
-                  <a:tcPr/>
-                </a:tc>
-                <a:tc>
-                  <a:txBody>
-                    <a:bodyPr/>
-                    <a:lstStyle/>
-                    <a:p>
-                      <a:endParaRPr lang="en-US" dirty="0"/>
-                    </a:p>
-                  </a:txBody>
-                  <a:tcPr/>
-                </a:tc>
-                <a:tc>
-                  <a:txBody>
-                    <a:bodyPr/>
-                    <a:lstStyle/>
-                    <a:p>
-                      <a:endParaRPr lang="en-US" dirty="0"/>
-                    </a:p>
-                  </a:txBody>
-                  <a:tcPr/>
-                </a:tc>
-                <a:tc>
-                  <a:txBody>
-                    <a:bodyPr/>
-                    <a:lstStyle/>
-                    <a:p>
-                      <a:endParaRPr lang="en-US" dirty="0"/>
-                    </a:p>
-                  </a:txBody>
-                  <a:tcPr/>
-                </a:tc>
-                <a:extLst>
-                  <a:ext uri="{0D108BD9-81ED-4DB2-BD59-A6C34878D82A}">
-                    <a16:rowId xmlns:a16="http://schemas.microsoft.com/office/drawing/2014/main" val="1926177694"/>
-                  </a:ext>
-                </a:extLst>
-              </a:tr>
-              <a:tr h="370840">
-                <a:tc>
-                  <a:txBody>
-                    <a:bodyPr/>
-                    <a:lstStyle/>
-                    <a:p>
-                      <a:r>
-                        <a:rPr lang="en-US" dirty="0"/>
-                        <a:t>Word2Vect</a:t>
-                      </a:r>
-                    </a:p>
-                  </a:txBody>
-                  <a:tcPr/>
-                </a:tc>
-                <a:tc>
-                  <a:txBody>
-                    <a:bodyPr/>
-                    <a:lstStyle/>
-                    <a:p>
-                      <a:endParaRPr lang="en-US" dirty="0"/>
-                    </a:p>
-                  </a:txBody>
-                  <a:tcPr/>
-                </a:tc>
-                <a:tc>
-                  <a:txBody>
-                    <a:bodyPr/>
-                    <a:lstStyle/>
-                    <a:p>
-                      <a:endParaRPr lang="en-US" dirty="0"/>
-                    </a:p>
-                  </a:txBody>
-                  <a:tcPr/>
-                </a:tc>
-                <a:tc>
-                  <a:txBody>
-                    <a:bodyPr/>
-                    <a:lstStyle/>
-                    <a:p>
-                      <a:endParaRPr lang="en-US" dirty="0"/>
-                    </a:p>
-                  </a:txBody>
-                  <a:tcPr/>
-                </a:tc>
-                <a:tc>
-                  <a:txBody>
-                    <a:bodyPr/>
-                    <a:lstStyle/>
-                    <a:p>
-                      <a:endParaRPr lang="en-US" dirty="0"/>
-                    </a:p>
-                  </a:txBody>
-                  <a:tcPr/>
-                </a:tc>
-                <a:extLst>
-                  <a:ext uri="{0D108BD9-81ED-4DB2-BD59-A6C34878D82A}">
-                    <a16:rowId xmlns:a16="http://schemas.microsoft.com/office/drawing/2014/main" val="183308313"/>
-                  </a:ext>
-                </a:extLst>
-              </a:tr>
-              <a:tr h="370840">
-                <a:tc>
-                  <a:txBody>
-                    <a:bodyPr/>
-                    <a:lstStyle/>
-                    <a:p>
-                      <a:r>
-                        <a:rPr lang="en-US" dirty="0" err="1"/>
-                        <a:t>GloVe</a:t>
-                      </a:r>
-                      <a:endParaRPr lang="en-US" dirty="0"/>
-                    </a:p>
-                  </a:txBody>
-                  <a:tcPr/>
-                </a:tc>
-                <a:tc>
-                  <a:txBody>
-                    <a:bodyPr/>
-                    <a:lstStyle/>
-                    <a:p>
-                      <a:endParaRPr lang="en-US" dirty="0"/>
-                    </a:p>
-                  </a:txBody>
-                  <a:tcPr/>
-                </a:tc>
-                <a:tc>
-                  <a:txBody>
-                    <a:bodyPr/>
-                    <a:lstStyle/>
-                    <a:p>
-                      <a:endParaRPr lang="en-US" dirty="0"/>
-                    </a:p>
-                  </a:txBody>
-                  <a:tcPr/>
-                </a:tc>
-                <a:tc>
-                  <a:txBody>
-                    <a:bodyPr/>
-                    <a:lstStyle/>
-                    <a:p>
-                      <a:endParaRPr lang="en-US" dirty="0"/>
-                    </a:p>
-                  </a:txBody>
-                  <a:tcPr/>
-                </a:tc>
-                <a:tc>
-                  <a:txBody>
-                    <a:bodyPr/>
-                    <a:lstStyle/>
-                    <a:p>
-                      <a:endParaRPr lang="en-US" dirty="0"/>
-                    </a:p>
-                  </a:txBody>
-                  <a:tcPr/>
-                </a:tc>
-                <a:extLst>
-                  <a:ext uri="{0D108BD9-81ED-4DB2-BD59-A6C34878D82A}">
-                    <a16:rowId xmlns:a16="http://schemas.microsoft.com/office/drawing/2014/main" val="3697505038"/>
-                  </a:ext>
-                </a:extLst>
-              </a:tr>
-            </a:tbl>
-          </a:graphicData>
-        </a:graphic>
-      </p:graphicFrame>
-    </p:spTree>
-    <p:extLst>
-      <p:ext uri="{BB962C8B-B14F-4D97-AF65-F5344CB8AC3E}">
-        <p14:creationId xmlns:p14="http://schemas.microsoft.com/office/powerpoint/2010/main" val="165710529"/>
-      </p:ext>
-    </p:extLst>
-  </p:cSld>
-  <p:clrMapOvr>
-    <a:masterClrMapping/>
-  </p:clrMapOvr>
-</p:sld>
-</file>
-
-<file path=ppt/slides/slide12.xml><?xml version="1.0" encoding="utf-8"?>
-<p:sld xmlns:a="http://schemas.openxmlformats.org/drawingml/2006/main" xmlns:r="http://schemas.openxmlformats.org/officeDocument/2006/relationships" xmlns:p="http://schemas.openxmlformats.org/presentationml/2006/main">
-  <p:cSld>
-    <p:spTree>
-      <p:nvGrpSpPr>
-        <p:cNvPr id="1" name=""/>
-        <p:cNvGrpSpPr/>
-        <p:nvPr/>
-      </p:nvGrpSpPr>
-      <p:grpSpPr>
-        <a:xfrm>
-          <a:off x="0" y="0"/>
-          <a:ext cx="0" cy="0"/>
-          <a:chOff x="0" y="0"/>
-          <a:chExt cx="0" cy="0"/>
-        </a:xfrm>
-      </p:grpSpPr>
-      <p:sp>
-        <p:nvSpPr>
-          <p:cNvPr id="2" name="Title 1">
-            <a:extLst>
-              <a:ext uri="{FF2B5EF4-FFF2-40B4-BE49-F238E27FC236}">
                 <a16:creationId xmlns:a16="http://schemas.microsoft.com/office/drawing/2014/main" id="{7F92F32C-00D4-47E2-8D04-D403030811B7}"/>
               </a:ext>
             </a:extLst>
@@ -15531,7 +11627,7 @@
 </p:sld>
 </file>
 
-<file path=ppt/slides/slide13.xml><?xml version="1.0" encoding="utf-8"?>
+<file path=ppt/slides/slide11.xml><?xml version="1.0" encoding="utf-8"?>
 <p:sld xmlns:a="http://schemas.openxmlformats.org/drawingml/2006/main" xmlns:r="http://schemas.openxmlformats.org/officeDocument/2006/relationships" xmlns:p="http://schemas.openxmlformats.org/presentationml/2006/main">
   <p:cSld>
     <p:spTree>
@@ -15591,7 +11687,7 @@
 </p:sld>
 </file>
 
-<file path=ppt/slides/slide14.xml><?xml version="1.0" encoding="utf-8"?>
+<file path=ppt/slides/slide12.xml><?xml version="1.0" encoding="utf-8"?>
 <p:sld xmlns:a="http://schemas.openxmlformats.org/drawingml/2006/main" xmlns:r="http://schemas.openxmlformats.org/officeDocument/2006/relationships" xmlns:p="http://schemas.openxmlformats.org/presentationml/2006/main">
   <p:cSld>
     <p:spTree>
@@ -15976,103 +12072,7 @@
           <a:p>
             <a:r>
               <a:rPr lang="en-US" dirty="0"/>
-              <a:t>Process Steps</a:t>
-            </a:r>
-          </a:p>
-        </p:txBody>
-      </p:sp>
-      <p:graphicFrame>
-        <p:nvGraphicFramePr>
-          <p:cNvPr id="5" name="Content Placeholder 4">
-            <a:extLst>
-              <a:ext uri="{FF2B5EF4-FFF2-40B4-BE49-F238E27FC236}">
-                <a16:creationId xmlns:a16="http://schemas.microsoft.com/office/drawing/2014/main" id="{3D47E70A-66C3-4017-84E7-253210677E7C}"/>
-              </a:ext>
-            </a:extLst>
-          </p:cNvPr>
-          <p:cNvGraphicFramePr>
-            <a:graphicFrameLocks noGrp="1"/>
-          </p:cNvGraphicFramePr>
-          <p:nvPr>
-            <p:ph idx="1"/>
-            <p:extLst>
-              <p:ext uri="{D42A27DB-BD31-4B8C-83A1-F6EECF244321}">
-                <p14:modId xmlns:p14="http://schemas.microsoft.com/office/powerpoint/2010/main" val="3243743383"/>
-              </p:ext>
-            </p:extLst>
-          </p:nvPr>
-        </p:nvGraphicFramePr>
-        <p:xfrm>
-          <a:off x="668216" y="1664679"/>
-          <a:ext cx="10555898" cy="3970704"/>
-        </p:xfrm>
-        <a:graphic>
-          <a:graphicData uri="http://schemas.openxmlformats.org/drawingml/2006/diagram">
-            <dgm:relIds xmlns:dgm="http://schemas.openxmlformats.org/drawingml/2006/diagram" xmlns:r="http://schemas.openxmlformats.org/officeDocument/2006/relationships" r:dm="rId2" r:lo="rId3" r:qs="rId4" r:cs="rId5"/>
-          </a:graphicData>
-        </a:graphic>
-      </p:graphicFrame>
-    </p:spTree>
-    <p:extLst>
-      <p:ext uri="{BB962C8B-B14F-4D97-AF65-F5344CB8AC3E}">
-        <p14:creationId xmlns:p14="http://schemas.microsoft.com/office/powerpoint/2010/main" val="2605636242"/>
-      </p:ext>
-    </p:extLst>
-  </p:cSld>
-  <p:clrMapOvr>
-    <a:masterClrMapping/>
-  </p:clrMapOvr>
-</p:sld>
-</file>
-
-<file path=ppt/slides/slide6.xml><?xml version="1.0" encoding="utf-8"?>
-<p:sld xmlns:a="http://schemas.openxmlformats.org/drawingml/2006/main" xmlns:r="http://schemas.openxmlformats.org/officeDocument/2006/relationships" xmlns:p="http://schemas.openxmlformats.org/presentationml/2006/main">
-  <p:cSld>
-    <p:spTree>
-      <p:nvGrpSpPr>
-        <p:cNvPr id="1" name=""/>
-        <p:cNvGrpSpPr/>
-        <p:nvPr/>
-      </p:nvGrpSpPr>
-      <p:grpSpPr>
-        <a:xfrm>
-          <a:off x="0" y="0"/>
-          <a:ext cx="0" cy="0"/>
-          <a:chOff x="0" y="0"/>
-          <a:chExt cx="0" cy="0"/>
-        </a:xfrm>
-      </p:grpSpPr>
-      <p:sp>
-        <p:nvSpPr>
-          <p:cNvPr id="2" name="Title 1">
-            <a:extLst>
-              <a:ext uri="{FF2B5EF4-FFF2-40B4-BE49-F238E27FC236}">
-                <a16:creationId xmlns:a16="http://schemas.microsoft.com/office/drawing/2014/main" id="{BC04C2C1-5B8B-4536-92EA-69BB6774D8F5}"/>
-              </a:ext>
-            </a:extLst>
-          </p:cNvPr>
-          <p:cNvSpPr>
-            <a:spLocks noGrp="1"/>
-          </p:cNvSpPr>
-          <p:nvPr>
-            <p:ph type="title"/>
-          </p:nvPr>
-        </p:nvSpPr>
-        <p:spPr>
-          <a:xfrm>
-            <a:off x="581192" y="702156"/>
-            <a:ext cx="11029616" cy="528767"/>
-          </a:xfrm>
-        </p:spPr>
-        <p:txBody>
-          <a:bodyPr>
-            <a:normAutofit/>
-          </a:bodyPr>
-          <a:lstStyle/>
-          <a:p>
-            <a:r>
-              <a:rPr lang="en-US" dirty="0"/>
-              <a:t>Process Steps</a:t>
+              <a:t>Process Steps &amp; Tools used</a:t>
             </a:r>
           </a:p>
         </p:txBody>
@@ -16093,14 +12093,14 @@
             <p:ph idx="1"/>
             <p:extLst>
               <p:ext uri="{D42A27DB-BD31-4B8C-83A1-F6EECF244321}">
-                <p14:modId xmlns:p14="http://schemas.microsoft.com/office/powerpoint/2010/main" val="978222233"/>
+                <p14:modId xmlns:p14="http://schemas.microsoft.com/office/powerpoint/2010/main" val="3840673001"/>
               </p:ext>
             </p:extLst>
           </p:nvPr>
         </p:nvGraphicFramePr>
         <p:xfrm>
-          <a:off x="581025" y="1790578"/>
-          <a:ext cx="11029950" cy="3633787"/>
+          <a:off x="498964" y="1356827"/>
+          <a:ext cx="11029950" cy="2629022"/>
         </p:xfrm>
         <a:graphic>
           <a:graphicData uri="http://schemas.openxmlformats.org/drawingml/2006/diagram">
@@ -16108,6 +12108,343 @@
           </a:graphicData>
         </a:graphic>
       </p:graphicFrame>
+      <p:sp>
+        <p:nvSpPr>
+          <p:cNvPr id="4" name="Callout: Line 3">
+            <a:extLst>
+              <a:ext uri="{FF2B5EF4-FFF2-40B4-BE49-F238E27FC236}">
+                <a16:creationId xmlns:a16="http://schemas.microsoft.com/office/drawing/2014/main" id="{7D0D247A-6CDD-49D5-9CB2-231701F64859}"/>
+              </a:ext>
+            </a:extLst>
+          </p:cNvPr>
+          <p:cNvSpPr/>
+          <p:nvPr/>
+        </p:nvSpPr>
+        <p:spPr>
+          <a:xfrm>
+            <a:off x="2110153" y="4572004"/>
+            <a:ext cx="1207475" cy="539261"/>
+          </a:xfrm>
+          <a:prstGeom prst="borderCallout1">
+            <a:avLst>
+              <a:gd name="adj1" fmla="val 18750"/>
+              <a:gd name="adj2" fmla="val -8333"/>
+              <a:gd name="adj3" fmla="val -268289"/>
+              <a:gd name="adj4" fmla="val -48589"/>
+            </a:avLst>
+          </a:prstGeom>
+          <a:solidFill>
+            <a:schemeClr val="accent2">
+              <a:lumMod val="60000"/>
+              <a:lumOff val="40000"/>
+            </a:schemeClr>
+          </a:solidFill>
+        </p:spPr>
+        <p:style>
+          <a:lnRef idx="2">
+            <a:schemeClr val="accent1">
+              <a:shade val="50000"/>
+            </a:schemeClr>
+          </a:lnRef>
+          <a:fillRef idx="1">
+            <a:schemeClr val="accent1"/>
+          </a:fillRef>
+          <a:effectRef idx="0">
+            <a:schemeClr val="accent1"/>
+          </a:effectRef>
+          <a:fontRef idx="minor">
+            <a:schemeClr val="lt1"/>
+          </a:fontRef>
+        </p:style>
+        <p:txBody>
+          <a:bodyPr rtlCol="0" anchor="ctr"/>
+          <a:lstStyle/>
+          <a:p>
+            <a:r>
+              <a:rPr lang="en-US" sz="1200" dirty="0">
+                <a:solidFill>
+                  <a:srgbClr val="002060"/>
+                </a:solidFill>
+              </a:rPr>
+              <a:t>Cleaning: </a:t>
+            </a:r>
+            <a:r>
+              <a:rPr lang="en-US" sz="1200" dirty="0"/>
+              <a:t>gensim</a:t>
+            </a:r>
+          </a:p>
+        </p:txBody>
+      </p:sp>
+      <p:sp>
+        <p:nvSpPr>
+          <p:cNvPr id="8" name="Callout: Line 7">
+            <a:extLst>
+              <a:ext uri="{FF2B5EF4-FFF2-40B4-BE49-F238E27FC236}">
+                <a16:creationId xmlns:a16="http://schemas.microsoft.com/office/drawing/2014/main" id="{F16B24A6-E41B-4323-A7B9-37CD3CA48DC4}"/>
+              </a:ext>
+            </a:extLst>
+          </p:cNvPr>
+          <p:cNvSpPr/>
+          <p:nvPr/>
+        </p:nvSpPr>
+        <p:spPr>
+          <a:xfrm>
+            <a:off x="3704496" y="4580675"/>
+            <a:ext cx="1441937" cy="1019906"/>
+          </a:xfrm>
+          <a:prstGeom prst="borderCallout1">
+            <a:avLst>
+              <a:gd name="adj1" fmla="val 15301"/>
+              <a:gd name="adj2" fmla="val 107114"/>
+              <a:gd name="adj3" fmla="val -155717"/>
+              <a:gd name="adj4" fmla="val 145310"/>
+            </a:avLst>
+          </a:prstGeom>
+          <a:solidFill>
+            <a:schemeClr val="accent2">
+              <a:lumMod val="60000"/>
+              <a:lumOff val="40000"/>
+            </a:schemeClr>
+          </a:solidFill>
+        </p:spPr>
+        <p:style>
+          <a:lnRef idx="2">
+            <a:schemeClr val="accent1">
+              <a:shade val="50000"/>
+            </a:schemeClr>
+          </a:lnRef>
+          <a:fillRef idx="1">
+            <a:schemeClr val="accent1"/>
+          </a:fillRef>
+          <a:effectRef idx="0">
+            <a:schemeClr val="accent1"/>
+          </a:effectRef>
+          <a:fontRef idx="minor">
+            <a:schemeClr val="lt1"/>
+          </a:fontRef>
+        </p:style>
+        <p:txBody>
+          <a:bodyPr rtlCol="0" anchor="ctr"/>
+          <a:lstStyle/>
+          <a:p>
+            <a:pPr lvl="0"/>
+            <a:r>
+              <a:rPr lang="en-US" sz="1200" dirty="0">
+                <a:solidFill>
+                  <a:srgbClr val="002060"/>
+                </a:solidFill>
+              </a:rPr>
+              <a:t>Feature creation:</a:t>
+            </a:r>
+          </a:p>
+          <a:p>
+            <a:pPr lvl="0"/>
+            <a:r>
+              <a:rPr lang="en-US" sz="1200" dirty="0"/>
+              <a:t>CountVectorizer</a:t>
+            </a:r>
+          </a:p>
+          <a:p>
+            <a:pPr lvl="0"/>
+            <a:r>
+              <a:rPr lang="en-US" sz="1200" dirty="0"/>
+              <a:t>TF-IDF</a:t>
+            </a:r>
+          </a:p>
+          <a:p>
+            <a:pPr lvl="0"/>
+            <a:r>
+              <a:rPr lang="en-US" sz="1200" dirty="0"/>
+              <a:t>Word2Vec</a:t>
+            </a:r>
+          </a:p>
+          <a:p>
+            <a:pPr lvl="0"/>
+            <a:r>
+              <a:rPr lang="en-US" sz="1200" dirty="0"/>
+              <a:t>GloVe</a:t>
+            </a:r>
+          </a:p>
+        </p:txBody>
+      </p:sp>
+      <p:sp>
+        <p:nvSpPr>
+          <p:cNvPr id="9" name="Callout: Line 8">
+            <a:extLst>
+              <a:ext uri="{FF2B5EF4-FFF2-40B4-BE49-F238E27FC236}">
+                <a16:creationId xmlns:a16="http://schemas.microsoft.com/office/drawing/2014/main" id="{F2CD07F4-23F2-4217-85F5-BFA6543F03D5}"/>
+              </a:ext>
+            </a:extLst>
+          </p:cNvPr>
+          <p:cNvSpPr/>
+          <p:nvPr/>
+        </p:nvSpPr>
+        <p:spPr>
+          <a:xfrm>
+            <a:off x="5955324" y="4591167"/>
+            <a:ext cx="1570896" cy="1103198"/>
+          </a:xfrm>
+          <a:prstGeom prst="borderCallout1">
+            <a:avLst>
+              <a:gd name="adj1" fmla="val 8124"/>
+              <a:gd name="adj2" fmla="val 106592"/>
+              <a:gd name="adj3" fmla="val -136372"/>
+              <a:gd name="adj4" fmla="val 139449"/>
+            </a:avLst>
+          </a:prstGeom>
+          <a:solidFill>
+            <a:schemeClr val="accent2">
+              <a:lumMod val="60000"/>
+              <a:lumOff val="40000"/>
+            </a:schemeClr>
+          </a:solidFill>
+        </p:spPr>
+        <p:style>
+          <a:lnRef idx="2">
+            <a:schemeClr val="accent1">
+              <a:shade val="50000"/>
+            </a:schemeClr>
+          </a:lnRef>
+          <a:fillRef idx="1">
+            <a:schemeClr val="accent1"/>
+          </a:fillRef>
+          <a:effectRef idx="0">
+            <a:schemeClr val="accent1"/>
+          </a:effectRef>
+          <a:fontRef idx="minor">
+            <a:schemeClr val="lt1"/>
+          </a:fontRef>
+        </p:style>
+        <p:txBody>
+          <a:bodyPr rtlCol="0" anchor="ctr"/>
+          <a:lstStyle/>
+          <a:p>
+            <a:pPr lvl="0"/>
+            <a:r>
+              <a:rPr lang="en-US" sz="1200" dirty="0">
+                <a:solidFill>
+                  <a:srgbClr val="002060"/>
+                </a:solidFill>
+              </a:rPr>
+              <a:t>Classification</a:t>
+            </a:r>
+          </a:p>
+          <a:p>
+            <a:pPr lvl="0"/>
+            <a:r>
+              <a:rPr lang="en-US" sz="1200" dirty="0"/>
+              <a:t>Logistic Regression</a:t>
+            </a:r>
+          </a:p>
+          <a:p>
+            <a:pPr lvl="0"/>
+            <a:r>
+              <a:rPr lang="en-US" sz="1200" dirty="0"/>
+              <a:t>Random Forest</a:t>
+            </a:r>
+          </a:p>
+          <a:p>
+            <a:pPr lvl="0"/>
+            <a:r>
+              <a:rPr lang="en-US" sz="1200" dirty="0"/>
+              <a:t>XGBoost</a:t>
+            </a:r>
+          </a:p>
+          <a:p>
+            <a:pPr lvl="0"/>
+            <a:r>
+              <a:rPr lang="en-US" sz="1200" dirty="0"/>
+              <a:t>Deep Neural Network</a:t>
+            </a:r>
+          </a:p>
+        </p:txBody>
+      </p:sp>
+      <p:sp>
+        <p:nvSpPr>
+          <p:cNvPr id="10" name="Callout: Line 9">
+            <a:extLst>
+              <a:ext uri="{FF2B5EF4-FFF2-40B4-BE49-F238E27FC236}">
+                <a16:creationId xmlns:a16="http://schemas.microsoft.com/office/drawing/2014/main" id="{3337A205-5409-4E3D-A845-5F272F5F38A8}"/>
+              </a:ext>
+            </a:extLst>
+          </p:cNvPr>
+          <p:cNvSpPr/>
+          <p:nvPr/>
+        </p:nvSpPr>
+        <p:spPr>
+          <a:xfrm>
+            <a:off x="8698524" y="4586161"/>
+            <a:ext cx="1570896" cy="1103198"/>
+          </a:xfrm>
+          <a:prstGeom prst="borderCallout1">
+            <a:avLst>
+              <a:gd name="adj1" fmla="val 9187"/>
+              <a:gd name="adj2" fmla="val -6841"/>
+              <a:gd name="adj3" fmla="val -134247"/>
+              <a:gd name="adj4" fmla="val -25477"/>
+            </a:avLst>
+          </a:prstGeom>
+          <a:solidFill>
+            <a:schemeClr val="accent2">
+              <a:lumMod val="60000"/>
+              <a:lumOff val="40000"/>
+            </a:schemeClr>
+          </a:solidFill>
+        </p:spPr>
+        <p:style>
+          <a:lnRef idx="2">
+            <a:schemeClr val="accent1">
+              <a:shade val="50000"/>
+            </a:schemeClr>
+          </a:lnRef>
+          <a:fillRef idx="1">
+            <a:schemeClr val="accent1"/>
+          </a:fillRef>
+          <a:effectRef idx="0">
+            <a:schemeClr val="accent1"/>
+          </a:effectRef>
+          <a:fontRef idx="minor">
+            <a:schemeClr val="lt1"/>
+          </a:fontRef>
+        </p:style>
+        <p:txBody>
+          <a:bodyPr rtlCol="0" anchor="ctr"/>
+          <a:lstStyle/>
+          <a:p>
+            <a:pPr lvl="0"/>
+            <a:r>
+              <a:rPr lang="en-US" sz="1200" dirty="0">
+                <a:solidFill>
+                  <a:srgbClr val="002060"/>
+                </a:solidFill>
+              </a:rPr>
+              <a:t>Hyperparameter Tuning </a:t>
+            </a:r>
+          </a:p>
+          <a:p>
+            <a:pPr lvl="0"/>
+            <a:r>
+              <a:rPr lang="en-US" sz="1200" dirty="0"/>
+              <a:t>Grid Search</a:t>
+            </a:r>
+          </a:p>
+          <a:p>
+            <a:pPr lvl="0"/>
+            <a:r>
+              <a:rPr lang="en-US" sz="1200" dirty="0"/>
+              <a:t>Randomized Search</a:t>
+            </a:r>
+          </a:p>
+          <a:p>
+            <a:pPr lvl="0"/>
+            <a:r>
+              <a:rPr lang="en-US" sz="1200" dirty="0" err="1"/>
+              <a:t>Hyperas</a:t>
+            </a:r>
+            <a:endParaRPr lang="en-US" sz="1200" dirty="0"/>
+          </a:p>
+        </p:txBody>
+      </p:sp>
     </p:spTree>
     <p:extLst>
       <p:ext uri="{BB962C8B-B14F-4D97-AF65-F5344CB8AC3E}">
@@ -16121,132 +12458,7 @@
 </p:sld>
 </file>
 
-<file path=ppt/slides/slide7.xml><?xml version="1.0" encoding="utf-8"?>
-<p:sld xmlns:a="http://schemas.openxmlformats.org/drawingml/2006/main" xmlns:r="http://schemas.openxmlformats.org/officeDocument/2006/relationships" xmlns:p="http://schemas.openxmlformats.org/presentationml/2006/main">
-  <p:cSld>
-    <p:spTree>
-      <p:nvGrpSpPr>
-        <p:cNvPr id="1" name=""/>
-        <p:cNvGrpSpPr/>
-        <p:nvPr/>
-      </p:nvGrpSpPr>
-      <p:grpSpPr>
-        <a:xfrm>
-          <a:off x="0" y="0"/>
-          <a:ext cx="0" cy="0"/>
-          <a:chOff x="0" y="0"/>
-          <a:chExt cx="0" cy="0"/>
-        </a:xfrm>
-      </p:grpSpPr>
-      <p:sp>
-        <p:nvSpPr>
-          <p:cNvPr id="2" name="Title 1">
-            <a:extLst>
-              <a:ext uri="{FF2B5EF4-FFF2-40B4-BE49-F238E27FC236}">
-                <a16:creationId xmlns:a16="http://schemas.microsoft.com/office/drawing/2014/main" id="{BC04C2C1-5B8B-4536-92EA-69BB6774D8F5}"/>
-              </a:ext>
-            </a:extLst>
-          </p:cNvPr>
-          <p:cNvSpPr>
-            <a:spLocks noGrp="1"/>
-          </p:cNvSpPr>
-          <p:nvPr>
-            <p:ph type="title"/>
-          </p:nvPr>
-        </p:nvSpPr>
-        <p:spPr>
-          <a:xfrm>
-            <a:off x="581192" y="702156"/>
-            <a:ext cx="11029616" cy="528767"/>
-          </a:xfrm>
-        </p:spPr>
-        <p:txBody>
-          <a:bodyPr>
-            <a:normAutofit/>
-          </a:bodyPr>
-          <a:lstStyle/>
-          <a:p>
-            <a:r>
-              <a:rPr lang="en-US" dirty="0"/>
-              <a:t>Process Steps</a:t>
-            </a:r>
-          </a:p>
-        </p:txBody>
-      </p:sp>
-      <p:sp>
-        <p:nvSpPr>
-          <p:cNvPr id="3" name="Content Placeholder 2">
-            <a:extLst>
-              <a:ext uri="{FF2B5EF4-FFF2-40B4-BE49-F238E27FC236}">
-                <a16:creationId xmlns:a16="http://schemas.microsoft.com/office/drawing/2014/main" id="{D6BF3859-8D54-4CB7-BBD8-6DD3906080EC}"/>
-              </a:ext>
-            </a:extLst>
-          </p:cNvPr>
-          <p:cNvSpPr>
-            <a:spLocks noGrp="1"/>
-          </p:cNvSpPr>
-          <p:nvPr>
-            <p:ph idx="1"/>
-          </p:nvPr>
-        </p:nvSpPr>
-        <p:spPr>
-          <a:xfrm>
-            <a:off x="3856892" y="2340864"/>
-            <a:ext cx="7753915" cy="3634486"/>
-          </a:xfrm>
-        </p:spPr>
-        <p:txBody>
-          <a:bodyPr/>
-          <a:lstStyle/>
-          <a:p>
-            <a:endParaRPr lang="en-US"/>
-          </a:p>
-        </p:txBody>
-      </p:sp>
-      <p:pic>
-        <p:nvPicPr>
-          <p:cNvPr id="4" name="Picture 3">
-            <a:extLst>
-              <a:ext uri="{FF2B5EF4-FFF2-40B4-BE49-F238E27FC236}">
-                <a16:creationId xmlns:a16="http://schemas.microsoft.com/office/drawing/2014/main" id="{6B64EFF3-50DB-4CE0-AA23-36FC87731C20}"/>
-              </a:ext>
-            </a:extLst>
-          </p:cNvPr>
-          <p:cNvPicPr>
-            <a:picLocks noChangeAspect="1"/>
-          </p:cNvPicPr>
-          <p:nvPr/>
-        </p:nvPicPr>
-        <p:blipFill>
-          <a:blip r:embed="rId2"/>
-          <a:stretch>
-            <a:fillRect/>
-          </a:stretch>
-        </p:blipFill>
-        <p:spPr>
-          <a:xfrm>
-            <a:off x="858348" y="1700212"/>
-            <a:ext cx="5153025" cy="3457575"/>
-          </a:xfrm>
-          <a:prstGeom prst="rect">
-            <a:avLst/>
-          </a:prstGeom>
-        </p:spPr>
-      </p:pic>
-    </p:spTree>
-    <p:extLst>
-      <p:ext uri="{BB962C8B-B14F-4D97-AF65-F5344CB8AC3E}">
-        <p14:creationId xmlns:p14="http://schemas.microsoft.com/office/powerpoint/2010/main" val="3107388520"/>
-      </p:ext>
-    </p:extLst>
-  </p:cSld>
-  <p:clrMapOvr>
-    <a:masterClrMapping/>
-  </p:clrMapOvr>
-</p:sld>
-</file>
-
-<file path=ppt/slides/slide8.xml><?xml version="1.0" encoding="utf-8"?>
+<file path=ppt/slides/slide6.xml><?xml version="1.0" encoding="utf-8"?>
 <p:sld xmlns:a="http://schemas.openxmlformats.org/drawingml/2006/main" xmlns:r="http://schemas.openxmlformats.org/officeDocument/2006/relationships" xmlns:p="http://schemas.openxmlformats.org/presentationml/2006/main">
   <p:cSld>
     <p:spTree>
@@ -16655,10 +12867,9 @@
                     <a:p>
                       <a:pPr algn="r"/>
                       <a:r>
-                        <a:rPr lang="en-US" dirty="0" err="1"/>
+                        <a:rPr lang="en-US" dirty="0"/>
                         <a:t>GloVe</a:t>
                       </a:r>
-                      <a:endParaRPr lang="en-US" dirty="0"/>
                     </a:p>
                   </a:txBody>
                   <a:tcPr/>
@@ -16729,7 +12940,7 @@
 </p:sld>
 </file>
 
-<file path=ppt/slides/slide9.xml><?xml version="1.0" encoding="utf-8"?>
+<file path=ppt/slides/slide7.xml><?xml version="1.0" encoding="utf-8"?>
 <p:sld xmlns:a="http://schemas.openxmlformats.org/drawingml/2006/main" xmlns:r="http://schemas.openxmlformats.org/officeDocument/2006/relationships" xmlns:p="http://schemas.openxmlformats.org/presentationml/2006/main">
   <p:cSld>
     <p:spTree>
@@ -17134,10 +13345,9 @@
                     <a:lstStyle/>
                     <a:p>
                       <a:r>
-                        <a:rPr lang="en-US" dirty="0" err="1"/>
+                        <a:rPr lang="en-US" dirty="0"/>
                         <a:t>GloVe</a:t>
                       </a:r>
-                      <a:endParaRPr lang="en-US" dirty="0"/>
                     </a:p>
                   </a:txBody>
                   <a:tcPr/>
@@ -17196,6 +13406,940 @@
     <p:extLst>
       <p:ext uri="{BB962C8B-B14F-4D97-AF65-F5344CB8AC3E}">
         <p14:creationId xmlns:p14="http://schemas.microsoft.com/office/powerpoint/2010/main" val="4193255862"/>
+      </p:ext>
+    </p:extLst>
+  </p:cSld>
+  <p:clrMapOvr>
+    <a:masterClrMapping/>
+  </p:clrMapOvr>
+</p:sld>
+</file>
+
+<file path=ppt/slides/slide8.xml><?xml version="1.0" encoding="utf-8"?>
+<p:sld xmlns:a="http://schemas.openxmlformats.org/drawingml/2006/main" xmlns:r="http://schemas.openxmlformats.org/officeDocument/2006/relationships" xmlns:p="http://schemas.openxmlformats.org/presentationml/2006/main">
+  <p:cSld>
+    <p:spTree>
+      <p:nvGrpSpPr>
+        <p:cNvPr id="1" name=""/>
+        <p:cNvGrpSpPr/>
+        <p:nvPr/>
+      </p:nvGrpSpPr>
+      <p:grpSpPr>
+        <a:xfrm>
+          <a:off x="0" y="0"/>
+          <a:ext cx="0" cy="0"/>
+          <a:chOff x="0" y="0"/>
+          <a:chExt cx="0" cy="0"/>
+        </a:xfrm>
+      </p:grpSpPr>
+      <p:sp>
+        <p:nvSpPr>
+          <p:cNvPr id="2" name="Title 1">
+            <a:extLst>
+              <a:ext uri="{FF2B5EF4-FFF2-40B4-BE49-F238E27FC236}">
+                <a16:creationId xmlns:a16="http://schemas.microsoft.com/office/drawing/2014/main" id="{BB9EE068-D112-421F-A76B-D2916EAF840E}"/>
+              </a:ext>
+            </a:extLst>
+          </p:cNvPr>
+          <p:cNvSpPr>
+            <a:spLocks noGrp="1"/>
+          </p:cNvSpPr>
+          <p:nvPr>
+            <p:ph type="title"/>
+          </p:nvPr>
+        </p:nvSpPr>
+        <p:spPr/>
+        <p:txBody>
+          <a:bodyPr/>
+          <a:lstStyle/>
+          <a:p>
+            <a:r>
+              <a:rPr lang="en-US" dirty="0"/>
+              <a:t>Classification </a:t>
+            </a:r>
+            <a:r>
+              <a:rPr lang="en-US" dirty="0">
+                <a:highlight>
+                  <a:srgbClr val="FFFF00"/>
+                </a:highlight>
+              </a:rPr>
+              <a:t>Precision/Recall rates</a:t>
+            </a:r>
+            <a:br>
+              <a:rPr lang="en-US" dirty="0">
+                <a:highlight>
+                  <a:srgbClr val="FFFF00"/>
+                </a:highlight>
+              </a:rPr>
+            </a:br>
+            <a:r>
+              <a:rPr lang="en-US" dirty="0"/>
+              <a:t>Default Hyperparameters </a:t>
+            </a:r>
+          </a:p>
+        </p:txBody>
+      </p:sp>
+      <p:graphicFrame>
+        <p:nvGraphicFramePr>
+          <p:cNvPr id="4" name="Table 4">
+            <a:extLst>
+              <a:ext uri="{FF2B5EF4-FFF2-40B4-BE49-F238E27FC236}">
+                <a16:creationId xmlns:a16="http://schemas.microsoft.com/office/drawing/2014/main" id="{AFA74345-C30A-4545-9FC9-D4ACCAF7BB39}"/>
+              </a:ext>
+            </a:extLst>
+          </p:cNvPr>
+          <p:cNvGraphicFramePr>
+            <a:graphicFrameLocks noGrp="1"/>
+          </p:cNvGraphicFramePr>
+          <p:nvPr>
+            <p:ph idx="1"/>
+          </p:nvPr>
+        </p:nvGraphicFramePr>
+        <p:xfrm>
+          <a:off x="838200" y="2599348"/>
+          <a:ext cx="8763000" cy="2123440"/>
+        </p:xfrm>
+        <a:graphic>
+          <a:graphicData uri="http://schemas.openxmlformats.org/drawingml/2006/table">
+            <a:tbl>
+              <a:tblPr firstRow="1" bandRow="1">
+                <a:tableStyleId>{5C22544A-7EE6-4342-B048-85BDC9FD1C3A}</a:tableStyleId>
+              </a:tblPr>
+              <a:tblGrid>
+                <a:gridCol w="1752600">
+                  <a:extLst>
+                    <a:ext uri="{9D8B030D-6E8A-4147-A177-3AD203B41FA5}">
+                      <a16:colId xmlns:a16="http://schemas.microsoft.com/office/drawing/2014/main" val="1675195018"/>
+                    </a:ext>
+                  </a:extLst>
+                </a:gridCol>
+                <a:gridCol w="1752600">
+                  <a:extLst>
+                    <a:ext uri="{9D8B030D-6E8A-4147-A177-3AD203B41FA5}">
+                      <a16:colId xmlns:a16="http://schemas.microsoft.com/office/drawing/2014/main" val="2523006943"/>
+                    </a:ext>
+                  </a:extLst>
+                </a:gridCol>
+                <a:gridCol w="1752600">
+                  <a:extLst>
+                    <a:ext uri="{9D8B030D-6E8A-4147-A177-3AD203B41FA5}">
+                      <a16:colId xmlns:a16="http://schemas.microsoft.com/office/drawing/2014/main" val="4041600084"/>
+                    </a:ext>
+                  </a:extLst>
+                </a:gridCol>
+                <a:gridCol w="1752600">
+                  <a:extLst>
+                    <a:ext uri="{9D8B030D-6E8A-4147-A177-3AD203B41FA5}">
+                      <a16:colId xmlns:a16="http://schemas.microsoft.com/office/drawing/2014/main" val="2131329611"/>
+                    </a:ext>
+                  </a:extLst>
+                </a:gridCol>
+                <a:gridCol w="1752600">
+                  <a:extLst>
+                    <a:ext uri="{9D8B030D-6E8A-4147-A177-3AD203B41FA5}">
+                      <a16:colId xmlns:a16="http://schemas.microsoft.com/office/drawing/2014/main" val="1017018966"/>
+                    </a:ext>
+                  </a:extLst>
+                </a:gridCol>
+              </a:tblGrid>
+              <a:tr h="370840">
+                <a:tc>
+                  <a:txBody>
+                    <a:bodyPr/>
+                    <a:lstStyle/>
+                    <a:p>
+                      <a:endParaRPr lang="en-US"/>
+                    </a:p>
+                  </a:txBody>
+                  <a:tcPr/>
+                </a:tc>
+                <a:tc>
+                  <a:txBody>
+                    <a:bodyPr/>
+                    <a:lstStyle/>
+                    <a:p>
+                      <a:r>
+                        <a:rPr lang="en-US" dirty="0"/>
+                        <a:t>Logistic Regression</a:t>
+                      </a:r>
+                    </a:p>
+                  </a:txBody>
+                  <a:tcPr/>
+                </a:tc>
+                <a:tc>
+                  <a:txBody>
+                    <a:bodyPr/>
+                    <a:lstStyle/>
+                    <a:p>
+                      <a:r>
+                        <a:rPr lang="en-US" dirty="0"/>
+                        <a:t>Random</a:t>
+                      </a:r>
+                    </a:p>
+                    <a:p>
+                      <a:r>
+                        <a:rPr lang="en-US" dirty="0"/>
+                        <a:t>Forest</a:t>
+                      </a:r>
+                    </a:p>
+                  </a:txBody>
+                  <a:tcPr/>
+                </a:tc>
+                <a:tc>
+                  <a:txBody>
+                    <a:bodyPr/>
+                    <a:lstStyle/>
+                    <a:p>
+                      <a:r>
+                        <a:rPr lang="en-US" dirty="0"/>
+                        <a:t>XGBoost</a:t>
+                      </a:r>
+                    </a:p>
+                  </a:txBody>
+                  <a:tcPr/>
+                </a:tc>
+                <a:tc>
+                  <a:txBody>
+                    <a:bodyPr/>
+                    <a:lstStyle/>
+                    <a:p>
+                      <a:r>
+                        <a:rPr lang="en-US" dirty="0"/>
+                        <a:t>Deep </a:t>
+                      </a:r>
+                      <a:r>
+                        <a:rPr lang="en-US" dirty="0" err="1"/>
+                        <a:t>NNet</a:t>
+                      </a:r>
+                      <a:endParaRPr lang="en-US" dirty="0"/>
+                    </a:p>
+                  </a:txBody>
+                  <a:tcPr/>
+                </a:tc>
+                <a:extLst>
+                  <a:ext uri="{0D108BD9-81ED-4DB2-BD59-A6C34878D82A}">
+                    <a16:rowId xmlns:a16="http://schemas.microsoft.com/office/drawing/2014/main" val="1224513483"/>
+                  </a:ext>
+                </a:extLst>
+              </a:tr>
+              <a:tr h="370840">
+                <a:tc>
+                  <a:txBody>
+                    <a:bodyPr/>
+                    <a:lstStyle/>
+                    <a:p>
+                      <a:r>
+                        <a:rPr lang="en-US" dirty="0"/>
+                        <a:t>CountVectorizer</a:t>
+                      </a:r>
+                    </a:p>
+                  </a:txBody>
+                  <a:tcPr/>
+                </a:tc>
+                <a:tc>
+                  <a:txBody>
+                    <a:bodyPr/>
+                    <a:lstStyle/>
+                    <a:p>
+                      <a:r>
+                        <a:rPr lang="en-US" dirty="0"/>
+                        <a:t>79%</a:t>
+                      </a:r>
+                    </a:p>
+                  </a:txBody>
+                  <a:tcPr/>
+                </a:tc>
+                <a:tc>
+                  <a:txBody>
+                    <a:bodyPr/>
+                    <a:lstStyle/>
+                    <a:p>
+                      <a:endParaRPr lang="en-US"/>
+                    </a:p>
+                  </a:txBody>
+                  <a:tcPr/>
+                </a:tc>
+                <a:tc>
+                  <a:txBody>
+                    <a:bodyPr/>
+                    <a:lstStyle/>
+                    <a:p>
+                      <a:endParaRPr lang="en-US"/>
+                    </a:p>
+                  </a:txBody>
+                  <a:tcPr/>
+                </a:tc>
+                <a:tc>
+                  <a:txBody>
+                    <a:bodyPr/>
+                    <a:lstStyle/>
+                    <a:p>
+                      <a:endParaRPr lang="en-US" dirty="0"/>
+                    </a:p>
+                  </a:txBody>
+                  <a:tcPr/>
+                </a:tc>
+                <a:extLst>
+                  <a:ext uri="{0D108BD9-81ED-4DB2-BD59-A6C34878D82A}">
+                    <a16:rowId xmlns:a16="http://schemas.microsoft.com/office/drawing/2014/main" val="616880063"/>
+                  </a:ext>
+                </a:extLst>
+              </a:tr>
+              <a:tr h="370840">
+                <a:tc>
+                  <a:txBody>
+                    <a:bodyPr/>
+                    <a:lstStyle/>
+                    <a:p>
+                      <a:r>
+                        <a:rPr lang="en-US" dirty="0"/>
+                        <a:t>TF-IDF</a:t>
+                      </a:r>
+                    </a:p>
+                  </a:txBody>
+                  <a:tcPr/>
+                </a:tc>
+                <a:tc>
+                  <a:txBody>
+                    <a:bodyPr/>
+                    <a:lstStyle/>
+                    <a:p>
+                      <a:endParaRPr lang="en-US" dirty="0"/>
+                    </a:p>
+                  </a:txBody>
+                  <a:tcPr/>
+                </a:tc>
+                <a:tc>
+                  <a:txBody>
+                    <a:bodyPr/>
+                    <a:lstStyle/>
+                    <a:p>
+                      <a:endParaRPr lang="en-US" dirty="0"/>
+                    </a:p>
+                  </a:txBody>
+                  <a:tcPr/>
+                </a:tc>
+                <a:tc>
+                  <a:txBody>
+                    <a:bodyPr/>
+                    <a:lstStyle/>
+                    <a:p>
+                      <a:endParaRPr lang="en-US" dirty="0"/>
+                    </a:p>
+                  </a:txBody>
+                  <a:tcPr/>
+                </a:tc>
+                <a:tc>
+                  <a:txBody>
+                    <a:bodyPr/>
+                    <a:lstStyle/>
+                    <a:p>
+                      <a:endParaRPr lang="en-US" dirty="0"/>
+                    </a:p>
+                  </a:txBody>
+                  <a:tcPr/>
+                </a:tc>
+                <a:extLst>
+                  <a:ext uri="{0D108BD9-81ED-4DB2-BD59-A6C34878D82A}">
+                    <a16:rowId xmlns:a16="http://schemas.microsoft.com/office/drawing/2014/main" val="1926177694"/>
+                  </a:ext>
+                </a:extLst>
+              </a:tr>
+              <a:tr h="370840">
+                <a:tc>
+                  <a:txBody>
+                    <a:bodyPr/>
+                    <a:lstStyle/>
+                    <a:p>
+                      <a:r>
+                        <a:rPr lang="en-US" dirty="0"/>
+                        <a:t>Word2Vect</a:t>
+                      </a:r>
+                    </a:p>
+                  </a:txBody>
+                  <a:tcPr/>
+                </a:tc>
+                <a:tc>
+                  <a:txBody>
+                    <a:bodyPr/>
+                    <a:lstStyle/>
+                    <a:p>
+                      <a:endParaRPr lang="en-US" dirty="0"/>
+                    </a:p>
+                  </a:txBody>
+                  <a:tcPr/>
+                </a:tc>
+                <a:tc>
+                  <a:txBody>
+                    <a:bodyPr/>
+                    <a:lstStyle/>
+                    <a:p>
+                      <a:endParaRPr lang="en-US" dirty="0"/>
+                    </a:p>
+                  </a:txBody>
+                  <a:tcPr/>
+                </a:tc>
+                <a:tc>
+                  <a:txBody>
+                    <a:bodyPr/>
+                    <a:lstStyle/>
+                    <a:p>
+                      <a:endParaRPr lang="en-US" dirty="0"/>
+                    </a:p>
+                  </a:txBody>
+                  <a:tcPr/>
+                </a:tc>
+                <a:tc>
+                  <a:txBody>
+                    <a:bodyPr/>
+                    <a:lstStyle/>
+                    <a:p>
+                      <a:endParaRPr lang="en-US" dirty="0"/>
+                    </a:p>
+                  </a:txBody>
+                  <a:tcPr/>
+                </a:tc>
+                <a:extLst>
+                  <a:ext uri="{0D108BD9-81ED-4DB2-BD59-A6C34878D82A}">
+                    <a16:rowId xmlns:a16="http://schemas.microsoft.com/office/drawing/2014/main" val="183308313"/>
+                  </a:ext>
+                </a:extLst>
+              </a:tr>
+              <a:tr h="370840">
+                <a:tc>
+                  <a:txBody>
+                    <a:bodyPr/>
+                    <a:lstStyle/>
+                    <a:p>
+                      <a:r>
+                        <a:rPr lang="en-US" dirty="0"/>
+                        <a:t>GloVe</a:t>
+                      </a:r>
+                    </a:p>
+                  </a:txBody>
+                  <a:tcPr/>
+                </a:tc>
+                <a:tc>
+                  <a:txBody>
+                    <a:bodyPr/>
+                    <a:lstStyle/>
+                    <a:p>
+                      <a:endParaRPr lang="en-US" dirty="0"/>
+                    </a:p>
+                  </a:txBody>
+                  <a:tcPr/>
+                </a:tc>
+                <a:tc>
+                  <a:txBody>
+                    <a:bodyPr/>
+                    <a:lstStyle/>
+                    <a:p>
+                      <a:endParaRPr lang="en-US" dirty="0"/>
+                    </a:p>
+                  </a:txBody>
+                  <a:tcPr/>
+                </a:tc>
+                <a:tc>
+                  <a:txBody>
+                    <a:bodyPr/>
+                    <a:lstStyle/>
+                    <a:p>
+                      <a:endParaRPr lang="en-US" dirty="0"/>
+                    </a:p>
+                  </a:txBody>
+                  <a:tcPr/>
+                </a:tc>
+                <a:tc>
+                  <a:txBody>
+                    <a:bodyPr/>
+                    <a:lstStyle/>
+                    <a:p>
+                      <a:endParaRPr lang="en-US" dirty="0"/>
+                    </a:p>
+                  </a:txBody>
+                  <a:tcPr/>
+                </a:tc>
+                <a:extLst>
+                  <a:ext uri="{0D108BD9-81ED-4DB2-BD59-A6C34878D82A}">
+                    <a16:rowId xmlns:a16="http://schemas.microsoft.com/office/drawing/2014/main" val="3697505038"/>
+                  </a:ext>
+                </a:extLst>
+              </a:tr>
+            </a:tbl>
+          </a:graphicData>
+        </a:graphic>
+      </p:graphicFrame>
+    </p:spTree>
+    <p:extLst>
+      <p:ext uri="{BB962C8B-B14F-4D97-AF65-F5344CB8AC3E}">
+        <p14:creationId xmlns:p14="http://schemas.microsoft.com/office/powerpoint/2010/main" val="4154953922"/>
+      </p:ext>
+    </p:extLst>
+  </p:cSld>
+  <p:clrMapOvr>
+    <a:masterClrMapping/>
+  </p:clrMapOvr>
+</p:sld>
+</file>
+
+<file path=ppt/slides/slide9.xml><?xml version="1.0" encoding="utf-8"?>
+<p:sld xmlns:a="http://schemas.openxmlformats.org/drawingml/2006/main" xmlns:r="http://schemas.openxmlformats.org/officeDocument/2006/relationships" xmlns:p="http://schemas.openxmlformats.org/presentationml/2006/main">
+  <p:cSld>
+    <p:spTree>
+      <p:nvGrpSpPr>
+        <p:cNvPr id="1" name=""/>
+        <p:cNvGrpSpPr/>
+        <p:nvPr/>
+      </p:nvGrpSpPr>
+      <p:grpSpPr>
+        <a:xfrm>
+          <a:off x="0" y="0"/>
+          <a:ext cx="0" cy="0"/>
+          <a:chOff x="0" y="0"/>
+          <a:chExt cx="0" cy="0"/>
+        </a:xfrm>
+      </p:grpSpPr>
+      <p:sp>
+        <p:nvSpPr>
+          <p:cNvPr id="2" name="Title 1">
+            <a:extLst>
+              <a:ext uri="{FF2B5EF4-FFF2-40B4-BE49-F238E27FC236}">
+                <a16:creationId xmlns:a16="http://schemas.microsoft.com/office/drawing/2014/main" id="{BB9EE068-D112-421F-A76B-D2916EAF840E}"/>
+              </a:ext>
+            </a:extLst>
+          </p:cNvPr>
+          <p:cNvSpPr>
+            <a:spLocks noGrp="1"/>
+          </p:cNvSpPr>
+          <p:nvPr>
+            <p:ph type="title"/>
+          </p:nvPr>
+        </p:nvSpPr>
+        <p:spPr/>
+        <p:txBody>
+          <a:bodyPr/>
+          <a:lstStyle/>
+          <a:p>
+            <a:r>
+              <a:rPr lang="en-US" dirty="0"/>
+              <a:t>Classification </a:t>
+            </a:r>
+            <a:r>
+              <a:rPr lang="en-US" dirty="0">
+                <a:highlight>
+                  <a:srgbClr val="FFFF00"/>
+                </a:highlight>
+              </a:rPr>
+              <a:t>Precision/Recall rates</a:t>
+            </a:r>
+            <a:br>
+              <a:rPr lang="en-US" dirty="0">
+                <a:highlight>
+                  <a:srgbClr val="FFFF00"/>
+                </a:highlight>
+              </a:rPr>
+            </a:br>
+            <a:r>
+              <a:rPr lang="en-US" dirty="0"/>
+              <a:t>Tuned Hyperparameters </a:t>
+            </a:r>
+          </a:p>
+        </p:txBody>
+      </p:sp>
+      <p:graphicFrame>
+        <p:nvGraphicFramePr>
+          <p:cNvPr id="4" name="Table 4">
+            <a:extLst>
+              <a:ext uri="{FF2B5EF4-FFF2-40B4-BE49-F238E27FC236}">
+                <a16:creationId xmlns:a16="http://schemas.microsoft.com/office/drawing/2014/main" id="{AFA74345-C30A-4545-9FC9-D4ACCAF7BB39}"/>
+              </a:ext>
+            </a:extLst>
+          </p:cNvPr>
+          <p:cNvGraphicFramePr>
+            <a:graphicFrameLocks noGrp="1"/>
+          </p:cNvGraphicFramePr>
+          <p:nvPr>
+            <p:ph idx="1"/>
+          </p:nvPr>
+        </p:nvGraphicFramePr>
+        <p:xfrm>
+          <a:off x="838200" y="2599348"/>
+          <a:ext cx="8763000" cy="2123440"/>
+        </p:xfrm>
+        <a:graphic>
+          <a:graphicData uri="http://schemas.openxmlformats.org/drawingml/2006/table">
+            <a:tbl>
+              <a:tblPr firstRow="1" bandRow="1">
+                <a:tableStyleId>{5C22544A-7EE6-4342-B048-85BDC9FD1C3A}</a:tableStyleId>
+              </a:tblPr>
+              <a:tblGrid>
+                <a:gridCol w="1752600">
+                  <a:extLst>
+                    <a:ext uri="{9D8B030D-6E8A-4147-A177-3AD203B41FA5}">
+                      <a16:colId xmlns:a16="http://schemas.microsoft.com/office/drawing/2014/main" val="1675195018"/>
+                    </a:ext>
+                  </a:extLst>
+                </a:gridCol>
+                <a:gridCol w="1752600">
+                  <a:extLst>
+                    <a:ext uri="{9D8B030D-6E8A-4147-A177-3AD203B41FA5}">
+                      <a16:colId xmlns:a16="http://schemas.microsoft.com/office/drawing/2014/main" val="2523006943"/>
+                    </a:ext>
+                  </a:extLst>
+                </a:gridCol>
+                <a:gridCol w="1752600">
+                  <a:extLst>
+                    <a:ext uri="{9D8B030D-6E8A-4147-A177-3AD203B41FA5}">
+                      <a16:colId xmlns:a16="http://schemas.microsoft.com/office/drawing/2014/main" val="4041600084"/>
+                    </a:ext>
+                  </a:extLst>
+                </a:gridCol>
+                <a:gridCol w="1752600">
+                  <a:extLst>
+                    <a:ext uri="{9D8B030D-6E8A-4147-A177-3AD203B41FA5}">
+                      <a16:colId xmlns:a16="http://schemas.microsoft.com/office/drawing/2014/main" val="2131329611"/>
+                    </a:ext>
+                  </a:extLst>
+                </a:gridCol>
+                <a:gridCol w="1752600">
+                  <a:extLst>
+                    <a:ext uri="{9D8B030D-6E8A-4147-A177-3AD203B41FA5}">
+                      <a16:colId xmlns:a16="http://schemas.microsoft.com/office/drawing/2014/main" val="1017018966"/>
+                    </a:ext>
+                  </a:extLst>
+                </a:gridCol>
+              </a:tblGrid>
+              <a:tr h="370840">
+                <a:tc>
+                  <a:txBody>
+                    <a:bodyPr/>
+                    <a:lstStyle/>
+                    <a:p>
+                      <a:endParaRPr lang="en-US"/>
+                    </a:p>
+                  </a:txBody>
+                  <a:tcPr/>
+                </a:tc>
+                <a:tc>
+                  <a:txBody>
+                    <a:bodyPr/>
+                    <a:lstStyle/>
+                    <a:p>
+                      <a:r>
+                        <a:rPr lang="en-US" dirty="0"/>
+                        <a:t>Logistic Regression</a:t>
+                      </a:r>
+                    </a:p>
+                  </a:txBody>
+                  <a:tcPr/>
+                </a:tc>
+                <a:tc>
+                  <a:txBody>
+                    <a:bodyPr/>
+                    <a:lstStyle/>
+                    <a:p>
+                      <a:r>
+                        <a:rPr lang="en-US" dirty="0"/>
+                        <a:t>Random</a:t>
+                      </a:r>
+                    </a:p>
+                    <a:p>
+                      <a:r>
+                        <a:rPr lang="en-US" dirty="0"/>
+                        <a:t>Forest</a:t>
+                      </a:r>
+                    </a:p>
+                  </a:txBody>
+                  <a:tcPr/>
+                </a:tc>
+                <a:tc>
+                  <a:txBody>
+                    <a:bodyPr/>
+                    <a:lstStyle/>
+                    <a:p>
+                      <a:r>
+                        <a:rPr lang="en-US" dirty="0"/>
+                        <a:t>XGBoost</a:t>
+                      </a:r>
+                    </a:p>
+                  </a:txBody>
+                  <a:tcPr/>
+                </a:tc>
+                <a:tc>
+                  <a:txBody>
+                    <a:bodyPr/>
+                    <a:lstStyle/>
+                    <a:p>
+                      <a:r>
+                        <a:rPr lang="en-US" dirty="0"/>
+                        <a:t>Deep </a:t>
+                      </a:r>
+                      <a:r>
+                        <a:rPr lang="en-US" dirty="0" err="1"/>
+                        <a:t>NNet</a:t>
+                      </a:r>
+                      <a:endParaRPr lang="en-US" dirty="0"/>
+                    </a:p>
+                  </a:txBody>
+                  <a:tcPr/>
+                </a:tc>
+                <a:extLst>
+                  <a:ext uri="{0D108BD9-81ED-4DB2-BD59-A6C34878D82A}">
+                    <a16:rowId xmlns:a16="http://schemas.microsoft.com/office/drawing/2014/main" val="1224513483"/>
+                  </a:ext>
+                </a:extLst>
+              </a:tr>
+              <a:tr h="370840">
+                <a:tc>
+                  <a:txBody>
+                    <a:bodyPr/>
+                    <a:lstStyle/>
+                    <a:p>
+                      <a:r>
+                        <a:rPr lang="en-US" dirty="0"/>
+                        <a:t>CountVectorizer</a:t>
+                      </a:r>
+                    </a:p>
+                  </a:txBody>
+                  <a:tcPr/>
+                </a:tc>
+                <a:tc>
+                  <a:txBody>
+                    <a:bodyPr/>
+                    <a:lstStyle/>
+                    <a:p>
+                      <a:r>
+                        <a:rPr lang="en-US" dirty="0"/>
+                        <a:t>79%</a:t>
+                      </a:r>
+                    </a:p>
+                  </a:txBody>
+                  <a:tcPr/>
+                </a:tc>
+                <a:tc>
+                  <a:txBody>
+                    <a:bodyPr/>
+                    <a:lstStyle/>
+                    <a:p>
+                      <a:endParaRPr lang="en-US"/>
+                    </a:p>
+                  </a:txBody>
+                  <a:tcPr/>
+                </a:tc>
+                <a:tc>
+                  <a:txBody>
+                    <a:bodyPr/>
+                    <a:lstStyle/>
+                    <a:p>
+                      <a:endParaRPr lang="en-US"/>
+                    </a:p>
+                  </a:txBody>
+                  <a:tcPr/>
+                </a:tc>
+                <a:tc>
+                  <a:txBody>
+                    <a:bodyPr/>
+                    <a:lstStyle/>
+                    <a:p>
+                      <a:endParaRPr lang="en-US" dirty="0"/>
+                    </a:p>
+                  </a:txBody>
+                  <a:tcPr/>
+                </a:tc>
+                <a:extLst>
+                  <a:ext uri="{0D108BD9-81ED-4DB2-BD59-A6C34878D82A}">
+                    <a16:rowId xmlns:a16="http://schemas.microsoft.com/office/drawing/2014/main" val="616880063"/>
+                  </a:ext>
+                </a:extLst>
+              </a:tr>
+              <a:tr h="370840">
+                <a:tc>
+                  <a:txBody>
+                    <a:bodyPr/>
+                    <a:lstStyle/>
+                    <a:p>
+                      <a:r>
+                        <a:rPr lang="en-US" dirty="0"/>
+                        <a:t>TF-IDF</a:t>
+                      </a:r>
+                    </a:p>
+                  </a:txBody>
+                  <a:tcPr/>
+                </a:tc>
+                <a:tc>
+                  <a:txBody>
+                    <a:bodyPr/>
+                    <a:lstStyle/>
+                    <a:p>
+                      <a:endParaRPr lang="en-US" dirty="0"/>
+                    </a:p>
+                  </a:txBody>
+                  <a:tcPr/>
+                </a:tc>
+                <a:tc>
+                  <a:txBody>
+                    <a:bodyPr/>
+                    <a:lstStyle/>
+                    <a:p>
+                      <a:endParaRPr lang="en-US" dirty="0"/>
+                    </a:p>
+                  </a:txBody>
+                  <a:tcPr/>
+                </a:tc>
+                <a:tc>
+                  <a:txBody>
+                    <a:bodyPr/>
+                    <a:lstStyle/>
+                    <a:p>
+                      <a:endParaRPr lang="en-US" dirty="0"/>
+                    </a:p>
+                  </a:txBody>
+                  <a:tcPr/>
+                </a:tc>
+                <a:tc>
+                  <a:txBody>
+                    <a:bodyPr/>
+                    <a:lstStyle/>
+                    <a:p>
+                      <a:endParaRPr lang="en-US" dirty="0"/>
+                    </a:p>
+                  </a:txBody>
+                  <a:tcPr/>
+                </a:tc>
+                <a:extLst>
+                  <a:ext uri="{0D108BD9-81ED-4DB2-BD59-A6C34878D82A}">
+                    <a16:rowId xmlns:a16="http://schemas.microsoft.com/office/drawing/2014/main" val="1926177694"/>
+                  </a:ext>
+                </a:extLst>
+              </a:tr>
+              <a:tr h="370840">
+                <a:tc>
+                  <a:txBody>
+                    <a:bodyPr/>
+                    <a:lstStyle/>
+                    <a:p>
+                      <a:r>
+                        <a:rPr lang="en-US" dirty="0"/>
+                        <a:t>Word2Vect</a:t>
+                      </a:r>
+                    </a:p>
+                  </a:txBody>
+                  <a:tcPr/>
+                </a:tc>
+                <a:tc>
+                  <a:txBody>
+                    <a:bodyPr/>
+                    <a:lstStyle/>
+                    <a:p>
+                      <a:endParaRPr lang="en-US" dirty="0"/>
+                    </a:p>
+                  </a:txBody>
+                  <a:tcPr/>
+                </a:tc>
+                <a:tc>
+                  <a:txBody>
+                    <a:bodyPr/>
+                    <a:lstStyle/>
+                    <a:p>
+                      <a:endParaRPr lang="en-US" dirty="0"/>
+                    </a:p>
+                  </a:txBody>
+                  <a:tcPr/>
+                </a:tc>
+                <a:tc>
+                  <a:txBody>
+                    <a:bodyPr/>
+                    <a:lstStyle/>
+                    <a:p>
+                      <a:endParaRPr lang="en-US" dirty="0"/>
+                    </a:p>
+                  </a:txBody>
+                  <a:tcPr/>
+                </a:tc>
+                <a:tc>
+                  <a:txBody>
+                    <a:bodyPr/>
+                    <a:lstStyle/>
+                    <a:p>
+                      <a:endParaRPr lang="en-US" dirty="0"/>
+                    </a:p>
+                  </a:txBody>
+                  <a:tcPr/>
+                </a:tc>
+                <a:extLst>
+                  <a:ext uri="{0D108BD9-81ED-4DB2-BD59-A6C34878D82A}">
+                    <a16:rowId xmlns:a16="http://schemas.microsoft.com/office/drawing/2014/main" val="183308313"/>
+                  </a:ext>
+                </a:extLst>
+              </a:tr>
+              <a:tr h="370840">
+                <a:tc>
+                  <a:txBody>
+                    <a:bodyPr/>
+                    <a:lstStyle/>
+                    <a:p>
+                      <a:r>
+                        <a:rPr lang="en-US" dirty="0"/>
+                        <a:t>GloVe</a:t>
+                      </a:r>
+                    </a:p>
+                  </a:txBody>
+                  <a:tcPr/>
+                </a:tc>
+                <a:tc>
+                  <a:txBody>
+                    <a:bodyPr/>
+                    <a:lstStyle/>
+                    <a:p>
+                      <a:endParaRPr lang="en-US" dirty="0"/>
+                    </a:p>
+                  </a:txBody>
+                  <a:tcPr/>
+                </a:tc>
+                <a:tc>
+                  <a:txBody>
+                    <a:bodyPr/>
+                    <a:lstStyle/>
+                    <a:p>
+                      <a:endParaRPr lang="en-US" dirty="0"/>
+                    </a:p>
+                  </a:txBody>
+                  <a:tcPr/>
+                </a:tc>
+                <a:tc>
+                  <a:txBody>
+                    <a:bodyPr/>
+                    <a:lstStyle/>
+                    <a:p>
+                      <a:endParaRPr lang="en-US" dirty="0"/>
+                    </a:p>
+                  </a:txBody>
+                  <a:tcPr/>
+                </a:tc>
+                <a:tc>
+                  <a:txBody>
+                    <a:bodyPr/>
+                    <a:lstStyle/>
+                    <a:p>
+                      <a:endParaRPr lang="en-US" dirty="0"/>
+                    </a:p>
+                  </a:txBody>
+                  <a:tcPr/>
+                </a:tc>
+                <a:extLst>
+                  <a:ext uri="{0D108BD9-81ED-4DB2-BD59-A6C34878D82A}">
+                    <a16:rowId xmlns:a16="http://schemas.microsoft.com/office/drawing/2014/main" val="3697505038"/>
+                  </a:ext>
+                </a:extLst>
+              </a:tr>
+            </a:tbl>
+          </a:graphicData>
+        </a:graphic>
+      </p:graphicFrame>
+    </p:spTree>
+    <p:extLst>
+      <p:ext uri="{BB962C8B-B14F-4D97-AF65-F5344CB8AC3E}">
+        <p14:creationId xmlns:p14="http://schemas.microsoft.com/office/powerpoint/2010/main" val="165710529"/>
       </p:ext>
     </p:extLst>
   </p:cSld>
@@ -17475,12 +14619,9 @@
 </file>
 
 <file path=customXml/item1.xml><?xml version="1.0" encoding="utf-8"?>
-<?mso-contentType ?>
-<FormTemplates xmlns="http://schemas.microsoft.com/sharepoint/v3/contenttype/forms">
-  <Display>DocumentLibraryForm</Display>
-  <Edit>DocumentLibraryForm</Edit>
-  <New>DocumentLibraryForm</New>
-</FormTemplates>
+<p:properties xmlns:p="http://schemas.microsoft.com/office/2006/metadata/properties" xmlns:xsi="http://www.w3.org/2001/XMLSchema-instance" xmlns:pc="http://schemas.microsoft.com/office/infopath/2007/PartnerControls">
+  <documentManagement/>
+</p:properties>
 </file>
 
 <file path=customXml/item2.xml><?xml version="1.0" encoding="utf-8"?>
@@ -17707,15 +14848,27 @@
 </file>
 
 <file path=customXml/item3.xml><?xml version="1.0" encoding="utf-8"?>
-<p:properties xmlns:p="http://schemas.microsoft.com/office/2006/metadata/properties" xmlns:xsi="http://www.w3.org/2001/XMLSchema-instance" xmlns:pc="http://schemas.microsoft.com/office/infopath/2007/PartnerControls">
-  <documentManagement/>
-</p:properties>
+<?mso-contentType ?>
+<FormTemplates xmlns="http://schemas.microsoft.com/sharepoint/v3/contenttype/forms">
+  <Display>DocumentLibraryForm</Display>
+  <Edit>DocumentLibraryForm</Edit>
+  <New>DocumentLibraryForm</New>
+</FormTemplates>
 </file>
 
 <file path=customXml/itemProps1.xml><?xml version="1.0" encoding="utf-8"?>
-<ds:datastoreItem xmlns:ds="http://schemas.openxmlformats.org/officeDocument/2006/customXml" ds:itemID="{C6B9F356-E37B-4A78-945B-3DAA33D11308}">
+<ds:datastoreItem xmlns:ds="http://schemas.openxmlformats.org/officeDocument/2006/customXml" ds:itemID="{59145ECF-049B-4915-AFF6-4AE84EC42C31}">
   <ds:schemaRefs>
-    <ds:schemaRef ds:uri="http://schemas.microsoft.com/sharepoint/v3/contenttype/forms"/>
+    <ds:schemaRef ds:uri="7eb5e0e6-c3bc-4107-a33a-80c64eb88319"/>
+    <ds:schemaRef ds:uri="http://purl.org/dc/elements/1.1/"/>
+    <ds:schemaRef ds:uri="http://schemas.microsoft.com/office/2006/metadata/properties"/>
+    <ds:schemaRef ds:uri="http://purl.org/dc/terms/"/>
+    <ds:schemaRef ds:uri="http://schemas.openxmlformats.org/package/2006/metadata/core-properties"/>
+    <ds:schemaRef ds:uri="http://schemas.microsoft.com/office/infopath/2007/PartnerControls"/>
+    <ds:schemaRef ds:uri="http://schemas.microsoft.com/office/2006/documentManagement/types"/>
+    <ds:schemaRef ds:uri="fedaa18d-8384-436c-aaa0-67ec6927a806"/>
+    <ds:schemaRef ds:uri="http://www.w3.org/XML/1998/namespace"/>
+    <ds:schemaRef ds:uri="http://purl.org/dc/dcmitype/"/>
   </ds:schemaRefs>
 </ds:datastoreItem>
 </file>
@@ -17740,18 +14893,9 @@
 </file>
 
 <file path=customXml/itemProps3.xml><?xml version="1.0" encoding="utf-8"?>
-<ds:datastoreItem xmlns:ds="http://schemas.openxmlformats.org/officeDocument/2006/customXml" ds:itemID="{59145ECF-049B-4915-AFF6-4AE84EC42C31}">
+<ds:datastoreItem xmlns:ds="http://schemas.openxmlformats.org/officeDocument/2006/customXml" ds:itemID="{C6B9F356-E37B-4A78-945B-3DAA33D11308}">
   <ds:schemaRefs>
-    <ds:schemaRef ds:uri="7eb5e0e6-c3bc-4107-a33a-80c64eb88319"/>
-    <ds:schemaRef ds:uri="http://purl.org/dc/elements/1.1/"/>
-    <ds:schemaRef ds:uri="http://schemas.microsoft.com/office/2006/metadata/properties"/>
-    <ds:schemaRef ds:uri="http://purl.org/dc/terms/"/>
-    <ds:schemaRef ds:uri="http://schemas.openxmlformats.org/package/2006/metadata/core-properties"/>
-    <ds:schemaRef ds:uri="http://schemas.microsoft.com/office/infopath/2007/PartnerControls"/>
-    <ds:schemaRef ds:uri="http://schemas.microsoft.com/office/2006/documentManagement/types"/>
-    <ds:schemaRef ds:uri="fedaa18d-8384-436c-aaa0-67ec6927a806"/>
-    <ds:schemaRef ds:uri="http://www.w3.org/XML/1998/namespace"/>
-    <ds:schemaRef ds:uri="http://purl.org/dc/dcmitype/"/>
+    <ds:schemaRef ds:uri="http://schemas.microsoft.com/sharepoint/v3/contenttype/forms"/>
   </ds:schemaRefs>
 </ds:datastoreItem>
 </file>
--- a/FinalProject_presentation.pptx
+++ b/FinalProject_presentation.pptx
@@ -12536,6 +12536,11 @@
           </p:cNvGraphicFramePr>
           <p:nvPr>
             <p:ph idx="1"/>
+            <p:extLst>
+              <p:ext uri="{D42A27DB-BD31-4B8C-83A1-F6EECF244321}">
+                <p14:modId xmlns:p14="http://schemas.microsoft.com/office/powerpoint/2010/main" val="968828324"/>
+              </p:ext>
+            </p:extLst>
           </p:nvPr>
         </p:nvGraphicFramePr>
         <p:xfrm>
@@ -12690,9 +12695,10 @@
                     <a:bodyPr/>
                     <a:lstStyle/>
                     <a:p>
+                      <a:pPr algn="ctr"/>
                       <a:r>
                         <a:rPr lang="en-US" dirty="0"/>
-                        <a:t>79%</a:t>
+                        <a:t>80.17%</a:t>
                       </a:r>
                     </a:p>
                   </a:txBody>
@@ -12703,7 +12709,11 @@
                     <a:bodyPr/>
                     <a:lstStyle/>
                     <a:p>
-                      <a:endParaRPr lang="en-US"/>
+                      <a:pPr algn="ctr"/>
+                      <a:r>
+                        <a:rPr lang="en-US" dirty="0"/>
+                        <a:t>78.72%</a:t>
+                      </a:r>
                     </a:p>
                   </a:txBody>
                   <a:tcPr/>
@@ -12713,7 +12723,11 @@
                     <a:bodyPr/>
                     <a:lstStyle/>
                     <a:p>
-                      <a:endParaRPr lang="en-US"/>
+                      <a:pPr algn="ctr"/>
+                      <a:r>
+                        <a:rPr lang="en-US" dirty="0"/>
+                        <a:t>79.07%</a:t>
+                      </a:r>
                     </a:p>
                   </a:txBody>
                   <a:tcPr/>
@@ -12723,7 +12737,11 @@
                     <a:bodyPr/>
                     <a:lstStyle/>
                     <a:p>
-                      <a:endParaRPr lang="en-US" dirty="0"/>
+                      <a:pPr algn="ctr"/>
+                      <a:r>
+                        <a:rPr lang="en-US" dirty="0"/>
+                        <a:t>X</a:t>
+                      </a:r>
                     </a:p>
                   </a:txBody>
                   <a:tcPr/>
@@ -12754,7 +12772,11 @@
                     <a:bodyPr/>
                     <a:lstStyle/>
                     <a:p>
-                      <a:endParaRPr lang="en-US" dirty="0"/>
+                      <a:pPr algn="ctr"/>
+                      <a:r>
+                        <a:rPr lang="en-US" dirty="0"/>
+                        <a:t>80.04%</a:t>
+                      </a:r>
                     </a:p>
                   </a:txBody>
                   <a:tcPr/>
@@ -12764,7 +12786,11 @@
                     <a:bodyPr/>
                     <a:lstStyle/>
                     <a:p>
-                      <a:endParaRPr lang="en-US" dirty="0"/>
+                      <a:pPr algn="ctr"/>
+                      <a:r>
+                        <a:rPr lang="en-US" dirty="0"/>
+                        <a:t>79.11%</a:t>
+                      </a:r>
                     </a:p>
                   </a:txBody>
                   <a:tcPr/>
@@ -12774,7 +12800,11 @@
                     <a:bodyPr/>
                     <a:lstStyle/>
                     <a:p>
-                      <a:endParaRPr lang="en-US" dirty="0"/>
+                      <a:pPr algn="ctr"/>
+                      <a:r>
+                        <a:rPr lang="en-US" dirty="0"/>
+                        <a:t>77.80%</a:t>
+                      </a:r>
                     </a:p>
                   </a:txBody>
                   <a:tcPr/>
@@ -12784,7 +12814,11 @@
                     <a:bodyPr/>
                     <a:lstStyle/>
                     <a:p>
-                      <a:endParaRPr lang="en-US" dirty="0"/>
+                      <a:pPr algn="ctr"/>
+                      <a:r>
+                        <a:rPr lang="en-US" dirty="0"/>
+                        <a:t>X</a:t>
+                      </a:r>
                     </a:p>
                   </a:txBody>
                   <a:tcPr/>
@@ -12815,6 +12849,7 @@
                     <a:bodyPr/>
                     <a:lstStyle/>
                     <a:p>
+                      <a:pPr algn="ctr"/>
                       <a:endParaRPr lang="en-US" dirty="0"/>
                     </a:p>
                   </a:txBody>
@@ -12825,6 +12860,7 @@
                     <a:bodyPr/>
                     <a:lstStyle/>
                     <a:p>
+                      <a:pPr algn="ctr"/>
                       <a:endParaRPr lang="en-US" dirty="0"/>
                     </a:p>
                   </a:txBody>
@@ -12835,6 +12871,7 @@
                     <a:bodyPr/>
                     <a:lstStyle/>
                     <a:p>
+                      <a:pPr algn="ctr"/>
                       <a:endParaRPr lang="en-US" dirty="0"/>
                     </a:p>
                   </a:txBody>
@@ -12845,9 +12882,10 @@
                     <a:bodyPr/>
                     <a:lstStyle/>
                     <a:p>
+                      <a:pPr algn="ctr"/>
                       <a:r>
                         <a:rPr lang="en-US" dirty="0"/>
-                        <a:t>XXXXXX</a:t>
+                        <a:t>79.11%</a:t>
                       </a:r>
                     </a:p>
                   </a:txBody>
@@ -12879,6 +12917,7 @@
                     <a:bodyPr/>
                     <a:lstStyle/>
                     <a:p>
+                      <a:pPr algn="ctr"/>
                       <a:endParaRPr lang="en-US" dirty="0"/>
                     </a:p>
                   </a:txBody>
@@ -12889,6 +12928,7 @@
                     <a:bodyPr/>
                     <a:lstStyle/>
                     <a:p>
+                      <a:pPr algn="ctr"/>
                       <a:endParaRPr lang="en-US" dirty="0"/>
                     </a:p>
                   </a:txBody>
@@ -12899,6 +12939,7 @@
                     <a:bodyPr/>
                     <a:lstStyle/>
                     <a:p>
+                      <a:pPr algn="ctr"/>
                       <a:endParaRPr lang="en-US" dirty="0"/>
                     </a:p>
                   </a:txBody>
@@ -12909,9 +12950,10 @@
                     <a:bodyPr/>
                     <a:lstStyle/>
                     <a:p>
+                      <a:pPr algn="ctr"/>
                       <a:r>
                         <a:rPr lang="en-US" dirty="0"/>
-                        <a:t>#####</a:t>
+                        <a:t>X</a:t>
                       </a:r>
                     </a:p>
                   </a:txBody>
@@ -13026,6 +13068,11 @@
           </p:cNvGraphicFramePr>
           <p:nvPr>
             <p:ph idx="1"/>
+            <p:extLst>
+              <p:ext uri="{D42A27DB-BD31-4B8C-83A1-F6EECF244321}">
+                <p14:modId xmlns:p14="http://schemas.microsoft.com/office/powerpoint/2010/main" val="1535253832"/>
+              </p:ext>
+            </p:extLst>
           </p:nvPr>
         </p:nvGraphicFramePr>
         <p:xfrm>
@@ -13174,10 +13221,7 @@
                     <a:bodyPr/>
                     <a:lstStyle/>
                     <a:p>
-                      <a:r>
-                        <a:rPr lang="en-US" dirty="0"/>
-                        <a:t>79%</a:t>
-                      </a:r>
+                      <a:endParaRPr lang="en-US" dirty="0"/>
                     </a:p>
                   </a:txBody>
                   <a:tcPr/>
@@ -14625,6 +14669,15 @@
 </file>
 
 <file path=customXml/item2.xml><?xml version="1.0" encoding="utf-8"?>
+<?mso-contentType ?>
+<FormTemplates xmlns="http://schemas.microsoft.com/sharepoint/v3/contenttype/forms">
+  <Display>DocumentLibraryForm</Display>
+  <Edit>DocumentLibraryForm</Edit>
+  <New>DocumentLibraryForm</New>
+</FormTemplates>
+</file>
+
+<file path=customXml/item3.xml><?xml version="1.0" encoding="utf-8"?>
 <ct:contentTypeSchema xmlns:ct="http://schemas.microsoft.com/office/2006/metadata/contentType" xmlns:ma="http://schemas.microsoft.com/office/2006/metadata/properties/metaAttributes" ct:_="" ma:_="" ma:contentTypeName="Document" ma:contentTypeID="0x010100D09A4AC55DB23B409F9930A45A577CF8" ma:contentTypeVersion="13" ma:contentTypeDescription="Create a new document." ma:contentTypeScope="" ma:versionID="62863ce91714a6e6926beb841da81f45">
   <xsd:schema xmlns:xsd="http://www.w3.org/2001/XMLSchema" xmlns:xs="http://www.w3.org/2001/XMLSchema" xmlns:p="http://schemas.microsoft.com/office/2006/metadata/properties" xmlns:ns3="7eb5e0e6-c3bc-4107-a33a-80c64eb88319" xmlns:ns4="fedaa18d-8384-436c-aaa0-67ec6927a806" targetNamespace="http://schemas.microsoft.com/office/2006/metadata/properties" ma:root="true" ma:fieldsID="156b1824d531b0327b383d58586d45c8" ns3:_="" ns4:_="">
     <xsd:import namespace="7eb5e0e6-c3bc-4107-a33a-80c64eb88319"/>
@@ -14847,15 +14900,6 @@
 </ct:contentTypeSchema>
 </file>
 
-<file path=customXml/item3.xml><?xml version="1.0" encoding="utf-8"?>
-<?mso-contentType ?>
-<FormTemplates xmlns="http://schemas.microsoft.com/sharepoint/v3/contenttype/forms">
-  <Display>DocumentLibraryForm</Display>
-  <Edit>DocumentLibraryForm</Edit>
-  <New>DocumentLibraryForm</New>
-</FormTemplates>
-</file>
-
 <file path=customXml/itemProps1.xml><?xml version="1.0" encoding="utf-8"?>
 <ds:datastoreItem xmlns:ds="http://schemas.openxmlformats.org/officeDocument/2006/customXml" ds:itemID="{59145ECF-049B-4915-AFF6-4AE84EC42C31}">
   <ds:schemaRefs>
@@ -14874,6 +14918,14 @@
 </file>
 
 <file path=customXml/itemProps2.xml><?xml version="1.0" encoding="utf-8"?>
+<ds:datastoreItem xmlns:ds="http://schemas.openxmlformats.org/officeDocument/2006/customXml" ds:itemID="{C6B9F356-E37B-4A78-945B-3DAA33D11308}">
+  <ds:schemaRefs>
+    <ds:schemaRef ds:uri="http://schemas.microsoft.com/sharepoint/v3/contenttype/forms"/>
+  </ds:schemaRefs>
+</ds:datastoreItem>
+</file>
+
+<file path=customXml/itemProps3.xml><?xml version="1.0" encoding="utf-8"?>
 <ds:datastoreItem xmlns:ds="http://schemas.openxmlformats.org/officeDocument/2006/customXml" ds:itemID="{CDCEAE7F-77A9-4A38-AC78-B7889F39FB25}">
   <ds:schemaRefs>
     <ds:schemaRef ds:uri="http://schemas.microsoft.com/office/2006/metadata/contentType"/>
@@ -14890,12 +14942,4 @@
     <ds:schemaRef ds:uri="http://schemas.microsoft.com/internal/obd"/>
   </ds:schemaRefs>
 </ds:datastoreItem>
-</file>
-
-<file path=customXml/itemProps3.xml><?xml version="1.0" encoding="utf-8"?>
-<ds:datastoreItem xmlns:ds="http://schemas.openxmlformats.org/officeDocument/2006/customXml" ds:itemID="{C6B9F356-E37B-4A78-945B-3DAA33D11308}">
-  <ds:schemaRefs>
-    <ds:schemaRef ds:uri="http://schemas.microsoft.com/sharepoint/v3/contenttype/forms"/>
-  </ds:schemaRefs>
-</ds:datastoreItem>
 </file>
--- a/FinalProject_presentation.pptx
+++ b/FinalProject_presentation.pptx
@@ -13,10 +13,10 @@
     <p:sldId id="264" r:id="rId10"/>
     <p:sldId id="265" r:id="rId11"/>
     <p:sldId id="270" r:id="rId12"/>
-    <p:sldId id="267" r:id="rId13"/>
-    <p:sldId id="271" r:id="rId14"/>
-    <p:sldId id="266" r:id="rId15"/>
-    <p:sldId id="258" r:id="rId16"/>
+    <p:sldId id="271" r:id="rId13"/>
+    <p:sldId id="266" r:id="rId14"/>
+    <p:sldId id="258" r:id="rId15"/>
+    <p:sldId id="274" r:id="rId16"/>
   </p:sldIdLst>
   <p:sldSz cx="12192000" cy="6858000"/>
   <p:notesSz cx="6858000" cy="9144000"/>
@@ -870,881 +870,6 @@
 </dgm:colorsDef>
 </file>
 
-<file path=ppt/diagrams/colors2.xml><?xml version="1.0" encoding="utf-8"?>
-<dgm:colorsDef xmlns:dgm="http://schemas.openxmlformats.org/drawingml/2006/diagram" xmlns:a="http://schemas.openxmlformats.org/drawingml/2006/main" uniqueId="urn:microsoft.com/office/officeart/2005/8/colors/accent1_3">
-  <dgm:title val=""/>
-  <dgm:desc val=""/>
-  <dgm:catLst>
-    <dgm:cat type="accent1" pri="11300"/>
-  </dgm:catLst>
-  <dgm:styleLbl name="node0">
-    <dgm:fillClrLst meth="repeat">
-      <a:schemeClr val="accent1">
-        <a:shade val="80000"/>
-      </a:schemeClr>
-    </dgm:fillClrLst>
-    <dgm:linClrLst meth="repeat">
-      <a:schemeClr val="lt1"/>
-    </dgm:linClrLst>
-    <dgm:effectClrLst/>
-    <dgm:txLinClrLst/>
-    <dgm:txFillClrLst/>
-    <dgm:txEffectClrLst/>
-  </dgm:styleLbl>
-  <dgm:styleLbl name="alignNode1">
-    <dgm:fillClrLst>
-      <a:schemeClr val="accent1">
-        <a:shade val="80000"/>
-      </a:schemeClr>
-      <a:schemeClr val="accent1">
-        <a:tint val="70000"/>
-      </a:schemeClr>
-    </dgm:fillClrLst>
-    <dgm:linClrLst>
-      <a:schemeClr val="accent1">
-        <a:shade val="80000"/>
-      </a:schemeClr>
-      <a:schemeClr val="accent1">
-        <a:tint val="70000"/>
-      </a:schemeClr>
-    </dgm:linClrLst>
-    <dgm:effectClrLst/>
-    <dgm:txLinClrLst/>
-    <dgm:txFillClrLst/>
-    <dgm:txEffectClrLst/>
-  </dgm:styleLbl>
-  <dgm:styleLbl name="node1">
-    <dgm:fillClrLst>
-      <a:schemeClr val="accent1">
-        <a:shade val="80000"/>
-      </a:schemeClr>
-      <a:schemeClr val="accent1">
-        <a:tint val="70000"/>
-      </a:schemeClr>
-    </dgm:fillClrLst>
-    <dgm:linClrLst meth="repeat">
-      <a:schemeClr val="lt1"/>
-    </dgm:linClrLst>
-    <dgm:effectClrLst/>
-    <dgm:txLinClrLst/>
-    <dgm:txFillClrLst/>
-    <dgm:txEffectClrLst/>
-  </dgm:styleLbl>
-  <dgm:styleLbl name="lnNode1">
-    <dgm:fillClrLst>
-      <a:schemeClr val="accent1">
-        <a:shade val="80000"/>
-      </a:schemeClr>
-      <a:schemeClr val="accent1">
-        <a:tint val="70000"/>
-      </a:schemeClr>
-    </dgm:fillClrLst>
-    <dgm:linClrLst meth="repeat">
-      <a:schemeClr val="lt1"/>
-    </dgm:linClrLst>
-    <dgm:effectClrLst/>
-    <dgm:txLinClrLst/>
-    <dgm:txFillClrLst/>
-    <dgm:txEffectClrLst/>
-  </dgm:styleLbl>
-  <dgm:styleLbl name="vennNode1">
-    <dgm:fillClrLst>
-      <a:schemeClr val="accent1">
-        <a:shade val="80000"/>
-        <a:alpha val="50000"/>
-      </a:schemeClr>
-      <a:schemeClr val="accent1">
-        <a:tint val="70000"/>
-        <a:alpha val="50000"/>
-      </a:schemeClr>
-    </dgm:fillClrLst>
-    <dgm:linClrLst meth="repeat">
-      <a:schemeClr val="lt1"/>
-    </dgm:linClrLst>
-    <dgm:effectClrLst/>
-    <dgm:txLinClrLst/>
-    <dgm:txFillClrLst/>
-    <dgm:txEffectClrLst/>
-  </dgm:styleLbl>
-  <dgm:styleLbl name="node2">
-    <dgm:fillClrLst>
-      <a:schemeClr val="accent1">
-        <a:tint val="99000"/>
-      </a:schemeClr>
-    </dgm:fillClrLst>
-    <dgm:linClrLst meth="repeat">
-      <a:schemeClr val="lt1"/>
-    </dgm:linClrLst>
-    <dgm:effectClrLst/>
-    <dgm:txLinClrLst/>
-    <dgm:txFillClrLst/>
-    <dgm:txEffectClrLst/>
-  </dgm:styleLbl>
-  <dgm:styleLbl name="node3">
-    <dgm:fillClrLst>
-      <a:schemeClr val="accent1">
-        <a:tint val="80000"/>
-      </a:schemeClr>
-    </dgm:fillClrLst>
-    <dgm:linClrLst meth="repeat">
-      <a:schemeClr val="lt1"/>
-    </dgm:linClrLst>
-    <dgm:effectClrLst/>
-    <dgm:txLinClrLst/>
-    <dgm:txFillClrLst/>
-    <dgm:txEffectClrLst/>
-  </dgm:styleLbl>
-  <dgm:styleLbl name="node4">
-    <dgm:fillClrLst>
-      <a:schemeClr val="accent1">
-        <a:tint val="70000"/>
-      </a:schemeClr>
-    </dgm:fillClrLst>
-    <dgm:linClrLst meth="repeat">
-      <a:schemeClr val="lt1"/>
-    </dgm:linClrLst>
-    <dgm:effectClrLst/>
-    <dgm:txLinClrLst/>
-    <dgm:txFillClrLst/>
-    <dgm:txEffectClrLst/>
-  </dgm:styleLbl>
-  <dgm:styleLbl name="fgImgPlace1">
-    <dgm:fillClrLst>
-      <a:schemeClr val="accent1">
-        <a:tint val="50000"/>
-      </a:schemeClr>
-      <a:schemeClr val="accent1">
-        <a:tint val="20000"/>
-      </a:schemeClr>
-    </dgm:fillClrLst>
-    <dgm:linClrLst meth="repeat">
-      <a:schemeClr val="lt1"/>
-    </dgm:linClrLst>
-    <dgm:effectClrLst/>
-    <dgm:txLinClrLst/>
-    <dgm:txFillClrLst meth="repeat">
-      <a:schemeClr val="lt1"/>
-    </dgm:txFillClrLst>
-    <dgm:txEffectClrLst/>
-  </dgm:styleLbl>
-  <dgm:styleLbl name="alignImgPlace1">
-    <dgm:fillClrLst>
-      <a:schemeClr val="accent1">
-        <a:tint val="50000"/>
-      </a:schemeClr>
-      <a:schemeClr val="accent1">
-        <a:tint val="20000"/>
-      </a:schemeClr>
-    </dgm:fillClrLst>
-    <dgm:linClrLst meth="repeat">
-      <a:schemeClr val="lt1"/>
-    </dgm:linClrLst>
-    <dgm:effectClrLst/>
-    <dgm:txLinClrLst/>
-    <dgm:txFillClrLst meth="repeat">
-      <a:schemeClr val="lt1"/>
-    </dgm:txFillClrLst>
-    <dgm:txEffectClrLst/>
-  </dgm:styleLbl>
-  <dgm:styleLbl name="bgImgPlace1">
-    <dgm:fillClrLst>
-      <a:schemeClr val="accent1">
-        <a:tint val="50000"/>
-      </a:schemeClr>
-      <a:schemeClr val="accent1">
-        <a:tint val="20000"/>
-      </a:schemeClr>
-    </dgm:fillClrLst>
-    <dgm:linClrLst meth="repeat">
-      <a:schemeClr val="lt1"/>
-    </dgm:linClrLst>
-    <dgm:effectClrLst/>
-    <dgm:txLinClrLst/>
-    <dgm:txFillClrLst meth="repeat">
-      <a:schemeClr val="lt1"/>
-    </dgm:txFillClrLst>
-    <dgm:txEffectClrLst/>
-  </dgm:styleLbl>
-  <dgm:styleLbl name="sibTrans2D1">
-    <dgm:fillClrLst>
-      <a:schemeClr val="accent1">
-        <a:shade val="90000"/>
-      </a:schemeClr>
-      <a:schemeClr val="accent1">
-        <a:tint val="70000"/>
-      </a:schemeClr>
-    </dgm:fillClrLst>
-    <dgm:linClrLst>
-      <a:schemeClr val="accent1">
-        <a:shade val="90000"/>
-      </a:schemeClr>
-      <a:schemeClr val="accent1">
-        <a:tint val="70000"/>
-      </a:schemeClr>
-    </dgm:linClrLst>
-    <dgm:effectClrLst/>
-    <dgm:txLinClrLst/>
-    <dgm:txFillClrLst/>
-    <dgm:txEffectClrLst/>
-  </dgm:styleLbl>
-  <dgm:styleLbl name="fgSibTrans2D1">
-    <dgm:fillClrLst>
-      <a:schemeClr val="accent1">
-        <a:shade val="90000"/>
-      </a:schemeClr>
-      <a:schemeClr val="accent1">
-        <a:tint val="70000"/>
-      </a:schemeClr>
-    </dgm:fillClrLst>
-    <dgm:linClrLst>
-      <a:schemeClr val="accent1">
-        <a:shade val="90000"/>
-      </a:schemeClr>
-      <a:schemeClr val="accent1">
-        <a:tint val="70000"/>
-      </a:schemeClr>
-    </dgm:linClrLst>
-    <dgm:effectClrLst/>
-    <dgm:txLinClrLst/>
-    <dgm:txFillClrLst meth="repeat">
-      <a:schemeClr val="lt1"/>
-    </dgm:txFillClrLst>
-    <dgm:txEffectClrLst/>
-  </dgm:styleLbl>
-  <dgm:styleLbl name="bgSibTrans2D1">
-    <dgm:fillClrLst>
-      <a:schemeClr val="accent1">
-        <a:shade val="90000"/>
-      </a:schemeClr>
-      <a:schemeClr val="accent1">
-        <a:tint val="70000"/>
-      </a:schemeClr>
-    </dgm:fillClrLst>
-    <dgm:linClrLst>
-      <a:schemeClr val="accent1">
-        <a:shade val="90000"/>
-      </a:schemeClr>
-      <a:schemeClr val="accent1">
-        <a:tint val="70000"/>
-      </a:schemeClr>
-    </dgm:linClrLst>
-    <dgm:effectClrLst/>
-    <dgm:txLinClrLst/>
-    <dgm:txFillClrLst meth="repeat">
-      <a:schemeClr val="lt1"/>
-    </dgm:txFillClrLst>
-    <dgm:txEffectClrLst/>
-  </dgm:styleLbl>
-  <dgm:styleLbl name="sibTrans1D1">
-    <dgm:fillClrLst>
-      <a:schemeClr val="accent1">
-        <a:shade val="90000"/>
-      </a:schemeClr>
-      <a:schemeClr val="accent1">
-        <a:tint val="70000"/>
-      </a:schemeClr>
-    </dgm:fillClrLst>
-    <dgm:linClrLst>
-      <a:schemeClr val="accent1">
-        <a:shade val="90000"/>
-      </a:schemeClr>
-      <a:schemeClr val="accent1">
-        <a:tint val="70000"/>
-      </a:schemeClr>
-    </dgm:linClrLst>
-    <dgm:effectClrLst/>
-    <dgm:txLinClrLst/>
-    <dgm:txFillClrLst meth="repeat">
-      <a:schemeClr val="tx1"/>
-    </dgm:txFillClrLst>
-    <dgm:txEffectClrLst/>
-  </dgm:styleLbl>
-  <dgm:styleLbl name="callout">
-    <dgm:fillClrLst meth="repeat">
-      <a:schemeClr val="accent1"/>
-    </dgm:fillClrLst>
-    <dgm:linClrLst meth="repeat">
-      <a:schemeClr val="accent1"/>
-    </dgm:linClrLst>
-    <dgm:effectClrLst/>
-    <dgm:txLinClrLst/>
-    <dgm:txFillClrLst meth="repeat">
-      <a:schemeClr val="tx1"/>
-    </dgm:txFillClrLst>
-    <dgm:txEffectClrLst/>
-  </dgm:styleLbl>
-  <dgm:styleLbl name="asst0">
-    <dgm:fillClrLst meth="repeat">
-      <a:schemeClr val="accent1">
-        <a:shade val="80000"/>
-      </a:schemeClr>
-    </dgm:fillClrLst>
-    <dgm:linClrLst meth="repeat">
-      <a:schemeClr val="lt1"/>
-    </dgm:linClrLst>
-    <dgm:effectClrLst/>
-    <dgm:txLinClrLst/>
-    <dgm:txFillClrLst/>
-    <dgm:txEffectClrLst/>
-  </dgm:styleLbl>
-  <dgm:styleLbl name="asst1">
-    <dgm:fillClrLst meth="repeat">
-      <a:schemeClr val="accent1">
-        <a:shade val="80000"/>
-      </a:schemeClr>
-    </dgm:fillClrLst>
-    <dgm:linClrLst meth="repeat">
-      <a:schemeClr val="lt1"/>
-    </dgm:linClrLst>
-    <dgm:effectClrLst/>
-    <dgm:txLinClrLst/>
-    <dgm:txFillClrLst/>
-    <dgm:txEffectClrLst/>
-  </dgm:styleLbl>
-  <dgm:styleLbl name="asst2">
-    <dgm:fillClrLst>
-      <a:schemeClr val="accent1">
-        <a:tint val="99000"/>
-      </a:schemeClr>
-    </dgm:fillClrLst>
-    <dgm:linClrLst meth="repeat">
-      <a:schemeClr val="lt1"/>
-    </dgm:linClrLst>
-    <dgm:effectClrLst/>
-    <dgm:txLinClrLst/>
-    <dgm:txFillClrLst/>
-    <dgm:txEffectClrLst/>
-  </dgm:styleLbl>
-  <dgm:styleLbl name="asst3">
-    <dgm:fillClrLst>
-      <a:schemeClr val="accent1">
-        <a:tint val="80000"/>
-      </a:schemeClr>
-    </dgm:fillClrLst>
-    <dgm:linClrLst meth="repeat">
-      <a:schemeClr val="lt1"/>
-    </dgm:linClrLst>
-    <dgm:effectClrLst/>
-    <dgm:txLinClrLst/>
-    <dgm:txFillClrLst/>
-    <dgm:txEffectClrLst/>
-  </dgm:styleLbl>
-  <dgm:styleLbl name="asst4">
-    <dgm:fillClrLst>
-      <a:schemeClr val="accent1">
-        <a:tint val="70000"/>
-      </a:schemeClr>
-    </dgm:fillClrLst>
-    <dgm:linClrLst meth="repeat">
-      <a:schemeClr val="lt1"/>
-    </dgm:linClrLst>
-    <dgm:effectClrLst/>
-    <dgm:txLinClrLst/>
-    <dgm:txFillClrLst/>
-    <dgm:txEffectClrLst/>
-  </dgm:styleLbl>
-  <dgm:styleLbl name="parChTrans2D1">
-    <dgm:fillClrLst meth="repeat">
-      <a:schemeClr val="accent1">
-        <a:tint val="60000"/>
-      </a:schemeClr>
-    </dgm:fillClrLst>
-    <dgm:linClrLst meth="repeat">
-      <a:schemeClr val="accent1">
-        <a:tint val="60000"/>
-      </a:schemeClr>
-    </dgm:linClrLst>
-    <dgm:effectClrLst/>
-    <dgm:txLinClrLst/>
-    <dgm:txFillClrLst meth="repeat">
-      <a:schemeClr val="lt1"/>
-    </dgm:txFillClrLst>
-    <dgm:txEffectClrLst/>
-  </dgm:styleLbl>
-  <dgm:styleLbl name="parChTrans2D2">
-    <dgm:fillClrLst meth="repeat">
-      <a:schemeClr val="accent1">
-        <a:tint val="90000"/>
-      </a:schemeClr>
-    </dgm:fillClrLst>
-    <dgm:linClrLst meth="repeat">
-      <a:schemeClr val="accent1">
-        <a:tint val="90000"/>
-      </a:schemeClr>
-    </dgm:linClrLst>
-    <dgm:effectClrLst/>
-    <dgm:txLinClrLst/>
-    <dgm:txFillClrLst/>
-    <dgm:txEffectClrLst/>
-  </dgm:styleLbl>
-  <dgm:styleLbl name="parChTrans2D3">
-    <dgm:fillClrLst meth="repeat">
-      <a:schemeClr val="accent1">
-        <a:tint val="70000"/>
-      </a:schemeClr>
-    </dgm:fillClrLst>
-    <dgm:linClrLst meth="repeat">
-      <a:schemeClr val="accent1">
-        <a:tint val="70000"/>
-      </a:schemeClr>
-    </dgm:linClrLst>
-    <dgm:effectClrLst/>
-    <dgm:txLinClrLst/>
-    <dgm:txFillClrLst/>
-    <dgm:txEffectClrLst/>
-  </dgm:styleLbl>
-  <dgm:styleLbl name="parChTrans2D4">
-    <dgm:fillClrLst meth="repeat">
-      <a:schemeClr val="accent1">
-        <a:tint val="50000"/>
-      </a:schemeClr>
-    </dgm:fillClrLst>
-    <dgm:linClrLst meth="repeat">
-      <a:schemeClr val="accent1">
-        <a:tint val="50000"/>
-      </a:schemeClr>
-    </dgm:linClrLst>
-    <dgm:effectClrLst/>
-    <dgm:txLinClrLst/>
-    <dgm:txFillClrLst meth="repeat">
-      <a:schemeClr val="lt1"/>
-    </dgm:txFillClrLst>
-    <dgm:txEffectClrLst/>
-  </dgm:styleLbl>
-  <dgm:styleLbl name="parChTrans1D1">
-    <dgm:fillClrLst meth="repeat">
-      <a:schemeClr val="accent1">
-        <a:shade val="80000"/>
-      </a:schemeClr>
-    </dgm:fillClrLst>
-    <dgm:linClrLst meth="repeat">
-      <a:schemeClr val="accent1">
-        <a:shade val="80000"/>
-      </a:schemeClr>
-    </dgm:linClrLst>
-    <dgm:effectClrLst/>
-    <dgm:txLinClrLst/>
-    <dgm:txFillClrLst meth="repeat">
-      <a:schemeClr val="tx1"/>
-    </dgm:txFillClrLst>
-    <dgm:txEffectClrLst/>
-  </dgm:styleLbl>
-  <dgm:styleLbl name="parChTrans1D2">
-    <dgm:fillClrLst meth="repeat">
-      <a:schemeClr val="accent1">
-        <a:tint val="99000"/>
-      </a:schemeClr>
-    </dgm:fillClrLst>
-    <dgm:linClrLst meth="repeat">
-      <a:schemeClr val="accent1">
-        <a:tint val="99000"/>
-      </a:schemeClr>
-    </dgm:linClrLst>
-    <dgm:effectClrLst/>
-    <dgm:txLinClrLst/>
-    <dgm:txFillClrLst meth="repeat">
-      <a:schemeClr val="tx1"/>
-    </dgm:txFillClrLst>
-    <dgm:txEffectClrLst/>
-  </dgm:styleLbl>
-  <dgm:styleLbl name="parChTrans1D3">
-    <dgm:fillClrLst meth="repeat">
-      <a:schemeClr val="accent1">
-        <a:tint val="80000"/>
-      </a:schemeClr>
-    </dgm:fillClrLst>
-    <dgm:linClrLst meth="repeat">
-      <a:schemeClr val="accent1">
-        <a:tint val="80000"/>
-      </a:schemeClr>
-    </dgm:linClrLst>
-    <dgm:effectClrLst/>
-    <dgm:txLinClrLst/>
-    <dgm:txFillClrLst meth="repeat">
-      <a:schemeClr val="tx1"/>
-    </dgm:txFillClrLst>
-    <dgm:txEffectClrLst/>
-  </dgm:styleLbl>
-  <dgm:styleLbl name="parChTrans1D4">
-    <dgm:fillClrLst meth="repeat">
-      <a:schemeClr val="accent1">
-        <a:tint val="70000"/>
-      </a:schemeClr>
-    </dgm:fillClrLst>
-    <dgm:linClrLst meth="repeat">
-      <a:schemeClr val="accent1">
-        <a:tint val="70000"/>
-      </a:schemeClr>
-    </dgm:linClrLst>
-    <dgm:effectClrLst/>
-    <dgm:txLinClrLst/>
-    <dgm:txFillClrLst meth="repeat">
-      <a:schemeClr val="tx1"/>
-    </dgm:txFillClrLst>
-    <dgm:txEffectClrLst/>
-  </dgm:styleLbl>
-  <dgm:styleLbl name="fgAcc1">
-    <dgm:fillClrLst meth="repeat">
-      <a:schemeClr val="lt1">
-        <a:alpha val="90000"/>
-      </a:schemeClr>
-    </dgm:fillClrLst>
-    <dgm:linClrLst>
-      <a:schemeClr val="accent1">
-        <a:shade val="80000"/>
-      </a:schemeClr>
-      <a:schemeClr val="accent1">
-        <a:tint val="70000"/>
-      </a:schemeClr>
-    </dgm:linClrLst>
-    <dgm:effectClrLst/>
-    <dgm:txLinClrLst/>
-    <dgm:txFillClrLst meth="repeat">
-      <a:schemeClr val="dk1"/>
-    </dgm:txFillClrLst>
-    <dgm:txEffectClrLst/>
-  </dgm:styleLbl>
-  <dgm:styleLbl name="conFgAcc1">
-    <dgm:fillClrLst meth="repeat">
-      <a:schemeClr val="lt1">
-        <a:alpha val="90000"/>
-      </a:schemeClr>
-    </dgm:fillClrLst>
-    <dgm:linClrLst>
-      <a:schemeClr val="accent1">
-        <a:shade val="80000"/>
-      </a:schemeClr>
-      <a:schemeClr val="accent1">
-        <a:tint val="70000"/>
-      </a:schemeClr>
-    </dgm:linClrLst>
-    <dgm:effectClrLst/>
-    <dgm:txLinClrLst/>
-    <dgm:txFillClrLst meth="repeat">
-      <a:schemeClr val="dk1"/>
-    </dgm:txFillClrLst>
-    <dgm:txEffectClrLst/>
-  </dgm:styleLbl>
-  <dgm:styleLbl name="alignAcc1">
-    <dgm:fillClrLst meth="repeat">
-      <a:schemeClr val="lt1">
-        <a:alpha val="90000"/>
-      </a:schemeClr>
-    </dgm:fillClrLst>
-    <dgm:linClrLst>
-      <a:schemeClr val="accent1">
-        <a:shade val="80000"/>
-      </a:schemeClr>
-      <a:schemeClr val="accent1">
-        <a:tint val="70000"/>
-      </a:schemeClr>
-    </dgm:linClrLst>
-    <dgm:effectClrLst/>
-    <dgm:txLinClrLst/>
-    <dgm:txFillClrLst meth="repeat">
-      <a:schemeClr val="dk1"/>
-    </dgm:txFillClrLst>
-    <dgm:txEffectClrLst/>
-  </dgm:styleLbl>
-  <dgm:styleLbl name="trAlignAcc1">
-    <dgm:fillClrLst meth="repeat">
-      <a:schemeClr val="lt1">
-        <a:alpha val="40000"/>
-      </a:schemeClr>
-    </dgm:fillClrLst>
-    <dgm:linClrLst meth="repeat">
-      <a:schemeClr val="accent1"/>
-    </dgm:linClrLst>
-    <dgm:effectClrLst/>
-    <dgm:txLinClrLst/>
-    <dgm:txFillClrLst meth="repeat">
-      <a:schemeClr val="dk1"/>
-    </dgm:txFillClrLst>
-    <dgm:txEffectClrLst/>
-  </dgm:styleLbl>
-  <dgm:styleLbl name="bgAcc1">
-    <dgm:fillClrLst meth="repeat">
-      <a:schemeClr val="lt1">
-        <a:alpha val="90000"/>
-      </a:schemeClr>
-    </dgm:fillClrLst>
-    <dgm:linClrLst>
-      <a:schemeClr val="accent1">
-        <a:shade val="80000"/>
-      </a:schemeClr>
-      <a:schemeClr val="accent1">
-        <a:tint val="70000"/>
-      </a:schemeClr>
-    </dgm:linClrLst>
-    <dgm:effectClrLst/>
-    <dgm:txLinClrLst/>
-    <dgm:txFillClrLst meth="repeat">
-      <a:schemeClr val="dk1"/>
-    </dgm:txFillClrLst>
-    <dgm:txEffectClrLst/>
-  </dgm:styleLbl>
-  <dgm:styleLbl name="solidFgAcc1">
-    <dgm:fillClrLst meth="repeat">
-      <a:schemeClr val="lt1"/>
-    </dgm:fillClrLst>
-    <dgm:linClrLst>
-      <a:schemeClr val="accent1">
-        <a:shade val="80000"/>
-      </a:schemeClr>
-      <a:schemeClr val="accent1">
-        <a:tint val="70000"/>
-      </a:schemeClr>
-    </dgm:linClrLst>
-    <dgm:effectClrLst/>
-    <dgm:txLinClrLst/>
-    <dgm:txFillClrLst meth="repeat">
-      <a:schemeClr val="dk1"/>
-    </dgm:txFillClrLst>
-    <dgm:txEffectClrLst/>
-  </dgm:styleLbl>
-  <dgm:styleLbl name="solidAlignAcc1">
-    <dgm:fillClrLst meth="repeat">
-      <a:schemeClr val="lt1"/>
-    </dgm:fillClrLst>
-    <dgm:linClrLst meth="repeat">
-      <a:schemeClr val="accent1"/>
-    </dgm:linClrLst>
-    <dgm:effectClrLst/>
-    <dgm:txLinClrLst/>
-    <dgm:txFillClrLst meth="repeat">
-      <a:schemeClr val="dk1"/>
-    </dgm:txFillClrLst>
-    <dgm:txEffectClrLst/>
-  </dgm:styleLbl>
-  <dgm:styleLbl name="solidBgAcc1">
-    <dgm:fillClrLst meth="repeat">
-      <a:schemeClr val="lt1"/>
-    </dgm:fillClrLst>
-    <dgm:linClrLst meth="repeat">
-      <a:schemeClr val="accent1"/>
-    </dgm:linClrLst>
-    <dgm:effectClrLst/>
-    <dgm:txLinClrLst/>
-    <dgm:txFillClrLst meth="repeat">
-      <a:schemeClr val="dk1"/>
-    </dgm:txFillClrLst>
-    <dgm:txEffectClrLst/>
-  </dgm:styleLbl>
-  <dgm:styleLbl name="fgAccFollowNode1">
-    <dgm:fillClrLst meth="repeat">
-      <a:schemeClr val="accent1">
-        <a:alpha val="90000"/>
-        <a:tint val="40000"/>
-      </a:schemeClr>
-    </dgm:fillClrLst>
-    <dgm:linClrLst meth="repeat">
-      <a:schemeClr val="accent1">
-        <a:alpha val="90000"/>
-        <a:tint val="40000"/>
-      </a:schemeClr>
-    </dgm:linClrLst>
-    <dgm:effectClrLst/>
-    <dgm:txLinClrLst/>
-    <dgm:txFillClrLst meth="repeat">
-      <a:schemeClr val="dk1"/>
-    </dgm:txFillClrLst>
-    <dgm:txEffectClrLst/>
-  </dgm:styleLbl>
-  <dgm:styleLbl name="alignAccFollowNode1">
-    <dgm:fillClrLst meth="repeat">
-      <a:schemeClr val="accent1">
-        <a:alpha val="90000"/>
-        <a:tint val="40000"/>
-      </a:schemeClr>
-    </dgm:fillClrLst>
-    <dgm:linClrLst meth="repeat">
-      <a:schemeClr val="accent1">
-        <a:alpha val="90000"/>
-        <a:tint val="40000"/>
-      </a:schemeClr>
-    </dgm:linClrLst>
-    <dgm:effectClrLst/>
-    <dgm:txLinClrLst/>
-    <dgm:txFillClrLst meth="repeat">
-      <a:schemeClr val="dk1"/>
-    </dgm:txFillClrLst>
-    <dgm:txEffectClrLst/>
-  </dgm:styleLbl>
-  <dgm:styleLbl name="bgAccFollowNode1">
-    <dgm:fillClrLst meth="repeat">
-      <a:schemeClr val="accent1">
-        <a:alpha val="90000"/>
-        <a:tint val="40000"/>
-      </a:schemeClr>
-    </dgm:fillClrLst>
-    <dgm:linClrLst meth="repeat">
-      <a:schemeClr val="lt1"/>
-    </dgm:linClrLst>
-    <dgm:effectClrLst/>
-    <dgm:txLinClrLst/>
-    <dgm:txFillClrLst meth="repeat">
-      <a:schemeClr val="dk1"/>
-    </dgm:txFillClrLst>
-    <dgm:txEffectClrLst/>
-  </dgm:styleLbl>
-  <dgm:styleLbl name="fgAcc0">
-    <dgm:fillClrLst meth="repeat">
-      <a:schemeClr val="lt1">
-        <a:alpha val="90000"/>
-      </a:schemeClr>
-    </dgm:fillClrLst>
-    <dgm:linClrLst meth="repeat">
-      <a:schemeClr val="accent1">
-        <a:shade val="80000"/>
-      </a:schemeClr>
-    </dgm:linClrLst>
-    <dgm:effectClrLst/>
-    <dgm:txLinClrLst/>
-    <dgm:txFillClrLst meth="repeat">
-      <a:schemeClr val="dk1"/>
-    </dgm:txFillClrLst>
-    <dgm:txEffectClrLst/>
-  </dgm:styleLbl>
-  <dgm:styleLbl name="fgAcc2">
-    <dgm:fillClrLst meth="repeat">
-      <a:schemeClr val="lt1">
-        <a:alpha val="90000"/>
-      </a:schemeClr>
-    </dgm:fillClrLst>
-    <dgm:linClrLst meth="repeat">
-      <a:schemeClr val="accent1">
-        <a:tint val="99000"/>
-      </a:schemeClr>
-    </dgm:linClrLst>
-    <dgm:effectClrLst/>
-    <dgm:txLinClrLst/>
-    <dgm:txFillClrLst meth="repeat">
-      <a:schemeClr val="dk1"/>
-    </dgm:txFillClrLst>
-    <dgm:txEffectClrLst/>
-  </dgm:styleLbl>
-  <dgm:styleLbl name="fgAcc3">
-    <dgm:fillClrLst meth="repeat">
-      <a:schemeClr val="lt1">
-        <a:alpha val="90000"/>
-      </a:schemeClr>
-    </dgm:fillClrLst>
-    <dgm:linClrLst meth="repeat">
-      <a:schemeClr val="accent1">
-        <a:tint val="80000"/>
-      </a:schemeClr>
-    </dgm:linClrLst>
-    <dgm:effectClrLst/>
-    <dgm:txLinClrLst/>
-    <dgm:txFillClrLst meth="repeat">
-      <a:schemeClr val="dk1"/>
-    </dgm:txFillClrLst>
-    <dgm:txEffectClrLst/>
-  </dgm:styleLbl>
-  <dgm:styleLbl name="fgAcc4">
-    <dgm:fillClrLst meth="repeat">
-      <a:schemeClr val="lt1">
-        <a:alpha val="90000"/>
-      </a:schemeClr>
-    </dgm:fillClrLst>
-    <dgm:linClrLst meth="repeat">
-      <a:schemeClr val="accent1">
-        <a:tint val="70000"/>
-      </a:schemeClr>
-    </dgm:linClrLst>
-    <dgm:effectClrLst/>
-    <dgm:txLinClrLst/>
-    <dgm:txFillClrLst meth="repeat">
-      <a:schemeClr val="dk1"/>
-    </dgm:txFillClrLst>
-    <dgm:txEffectClrLst/>
-  </dgm:styleLbl>
-  <dgm:styleLbl name="bgShp">
-    <dgm:fillClrLst meth="repeat">
-      <a:schemeClr val="accent1">
-        <a:tint val="40000"/>
-      </a:schemeClr>
-    </dgm:fillClrLst>
-    <dgm:linClrLst meth="repeat">
-      <a:schemeClr val="dk1"/>
-    </dgm:linClrLst>
-    <dgm:effectClrLst/>
-    <dgm:txLinClrLst/>
-    <dgm:txFillClrLst meth="repeat">
-      <a:schemeClr val="dk1"/>
-    </dgm:txFillClrLst>
-    <dgm:txEffectClrLst/>
-  </dgm:styleLbl>
-  <dgm:styleLbl name="dkBgShp">
-    <dgm:fillClrLst meth="repeat">
-      <a:schemeClr val="accent1">
-        <a:shade val="90000"/>
-      </a:schemeClr>
-    </dgm:fillClrLst>
-    <dgm:linClrLst meth="repeat">
-      <a:schemeClr val="dk1"/>
-    </dgm:linClrLst>
-    <dgm:effectClrLst/>
-    <dgm:txLinClrLst/>
-    <dgm:txFillClrLst meth="repeat">
-      <a:schemeClr val="lt1"/>
-    </dgm:txFillClrLst>
-    <dgm:txEffectClrLst/>
-  </dgm:styleLbl>
-  <dgm:styleLbl name="trBgShp">
-    <dgm:fillClrLst meth="repeat">
-      <a:schemeClr val="accent1">
-        <a:tint val="50000"/>
-        <a:alpha val="40000"/>
-      </a:schemeClr>
-    </dgm:fillClrLst>
-    <dgm:linClrLst meth="repeat">
-      <a:schemeClr val="accent1"/>
-    </dgm:linClrLst>
-    <dgm:effectClrLst/>
-    <dgm:txLinClrLst/>
-    <dgm:txFillClrLst meth="repeat">
-      <a:schemeClr val="lt1"/>
-    </dgm:txFillClrLst>
-    <dgm:txEffectClrLst/>
-  </dgm:styleLbl>
-  <dgm:styleLbl name="fgShp">
-    <dgm:fillClrLst meth="repeat">
-      <a:schemeClr val="accent1">
-        <a:tint val="40000"/>
-      </a:schemeClr>
-    </dgm:fillClrLst>
-    <dgm:linClrLst meth="repeat">
-      <a:schemeClr val="lt1"/>
-    </dgm:linClrLst>
-    <dgm:effectClrLst/>
-    <dgm:txLinClrLst/>
-    <dgm:txFillClrLst meth="repeat">
-      <a:schemeClr val="dk1"/>
-    </dgm:txFillClrLst>
-    <dgm:txEffectClrLst/>
-  </dgm:styleLbl>
-  <dgm:styleLbl name="revTx">
-    <dgm:fillClrLst meth="repeat">
-      <a:schemeClr val="lt1">
-        <a:alpha val="0"/>
-      </a:schemeClr>
-    </dgm:fillClrLst>
-    <dgm:linClrLst meth="repeat">
-      <a:schemeClr val="dk1">
-        <a:alpha val="0"/>
-      </a:schemeClr>
-    </dgm:linClrLst>
-    <dgm:effectClrLst/>
-    <dgm:txLinClrLst/>
-    <dgm:txFillClrLst meth="repeat">
-      <a:schemeClr val="tx1"/>
-    </dgm:txFillClrLst>
-    <dgm:txEffectClrLst/>
-  </dgm:styleLbl>
-</dgm:colorsDef>
-</file>
-
 <file path=ppt/diagrams/data1.xml><?xml version="1.0" encoding="utf-8"?>
 <dgm:dataModel xmlns:dgm="http://schemas.openxmlformats.org/drawingml/2006/diagram" xmlns:a="http://schemas.openxmlformats.org/drawingml/2006/main">
   <dgm:ptLst>
@@ -2435,447 +1560,6 @@
     <dgm:cxn modelId="{7EC7ED08-F1E0-490E-8BD5-DD94387ABDCE}" type="presParOf" srcId="{DFCDC906-05B0-4021-88FA-E9229612B5B7}" destId="{7426F8D9-6479-4C0E-B041-8747115A7003}" srcOrd="1" destOrd="0" presId="urn:microsoft.com/office/officeart/2005/8/layout/hProcess6"/>
     <dgm:cxn modelId="{B1318F07-75FC-4582-BAA6-3B0D4D2E5AEC}" type="presParOf" srcId="{DFCDC906-05B0-4021-88FA-E9229612B5B7}" destId="{C476E099-C80B-47EE-BE5D-9D24E94C6D2D}" srcOrd="2" destOrd="0" presId="urn:microsoft.com/office/officeart/2005/8/layout/hProcess6"/>
     <dgm:cxn modelId="{7DA53BED-B557-4EA3-B231-ACB7F2DEFC66}" type="presParOf" srcId="{DFCDC906-05B0-4021-88FA-E9229612B5B7}" destId="{E7D392FA-306F-4A6C-AFBA-4CBB5BB4382F}" srcOrd="3" destOrd="0" presId="urn:microsoft.com/office/officeart/2005/8/layout/hProcess6"/>
-  </dgm:cxnLst>
-  <dgm:bg/>
-  <dgm:whole/>
-  <dgm:extLst>
-    <a:ext uri="http://schemas.microsoft.com/office/drawing/2008/diagram">
-      <dsp:dataModelExt xmlns:dsp="http://schemas.microsoft.com/office/drawing/2008/diagram" relId="rId6" minVer="http://schemas.openxmlformats.org/drawingml/2006/diagram"/>
-    </a:ext>
-  </dgm:extLst>
-</dgm:dataModel>
-</file>
-
-<file path=ppt/diagrams/data2.xml><?xml version="1.0" encoding="utf-8"?>
-<dgm:dataModel xmlns:dgm="http://schemas.openxmlformats.org/drawingml/2006/diagram" xmlns:a="http://schemas.openxmlformats.org/drawingml/2006/main">
-  <dgm:ptLst>
-    <dgm:pt modelId="{6A70FD8F-0050-42E3-8B3A-6ED7CFB9852E}" type="doc">
-      <dgm:prSet loTypeId="urn:microsoft.com/office/officeart/2016/7/layout/RoundedRectangleTimeline" loCatId="process" qsTypeId="urn:microsoft.com/office/officeart/2005/8/quickstyle/simple1" qsCatId="simple" csTypeId="urn:microsoft.com/office/officeart/2005/8/colors/accent1_3" csCatId="accent1" phldr="1"/>
-      <dgm:spPr/>
-      <dgm:t>
-        <a:bodyPr/>
-        <a:lstStyle/>
-        <a:p>
-          <a:endParaRPr lang="en-US"/>
-        </a:p>
-      </dgm:t>
-    </dgm:pt>
-    <dgm:pt modelId="{8DB5D7D5-6A1C-4ABC-8850-759A9D876047}">
-      <dgm:prSet/>
-      <dgm:spPr/>
-      <dgm:t>
-        <a:bodyPr/>
-        <a:lstStyle/>
-        <a:p>
-          <a:r>
-            <a:rPr lang="en-US" dirty="0"/>
-            <a:t>2017</a:t>
-          </a:r>
-        </a:p>
-      </dgm:t>
-    </dgm:pt>
-    <dgm:pt modelId="{D8874F40-D7B0-41DE-BB6F-A6014FEAB2D7}" type="parTrans" cxnId="{C5202EE1-10E9-4076-9D55-9E0CF8B152AF}">
-      <dgm:prSet/>
-      <dgm:spPr/>
-      <dgm:t>
-        <a:bodyPr/>
-        <a:lstStyle/>
-        <a:p>
-          <a:endParaRPr lang="en-US"/>
-        </a:p>
-      </dgm:t>
-    </dgm:pt>
-    <dgm:pt modelId="{BD6E0A2E-99C8-4F5A-971A-CD211D1099FF}" type="sibTrans" cxnId="{C5202EE1-10E9-4076-9D55-9E0CF8B152AF}">
-      <dgm:prSet/>
-      <dgm:spPr/>
-      <dgm:t>
-        <a:bodyPr/>
-        <a:lstStyle/>
-        <a:p>
-          <a:endParaRPr lang="en-US"/>
-        </a:p>
-      </dgm:t>
-    </dgm:pt>
-    <dgm:pt modelId="{96262926-A67D-4E4E-9515-5EBC67F0B634}">
-      <dgm:prSet/>
-      <dgm:spPr/>
-      <dgm:t>
-        <a:bodyPr/>
-        <a:lstStyle/>
-        <a:p>
-          <a:r>
-            <a:rPr lang="en-US"/>
-            <a:t>Lorem ipsum dolor sit amet</a:t>
-          </a:r>
-        </a:p>
-      </dgm:t>
-    </dgm:pt>
-    <dgm:pt modelId="{EC74E552-C501-4B0E-9400-E8B410F53D50}" type="parTrans" cxnId="{8C5B110A-FBC3-4CBF-BED2-413E87D4DAD5}">
-      <dgm:prSet/>
-      <dgm:spPr/>
-      <dgm:t>
-        <a:bodyPr/>
-        <a:lstStyle/>
-        <a:p>
-          <a:endParaRPr lang="en-US"/>
-        </a:p>
-      </dgm:t>
-    </dgm:pt>
-    <dgm:pt modelId="{1DA7ACEB-F642-43C1-BCB5-F580B9B985B9}" type="sibTrans" cxnId="{8C5B110A-FBC3-4CBF-BED2-413E87D4DAD5}">
-      <dgm:prSet/>
-      <dgm:spPr/>
-      <dgm:t>
-        <a:bodyPr/>
-        <a:lstStyle/>
-        <a:p>
-          <a:endParaRPr lang="en-US"/>
-        </a:p>
-      </dgm:t>
-    </dgm:pt>
-    <dgm:pt modelId="{C5146535-FD3D-4589-98A3-623B8DA4B8DB}">
-      <dgm:prSet/>
-      <dgm:spPr/>
-      <dgm:t>
-        <a:bodyPr/>
-        <a:lstStyle/>
-        <a:p>
-          <a:r>
-            <a:rPr lang="en-US"/>
-            <a:t>2018</a:t>
-          </a:r>
-        </a:p>
-      </dgm:t>
-    </dgm:pt>
-    <dgm:pt modelId="{20848F78-EC70-4162-96CE-CC68006930F0}" type="parTrans" cxnId="{8EBF857E-7408-4941-91E4-293B0F59EEF7}">
-      <dgm:prSet/>
-      <dgm:spPr/>
-      <dgm:t>
-        <a:bodyPr/>
-        <a:lstStyle/>
-        <a:p>
-          <a:endParaRPr lang="en-US"/>
-        </a:p>
-      </dgm:t>
-    </dgm:pt>
-    <dgm:pt modelId="{7A3CCAF8-AC3A-401E-AEDD-44BBC1AA9C31}" type="sibTrans" cxnId="{8EBF857E-7408-4941-91E4-293B0F59EEF7}">
-      <dgm:prSet/>
-      <dgm:spPr/>
-      <dgm:t>
-        <a:bodyPr/>
-        <a:lstStyle/>
-        <a:p>
-          <a:endParaRPr lang="en-US"/>
-        </a:p>
-      </dgm:t>
-    </dgm:pt>
-    <dgm:pt modelId="{E80CA270-6C90-4E17-ACEA-46B56AD54DD1}">
-      <dgm:prSet/>
-      <dgm:spPr/>
-      <dgm:t>
-        <a:bodyPr/>
-        <a:lstStyle/>
-        <a:p>
-          <a:r>
-            <a:rPr lang="en-US"/>
-            <a:t>Lorem ipsum dolor sit amet</a:t>
-          </a:r>
-        </a:p>
-      </dgm:t>
-    </dgm:pt>
-    <dgm:pt modelId="{7EEC8067-96EF-4BE0-8BE3-BA59ED78A31F}" type="parTrans" cxnId="{2DC28DF8-5C1B-4F53-A4C1-D5B63FB54BAF}">
-      <dgm:prSet/>
-      <dgm:spPr/>
-      <dgm:t>
-        <a:bodyPr/>
-        <a:lstStyle/>
-        <a:p>
-          <a:endParaRPr lang="en-US"/>
-        </a:p>
-      </dgm:t>
-    </dgm:pt>
-    <dgm:pt modelId="{1AFE46E5-6B07-4894-8ECB-21BD7E7B8AF1}" type="sibTrans" cxnId="{2DC28DF8-5C1B-4F53-A4C1-D5B63FB54BAF}">
-      <dgm:prSet/>
-      <dgm:spPr/>
-      <dgm:t>
-        <a:bodyPr/>
-        <a:lstStyle/>
-        <a:p>
-          <a:endParaRPr lang="en-US"/>
-        </a:p>
-      </dgm:t>
-    </dgm:pt>
-    <dgm:pt modelId="{09C152DA-7620-4852-8162-A77EC3609F3F}">
-      <dgm:prSet/>
-      <dgm:spPr/>
-      <dgm:t>
-        <a:bodyPr/>
-        <a:lstStyle/>
-        <a:p>
-          <a:r>
-            <a:rPr lang="en-US"/>
-            <a:t>2019</a:t>
-          </a:r>
-        </a:p>
-      </dgm:t>
-    </dgm:pt>
-    <dgm:pt modelId="{9F6D14C0-6C82-4CBD-8D6D-B0E117B6F2ED}" type="parTrans" cxnId="{23ECAC8B-17A4-4883-AA0E-06D66B7E788A}">
-      <dgm:prSet/>
-      <dgm:spPr/>
-      <dgm:t>
-        <a:bodyPr/>
-        <a:lstStyle/>
-        <a:p>
-          <a:endParaRPr lang="en-US"/>
-        </a:p>
-      </dgm:t>
-    </dgm:pt>
-    <dgm:pt modelId="{0AE8D36D-0F0F-4206-AE39-0A2D73987B68}" type="sibTrans" cxnId="{23ECAC8B-17A4-4883-AA0E-06D66B7E788A}">
-      <dgm:prSet/>
-      <dgm:spPr/>
-      <dgm:t>
-        <a:bodyPr/>
-        <a:lstStyle/>
-        <a:p>
-          <a:endParaRPr lang="en-US"/>
-        </a:p>
-      </dgm:t>
-    </dgm:pt>
-    <dgm:pt modelId="{6C8937BE-93F8-4DED-8538-1C601DAEBA66}">
-      <dgm:prSet/>
-      <dgm:spPr/>
-      <dgm:t>
-        <a:bodyPr/>
-        <a:lstStyle/>
-        <a:p>
-          <a:r>
-            <a:rPr lang="en-US"/>
-            <a:t>Lorem ipsum dolor sit amet</a:t>
-          </a:r>
-        </a:p>
-      </dgm:t>
-    </dgm:pt>
-    <dgm:pt modelId="{77D169C6-D77F-456D-B18B-D7BE016AD87A}" type="parTrans" cxnId="{FAA8D3DD-12E8-457D-9144-B037C5678347}">
-      <dgm:prSet/>
-      <dgm:spPr/>
-      <dgm:t>
-        <a:bodyPr/>
-        <a:lstStyle/>
-        <a:p>
-          <a:endParaRPr lang="en-US"/>
-        </a:p>
-      </dgm:t>
-    </dgm:pt>
-    <dgm:pt modelId="{A97BE953-FA9D-4BA6-A92C-494DB1F3BA59}" type="sibTrans" cxnId="{FAA8D3DD-12E8-457D-9144-B037C5678347}">
-      <dgm:prSet/>
-      <dgm:spPr/>
-      <dgm:t>
-        <a:bodyPr/>
-        <a:lstStyle/>
-        <a:p>
-          <a:endParaRPr lang="en-US"/>
-        </a:p>
-      </dgm:t>
-    </dgm:pt>
-    <dgm:pt modelId="{AB52B3CC-6563-466D-BFC3-9B6B5AFA0881}" type="pres">
-      <dgm:prSet presAssocID="{6A70FD8F-0050-42E3-8B3A-6ED7CFB9852E}" presName="Name0" presStyleCnt="0">
-        <dgm:presLayoutVars>
-          <dgm:chMax/>
-          <dgm:chPref/>
-          <dgm:animLvl val="lvl"/>
-        </dgm:presLayoutVars>
-      </dgm:prSet>
-      <dgm:spPr/>
-    </dgm:pt>
-    <dgm:pt modelId="{815EDF7B-AC93-4A61-87AA-CAA5D85C31A8}" type="pres">
-      <dgm:prSet presAssocID="{8DB5D7D5-6A1C-4ABC-8850-759A9D876047}" presName="composite1" presStyleCnt="0"/>
-      <dgm:spPr/>
-    </dgm:pt>
-    <dgm:pt modelId="{954381E7-0584-46DD-8108-E9BF4F2B5005}" type="pres">
-      <dgm:prSet presAssocID="{8DB5D7D5-6A1C-4ABC-8850-759A9D876047}" presName="parent1" presStyleLbl="alignNode1" presStyleIdx="0" presStyleCnt="3">
-        <dgm:presLayoutVars>
-          <dgm:chMax val="1"/>
-          <dgm:chPref val="1"/>
-          <dgm:bulletEnabled val="1"/>
-        </dgm:presLayoutVars>
-      </dgm:prSet>
-      <dgm:spPr/>
-    </dgm:pt>
-    <dgm:pt modelId="{5A1B764B-0DC5-47CD-BDEA-9E67799496EC}" type="pres">
-      <dgm:prSet presAssocID="{8DB5D7D5-6A1C-4ABC-8850-759A9D876047}" presName="Childtext1" presStyleLbl="revTx" presStyleIdx="0" presStyleCnt="3">
-        <dgm:presLayoutVars>
-          <dgm:bulletEnabled val="1"/>
-        </dgm:presLayoutVars>
-      </dgm:prSet>
-      <dgm:spPr/>
-    </dgm:pt>
-    <dgm:pt modelId="{122B38A3-0442-4747-820C-1F37877E2B0E}" type="pres">
-      <dgm:prSet presAssocID="{8DB5D7D5-6A1C-4ABC-8850-759A9D876047}" presName="ConnectLine1" presStyleLbl="sibTrans1D1" presStyleIdx="0" presStyleCnt="3"/>
-      <dgm:spPr>
-        <a:noFill/>
-        <a:ln w="12700" cap="rnd" cmpd="sng" algn="ctr">
-          <a:solidFill>
-            <a:schemeClr val="accent1">
-              <a:shade val="90000"/>
-              <a:hueOff val="93466"/>
-              <a:satOff val="1924"/>
-              <a:lumOff val="8231"/>
-              <a:alphaOff val="0"/>
-            </a:schemeClr>
-          </a:solidFill>
-          <a:prstDash val="dash"/>
-        </a:ln>
-        <a:effectLst/>
-      </dgm:spPr>
-    </dgm:pt>
-    <dgm:pt modelId="{A73181F6-69BB-4A47-8277-4671A45AC8C8}" type="pres">
-      <dgm:prSet presAssocID="{8DB5D7D5-6A1C-4ABC-8850-759A9D876047}" presName="ConnectLineEnd1" presStyleLbl="lnNode1" presStyleIdx="0" presStyleCnt="3"/>
-      <dgm:spPr/>
-    </dgm:pt>
-    <dgm:pt modelId="{6E76EADA-5F61-4A59-B2F8-FA10112079FC}" type="pres">
-      <dgm:prSet presAssocID="{8DB5D7D5-6A1C-4ABC-8850-759A9D876047}" presName="EmptyPane1" presStyleCnt="0"/>
-      <dgm:spPr/>
-    </dgm:pt>
-    <dgm:pt modelId="{A8189248-0785-43F1-844C-4DE92841F254}" type="pres">
-      <dgm:prSet presAssocID="{BD6E0A2E-99C8-4F5A-971A-CD211D1099FF}" presName="spaceBetweenRectangles1" presStyleCnt="0"/>
-      <dgm:spPr/>
-    </dgm:pt>
-    <dgm:pt modelId="{218D9CD7-D48D-464C-9A1C-0F322EC540B3}" type="pres">
-      <dgm:prSet presAssocID="{C5146535-FD3D-4589-98A3-623B8DA4B8DB}" presName="composite1" presStyleCnt="0"/>
-      <dgm:spPr/>
-    </dgm:pt>
-    <dgm:pt modelId="{30804A27-188E-4A17-8FFE-97BCCA0597B8}" type="pres">
-      <dgm:prSet presAssocID="{C5146535-FD3D-4589-98A3-623B8DA4B8DB}" presName="parent1" presStyleLbl="alignNode1" presStyleIdx="1" presStyleCnt="3">
-        <dgm:presLayoutVars>
-          <dgm:chMax val="1"/>
-          <dgm:chPref val="1"/>
-          <dgm:bulletEnabled val="1"/>
-        </dgm:presLayoutVars>
-      </dgm:prSet>
-      <dgm:spPr/>
-    </dgm:pt>
-    <dgm:pt modelId="{DF65791B-462E-4589-B98D-F60587330CA8}" type="pres">
-      <dgm:prSet presAssocID="{C5146535-FD3D-4589-98A3-623B8DA4B8DB}" presName="Childtext1" presStyleLbl="revTx" presStyleIdx="1" presStyleCnt="3">
-        <dgm:presLayoutVars>
-          <dgm:bulletEnabled val="1"/>
-        </dgm:presLayoutVars>
-      </dgm:prSet>
-      <dgm:spPr/>
-    </dgm:pt>
-    <dgm:pt modelId="{DBA410EB-5F61-4F46-92D9-C5B0AA59EE15}" type="pres">
-      <dgm:prSet presAssocID="{C5146535-FD3D-4589-98A3-623B8DA4B8DB}" presName="ConnectLine1" presStyleLbl="sibTrans1D1" presStyleIdx="1" presStyleCnt="3"/>
-      <dgm:spPr>
-        <a:noFill/>
-        <a:ln w="12700" cap="rnd" cmpd="sng" algn="ctr">
-          <a:solidFill>
-            <a:schemeClr val="accent1">
-              <a:shade val="90000"/>
-              <a:hueOff val="140199"/>
-              <a:satOff val="2886"/>
-              <a:lumOff val="12346"/>
-              <a:alphaOff val="0"/>
-            </a:schemeClr>
-          </a:solidFill>
-          <a:prstDash val="dash"/>
-        </a:ln>
-        <a:effectLst/>
-      </dgm:spPr>
-    </dgm:pt>
-    <dgm:pt modelId="{E1220EDB-B75C-43A5-B862-97E4C09130A7}" type="pres">
-      <dgm:prSet presAssocID="{C5146535-FD3D-4589-98A3-623B8DA4B8DB}" presName="ConnectLineEnd1" presStyleLbl="lnNode1" presStyleIdx="1" presStyleCnt="3"/>
-      <dgm:spPr/>
-    </dgm:pt>
-    <dgm:pt modelId="{D8849157-215F-4E70-9735-315E97B5AC5C}" type="pres">
-      <dgm:prSet presAssocID="{C5146535-FD3D-4589-98A3-623B8DA4B8DB}" presName="EmptyPane1" presStyleCnt="0"/>
-      <dgm:spPr/>
-    </dgm:pt>
-    <dgm:pt modelId="{7C467054-22FE-4C18-9934-29D7168DFF63}" type="pres">
-      <dgm:prSet presAssocID="{7A3CCAF8-AC3A-401E-AEDD-44BBC1AA9C31}" presName="spaceBetweenRectangles1" presStyleCnt="0"/>
-      <dgm:spPr/>
-    </dgm:pt>
-    <dgm:pt modelId="{3E3E944D-A6EC-4962-9AC1-C585A4F97BDA}" type="pres">
-      <dgm:prSet presAssocID="{09C152DA-7620-4852-8162-A77EC3609F3F}" presName="composite1" presStyleCnt="0"/>
-      <dgm:spPr/>
-    </dgm:pt>
-    <dgm:pt modelId="{566B79CB-1A41-4F5C-BF91-58D94BF93913}" type="pres">
-      <dgm:prSet presAssocID="{09C152DA-7620-4852-8162-A77EC3609F3F}" presName="parent1" presStyleLbl="alignNode1" presStyleIdx="2" presStyleCnt="3">
-        <dgm:presLayoutVars>
-          <dgm:chMax val="1"/>
-          <dgm:chPref val="1"/>
-          <dgm:bulletEnabled val="1"/>
-        </dgm:presLayoutVars>
-      </dgm:prSet>
-      <dgm:spPr/>
-    </dgm:pt>
-    <dgm:pt modelId="{B4723E2A-4FF1-452A-BD25-8EC364F15A6F}" type="pres">
-      <dgm:prSet presAssocID="{09C152DA-7620-4852-8162-A77EC3609F3F}" presName="Childtext1" presStyleLbl="revTx" presStyleIdx="2" presStyleCnt="3">
-        <dgm:presLayoutVars>
-          <dgm:bulletEnabled val="1"/>
-        </dgm:presLayoutVars>
-      </dgm:prSet>
-      <dgm:spPr/>
-    </dgm:pt>
-    <dgm:pt modelId="{440E9361-37D2-4157-AF38-7B49AD23708B}" type="pres">
-      <dgm:prSet presAssocID="{09C152DA-7620-4852-8162-A77EC3609F3F}" presName="ConnectLine1" presStyleLbl="sibTrans1D1" presStyleIdx="2" presStyleCnt="3"/>
-      <dgm:spPr>
-        <a:noFill/>
-        <a:ln w="12700" cap="rnd" cmpd="sng" algn="ctr">
-          <a:solidFill>
-            <a:schemeClr val="accent1">
-              <a:shade val="90000"/>
-              <a:hueOff val="186931"/>
-              <a:satOff val="3848"/>
-              <a:lumOff val="16461"/>
-              <a:alphaOff val="0"/>
-            </a:schemeClr>
-          </a:solidFill>
-          <a:prstDash val="dash"/>
-        </a:ln>
-        <a:effectLst/>
-      </dgm:spPr>
-    </dgm:pt>
-    <dgm:pt modelId="{C45E7B63-1C71-483E-A3A8-705CE86D4D8E}" type="pres">
-      <dgm:prSet presAssocID="{09C152DA-7620-4852-8162-A77EC3609F3F}" presName="ConnectLineEnd1" presStyleLbl="lnNode1" presStyleIdx="2" presStyleCnt="3"/>
-      <dgm:spPr/>
-    </dgm:pt>
-    <dgm:pt modelId="{4174F691-D9D3-451C-9893-D177DC3AED58}" type="pres">
-      <dgm:prSet presAssocID="{09C152DA-7620-4852-8162-A77EC3609F3F}" presName="EmptyPane1" presStyleCnt="0"/>
-      <dgm:spPr/>
-    </dgm:pt>
-  </dgm:ptLst>
-  <dgm:cxnLst>
-    <dgm:cxn modelId="{5C25BB02-FA66-40A4-9DA6-9E1CAE3A8D4E}" type="presOf" srcId="{C5146535-FD3D-4589-98A3-623B8DA4B8DB}" destId="{30804A27-188E-4A17-8FFE-97BCCA0597B8}" srcOrd="0" destOrd="0" presId="urn:microsoft.com/office/officeart/2016/7/layout/RoundedRectangleTimeline"/>
-    <dgm:cxn modelId="{8C5B110A-FBC3-4CBF-BED2-413E87D4DAD5}" srcId="{8DB5D7D5-6A1C-4ABC-8850-759A9D876047}" destId="{96262926-A67D-4E4E-9515-5EBC67F0B634}" srcOrd="0" destOrd="0" parTransId="{EC74E552-C501-4B0E-9400-E8B410F53D50}" sibTransId="{1DA7ACEB-F642-43C1-BCB5-F580B9B985B9}"/>
-    <dgm:cxn modelId="{84C67813-55CE-4EBC-9032-03BD847DC17E}" type="presOf" srcId="{6A70FD8F-0050-42E3-8B3A-6ED7CFB9852E}" destId="{AB52B3CC-6563-466D-BFC3-9B6B5AFA0881}" srcOrd="0" destOrd="0" presId="urn:microsoft.com/office/officeart/2016/7/layout/RoundedRectangleTimeline"/>
-    <dgm:cxn modelId="{22ECA226-C4EA-44F1-BCB5-77F78841DA6F}" type="presOf" srcId="{09C152DA-7620-4852-8162-A77EC3609F3F}" destId="{566B79CB-1A41-4F5C-BF91-58D94BF93913}" srcOrd="0" destOrd="0" presId="urn:microsoft.com/office/officeart/2016/7/layout/RoundedRectangleTimeline"/>
-    <dgm:cxn modelId="{E2BBA750-A5E4-4F50-BE16-016934379F81}" type="presOf" srcId="{6C8937BE-93F8-4DED-8538-1C601DAEBA66}" destId="{B4723E2A-4FF1-452A-BD25-8EC364F15A6F}" srcOrd="0" destOrd="0" presId="urn:microsoft.com/office/officeart/2016/7/layout/RoundedRectangleTimeline"/>
-    <dgm:cxn modelId="{F9B2D375-40BE-4E5D-AA88-61805FBFF819}" type="presOf" srcId="{8DB5D7D5-6A1C-4ABC-8850-759A9D876047}" destId="{954381E7-0584-46DD-8108-E9BF4F2B5005}" srcOrd="0" destOrd="0" presId="urn:microsoft.com/office/officeart/2016/7/layout/RoundedRectangleTimeline"/>
-    <dgm:cxn modelId="{8EBF857E-7408-4941-91E4-293B0F59EEF7}" srcId="{6A70FD8F-0050-42E3-8B3A-6ED7CFB9852E}" destId="{C5146535-FD3D-4589-98A3-623B8DA4B8DB}" srcOrd="1" destOrd="0" parTransId="{20848F78-EC70-4162-96CE-CC68006930F0}" sibTransId="{7A3CCAF8-AC3A-401E-AEDD-44BBC1AA9C31}"/>
-    <dgm:cxn modelId="{23ECAC8B-17A4-4883-AA0E-06D66B7E788A}" srcId="{6A70FD8F-0050-42E3-8B3A-6ED7CFB9852E}" destId="{09C152DA-7620-4852-8162-A77EC3609F3F}" srcOrd="2" destOrd="0" parTransId="{9F6D14C0-6C82-4CBD-8D6D-B0E117B6F2ED}" sibTransId="{0AE8D36D-0F0F-4206-AE39-0A2D73987B68}"/>
-    <dgm:cxn modelId="{F9540599-A193-456C-A9A9-8962E3855B0B}" type="presOf" srcId="{96262926-A67D-4E4E-9515-5EBC67F0B634}" destId="{5A1B764B-0DC5-47CD-BDEA-9E67799496EC}" srcOrd="0" destOrd="0" presId="urn:microsoft.com/office/officeart/2016/7/layout/RoundedRectangleTimeline"/>
-    <dgm:cxn modelId="{E13585A2-54F2-486A-B317-F4D6AF7E83B9}" type="presOf" srcId="{E80CA270-6C90-4E17-ACEA-46B56AD54DD1}" destId="{DF65791B-462E-4589-B98D-F60587330CA8}" srcOrd="0" destOrd="0" presId="urn:microsoft.com/office/officeart/2016/7/layout/RoundedRectangleTimeline"/>
-    <dgm:cxn modelId="{FAA8D3DD-12E8-457D-9144-B037C5678347}" srcId="{09C152DA-7620-4852-8162-A77EC3609F3F}" destId="{6C8937BE-93F8-4DED-8538-1C601DAEBA66}" srcOrd="0" destOrd="0" parTransId="{77D169C6-D77F-456D-B18B-D7BE016AD87A}" sibTransId="{A97BE953-FA9D-4BA6-A92C-494DB1F3BA59}"/>
-    <dgm:cxn modelId="{C5202EE1-10E9-4076-9D55-9E0CF8B152AF}" srcId="{6A70FD8F-0050-42E3-8B3A-6ED7CFB9852E}" destId="{8DB5D7D5-6A1C-4ABC-8850-759A9D876047}" srcOrd="0" destOrd="0" parTransId="{D8874F40-D7B0-41DE-BB6F-A6014FEAB2D7}" sibTransId="{BD6E0A2E-99C8-4F5A-971A-CD211D1099FF}"/>
-    <dgm:cxn modelId="{2DC28DF8-5C1B-4F53-A4C1-D5B63FB54BAF}" srcId="{C5146535-FD3D-4589-98A3-623B8DA4B8DB}" destId="{E80CA270-6C90-4E17-ACEA-46B56AD54DD1}" srcOrd="0" destOrd="0" parTransId="{7EEC8067-96EF-4BE0-8BE3-BA59ED78A31F}" sibTransId="{1AFE46E5-6B07-4894-8ECB-21BD7E7B8AF1}"/>
-    <dgm:cxn modelId="{76459B4A-BC95-4631-A3CC-1410E80D5DFD}" type="presParOf" srcId="{AB52B3CC-6563-466D-BFC3-9B6B5AFA0881}" destId="{815EDF7B-AC93-4A61-87AA-CAA5D85C31A8}" srcOrd="0" destOrd="0" presId="urn:microsoft.com/office/officeart/2016/7/layout/RoundedRectangleTimeline"/>
-    <dgm:cxn modelId="{4238FA88-CE43-4680-BFB0-73DED5612698}" type="presParOf" srcId="{815EDF7B-AC93-4A61-87AA-CAA5D85C31A8}" destId="{954381E7-0584-46DD-8108-E9BF4F2B5005}" srcOrd="0" destOrd="0" presId="urn:microsoft.com/office/officeart/2016/7/layout/RoundedRectangleTimeline"/>
-    <dgm:cxn modelId="{6497CE05-0893-4952-B18A-28D71D90B841}" type="presParOf" srcId="{815EDF7B-AC93-4A61-87AA-CAA5D85C31A8}" destId="{5A1B764B-0DC5-47CD-BDEA-9E67799496EC}" srcOrd="1" destOrd="0" presId="urn:microsoft.com/office/officeart/2016/7/layout/RoundedRectangleTimeline"/>
-    <dgm:cxn modelId="{CB8BA570-C0D4-4400-BED8-C9BC961A6553}" type="presParOf" srcId="{815EDF7B-AC93-4A61-87AA-CAA5D85C31A8}" destId="{122B38A3-0442-4747-820C-1F37877E2B0E}" srcOrd="2" destOrd="0" presId="urn:microsoft.com/office/officeart/2016/7/layout/RoundedRectangleTimeline"/>
-    <dgm:cxn modelId="{82FC1E36-99F3-4E1F-8BD1-229D77A82EB1}" type="presParOf" srcId="{815EDF7B-AC93-4A61-87AA-CAA5D85C31A8}" destId="{A73181F6-69BB-4A47-8277-4671A45AC8C8}" srcOrd="3" destOrd="0" presId="urn:microsoft.com/office/officeart/2016/7/layout/RoundedRectangleTimeline"/>
-    <dgm:cxn modelId="{7EAD7967-836C-4AB6-AAA2-ED2EF3F29E78}" type="presParOf" srcId="{815EDF7B-AC93-4A61-87AA-CAA5D85C31A8}" destId="{6E76EADA-5F61-4A59-B2F8-FA10112079FC}" srcOrd="4" destOrd="0" presId="urn:microsoft.com/office/officeart/2016/7/layout/RoundedRectangleTimeline"/>
-    <dgm:cxn modelId="{3783DE09-7B3D-423E-960C-ED9DB81E314E}" type="presParOf" srcId="{AB52B3CC-6563-466D-BFC3-9B6B5AFA0881}" destId="{A8189248-0785-43F1-844C-4DE92841F254}" srcOrd="1" destOrd="0" presId="urn:microsoft.com/office/officeart/2016/7/layout/RoundedRectangleTimeline"/>
-    <dgm:cxn modelId="{38B07C9C-D21D-4E2B-A78B-C30877B2689A}" type="presParOf" srcId="{AB52B3CC-6563-466D-BFC3-9B6B5AFA0881}" destId="{218D9CD7-D48D-464C-9A1C-0F322EC540B3}" srcOrd="2" destOrd="0" presId="urn:microsoft.com/office/officeart/2016/7/layout/RoundedRectangleTimeline"/>
-    <dgm:cxn modelId="{E6790483-7B9E-44FB-9EAE-A282A4B9AB73}" type="presParOf" srcId="{218D9CD7-D48D-464C-9A1C-0F322EC540B3}" destId="{30804A27-188E-4A17-8FFE-97BCCA0597B8}" srcOrd="0" destOrd="0" presId="urn:microsoft.com/office/officeart/2016/7/layout/RoundedRectangleTimeline"/>
-    <dgm:cxn modelId="{B31BDB48-FB8E-47F4-8F76-B90009D28A96}" type="presParOf" srcId="{218D9CD7-D48D-464C-9A1C-0F322EC540B3}" destId="{DF65791B-462E-4589-B98D-F60587330CA8}" srcOrd="1" destOrd="0" presId="urn:microsoft.com/office/officeart/2016/7/layout/RoundedRectangleTimeline"/>
-    <dgm:cxn modelId="{517AE913-68B2-41AC-BE20-5D4195845D6F}" type="presParOf" srcId="{218D9CD7-D48D-464C-9A1C-0F322EC540B3}" destId="{DBA410EB-5F61-4F46-92D9-C5B0AA59EE15}" srcOrd="2" destOrd="0" presId="urn:microsoft.com/office/officeart/2016/7/layout/RoundedRectangleTimeline"/>
-    <dgm:cxn modelId="{0F089045-7542-47F1-8B17-68354869406A}" type="presParOf" srcId="{218D9CD7-D48D-464C-9A1C-0F322EC540B3}" destId="{E1220EDB-B75C-43A5-B862-97E4C09130A7}" srcOrd="3" destOrd="0" presId="urn:microsoft.com/office/officeart/2016/7/layout/RoundedRectangleTimeline"/>
-    <dgm:cxn modelId="{79B44ECC-99D2-49DD-9DEE-58B1D2AE6C6C}" type="presParOf" srcId="{218D9CD7-D48D-464C-9A1C-0F322EC540B3}" destId="{D8849157-215F-4E70-9735-315E97B5AC5C}" srcOrd="4" destOrd="0" presId="urn:microsoft.com/office/officeart/2016/7/layout/RoundedRectangleTimeline"/>
-    <dgm:cxn modelId="{6930EC12-FB60-44F8-973F-19AC06AA90BB}" type="presParOf" srcId="{AB52B3CC-6563-466D-BFC3-9B6B5AFA0881}" destId="{7C467054-22FE-4C18-9934-29D7168DFF63}" srcOrd="3" destOrd="0" presId="urn:microsoft.com/office/officeart/2016/7/layout/RoundedRectangleTimeline"/>
-    <dgm:cxn modelId="{1F4A4777-E935-453F-A5B9-015C6946FC6A}" type="presParOf" srcId="{AB52B3CC-6563-466D-BFC3-9B6B5AFA0881}" destId="{3E3E944D-A6EC-4962-9AC1-C585A4F97BDA}" srcOrd="4" destOrd="0" presId="urn:microsoft.com/office/officeart/2016/7/layout/RoundedRectangleTimeline"/>
-    <dgm:cxn modelId="{94AC8B5D-A9B9-4EF3-AD1C-6024606B5BF8}" type="presParOf" srcId="{3E3E944D-A6EC-4962-9AC1-C585A4F97BDA}" destId="{566B79CB-1A41-4F5C-BF91-58D94BF93913}" srcOrd="0" destOrd="0" presId="urn:microsoft.com/office/officeart/2016/7/layout/RoundedRectangleTimeline"/>
-    <dgm:cxn modelId="{A151554E-10B3-429A-9E0D-D40262ED6857}" type="presParOf" srcId="{3E3E944D-A6EC-4962-9AC1-C585A4F97BDA}" destId="{B4723E2A-4FF1-452A-BD25-8EC364F15A6F}" srcOrd="1" destOrd="0" presId="urn:microsoft.com/office/officeart/2016/7/layout/RoundedRectangleTimeline"/>
-    <dgm:cxn modelId="{329635D9-081F-4DC9-88AA-E074B7400415}" type="presParOf" srcId="{3E3E944D-A6EC-4962-9AC1-C585A4F97BDA}" destId="{440E9361-37D2-4157-AF38-7B49AD23708B}" srcOrd="2" destOrd="0" presId="urn:microsoft.com/office/officeart/2016/7/layout/RoundedRectangleTimeline"/>
-    <dgm:cxn modelId="{0F0D3AEA-9F0C-400E-A955-6CD1F474B6A4}" type="presParOf" srcId="{3E3E944D-A6EC-4962-9AC1-C585A4F97BDA}" destId="{C45E7B63-1C71-483E-A3A8-705CE86D4D8E}" srcOrd="3" destOrd="0" presId="urn:microsoft.com/office/officeart/2016/7/layout/RoundedRectangleTimeline"/>
-    <dgm:cxn modelId="{91F0BE33-39D4-4457-A5CC-3F1682DB166D}" type="presParOf" srcId="{3E3E944D-A6EC-4962-9AC1-C585A4F97BDA}" destId="{4174F691-D9D3-451C-9893-D177DC3AED58}" srcOrd="4" destOrd="0" presId="urn:microsoft.com/office/officeart/2016/7/layout/RoundedRectangleTimeline"/>
   </dgm:cxnLst>
   <dgm:bg/>
   <dgm:whole/>
@@ -3736,708 +2420,6 @@
 </dsp:drawing>
 </file>
 
-<file path=ppt/diagrams/drawing2.xml><?xml version="1.0" encoding="utf-8"?>
-<dsp:drawing xmlns:dgm="http://schemas.openxmlformats.org/drawingml/2006/diagram" xmlns:dsp="http://schemas.microsoft.com/office/drawing/2008/diagram" xmlns:a="http://schemas.openxmlformats.org/drawingml/2006/main">
-  <dsp:spTree>
-    <dsp:nvGrpSpPr>
-      <dsp:cNvPr id="0" name=""/>
-      <dsp:cNvGrpSpPr/>
-    </dsp:nvGrpSpPr>
-    <dsp:grpSpPr/>
-    <dsp:sp modelId="{954381E7-0584-46DD-8108-E9BF4F2B5005}">
-      <dsp:nvSpPr>
-        <dsp:cNvPr id="0" name=""/>
-        <dsp:cNvSpPr/>
-      </dsp:nvSpPr>
-      <dsp:spPr>
-        <a:xfrm rot="16200000">
-          <a:off x="2328055" y="314278"/>
-          <a:ext cx="363378" cy="3005230"/>
-        </a:xfrm>
-        <a:prstGeom prst="round2SameRect">
-          <a:avLst/>
-        </a:prstGeom>
-        <a:solidFill>
-          <a:schemeClr val="accent1">
-            <a:shade val="80000"/>
-            <a:hueOff val="0"/>
-            <a:satOff val="0"/>
-            <a:lumOff val="0"/>
-            <a:alphaOff val="0"/>
-          </a:schemeClr>
-        </a:solidFill>
-        <a:ln w="22225" cap="rnd" cmpd="sng" algn="ctr">
-          <a:solidFill>
-            <a:schemeClr val="accent1">
-              <a:shade val="80000"/>
-              <a:hueOff val="0"/>
-              <a:satOff val="0"/>
-              <a:lumOff val="0"/>
-              <a:alphaOff val="0"/>
-            </a:schemeClr>
-          </a:solidFill>
-          <a:prstDash val="solid"/>
-        </a:ln>
-        <a:effectLst/>
-      </dsp:spPr>
-      <dsp:style>
-        <a:lnRef idx="2">
-          <a:scrgbClr r="0" g="0" b="0"/>
-        </a:lnRef>
-        <a:fillRef idx="1">
-          <a:scrgbClr r="0" g="0" b="0"/>
-        </a:fillRef>
-        <a:effectRef idx="0">
-          <a:scrgbClr r="0" g="0" b="0"/>
-        </a:effectRef>
-        <a:fontRef idx="minor">
-          <a:schemeClr val="lt1"/>
-        </a:fontRef>
-      </dsp:style>
-      <dsp:txBody>
-        <a:bodyPr spcFirstLastPara="0" vert="horz" wrap="square" lIns="83820" tIns="83820" rIns="83820" bIns="83820" numCol="1" spcCol="1270" anchor="ctr" anchorCtr="1">
-          <a:noAutofit/>
-        </a:bodyPr>
-        <a:lstStyle/>
-        <a:p>
-          <a:pPr marL="0" lvl="0" indent="0" algn="ctr" defTabSz="488950">
-            <a:lnSpc>
-              <a:spcPct val="90000"/>
-            </a:lnSpc>
-            <a:spcBef>
-              <a:spcPct val="0"/>
-            </a:spcBef>
-            <a:spcAft>
-              <a:spcPct val="35000"/>
-            </a:spcAft>
-            <a:buNone/>
-          </a:pPr>
-          <a:r>
-            <a:rPr lang="en-US" sz="1100" kern="1200" dirty="0"/>
-            <a:t>2017</a:t>
-          </a:r>
-        </a:p>
-      </dsp:txBody>
-      <dsp:txXfrm rot="5400000">
-        <a:off x="1024869" y="1652943"/>
-        <a:ext cx="2987491" cy="327900"/>
-      </dsp:txXfrm>
-    </dsp:sp>
-    <dsp:sp modelId="{5A1B764B-0DC5-47CD-BDEA-9E67799496EC}">
-      <dsp:nvSpPr>
-        <dsp:cNvPr id="0" name=""/>
-        <dsp:cNvSpPr/>
-      </dsp:nvSpPr>
-      <dsp:spPr>
-        <a:xfrm>
-          <a:off x="5385" y="0"/>
-          <a:ext cx="5008717" cy="1271825"/>
-        </a:xfrm>
-        <a:prstGeom prst="rect">
-          <a:avLst/>
-        </a:prstGeom>
-        <a:noFill/>
-        <a:ln>
-          <a:noFill/>
-        </a:ln>
-        <a:effectLst/>
-      </dsp:spPr>
-      <dsp:style>
-        <a:lnRef idx="0">
-          <a:scrgbClr r="0" g="0" b="0"/>
-        </a:lnRef>
-        <a:fillRef idx="0">
-          <a:scrgbClr r="0" g="0" b="0"/>
-        </a:fillRef>
-        <a:effectRef idx="0">
-          <a:scrgbClr r="0" g="0" b="0"/>
-        </a:effectRef>
-        <a:fontRef idx="minor"/>
-      </dsp:style>
-      <dsp:txBody>
-        <a:bodyPr spcFirstLastPara="0" vert="horz" wrap="square" lIns="0" tIns="0" rIns="0" bIns="83820" numCol="1" spcCol="1270" anchor="b" anchorCtr="1">
-          <a:noAutofit/>
-        </a:bodyPr>
-        <a:lstStyle/>
-        <a:p>
-          <a:pPr marL="0" lvl="0" indent="0" algn="ctr" defTabSz="488950">
-            <a:lnSpc>
-              <a:spcPct val="90000"/>
-            </a:lnSpc>
-            <a:spcBef>
-              <a:spcPct val="0"/>
-            </a:spcBef>
-            <a:spcAft>
-              <a:spcPct val="35000"/>
-            </a:spcAft>
-            <a:buNone/>
-          </a:pPr>
-          <a:r>
-            <a:rPr lang="en-US" sz="1100" kern="1200"/>
-            <a:t>Lorem ipsum dolor sit amet</a:t>
-          </a:r>
-        </a:p>
-      </dsp:txBody>
-      <dsp:txXfrm>
-        <a:off x="5385" y="0"/>
-        <a:ext cx="5008717" cy="1271825"/>
-      </dsp:txXfrm>
-    </dsp:sp>
-    <dsp:sp modelId="{122B38A3-0442-4747-820C-1F37877E2B0E}">
-      <dsp:nvSpPr>
-        <dsp:cNvPr id="0" name=""/>
-        <dsp:cNvSpPr/>
-      </dsp:nvSpPr>
-      <dsp:spPr>
-        <a:xfrm>
-          <a:off x="2509744" y="1344501"/>
-          <a:ext cx="0" cy="290702"/>
-        </a:xfrm>
-        <a:prstGeom prst="line">
-          <a:avLst/>
-        </a:prstGeom>
-        <a:noFill/>
-        <a:ln w="12700" cap="rnd" cmpd="sng" algn="ctr">
-          <a:solidFill>
-            <a:schemeClr val="accent1">
-              <a:shade val="90000"/>
-              <a:hueOff val="93466"/>
-              <a:satOff val="1924"/>
-              <a:lumOff val="8231"/>
-              <a:alphaOff val="0"/>
-            </a:schemeClr>
-          </a:solidFill>
-          <a:prstDash val="dash"/>
-        </a:ln>
-        <a:effectLst/>
-      </dsp:spPr>
-      <dsp:style>
-        <a:lnRef idx="1">
-          <a:scrgbClr r="0" g="0" b="0"/>
-        </a:lnRef>
-        <a:fillRef idx="0">
-          <a:scrgbClr r="0" g="0" b="0"/>
-        </a:fillRef>
-        <a:effectRef idx="0">
-          <a:scrgbClr r="0" g="0" b="0"/>
-        </a:effectRef>
-        <a:fontRef idx="minor"/>
-      </dsp:style>
-    </dsp:sp>
-    <dsp:sp modelId="{A73181F6-69BB-4A47-8277-4671A45AC8C8}">
-      <dsp:nvSpPr>
-        <dsp:cNvPr id="0" name=""/>
-        <dsp:cNvSpPr/>
-      </dsp:nvSpPr>
-      <dsp:spPr>
-        <a:xfrm>
-          <a:off x="2473406" y="1271825"/>
-          <a:ext cx="72675" cy="72675"/>
-        </a:xfrm>
-        <a:prstGeom prst="ellipse">
-          <a:avLst/>
-        </a:prstGeom>
-        <a:solidFill>
-          <a:schemeClr val="accent1">
-            <a:shade val="80000"/>
-            <a:hueOff val="0"/>
-            <a:satOff val="0"/>
-            <a:lumOff val="0"/>
-            <a:alphaOff val="0"/>
-          </a:schemeClr>
-        </a:solidFill>
-        <a:ln w="22225" cap="rnd" cmpd="sng" algn="ctr">
-          <a:solidFill>
-            <a:schemeClr val="lt1">
-              <a:hueOff val="0"/>
-              <a:satOff val="0"/>
-              <a:lumOff val="0"/>
-              <a:alphaOff val="0"/>
-            </a:schemeClr>
-          </a:solidFill>
-          <a:prstDash val="solid"/>
-        </a:ln>
-        <a:effectLst/>
-      </dsp:spPr>
-      <dsp:style>
-        <a:lnRef idx="2">
-          <a:scrgbClr r="0" g="0" b="0"/>
-        </a:lnRef>
-        <a:fillRef idx="1">
-          <a:scrgbClr r="0" g="0" b="0"/>
-        </a:fillRef>
-        <a:effectRef idx="0">
-          <a:scrgbClr r="0" g="0" b="0"/>
-        </a:effectRef>
-        <a:fontRef idx="minor">
-          <a:schemeClr val="lt1"/>
-        </a:fontRef>
-      </dsp:style>
-    </dsp:sp>
-    <dsp:sp modelId="{30804A27-188E-4A17-8FFE-97BCCA0597B8}">
-      <dsp:nvSpPr>
-        <dsp:cNvPr id="0" name=""/>
-        <dsp:cNvSpPr/>
-      </dsp:nvSpPr>
-      <dsp:spPr>
-        <a:xfrm>
-          <a:off x="4012359" y="1635204"/>
-          <a:ext cx="3005230" cy="363378"/>
-        </a:xfrm>
-        <a:prstGeom prst="rect">
-          <a:avLst/>
-        </a:prstGeom>
-        <a:solidFill>
-          <a:schemeClr val="accent1">
-            <a:shade val="80000"/>
-            <a:hueOff val="223096"/>
-            <a:satOff val="-4529"/>
-            <a:lumOff val="15339"/>
-            <a:alphaOff val="0"/>
-          </a:schemeClr>
-        </a:solidFill>
-        <a:ln w="22225" cap="rnd" cmpd="sng" algn="ctr">
-          <a:solidFill>
-            <a:schemeClr val="accent1">
-              <a:shade val="80000"/>
-              <a:hueOff val="223096"/>
-              <a:satOff val="-4529"/>
-              <a:lumOff val="15339"/>
-              <a:alphaOff val="0"/>
-            </a:schemeClr>
-          </a:solidFill>
-          <a:prstDash val="solid"/>
-        </a:ln>
-        <a:effectLst/>
-      </dsp:spPr>
-      <dsp:style>
-        <a:lnRef idx="2">
-          <a:scrgbClr r="0" g="0" b="0"/>
-        </a:lnRef>
-        <a:fillRef idx="1">
-          <a:scrgbClr r="0" g="0" b="0"/>
-        </a:fillRef>
-        <a:effectRef idx="0">
-          <a:scrgbClr r="0" g="0" b="0"/>
-        </a:effectRef>
-        <a:fontRef idx="minor">
-          <a:schemeClr val="lt1"/>
-        </a:fontRef>
-      </dsp:style>
-      <dsp:txBody>
-        <a:bodyPr spcFirstLastPara="0" vert="horz" wrap="square" lIns="83820" tIns="83820" rIns="83820" bIns="83820" numCol="1" spcCol="1270" anchor="ctr" anchorCtr="1">
-          <a:noAutofit/>
-        </a:bodyPr>
-        <a:lstStyle/>
-        <a:p>
-          <a:pPr marL="0" lvl="0" indent="0" algn="ctr" defTabSz="488950">
-            <a:lnSpc>
-              <a:spcPct val="90000"/>
-            </a:lnSpc>
-            <a:spcBef>
-              <a:spcPct val="0"/>
-            </a:spcBef>
-            <a:spcAft>
-              <a:spcPct val="35000"/>
-            </a:spcAft>
-            <a:buNone/>
-          </a:pPr>
-          <a:r>
-            <a:rPr lang="en-US" sz="1100" kern="1200"/>
-            <a:t>2018</a:t>
-          </a:r>
-        </a:p>
-      </dsp:txBody>
-      <dsp:txXfrm>
-        <a:off x="4012359" y="1635204"/>
-        <a:ext cx="3005230" cy="363378"/>
-      </dsp:txXfrm>
-    </dsp:sp>
-    <dsp:sp modelId="{DF65791B-462E-4589-B98D-F60587330CA8}">
-      <dsp:nvSpPr>
-        <dsp:cNvPr id="0" name=""/>
-        <dsp:cNvSpPr/>
-      </dsp:nvSpPr>
-      <dsp:spPr>
-        <a:xfrm>
-          <a:off x="3010616" y="2361961"/>
-          <a:ext cx="5008717" cy="1271825"/>
-        </a:xfrm>
-        <a:prstGeom prst="rect">
-          <a:avLst/>
-        </a:prstGeom>
-        <a:noFill/>
-        <a:ln>
-          <a:noFill/>
-        </a:ln>
-        <a:effectLst/>
-      </dsp:spPr>
-      <dsp:style>
-        <a:lnRef idx="0">
-          <a:scrgbClr r="0" g="0" b="0"/>
-        </a:lnRef>
-        <a:fillRef idx="0">
-          <a:scrgbClr r="0" g="0" b="0"/>
-        </a:fillRef>
-        <a:effectRef idx="0">
-          <a:scrgbClr r="0" g="0" b="0"/>
-        </a:effectRef>
-        <a:fontRef idx="minor"/>
-      </dsp:style>
-      <dsp:txBody>
-        <a:bodyPr spcFirstLastPara="0" vert="horz" wrap="square" lIns="0" tIns="83820" rIns="0" bIns="0" numCol="1" spcCol="1270" anchor="t" anchorCtr="1">
-          <a:noAutofit/>
-        </a:bodyPr>
-        <a:lstStyle/>
-        <a:p>
-          <a:pPr marL="0" lvl="0" indent="0" algn="ctr" defTabSz="488950">
-            <a:lnSpc>
-              <a:spcPct val="90000"/>
-            </a:lnSpc>
-            <a:spcBef>
-              <a:spcPct val="0"/>
-            </a:spcBef>
-            <a:spcAft>
-              <a:spcPct val="35000"/>
-            </a:spcAft>
-            <a:buNone/>
-          </a:pPr>
-          <a:r>
-            <a:rPr lang="en-US" sz="1100" kern="1200"/>
-            <a:t>Lorem ipsum dolor sit amet</a:t>
-          </a:r>
-        </a:p>
-      </dsp:txBody>
-      <dsp:txXfrm>
-        <a:off x="3010616" y="2361961"/>
-        <a:ext cx="5008717" cy="1271825"/>
-      </dsp:txXfrm>
-    </dsp:sp>
-    <dsp:sp modelId="{DBA410EB-5F61-4F46-92D9-C5B0AA59EE15}">
-      <dsp:nvSpPr>
-        <dsp:cNvPr id="0" name=""/>
-        <dsp:cNvSpPr/>
-      </dsp:nvSpPr>
-      <dsp:spPr>
-        <a:xfrm>
-          <a:off x="5514975" y="1998582"/>
-          <a:ext cx="0" cy="290702"/>
-        </a:xfrm>
-        <a:prstGeom prst="line">
-          <a:avLst/>
-        </a:prstGeom>
-        <a:noFill/>
-        <a:ln w="12700" cap="rnd" cmpd="sng" algn="ctr">
-          <a:solidFill>
-            <a:schemeClr val="accent1">
-              <a:shade val="90000"/>
-              <a:hueOff val="140199"/>
-              <a:satOff val="2886"/>
-              <a:lumOff val="12346"/>
-              <a:alphaOff val="0"/>
-            </a:schemeClr>
-          </a:solidFill>
-          <a:prstDash val="dash"/>
-        </a:ln>
-        <a:effectLst/>
-      </dsp:spPr>
-      <dsp:style>
-        <a:lnRef idx="1">
-          <a:scrgbClr r="0" g="0" b="0"/>
-        </a:lnRef>
-        <a:fillRef idx="0">
-          <a:scrgbClr r="0" g="0" b="0"/>
-        </a:fillRef>
-        <a:effectRef idx="0">
-          <a:scrgbClr r="0" g="0" b="0"/>
-        </a:effectRef>
-        <a:fontRef idx="minor"/>
-      </dsp:style>
-    </dsp:sp>
-    <dsp:sp modelId="{E1220EDB-B75C-43A5-B862-97E4C09130A7}">
-      <dsp:nvSpPr>
-        <dsp:cNvPr id="0" name=""/>
-        <dsp:cNvSpPr/>
-      </dsp:nvSpPr>
-      <dsp:spPr>
-        <a:xfrm>
-          <a:off x="5478637" y="2289285"/>
-          <a:ext cx="72675" cy="72675"/>
-        </a:xfrm>
-        <a:prstGeom prst="ellipse">
-          <a:avLst/>
-        </a:prstGeom>
-        <a:solidFill>
-          <a:schemeClr val="accent1">
-            <a:shade val="80000"/>
-            <a:hueOff val="223096"/>
-            <a:satOff val="-4529"/>
-            <a:lumOff val="15339"/>
-            <a:alphaOff val="0"/>
-          </a:schemeClr>
-        </a:solidFill>
-        <a:ln w="22225" cap="rnd" cmpd="sng" algn="ctr">
-          <a:solidFill>
-            <a:schemeClr val="lt1">
-              <a:hueOff val="0"/>
-              <a:satOff val="0"/>
-              <a:lumOff val="0"/>
-              <a:alphaOff val="0"/>
-            </a:schemeClr>
-          </a:solidFill>
-          <a:prstDash val="solid"/>
-        </a:ln>
-        <a:effectLst/>
-      </dsp:spPr>
-      <dsp:style>
-        <a:lnRef idx="2">
-          <a:scrgbClr r="0" g="0" b="0"/>
-        </a:lnRef>
-        <a:fillRef idx="1">
-          <a:scrgbClr r="0" g="0" b="0"/>
-        </a:fillRef>
-        <a:effectRef idx="0">
-          <a:scrgbClr r="0" g="0" b="0"/>
-        </a:effectRef>
-        <a:fontRef idx="minor">
-          <a:schemeClr val="lt1"/>
-        </a:fontRef>
-      </dsp:style>
-    </dsp:sp>
-    <dsp:sp modelId="{566B79CB-1A41-4F5C-BF91-58D94BF93913}">
-      <dsp:nvSpPr>
-        <dsp:cNvPr id="0" name=""/>
-        <dsp:cNvSpPr/>
-      </dsp:nvSpPr>
-      <dsp:spPr>
-        <a:xfrm rot="5400000">
-          <a:off x="8338516" y="314278"/>
-          <a:ext cx="363378" cy="3005230"/>
-        </a:xfrm>
-        <a:prstGeom prst="round2SameRect">
-          <a:avLst/>
-        </a:prstGeom>
-        <a:solidFill>
-          <a:schemeClr val="accent1">
-            <a:shade val="80000"/>
-            <a:hueOff val="446191"/>
-            <a:satOff val="-9058"/>
-            <a:lumOff val="30677"/>
-            <a:alphaOff val="0"/>
-          </a:schemeClr>
-        </a:solidFill>
-        <a:ln w="22225" cap="rnd" cmpd="sng" algn="ctr">
-          <a:solidFill>
-            <a:schemeClr val="accent1">
-              <a:shade val="80000"/>
-              <a:hueOff val="446191"/>
-              <a:satOff val="-9058"/>
-              <a:lumOff val="30677"/>
-              <a:alphaOff val="0"/>
-            </a:schemeClr>
-          </a:solidFill>
-          <a:prstDash val="solid"/>
-        </a:ln>
-        <a:effectLst/>
-      </dsp:spPr>
-      <dsp:style>
-        <a:lnRef idx="2">
-          <a:scrgbClr r="0" g="0" b="0"/>
-        </a:lnRef>
-        <a:fillRef idx="1">
-          <a:scrgbClr r="0" g="0" b="0"/>
-        </a:fillRef>
-        <a:effectRef idx="0">
-          <a:scrgbClr r="0" g="0" b="0"/>
-        </a:effectRef>
-        <a:fontRef idx="minor">
-          <a:schemeClr val="lt1"/>
-        </a:fontRef>
-      </dsp:style>
-      <dsp:txBody>
-        <a:bodyPr spcFirstLastPara="0" vert="horz" wrap="square" lIns="83820" tIns="83820" rIns="83820" bIns="83820" numCol="1" spcCol="1270" anchor="ctr" anchorCtr="1">
-          <a:noAutofit/>
-        </a:bodyPr>
-        <a:lstStyle/>
-        <a:p>
-          <a:pPr marL="0" lvl="0" indent="0" algn="ctr" defTabSz="488950">
-            <a:lnSpc>
-              <a:spcPct val="90000"/>
-            </a:lnSpc>
-            <a:spcBef>
-              <a:spcPct val="0"/>
-            </a:spcBef>
-            <a:spcAft>
-              <a:spcPct val="35000"/>
-            </a:spcAft>
-            <a:buNone/>
-          </a:pPr>
-          <a:r>
-            <a:rPr lang="en-US" sz="1100" kern="1200"/>
-            <a:t>2019</a:t>
-          </a:r>
-        </a:p>
-      </dsp:txBody>
-      <dsp:txXfrm rot="-5400000">
-        <a:off x="7017591" y="1652943"/>
-        <a:ext cx="2987491" cy="327900"/>
-      </dsp:txXfrm>
-    </dsp:sp>
-    <dsp:sp modelId="{B4723E2A-4FF1-452A-BD25-8EC364F15A6F}">
-      <dsp:nvSpPr>
-        <dsp:cNvPr id="0" name=""/>
-        <dsp:cNvSpPr/>
-      </dsp:nvSpPr>
-      <dsp:spPr>
-        <a:xfrm>
-          <a:off x="6015846" y="0"/>
-          <a:ext cx="5008717" cy="1271825"/>
-        </a:xfrm>
-        <a:prstGeom prst="rect">
-          <a:avLst/>
-        </a:prstGeom>
-        <a:noFill/>
-        <a:ln>
-          <a:noFill/>
-        </a:ln>
-        <a:effectLst/>
-      </dsp:spPr>
-      <dsp:style>
-        <a:lnRef idx="0">
-          <a:scrgbClr r="0" g="0" b="0"/>
-        </a:lnRef>
-        <a:fillRef idx="0">
-          <a:scrgbClr r="0" g="0" b="0"/>
-        </a:fillRef>
-        <a:effectRef idx="0">
-          <a:scrgbClr r="0" g="0" b="0"/>
-        </a:effectRef>
-        <a:fontRef idx="minor"/>
-      </dsp:style>
-      <dsp:txBody>
-        <a:bodyPr spcFirstLastPara="0" vert="horz" wrap="square" lIns="0" tIns="0" rIns="0" bIns="83820" numCol="1" spcCol="1270" anchor="b" anchorCtr="1">
-          <a:noAutofit/>
-        </a:bodyPr>
-        <a:lstStyle/>
-        <a:p>
-          <a:pPr marL="0" lvl="0" indent="0" algn="ctr" defTabSz="488950">
-            <a:lnSpc>
-              <a:spcPct val="90000"/>
-            </a:lnSpc>
-            <a:spcBef>
-              <a:spcPct val="0"/>
-            </a:spcBef>
-            <a:spcAft>
-              <a:spcPct val="35000"/>
-            </a:spcAft>
-            <a:buNone/>
-          </a:pPr>
-          <a:r>
-            <a:rPr lang="en-US" sz="1100" kern="1200"/>
-            <a:t>Lorem ipsum dolor sit amet</a:t>
-          </a:r>
-        </a:p>
-      </dsp:txBody>
-      <dsp:txXfrm>
-        <a:off x="6015846" y="0"/>
-        <a:ext cx="5008717" cy="1271825"/>
-      </dsp:txXfrm>
-    </dsp:sp>
-    <dsp:sp modelId="{440E9361-37D2-4157-AF38-7B49AD23708B}">
-      <dsp:nvSpPr>
-        <dsp:cNvPr id="0" name=""/>
-        <dsp:cNvSpPr/>
-      </dsp:nvSpPr>
-      <dsp:spPr>
-        <a:xfrm>
-          <a:off x="8520205" y="1344501"/>
-          <a:ext cx="0" cy="290702"/>
-        </a:xfrm>
-        <a:prstGeom prst="line">
-          <a:avLst/>
-        </a:prstGeom>
-        <a:noFill/>
-        <a:ln w="12700" cap="rnd" cmpd="sng" algn="ctr">
-          <a:solidFill>
-            <a:schemeClr val="accent1">
-              <a:shade val="90000"/>
-              <a:hueOff val="186931"/>
-              <a:satOff val="3848"/>
-              <a:lumOff val="16461"/>
-              <a:alphaOff val="0"/>
-            </a:schemeClr>
-          </a:solidFill>
-          <a:prstDash val="dash"/>
-        </a:ln>
-        <a:effectLst/>
-      </dsp:spPr>
-      <dsp:style>
-        <a:lnRef idx="1">
-          <a:scrgbClr r="0" g="0" b="0"/>
-        </a:lnRef>
-        <a:fillRef idx="0">
-          <a:scrgbClr r="0" g="0" b="0"/>
-        </a:fillRef>
-        <a:effectRef idx="0">
-          <a:scrgbClr r="0" g="0" b="0"/>
-        </a:effectRef>
-        <a:fontRef idx="minor"/>
-      </dsp:style>
-    </dsp:sp>
-    <dsp:sp modelId="{C45E7B63-1C71-483E-A3A8-705CE86D4D8E}">
-      <dsp:nvSpPr>
-        <dsp:cNvPr id="0" name=""/>
-        <dsp:cNvSpPr/>
-      </dsp:nvSpPr>
-      <dsp:spPr>
-        <a:xfrm>
-          <a:off x="8483867" y="1271825"/>
-          <a:ext cx="72675" cy="72675"/>
-        </a:xfrm>
-        <a:prstGeom prst="ellipse">
-          <a:avLst/>
-        </a:prstGeom>
-        <a:solidFill>
-          <a:schemeClr val="accent1">
-            <a:shade val="80000"/>
-            <a:hueOff val="446191"/>
-            <a:satOff val="-9058"/>
-            <a:lumOff val="30677"/>
-            <a:alphaOff val="0"/>
-          </a:schemeClr>
-        </a:solidFill>
-        <a:ln w="22225" cap="rnd" cmpd="sng" algn="ctr">
-          <a:solidFill>
-            <a:schemeClr val="lt1">
-              <a:hueOff val="0"/>
-              <a:satOff val="0"/>
-              <a:lumOff val="0"/>
-              <a:alphaOff val="0"/>
-            </a:schemeClr>
-          </a:solidFill>
-          <a:prstDash val="solid"/>
-        </a:ln>
-        <a:effectLst/>
-      </dsp:spPr>
-      <dsp:style>
-        <a:lnRef idx="2">
-          <a:scrgbClr r="0" g="0" b="0"/>
-        </a:lnRef>
-        <a:fillRef idx="1">
-          <a:scrgbClr r="0" g="0" b="0"/>
-        </a:fillRef>
-        <a:effectRef idx="0">
-          <a:scrgbClr r="0" g="0" b="0"/>
-        </a:effectRef>
-        <a:fontRef idx="minor">
-          <a:schemeClr val="lt1"/>
-        </a:fontRef>
-      </dsp:style>
-    </dsp:sp>
-  </dsp:spTree>
-</dsp:drawing>
-</file>
-
 <file path=ppt/diagrams/layout1.xml><?xml version="1.0" encoding="utf-8"?>
 <dgm:layoutDef xmlns:dgm="http://schemas.openxmlformats.org/drawingml/2006/diagram" xmlns:a="http://schemas.openxmlformats.org/drawingml/2006/main" uniqueId="urn:microsoft.com/office/officeart/2005/8/layout/hProcess6">
   <dgm:title val=""/>
@@ -4732,1624 +2714,7 @@
 </dgm:layoutDef>
 </file>
 
-<file path=ppt/diagrams/layout2.xml><?xml version="1.0" encoding="utf-8"?>
-<dgm:layoutDef xmlns:dgm="http://schemas.openxmlformats.org/drawingml/2006/diagram" xmlns:a="http://schemas.openxmlformats.org/drawingml/2006/main" uniqueId="urn:microsoft.com/office/officeart/2016/7/layout/RoundedRectangleTimeline">
-  <dgm:title val="Rounded Rectangle Timeline"/>
-  <dgm:desc val="Use to show a list of events in chronological order. An invisible box contains the description while the date is shown in rectangles, except for the first and last node where the corners of the rectangle are rounded. It can display large amount of text and long descriptive date format."/>
-  <dgm:catLst>
-    <dgm:cat type="timeline" pri="500"/>
-    <dgm:cat type="process" pri="600"/>
-  </dgm:catLst>
-  <dgm:sampData>
-    <dgm:dataModel>
-      <dgm:ptLst>
-        <dgm:pt modelId="0" type="doc"/>
-        <dgm:pt modelId="10">
-          <dgm:prSet phldr="1"/>
-        </dgm:pt>
-        <dgm:pt modelId="11">
-          <dgm:prSet phldr="1"/>
-        </dgm:pt>
-        <dgm:pt modelId="20">
-          <dgm:prSet phldr="1"/>
-        </dgm:pt>
-        <dgm:pt modelId="21">
-          <dgm:prSet phldr="1"/>
-        </dgm:pt>
-        <dgm:pt modelId="30">
-          <dgm:prSet phldr="1"/>
-        </dgm:pt>
-        <dgm:pt modelId="31">
-          <dgm:prSet phldr="1"/>
-        </dgm:pt>
-      </dgm:ptLst>
-      <dgm:cxnLst>
-        <dgm:cxn modelId="40" srcId="0" destId="10" srcOrd="0" destOrd="0"/>
-        <dgm:cxn modelId="12" srcId="10" destId="11" srcOrd="0" destOrd="0"/>
-        <dgm:cxn modelId="50" srcId="0" destId="20" srcOrd="1" destOrd="0"/>
-        <dgm:cxn modelId="22" srcId="20" destId="21" srcOrd="0" destOrd="0"/>
-        <dgm:cxn modelId="60" srcId="0" destId="30" srcOrd="1" destOrd="0"/>
-        <dgm:cxn modelId="32" srcId="30" destId="31" srcOrd="0" destOrd="0"/>
-      </dgm:cxnLst>
-      <dgm:bg/>
-      <dgm:whole/>
-    </dgm:dataModel>
-  </dgm:sampData>
-  <dgm:styleData>
-    <dgm:dataModel>
-      <dgm:ptLst>
-        <dgm:pt modelId="0" type="doc"/>
-        <dgm:pt modelId="10">
-          <dgm:prSet phldr="1"/>
-        </dgm:pt>
-        <dgm:pt modelId="20">
-          <dgm:prSet phldr="1"/>
-        </dgm:pt>
-      </dgm:ptLst>
-      <dgm:cxnLst>
-        <dgm:cxn modelId="60" srcId="0" destId="10" srcOrd="0" destOrd="0"/>
-        <dgm:cxn modelId="70" srcId="0" destId="20" srcOrd="1" destOrd="0"/>
-      </dgm:cxnLst>
-      <dgm:bg/>
-      <dgm:whole/>
-    </dgm:dataModel>
-  </dgm:styleData>
-  <dgm:clrData>
-    <dgm:dataModel>
-      <dgm:ptLst>
-        <dgm:pt modelId="0" type="doc"/>
-        <dgm:pt modelId="10">
-          <dgm:prSet phldr="1"/>
-        </dgm:pt>
-        <dgm:pt modelId="20">
-          <dgm:prSet phldr="1"/>
-        </dgm:pt>
-        <dgm:pt modelId="30">
-          <dgm:prSet phldr="1"/>
-        </dgm:pt>
-        <dgm:pt modelId="40">
-          <dgm:prSet phldr="1"/>
-        </dgm:pt>
-      </dgm:ptLst>
-      <dgm:cxnLst>
-        <dgm:cxn modelId="60" srcId="0" destId="10" srcOrd="0" destOrd="0"/>
-        <dgm:cxn modelId="70" srcId="0" destId="20" srcOrd="1" destOrd="0"/>
-        <dgm:cxn modelId="80" srcId="0" destId="30" srcOrd="2" destOrd="0"/>
-        <dgm:cxn modelId="90" srcId="0" destId="40" srcOrd="3" destOrd="0"/>
-      </dgm:cxnLst>
-      <dgm:bg/>
-      <dgm:whole/>
-    </dgm:dataModel>
-  </dgm:clrData>
-  <dgm:layoutNode name="Name0">
-    <dgm:varLst>
-      <dgm:chMax/>
-      <dgm:chPref/>
-      <dgm:animLvl val="lvl"/>
-    </dgm:varLst>
-    <dgm:choose name="Name1">
-      <dgm:if name="Name2" func="var" arg="dir" op="equ" val="norm">
-        <dgm:alg type="lin"/>
-      </dgm:if>
-      <dgm:else name="Name3">
-        <dgm:alg type="lin">
-          <dgm:param type="linDir" val="fromR"/>
-        </dgm:alg>
-      </dgm:else>
-    </dgm:choose>
-    <dgm:shape xmlns:r="http://schemas.openxmlformats.org/officeDocument/2006/relationships" r:blip="">
-      <dgm:adjLst/>
-    </dgm:shape>
-    <dgm:constrLst>
-      <dgm:constr type="primFontSz" for="des" forName="parent" val="18"/>
-      <dgm:constr type="primFontSz" for="des" forName="Childtext" val="18"/>
-      <dgm:constr type="primFontSz" for="des" forName="Childtext" refType="primFontSz" refFor="des" refForName="parent" op="lte"/>
-      <dgm:constr type="w" for="ch" forName="composite" refType="w"/>
-      <dgm:constr type="h" for="ch" forName="composite" refType="h"/>
-      <dgm:constr type="w" for="ch" forName="spaceBetweenRectangles" refType="w" refFor="ch" refForName="composite" fact="-0.4"/>
-      <dgm:constr type="w" for="ch" ptType="sibTrans" op="equ"/>
-      <dgm:constr type="primFontSz" for="des" forName="parent" op="equ"/>
-      <dgm:constr type="primFontSz" for="des" forName="Childtext" op="equ"/>
-      <dgm:constr type="primFontSz" for="des" forName="parent1" val="18"/>
-      <dgm:constr type="primFontSz" for="des" forName="Childtext1" val="18"/>
-      <dgm:constr type="primFontSz" for="des" forName="Childtext1" refType="primFontSz" refFor="des" refForName="parent1" op="lte"/>
-      <dgm:constr type="w" for="ch" forName="composite1" refType="w"/>
-      <dgm:constr type="h" for="ch" forName="composite1" refType="h"/>
-      <dgm:constr type="w" for="ch" forName="spaceBetweenRectangles1" refType="w" refFor="ch" refForName="composite1" fact="-0.4"/>
-      <dgm:constr type="primFontSz" for="des" forName="parent1" op="equ"/>
-      <dgm:constr type="primFontSz" for="des" forName="Childtext1" op="equ"/>
-    </dgm:constrLst>
-    <dgm:choose name="layoutByNodeCnt">
-      <dgm:if name="twoOrLessNodes" axis="ch" ptType="node" func="cnt" op="lte" val="2">
-        <dgm:forEach name="nodesForEach" axis="ch" ptType="node">
-          <dgm:layoutNode name="composite">
-            <dgm:alg type="composite"/>
-            <dgm:shape xmlns:r="http://schemas.openxmlformats.org/officeDocument/2006/relationships" r:blip="">
-              <dgm:adjLst/>
-            </dgm:shape>
-            <dgm:choose name="casesForFirstAndLastNode1">
-              <dgm:if name="startNode1" axis="self" ptType="node" func="pos" op="equ" val="1">
-                <dgm:choose name="removeLineWhenOnlyOneNode1">
-                  <dgm:if name="ifOnlyOneNode1" axis="followSib" ptType="node" func="cnt" op="equ" val="0">
-                    <dgm:constrLst>
-                      <dgm:constr type="w" for="ch" forName="parent" refType="w" fact="0.95"/>
-                      <dgm:constr type="l" for="ch" forName="parent" refType="w" fact="0.025"/>
-                      <dgm:constr type="t" for="ch" forName="parent" refType="h" fact="0.45"/>
-                      <dgm:constr type="h" for="ch" forName="parent" refType="h" fact="0.1"/>
-                      <dgm:constr type="l" for="ch" forName="Childtext" refType="w" fact="0.025"/>
-                      <dgm:constr type="w" for="ch" forName="Childtext" refType="w" fact="0.95"/>
-                      <dgm:constr type="h" for="ch" forName="Childtext" refType="h" fact="0.35"/>
-                      <dgm:constr type="w" for="ch" forName="ConnectLine"/>
-                      <dgm:constr type="h" for="ch" forName="ConnectLine" refType="h" fact="0.08"/>
-                      <dgm:constr type="t" for="ch" forName="ConnectLine" refType="h" fact="0.37"/>
-                      <dgm:constr type="ctrX" for="ch" forName="ConnectLine" refType="w" fact="0.5"/>
-                      <dgm:constr type="w" for="ch" forName="ConnectLineEnd" refType="h" fact="0.02"/>
-                      <dgm:constr type="h" for="ch" forName="ConnectLineEnd" refType="h" fact="0.02"/>
-                      <dgm:constr type="t" for="ch" forName="ConnectLineEnd" refType="h" fact="0.35"/>
-                      <dgm:constr type="ctrX" for="ch" forName="ConnectLineEnd" refType="w" fact="0.5"/>
-                      <dgm:constr type="w" for="ch" forName="EmptyPane" refType="w"/>
-                      <dgm:constr type="t" for="ch" forName="EmptyPane" refType="h" fact="0.55"/>
-                      <dgm:constr type="h" for="ch" forName="EmptyPane" refType="h" fact="0.45"/>
-                    </dgm:constrLst>
-                  </dgm:if>
-                  <dgm:else name="ifMoreThanOneNode1">
-                    <dgm:constrLst>
-                      <dgm:constr type="w" for="ch" forName="parent" refType="w" fact="0.6"/>
-                      <dgm:constr type="l" for="ch" forName="parent" refType="w" fact="0.2"/>
-                      <dgm:constr type="t" for="ch" forName="parent" refType="h" fact="0.45"/>
-                      <dgm:constr type="h" for="ch" forName="parent" refType="h" fact="0.1"/>
-                      <dgm:constr type="l" for="ch" forName="Childtext" refType="w" fact="0.2"/>
-                      <dgm:constr type="w" for="ch" forName="Childtext" refType="w" fact="0.6"/>
-                      <dgm:constr type="h" for="ch" forName="Childtext" refType="h" fact="0.35"/>
-                      <dgm:constr type="w" for="ch" forName="ConnectLine"/>
-                      <dgm:constr type="h" for="ch" forName="ConnectLine" refType="h" fact="0.08"/>
-                      <dgm:constr type="t" for="ch" forName="ConnectLine" refType="h" fact="0.37"/>
-                      <dgm:constr type="ctrX" for="ch" forName="ConnectLine" refType="w" fact="0.5"/>
-                      <dgm:constr type="w" for="ch" forName="ConnectLineEnd" refType="h" fact="0.02"/>
-                      <dgm:constr type="h" for="ch" forName="ConnectLineEnd" refType="h" fact="0.02"/>
-                      <dgm:constr type="t" for="ch" forName="ConnectLineEnd" refType="h" fact="0.35"/>
-                      <dgm:constr type="ctrX" for="ch" forName="ConnectLineEnd" refType="w" fact="0.5"/>
-                      <dgm:constr type="w" for="ch" forName="EmptyPane" refType="w"/>
-                      <dgm:constr type="t" for="ch" forName="EmptyPane" refType="h" fact="0.55"/>
-                      <dgm:constr type="h" for="ch" forName="EmptyPane" refType="h" fact="0.45"/>
-                    </dgm:constrLst>
-                  </dgm:else>
-                </dgm:choose>
-              </dgm:if>
-              <dgm:else name="notStartNode1">
-                <dgm:constrLst>
-                  <dgm:constr type="w" for="ch" forName="parent" refType="w" fact="0.6"/>
-                  <dgm:constr type="l" for="ch" forName="parent" refType="w" fact="0.2"/>
-                  <dgm:constr type="t" for="ch" forName="parent" refType="h" fact="0.45"/>
-                  <dgm:constr type="h" for="ch" forName="parent" refType="h" fact="0.1"/>
-                  <dgm:constr type="l" for="ch" forName="Childtext" refType="w" fact="0.2"/>
-                  <dgm:constr type="w" for="ch" forName="Childtext" refType="w" fact="0.6"/>
-                  <dgm:constr type="h" for="ch" forName="Childtext" refType="h" fact="0.35"/>
-                  <dgm:constr type="t" for="ch" forName="Childtext" refType="h" fact="0.65"/>
-                  <dgm:constr type="w" for="ch" forName="ConnectLine"/>
-                  <dgm:constr type="h" for="ch" forName="ConnectLine" refType="h" fact="0.08"/>
-                  <dgm:constr type="t" for="ch" forName="ConnectLine" refType="h" fact="0.55"/>
-                  <dgm:constr type="ctrX" for="ch" forName="ConnectLine" refType="w" fact="0.5"/>
-                  <dgm:constr type="w" for="ch" forName="ConnectLineEnd" refType="h" fact="0.02"/>
-                  <dgm:constr type="h" for="ch" forName="ConnectLineEnd" refType="h" fact="0.02"/>
-                  <dgm:constr type="b" for="ch" forName="ConnectLineEnd" refType="h" fact="0.65"/>
-                  <dgm:constr type="ctrX" for="ch" forName="ConnectLineEnd" refType="w" fact="0.5"/>
-                  <dgm:constr type="w" for="ch" forName="EmptyPane" refType="w"/>
-                  <dgm:constr type="h" for="ch" forName="EmptyPane" refType="h" fact="0.45"/>
-                </dgm:constrLst>
-              </dgm:else>
-            </dgm:choose>
-            <dgm:layoutNode name="parent" styleLbl="alignNode1">
-              <dgm:varLst>
-                <dgm:chMax val="1"/>
-                <dgm:chPref val="1"/>
-                <dgm:bulletEnabled val="1"/>
-              </dgm:varLst>
-              <dgm:alg type="tx">
-                <dgm:param type="txAnchorHorz" val="ctr"/>
-                <dgm:param type="txAnchorVert" val="mid"/>
-                <dgm:param type="parTxLTRAlign" val="ctr"/>
-                <dgm:param type="parTxRTLAlign" val="ctr"/>
-              </dgm:alg>
-              <dgm:choose name="casesForFirstAndLastNode">
-                <dgm:if name="startNode" axis="self" ptType="node" func="pos" op="equ" val="1">
-                  <dgm:choose name="removeLineWhenOnlyOneNode">
-                    <dgm:if name="ifOnlyOneNode" axis="followSib" ptType="node" func="cnt" op="equ" val="0">
-                      <dgm:shape xmlns:r="http://schemas.openxmlformats.org/officeDocument/2006/relationships" type="roundRect" r:blip="">
-                        <dgm:adjLst/>
-                      </dgm:shape>
-                    </dgm:if>
-                    <dgm:else name="ifMoreThanOneNode">
-                      <dgm:choose name="Name18">
-                        <dgm:if name="Name19" func="var" arg="dir" op="equ" val="norm">
-                          <dgm:shape xmlns:r="http://schemas.openxmlformats.org/officeDocument/2006/relationships" rot="-90" type="round2SameRect" r:blip="">
-                            <dgm:adjLst/>
-                          </dgm:shape>
-                        </dgm:if>
-                        <dgm:else name="Name20">
-                          <dgm:shape xmlns:r="http://schemas.openxmlformats.org/officeDocument/2006/relationships" rot="90" type="round2SameRect" r:blip="">
-                            <dgm:adjLst/>
-                          </dgm:shape>
-                        </dgm:else>
-                      </dgm:choose>
-                    </dgm:else>
-                  </dgm:choose>
-                </dgm:if>
-                <dgm:else name="notStartNode">
-                  <dgm:choose name="Name22">
-                    <dgm:if name="Name23" axis="self" ptType="node" func="revPos" op="equ" val="1">
-                      <dgm:choose name="Name24">
-                        <dgm:if name="Name25" func="var" arg="dir" op="equ" val="norm">
-                          <dgm:shape xmlns:r="http://schemas.openxmlformats.org/officeDocument/2006/relationships" rot="90" type="round2SameRect" r:blip="">
-                            <dgm:adjLst/>
-                          </dgm:shape>
-                        </dgm:if>
-                        <dgm:else name="Name26">
-                          <dgm:shape xmlns:r="http://schemas.openxmlformats.org/officeDocument/2006/relationships" rot="-90" type="round2SameRect" r:blip="">
-                            <dgm:adjLst/>
-                          </dgm:shape>
-                        </dgm:else>
-                      </dgm:choose>
-                    </dgm:if>
-                    <dgm:else name="Name27">
-                      <dgm:shape xmlns:r="http://schemas.openxmlformats.org/officeDocument/2006/relationships" type="rect" r:blip="">
-                        <dgm:adjLst/>
-                      </dgm:shape>
-                    </dgm:else>
-                  </dgm:choose>
-                </dgm:else>
-              </dgm:choose>
-              <dgm:presOf axis="self" ptType="node"/>
-              <dgm:constrLst>
-                <dgm:constr type="lMarg" refType="primFontSz" fact="0.6"/>
-                <dgm:constr type="rMarg" refType="primFontSz" fact="0.6"/>
-                <dgm:constr type="tMarg" refType="primFontSz" fact="0.6"/>
-                <dgm:constr type="bMarg" refType="primFontSz" fact="0.6"/>
-              </dgm:constrLst>
-              <dgm:ruleLst>
-                <dgm:rule type="primFontSz" val="11" fact="NaN" max="NaN"/>
-              </dgm:ruleLst>
-            </dgm:layoutNode>
-            <dgm:layoutNode name="Childtext" styleLbl="revTx">
-              <dgm:varLst>
-                <dgm:bulletEnabled val="1"/>
-              </dgm:varLst>
-              <dgm:choose name="casesForTxtDirLogic">
-                <dgm:if name="Name77" axis="self" ptType="node" func="posOdd" op="equ" val="1">
-                  <dgm:alg type="tx">
-                    <dgm:param type="txAnchorVert" val="b"/>
-                    <dgm:param type="txAnchorHorz" val="ctr"/>
-                    <dgm:param type="parTxLTRAlign" val="ctr"/>
-                    <dgm:param type="parTxRTLAlign" val="ctr"/>
-                  </dgm:alg>
-                  <dgm:constrLst>
-                    <dgm:constr type="lMarg"/>
-                    <dgm:constr type="rMarg"/>
-                    <dgm:constr type="tMarg"/>
-                    <dgm:constr type="bMarg" refType="primFontSz" fact="0.6"/>
-                  </dgm:constrLst>
-                </dgm:if>
-                <dgm:else name="Name88">
-                  <dgm:alg type="tx">
-                    <dgm:param type="txAnchorVert" val="t"/>
-                    <dgm:param type="txAnchorHorz" val="ctr"/>
-                    <dgm:param type="parTxLTRAlign" val="ctr"/>
-                    <dgm:param type="parTxRTLAlign" val="ctr"/>
-                  </dgm:alg>
-                  <dgm:constrLst>
-                    <dgm:constr type="lMarg"/>
-                    <dgm:constr type="rMarg"/>
-                    <dgm:constr type="tMarg" refType="primFontSz" fact="0.6"/>
-                    <dgm:constr type="bMarg"/>
-                  </dgm:constrLst>
-                </dgm:else>
-              </dgm:choose>
-              <dgm:shape xmlns:r="http://schemas.openxmlformats.org/officeDocument/2006/relationships" type="rect" r:blip="">
-                <dgm:adjLst/>
-              </dgm:shape>
-              <dgm:presOf axis="ch" ptType="node"/>
-              <dgm:ruleLst>
-                <dgm:rule type="primFontSz" val="11" fact="NaN" max="NaN"/>
-              </dgm:ruleLst>
-            </dgm:layoutNode>
-            <dgm:layoutNode name="ConnectLine" styleLbl="sibTrans1D1">
-              <dgm:alg type="sp"/>
-              <dgm:shape xmlns:r="http://schemas.openxmlformats.org/officeDocument/2006/relationships" type="line" r:blip="">
-                <dgm:adjLst/>
-                <dgm:extLst>
-                  <a:ext uri="{B698B0E9-8C71-41B9-8309-B3DCBF30829C}">
-                    <dgm1612:spPr xmlns:dgm1612="http://schemas.microsoft.com/office/drawing/2016/12/diagram">
-                      <a:ln>
-                        <a:prstDash val="dash"/>
-                      </a:ln>
-                    </dgm1612:spPr>
-                  </a:ext>
-                </dgm:extLst>
-              </dgm:shape>
-              <dgm:presOf/>
-              <dgm:constrLst/>
-            </dgm:layoutNode>
-            <dgm:layoutNode name="ConnectLineEnd" styleLbl="lnNode1">
-              <dgm:alg type="sp"/>
-              <dgm:shape xmlns:r="http://schemas.openxmlformats.org/officeDocument/2006/relationships" type="ellipse" r:blip="">
-                <dgm:adjLst/>
-              </dgm:shape>
-              <dgm:presOf/>
-              <dgm:constrLst/>
-            </dgm:layoutNode>
-            <dgm:layoutNode name="EmptyPane">
-              <dgm:alg type="sp"/>
-              <dgm:shape xmlns:r="http://schemas.openxmlformats.org/officeDocument/2006/relationships" r:blip="">
-                <dgm:adjLst/>
-              </dgm:shape>
-              <dgm:presOf/>
-              <dgm:constrLst/>
-            </dgm:layoutNode>
-          </dgm:layoutNode>
-          <dgm:forEach name="Name28" axis="followSib" ptType="sibTrans" cnt="1">
-            <dgm:layoutNode name="spaceBetweenRectangles">
-              <dgm:alg type="sp"/>
-              <dgm:shape xmlns:r="http://schemas.openxmlformats.org/officeDocument/2006/relationships" r:blip="">
-                <dgm:adjLst/>
-              </dgm:shape>
-              <dgm:presOf/>
-              <dgm:constrLst/>
-              <dgm:ruleLst/>
-            </dgm:layoutNode>
-          </dgm:forEach>
-        </dgm:forEach>
-      </dgm:if>
-      <dgm:else name="moreThanTwoNodes">
-        <dgm:forEach name="nodesForEach1" axis="ch" ptType="node">
-          <dgm:layoutNode name="composite1">
-            <dgm:alg type="composite"/>
-            <dgm:shape xmlns:r="http://schemas.openxmlformats.org/officeDocument/2006/relationships" r:blip="">
-              <dgm:adjLst/>
-            </dgm:shape>
-            <dgm:choose name="casesForSnakingLogic21">
-              <dgm:if name="oddNode21" axis="self" ptType="node" func="posOdd" op="equ" val="1">
-                <dgm:constrLst>
-                  <dgm:constr type="w" for="ch" forName="parent1" refType="w" fact="0.6"/>
-                  <dgm:constr type="l" for="ch" forName="parent1" refType="w" fact="0.2"/>
-                  <dgm:constr type="t" for="ch" forName="parent1" refType="h" fact="0.45"/>
-                  <dgm:constr type="h" for="ch" forName="parent1" refType="h" fact="0.1"/>
-                  <dgm:constr type="w" for="ch" forName="Childtext1" refType="w"/>
-                  <dgm:constr type="h" for="ch" forName="Childtext1" refType="h" fact="0.35"/>
-                  <dgm:constr type="w" for="ch" forName="ConnectLine1"/>
-                  <dgm:constr type="h" for="ch" forName="ConnectLine1" refType="h" fact="0.08"/>
-                  <dgm:constr type="t" for="ch" forName="ConnectLine1" refType="h" fact="0.37"/>
-                  <dgm:constr type="ctrX" for="ch" forName="ConnectLine1" refType="w" fact="0.5"/>
-                  <dgm:constr type="w" for="ch" forName="ConnectLineEnd1" refType="h" fact="0.02"/>
-                  <dgm:constr type="h" for="ch" forName="ConnectLineEnd1" refType="h" fact="0.02"/>
-                  <dgm:constr type="t" for="ch" forName="ConnectLineEnd1" refType="h" fact="0.35"/>
-                  <dgm:constr type="ctrX" for="ch" forName="ConnectLineEnd1" refType="w" fact="0.5"/>
-                  <dgm:constr type="w" for="ch" forName="EmptyPane1" refType="w"/>
-                  <dgm:constr type="t" for="ch" forName="EmptyPane1" refType="h" fact="0.55"/>
-                  <dgm:constr type="h" for="ch" forName="EmptyPane1" refType="h" fact="0.45"/>
-                </dgm:constrLst>
-              </dgm:if>
-              <dgm:else name="evenNode2">
-                <dgm:constrLst>
-                  <dgm:constr type="w" for="ch" forName="parent1" refType="w" fact="0.6"/>
-                  <dgm:constr type="l" for="ch" forName="parent1" refType="w" fact="0.2"/>
-                  <dgm:constr type="t" for="ch" forName="parent1" refType="h" fact="0.45"/>
-                  <dgm:constr type="h" for="ch" forName="parent1" refType="h" fact="0.1"/>
-                  <dgm:constr type="w" for="ch" forName="Childtext1" refType="w"/>
-                  <dgm:constr type="h" for="ch" forName="Childtext1" refType="h" fact="0.35"/>
-                  <dgm:constr type="t" for="ch" forName="Childtext1" refType="h" fact="0.65"/>
-                  <dgm:constr type="w" for="ch" forName="ConnectLine1"/>
-                  <dgm:constr type="h" for="ch" forName="ConnectLine1" refType="h" fact="0.08"/>
-                  <dgm:constr type="t" for="ch" forName="ConnectLine1" refType="h" fact="0.55"/>
-                  <dgm:constr type="ctrX" for="ch" forName="ConnectLine1" refType="w" fact="0.5"/>
-                  <dgm:constr type="w" for="ch" forName="ConnectLineEnd1" refType="h" fact="0.02"/>
-                  <dgm:constr type="h" for="ch" forName="ConnectLineEnd1" refType="h" fact="0.02"/>
-                  <dgm:constr type="b" for="ch" forName="ConnectLineEnd1" refType="h" fact="0.65"/>
-                  <dgm:constr type="ctrX" for="ch" forName="ConnectLineEnd1" refType="w" fact="0.5"/>
-                  <dgm:constr type="w" for="ch" forName="EmptyPane1" refType="w"/>
-                  <dgm:constr type="h" for="ch" forName="EmptyPane1" refType="h" fact="0.45"/>
-                </dgm:constrLst>
-              </dgm:else>
-            </dgm:choose>
-            <dgm:layoutNode name="parent1" styleLbl="alignNode1">
-              <dgm:varLst>
-                <dgm:chMax val="1"/>
-                <dgm:chPref val="1"/>
-                <dgm:bulletEnabled val="1"/>
-              </dgm:varLst>
-              <dgm:alg type="tx">
-                <dgm:param type="txAnchorHorz" val="ctr"/>
-                <dgm:param type="txAnchorVert" val="mid"/>
-                <dgm:param type="parTxLTRAlign" val="ctr"/>
-                <dgm:param type="parTxRTLAlign" val="ctr"/>
-              </dgm:alg>
-              <dgm:choose name="casesForFirstAndLastNode12">
-                <dgm:if name="startNode12" axis="self" ptType="node" func="pos" op="equ" val="1">
-                  <dgm:choose name="removeLineWhenOnlyOneNode12">
-                    <dgm:if name="ifOnlyOneNode12" axis="followSib" ptType="node" func="cnt" op="equ" val="0">
-                      <dgm:shape xmlns:r="http://schemas.openxmlformats.org/officeDocument/2006/relationships" type="roundRect" r:blip="">
-                        <dgm:adjLst/>
-                      </dgm:shape>
-                    </dgm:if>
-                    <dgm:else name="ifMoreThanOneNode12">
-                      <dgm:choose name="Name181">
-                        <dgm:if name="Name191" func="var" arg="dir" op="equ" val="norm">
-                          <dgm:shape xmlns:r="http://schemas.openxmlformats.org/officeDocument/2006/relationships" rot="-90" type="round2SameRect" r:blip="">
-                            <dgm:adjLst/>
-                          </dgm:shape>
-                        </dgm:if>
-                        <dgm:else name="Name201">
-                          <dgm:shape xmlns:r="http://schemas.openxmlformats.org/officeDocument/2006/relationships" rot="90" type="round2SameRect" r:blip="">
-                            <dgm:adjLst/>
-                          </dgm:shape>
-                        </dgm:else>
-                      </dgm:choose>
-                    </dgm:else>
-                  </dgm:choose>
-                </dgm:if>
-                <dgm:else name="notStartNode12">
-                  <dgm:choose name="Name221">
-                    <dgm:if name="Name231" axis="self" ptType="node" func="revPos" op="equ" val="1">
-                      <dgm:choose name="Name241">
-                        <dgm:if name="Name251" func="var" arg="dir" op="equ" val="norm">
-                          <dgm:shape xmlns:r="http://schemas.openxmlformats.org/officeDocument/2006/relationships" rot="90" type="round2SameRect" r:blip="">
-                            <dgm:adjLst/>
-                          </dgm:shape>
-                        </dgm:if>
-                        <dgm:else name="Name261">
-                          <dgm:shape xmlns:r="http://schemas.openxmlformats.org/officeDocument/2006/relationships" rot="-90" type="round2SameRect" r:blip="">
-                            <dgm:adjLst/>
-                          </dgm:shape>
-                        </dgm:else>
-                      </dgm:choose>
-                    </dgm:if>
-                    <dgm:else name="Name271">
-                      <dgm:shape xmlns:r="http://schemas.openxmlformats.org/officeDocument/2006/relationships" type="rect" r:blip="">
-                        <dgm:adjLst/>
-                      </dgm:shape>
-                    </dgm:else>
-                  </dgm:choose>
-                </dgm:else>
-              </dgm:choose>
-              <dgm:presOf axis="self" ptType="node"/>
-              <dgm:constrLst>
-                <dgm:constr type="lMarg" refType="primFontSz" fact="0.6"/>
-                <dgm:constr type="rMarg" refType="primFontSz" fact="0.6"/>
-                <dgm:constr type="tMarg" refType="primFontSz" fact="0.6"/>
-                <dgm:constr type="bMarg" refType="primFontSz" fact="0.6"/>
-              </dgm:constrLst>
-              <dgm:ruleLst>
-                <dgm:rule type="primFontSz" val="11" fact="NaN" max="NaN"/>
-              </dgm:ruleLst>
-            </dgm:layoutNode>
-            <dgm:layoutNode name="Childtext1" styleLbl="revTx">
-              <dgm:varLst>
-                <dgm:bulletEnabled val="1"/>
-              </dgm:varLst>
-              <dgm:choose name="casesForTxtDirLogic1">
-                <dgm:if name="Name771" axis="self" ptType="node" func="posOdd" op="equ" val="1">
-                  <dgm:alg type="tx">
-                    <dgm:param type="txAnchorVert" val="b"/>
-                    <dgm:param type="txAnchorHorz" val="ctr"/>
-                    <dgm:param type="parTxLTRAlign" val="ctr"/>
-                    <dgm:param type="parTxRTLAlign" val="ctr"/>
-                  </dgm:alg>
-                  <dgm:constrLst>
-                    <dgm:constr type="lMarg"/>
-                    <dgm:constr type="rMarg"/>
-                    <dgm:constr type="tMarg"/>
-                    <dgm:constr type="bMarg" refType="primFontSz" fact="0.6"/>
-                  </dgm:constrLst>
-                </dgm:if>
-                <dgm:else name="Name881">
-                  <dgm:alg type="tx">
-                    <dgm:param type="txAnchorVert" val="t"/>
-                    <dgm:param type="txAnchorHorz" val="ctr"/>
-                    <dgm:param type="parTxLTRAlign" val="ctr"/>
-                    <dgm:param type="parTxRTLAlign" val="ctr"/>
-                  </dgm:alg>
-                  <dgm:constrLst>
-                    <dgm:constr type="lMarg"/>
-                    <dgm:constr type="rMarg"/>
-                    <dgm:constr type="tMarg" refType="primFontSz" fact="0.6"/>
-                    <dgm:constr type="bMarg"/>
-                  </dgm:constrLst>
-                </dgm:else>
-              </dgm:choose>
-              <dgm:shape xmlns:r="http://schemas.openxmlformats.org/officeDocument/2006/relationships" type="rect" r:blip="">
-                <dgm:adjLst/>
-              </dgm:shape>
-              <dgm:presOf axis="ch" ptType="node"/>
-              <dgm:ruleLst>
-                <dgm:rule type="primFontSz" val="11" fact="NaN" max="NaN"/>
-              </dgm:ruleLst>
-            </dgm:layoutNode>
-            <dgm:layoutNode name="ConnectLine1" styleLbl="sibTrans1D1">
-              <dgm:alg type="sp"/>
-              <dgm:shape xmlns:r="http://schemas.openxmlformats.org/officeDocument/2006/relationships" type="line" r:blip="">
-                <dgm:adjLst/>
-                <dgm:extLst>
-                  <a:ext uri="{B698B0E9-8C71-41B9-8309-B3DCBF30829C}">
-                    <dgm1612:spPr xmlns:dgm1612="http://schemas.microsoft.com/office/drawing/2016/12/diagram">
-                      <a:ln>
-                        <a:prstDash val="dash"/>
-                      </a:ln>
-                    </dgm1612:spPr>
-                  </a:ext>
-                </dgm:extLst>
-              </dgm:shape>
-              <dgm:presOf/>
-              <dgm:constrLst/>
-            </dgm:layoutNode>
-            <dgm:layoutNode name="ConnectLineEnd1" styleLbl="lnNode1">
-              <dgm:alg type="sp"/>
-              <dgm:shape xmlns:r="http://schemas.openxmlformats.org/officeDocument/2006/relationships" type="ellipse" r:blip="">
-                <dgm:adjLst/>
-              </dgm:shape>
-              <dgm:presOf/>
-              <dgm:constrLst/>
-            </dgm:layoutNode>
-            <dgm:layoutNode name="EmptyPane1">
-              <dgm:alg type="sp"/>
-              <dgm:shape xmlns:r="http://schemas.openxmlformats.org/officeDocument/2006/relationships" r:blip="">
-                <dgm:adjLst/>
-              </dgm:shape>
-              <dgm:presOf/>
-              <dgm:constrLst/>
-            </dgm:layoutNode>
-          </dgm:layoutNode>
-          <dgm:forEach name="Name281" axis="followSib" ptType="sibTrans" cnt="1">
-            <dgm:layoutNode name="spaceBetweenRectangles1">
-              <dgm:alg type="sp"/>
-              <dgm:shape xmlns:r="http://schemas.openxmlformats.org/officeDocument/2006/relationships" r:blip="">
-                <dgm:adjLst/>
-              </dgm:shape>
-              <dgm:presOf/>
-              <dgm:constrLst/>
-              <dgm:ruleLst/>
-            </dgm:layoutNode>
-          </dgm:forEach>
-        </dgm:forEach>
-      </dgm:else>
-    </dgm:choose>
-  </dgm:layoutNode>
-</dgm:layoutDef>
-</file>
-
 <file path=ppt/diagrams/quickStyle1.xml><?xml version="1.0" encoding="utf-8"?>
-<dgm:styleDef xmlns:dgm="http://schemas.openxmlformats.org/drawingml/2006/diagram" xmlns:a="http://schemas.openxmlformats.org/drawingml/2006/main" uniqueId="urn:microsoft.com/office/officeart/2005/8/quickstyle/simple1">
-  <dgm:title val=""/>
-  <dgm:desc val=""/>
-  <dgm:catLst>
-    <dgm:cat type="simple" pri="10100"/>
-  </dgm:catLst>
-  <dgm:scene3d>
-    <a:camera prst="orthographicFront"/>
-    <a:lightRig rig="threePt" dir="t"/>
-  </dgm:scene3d>
-  <dgm:styleLbl name="node0">
-    <dgm:scene3d>
-      <a:camera prst="orthographicFront"/>
-      <a:lightRig rig="threePt" dir="t"/>
-    </dgm:scene3d>
-    <dgm:sp3d/>
-    <dgm:txPr/>
-    <dgm:style>
-      <a:lnRef idx="2">
-        <a:scrgbClr r="0" g="0" b="0"/>
-      </a:lnRef>
-      <a:fillRef idx="1">
-        <a:scrgbClr r="0" g="0" b="0"/>
-      </a:fillRef>
-      <a:effectRef idx="0">
-        <a:scrgbClr r="0" g="0" b="0"/>
-      </a:effectRef>
-      <a:fontRef idx="minor">
-        <a:schemeClr val="lt1"/>
-      </a:fontRef>
-    </dgm:style>
-  </dgm:styleLbl>
-  <dgm:styleLbl name="lnNode1">
-    <dgm:scene3d>
-      <a:camera prst="orthographicFront"/>
-      <a:lightRig rig="threePt" dir="t"/>
-    </dgm:scene3d>
-    <dgm:sp3d/>
-    <dgm:txPr/>
-    <dgm:style>
-      <a:lnRef idx="2">
-        <a:scrgbClr r="0" g="0" b="0"/>
-      </a:lnRef>
-      <a:fillRef idx="1">
-        <a:scrgbClr r="0" g="0" b="0"/>
-      </a:fillRef>
-      <a:effectRef idx="0">
-        <a:scrgbClr r="0" g="0" b="0"/>
-      </a:effectRef>
-      <a:fontRef idx="minor">
-        <a:schemeClr val="lt1"/>
-      </a:fontRef>
-    </dgm:style>
-  </dgm:styleLbl>
-  <dgm:styleLbl name="vennNode1">
-    <dgm:scene3d>
-      <a:camera prst="orthographicFront"/>
-      <a:lightRig rig="threePt" dir="t"/>
-    </dgm:scene3d>
-    <dgm:sp3d/>
-    <dgm:txPr/>
-    <dgm:style>
-      <a:lnRef idx="2">
-        <a:scrgbClr r="0" g="0" b="0"/>
-      </a:lnRef>
-      <a:fillRef idx="1">
-        <a:scrgbClr r="0" g="0" b="0"/>
-      </a:fillRef>
-      <a:effectRef idx="0">
-        <a:scrgbClr r="0" g="0" b="0"/>
-      </a:effectRef>
-      <a:fontRef idx="minor">
-        <a:schemeClr val="tx1"/>
-      </a:fontRef>
-    </dgm:style>
-  </dgm:styleLbl>
-  <dgm:styleLbl name="alignNode1">
-    <dgm:scene3d>
-      <a:camera prst="orthographicFront"/>
-      <a:lightRig rig="threePt" dir="t"/>
-    </dgm:scene3d>
-    <dgm:sp3d/>
-    <dgm:txPr/>
-    <dgm:style>
-      <a:lnRef idx="2">
-        <a:scrgbClr r="0" g="0" b="0"/>
-      </a:lnRef>
-      <a:fillRef idx="1">
-        <a:scrgbClr r="0" g="0" b="0"/>
-      </a:fillRef>
-      <a:effectRef idx="0">
-        <a:scrgbClr r="0" g="0" b="0"/>
-      </a:effectRef>
-      <a:fontRef idx="minor">
-        <a:schemeClr val="lt1"/>
-      </a:fontRef>
-    </dgm:style>
-  </dgm:styleLbl>
-  <dgm:styleLbl name="node1">
-    <dgm:scene3d>
-      <a:camera prst="orthographicFront"/>
-      <a:lightRig rig="threePt" dir="t"/>
-    </dgm:scene3d>
-    <dgm:sp3d/>
-    <dgm:txPr/>
-    <dgm:style>
-      <a:lnRef idx="2">
-        <a:scrgbClr r="0" g="0" b="0"/>
-      </a:lnRef>
-      <a:fillRef idx="1">
-        <a:scrgbClr r="0" g="0" b="0"/>
-      </a:fillRef>
-      <a:effectRef idx="0">
-        <a:scrgbClr r="0" g="0" b="0"/>
-      </a:effectRef>
-      <a:fontRef idx="minor">
-        <a:schemeClr val="lt1"/>
-      </a:fontRef>
-    </dgm:style>
-  </dgm:styleLbl>
-  <dgm:styleLbl name="node2">
-    <dgm:scene3d>
-      <a:camera prst="orthographicFront"/>
-      <a:lightRig rig="threePt" dir="t"/>
-    </dgm:scene3d>
-    <dgm:sp3d/>
-    <dgm:txPr/>
-    <dgm:style>
-      <a:lnRef idx="2">
-        <a:scrgbClr r="0" g="0" b="0"/>
-      </a:lnRef>
-      <a:fillRef idx="1">
-        <a:scrgbClr r="0" g="0" b="0"/>
-      </a:fillRef>
-      <a:effectRef idx="0">
-        <a:scrgbClr r="0" g="0" b="0"/>
-      </a:effectRef>
-      <a:fontRef idx="minor">
-        <a:schemeClr val="lt1"/>
-      </a:fontRef>
-    </dgm:style>
-  </dgm:styleLbl>
-  <dgm:styleLbl name="node3">
-    <dgm:scene3d>
-      <a:camera prst="orthographicFront"/>
-      <a:lightRig rig="threePt" dir="t"/>
-    </dgm:scene3d>
-    <dgm:sp3d/>
-    <dgm:txPr/>
-    <dgm:style>
-      <a:lnRef idx="2">
-        <a:scrgbClr r="0" g="0" b="0"/>
-      </a:lnRef>
-      <a:fillRef idx="1">
-        <a:scrgbClr r="0" g="0" b="0"/>
-      </a:fillRef>
-      <a:effectRef idx="0">
-        <a:scrgbClr r="0" g="0" b="0"/>
-      </a:effectRef>
-      <a:fontRef idx="minor">
-        <a:schemeClr val="lt1"/>
-      </a:fontRef>
-    </dgm:style>
-  </dgm:styleLbl>
-  <dgm:styleLbl name="node4">
-    <dgm:scene3d>
-      <a:camera prst="orthographicFront"/>
-      <a:lightRig rig="threePt" dir="t"/>
-    </dgm:scene3d>
-    <dgm:sp3d/>
-    <dgm:txPr/>
-    <dgm:style>
-      <a:lnRef idx="2">
-        <a:scrgbClr r="0" g="0" b="0"/>
-      </a:lnRef>
-      <a:fillRef idx="1">
-        <a:scrgbClr r="0" g="0" b="0"/>
-      </a:fillRef>
-      <a:effectRef idx="0">
-        <a:scrgbClr r="0" g="0" b="0"/>
-      </a:effectRef>
-      <a:fontRef idx="minor">
-        <a:schemeClr val="lt1"/>
-      </a:fontRef>
-    </dgm:style>
-  </dgm:styleLbl>
-  <dgm:styleLbl name="fgImgPlace1">
-    <dgm:scene3d>
-      <a:camera prst="orthographicFront"/>
-      <a:lightRig rig="threePt" dir="t"/>
-    </dgm:scene3d>
-    <dgm:sp3d/>
-    <dgm:txPr/>
-    <dgm:style>
-      <a:lnRef idx="2">
-        <a:scrgbClr r="0" g="0" b="0"/>
-      </a:lnRef>
-      <a:fillRef idx="1">
-        <a:scrgbClr r="0" g="0" b="0"/>
-      </a:fillRef>
-      <a:effectRef idx="0">
-        <a:scrgbClr r="0" g="0" b="0"/>
-      </a:effectRef>
-      <a:fontRef idx="minor"/>
-    </dgm:style>
-  </dgm:styleLbl>
-  <dgm:styleLbl name="alignImgPlace1">
-    <dgm:scene3d>
-      <a:camera prst="orthographicFront"/>
-      <a:lightRig rig="threePt" dir="t"/>
-    </dgm:scene3d>
-    <dgm:sp3d/>
-    <dgm:txPr/>
-    <dgm:style>
-      <a:lnRef idx="2">
-        <a:scrgbClr r="0" g="0" b="0"/>
-      </a:lnRef>
-      <a:fillRef idx="1">
-        <a:scrgbClr r="0" g="0" b="0"/>
-      </a:fillRef>
-      <a:effectRef idx="0">
-        <a:scrgbClr r="0" g="0" b="0"/>
-      </a:effectRef>
-      <a:fontRef idx="minor"/>
-    </dgm:style>
-  </dgm:styleLbl>
-  <dgm:styleLbl name="bgImgPlace1">
-    <dgm:scene3d>
-      <a:camera prst="orthographicFront"/>
-      <a:lightRig rig="threePt" dir="t"/>
-    </dgm:scene3d>
-    <dgm:sp3d/>
-    <dgm:txPr/>
-    <dgm:style>
-      <a:lnRef idx="2">
-        <a:scrgbClr r="0" g="0" b="0"/>
-      </a:lnRef>
-      <a:fillRef idx="1">
-        <a:scrgbClr r="0" g="0" b="0"/>
-      </a:fillRef>
-      <a:effectRef idx="0">
-        <a:scrgbClr r="0" g="0" b="0"/>
-      </a:effectRef>
-      <a:fontRef idx="minor"/>
-    </dgm:style>
-  </dgm:styleLbl>
-  <dgm:styleLbl name="sibTrans2D1">
-    <dgm:scene3d>
-      <a:camera prst="orthographicFront"/>
-      <a:lightRig rig="threePt" dir="t"/>
-    </dgm:scene3d>
-    <dgm:sp3d/>
-    <dgm:txPr/>
-    <dgm:style>
-      <a:lnRef idx="0">
-        <a:scrgbClr r="0" g="0" b="0"/>
-      </a:lnRef>
-      <a:fillRef idx="1">
-        <a:scrgbClr r="0" g="0" b="0"/>
-      </a:fillRef>
-      <a:effectRef idx="0">
-        <a:scrgbClr r="0" g="0" b="0"/>
-      </a:effectRef>
-      <a:fontRef idx="minor">
-        <a:schemeClr val="lt1"/>
-      </a:fontRef>
-    </dgm:style>
-  </dgm:styleLbl>
-  <dgm:styleLbl name="fgSibTrans2D1">
-    <dgm:scene3d>
-      <a:camera prst="orthographicFront"/>
-      <a:lightRig rig="threePt" dir="t"/>
-    </dgm:scene3d>
-    <dgm:sp3d/>
-    <dgm:txPr/>
-    <dgm:style>
-      <a:lnRef idx="0">
-        <a:scrgbClr r="0" g="0" b="0"/>
-      </a:lnRef>
-      <a:fillRef idx="1">
-        <a:scrgbClr r="0" g="0" b="0"/>
-      </a:fillRef>
-      <a:effectRef idx="0">
-        <a:scrgbClr r="0" g="0" b="0"/>
-      </a:effectRef>
-      <a:fontRef idx="minor">
-        <a:schemeClr val="lt1"/>
-      </a:fontRef>
-    </dgm:style>
-  </dgm:styleLbl>
-  <dgm:styleLbl name="bgSibTrans2D1">
-    <dgm:scene3d>
-      <a:camera prst="orthographicFront"/>
-      <a:lightRig rig="threePt" dir="t"/>
-    </dgm:scene3d>
-    <dgm:sp3d/>
-    <dgm:txPr/>
-    <dgm:style>
-      <a:lnRef idx="0">
-        <a:scrgbClr r="0" g="0" b="0"/>
-      </a:lnRef>
-      <a:fillRef idx="1">
-        <a:scrgbClr r="0" g="0" b="0"/>
-      </a:fillRef>
-      <a:effectRef idx="0">
-        <a:scrgbClr r="0" g="0" b="0"/>
-      </a:effectRef>
-      <a:fontRef idx="minor">
-        <a:schemeClr val="lt1"/>
-      </a:fontRef>
-    </dgm:style>
-  </dgm:styleLbl>
-  <dgm:styleLbl name="sibTrans1D1">
-    <dgm:scene3d>
-      <a:camera prst="orthographicFront"/>
-      <a:lightRig rig="threePt" dir="t"/>
-    </dgm:scene3d>
-    <dgm:sp3d/>
-    <dgm:txPr/>
-    <dgm:style>
-      <a:lnRef idx="1">
-        <a:scrgbClr r="0" g="0" b="0"/>
-      </a:lnRef>
-      <a:fillRef idx="0">
-        <a:scrgbClr r="0" g="0" b="0"/>
-      </a:fillRef>
-      <a:effectRef idx="0">
-        <a:scrgbClr r="0" g="0" b="0"/>
-      </a:effectRef>
-      <a:fontRef idx="minor"/>
-    </dgm:style>
-  </dgm:styleLbl>
-  <dgm:styleLbl name="callout">
-    <dgm:scene3d>
-      <a:camera prst="orthographicFront"/>
-      <a:lightRig rig="threePt" dir="t"/>
-    </dgm:scene3d>
-    <dgm:sp3d/>
-    <dgm:txPr/>
-    <dgm:style>
-      <a:lnRef idx="2">
-        <a:scrgbClr r="0" g="0" b="0"/>
-      </a:lnRef>
-      <a:fillRef idx="1">
-        <a:scrgbClr r="0" g="0" b="0"/>
-      </a:fillRef>
-      <a:effectRef idx="0">
-        <a:scrgbClr r="0" g="0" b="0"/>
-      </a:effectRef>
-      <a:fontRef idx="minor"/>
-    </dgm:style>
-  </dgm:styleLbl>
-  <dgm:styleLbl name="asst0">
-    <dgm:scene3d>
-      <a:camera prst="orthographicFront"/>
-      <a:lightRig rig="threePt" dir="t"/>
-    </dgm:scene3d>
-    <dgm:sp3d/>
-    <dgm:txPr/>
-    <dgm:style>
-      <a:lnRef idx="2">
-        <a:scrgbClr r="0" g="0" b="0"/>
-      </a:lnRef>
-      <a:fillRef idx="1">
-        <a:scrgbClr r="0" g="0" b="0"/>
-      </a:fillRef>
-      <a:effectRef idx="0">
-        <a:scrgbClr r="0" g="0" b="0"/>
-      </a:effectRef>
-      <a:fontRef idx="minor">
-        <a:schemeClr val="lt1"/>
-      </a:fontRef>
-    </dgm:style>
-  </dgm:styleLbl>
-  <dgm:styleLbl name="asst1">
-    <dgm:scene3d>
-      <a:camera prst="orthographicFront"/>
-      <a:lightRig rig="threePt" dir="t"/>
-    </dgm:scene3d>
-    <dgm:sp3d/>
-    <dgm:txPr/>
-    <dgm:style>
-      <a:lnRef idx="2">
-        <a:scrgbClr r="0" g="0" b="0"/>
-      </a:lnRef>
-      <a:fillRef idx="1">
-        <a:scrgbClr r="0" g="0" b="0"/>
-      </a:fillRef>
-      <a:effectRef idx="0">
-        <a:scrgbClr r="0" g="0" b="0"/>
-      </a:effectRef>
-      <a:fontRef idx="minor">
-        <a:schemeClr val="lt1"/>
-      </a:fontRef>
-    </dgm:style>
-  </dgm:styleLbl>
-  <dgm:styleLbl name="asst2">
-    <dgm:scene3d>
-      <a:camera prst="orthographicFront"/>
-      <a:lightRig rig="threePt" dir="t"/>
-    </dgm:scene3d>
-    <dgm:sp3d/>
-    <dgm:txPr/>
-    <dgm:style>
-      <a:lnRef idx="2">
-        <a:scrgbClr r="0" g="0" b="0"/>
-      </a:lnRef>
-      <a:fillRef idx="1">
-        <a:scrgbClr r="0" g="0" b="0"/>
-      </a:fillRef>
-      <a:effectRef idx="0">
-        <a:scrgbClr r="0" g="0" b="0"/>
-      </a:effectRef>
-      <a:fontRef idx="minor">
-        <a:schemeClr val="lt1"/>
-      </a:fontRef>
-    </dgm:style>
-  </dgm:styleLbl>
-  <dgm:styleLbl name="asst3">
-    <dgm:scene3d>
-      <a:camera prst="orthographicFront"/>
-      <a:lightRig rig="threePt" dir="t"/>
-    </dgm:scene3d>
-    <dgm:sp3d/>
-    <dgm:txPr/>
-    <dgm:style>
-      <a:lnRef idx="2">
-        <a:scrgbClr r="0" g="0" b="0"/>
-      </a:lnRef>
-      <a:fillRef idx="1">
-        <a:scrgbClr r="0" g="0" b="0"/>
-      </a:fillRef>
-      <a:effectRef idx="0">
-        <a:scrgbClr r="0" g="0" b="0"/>
-      </a:effectRef>
-      <a:fontRef idx="minor">
-        <a:schemeClr val="lt1"/>
-      </a:fontRef>
-    </dgm:style>
-  </dgm:styleLbl>
-  <dgm:styleLbl name="asst4">
-    <dgm:scene3d>
-      <a:camera prst="orthographicFront"/>
-      <a:lightRig rig="threePt" dir="t"/>
-    </dgm:scene3d>
-    <dgm:sp3d/>
-    <dgm:txPr/>
-    <dgm:style>
-      <a:lnRef idx="2">
-        <a:scrgbClr r="0" g="0" b="0"/>
-      </a:lnRef>
-      <a:fillRef idx="1">
-        <a:scrgbClr r="0" g="0" b="0"/>
-      </a:fillRef>
-      <a:effectRef idx="0">
-        <a:scrgbClr r="0" g="0" b="0"/>
-      </a:effectRef>
-      <a:fontRef idx="minor">
-        <a:schemeClr val="lt1"/>
-      </a:fontRef>
-    </dgm:style>
-  </dgm:styleLbl>
-  <dgm:styleLbl name="parChTrans2D1">
-    <dgm:scene3d>
-      <a:camera prst="orthographicFront"/>
-      <a:lightRig rig="threePt" dir="t"/>
-    </dgm:scene3d>
-    <dgm:sp3d/>
-    <dgm:txPr/>
-    <dgm:style>
-      <a:lnRef idx="2">
-        <a:scrgbClr r="0" g="0" b="0"/>
-      </a:lnRef>
-      <a:fillRef idx="1">
-        <a:scrgbClr r="0" g="0" b="0"/>
-      </a:fillRef>
-      <a:effectRef idx="0">
-        <a:scrgbClr r="0" g="0" b="0"/>
-      </a:effectRef>
-      <a:fontRef idx="minor">
-        <a:schemeClr val="lt1"/>
-      </a:fontRef>
-    </dgm:style>
-  </dgm:styleLbl>
-  <dgm:styleLbl name="parChTrans2D2">
-    <dgm:scene3d>
-      <a:camera prst="orthographicFront"/>
-      <a:lightRig rig="threePt" dir="t"/>
-    </dgm:scene3d>
-    <dgm:sp3d/>
-    <dgm:txPr/>
-    <dgm:style>
-      <a:lnRef idx="2">
-        <a:scrgbClr r="0" g="0" b="0"/>
-      </a:lnRef>
-      <a:fillRef idx="1">
-        <a:scrgbClr r="0" g="0" b="0"/>
-      </a:fillRef>
-      <a:effectRef idx="0">
-        <a:scrgbClr r="0" g="0" b="0"/>
-      </a:effectRef>
-      <a:fontRef idx="minor">
-        <a:schemeClr val="lt1"/>
-      </a:fontRef>
-    </dgm:style>
-  </dgm:styleLbl>
-  <dgm:styleLbl name="parChTrans2D3">
-    <dgm:scene3d>
-      <a:camera prst="orthographicFront"/>
-      <a:lightRig rig="threePt" dir="t"/>
-    </dgm:scene3d>
-    <dgm:sp3d/>
-    <dgm:txPr/>
-    <dgm:style>
-      <a:lnRef idx="2">
-        <a:scrgbClr r="0" g="0" b="0"/>
-      </a:lnRef>
-      <a:fillRef idx="1">
-        <a:scrgbClr r="0" g="0" b="0"/>
-      </a:fillRef>
-      <a:effectRef idx="0">
-        <a:scrgbClr r="0" g="0" b="0"/>
-      </a:effectRef>
-      <a:fontRef idx="minor">
-        <a:schemeClr val="lt1"/>
-      </a:fontRef>
-    </dgm:style>
-  </dgm:styleLbl>
-  <dgm:styleLbl name="parChTrans2D4">
-    <dgm:scene3d>
-      <a:camera prst="orthographicFront"/>
-      <a:lightRig rig="threePt" dir="t"/>
-    </dgm:scene3d>
-    <dgm:sp3d/>
-    <dgm:txPr/>
-    <dgm:style>
-      <a:lnRef idx="2">
-        <a:scrgbClr r="0" g="0" b="0"/>
-      </a:lnRef>
-      <a:fillRef idx="1">
-        <a:scrgbClr r="0" g="0" b="0"/>
-      </a:fillRef>
-      <a:effectRef idx="0">
-        <a:scrgbClr r="0" g="0" b="0"/>
-      </a:effectRef>
-      <a:fontRef idx="minor">
-        <a:schemeClr val="lt1"/>
-      </a:fontRef>
-    </dgm:style>
-  </dgm:styleLbl>
-  <dgm:styleLbl name="parChTrans1D1">
-    <dgm:scene3d>
-      <a:camera prst="orthographicFront"/>
-      <a:lightRig rig="threePt" dir="t"/>
-    </dgm:scene3d>
-    <dgm:sp3d/>
-    <dgm:txPr/>
-    <dgm:style>
-      <a:lnRef idx="2">
-        <a:scrgbClr r="0" g="0" b="0"/>
-      </a:lnRef>
-      <a:fillRef idx="0">
-        <a:scrgbClr r="0" g="0" b="0"/>
-      </a:fillRef>
-      <a:effectRef idx="0">
-        <a:scrgbClr r="0" g="0" b="0"/>
-      </a:effectRef>
-      <a:fontRef idx="minor"/>
-    </dgm:style>
-  </dgm:styleLbl>
-  <dgm:styleLbl name="parChTrans1D2">
-    <dgm:scene3d>
-      <a:camera prst="orthographicFront"/>
-      <a:lightRig rig="threePt" dir="t"/>
-    </dgm:scene3d>
-    <dgm:sp3d/>
-    <dgm:txPr/>
-    <dgm:style>
-      <a:lnRef idx="2">
-        <a:scrgbClr r="0" g="0" b="0"/>
-      </a:lnRef>
-      <a:fillRef idx="0">
-        <a:scrgbClr r="0" g="0" b="0"/>
-      </a:fillRef>
-      <a:effectRef idx="0">
-        <a:scrgbClr r="0" g="0" b="0"/>
-      </a:effectRef>
-      <a:fontRef idx="minor"/>
-    </dgm:style>
-  </dgm:styleLbl>
-  <dgm:styleLbl name="parChTrans1D3">
-    <dgm:scene3d>
-      <a:camera prst="orthographicFront"/>
-      <a:lightRig rig="threePt" dir="t"/>
-    </dgm:scene3d>
-    <dgm:sp3d/>
-    <dgm:txPr/>
-    <dgm:style>
-      <a:lnRef idx="2">
-        <a:scrgbClr r="0" g="0" b="0"/>
-      </a:lnRef>
-      <a:fillRef idx="0">
-        <a:scrgbClr r="0" g="0" b="0"/>
-      </a:fillRef>
-      <a:effectRef idx="0">
-        <a:scrgbClr r="0" g="0" b="0"/>
-      </a:effectRef>
-      <a:fontRef idx="minor"/>
-    </dgm:style>
-  </dgm:styleLbl>
-  <dgm:styleLbl name="parChTrans1D4">
-    <dgm:scene3d>
-      <a:camera prst="orthographicFront"/>
-      <a:lightRig rig="threePt" dir="t"/>
-    </dgm:scene3d>
-    <dgm:sp3d/>
-    <dgm:txPr/>
-    <dgm:style>
-      <a:lnRef idx="2">
-        <a:scrgbClr r="0" g="0" b="0"/>
-      </a:lnRef>
-      <a:fillRef idx="0">
-        <a:scrgbClr r="0" g="0" b="0"/>
-      </a:fillRef>
-      <a:effectRef idx="0">
-        <a:scrgbClr r="0" g="0" b="0"/>
-      </a:effectRef>
-      <a:fontRef idx="minor"/>
-    </dgm:style>
-  </dgm:styleLbl>
-  <dgm:styleLbl name="fgAcc1">
-    <dgm:scene3d>
-      <a:camera prst="orthographicFront"/>
-      <a:lightRig rig="threePt" dir="t"/>
-    </dgm:scene3d>
-    <dgm:sp3d/>
-    <dgm:txPr/>
-    <dgm:style>
-      <a:lnRef idx="2">
-        <a:scrgbClr r="0" g="0" b="0"/>
-      </a:lnRef>
-      <a:fillRef idx="1">
-        <a:scrgbClr r="0" g="0" b="0"/>
-      </a:fillRef>
-      <a:effectRef idx="0">
-        <a:scrgbClr r="0" g="0" b="0"/>
-      </a:effectRef>
-      <a:fontRef idx="minor"/>
-    </dgm:style>
-  </dgm:styleLbl>
-  <dgm:styleLbl name="conFgAcc1">
-    <dgm:scene3d>
-      <a:camera prst="orthographicFront"/>
-      <a:lightRig rig="threePt" dir="t"/>
-    </dgm:scene3d>
-    <dgm:sp3d/>
-    <dgm:txPr/>
-    <dgm:style>
-      <a:lnRef idx="2">
-        <a:scrgbClr r="0" g="0" b="0"/>
-      </a:lnRef>
-      <a:fillRef idx="1">
-        <a:scrgbClr r="0" g="0" b="0"/>
-      </a:fillRef>
-      <a:effectRef idx="0">
-        <a:scrgbClr r="0" g="0" b="0"/>
-      </a:effectRef>
-      <a:fontRef idx="minor"/>
-    </dgm:style>
-  </dgm:styleLbl>
-  <dgm:styleLbl name="alignAcc1">
-    <dgm:scene3d>
-      <a:camera prst="orthographicFront"/>
-      <a:lightRig rig="threePt" dir="t"/>
-    </dgm:scene3d>
-    <dgm:sp3d/>
-    <dgm:txPr/>
-    <dgm:style>
-      <a:lnRef idx="2">
-        <a:scrgbClr r="0" g="0" b="0"/>
-      </a:lnRef>
-      <a:fillRef idx="1">
-        <a:scrgbClr r="0" g="0" b="0"/>
-      </a:fillRef>
-      <a:effectRef idx="0">
-        <a:scrgbClr r="0" g="0" b="0"/>
-      </a:effectRef>
-      <a:fontRef idx="minor"/>
-    </dgm:style>
-  </dgm:styleLbl>
-  <dgm:styleLbl name="trAlignAcc1">
-    <dgm:scene3d>
-      <a:camera prst="orthographicFront"/>
-      <a:lightRig rig="threePt" dir="t"/>
-    </dgm:scene3d>
-    <dgm:sp3d/>
-    <dgm:txPr/>
-    <dgm:style>
-      <a:lnRef idx="1">
-        <a:scrgbClr r="0" g="0" b="0"/>
-      </a:lnRef>
-      <a:fillRef idx="1">
-        <a:scrgbClr r="0" g="0" b="0"/>
-      </a:fillRef>
-      <a:effectRef idx="0">
-        <a:scrgbClr r="0" g="0" b="0"/>
-      </a:effectRef>
-      <a:fontRef idx="minor"/>
-    </dgm:style>
-  </dgm:styleLbl>
-  <dgm:styleLbl name="bgAcc1">
-    <dgm:scene3d>
-      <a:camera prst="orthographicFront"/>
-      <a:lightRig rig="threePt" dir="t"/>
-    </dgm:scene3d>
-    <dgm:sp3d/>
-    <dgm:txPr/>
-    <dgm:style>
-      <a:lnRef idx="2">
-        <a:scrgbClr r="0" g="0" b="0"/>
-      </a:lnRef>
-      <a:fillRef idx="1">
-        <a:scrgbClr r="0" g="0" b="0"/>
-      </a:fillRef>
-      <a:effectRef idx="0">
-        <a:scrgbClr r="0" g="0" b="0"/>
-      </a:effectRef>
-      <a:fontRef idx="minor"/>
-    </dgm:style>
-  </dgm:styleLbl>
-  <dgm:styleLbl name="solidFgAcc1">
-    <dgm:scene3d>
-      <a:camera prst="orthographicFront"/>
-      <a:lightRig rig="threePt" dir="t"/>
-    </dgm:scene3d>
-    <dgm:sp3d/>
-    <dgm:txPr/>
-    <dgm:style>
-      <a:lnRef idx="2">
-        <a:scrgbClr r="0" g="0" b="0"/>
-      </a:lnRef>
-      <a:fillRef idx="1">
-        <a:scrgbClr r="0" g="0" b="0"/>
-      </a:fillRef>
-      <a:effectRef idx="0">
-        <a:scrgbClr r="0" g="0" b="0"/>
-      </a:effectRef>
-      <a:fontRef idx="minor"/>
-    </dgm:style>
-  </dgm:styleLbl>
-  <dgm:styleLbl name="solidAlignAcc1">
-    <dgm:scene3d>
-      <a:camera prst="orthographicFront"/>
-      <a:lightRig rig="threePt" dir="t"/>
-    </dgm:scene3d>
-    <dgm:sp3d/>
-    <dgm:txPr/>
-    <dgm:style>
-      <a:lnRef idx="2">
-        <a:scrgbClr r="0" g="0" b="0"/>
-      </a:lnRef>
-      <a:fillRef idx="1">
-        <a:scrgbClr r="0" g="0" b="0"/>
-      </a:fillRef>
-      <a:effectRef idx="0">
-        <a:scrgbClr r="0" g="0" b="0"/>
-      </a:effectRef>
-      <a:fontRef idx="minor"/>
-    </dgm:style>
-  </dgm:styleLbl>
-  <dgm:styleLbl name="solidBgAcc1">
-    <dgm:scene3d>
-      <a:camera prst="orthographicFront"/>
-      <a:lightRig rig="threePt" dir="t"/>
-    </dgm:scene3d>
-    <dgm:sp3d/>
-    <dgm:txPr/>
-    <dgm:style>
-      <a:lnRef idx="2">
-        <a:scrgbClr r="0" g="0" b="0"/>
-      </a:lnRef>
-      <a:fillRef idx="1">
-        <a:scrgbClr r="0" g="0" b="0"/>
-      </a:fillRef>
-      <a:effectRef idx="0">
-        <a:scrgbClr r="0" g="0" b="0"/>
-      </a:effectRef>
-      <a:fontRef idx="minor"/>
-    </dgm:style>
-  </dgm:styleLbl>
-  <dgm:styleLbl name="fgAccFollowNode1">
-    <dgm:scene3d>
-      <a:camera prst="orthographicFront"/>
-      <a:lightRig rig="threePt" dir="t"/>
-    </dgm:scene3d>
-    <dgm:sp3d/>
-    <dgm:txPr/>
-    <dgm:style>
-      <a:lnRef idx="2">
-        <a:scrgbClr r="0" g="0" b="0"/>
-      </a:lnRef>
-      <a:fillRef idx="1">
-        <a:scrgbClr r="0" g="0" b="0"/>
-      </a:fillRef>
-      <a:effectRef idx="0">
-        <a:scrgbClr r="0" g="0" b="0"/>
-      </a:effectRef>
-      <a:fontRef idx="minor"/>
-    </dgm:style>
-  </dgm:styleLbl>
-  <dgm:styleLbl name="alignAccFollowNode1">
-    <dgm:scene3d>
-      <a:camera prst="orthographicFront"/>
-      <a:lightRig rig="threePt" dir="t"/>
-    </dgm:scene3d>
-    <dgm:sp3d/>
-    <dgm:txPr/>
-    <dgm:style>
-      <a:lnRef idx="2">
-        <a:scrgbClr r="0" g="0" b="0"/>
-      </a:lnRef>
-      <a:fillRef idx="1">
-        <a:scrgbClr r="0" g="0" b="0"/>
-      </a:fillRef>
-      <a:effectRef idx="0">
-        <a:scrgbClr r="0" g="0" b="0"/>
-      </a:effectRef>
-      <a:fontRef idx="minor"/>
-    </dgm:style>
-  </dgm:styleLbl>
-  <dgm:styleLbl name="bgAccFollowNode1">
-    <dgm:scene3d>
-      <a:camera prst="orthographicFront"/>
-      <a:lightRig rig="threePt" dir="t"/>
-    </dgm:scene3d>
-    <dgm:sp3d/>
-    <dgm:txPr/>
-    <dgm:style>
-      <a:lnRef idx="2">
-        <a:scrgbClr r="0" g="0" b="0"/>
-      </a:lnRef>
-      <a:fillRef idx="1">
-        <a:scrgbClr r="0" g="0" b="0"/>
-      </a:fillRef>
-      <a:effectRef idx="0">
-        <a:scrgbClr r="0" g="0" b="0"/>
-      </a:effectRef>
-      <a:fontRef idx="minor"/>
-    </dgm:style>
-  </dgm:styleLbl>
-  <dgm:styleLbl name="fgAcc0">
-    <dgm:scene3d>
-      <a:camera prst="orthographicFront"/>
-      <a:lightRig rig="threePt" dir="t"/>
-    </dgm:scene3d>
-    <dgm:sp3d/>
-    <dgm:txPr/>
-    <dgm:style>
-      <a:lnRef idx="2">
-        <a:scrgbClr r="0" g="0" b="0"/>
-      </a:lnRef>
-      <a:fillRef idx="1">
-        <a:scrgbClr r="0" g="0" b="0"/>
-      </a:fillRef>
-      <a:effectRef idx="0">
-        <a:scrgbClr r="0" g="0" b="0"/>
-      </a:effectRef>
-      <a:fontRef idx="minor"/>
-    </dgm:style>
-  </dgm:styleLbl>
-  <dgm:styleLbl name="fgAcc2">
-    <dgm:scene3d>
-      <a:camera prst="orthographicFront"/>
-      <a:lightRig rig="threePt" dir="t"/>
-    </dgm:scene3d>
-    <dgm:sp3d/>
-    <dgm:txPr/>
-    <dgm:style>
-      <a:lnRef idx="2">
-        <a:scrgbClr r="0" g="0" b="0"/>
-      </a:lnRef>
-      <a:fillRef idx="1">
-        <a:scrgbClr r="0" g="0" b="0"/>
-      </a:fillRef>
-      <a:effectRef idx="0">
-        <a:scrgbClr r="0" g="0" b="0"/>
-      </a:effectRef>
-      <a:fontRef idx="minor"/>
-    </dgm:style>
-  </dgm:styleLbl>
-  <dgm:styleLbl name="fgAcc3">
-    <dgm:scene3d>
-      <a:camera prst="orthographicFront"/>
-      <a:lightRig rig="threePt" dir="t"/>
-    </dgm:scene3d>
-    <dgm:sp3d/>
-    <dgm:txPr/>
-    <dgm:style>
-      <a:lnRef idx="2">
-        <a:scrgbClr r="0" g="0" b="0"/>
-      </a:lnRef>
-      <a:fillRef idx="1">
-        <a:scrgbClr r="0" g="0" b="0"/>
-      </a:fillRef>
-      <a:effectRef idx="0">
-        <a:scrgbClr r="0" g="0" b="0"/>
-      </a:effectRef>
-      <a:fontRef idx="minor"/>
-    </dgm:style>
-  </dgm:styleLbl>
-  <dgm:styleLbl name="fgAcc4">
-    <dgm:scene3d>
-      <a:camera prst="orthographicFront"/>
-      <a:lightRig rig="threePt" dir="t"/>
-    </dgm:scene3d>
-    <dgm:sp3d/>
-    <dgm:txPr/>
-    <dgm:style>
-      <a:lnRef idx="2">
-        <a:scrgbClr r="0" g="0" b="0"/>
-      </a:lnRef>
-      <a:fillRef idx="1">
-        <a:scrgbClr r="0" g="0" b="0"/>
-      </a:fillRef>
-      <a:effectRef idx="0">
-        <a:scrgbClr r="0" g="0" b="0"/>
-      </a:effectRef>
-      <a:fontRef idx="minor"/>
-    </dgm:style>
-  </dgm:styleLbl>
-  <dgm:styleLbl name="bgShp">
-    <dgm:scene3d>
-      <a:camera prst="orthographicFront"/>
-      <a:lightRig rig="threePt" dir="t"/>
-    </dgm:scene3d>
-    <dgm:sp3d/>
-    <dgm:txPr/>
-    <dgm:style>
-      <a:lnRef idx="0">
-        <a:scrgbClr r="0" g="0" b="0"/>
-      </a:lnRef>
-      <a:fillRef idx="1">
-        <a:scrgbClr r="0" g="0" b="0"/>
-      </a:fillRef>
-      <a:effectRef idx="0">
-        <a:scrgbClr r="0" g="0" b="0"/>
-      </a:effectRef>
-      <a:fontRef idx="minor"/>
-    </dgm:style>
-  </dgm:styleLbl>
-  <dgm:styleLbl name="dkBgShp">
-    <dgm:scene3d>
-      <a:camera prst="orthographicFront"/>
-      <a:lightRig rig="threePt" dir="t"/>
-    </dgm:scene3d>
-    <dgm:sp3d/>
-    <dgm:txPr/>
-    <dgm:style>
-      <a:lnRef idx="0">
-        <a:scrgbClr r="0" g="0" b="0"/>
-      </a:lnRef>
-      <a:fillRef idx="1">
-        <a:scrgbClr r="0" g="0" b="0"/>
-      </a:fillRef>
-      <a:effectRef idx="0">
-        <a:scrgbClr r="0" g="0" b="0"/>
-      </a:effectRef>
-      <a:fontRef idx="minor"/>
-    </dgm:style>
-  </dgm:styleLbl>
-  <dgm:styleLbl name="trBgShp">
-    <dgm:scene3d>
-      <a:camera prst="orthographicFront"/>
-      <a:lightRig rig="threePt" dir="t"/>
-    </dgm:scene3d>
-    <dgm:sp3d/>
-    <dgm:txPr/>
-    <dgm:style>
-      <a:lnRef idx="0">
-        <a:scrgbClr r="0" g="0" b="0"/>
-      </a:lnRef>
-      <a:fillRef idx="1">
-        <a:scrgbClr r="0" g="0" b="0"/>
-      </a:fillRef>
-      <a:effectRef idx="0">
-        <a:scrgbClr r="0" g="0" b="0"/>
-      </a:effectRef>
-      <a:fontRef idx="minor"/>
-    </dgm:style>
-  </dgm:styleLbl>
-  <dgm:styleLbl name="fgShp">
-    <dgm:scene3d>
-      <a:camera prst="orthographicFront"/>
-      <a:lightRig rig="threePt" dir="t"/>
-    </dgm:scene3d>
-    <dgm:sp3d/>
-    <dgm:txPr/>
-    <dgm:style>
-      <a:lnRef idx="2">
-        <a:scrgbClr r="0" g="0" b="0"/>
-      </a:lnRef>
-      <a:fillRef idx="1">
-        <a:scrgbClr r="0" g="0" b="0"/>
-      </a:fillRef>
-      <a:effectRef idx="0">
-        <a:scrgbClr r="0" g="0" b="0"/>
-      </a:effectRef>
-      <a:fontRef idx="minor"/>
-    </dgm:style>
-  </dgm:styleLbl>
-  <dgm:styleLbl name="revTx">
-    <dgm:scene3d>
-      <a:camera prst="orthographicFront"/>
-      <a:lightRig rig="threePt" dir="t"/>
-    </dgm:scene3d>
-    <dgm:sp3d/>
-    <dgm:txPr/>
-    <dgm:style>
-      <a:lnRef idx="0">
-        <a:scrgbClr r="0" g="0" b="0"/>
-      </a:lnRef>
-      <a:fillRef idx="0">
-        <a:scrgbClr r="0" g="0" b="0"/>
-      </a:fillRef>
-      <a:effectRef idx="0">
-        <a:scrgbClr r="0" g="0" b="0"/>
-      </a:effectRef>
-      <a:fontRef idx="minor"/>
-    </dgm:style>
-  </dgm:styleLbl>
-</dgm:styleDef>
-</file>
-
-<file path=ppt/diagrams/quickStyle2.xml><?xml version="1.0" encoding="utf-8"?>
 <dgm:styleDef xmlns:dgm="http://schemas.openxmlformats.org/drawingml/2006/diagram" xmlns:a="http://schemas.openxmlformats.org/drawingml/2006/main" uniqueId="urn:microsoft.com/office/officeart/2005/8/quickstyle/simple1">
   <dgm:title val=""/>
   <dgm:desc val=""/>
@@ -11536,119 +7901,6 @@
           <p:cNvPr id="2" name="Title 1">
             <a:extLst>
               <a:ext uri="{FF2B5EF4-FFF2-40B4-BE49-F238E27FC236}">
-                <a16:creationId xmlns:a16="http://schemas.microsoft.com/office/drawing/2014/main" id="{7F92F32C-00D4-47E2-8D04-D403030811B7}"/>
-              </a:ext>
-            </a:extLst>
-          </p:cNvPr>
-          <p:cNvSpPr>
-            <a:spLocks noGrp="1"/>
-          </p:cNvSpPr>
-          <p:nvPr>
-            <p:ph type="title"/>
-          </p:nvPr>
-        </p:nvSpPr>
-        <p:spPr/>
-        <p:txBody>
-          <a:bodyPr/>
-          <a:lstStyle/>
-          <a:p>
-            <a:r>
-              <a:rPr lang="en-US" dirty="0"/>
-              <a:t>Conclusions </a:t>
-            </a:r>
-          </a:p>
-        </p:txBody>
-      </p:sp>
-      <p:sp>
-        <p:nvSpPr>
-          <p:cNvPr id="3" name="Content Placeholder 2">
-            <a:extLst>
-              <a:ext uri="{FF2B5EF4-FFF2-40B4-BE49-F238E27FC236}">
-                <a16:creationId xmlns:a16="http://schemas.microsoft.com/office/drawing/2014/main" id="{7808778D-6DDF-4AB1-AE62-EACDBB769681}"/>
-              </a:ext>
-            </a:extLst>
-          </p:cNvPr>
-          <p:cNvSpPr>
-            <a:spLocks noGrp="1"/>
-          </p:cNvSpPr>
-          <p:nvPr>
-            <p:ph idx="1"/>
-          </p:nvPr>
-        </p:nvSpPr>
-        <p:spPr>
-          <a:xfrm>
-            <a:off x="838200" y="1767010"/>
-            <a:ext cx="10515600" cy="4351338"/>
-          </a:xfrm>
-        </p:spPr>
-        <p:txBody>
-          <a:bodyPr/>
-          <a:lstStyle/>
-          <a:p>
-            <a:r>
-              <a:rPr lang="en-US" dirty="0"/>
-              <a:t>Best models &amp; best metrics</a:t>
-            </a:r>
-          </a:p>
-          <a:p>
-            <a:r>
-              <a:rPr lang="en-US" dirty="0"/>
-              <a:t>Improvements from tuning …</a:t>
-            </a:r>
-          </a:p>
-          <a:p>
-            <a:r>
-              <a:rPr lang="en-US" dirty="0"/>
-              <a:t>Possible next steps</a:t>
-            </a:r>
-          </a:p>
-          <a:p>
-            <a:pPr lvl="1"/>
-            <a:r>
-              <a:rPr lang="en-US" dirty="0"/>
-              <a:t>Out of vocabulary words – e.g., typos</a:t>
-            </a:r>
-          </a:p>
-          <a:p>
-            <a:endParaRPr lang="en-US" dirty="0"/>
-          </a:p>
-        </p:txBody>
-      </p:sp>
-    </p:spTree>
-    <p:extLst>
-      <p:ext uri="{BB962C8B-B14F-4D97-AF65-F5344CB8AC3E}">
-        <p14:creationId xmlns:p14="http://schemas.microsoft.com/office/powerpoint/2010/main" val="2468802684"/>
-      </p:ext>
-    </p:extLst>
-  </p:cSld>
-  <p:clrMapOvr>
-    <a:masterClrMapping/>
-  </p:clrMapOvr>
-</p:sld>
-</file>
-
-<file path=ppt/slides/slide11.xml><?xml version="1.0" encoding="utf-8"?>
-<p:sld xmlns:a="http://schemas.openxmlformats.org/drawingml/2006/main" xmlns:r="http://schemas.openxmlformats.org/officeDocument/2006/relationships" xmlns:p="http://schemas.openxmlformats.org/presentationml/2006/main">
-  <p:cSld>
-    <p:spTree>
-      <p:nvGrpSpPr>
-        <p:cNvPr id="1" name=""/>
-        <p:cNvGrpSpPr/>
-        <p:nvPr/>
-      </p:nvGrpSpPr>
-      <p:grpSpPr>
-        <a:xfrm>
-          <a:off x="0" y="0"/>
-          <a:ext cx="0" cy="0"/>
-          <a:chOff x="0" y="0"/>
-          <a:chExt cx="0" cy="0"/>
-        </a:xfrm>
-      </p:grpSpPr>
-      <p:sp>
-        <p:nvSpPr>
-          <p:cNvPr id="2" name="Title 1">
-            <a:extLst>
-              <a:ext uri="{FF2B5EF4-FFF2-40B4-BE49-F238E27FC236}">
                 <a16:creationId xmlns:a16="http://schemas.microsoft.com/office/drawing/2014/main" id="{9498966D-07EA-4186-9D32-3786C7E89CCB}"/>
               </a:ext>
             </a:extLst>
@@ -11674,6 +7926,58 @@
           </a:p>
         </p:txBody>
       </p:sp>
+      <p:sp>
+        <p:nvSpPr>
+          <p:cNvPr id="3" name="Rectangle 2">
+            <a:extLst>
+              <a:ext uri="{FF2B5EF4-FFF2-40B4-BE49-F238E27FC236}">
+                <a16:creationId xmlns:a16="http://schemas.microsoft.com/office/drawing/2014/main" id="{DB853ED5-F2AB-44C1-9F6A-A8B7D674A775}"/>
+              </a:ext>
+            </a:extLst>
+          </p:cNvPr>
+          <p:cNvSpPr/>
+          <p:nvPr/>
+        </p:nvSpPr>
+        <p:spPr>
+          <a:xfrm>
+            <a:off x="5228492" y="6646985"/>
+            <a:ext cx="1641231" cy="199292"/>
+          </a:xfrm>
+          <a:prstGeom prst="rect">
+            <a:avLst/>
+          </a:prstGeom>
+          <a:solidFill>
+            <a:schemeClr val="bg1"/>
+          </a:solidFill>
+          <a:ln>
+            <a:noFill/>
+          </a:ln>
+        </p:spPr>
+        <p:style>
+          <a:lnRef idx="2">
+            <a:schemeClr val="accent1">
+              <a:shade val="50000"/>
+            </a:schemeClr>
+          </a:lnRef>
+          <a:fillRef idx="1">
+            <a:schemeClr val="accent1"/>
+          </a:fillRef>
+          <a:effectRef idx="0">
+            <a:schemeClr val="accent1"/>
+          </a:effectRef>
+          <a:fontRef idx="minor">
+            <a:schemeClr val="lt1"/>
+          </a:fontRef>
+        </p:style>
+        <p:txBody>
+          <a:bodyPr rtlCol="0" anchor="ctr"/>
+          <a:lstStyle/>
+          <a:p>
+            <a:pPr algn="ctr"/>
+            <a:endParaRPr lang="en-US"/>
+          </a:p>
+        </p:txBody>
+      </p:sp>
     </p:spTree>
     <p:extLst>
       <p:ext uri="{BB962C8B-B14F-4D97-AF65-F5344CB8AC3E}">
@@ -11687,7 +7991,7 @@
 </p:sld>
 </file>
 
-<file path=ppt/slides/slide12.xml><?xml version="1.0" encoding="utf-8"?>
+<file path=ppt/slides/slide11.xml><?xml version="1.0" encoding="utf-8"?>
 <p:sld xmlns:a="http://schemas.openxmlformats.org/drawingml/2006/main" xmlns:r="http://schemas.openxmlformats.org/officeDocument/2006/relationships" xmlns:p="http://schemas.openxmlformats.org/presentationml/2006/main">
   <p:cSld>
     <p:spTree>
@@ -11720,6 +8024,194 @@
             <p:ph type="title"/>
           </p:nvPr>
         </p:nvSpPr>
+        <p:spPr>
+          <a:xfrm>
+            <a:off x="581192" y="702156"/>
+            <a:ext cx="11029616" cy="950798"/>
+          </a:xfrm>
+        </p:spPr>
+        <p:txBody>
+          <a:bodyPr/>
+          <a:lstStyle/>
+          <a:p>
+            <a:r>
+              <a:rPr lang="en-US" dirty="0"/>
+              <a:t>TOP FEATURES (for TF-IDF + RF)</a:t>
+            </a:r>
+          </a:p>
+        </p:txBody>
+      </p:sp>
+      <p:sp>
+        <p:nvSpPr>
+          <p:cNvPr id="5" name="Rectangle 4">
+            <a:extLst>
+              <a:ext uri="{FF2B5EF4-FFF2-40B4-BE49-F238E27FC236}">
+                <a16:creationId xmlns:a16="http://schemas.microsoft.com/office/drawing/2014/main" id="{E8EB424B-F403-42AB-BE90-82FAAB16DB87}"/>
+              </a:ext>
+            </a:extLst>
+          </p:cNvPr>
+          <p:cNvSpPr/>
+          <p:nvPr/>
+        </p:nvSpPr>
+        <p:spPr>
+          <a:xfrm>
+            <a:off x="6745730" y="5421814"/>
+            <a:ext cx="4865078" cy="769441"/>
+          </a:xfrm>
+          <a:prstGeom prst="rect">
+            <a:avLst/>
+          </a:prstGeom>
+        </p:spPr>
+        <p:txBody>
+          <a:bodyPr wrap="square">
+            <a:spAutoFit/>
+          </a:bodyPr>
+          <a:lstStyle/>
+          <a:p>
+            <a:r>
+              <a:rPr lang="en-US" sz="1100" dirty="0"/>
+              <a:t>NOTE:  mh370 </a:t>
+            </a:r>
+            <a:r>
+              <a:rPr lang="en-US" sz="1100" dirty="0">
+                <a:sym typeface="Wingdings" panose="05000000000000000000" pitchFamily="2" charset="2"/>
+              </a:rPr>
+              <a:t> </a:t>
+            </a:r>
+            <a:r>
+              <a:rPr lang="en-US" sz="1100" dirty="0"/>
+              <a:t>Malaysia Airlines Flight 370 was a scheduled international passenger flight operated by Malaysia Airlines that disappeared on 8 March 2014 while flying from Kuala Lumpur International Airport to its destination, Beijing Capital International Airport</a:t>
+            </a:r>
+          </a:p>
+        </p:txBody>
+      </p:sp>
+      <p:pic>
+        <p:nvPicPr>
+          <p:cNvPr id="6" name="Picture 5">
+            <a:extLst>
+              <a:ext uri="{FF2B5EF4-FFF2-40B4-BE49-F238E27FC236}">
+                <a16:creationId xmlns:a16="http://schemas.microsoft.com/office/drawing/2014/main" id="{7557666A-BCA3-4095-8A8E-CA403BD1EB65}"/>
+              </a:ext>
+            </a:extLst>
+          </p:cNvPr>
+          <p:cNvPicPr>
+            <a:picLocks noChangeAspect="1"/>
+          </p:cNvPicPr>
+          <p:nvPr/>
+        </p:nvPicPr>
+        <p:blipFill rotWithShape="1">
+          <a:blip r:embed="rId2"/>
+          <a:srcRect l="4766" t="32128" r="28751" b="21695"/>
+          <a:stretch/>
+        </p:blipFill>
+        <p:spPr>
+          <a:xfrm>
+            <a:off x="1413530" y="1957752"/>
+            <a:ext cx="8870860" cy="3464062"/>
+          </a:xfrm>
+          <a:prstGeom prst="rect">
+            <a:avLst/>
+          </a:prstGeom>
+        </p:spPr>
+      </p:pic>
+      <p:sp>
+        <p:nvSpPr>
+          <p:cNvPr id="7" name="Rectangle 6">
+            <a:extLst>
+              <a:ext uri="{FF2B5EF4-FFF2-40B4-BE49-F238E27FC236}">
+                <a16:creationId xmlns:a16="http://schemas.microsoft.com/office/drawing/2014/main" id="{DDA92DAE-539B-4D77-B6FA-5415BDABF95D}"/>
+              </a:ext>
+            </a:extLst>
+          </p:cNvPr>
+          <p:cNvSpPr/>
+          <p:nvPr/>
+        </p:nvSpPr>
+        <p:spPr>
+          <a:xfrm>
+            <a:off x="5228492" y="6646985"/>
+            <a:ext cx="1641231" cy="199292"/>
+          </a:xfrm>
+          <a:prstGeom prst="rect">
+            <a:avLst/>
+          </a:prstGeom>
+          <a:solidFill>
+            <a:schemeClr val="bg1"/>
+          </a:solidFill>
+          <a:ln>
+            <a:noFill/>
+          </a:ln>
+        </p:spPr>
+        <p:style>
+          <a:lnRef idx="2">
+            <a:schemeClr val="accent1">
+              <a:shade val="50000"/>
+            </a:schemeClr>
+          </a:lnRef>
+          <a:fillRef idx="1">
+            <a:schemeClr val="accent1"/>
+          </a:fillRef>
+          <a:effectRef idx="0">
+            <a:schemeClr val="accent1"/>
+          </a:effectRef>
+          <a:fontRef idx="minor">
+            <a:schemeClr val="lt1"/>
+          </a:fontRef>
+        </p:style>
+        <p:txBody>
+          <a:bodyPr rtlCol="0" anchor="ctr"/>
+          <a:lstStyle/>
+          <a:p>
+            <a:pPr algn="ctr"/>
+            <a:endParaRPr lang="en-US"/>
+          </a:p>
+        </p:txBody>
+      </p:sp>
+    </p:spTree>
+    <p:extLst>
+      <p:ext uri="{BB962C8B-B14F-4D97-AF65-F5344CB8AC3E}">
+        <p14:creationId xmlns:p14="http://schemas.microsoft.com/office/powerpoint/2010/main" val="263784652"/>
+      </p:ext>
+    </p:extLst>
+  </p:cSld>
+  <p:clrMapOvr>
+    <a:masterClrMapping/>
+  </p:clrMapOvr>
+</p:sld>
+</file>
+
+<file path=ppt/slides/slide12.xml><?xml version="1.0" encoding="utf-8"?>
+<p:sld xmlns:a="http://schemas.openxmlformats.org/drawingml/2006/main" xmlns:r="http://schemas.openxmlformats.org/officeDocument/2006/relationships" xmlns:p="http://schemas.openxmlformats.org/presentationml/2006/main">
+  <p:cSld>
+    <p:spTree>
+      <p:nvGrpSpPr>
+        <p:cNvPr id="1" name=""/>
+        <p:cNvGrpSpPr/>
+        <p:nvPr/>
+      </p:nvGrpSpPr>
+      <p:grpSpPr>
+        <a:xfrm>
+          <a:off x="0" y="0"/>
+          <a:ext cx="0" cy="0"/>
+          <a:chOff x="0" y="0"/>
+          <a:chExt cx="0" cy="0"/>
+        </a:xfrm>
+      </p:grpSpPr>
+      <p:sp>
+        <p:nvSpPr>
+          <p:cNvPr id="2" name="Title 1">
+            <a:extLst>
+              <a:ext uri="{FF2B5EF4-FFF2-40B4-BE49-F238E27FC236}">
+                <a16:creationId xmlns:a16="http://schemas.microsoft.com/office/drawing/2014/main" id="{BB9EE068-D112-421F-A76B-D2916EAF840E}"/>
+              </a:ext>
+            </a:extLst>
+          </p:cNvPr>
+          <p:cNvSpPr>
+            <a:spLocks noGrp="1"/>
+          </p:cNvSpPr>
+          <p:nvPr>
+            <p:ph type="title"/>
+          </p:nvPr>
+        </p:nvSpPr>
         <p:spPr/>
         <p:txBody>
           <a:bodyPr/>
@@ -11727,46 +8219,97 @@
           <a:p>
             <a:r>
               <a:rPr lang="en-US" dirty="0"/>
-              <a:t>Title Lorem Ipsum Dolor Sit Amet</a:t>
+              <a:t>ROC curve</a:t>
             </a:r>
           </a:p>
         </p:txBody>
       </p:sp>
-      <p:graphicFrame>
-        <p:nvGraphicFramePr>
-          <p:cNvPr id="4" name="Content Placeholder 2">
+      <p:pic>
+        <p:nvPicPr>
+          <p:cNvPr id="6" name="Picture 5">
             <a:extLst>
               <a:ext uri="{FF2B5EF4-FFF2-40B4-BE49-F238E27FC236}">
-                <a16:creationId xmlns:a16="http://schemas.microsoft.com/office/drawing/2014/main" id="{FF3F0D82-0AA6-45C3-8367-955CBFA02ED6}"/>
+                <a16:creationId xmlns:a16="http://schemas.microsoft.com/office/drawing/2014/main" id="{36201517-228D-42C7-810A-411AC720FEDE}"/>
               </a:ext>
             </a:extLst>
           </p:cNvPr>
-          <p:cNvGraphicFramePr>
-            <a:graphicFrameLocks noGrp="1"/>
-          </p:cNvGraphicFramePr>
-          <p:nvPr>
-            <p:ph idx="1"/>
-            <p:extLst>
-              <p:ext uri="{D42A27DB-BD31-4B8C-83A1-F6EECF244321}">
-                <p14:modId xmlns:p14="http://schemas.microsoft.com/office/powerpoint/2010/main" val="3086745933"/>
-              </p:ext>
-            </p:extLst>
-          </p:nvPr>
-        </p:nvGraphicFramePr>
-        <p:xfrm>
-          <a:off x="581025" y="2341563"/>
-          <a:ext cx="11029950" cy="3633787"/>
-        </p:xfrm>
-        <a:graphic>
-          <a:graphicData uri="http://schemas.openxmlformats.org/drawingml/2006/diagram">
-            <dgm:relIds xmlns:dgm="http://schemas.openxmlformats.org/drawingml/2006/diagram" xmlns:r="http://schemas.openxmlformats.org/officeDocument/2006/relationships" r:dm="rId2" r:lo="rId3" r:qs="rId4" r:cs="rId5"/>
-          </a:graphicData>
-        </a:graphic>
-      </p:graphicFrame>
+          <p:cNvPicPr>
+            <a:picLocks noChangeAspect="1"/>
+          </p:cNvPicPr>
+          <p:nvPr/>
+        </p:nvPicPr>
+        <p:blipFill>
+          <a:blip r:embed="rId2"/>
+          <a:stretch>
+            <a:fillRect/>
+          </a:stretch>
+        </p:blipFill>
+        <p:spPr>
+          <a:xfrm>
+            <a:off x="3622430" y="1186963"/>
+            <a:ext cx="6154615" cy="4615961"/>
+          </a:xfrm>
+          <a:prstGeom prst="rect">
+            <a:avLst/>
+          </a:prstGeom>
+        </p:spPr>
+      </p:pic>
+      <p:sp>
+        <p:nvSpPr>
+          <p:cNvPr id="7" name="Rectangle 6">
+            <a:extLst>
+              <a:ext uri="{FF2B5EF4-FFF2-40B4-BE49-F238E27FC236}">
+                <a16:creationId xmlns:a16="http://schemas.microsoft.com/office/drawing/2014/main" id="{C47C9046-8DB3-4B6E-A40A-E4F4C6F6D284}"/>
+              </a:ext>
+            </a:extLst>
+          </p:cNvPr>
+          <p:cNvSpPr/>
+          <p:nvPr/>
+        </p:nvSpPr>
+        <p:spPr>
+          <a:xfrm>
+            <a:off x="5228492" y="6646985"/>
+            <a:ext cx="1641231" cy="199292"/>
+          </a:xfrm>
+          <a:prstGeom prst="rect">
+            <a:avLst/>
+          </a:prstGeom>
+          <a:solidFill>
+            <a:schemeClr val="bg1"/>
+          </a:solidFill>
+          <a:ln>
+            <a:noFill/>
+          </a:ln>
+        </p:spPr>
+        <p:style>
+          <a:lnRef idx="2">
+            <a:schemeClr val="accent1">
+              <a:shade val="50000"/>
+            </a:schemeClr>
+          </a:lnRef>
+          <a:fillRef idx="1">
+            <a:schemeClr val="accent1"/>
+          </a:fillRef>
+          <a:effectRef idx="0">
+            <a:schemeClr val="accent1"/>
+          </a:effectRef>
+          <a:fontRef idx="minor">
+            <a:schemeClr val="lt1"/>
+          </a:fontRef>
+        </p:style>
+        <p:txBody>
+          <a:bodyPr rtlCol="0" anchor="ctr"/>
+          <a:lstStyle/>
+          <a:p>
+            <a:pPr algn="ctr"/>
+            <a:endParaRPr lang="en-US"/>
+          </a:p>
+        </p:txBody>
+      </p:sp>
     </p:spTree>
     <p:extLst>
       <p:ext uri="{BB962C8B-B14F-4D97-AF65-F5344CB8AC3E}">
-        <p14:creationId xmlns:p14="http://schemas.microsoft.com/office/powerpoint/2010/main" val="263784652"/>
+        <p14:creationId xmlns:p14="http://schemas.microsoft.com/office/powerpoint/2010/main" val="3104593269"/>
       </p:ext>
     </p:extLst>
   </p:cSld>
@@ -11842,6 +8385,58 @@
           <a:bodyPr/>
           <a:lstStyle/>
           <a:p>
+            <a:endParaRPr lang="en-US"/>
+          </a:p>
+        </p:txBody>
+      </p:sp>
+      <p:sp>
+        <p:nvSpPr>
+          <p:cNvPr id="4" name="Rectangle 3">
+            <a:extLst>
+              <a:ext uri="{FF2B5EF4-FFF2-40B4-BE49-F238E27FC236}">
+                <a16:creationId xmlns:a16="http://schemas.microsoft.com/office/drawing/2014/main" id="{8905E5DC-4AC3-4159-A2DE-774CF34F48B7}"/>
+              </a:ext>
+            </a:extLst>
+          </p:cNvPr>
+          <p:cNvSpPr/>
+          <p:nvPr/>
+        </p:nvSpPr>
+        <p:spPr>
+          <a:xfrm>
+            <a:off x="5228492" y="6646985"/>
+            <a:ext cx="1641231" cy="199292"/>
+          </a:xfrm>
+          <a:prstGeom prst="rect">
+            <a:avLst/>
+          </a:prstGeom>
+          <a:solidFill>
+            <a:schemeClr val="bg1"/>
+          </a:solidFill>
+          <a:ln>
+            <a:noFill/>
+          </a:ln>
+        </p:spPr>
+        <p:style>
+          <a:lnRef idx="2">
+            <a:schemeClr val="accent1">
+              <a:shade val="50000"/>
+            </a:schemeClr>
+          </a:lnRef>
+          <a:fillRef idx="1">
+            <a:schemeClr val="accent1"/>
+          </a:fillRef>
+          <a:effectRef idx="0">
+            <a:schemeClr val="accent1"/>
+          </a:effectRef>
+          <a:fontRef idx="minor">
+            <a:schemeClr val="lt1"/>
+          </a:fontRef>
+        </p:style>
+        <p:txBody>
+          <a:bodyPr rtlCol="0" anchor="ctr"/>
+          <a:lstStyle/>
+          <a:p>
+            <a:pPr algn="ctr"/>
             <a:endParaRPr lang="en-US"/>
           </a:p>
         </p:txBody>
@@ -11929,6 +8524,58 @@
           </a:p>
         </p:txBody>
       </p:sp>
+      <p:sp>
+        <p:nvSpPr>
+          <p:cNvPr id="4" name="Rectangle 3">
+            <a:extLst>
+              <a:ext uri="{FF2B5EF4-FFF2-40B4-BE49-F238E27FC236}">
+                <a16:creationId xmlns:a16="http://schemas.microsoft.com/office/drawing/2014/main" id="{EA258F69-A84D-41D3-829D-0296B839A58E}"/>
+              </a:ext>
+            </a:extLst>
+          </p:cNvPr>
+          <p:cNvSpPr/>
+          <p:nvPr/>
+        </p:nvSpPr>
+        <p:spPr>
+          <a:xfrm>
+            <a:off x="5228492" y="6646985"/>
+            <a:ext cx="1641231" cy="199292"/>
+          </a:xfrm>
+          <a:prstGeom prst="rect">
+            <a:avLst/>
+          </a:prstGeom>
+          <a:solidFill>
+            <a:schemeClr val="bg1"/>
+          </a:solidFill>
+          <a:ln>
+            <a:noFill/>
+          </a:ln>
+        </p:spPr>
+        <p:style>
+          <a:lnRef idx="2">
+            <a:schemeClr val="accent1">
+              <a:shade val="50000"/>
+            </a:schemeClr>
+          </a:lnRef>
+          <a:fillRef idx="1">
+            <a:schemeClr val="accent1"/>
+          </a:fillRef>
+          <a:effectRef idx="0">
+            <a:schemeClr val="accent1"/>
+          </a:effectRef>
+          <a:fontRef idx="minor">
+            <a:schemeClr val="lt1"/>
+          </a:fontRef>
+        </p:style>
+        <p:txBody>
+          <a:bodyPr rtlCol="0" anchor="ctr"/>
+          <a:lstStyle/>
+          <a:p>
+            <a:pPr algn="ctr"/>
+            <a:endParaRPr lang="en-US"/>
+          </a:p>
+        </p:txBody>
+      </p:sp>
     </p:spTree>
     <p:extLst>
       <p:ext uri="{BB962C8B-B14F-4D97-AF65-F5344CB8AC3E}">
@@ -12008,6 +8655,58 @@
           <a:bodyPr/>
           <a:lstStyle/>
           <a:p>
+            <a:endParaRPr lang="en-US"/>
+          </a:p>
+        </p:txBody>
+      </p:sp>
+      <p:sp>
+        <p:nvSpPr>
+          <p:cNvPr id="4" name="Rectangle 3">
+            <a:extLst>
+              <a:ext uri="{FF2B5EF4-FFF2-40B4-BE49-F238E27FC236}">
+                <a16:creationId xmlns:a16="http://schemas.microsoft.com/office/drawing/2014/main" id="{3893B88C-B524-41BD-AB83-0100B96CFF3A}"/>
+              </a:ext>
+            </a:extLst>
+          </p:cNvPr>
+          <p:cNvSpPr/>
+          <p:nvPr/>
+        </p:nvSpPr>
+        <p:spPr>
+          <a:xfrm>
+            <a:off x="5228492" y="6646985"/>
+            <a:ext cx="1641231" cy="199292"/>
+          </a:xfrm>
+          <a:prstGeom prst="rect">
+            <a:avLst/>
+          </a:prstGeom>
+          <a:solidFill>
+            <a:schemeClr val="bg1"/>
+          </a:solidFill>
+          <a:ln>
+            <a:noFill/>
+          </a:ln>
+        </p:spPr>
+        <p:style>
+          <a:lnRef idx="2">
+            <a:schemeClr val="accent1">
+              <a:shade val="50000"/>
+            </a:schemeClr>
+          </a:lnRef>
+          <a:fillRef idx="1">
+            <a:schemeClr val="accent1"/>
+          </a:fillRef>
+          <a:effectRef idx="0">
+            <a:schemeClr val="accent1"/>
+          </a:effectRef>
+          <a:fontRef idx="minor">
+            <a:schemeClr val="lt1"/>
+          </a:fontRef>
+        </p:style>
+        <p:txBody>
+          <a:bodyPr rtlCol="0" anchor="ctr"/>
+          <a:lstStyle/>
+          <a:p>
+            <a:pPr algn="ctr"/>
             <a:endParaRPr lang="en-US"/>
           </a:p>
         </p:txBody>
@@ -12445,6 +9144,58 @@
           </a:p>
         </p:txBody>
       </p:sp>
+      <p:sp>
+        <p:nvSpPr>
+          <p:cNvPr id="11" name="Rectangle 10">
+            <a:extLst>
+              <a:ext uri="{FF2B5EF4-FFF2-40B4-BE49-F238E27FC236}">
+                <a16:creationId xmlns:a16="http://schemas.microsoft.com/office/drawing/2014/main" id="{D3798C47-1D93-4C94-8CB0-33B1D1BFA885}"/>
+              </a:ext>
+            </a:extLst>
+          </p:cNvPr>
+          <p:cNvSpPr/>
+          <p:nvPr/>
+        </p:nvSpPr>
+        <p:spPr>
+          <a:xfrm>
+            <a:off x="5228492" y="6646985"/>
+            <a:ext cx="1641231" cy="199292"/>
+          </a:xfrm>
+          <a:prstGeom prst="rect">
+            <a:avLst/>
+          </a:prstGeom>
+          <a:solidFill>
+            <a:schemeClr val="bg1"/>
+          </a:solidFill>
+          <a:ln>
+            <a:noFill/>
+          </a:ln>
+        </p:spPr>
+        <p:style>
+          <a:lnRef idx="2">
+            <a:schemeClr val="accent1">
+              <a:shade val="50000"/>
+            </a:schemeClr>
+          </a:lnRef>
+          <a:fillRef idx="1">
+            <a:schemeClr val="accent1"/>
+          </a:fillRef>
+          <a:effectRef idx="0">
+            <a:schemeClr val="accent1"/>
+          </a:effectRef>
+          <a:fontRef idx="minor">
+            <a:schemeClr val="lt1"/>
+          </a:fontRef>
+        </p:style>
+        <p:txBody>
+          <a:bodyPr rtlCol="0" anchor="ctr"/>
+          <a:lstStyle/>
+          <a:p>
+            <a:pPr algn="ctr"/>
+            <a:endParaRPr lang="en-US"/>
+          </a:p>
+        </p:txBody>
+      </p:sp>
     </p:spTree>
     <p:extLst>
       <p:ext uri="{BB962C8B-B14F-4D97-AF65-F5344CB8AC3E}">
@@ -12538,7 +9289,7 @@
             <p:ph idx="1"/>
             <p:extLst>
               <p:ext uri="{D42A27DB-BD31-4B8C-83A1-F6EECF244321}">
-                <p14:modId xmlns:p14="http://schemas.microsoft.com/office/powerpoint/2010/main" val="968828324"/>
+                <p14:modId xmlns:p14="http://schemas.microsoft.com/office/powerpoint/2010/main" val="2740467894"/>
               </p:ext>
             </p:extLst>
           </p:nvPr>
@@ -12698,7 +9449,7 @@
                       <a:pPr algn="ctr"/>
                       <a:r>
                         <a:rPr lang="en-US" dirty="0"/>
-                        <a:t>80.17%</a:t>
+                        <a:t>80%</a:t>
                       </a:r>
                     </a:p>
                   </a:txBody>
@@ -12712,7 +9463,7 @@
                       <a:pPr algn="ctr"/>
                       <a:r>
                         <a:rPr lang="en-US" dirty="0"/>
-                        <a:t>78.72%</a:t>
+                        <a:t>79%</a:t>
                       </a:r>
                     </a:p>
                   </a:txBody>
@@ -12726,7 +9477,7 @@
                       <a:pPr algn="ctr"/>
                       <a:r>
                         <a:rPr lang="en-US" dirty="0"/>
-                        <a:t>79.07%</a:t>
+                        <a:t>79%</a:t>
                       </a:r>
                     </a:p>
                   </a:txBody>
@@ -12775,7 +9526,7 @@
                       <a:pPr algn="ctr"/>
                       <a:r>
                         <a:rPr lang="en-US" dirty="0"/>
-                        <a:t>80.04%</a:t>
+                        <a:t>80%</a:t>
                       </a:r>
                     </a:p>
                   </a:txBody>
@@ -12789,7 +9540,7 @@
                       <a:pPr algn="ctr"/>
                       <a:r>
                         <a:rPr lang="en-US" dirty="0"/>
-                        <a:t>79.11%</a:t>
+                        <a:t>79%</a:t>
                       </a:r>
                     </a:p>
                   </a:txBody>
@@ -12803,7 +9554,7 @@
                       <a:pPr algn="ctr"/>
                       <a:r>
                         <a:rPr lang="en-US" dirty="0"/>
-                        <a:t>77.80%</a:t>
+                        <a:t>77%</a:t>
                       </a:r>
                     </a:p>
                   </a:txBody>
@@ -12850,29 +9601,10 @@
                     <a:lstStyle/>
                     <a:p>
                       <a:pPr algn="ctr"/>
-                      <a:endParaRPr lang="en-US" dirty="0"/>
-                    </a:p>
-                  </a:txBody>
-                  <a:tcPr/>
-                </a:tc>
-                <a:tc>
-                  <a:txBody>
-                    <a:bodyPr/>
-                    <a:lstStyle/>
-                    <a:p>
-                      <a:pPr algn="ctr"/>
-                      <a:endParaRPr lang="en-US" dirty="0"/>
-                    </a:p>
-                  </a:txBody>
-                  <a:tcPr/>
-                </a:tc>
-                <a:tc>
-                  <a:txBody>
-                    <a:bodyPr/>
-                    <a:lstStyle/>
-                    <a:p>
-                      <a:pPr algn="ctr"/>
-                      <a:endParaRPr lang="en-US" dirty="0"/>
+                      <a:r>
+                        <a:rPr lang="en-US" dirty="0"/>
+                        <a:t>79%</a:t>
+                      </a:r>
                     </a:p>
                   </a:txBody>
                   <a:tcPr/>
@@ -12885,7 +9617,35 @@
                       <a:pPr algn="ctr"/>
                       <a:r>
                         <a:rPr lang="en-US" dirty="0"/>
-                        <a:t>79.11%</a:t>
+                        <a:t>80%</a:t>
+                      </a:r>
+                    </a:p>
+                  </a:txBody>
+                  <a:tcPr/>
+                </a:tc>
+                <a:tc>
+                  <a:txBody>
+                    <a:bodyPr/>
+                    <a:lstStyle/>
+                    <a:p>
+                      <a:pPr algn="ctr"/>
+                      <a:r>
+                        <a:rPr lang="en-US" dirty="0"/>
+                        <a:t>82%</a:t>
+                      </a:r>
+                    </a:p>
+                  </a:txBody>
+                  <a:tcPr/>
+                </a:tc>
+                <a:tc>
+                  <a:txBody>
+                    <a:bodyPr/>
+                    <a:lstStyle/>
+                    <a:p>
+                      <a:pPr algn="ctr"/>
+                      <a:r>
+                        <a:rPr lang="en-US" dirty="0"/>
+                        <a:t>79%</a:t>
                       </a:r>
                     </a:p>
                   </a:txBody>
@@ -12918,7 +9678,10 @@
                     <a:lstStyle/>
                     <a:p>
                       <a:pPr algn="ctr"/>
-                      <a:endParaRPr lang="en-US" dirty="0"/>
+                      <a:r>
+                        <a:rPr lang="en-US" dirty="0"/>
+                        <a:t>80%</a:t>
+                      </a:r>
                     </a:p>
                   </a:txBody>
                   <a:tcPr/>
@@ -12929,7 +9692,10 @@
                     <a:lstStyle/>
                     <a:p>
                       <a:pPr algn="ctr"/>
-                      <a:endParaRPr lang="en-US" dirty="0"/>
+                      <a:r>
+                        <a:rPr lang="en-US" dirty="0"/>
+                        <a:t>82%</a:t>
+                      </a:r>
                     </a:p>
                   </a:txBody>
                   <a:tcPr/>
@@ -12940,7 +9706,10 @@
                     <a:lstStyle/>
                     <a:p>
                       <a:pPr algn="ctr"/>
-                      <a:endParaRPr lang="en-US" dirty="0"/>
+                      <a:r>
+                        <a:rPr lang="en-US" dirty="0"/>
+                        <a:t>82%</a:t>
+                      </a:r>
                     </a:p>
                   </a:txBody>
                   <a:tcPr/>
@@ -12969,6 +9738,58 @@
           </a:graphicData>
         </a:graphic>
       </p:graphicFrame>
+      <p:sp>
+        <p:nvSpPr>
+          <p:cNvPr id="5" name="Rectangle 4">
+            <a:extLst>
+              <a:ext uri="{FF2B5EF4-FFF2-40B4-BE49-F238E27FC236}">
+                <a16:creationId xmlns:a16="http://schemas.microsoft.com/office/drawing/2014/main" id="{AD774070-6D51-4192-AC6E-32018837F019}"/>
+              </a:ext>
+            </a:extLst>
+          </p:cNvPr>
+          <p:cNvSpPr/>
+          <p:nvPr/>
+        </p:nvSpPr>
+        <p:spPr>
+          <a:xfrm>
+            <a:off x="5228492" y="6646985"/>
+            <a:ext cx="1641231" cy="199292"/>
+          </a:xfrm>
+          <a:prstGeom prst="rect">
+            <a:avLst/>
+          </a:prstGeom>
+          <a:solidFill>
+            <a:schemeClr val="bg1"/>
+          </a:solidFill>
+          <a:ln>
+            <a:noFill/>
+          </a:ln>
+        </p:spPr>
+        <p:style>
+          <a:lnRef idx="2">
+            <a:schemeClr val="accent1">
+              <a:shade val="50000"/>
+            </a:schemeClr>
+          </a:lnRef>
+          <a:fillRef idx="1">
+            <a:schemeClr val="accent1"/>
+          </a:fillRef>
+          <a:effectRef idx="0">
+            <a:schemeClr val="accent1"/>
+          </a:effectRef>
+          <a:fontRef idx="minor">
+            <a:schemeClr val="lt1"/>
+          </a:fontRef>
+        </p:style>
+        <p:txBody>
+          <a:bodyPr rtlCol="0" anchor="ctr"/>
+          <a:lstStyle/>
+          <a:p>
+            <a:pPr algn="ctr"/>
+            <a:endParaRPr lang="en-US"/>
+          </a:p>
+        </p:txBody>
+      </p:sp>
     </p:spTree>
     <p:extLst>
       <p:ext uri="{BB962C8B-B14F-4D97-AF65-F5344CB8AC3E}">
@@ -13070,7 +9891,7 @@
             <p:ph idx="1"/>
             <p:extLst>
               <p:ext uri="{D42A27DB-BD31-4B8C-83A1-F6EECF244321}">
-                <p14:modId xmlns:p14="http://schemas.microsoft.com/office/powerpoint/2010/main" val="1535253832"/>
+                <p14:modId xmlns:p14="http://schemas.microsoft.com/office/powerpoint/2010/main" val="2106349057"/>
               </p:ext>
             </p:extLst>
           </p:nvPr>
@@ -13221,7 +10042,11 @@
                     <a:bodyPr/>
                     <a:lstStyle/>
                     <a:p>
-                      <a:endParaRPr lang="en-US" dirty="0"/>
+                      <a:pPr algn="ctr"/>
+                      <a:r>
+                        <a:rPr lang="en-US" dirty="0"/>
+                        <a:t>79%</a:t>
+                      </a:r>
                     </a:p>
                   </a:txBody>
                   <a:tcPr/>
@@ -13231,7 +10056,11 @@
                     <a:bodyPr/>
                     <a:lstStyle/>
                     <a:p>
-                      <a:endParaRPr lang="en-US"/>
+                      <a:pPr algn="ctr"/>
+                      <a:r>
+                        <a:rPr lang="en-US" dirty="0"/>
+                        <a:t>77%</a:t>
+                      </a:r>
                     </a:p>
                   </a:txBody>
                   <a:tcPr/>
@@ -13241,7 +10070,11 @@
                     <a:bodyPr/>
                     <a:lstStyle/>
                     <a:p>
-                      <a:endParaRPr lang="en-US"/>
+                      <a:pPr algn="ctr"/>
+                      <a:r>
+                        <a:rPr lang="en-US" dirty="0"/>
+                        <a:t>78%</a:t>
+                      </a:r>
                     </a:p>
                   </a:txBody>
                   <a:tcPr/>
@@ -13251,7 +10084,11 @@
                     <a:bodyPr/>
                     <a:lstStyle/>
                     <a:p>
-                      <a:endParaRPr lang="en-US" dirty="0"/>
+                      <a:pPr algn="ctr"/>
+                      <a:r>
+                        <a:rPr lang="en-US" dirty="0"/>
+                        <a:t>X</a:t>
+                      </a:r>
                     </a:p>
                   </a:txBody>
                   <a:tcPr/>
@@ -13281,7 +10118,11 @@
                     <a:bodyPr/>
                     <a:lstStyle/>
                     <a:p>
-                      <a:endParaRPr lang="en-US" dirty="0"/>
+                      <a:pPr algn="ctr"/>
+                      <a:r>
+                        <a:rPr lang="en-US" dirty="0"/>
+                        <a:t>79%</a:t>
+                      </a:r>
                     </a:p>
                   </a:txBody>
                   <a:tcPr/>
@@ -13291,7 +10132,11 @@
                     <a:bodyPr/>
                     <a:lstStyle/>
                     <a:p>
-                      <a:endParaRPr lang="en-US" dirty="0"/>
+                      <a:pPr algn="ctr"/>
+                      <a:r>
+                        <a:rPr lang="en-US" dirty="0"/>
+                        <a:t>78%</a:t>
+                      </a:r>
                     </a:p>
                   </a:txBody>
                   <a:tcPr/>
@@ -13301,7 +10146,11 @@
                     <a:bodyPr/>
                     <a:lstStyle/>
                     <a:p>
-                      <a:endParaRPr lang="en-US" dirty="0"/>
+                      <a:pPr algn="ctr"/>
+                      <a:r>
+                        <a:rPr lang="en-US" dirty="0"/>
+                        <a:t>75%</a:t>
+                      </a:r>
                     </a:p>
                   </a:txBody>
                   <a:tcPr/>
@@ -13311,7 +10160,11 @@
                     <a:bodyPr/>
                     <a:lstStyle/>
                     <a:p>
-                      <a:endParaRPr lang="en-US" dirty="0"/>
+                      <a:pPr algn="ctr"/>
+                      <a:r>
+                        <a:rPr lang="en-US" dirty="0"/>
+                        <a:t>X</a:t>
+                      </a:r>
                     </a:p>
                   </a:txBody>
                   <a:tcPr/>
@@ -13341,7 +10194,11 @@
                     <a:bodyPr/>
                     <a:lstStyle/>
                     <a:p>
-                      <a:endParaRPr lang="en-US" dirty="0"/>
+                      <a:pPr algn="ctr"/>
+                      <a:r>
+                        <a:rPr lang="en-US" dirty="0"/>
+                        <a:t>79%</a:t>
+                      </a:r>
                     </a:p>
                   </a:txBody>
                   <a:tcPr/>
@@ -13351,7 +10208,11 @@
                     <a:bodyPr/>
                     <a:lstStyle/>
                     <a:p>
-                      <a:endParaRPr lang="en-US" dirty="0"/>
+                      <a:pPr algn="ctr"/>
+                      <a:r>
+                        <a:rPr lang="en-US" dirty="0"/>
+                        <a:t>79%</a:t>
+                      </a:r>
                     </a:p>
                   </a:txBody>
                   <a:tcPr/>
@@ -13361,7 +10222,11 @@
                     <a:bodyPr/>
                     <a:lstStyle/>
                     <a:p>
-                      <a:endParaRPr lang="en-US" dirty="0"/>
+                      <a:pPr algn="ctr"/>
+                      <a:r>
+                        <a:rPr lang="en-US" dirty="0"/>
+                        <a:t>82%</a:t>
+                      </a:r>
                     </a:p>
                   </a:txBody>
                   <a:tcPr/>
@@ -13371,7 +10236,11 @@
                     <a:bodyPr/>
                     <a:lstStyle/>
                     <a:p>
-                      <a:endParaRPr lang="en-US" dirty="0"/>
+                      <a:pPr algn="ctr"/>
+                      <a:r>
+                        <a:rPr lang="en-US" dirty="0"/>
+                        <a:t>79%</a:t>
+                      </a:r>
                     </a:p>
                   </a:txBody>
                   <a:tcPr/>
@@ -13401,7 +10270,11 @@
                     <a:bodyPr/>
                     <a:lstStyle/>
                     <a:p>
-                      <a:endParaRPr lang="en-US" dirty="0"/>
+                      <a:pPr algn="ctr"/>
+                      <a:r>
+                        <a:rPr lang="en-US" dirty="0"/>
+                        <a:t>79%</a:t>
+                      </a:r>
                     </a:p>
                   </a:txBody>
                   <a:tcPr/>
@@ -13411,7 +10284,11 @@
                     <a:bodyPr/>
                     <a:lstStyle/>
                     <a:p>
-                      <a:endParaRPr lang="en-US" dirty="0"/>
+                      <a:pPr algn="ctr"/>
+                      <a:r>
+                        <a:rPr lang="en-US" dirty="0"/>
+                        <a:t>81%</a:t>
+                      </a:r>
                     </a:p>
                   </a:txBody>
                   <a:tcPr/>
@@ -13421,7 +10298,11 @@
                     <a:bodyPr/>
                     <a:lstStyle/>
                     <a:p>
-                      <a:endParaRPr lang="en-US" dirty="0"/>
+                      <a:pPr algn="ctr"/>
+                      <a:r>
+                        <a:rPr lang="en-US" dirty="0"/>
+                        <a:t>82%</a:t>
+                      </a:r>
                     </a:p>
                   </a:txBody>
                   <a:tcPr/>
@@ -13431,7 +10312,11 @@
                     <a:bodyPr/>
                     <a:lstStyle/>
                     <a:p>
-                      <a:endParaRPr lang="en-US" dirty="0"/>
+                      <a:pPr algn="ctr"/>
+                      <a:r>
+                        <a:rPr lang="en-US" dirty="0"/>
+                        <a:t>X</a:t>
+                      </a:r>
                     </a:p>
                   </a:txBody>
                   <a:tcPr/>
@@ -13446,6 +10331,58 @@
           </a:graphicData>
         </a:graphic>
       </p:graphicFrame>
+      <p:sp>
+        <p:nvSpPr>
+          <p:cNvPr id="5" name="Rectangle 4">
+            <a:extLst>
+              <a:ext uri="{FF2B5EF4-FFF2-40B4-BE49-F238E27FC236}">
+                <a16:creationId xmlns:a16="http://schemas.microsoft.com/office/drawing/2014/main" id="{110744F2-FC9E-447A-B09E-94AE64025B8D}"/>
+              </a:ext>
+            </a:extLst>
+          </p:cNvPr>
+          <p:cNvSpPr/>
+          <p:nvPr/>
+        </p:nvSpPr>
+        <p:spPr>
+          <a:xfrm>
+            <a:off x="5228492" y="6646985"/>
+            <a:ext cx="1641231" cy="199292"/>
+          </a:xfrm>
+          <a:prstGeom prst="rect">
+            <a:avLst/>
+          </a:prstGeom>
+          <a:solidFill>
+            <a:schemeClr val="bg1"/>
+          </a:solidFill>
+          <a:ln>
+            <a:noFill/>
+          </a:ln>
+        </p:spPr>
+        <p:style>
+          <a:lnRef idx="2">
+            <a:schemeClr val="accent1">
+              <a:shade val="50000"/>
+            </a:schemeClr>
+          </a:lnRef>
+          <a:fillRef idx="1">
+            <a:schemeClr val="accent1"/>
+          </a:fillRef>
+          <a:effectRef idx="0">
+            <a:schemeClr val="accent1"/>
+          </a:effectRef>
+          <a:fontRef idx="minor">
+            <a:schemeClr val="lt1"/>
+          </a:fontRef>
+        </p:style>
+        <p:txBody>
+          <a:bodyPr rtlCol="0" anchor="ctr"/>
+          <a:lstStyle/>
+          <a:p>
+            <a:pPr algn="ctr"/>
+            <a:endParaRPr lang="en-US"/>
+          </a:p>
+        </p:txBody>
+      </p:sp>
     </p:spTree>
     <p:extLst>
       <p:ext uri="{BB962C8B-B14F-4D97-AF65-F5344CB8AC3E}">
@@ -13518,7 +10455,7 @@
             </a:br>
             <a:r>
               <a:rPr lang="en-US" dirty="0"/>
-              <a:t>Default Hyperparameters </a:t>
+              <a:t>TUNED Hyperparameters </a:t>
             </a:r>
           </a:p>
         </p:txBody>
@@ -13537,11 +10474,16 @@
           </p:cNvGraphicFramePr>
           <p:nvPr>
             <p:ph idx="1"/>
+            <p:extLst>
+              <p:ext uri="{D42A27DB-BD31-4B8C-83A1-F6EECF244321}">
+                <p14:modId xmlns:p14="http://schemas.microsoft.com/office/powerpoint/2010/main" val="710023217"/>
+              </p:ext>
+            </p:extLst>
           </p:nvPr>
         </p:nvGraphicFramePr>
         <p:xfrm>
-          <a:off x="838200" y="2599348"/>
-          <a:ext cx="8763000" cy="2123440"/>
+          <a:off x="814756" y="2118703"/>
+          <a:ext cx="6160477" cy="1737360"/>
         </p:xfrm>
         <a:graphic>
           <a:graphicData uri="http://schemas.openxmlformats.org/drawingml/2006/table">
@@ -13550,35 +10492,35 @@
                 <a:tableStyleId>{5C22544A-7EE6-4342-B048-85BDC9FD1C3A}</a:tableStyleId>
               </a:tblPr>
               <a:tblGrid>
-                <a:gridCol w="1752600">
+                <a:gridCol w="1405597">
                   <a:extLst>
                     <a:ext uri="{9D8B030D-6E8A-4147-A177-3AD203B41FA5}">
                       <a16:colId xmlns:a16="http://schemas.microsoft.com/office/drawing/2014/main" val="1675195018"/>
                     </a:ext>
                   </a:extLst>
                 </a:gridCol>
-                <a:gridCol w="1752600">
+                <a:gridCol w="1073834">
                   <a:extLst>
                     <a:ext uri="{9D8B030D-6E8A-4147-A177-3AD203B41FA5}">
                       <a16:colId xmlns:a16="http://schemas.microsoft.com/office/drawing/2014/main" val="2523006943"/>
                     </a:ext>
                   </a:extLst>
                 </a:gridCol>
-                <a:gridCol w="1752600">
+                <a:gridCol w="1137138">
                   <a:extLst>
                     <a:ext uri="{9D8B030D-6E8A-4147-A177-3AD203B41FA5}">
                       <a16:colId xmlns:a16="http://schemas.microsoft.com/office/drawing/2014/main" val="4041600084"/>
                     </a:ext>
                   </a:extLst>
                 </a:gridCol>
-                <a:gridCol w="1752600">
+                <a:gridCol w="1055077">
                   <a:extLst>
                     <a:ext uri="{9D8B030D-6E8A-4147-A177-3AD203B41FA5}">
                       <a16:colId xmlns:a16="http://schemas.microsoft.com/office/drawing/2014/main" val="2131329611"/>
                     </a:ext>
                   </a:extLst>
                 </a:gridCol>
-                <a:gridCol w="1752600">
+                <a:gridCol w="1488831">
                   <a:extLst>
                     <a:ext uri="{9D8B030D-6E8A-4147-A177-3AD203B41FA5}">
                       <a16:colId xmlns:a16="http://schemas.microsoft.com/office/drawing/2014/main" val="1017018966"/>
@@ -13586,13 +10528,16 @@
                   </a:extLst>
                 </a:gridCol>
               </a:tblGrid>
-              <a:tr h="370840">
+              <a:tr h="425709">
                 <a:tc>
                   <a:txBody>
                     <a:bodyPr/>
                     <a:lstStyle/>
                     <a:p>
-                      <a:endParaRPr lang="en-US"/>
+                      <a:r>
+                        <a:rPr lang="en-US" sz="1400" dirty="0"/>
+                        <a:t>PRECISION RATE %</a:t>
+                      </a:r>
                     </a:p>
                   </a:txBody>
                   <a:tcPr/>
@@ -13603,7 +10548,7 @@
                     <a:lstStyle/>
                     <a:p>
                       <a:r>
-                        <a:rPr lang="en-US" dirty="0"/>
+                        <a:rPr lang="en-US" sz="1400" dirty="0"/>
                         <a:t>Logistic Regression</a:t>
                       </a:r>
                     </a:p>
@@ -13616,13 +10561,13 @@
                     <a:lstStyle/>
                     <a:p>
                       <a:r>
-                        <a:rPr lang="en-US" dirty="0"/>
+                        <a:rPr lang="en-US" sz="1400" dirty="0"/>
                         <a:t>Random</a:t>
                       </a:r>
                     </a:p>
                     <a:p>
                       <a:r>
-                        <a:rPr lang="en-US" dirty="0"/>
+                        <a:rPr lang="en-US" sz="1400" dirty="0"/>
                         <a:t>Forest</a:t>
                       </a:r>
                     </a:p>
@@ -13635,7 +10580,7 @@
                     <a:lstStyle/>
                     <a:p>
                       <a:r>
-                        <a:rPr lang="en-US" dirty="0"/>
+                        <a:rPr lang="en-US" sz="1400" dirty="0"/>
                         <a:t>XGBoost</a:t>
                       </a:r>
                     </a:p>
@@ -13648,14 +10593,14 @@
                     <a:lstStyle/>
                     <a:p>
                       <a:r>
-                        <a:rPr lang="en-US" dirty="0"/>
+                        <a:rPr lang="en-US" sz="1400" dirty="0"/>
                         <a:t>Deep </a:t>
                       </a:r>
                       <a:r>
-                        <a:rPr lang="en-US" dirty="0" err="1"/>
+                        <a:rPr lang="en-US" sz="1400" dirty="0" err="1"/>
                         <a:t>NNet</a:t>
                       </a:r>
-                      <a:endParaRPr lang="en-US" dirty="0"/>
+                      <a:endParaRPr lang="en-US" sz="1400" dirty="0"/>
                     </a:p>
                   </a:txBody>
                   <a:tcPr/>
@@ -13666,14 +10611,15 @@
                   </a:ext>
                 </a:extLst>
               </a:tr>
-              <a:tr h="370840">
+              <a:tr h="304674">
                 <a:tc>
                   <a:txBody>
                     <a:bodyPr/>
                     <a:lstStyle/>
                     <a:p>
+                      <a:pPr algn="ctr"/>
                       <a:r>
-                        <a:rPr lang="en-US" dirty="0"/>
+                        <a:rPr lang="en-US" sz="1400" dirty="0"/>
                         <a:t>CountVectorizer</a:t>
                       </a:r>
                     </a:p>
@@ -13685,8 +10631,37 @@
                     <a:bodyPr/>
                     <a:lstStyle/>
                     <a:p>
+                      <a:pPr algn="ctr"/>
                       <a:r>
-                        <a:rPr lang="en-US" dirty="0"/>
+                        <a:rPr lang="en-US" sz="1400" dirty="0"/>
+                        <a:t>81%</a:t>
+                      </a:r>
+                    </a:p>
+                  </a:txBody>
+                  <a:tcPr/>
+                </a:tc>
+                <a:tc>
+                  <a:txBody>
+                    <a:bodyPr/>
+                    <a:lstStyle/>
+                    <a:p>
+                      <a:pPr algn="ctr"/>
+                      <a:r>
+                        <a:rPr lang="en-US" sz="1400" dirty="0"/>
+                        <a:t>82%</a:t>
+                      </a:r>
+                    </a:p>
+                  </a:txBody>
+                  <a:tcPr/>
+                </a:tc>
+                <a:tc>
+                  <a:txBody>
+                    <a:bodyPr/>
+                    <a:lstStyle/>
+                    <a:p>
+                      <a:pPr algn="ctr"/>
+                      <a:r>
+                        <a:rPr lang="en-US" sz="1400" dirty="0"/>
                         <a:t>79%</a:t>
                       </a:r>
                     </a:p>
@@ -13698,27 +10673,11 @@
                     <a:bodyPr/>
                     <a:lstStyle/>
                     <a:p>
-                      <a:endParaRPr lang="en-US"/>
-                    </a:p>
-                  </a:txBody>
-                  <a:tcPr/>
-                </a:tc>
-                <a:tc>
-                  <a:txBody>
-                    <a:bodyPr/>
-                    <a:lstStyle/>
-                    <a:p>
-                      <a:endParaRPr lang="en-US"/>
-                    </a:p>
-                  </a:txBody>
-                  <a:tcPr/>
-                </a:tc>
-                <a:tc>
-                  <a:txBody>
-                    <a:bodyPr/>
-                    <a:lstStyle/>
-                    <a:p>
-                      <a:endParaRPr lang="en-US" dirty="0"/>
+                      <a:pPr algn="ctr"/>
+                      <a:r>
+                        <a:rPr lang="en-US" sz="1400" dirty="0"/>
+                        <a:t>X</a:t>
+                      </a:r>
                     </a:p>
                   </a:txBody>
                   <a:tcPr/>
@@ -13729,14 +10688,15 @@
                   </a:ext>
                 </a:extLst>
               </a:tr>
-              <a:tr h="370840">
+              <a:tr h="304674">
                 <a:tc>
                   <a:txBody>
                     <a:bodyPr/>
                     <a:lstStyle/>
                     <a:p>
+                      <a:pPr algn="ctr"/>
                       <a:r>
-                        <a:rPr lang="en-US" dirty="0"/>
+                        <a:rPr lang="en-US" sz="1400" dirty="0"/>
                         <a:t>TF-IDF</a:t>
                       </a:r>
                     </a:p>
@@ -13748,7 +10708,11 @@
                     <a:bodyPr/>
                     <a:lstStyle/>
                     <a:p>
-                      <a:endParaRPr lang="en-US" dirty="0"/>
+                      <a:pPr algn="ctr"/>
+                      <a:r>
+                        <a:rPr lang="en-US" sz="1400" dirty="0"/>
+                        <a:t>80%</a:t>
+                      </a:r>
                     </a:p>
                   </a:txBody>
                   <a:tcPr/>
@@ -13758,7 +10722,11 @@
                     <a:bodyPr/>
                     <a:lstStyle/>
                     <a:p>
-                      <a:endParaRPr lang="en-US" dirty="0"/>
+                      <a:pPr algn="ctr"/>
+                      <a:r>
+                        <a:rPr lang="en-US" sz="1400" dirty="0"/>
+                        <a:t>80%</a:t>
+                      </a:r>
                     </a:p>
                   </a:txBody>
                   <a:tcPr/>
@@ -13768,7 +10736,11 @@
                     <a:bodyPr/>
                     <a:lstStyle/>
                     <a:p>
-                      <a:endParaRPr lang="en-US" dirty="0"/>
+                      <a:pPr algn="ctr"/>
+                      <a:r>
+                        <a:rPr lang="en-US" sz="1400" dirty="0"/>
+                        <a:t>78%</a:t>
+                      </a:r>
                     </a:p>
                   </a:txBody>
                   <a:tcPr/>
@@ -13778,7 +10750,11 @@
                     <a:bodyPr/>
                     <a:lstStyle/>
                     <a:p>
-                      <a:endParaRPr lang="en-US" dirty="0"/>
+                      <a:pPr algn="ctr"/>
+                      <a:r>
+                        <a:rPr lang="en-US" sz="1400" dirty="0"/>
+                        <a:t>X</a:t>
+                      </a:r>
                     </a:p>
                   </a:txBody>
                   <a:tcPr/>
@@ -13789,14 +10765,15 @@
                   </a:ext>
                 </a:extLst>
               </a:tr>
-              <a:tr h="370840">
+              <a:tr h="304674">
                 <a:tc>
                   <a:txBody>
                     <a:bodyPr/>
                     <a:lstStyle/>
                     <a:p>
+                      <a:pPr algn="ctr"/>
                       <a:r>
-                        <a:rPr lang="en-US" dirty="0"/>
+                        <a:rPr lang="en-US" sz="1400" dirty="0"/>
                         <a:t>Word2Vect</a:t>
                       </a:r>
                     </a:p>
@@ -13808,7 +10785,11 @@
                     <a:bodyPr/>
                     <a:lstStyle/>
                     <a:p>
-                      <a:endParaRPr lang="en-US" dirty="0"/>
+                      <a:pPr algn="ctr"/>
+                      <a:r>
+                        <a:rPr lang="en-US" sz="1400" dirty="0"/>
+                        <a:t>79%</a:t>
+                      </a:r>
                     </a:p>
                   </a:txBody>
                   <a:tcPr/>
@@ -13818,7 +10799,11 @@
                     <a:bodyPr/>
                     <a:lstStyle/>
                     <a:p>
-                      <a:endParaRPr lang="en-US" dirty="0"/>
+                      <a:pPr algn="ctr"/>
+                      <a:r>
+                        <a:rPr lang="en-US" sz="1400" dirty="0"/>
+                        <a:t>81%</a:t>
+                      </a:r>
                     </a:p>
                   </a:txBody>
                   <a:tcPr/>
@@ -13828,7 +10813,11 @@
                     <a:bodyPr/>
                     <a:lstStyle/>
                     <a:p>
-                      <a:endParaRPr lang="en-US" dirty="0"/>
+                      <a:pPr algn="ctr"/>
+                      <a:r>
+                        <a:rPr lang="en-US" sz="1400" dirty="0"/>
+                        <a:t>82%</a:t>
+                      </a:r>
                     </a:p>
                   </a:txBody>
                   <a:tcPr/>
@@ -13838,7 +10827,11 @@
                     <a:bodyPr/>
                     <a:lstStyle/>
                     <a:p>
-                      <a:endParaRPr lang="en-US" dirty="0"/>
+                      <a:pPr algn="ctr"/>
+                      <a:r>
+                        <a:rPr lang="en-US" sz="1400" dirty="0"/>
+                        <a:t>79%</a:t>
+                      </a:r>
                     </a:p>
                   </a:txBody>
                   <a:tcPr/>
@@ -13849,14 +10842,15 @@
                   </a:ext>
                 </a:extLst>
               </a:tr>
-              <a:tr h="370840">
+              <a:tr h="304674">
                 <a:tc>
                   <a:txBody>
                     <a:bodyPr/>
                     <a:lstStyle/>
                     <a:p>
+                      <a:pPr algn="ctr"/>
                       <a:r>
-                        <a:rPr lang="en-US" dirty="0"/>
+                        <a:rPr lang="en-US" sz="1400" dirty="0"/>
                         <a:t>GloVe</a:t>
                       </a:r>
                     </a:p>
@@ -13868,7 +10862,11 @@
                     <a:bodyPr/>
                     <a:lstStyle/>
                     <a:p>
-                      <a:endParaRPr lang="en-US" dirty="0"/>
+                      <a:pPr algn="ctr"/>
+                      <a:r>
+                        <a:rPr lang="en-US" sz="1400" dirty="0"/>
+                        <a:t>80%</a:t>
+                      </a:r>
                     </a:p>
                   </a:txBody>
                   <a:tcPr/>
@@ -13878,7 +10876,11 @@
                     <a:bodyPr/>
                     <a:lstStyle/>
                     <a:p>
-                      <a:endParaRPr lang="en-US" dirty="0"/>
+                      <a:pPr algn="ctr"/>
+                      <a:r>
+                        <a:rPr lang="en-US" sz="1400" dirty="0"/>
+                        <a:t>83%</a:t>
+                      </a:r>
                     </a:p>
                   </a:txBody>
                   <a:tcPr/>
@@ -13888,7 +10890,11 @@
                     <a:bodyPr/>
                     <a:lstStyle/>
                     <a:p>
-                      <a:endParaRPr lang="en-US" dirty="0"/>
+                      <a:pPr algn="ctr"/>
+                      <a:r>
+                        <a:rPr lang="en-US" sz="1400" dirty="0"/>
+                        <a:t>82%</a:t>
+                      </a:r>
                     </a:p>
                   </a:txBody>
                   <a:tcPr/>
@@ -13898,7 +10904,11 @@
                     <a:bodyPr/>
                     <a:lstStyle/>
                     <a:p>
-                      <a:endParaRPr lang="en-US" dirty="0"/>
+                      <a:pPr algn="ctr"/>
+                      <a:r>
+                        <a:rPr lang="en-US" sz="1400" dirty="0"/>
+                        <a:t>X</a:t>
+                      </a:r>
                     </a:p>
                   </a:txBody>
                   <a:tcPr/>
@@ -13913,6 +10923,520 @@
           </a:graphicData>
         </a:graphic>
       </p:graphicFrame>
+      <p:graphicFrame>
+        <p:nvGraphicFramePr>
+          <p:cNvPr id="5" name="Table 4">
+            <a:extLst>
+              <a:ext uri="{FF2B5EF4-FFF2-40B4-BE49-F238E27FC236}">
+                <a16:creationId xmlns:a16="http://schemas.microsoft.com/office/drawing/2014/main" id="{09264546-C1ED-4119-B411-F186824955F3}"/>
+              </a:ext>
+            </a:extLst>
+          </p:cNvPr>
+          <p:cNvGraphicFramePr>
+            <a:graphicFrameLocks/>
+          </p:cNvGraphicFramePr>
+          <p:nvPr>
+            <p:extLst>
+              <p:ext uri="{D42A27DB-BD31-4B8C-83A1-F6EECF244321}">
+                <p14:modId xmlns:p14="http://schemas.microsoft.com/office/powerpoint/2010/main" val="2733650760"/>
+              </p:ext>
+            </p:extLst>
+          </p:nvPr>
+        </p:nvGraphicFramePr>
+        <p:xfrm>
+          <a:off x="5281249" y="4053008"/>
+          <a:ext cx="6160477" cy="1737360"/>
+        </p:xfrm>
+        <a:graphic>
+          <a:graphicData uri="http://schemas.openxmlformats.org/drawingml/2006/table">
+            <a:tbl>
+              <a:tblPr firstRow="1" bandRow="1">
+                <a:tableStyleId>{5C22544A-7EE6-4342-B048-85BDC9FD1C3A}</a:tableStyleId>
+              </a:tblPr>
+              <a:tblGrid>
+                <a:gridCol w="1405597">
+                  <a:extLst>
+                    <a:ext uri="{9D8B030D-6E8A-4147-A177-3AD203B41FA5}">
+                      <a16:colId xmlns:a16="http://schemas.microsoft.com/office/drawing/2014/main" val="1675195018"/>
+                    </a:ext>
+                  </a:extLst>
+                </a:gridCol>
+                <a:gridCol w="1073834">
+                  <a:extLst>
+                    <a:ext uri="{9D8B030D-6E8A-4147-A177-3AD203B41FA5}">
+                      <a16:colId xmlns:a16="http://schemas.microsoft.com/office/drawing/2014/main" val="2523006943"/>
+                    </a:ext>
+                  </a:extLst>
+                </a:gridCol>
+                <a:gridCol w="1137138">
+                  <a:extLst>
+                    <a:ext uri="{9D8B030D-6E8A-4147-A177-3AD203B41FA5}">
+                      <a16:colId xmlns:a16="http://schemas.microsoft.com/office/drawing/2014/main" val="4041600084"/>
+                    </a:ext>
+                  </a:extLst>
+                </a:gridCol>
+                <a:gridCol w="1055077">
+                  <a:extLst>
+                    <a:ext uri="{9D8B030D-6E8A-4147-A177-3AD203B41FA5}">
+                      <a16:colId xmlns:a16="http://schemas.microsoft.com/office/drawing/2014/main" val="2131329611"/>
+                    </a:ext>
+                  </a:extLst>
+                </a:gridCol>
+                <a:gridCol w="1488831">
+                  <a:extLst>
+                    <a:ext uri="{9D8B030D-6E8A-4147-A177-3AD203B41FA5}">
+                      <a16:colId xmlns:a16="http://schemas.microsoft.com/office/drawing/2014/main" val="1017018966"/>
+                    </a:ext>
+                  </a:extLst>
+                </a:gridCol>
+              </a:tblGrid>
+              <a:tr h="425709">
+                <a:tc>
+                  <a:txBody>
+                    <a:bodyPr/>
+                    <a:lstStyle/>
+                    <a:p>
+                      <a:r>
+                        <a:rPr lang="en-US" sz="1400" dirty="0"/>
+                        <a:t>RECALL RATE %</a:t>
+                      </a:r>
+                    </a:p>
+                  </a:txBody>
+                  <a:tcPr/>
+                </a:tc>
+                <a:tc>
+                  <a:txBody>
+                    <a:bodyPr/>
+                    <a:lstStyle/>
+                    <a:p>
+                      <a:r>
+                        <a:rPr lang="en-US" sz="1400" dirty="0"/>
+                        <a:t>Logistic Regression</a:t>
+                      </a:r>
+                    </a:p>
+                  </a:txBody>
+                  <a:tcPr/>
+                </a:tc>
+                <a:tc>
+                  <a:txBody>
+                    <a:bodyPr/>
+                    <a:lstStyle/>
+                    <a:p>
+                      <a:r>
+                        <a:rPr lang="en-US" sz="1400" dirty="0"/>
+                        <a:t>Random</a:t>
+                      </a:r>
+                    </a:p>
+                    <a:p>
+                      <a:r>
+                        <a:rPr lang="en-US" sz="1400" dirty="0"/>
+                        <a:t>Forest</a:t>
+                      </a:r>
+                    </a:p>
+                  </a:txBody>
+                  <a:tcPr/>
+                </a:tc>
+                <a:tc>
+                  <a:txBody>
+                    <a:bodyPr/>
+                    <a:lstStyle/>
+                    <a:p>
+                      <a:r>
+                        <a:rPr lang="en-US" sz="1400" dirty="0"/>
+                        <a:t>XGBoost</a:t>
+                      </a:r>
+                    </a:p>
+                  </a:txBody>
+                  <a:tcPr/>
+                </a:tc>
+                <a:tc>
+                  <a:txBody>
+                    <a:bodyPr/>
+                    <a:lstStyle/>
+                    <a:p>
+                      <a:r>
+                        <a:rPr lang="en-US" sz="1400" dirty="0"/>
+                        <a:t>Deep </a:t>
+                      </a:r>
+                      <a:r>
+                        <a:rPr lang="en-US" sz="1400" dirty="0" err="1"/>
+                        <a:t>NNet</a:t>
+                      </a:r>
+                      <a:endParaRPr lang="en-US" sz="1400" dirty="0"/>
+                    </a:p>
+                  </a:txBody>
+                  <a:tcPr/>
+                </a:tc>
+                <a:extLst>
+                  <a:ext uri="{0D108BD9-81ED-4DB2-BD59-A6C34878D82A}">
+                    <a16:rowId xmlns:a16="http://schemas.microsoft.com/office/drawing/2014/main" val="1224513483"/>
+                  </a:ext>
+                </a:extLst>
+              </a:tr>
+              <a:tr h="304674">
+                <a:tc>
+                  <a:txBody>
+                    <a:bodyPr/>
+                    <a:lstStyle/>
+                    <a:p>
+                      <a:pPr algn="ctr"/>
+                      <a:r>
+                        <a:rPr lang="en-US" sz="1400" dirty="0"/>
+                        <a:t>CountVectorizer</a:t>
+                      </a:r>
+                    </a:p>
+                  </a:txBody>
+                  <a:tcPr/>
+                </a:tc>
+                <a:tc>
+                  <a:txBody>
+                    <a:bodyPr/>
+                    <a:lstStyle/>
+                    <a:p>
+                      <a:pPr algn="ctr"/>
+                      <a:r>
+                        <a:rPr lang="en-US" sz="1400" dirty="0"/>
+                        <a:t>78%</a:t>
+                      </a:r>
+                    </a:p>
+                  </a:txBody>
+                  <a:tcPr/>
+                </a:tc>
+                <a:tc>
+                  <a:txBody>
+                    <a:bodyPr/>
+                    <a:lstStyle/>
+                    <a:p>
+                      <a:pPr algn="ctr"/>
+                      <a:r>
+                        <a:rPr lang="en-US" sz="1400" dirty="0"/>
+                        <a:t>77%</a:t>
+                      </a:r>
+                    </a:p>
+                  </a:txBody>
+                  <a:tcPr/>
+                </a:tc>
+                <a:tc>
+                  <a:txBody>
+                    <a:bodyPr/>
+                    <a:lstStyle/>
+                    <a:p>
+                      <a:pPr algn="ctr"/>
+                      <a:r>
+                        <a:rPr lang="en-US" sz="1400" dirty="0"/>
+                        <a:t>78%</a:t>
+                      </a:r>
+                    </a:p>
+                  </a:txBody>
+                  <a:tcPr/>
+                </a:tc>
+                <a:tc>
+                  <a:txBody>
+                    <a:bodyPr/>
+                    <a:lstStyle/>
+                    <a:p>
+                      <a:pPr algn="ctr"/>
+                      <a:r>
+                        <a:rPr lang="en-US" sz="1400" dirty="0"/>
+                        <a:t>X</a:t>
+                      </a:r>
+                    </a:p>
+                  </a:txBody>
+                  <a:tcPr/>
+                </a:tc>
+                <a:extLst>
+                  <a:ext uri="{0D108BD9-81ED-4DB2-BD59-A6C34878D82A}">
+                    <a16:rowId xmlns:a16="http://schemas.microsoft.com/office/drawing/2014/main" val="616880063"/>
+                  </a:ext>
+                </a:extLst>
+              </a:tr>
+              <a:tr h="304674">
+                <a:tc>
+                  <a:txBody>
+                    <a:bodyPr/>
+                    <a:lstStyle/>
+                    <a:p>
+                      <a:pPr algn="ctr"/>
+                      <a:r>
+                        <a:rPr lang="en-US" sz="1400" dirty="0"/>
+                        <a:t>TF-IDF</a:t>
+                      </a:r>
+                    </a:p>
+                  </a:txBody>
+                  <a:tcPr/>
+                </a:tc>
+                <a:tc>
+                  <a:txBody>
+                    <a:bodyPr/>
+                    <a:lstStyle/>
+                    <a:p>
+                      <a:pPr algn="ctr"/>
+                      <a:r>
+                        <a:rPr lang="en-US" sz="1400" dirty="0"/>
+                        <a:t>79%</a:t>
+                      </a:r>
+                    </a:p>
+                  </a:txBody>
+                  <a:tcPr/>
+                </a:tc>
+                <a:tc>
+                  <a:txBody>
+                    <a:bodyPr/>
+                    <a:lstStyle/>
+                    <a:p>
+                      <a:pPr algn="ctr"/>
+                      <a:r>
+                        <a:rPr lang="en-US" sz="1400" dirty="0"/>
+                        <a:t>77%</a:t>
+                      </a:r>
+                    </a:p>
+                  </a:txBody>
+                  <a:tcPr/>
+                </a:tc>
+                <a:tc>
+                  <a:txBody>
+                    <a:bodyPr/>
+                    <a:lstStyle/>
+                    <a:p>
+                      <a:pPr algn="ctr"/>
+                      <a:r>
+                        <a:rPr lang="en-US" sz="1400" dirty="0"/>
+                        <a:t>75%</a:t>
+                      </a:r>
+                    </a:p>
+                  </a:txBody>
+                  <a:tcPr/>
+                </a:tc>
+                <a:tc>
+                  <a:txBody>
+                    <a:bodyPr/>
+                    <a:lstStyle/>
+                    <a:p>
+                      <a:pPr algn="ctr"/>
+                      <a:r>
+                        <a:rPr lang="en-US" sz="1400" dirty="0"/>
+                        <a:t>X</a:t>
+                      </a:r>
+                    </a:p>
+                  </a:txBody>
+                  <a:tcPr/>
+                </a:tc>
+                <a:extLst>
+                  <a:ext uri="{0D108BD9-81ED-4DB2-BD59-A6C34878D82A}">
+                    <a16:rowId xmlns:a16="http://schemas.microsoft.com/office/drawing/2014/main" val="1926177694"/>
+                  </a:ext>
+                </a:extLst>
+              </a:tr>
+              <a:tr h="304674">
+                <a:tc>
+                  <a:txBody>
+                    <a:bodyPr/>
+                    <a:lstStyle/>
+                    <a:p>
+                      <a:pPr algn="ctr"/>
+                      <a:r>
+                        <a:rPr lang="en-US" sz="1400" dirty="0"/>
+                        <a:t>Word2Vect</a:t>
+                      </a:r>
+                    </a:p>
+                  </a:txBody>
+                  <a:tcPr/>
+                </a:tc>
+                <a:tc>
+                  <a:txBody>
+                    <a:bodyPr/>
+                    <a:lstStyle/>
+                    <a:p>
+                      <a:pPr algn="ctr"/>
+                      <a:r>
+                        <a:rPr lang="en-US" sz="1400" dirty="0"/>
+                        <a:t>78%</a:t>
+                      </a:r>
+                    </a:p>
+                  </a:txBody>
+                  <a:tcPr/>
+                </a:tc>
+                <a:tc>
+                  <a:txBody>
+                    <a:bodyPr/>
+                    <a:lstStyle/>
+                    <a:p>
+                      <a:pPr algn="ctr"/>
+                      <a:r>
+                        <a:rPr lang="en-US" sz="1400" dirty="0"/>
+                        <a:t>78%</a:t>
+                      </a:r>
+                    </a:p>
+                  </a:txBody>
+                  <a:tcPr/>
+                </a:tc>
+                <a:tc>
+                  <a:txBody>
+                    <a:bodyPr/>
+                    <a:lstStyle/>
+                    <a:p>
+                      <a:pPr algn="ctr"/>
+                      <a:r>
+                        <a:rPr lang="en-US" sz="1400" dirty="0"/>
+                        <a:t>81%</a:t>
+                      </a:r>
+                    </a:p>
+                  </a:txBody>
+                  <a:tcPr/>
+                </a:tc>
+                <a:tc>
+                  <a:txBody>
+                    <a:bodyPr/>
+                    <a:lstStyle/>
+                    <a:p>
+                      <a:pPr algn="ctr"/>
+                      <a:r>
+                        <a:rPr lang="en-US" sz="1400" dirty="0"/>
+                        <a:t>79%</a:t>
+                      </a:r>
+                    </a:p>
+                  </a:txBody>
+                  <a:tcPr/>
+                </a:tc>
+                <a:extLst>
+                  <a:ext uri="{0D108BD9-81ED-4DB2-BD59-A6C34878D82A}">
+                    <a16:rowId xmlns:a16="http://schemas.microsoft.com/office/drawing/2014/main" val="183308313"/>
+                  </a:ext>
+                </a:extLst>
+              </a:tr>
+              <a:tr h="304674">
+                <a:tc>
+                  <a:txBody>
+                    <a:bodyPr/>
+                    <a:lstStyle/>
+                    <a:p>
+                      <a:pPr algn="ctr"/>
+                      <a:r>
+                        <a:rPr lang="en-US" sz="1400" dirty="0"/>
+                        <a:t>GloVe</a:t>
+                      </a:r>
+                    </a:p>
+                  </a:txBody>
+                  <a:tcPr/>
+                </a:tc>
+                <a:tc>
+                  <a:txBody>
+                    <a:bodyPr/>
+                    <a:lstStyle/>
+                    <a:p>
+                      <a:pPr algn="ctr"/>
+                      <a:r>
+                        <a:rPr lang="en-US" sz="1400" dirty="0"/>
+                        <a:t>79%</a:t>
+                      </a:r>
+                    </a:p>
+                  </a:txBody>
+                  <a:tcPr/>
+                </a:tc>
+                <a:tc>
+                  <a:txBody>
+                    <a:bodyPr/>
+                    <a:lstStyle/>
+                    <a:p>
+                      <a:pPr algn="ctr"/>
+                      <a:r>
+                        <a:rPr lang="en-US" sz="1400" dirty="0"/>
+                        <a:t>80%</a:t>
+                      </a:r>
+                    </a:p>
+                  </a:txBody>
+                  <a:tcPr/>
+                </a:tc>
+                <a:tc>
+                  <a:txBody>
+                    <a:bodyPr/>
+                    <a:lstStyle/>
+                    <a:p>
+                      <a:pPr algn="ctr"/>
+                      <a:r>
+                        <a:rPr lang="en-US" sz="1400" dirty="0"/>
+                        <a:t>81%</a:t>
+                      </a:r>
+                    </a:p>
+                  </a:txBody>
+                  <a:tcPr/>
+                </a:tc>
+                <a:tc>
+                  <a:txBody>
+                    <a:bodyPr/>
+                    <a:lstStyle/>
+                    <a:p>
+                      <a:pPr algn="ctr"/>
+                      <a:r>
+                        <a:rPr lang="en-US" sz="1400" dirty="0"/>
+                        <a:t>X</a:t>
+                      </a:r>
+                    </a:p>
+                  </a:txBody>
+                  <a:tcPr/>
+                </a:tc>
+                <a:extLst>
+                  <a:ext uri="{0D108BD9-81ED-4DB2-BD59-A6C34878D82A}">
+                    <a16:rowId xmlns:a16="http://schemas.microsoft.com/office/drawing/2014/main" val="3697505038"/>
+                  </a:ext>
+                </a:extLst>
+              </a:tr>
+            </a:tbl>
+          </a:graphicData>
+        </a:graphic>
+      </p:graphicFrame>
+      <p:sp>
+        <p:nvSpPr>
+          <p:cNvPr id="6" name="Rectangle 5">
+            <a:extLst>
+              <a:ext uri="{FF2B5EF4-FFF2-40B4-BE49-F238E27FC236}">
+                <a16:creationId xmlns:a16="http://schemas.microsoft.com/office/drawing/2014/main" id="{AE7BEA2E-E474-4FC2-B046-3329C3C90C38}"/>
+              </a:ext>
+            </a:extLst>
+          </p:cNvPr>
+          <p:cNvSpPr/>
+          <p:nvPr/>
+        </p:nvSpPr>
+        <p:spPr>
+          <a:xfrm>
+            <a:off x="5228492" y="6646985"/>
+            <a:ext cx="1641231" cy="199292"/>
+          </a:xfrm>
+          <a:prstGeom prst="rect">
+            <a:avLst/>
+          </a:prstGeom>
+          <a:solidFill>
+            <a:schemeClr val="bg1"/>
+          </a:solidFill>
+          <a:ln>
+            <a:noFill/>
+          </a:ln>
+        </p:spPr>
+        <p:style>
+          <a:lnRef idx="2">
+            <a:schemeClr val="accent1">
+              <a:shade val="50000"/>
+            </a:schemeClr>
+          </a:lnRef>
+          <a:fillRef idx="1">
+            <a:schemeClr val="accent1"/>
+          </a:fillRef>
+          <a:effectRef idx="0">
+            <a:schemeClr val="accent1"/>
+          </a:effectRef>
+          <a:fontRef idx="minor">
+            <a:schemeClr val="lt1"/>
+          </a:fontRef>
+        </p:style>
+        <p:txBody>
+          <a:bodyPr rtlCol="0" anchor="ctr"/>
+          <a:lstStyle/>
+          <a:p>
+            <a:pPr algn="ctr"/>
+            <a:endParaRPr lang="en-US"/>
+          </a:p>
+        </p:txBody>
+      </p:sp>
     </p:spTree>
     <p:extLst>
       <p:ext uri="{BB962C8B-B14F-4D97-AF65-F5344CB8AC3E}">
@@ -13948,7 +11472,7 @@
           <p:cNvPr id="2" name="Title 1">
             <a:extLst>
               <a:ext uri="{FF2B5EF4-FFF2-40B4-BE49-F238E27FC236}">
-                <a16:creationId xmlns:a16="http://schemas.microsoft.com/office/drawing/2014/main" id="{BB9EE068-D112-421F-A76B-D2916EAF840E}"/>
+                <a16:creationId xmlns:a16="http://schemas.microsoft.com/office/drawing/2014/main" id="{7F92F32C-00D4-47E2-8D04-D403030811B7}"/>
               </a:ext>
             </a:extLst>
           </p:cNvPr>
@@ -13959,431 +11483,161 @@
             <p:ph type="title"/>
           </p:nvPr>
         </p:nvSpPr>
-        <p:spPr/>
+        <p:spPr>
+          <a:xfrm>
+            <a:off x="581192" y="702156"/>
+            <a:ext cx="11029616" cy="821844"/>
+          </a:xfrm>
+        </p:spPr>
         <p:txBody>
           <a:bodyPr/>
           <a:lstStyle/>
           <a:p>
             <a:r>
               <a:rPr lang="en-US" dirty="0"/>
-              <a:t>Classification </a:t>
-            </a:r>
-            <a:r>
-              <a:rPr lang="en-US" dirty="0">
-                <a:highlight>
-                  <a:srgbClr val="FFFF00"/>
-                </a:highlight>
-              </a:rPr>
-              <a:t>Precision/Recall rates</a:t>
-            </a:r>
-            <a:br>
-              <a:rPr lang="en-US" dirty="0">
-                <a:highlight>
-                  <a:srgbClr val="FFFF00"/>
-                </a:highlight>
-              </a:rPr>
-            </a:br>
-            <a:r>
-              <a:rPr lang="en-US" dirty="0"/>
-              <a:t>Tuned Hyperparameters </a:t>
+              <a:t>Conclusions </a:t>
             </a:r>
           </a:p>
         </p:txBody>
       </p:sp>
-      <p:graphicFrame>
-        <p:nvGraphicFramePr>
-          <p:cNvPr id="4" name="Table 4">
+      <p:sp>
+        <p:nvSpPr>
+          <p:cNvPr id="3" name="Content Placeholder 2">
             <a:extLst>
               <a:ext uri="{FF2B5EF4-FFF2-40B4-BE49-F238E27FC236}">
-                <a16:creationId xmlns:a16="http://schemas.microsoft.com/office/drawing/2014/main" id="{AFA74345-C30A-4545-9FC9-D4ACCAF7BB39}"/>
+                <a16:creationId xmlns:a16="http://schemas.microsoft.com/office/drawing/2014/main" id="{7808778D-6DDF-4AB1-AE62-EACDBB769681}"/>
               </a:ext>
             </a:extLst>
           </p:cNvPr>
-          <p:cNvGraphicFramePr>
-            <a:graphicFrameLocks noGrp="1"/>
-          </p:cNvGraphicFramePr>
+          <p:cNvSpPr>
+            <a:spLocks noGrp="1"/>
+          </p:cNvSpPr>
           <p:nvPr>
             <p:ph idx="1"/>
           </p:nvPr>
-        </p:nvGraphicFramePr>
-        <p:xfrm>
-          <a:off x="838200" y="2599348"/>
-          <a:ext cx="8763000" cy="2123440"/>
-        </p:xfrm>
-        <a:graphic>
-          <a:graphicData uri="http://schemas.openxmlformats.org/drawingml/2006/table">
-            <a:tbl>
-              <a:tblPr firstRow="1" bandRow="1">
-                <a:tableStyleId>{5C22544A-7EE6-4342-B048-85BDC9FD1C3A}</a:tableStyleId>
-              </a:tblPr>
-              <a:tblGrid>
-                <a:gridCol w="1752600">
-                  <a:extLst>
-                    <a:ext uri="{9D8B030D-6E8A-4147-A177-3AD203B41FA5}">
-                      <a16:colId xmlns:a16="http://schemas.microsoft.com/office/drawing/2014/main" val="1675195018"/>
-                    </a:ext>
-                  </a:extLst>
-                </a:gridCol>
-                <a:gridCol w="1752600">
-                  <a:extLst>
-                    <a:ext uri="{9D8B030D-6E8A-4147-A177-3AD203B41FA5}">
-                      <a16:colId xmlns:a16="http://schemas.microsoft.com/office/drawing/2014/main" val="2523006943"/>
-                    </a:ext>
-                  </a:extLst>
-                </a:gridCol>
-                <a:gridCol w="1752600">
-                  <a:extLst>
-                    <a:ext uri="{9D8B030D-6E8A-4147-A177-3AD203B41FA5}">
-                      <a16:colId xmlns:a16="http://schemas.microsoft.com/office/drawing/2014/main" val="4041600084"/>
-                    </a:ext>
-                  </a:extLst>
-                </a:gridCol>
-                <a:gridCol w="1752600">
-                  <a:extLst>
-                    <a:ext uri="{9D8B030D-6E8A-4147-A177-3AD203B41FA5}">
-                      <a16:colId xmlns:a16="http://schemas.microsoft.com/office/drawing/2014/main" val="2131329611"/>
-                    </a:ext>
-                  </a:extLst>
-                </a:gridCol>
-                <a:gridCol w="1752600">
-                  <a:extLst>
-                    <a:ext uri="{9D8B030D-6E8A-4147-A177-3AD203B41FA5}">
-                      <a16:colId xmlns:a16="http://schemas.microsoft.com/office/drawing/2014/main" val="1017018966"/>
-                    </a:ext>
-                  </a:extLst>
-                </a:gridCol>
-              </a:tblGrid>
-              <a:tr h="370840">
-                <a:tc>
-                  <a:txBody>
-                    <a:bodyPr/>
-                    <a:lstStyle/>
-                    <a:p>
-                      <a:endParaRPr lang="en-US"/>
-                    </a:p>
-                  </a:txBody>
-                  <a:tcPr/>
-                </a:tc>
-                <a:tc>
-                  <a:txBody>
-                    <a:bodyPr/>
-                    <a:lstStyle/>
-                    <a:p>
-                      <a:r>
-                        <a:rPr lang="en-US" dirty="0"/>
-                        <a:t>Logistic Regression</a:t>
-                      </a:r>
-                    </a:p>
-                  </a:txBody>
-                  <a:tcPr/>
-                </a:tc>
-                <a:tc>
-                  <a:txBody>
-                    <a:bodyPr/>
-                    <a:lstStyle/>
-                    <a:p>
-                      <a:r>
-                        <a:rPr lang="en-US" dirty="0"/>
-                        <a:t>Random</a:t>
-                      </a:r>
-                    </a:p>
-                    <a:p>
-                      <a:r>
-                        <a:rPr lang="en-US" dirty="0"/>
-                        <a:t>Forest</a:t>
-                      </a:r>
-                    </a:p>
-                  </a:txBody>
-                  <a:tcPr/>
-                </a:tc>
-                <a:tc>
-                  <a:txBody>
-                    <a:bodyPr/>
-                    <a:lstStyle/>
-                    <a:p>
-                      <a:r>
-                        <a:rPr lang="en-US" dirty="0"/>
-                        <a:t>XGBoost</a:t>
-                      </a:r>
-                    </a:p>
-                  </a:txBody>
-                  <a:tcPr/>
-                </a:tc>
-                <a:tc>
-                  <a:txBody>
-                    <a:bodyPr/>
-                    <a:lstStyle/>
-                    <a:p>
-                      <a:r>
-                        <a:rPr lang="en-US" dirty="0"/>
-                        <a:t>Deep </a:t>
-                      </a:r>
-                      <a:r>
-                        <a:rPr lang="en-US" dirty="0" err="1"/>
-                        <a:t>NNet</a:t>
-                      </a:r>
-                      <a:endParaRPr lang="en-US" dirty="0"/>
-                    </a:p>
-                  </a:txBody>
-                  <a:tcPr/>
-                </a:tc>
-                <a:extLst>
-                  <a:ext uri="{0D108BD9-81ED-4DB2-BD59-A6C34878D82A}">
-                    <a16:rowId xmlns:a16="http://schemas.microsoft.com/office/drawing/2014/main" val="1224513483"/>
-                  </a:ext>
-                </a:extLst>
-              </a:tr>
-              <a:tr h="370840">
-                <a:tc>
-                  <a:txBody>
-                    <a:bodyPr/>
-                    <a:lstStyle/>
-                    <a:p>
-                      <a:r>
-                        <a:rPr lang="en-US" dirty="0"/>
-                        <a:t>CountVectorizer</a:t>
-                      </a:r>
-                    </a:p>
-                  </a:txBody>
-                  <a:tcPr/>
-                </a:tc>
-                <a:tc>
-                  <a:txBody>
-                    <a:bodyPr/>
-                    <a:lstStyle/>
-                    <a:p>
-                      <a:r>
-                        <a:rPr lang="en-US" dirty="0"/>
-                        <a:t>79%</a:t>
-                      </a:r>
-                    </a:p>
-                  </a:txBody>
-                  <a:tcPr/>
-                </a:tc>
-                <a:tc>
-                  <a:txBody>
-                    <a:bodyPr/>
-                    <a:lstStyle/>
-                    <a:p>
-                      <a:endParaRPr lang="en-US"/>
-                    </a:p>
-                  </a:txBody>
-                  <a:tcPr/>
-                </a:tc>
-                <a:tc>
-                  <a:txBody>
-                    <a:bodyPr/>
-                    <a:lstStyle/>
-                    <a:p>
-                      <a:endParaRPr lang="en-US"/>
-                    </a:p>
-                  </a:txBody>
-                  <a:tcPr/>
-                </a:tc>
-                <a:tc>
-                  <a:txBody>
-                    <a:bodyPr/>
-                    <a:lstStyle/>
-                    <a:p>
-                      <a:endParaRPr lang="en-US" dirty="0"/>
-                    </a:p>
-                  </a:txBody>
-                  <a:tcPr/>
-                </a:tc>
-                <a:extLst>
-                  <a:ext uri="{0D108BD9-81ED-4DB2-BD59-A6C34878D82A}">
-                    <a16:rowId xmlns:a16="http://schemas.microsoft.com/office/drawing/2014/main" val="616880063"/>
-                  </a:ext>
-                </a:extLst>
-              </a:tr>
-              <a:tr h="370840">
-                <a:tc>
-                  <a:txBody>
-                    <a:bodyPr/>
-                    <a:lstStyle/>
-                    <a:p>
-                      <a:r>
-                        <a:rPr lang="en-US" dirty="0"/>
-                        <a:t>TF-IDF</a:t>
-                      </a:r>
-                    </a:p>
-                  </a:txBody>
-                  <a:tcPr/>
-                </a:tc>
-                <a:tc>
-                  <a:txBody>
-                    <a:bodyPr/>
-                    <a:lstStyle/>
-                    <a:p>
-                      <a:endParaRPr lang="en-US" dirty="0"/>
-                    </a:p>
-                  </a:txBody>
-                  <a:tcPr/>
-                </a:tc>
-                <a:tc>
-                  <a:txBody>
-                    <a:bodyPr/>
-                    <a:lstStyle/>
-                    <a:p>
-                      <a:endParaRPr lang="en-US" dirty="0"/>
-                    </a:p>
-                  </a:txBody>
-                  <a:tcPr/>
-                </a:tc>
-                <a:tc>
-                  <a:txBody>
-                    <a:bodyPr/>
-                    <a:lstStyle/>
-                    <a:p>
-                      <a:endParaRPr lang="en-US" dirty="0"/>
-                    </a:p>
-                  </a:txBody>
-                  <a:tcPr/>
-                </a:tc>
-                <a:tc>
-                  <a:txBody>
-                    <a:bodyPr/>
-                    <a:lstStyle/>
-                    <a:p>
-                      <a:endParaRPr lang="en-US" dirty="0"/>
-                    </a:p>
-                  </a:txBody>
-                  <a:tcPr/>
-                </a:tc>
-                <a:extLst>
-                  <a:ext uri="{0D108BD9-81ED-4DB2-BD59-A6C34878D82A}">
-                    <a16:rowId xmlns:a16="http://schemas.microsoft.com/office/drawing/2014/main" val="1926177694"/>
-                  </a:ext>
-                </a:extLst>
-              </a:tr>
-              <a:tr h="370840">
-                <a:tc>
-                  <a:txBody>
-                    <a:bodyPr/>
-                    <a:lstStyle/>
-                    <a:p>
-                      <a:r>
-                        <a:rPr lang="en-US" dirty="0"/>
-                        <a:t>Word2Vect</a:t>
-                      </a:r>
-                    </a:p>
-                  </a:txBody>
-                  <a:tcPr/>
-                </a:tc>
-                <a:tc>
-                  <a:txBody>
-                    <a:bodyPr/>
-                    <a:lstStyle/>
-                    <a:p>
-                      <a:endParaRPr lang="en-US" dirty="0"/>
-                    </a:p>
-                  </a:txBody>
-                  <a:tcPr/>
-                </a:tc>
-                <a:tc>
-                  <a:txBody>
-                    <a:bodyPr/>
-                    <a:lstStyle/>
-                    <a:p>
-                      <a:endParaRPr lang="en-US" dirty="0"/>
-                    </a:p>
-                  </a:txBody>
-                  <a:tcPr/>
-                </a:tc>
-                <a:tc>
-                  <a:txBody>
-                    <a:bodyPr/>
-                    <a:lstStyle/>
-                    <a:p>
-                      <a:endParaRPr lang="en-US" dirty="0"/>
-                    </a:p>
-                  </a:txBody>
-                  <a:tcPr/>
-                </a:tc>
-                <a:tc>
-                  <a:txBody>
-                    <a:bodyPr/>
-                    <a:lstStyle/>
-                    <a:p>
-                      <a:endParaRPr lang="en-US" dirty="0"/>
-                    </a:p>
-                  </a:txBody>
-                  <a:tcPr/>
-                </a:tc>
-                <a:extLst>
-                  <a:ext uri="{0D108BD9-81ED-4DB2-BD59-A6C34878D82A}">
-                    <a16:rowId xmlns:a16="http://schemas.microsoft.com/office/drawing/2014/main" val="183308313"/>
-                  </a:ext>
-                </a:extLst>
-              </a:tr>
-              <a:tr h="370840">
-                <a:tc>
-                  <a:txBody>
-                    <a:bodyPr/>
-                    <a:lstStyle/>
-                    <a:p>
-                      <a:r>
-                        <a:rPr lang="en-US" dirty="0"/>
-                        <a:t>GloVe</a:t>
-                      </a:r>
-                    </a:p>
-                  </a:txBody>
-                  <a:tcPr/>
-                </a:tc>
-                <a:tc>
-                  <a:txBody>
-                    <a:bodyPr/>
-                    <a:lstStyle/>
-                    <a:p>
-                      <a:endParaRPr lang="en-US" dirty="0"/>
-                    </a:p>
-                  </a:txBody>
-                  <a:tcPr/>
-                </a:tc>
-                <a:tc>
-                  <a:txBody>
-                    <a:bodyPr/>
-                    <a:lstStyle/>
-                    <a:p>
-                      <a:endParaRPr lang="en-US" dirty="0"/>
-                    </a:p>
-                  </a:txBody>
-                  <a:tcPr/>
-                </a:tc>
-                <a:tc>
-                  <a:txBody>
-                    <a:bodyPr/>
-                    <a:lstStyle/>
-                    <a:p>
-                      <a:endParaRPr lang="en-US" dirty="0"/>
-                    </a:p>
-                  </a:txBody>
-                  <a:tcPr/>
-                </a:tc>
-                <a:tc>
-                  <a:txBody>
-                    <a:bodyPr/>
-                    <a:lstStyle/>
-                    <a:p>
-                      <a:endParaRPr lang="en-US" dirty="0"/>
-                    </a:p>
-                  </a:txBody>
-                  <a:tcPr/>
-                </a:tc>
-                <a:extLst>
-                  <a:ext uri="{0D108BD9-81ED-4DB2-BD59-A6C34878D82A}">
-                    <a16:rowId xmlns:a16="http://schemas.microsoft.com/office/drawing/2014/main" val="3697505038"/>
-                  </a:ext>
-                </a:extLst>
-              </a:tr>
-            </a:tbl>
-          </a:graphicData>
-        </a:graphic>
-      </p:graphicFrame>
+        </p:nvSpPr>
+        <p:spPr>
+          <a:xfrm>
+            <a:off x="838200" y="1992925"/>
+            <a:ext cx="10515600" cy="3949578"/>
+          </a:xfrm>
+        </p:spPr>
+        <p:txBody>
+          <a:bodyPr>
+            <a:normAutofit/>
+          </a:bodyPr>
+          <a:lstStyle/>
+          <a:p>
+            <a:r>
+              <a:rPr lang="en-US" sz="1600" dirty="0"/>
+              <a:t>Best Classification performance (measured by accuracy and F1-score) is obtained for: Features via Embeddings (either Word2Vec or GloVe) and XGBoost Classifier</a:t>
+            </a:r>
+          </a:p>
+          <a:p>
+            <a:pPr lvl="1"/>
+            <a:r>
+              <a:rPr lang="en-US" sz="1600" dirty="0"/>
+              <a:t>Accuracy = 82% </a:t>
+            </a:r>
+          </a:p>
+          <a:p>
+            <a:pPr lvl="1"/>
+            <a:r>
+              <a:rPr lang="en-US" sz="1600" dirty="0"/>
+              <a:t>F1-score = 82%</a:t>
+            </a:r>
+          </a:p>
+          <a:p>
+            <a:pPr lvl="1"/>
+            <a:r>
+              <a:rPr lang="en-US" sz="1600" dirty="0"/>
+              <a:t>Precision Rate = 82% &amp; Recall Rate = 81%</a:t>
+            </a:r>
+          </a:p>
+          <a:p>
+            <a:r>
+              <a:rPr lang="en-US" sz="1600" dirty="0"/>
+              <a:t>Improvements from tuning where improving accuracy and F1-score by ~2% </a:t>
+            </a:r>
+          </a:p>
+          <a:p>
+            <a:r>
+              <a:rPr lang="en-US" sz="1600" dirty="0"/>
+              <a:t>Potential improvements (future work)</a:t>
+            </a:r>
+          </a:p>
+          <a:p>
+            <a:pPr lvl="1"/>
+            <a:r>
+              <a:rPr lang="en-US" sz="1600" dirty="0"/>
+              <a:t>Out of vocabulary words – e.g., typos</a:t>
+            </a:r>
+          </a:p>
+          <a:p>
+            <a:pPr lvl="1"/>
+            <a:endParaRPr lang="en-US" sz="1600" dirty="0"/>
+          </a:p>
+          <a:p>
+            <a:endParaRPr lang="en-US" sz="1800" dirty="0"/>
+          </a:p>
+        </p:txBody>
+      </p:sp>
+      <p:sp>
+        <p:nvSpPr>
+          <p:cNvPr id="4" name="Rectangle 3">
+            <a:extLst>
+              <a:ext uri="{FF2B5EF4-FFF2-40B4-BE49-F238E27FC236}">
+                <a16:creationId xmlns:a16="http://schemas.microsoft.com/office/drawing/2014/main" id="{154BF716-C4AA-4568-B1ED-4D75497D4B1F}"/>
+              </a:ext>
+            </a:extLst>
+          </p:cNvPr>
+          <p:cNvSpPr/>
+          <p:nvPr/>
+        </p:nvSpPr>
+        <p:spPr>
+          <a:xfrm>
+            <a:off x="5228492" y="6646985"/>
+            <a:ext cx="1641231" cy="199292"/>
+          </a:xfrm>
+          <a:prstGeom prst="rect">
+            <a:avLst/>
+          </a:prstGeom>
+          <a:solidFill>
+            <a:schemeClr val="bg1"/>
+          </a:solidFill>
+          <a:ln>
+            <a:noFill/>
+          </a:ln>
+        </p:spPr>
+        <p:style>
+          <a:lnRef idx="2">
+            <a:schemeClr val="accent1">
+              <a:shade val="50000"/>
+            </a:schemeClr>
+          </a:lnRef>
+          <a:fillRef idx="1">
+            <a:schemeClr val="accent1"/>
+          </a:fillRef>
+          <a:effectRef idx="0">
+            <a:schemeClr val="accent1"/>
+          </a:effectRef>
+          <a:fontRef idx="minor">
+            <a:schemeClr val="lt1"/>
+          </a:fontRef>
+        </p:style>
+        <p:txBody>
+          <a:bodyPr rtlCol="0" anchor="ctr"/>
+          <a:lstStyle/>
+          <a:p>
+            <a:pPr algn="ctr"/>
+            <a:endParaRPr lang="en-US"/>
+          </a:p>
+        </p:txBody>
+      </p:sp>
     </p:spTree>
     <p:extLst>
       <p:ext uri="{BB962C8B-B14F-4D97-AF65-F5344CB8AC3E}">
-        <p14:creationId xmlns:p14="http://schemas.microsoft.com/office/powerpoint/2010/main" val="165710529"/>
+        <p14:creationId xmlns:p14="http://schemas.microsoft.com/office/powerpoint/2010/main" val="2468802684"/>
       </p:ext>
     </p:extLst>
   </p:cSld>
@@ -14663,18 +11917,18 @@
 </file>
 
 <file path=customXml/item1.xml><?xml version="1.0" encoding="utf-8"?>
-<p:properties xmlns:p="http://schemas.microsoft.com/office/2006/metadata/properties" xmlns:xsi="http://www.w3.org/2001/XMLSchema-instance" xmlns:pc="http://schemas.microsoft.com/office/infopath/2007/PartnerControls">
-  <documentManagement/>
-</p:properties>
-</file>
-
-<file path=customXml/item2.xml><?xml version="1.0" encoding="utf-8"?>
 <?mso-contentType ?>
 <FormTemplates xmlns="http://schemas.microsoft.com/sharepoint/v3/contenttype/forms">
   <Display>DocumentLibraryForm</Display>
   <Edit>DocumentLibraryForm</Edit>
   <New>DocumentLibraryForm</New>
 </FormTemplates>
+</file>
+
+<file path=customXml/item2.xml><?xml version="1.0" encoding="utf-8"?>
+<p:properties xmlns:p="http://schemas.microsoft.com/office/2006/metadata/properties" xmlns:xsi="http://www.w3.org/2001/XMLSchema-instance" xmlns:pc="http://schemas.microsoft.com/office/infopath/2007/PartnerControls">
+  <documentManagement/>
+</p:properties>
 </file>
 
 <file path=customXml/item3.xml><?xml version="1.0" encoding="utf-8"?>
@@ -14901,6 +12155,14 @@
 </file>
 
 <file path=customXml/itemProps1.xml><?xml version="1.0" encoding="utf-8"?>
+<ds:datastoreItem xmlns:ds="http://schemas.openxmlformats.org/officeDocument/2006/customXml" ds:itemID="{C6B9F356-E37B-4A78-945B-3DAA33D11308}">
+  <ds:schemaRefs>
+    <ds:schemaRef ds:uri="http://schemas.microsoft.com/sharepoint/v3/contenttype/forms"/>
+  </ds:schemaRefs>
+</ds:datastoreItem>
+</file>
+
+<file path=customXml/itemProps2.xml><?xml version="1.0" encoding="utf-8"?>
 <ds:datastoreItem xmlns:ds="http://schemas.openxmlformats.org/officeDocument/2006/customXml" ds:itemID="{59145ECF-049B-4915-AFF6-4AE84EC42C31}">
   <ds:schemaRefs>
     <ds:schemaRef ds:uri="7eb5e0e6-c3bc-4107-a33a-80c64eb88319"/>
@@ -14913,14 +12175,6 @@
     <ds:schemaRef ds:uri="fedaa18d-8384-436c-aaa0-67ec6927a806"/>
     <ds:schemaRef ds:uri="http://www.w3.org/XML/1998/namespace"/>
     <ds:schemaRef ds:uri="http://purl.org/dc/dcmitype/"/>
-  </ds:schemaRefs>
-</ds:datastoreItem>
-</file>
-
-<file path=customXml/itemProps2.xml><?xml version="1.0" encoding="utf-8"?>
-<ds:datastoreItem xmlns:ds="http://schemas.openxmlformats.org/officeDocument/2006/customXml" ds:itemID="{C6B9F356-E37B-4A78-945B-3DAA33D11308}">
-  <ds:schemaRefs>
-    <ds:schemaRef ds:uri="http://schemas.microsoft.com/sharepoint/v3/contenttype/forms"/>
   </ds:schemaRefs>
 </ds:datastoreItem>
 </file>

--- a/FinalProject_presentation.pptx
+++ b/FinalProject_presentation.pptx
@@ -8,11 +8,11 @@
     <p:sldId id="257" r:id="rId5"/>
     <p:sldId id="259" r:id="rId6"/>
     <p:sldId id="260" r:id="rId7"/>
-    <p:sldId id="269" r:id="rId8"/>
-    <p:sldId id="273" r:id="rId9"/>
-    <p:sldId id="264" r:id="rId10"/>
-    <p:sldId id="265" r:id="rId11"/>
-    <p:sldId id="270" r:id="rId12"/>
+    <p:sldId id="273" r:id="rId8"/>
+    <p:sldId id="264" r:id="rId9"/>
+    <p:sldId id="265" r:id="rId10"/>
+    <p:sldId id="270" r:id="rId11"/>
+    <p:sldId id="275" r:id="rId12"/>
     <p:sldId id="271" r:id="rId13"/>
     <p:sldId id="266" r:id="rId14"/>
     <p:sldId id="258" r:id="rId15"/>
@@ -8380,12 +8380,49 @@
             <p:ph idx="1"/>
           </p:nvPr>
         </p:nvSpPr>
-        <p:spPr/>
+        <p:spPr>
+          <a:xfrm>
+            <a:off x="581192" y="2340864"/>
+            <a:ext cx="6996401" cy="2207282"/>
+          </a:xfrm>
+        </p:spPr>
         <p:txBody>
           <a:bodyPr/>
           <a:lstStyle/>
           <a:p>
-            <a:endParaRPr lang="en-US"/>
+            <a:r>
+              <a:rPr lang="en-US" dirty="0"/>
+              <a:t>Twitter has become an important tool as a communication channel</a:t>
+            </a:r>
+          </a:p>
+          <a:p>
+            <a:r>
+              <a:rPr lang="en-US" dirty="0"/>
+              <a:t>Media, Government, and other agencies monitor twitter real time</a:t>
+            </a:r>
+          </a:p>
+          <a:p>
+            <a:r>
+              <a:rPr lang="en-US" dirty="0"/>
+              <a:t>NLP models required but certain pitfalls can exist</a:t>
+            </a:r>
+          </a:p>
+          <a:p>
+            <a:pPr lvl="1"/>
+            <a:r>
+              <a:rPr lang="en-US" dirty="0"/>
+              <a:t>Words can have multiple meaning</a:t>
+            </a:r>
+          </a:p>
+          <a:p>
+            <a:pPr lvl="1"/>
+            <a:r>
+              <a:rPr lang="en-US" dirty="0"/>
+              <a:t>Context can be lost</a:t>
+            </a:r>
+          </a:p>
+          <a:p>
+            <a:endParaRPr lang="en-US" dirty="0"/>
           </a:p>
         </p:txBody>
       </p:sp>
@@ -8438,6 +8475,334 @@
           <a:p>
             <a:pPr algn="ctr"/>
             <a:endParaRPr lang="en-US"/>
+          </a:p>
+        </p:txBody>
+      </p:sp>
+      <p:sp>
+        <p:nvSpPr>
+          <p:cNvPr id="6" name="Content Placeholder 2">
+            <a:extLst>
+              <a:ext uri="{FF2B5EF4-FFF2-40B4-BE49-F238E27FC236}">
+                <a16:creationId xmlns:a16="http://schemas.microsoft.com/office/drawing/2014/main" id="{61E05339-41F6-4046-99B9-DE4AC5A4DD36}"/>
+              </a:ext>
+            </a:extLst>
+          </p:cNvPr>
+          <p:cNvSpPr txBox="1">
+            <a:spLocks/>
+          </p:cNvSpPr>
+          <p:nvPr/>
+        </p:nvSpPr>
+        <p:spPr>
+          <a:xfrm>
+            <a:off x="581192" y="4439702"/>
+            <a:ext cx="11234446" cy="2120123"/>
+          </a:xfrm>
+          <a:prstGeom prst="rect">
+            <a:avLst/>
+          </a:prstGeom>
+        </p:spPr>
+        <p:txBody>
+          <a:bodyPr vert="horz" lIns="91440" tIns="45720" rIns="91440" bIns="45720" rtlCol="0" anchor="ctr">
+            <a:normAutofit/>
+          </a:bodyPr>
+          <a:lstStyle>
+            <a:lvl1pPr marL="306000" indent="-306000" algn="l" defTabSz="457200" rtl="0" eaLnBrk="1" latinLnBrk="0" hangingPunct="1">
+              <a:lnSpc>
+                <a:spcPct val="110000"/>
+              </a:lnSpc>
+              <a:spcBef>
+                <a:spcPct val="20000"/>
+              </a:spcBef>
+              <a:spcAft>
+                <a:spcPts val="600"/>
+              </a:spcAft>
+              <a:buClr>
+                <a:schemeClr val="accent1"/>
+              </a:buClr>
+              <a:buSzPct val="92000"/>
+              <a:buFont typeface="Wingdings 2" panose="05020102010507070707" pitchFamily="18" charset="2"/>
+              <a:buChar char=""/>
+              <a:defRPr sz="1700" kern="1200">
+                <a:solidFill>
+                  <a:schemeClr val="tx1">
+                    <a:lumMod val="75000"/>
+                    <a:lumOff val="25000"/>
+                  </a:schemeClr>
+                </a:solidFill>
+                <a:latin typeface="+mn-lt"/>
+                <a:ea typeface="+mn-ea"/>
+                <a:cs typeface="+mn-cs"/>
+              </a:defRPr>
+            </a:lvl1pPr>
+            <a:lvl2pPr marL="630000" indent="-306000" algn="l" defTabSz="457200" rtl="0" eaLnBrk="1" latinLnBrk="0" hangingPunct="1">
+              <a:spcBef>
+                <a:spcPct val="20000"/>
+              </a:spcBef>
+              <a:spcAft>
+                <a:spcPts val="600"/>
+              </a:spcAft>
+              <a:buClr>
+                <a:schemeClr val="accent1"/>
+              </a:buClr>
+              <a:buSzPct val="92000"/>
+              <a:buFont typeface="Wingdings 2" panose="05020102010507070707" pitchFamily="18" charset="2"/>
+              <a:buChar char=""/>
+              <a:defRPr sz="1400" kern="1200">
+                <a:solidFill>
+                  <a:schemeClr val="tx1">
+                    <a:lumMod val="75000"/>
+                    <a:lumOff val="25000"/>
+                  </a:schemeClr>
+                </a:solidFill>
+                <a:latin typeface="+mn-lt"/>
+                <a:ea typeface="+mn-ea"/>
+                <a:cs typeface="+mn-cs"/>
+              </a:defRPr>
+            </a:lvl2pPr>
+            <a:lvl3pPr marL="900000" indent="-270000" algn="l" defTabSz="457200" rtl="0" eaLnBrk="1" latinLnBrk="0" hangingPunct="1">
+              <a:spcBef>
+                <a:spcPct val="20000"/>
+              </a:spcBef>
+              <a:spcAft>
+                <a:spcPts val="600"/>
+              </a:spcAft>
+              <a:buClr>
+                <a:schemeClr val="accent1"/>
+              </a:buClr>
+              <a:buSzPct val="92000"/>
+              <a:buFont typeface="Wingdings 2" panose="05020102010507070707" pitchFamily="18" charset="2"/>
+              <a:buChar char=""/>
+              <a:defRPr sz="1300" kern="1200">
+                <a:solidFill>
+                  <a:schemeClr val="tx1">
+                    <a:lumMod val="75000"/>
+                    <a:lumOff val="25000"/>
+                  </a:schemeClr>
+                </a:solidFill>
+                <a:latin typeface="+mn-lt"/>
+                <a:ea typeface="+mn-ea"/>
+                <a:cs typeface="+mn-cs"/>
+              </a:defRPr>
+            </a:lvl3pPr>
+            <a:lvl4pPr marL="1242000" indent="-234000" algn="l" defTabSz="457200" rtl="0" eaLnBrk="1" latinLnBrk="0" hangingPunct="1">
+              <a:spcBef>
+                <a:spcPct val="20000"/>
+              </a:spcBef>
+              <a:spcAft>
+                <a:spcPts val="600"/>
+              </a:spcAft>
+              <a:buClr>
+                <a:schemeClr val="accent1"/>
+              </a:buClr>
+              <a:buSzPct val="92000"/>
+              <a:buFont typeface="Wingdings 2" panose="05020102010507070707" pitchFamily="18" charset="2"/>
+              <a:buChar char=""/>
+              <a:defRPr sz="1100" kern="1200">
+                <a:solidFill>
+                  <a:schemeClr val="tx1">
+                    <a:lumMod val="75000"/>
+                    <a:lumOff val="25000"/>
+                  </a:schemeClr>
+                </a:solidFill>
+                <a:latin typeface="+mn-lt"/>
+                <a:ea typeface="+mn-ea"/>
+                <a:cs typeface="+mn-cs"/>
+              </a:defRPr>
+            </a:lvl4pPr>
+            <a:lvl5pPr marL="1602000" indent="-234000" algn="l" defTabSz="457200" rtl="0" eaLnBrk="1" latinLnBrk="0" hangingPunct="1">
+              <a:spcBef>
+                <a:spcPct val="20000"/>
+              </a:spcBef>
+              <a:spcAft>
+                <a:spcPts val="600"/>
+              </a:spcAft>
+              <a:buClr>
+                <a:schemeClr val="accent1"/>
+              </a:buClr>
+              <a:buSzPct val="92000"/>
+              <a:buFont typeface="Wingdings 2" panose="05020102010507070707" pitchFamily="18" charset="2"/>
+              <a:buChar char=""/>
+              <a:defRPr sz="1100" kern="1200">
+                <a:solidFill>
+                  <a:schemeClr val="tx1">
+                    <a:lumMod val="75000"/>
+                    <a:lumOff val="25000"/>
+                  </a:schemeClr>
+                </a:solidFill>
+                <a:latin typeface="+mn-lt"/>
+                <a:ea typeface="+mn-ea"/>
+                <a:cs typeface="+mn-cs"/>
+              </a:defRPr>
+            </a:lvl5pPr>
+            <a:lvl6pPr marL="1900000" indent="-228600" algn="l" defTabSz="457200" rtl="0" eaLnBrk="1" latinLnBrk="0" hangingPunct="1">
+              <a:spcBef>
+                <a:spcPct val="20000"/>
+              </a:spcBef>
+              <a:spcAft>
+                <a:spcPts val="600"/>
+              </a:spcAft>
+              <a:buClr>
+                <a:schemeClr val="accent2"/>
+              </a:buClr>
+              <a:buSzPct val="92000"/>
+              <a:buFont typeface="Wingdings 2" panose="05020102010507070707" pitchFamily="18" charset="2"/>
+              <a:buChar char=""/>
+              <a:defRPr sz="1200" kern="1200">
+                <a:solidFill>
+                  <a:schemeClr val="tx2"/>
+                </a:solidFill>
+                <a:latin typeface="+mn-lt"/>
+                <a:ea typeface="+mn-ea"/>
+                <a:cs typeface="+mn-cs"/>
+              </a:defRPr>
+            </a:lvl6pPr>
+            <a:lvl7pPr marL="2200000" indent="-228600" algn="l" defTabSz="457200" rtl="0" eaLnBrk="1" latinLnBrk="0" hangingPunct="1">
+              <a:spcBef>
+                <a:spcPct val="20000"/>
+              </a:spcBef>
+              <a:spcAft>
+                <a:spcPts val="600"/>
+              </a:spcAft>
+              <a:buClr>
+                <a:schemeClr val="accent2"/>
+              </a:buClr>
+              <a:buSzPct val="92000"/>
+              <a:buFont typeface="Wingdings 2" panose="05020102010507070707" pitchFamily="18" charset="2"/>
+              <a:buChar char=""/>
+              <a:defRPr sz="1200" kern="1200">
+                <a:solidFill>
+                  <a:schemeClr val="tx2"/>
+                </a:solidFill>
+                <a:latin typeface="+mn-lt"/>
+                <a:ea typeface="+mn-ea"/>
+                <a:cs typeface="+mn-cs"/>
+              </a:defRPr>
+            </a:lvl7pPr>
+            <a:lvl8pPr marL="2500000" indent="-228600" algn="l" defTabSz="457200" rtl="0" eaLnBrk="1" latinLnBrk="0" hangingPunct="1">
+              <a:spcBef>
+                <a:spcPct val="20000"/>
+              </a:spcBef>
+              <a:spcAft>
+                <a:spcPts val="600"/>
+              </a:spcAft>
+              <a:buClr>
+                <a:schemeClr val="accent2"/>
+              </a:buClr>
+              <a:buSzPct val="92000"/>
+              <a:buFont typeface="Wingdings 2" panose="05020102010507070707" pitchFamily="18" charset="2"/>
+              <a:buChar char=""/>
+              <a:defRPr sz="1200" kern="1200">
+                <a:solidFill>
+                  <a:schemeClr val="tx2"/>
+                </a:solidFill>
+                <a:latin typeface="+mn-lt"/>
+                <a:ea typeface="+mn-ea"/>
+                <a:cs typeface="+mn-cs"/>
+              </a:defRPr>
+            </a:lvl8pPr>
+            <a:lvl9pPr marL="2800000" indent="-228600" algn="l" defTabSz="457200" rtl="0" eaLnBrk="1" latinLnBrk="0" hangingPunct="1">
+              <a:spcBef>
+                <a:spcPct val="20000"/>
+              </a:spcBef>
+              <a:spcAft>
+                <a:spcPts val="600"/>
+              </a:spcAft>
+              <a:buClr>
+                <a:schemeClr val="accent2"/>
+              </a:buClr>
+              <a:buSzPct val="92000"/>
+              <a:buFont typeface="Wingdings 2" panose="05020102010507070707" pitchFamily="18" charset="2"/>
+              <a:buChar char=""/>
+              <a:defRPr sz="1200" kern="1200">
+                <a:solidFill>
+                  <a:schemeClr val="tx2"/>
+                </a:solidFill>
+                <a:latin typeface="+mn-lt"/>
+                <a:ea typeface="+mn-ea"/>
+                <a:cs typeface="+mn-cs"/>
+              </a:defRPr>
+            </a:lvl9pPr>
+          </a:lstStyle>
+          <a:p>
+            <a:pPr marL="0" indent="0">
+              <a:buNone/>
+            </a:pPr>
+            <a:r>
+              <a:rPr lang="en-US" sz="2000" dirty="0"/>
+              <a:t>Examples</a:t>
+            </a:r>
+            <a:endParaRPr lang="en-US" dirty="0"/>
+          </a:p>
+          <a:p>
+            <a:pPr>
+              <a:buFont typeface="Wingdings" panose="05000000000000000000" pitchFamily="2" charset="2"/>
+              <a:buChar char="§"/>
+            </a:pPr>
+            <a:r>
+              <a:rPr lang="en-US" sz="2000" dirty="0"/>
+              <a:t>She’s a natural disaster the last of the American girls ??”</a:t>
+            </a:r>
+          </a:p>
+          <a:p>
+            <a:pPr>
+              <a:buFont typeface="Wingdings" panose="05000000000000000000" pitchFamily="2" charset="2"/>
+              <a:buChar char="§"/>
+            </a:pPr>
+            <a:r>
+              <a:rPr lang="en-US" sz="2000" dirty="0"/>
+              <a:t>“Twilight’s encore wounded hearts book 3 </a:t>
+            </a:r>
+            <a:r>
+              <a:rPr lang="en-US" sz="2000" dirty="0" err="1"/>
+              <a:t>jacquie</a:t>
+            </a:r>
+            <a:r>
+              <a:rPr lang="en-US" sz="2000" dirty="0"/>
+              <a:t> </a:t>
+            </a:r>
+            <a:r>
+              <a:rPr lang="en-US" sz="2000" dirty="0" err="1"/>
+              <a:t>biggar</a:t>
+            </a:r>
+            <a:r>
+              <a:rPr lang="en-US" sz="2000" dirty="0"/>
+              <a:t> http t </a:t>
+            </a:r>
+            <a:r>
+              <a:rPr lang="en-US" sz="2000" dirty="0" err="1"/>
+              <a:t>znptdicqxe</a:t>
+            </a:r>
+            <a:r>
+              <a:rPr lang="en-US" sz="2000" dirty="0"/>
+              <a:t> amazon </a:t>
+            </a:r>
+            <a:r>
+              <a:rPr lang="en-US" sz="2000" dirty="0" err="1"/>
+              <a:t>kindlecountdown</a:t>
+            </a:r>
+            <a:r>
+              <a:rPr lang="en-US" sz="2000" dirty="0"/>
+              <a:t> sale </a:t>
+            </a:r>
+            <a:r>
+              <a:rPr lang="en-US" sz="2000" dirty="0" err="1"/>
+              <a:t>mfrwauthor</a:t>
+            </a:r>
+            <a:r>
+              <a:rPr lang="en-US" sz="2000" dirty="0"/>
+              <a:t> </a:t>
+            </a:r>
+            <a:r>
+              <a:rPr lang="en-US" sz="2000" dirty="0" err="1"/>
+              <a:t>mgtab</a:t>
+            </a:r>
+            <a:r>
+              <a:rPr lang="en-US" sz="2000" dirty="0"/>
+              <a:t>”</a:t>
+            </a:r>
+          </a:p>
+          <a:p>
+            <a:endParaRPr lang="en-US" dirty="0"/>
           </a:p>
         </p:txBody>
       </p:sp>
@@ -8499,31 +8864,41 @@
           </a:p>
         </p:txBody>
       </p:sp>
-      <p:sp>
-        <p:nvSpPr>
-          <p:cNvPr id="3" name="Content Placeholder 2">
+      <p:pic>
+        <p:nvPicPr>
+          <p:cNvPr id="6" name="Content Placeholder 5" descr="A screenshot of a cell phone&#10;&#10;Description automatically generated">
             <a:extLst>
               <a:ext uri="{FF2B5EF4-FFF2-40B4-BE49-F238E27FC236}">
-                <a16:creationId xmlns:a16="http://schemas.microsoft.com/office/drawing/2014/main" id="{D6BF3859-8D54-4CB7-BBD8-6DD3906080EC}"/>
+                <a16:creationId xmlns:a16="http://schemas.microsoft.com/office/drawing/2014/main" id="{6894B8C2-1384-4A51-994A-2A7FE1AD9B0E}"/>
               </a:ext>
             </a:extLst>
           </p:cNvPr>
-          <p:cNvSpPr>
-            <a:spLocks noGrp="1"/>
-          </p:cNvSpPr>
+          <p:cNvPicPr>
+            <a:picLocks noGrp="1" noChangeAspect="1"/>
+          </p:cNvPicPr>
           <p:nvPr>
             <p:ph idx="1"/>
           </p:nvPr>
-        </p:nvSpPr>
-        <p:spPr/>
-        <p:txBody>
-          <a:bodyPr/>
-          <a:lstStyle/>
-          <a:p>
-            <a:endParaRPr lang="en-US"/>
-          </a:p>
-        </p:txBody>
-      </p:sp>
+        </p:nvPicPr>
+        <p:blipFill>
+          <a:blip r:embed="rId2">
+            <a:extLst>
+              <a:ext uri="{28A0092B-C50C-407E-A947-70E740481C1C}">
+                <a14:useLocalDpi xmlns:a14="http://schemas.microsoft.com/office/drawing/2010/main" val="0"/>
+              </a:ext>
+            </a:extLst>
+          </a:blip>
+          <a:stretch>
+            <a:fillRect/>
+          </a:stretch>
+        </p:blipFill>
+        <p:spPr>
+          <a:xfrm>
+            <a:off x="3273089" y="1890876"/>
+            <a:ext cx="4657977" cy="4756109"/>
+          </a:xfrm>
+        </p:spPr>
+      </p:pic>
       <p:sp>
         <p:nvSpPr>
           <p:cNvPr id="4" name="Rectangle 3">
@@ -8590,141 +8965,6 @@
 </file>
 
 <file path=ppt/slides/slide4.xml><?xml version="1.0" encoding="utf-8"?>
-<p:sld xmlns:a="http://schemas.openxmlformats.org/drawingml/2006/main" xmlns:r="http://schemas.openxmlformats.org/officeDocument/2006/relationships" xmlns:p="http://schemas.openxmlformats.org/presentationml/2006/main">
-  <p:cSld>
-    <p:spTree>
-      <p:nvGrpSpPr>
-        <p:cNvPr id="1" name=""/>
-        <p:cNvGrpSpPr/>
-        <p:nvPr/>
-      </p:nvGrpSpPr>
-      <p:grpSpPr>
-        <a:xfrm>
-          <a:off x="0" y="0"/>
-          <a:ext cx="0" cy="0"/>
-          <a:chOff x="0" y="0"/>
-          <a:chExt cx="0" cy="0"/>
-        </a:xfrm>
-      </p:grpSpPr>
-      <p:sp>
-        <p:nvSpPr>
-          <p:cNvPr id="2" name="Title 1">
-            <a:extLst>
-              <a:ext uri="{FF2B5EF4-FFF2-40B4-BE49-F238E27FC236}">
-                <a16:creationId xmlns:a16="http://schemas.microsoft.com/office/drawing/2014/main" id="{FEA829F0-16FD-4DDA-99C1-80E219BF92C4}"/>
-              </a:ext>
-            </a:extLst>
-          </p:cNvPr>
-          <p:cNvSpPr>
-            <a:spLocks noGrp="1"/>
-          </p:cNvSpPr>
-          <p:nvPr>
-            <p:ph type="title"/>
-          </p:nvPr>
-        </p:nvSpPr>
-        <p:spPr/>
-        <p:txBody>
-          <a:bodyPr/>
-          <a:lstStyle/>
-          <a:p>
-            <a:r>
-              <a:rPr lang="en-US" dirty="0"/>
-              <a:t>Data Exploration</a:t>
-            </a:r>
-          </a:p>
-        </p:txBody>
-      </p:sp>
-      <p:sp>
-        <p:nvSpPr>
-          <p:cNvPr id="3" name="Content Placeholder 2">
-            <a:extLst>
-              <a:ext uri="{FF2B5EF4-FFF2-40B4-BE49-F238E27FC236}">
-                <a16:creationId xmlns:a16="http://schemas.microsoft.com/office/drawing/2014/main" id="{E981A254-EC06-4D4F-8515-68DB4DE1C67A}"/>
-              </a:ext>
-            </a:extLst>
-          </p:cNvPr>
-          <p:cNvSpPr>
-            <a:spLocks noGrp="1"/>
-          </p:cNvSpPr>
-          <p:nvPr>
-            <p:ph idx="1"/>
-          </p:nvPr>
-        </p:nvSpPr>
-        <p:spPr/>
-        <p:txBody>
-          <a:bodyPr/>
-          <a:lstStyle/>
-          <a:p>
-            <a:endParaRPr lang="en-US"/>
-          </a:p>
-        </p:txBody>
-      </p:sp>
-      <p:sp>
-        <p:nvSpPr>
-          <p:cNvPr id="4" name="Rectangle 3">
-            <a:extLst>
-              <a:ext uri="{FF2B5EF4-FFF2-40B4-BE49-F238E27FC236}">
-                <a16:creationId xmlns:a16="http://schemas.microsoft.com/office/drawing/2014/main" id="{3893B88C-B524-41BD-AB83-0100B96CFF3A}"/>
-              </a:ext>
-            </a:extLst>
-          </p:cNvPr>
-          <p:cNvSpPr/>
-          <p:nvPr/>
-        </p:nvSpPr>
-        <p:spPr>
-          <a:xfrm>
-            <a:off x="5228492" y="6646985"/>
-            <a:ext cx="1641231" cy="199292"/>
-          </a:xfrm>
-          <a:prstGeom prst="rect">
-            <a:avLst/>
-          </a:prstGeom>
-          <a:solidFill>
-            <a:schemeClr val="bg1"/>
-          </a:solidFill>
-          <a:ln>
-            <a:noFill/>
-          </a:ln>
-        </p:spPr>
-        <p:style>
-          <a:lnRef idx="2">
-            <a:schemeClr val="accent1">
-              <a:shade val="50000"/>
-            </a:schemeClr>
-          </a:lnRef>
-          <a:fillRef idx="1">
-            <a:schemeClr val="accent1"/>
-          </a:fillRef>
-          <a:effectRef idx="0">
-            <a:schemeClr val="accent1"/>
-          </a:effectRef>
-          <a:fontRef idx="minor">
-            <a:schemeClr val="lt1"/>
-          </a:fontRef>
-        </p:style>
-        <p:txBody>
-          <a:bodyPr rtlCol="0" anchor="ctr"/>
-          <a:lstStyle/>
-          <a:p>
-            <a:pPr algn="ctr"/>
-            <a:endParaRPr lang="en-US"/>
-          </a:p>
-        </p:txBody>
-      </p:sp>
-    </p:spTree>
-    <p:extLst>
-      <p:ext uri="{BB962C8B-B14F-4D97-AF65-F5344CB8AC3E}">
-        <p14:creationId xmlns:p14="http://schemas.microsoft.com/office/powerpoint/2010/main" val="793370864"/>
-      </p:ext>
-    </p:extLst>
-  </p:cSld>
-  <p:clrMapOvr>
-    <a:masterClrMapping/>
-  </p:clrMapOvr>
-</p:sld>
-</file>
-
-<file path=ppt/slides/slide5.xml><?xml version="1.0" encoding="utf-8"?>
 <p:sld xmlns:a="http://schemas.openxmlformats.org/drawingml/2006/main" xmlns:r="http://schemas.openxmlformats.org/officeDocument/2006/relationships" xmlns:p="http://schemas.openxmlformats.org/presentationml/2006/main">
   <p:cSld>
     <p:spTree>
@@ -9209,7 +9449,7 @@
 </p:sld>
 </file>
 
-<file path=ppt/slides/slide6.xml><?xml version="1.0" encoding="utf-8"?>
+<file path=ppt/slides/slide5.xml><?xml version="1.0" encoding="utf-8"?>
 <p:sld xmlns:a="http://schemas.openxmlformats.org/drawingml/2006/main" xmlns:r="http://schemas.openxmlformats.org/officeDocument/2006/relationships" xmlns:p="http://schemas.openxmlformats.org/presentationml/2006/main">
   <p:cSld>
     <p:spTree>
@@ -9803,7 +10043,7 @@
 </p:sld>
 </file>
 
-<file path=ppt/slides/slide7.xml><?xml version="1.0" encoding="utf-8"?>
+<file path=ppt/slides/slide6.xml><?xml version="1.0" encoding="utf-8"?>
 <p:sld xmlns:a="http://schemas.openxmlformats.org/drawingml/2006/main" xmlns:r="http://schemas.openxmlformats.org/officeDocument/2006/relationships" xmlns:p="http://schemas.openxmlformats.org/presentationml/2006/main">
   <p:cSld>
     <p:spTree>
@@ -10396,7 +10636,7 @@
 </p:sld>
 </file>
 
-<file path=ppt/slides/slide8.xml><?xml version="1.0" encoding="utf-8"?>
+<file path=ppt/slides/slide7.xml><?xml version="1.0" encoding="utf-8"?>
 <p:sld xmlns:a="http://schemas.openxmlformats.org/drawingml/2006/main" xmlns:r="http://schemas.openxmlformats.org/officeDocument/2006/relationships" xmlns:p="http://schemas.openxmlformats.org/presentationml/2006/main">
   <p:cSld>
     <p:spTree>
@@ -11450,6 +11690,151 @@
 </p:sld>
 </file>
 
+<file path=ppt/slides/slide8.xml><?xml version="1.0" encoding="utf-8"?>
+<p:sld xmlns:a="http://schemas.openxmlformats.org/drawingml/2006/main" xmlns:r="http://schemas.openxmlformats.org/officeDocument/2006/relationships" xmlns:p="http://schemas.openxmlformats.org/presentationml/2006/main">
+  <p:cSld>
+    <p:spTree>
+      <p:nvGrpSpPr>
+        <p:cNvPr id="1" name=""/>
+        <p:cNvGrpSpPr/>
+        <p:nvPr/>
+      </p:nvGrpSpPr>
+      <p:grpSpPr>
+        <a:xfrm>
+          <a:off x="0" y="0"/>
+          <a:ext cx="0" cy="0"/>
+          <a:chOff x="0" y="0"/>
+          <a:chExt cx="0" cy="0"/>
+        </a:xfrm>
+      </p:grpSpPr>
+      <p:sp>
+        <p:nvSpPr>
+          <p:cNvPr id="2" name="Title 1">
+            <a:extLst>
+              <a:ext uri="{FF2B5EF4-FFF2-40B4-BE49-F238E27FC236}">
+                <a16:creationId xmlns:a16="http://schemas.microsoft.com/office/drawing/2014/main" id="{BB9EE068-D112-421F-A76B-D2916EAF840E}"/>
+              </a:ext>
+            </a:extLst>
+          </p:cNvPr>
+          <p:cNvSpPr>
+            <a:spLocks noGrp="1"/>
+          </p:cNvSpPr>
+          <p:nvPr>
+            <p:ph type="title"/>
+          </p:nvPr>
+        </p:nvSpPr>
+        <p:spPr/>
+        <p:txBody>
+          <a:bodyPr/>
+          <a:lstStyle/>
+          <a:p>
+            <a:r>
+              <a:rPr lang="en-US" dirty="0"/>
+              <a:t>Roc Curve</a:t>
+            </a:r>
+          </a:p>
+        </p:txBody>
+      </p:sp>
+      <p:sp>
+        <p:nvSpPr>
+          <p:cNvPr id="6" name="Rectangle 5">
+            <a:extLst>
+              <a:ext uri="{FF2B5EF4-FFF2-40B4-BE49-F238E27FC236}">
+                <a16:creationId xmlns:a16="http://schemas.microsoft.com/office/drawing/2014/main" id="{AE7BEA2E-E474-4FC2-B046-3329C3C90C38}"/>
+              </a:ext>
+            </a:extLst>
+          </p:cNvPr>
+          <p:cNvSpPr/>
+          <p:nvPr/>
+        </p:nvSpPr>
+        <p:spPr>
+          <a:xfrm>
+            <a:off x="5228492" y="6646985"/>
+            <a:ext cx="1641231" cy="199292"/>
+          </a:xfrm>
+          <a:prstGeom prst="rect">
+            <a:avLst/>
+          </a:prstGeom>
+          <a:solidFill>
+            <a:schemeClr val="bg1"/>
+          </a:solidFill>
+          <a:ln>
+            <a:noFill/>
+          </a:ln>
+        </p:spPr>
+        <p:style>
+          <a:lnRef idx="2">
+            <a:schemeClr val="accent1">
+              <a:shade val="50000"/>
+            </a:schemeClr>
+          </a:lnRef>
+          <a:fillRef idx="1">
+            <a:schemeClr val="accent1"/>
+          </a:fillRef>
+          <a:effectRef idx="0">
+            <a:schemeClr val="accent1"/>
+          </a:effectRef>
+          <a:fontRef idx="minor">
+            <a:schemeClr val="lt1"/>
+          </a:fontRef>
+        </p:style>
+        <p:txBody>
+          <a:bodyPr rtlCol="0" anchor="ctr"/>
+          <a:lstStyle/>
+          <a:p>
+            <a:pPr algn="ctr"/>
+            <a:endParaRPr lang="en-US"/>
+          </a:p>
+        </p:txBody>
+      </p:sp>
+      <p:pic>
+        <p:nvPicPr>
+          <p:cNvPr id="9" name="Content Placeholder 8" descr="A close up of a mans face&#10;&#10;Description automatically generated">
+            <a:extLst>
+              <a:ext uri="{FF2B5EF4-FFF2-40B4-BE49-F238E27FC236}">
+                <a16:creationId xmlns:a16="http://schemas.microsoft.com/office/drawing/2014/main" id="{AF07ADDA-2624-487B-A239-A47541CEE16B}"/>
+              </a:ext>
+            </a:extLst>
+          </p:cNvPr>
+          <p:cNvPicPr>
+            <a:picLocks noGrp="1" noChangeAspect="1"/>
+          </p:cNvPicPr>
+          <p:nvPr>
+            <p:ph idx="1"/>
+          </p:nvPr>
+        </p:nvPicPr>
+        <p:blipFill>
+          <a:blip r:embed="rId2">
+            <a:extLst>
+              <a:ext uri="{28A0092B-C50C-407E-A947-70E740481C1C}">
+                <a14:useLocalDpi xmlns:a14="http://schemas.microsoft.com/office/drawing/2010/main" val="0"/>
+              </a:ext>
+            </a:extLst>
+          </a:blip>
+          <a:stretch>
+            <a:fillRect/>
+          </a:stretch>
+        </p:blipFill>
+        <p:spPr>
+          <a:xfrm>
+            <a:off x="2917530" y="1890876"/>
+            <a:ext cx="4621924" cy="4756109"/>
+          </a:xfrm>
+        </p:spPr>
+      </p:pic>
+    </p:spTree>
+    <p:extLst>
+      <p:ext uri="{BB962C8B-B14F-4D97-AF65-F5344CB8AC3E}">
+        <p14:creationId xmlns:p14="http://schemas.microsoft.com/office/powerpoint/2010/main" val="3376435689"/>
+      </p:ext>
+    </p:extLst>
+  </p:cSld>
+  <p:clrMapOvr>
+    <a:masterClrMapping/>
+  </p:clrMapOvr>
+</p:sld>
+</file>
+
 <file path=ppt/slides/slide9.xml><?xml version="1.0" encoding="utf-8"?>
 <p:sld xmlns:a="http://schemas.openxmlformats.org/drawingml/2006/main" xmlns:r="http://schemas.openxmlformats.org/officeDocument/2006/relationships" xmlns:p="http://schemas.openxmlformats.org/presentationml/2006/main">
   <p:cSld>
@@ -11557,7 +11942,7 @@
           <a:p>
             <a:r>
               <a:rPr lang="en-US" sz="1600" dirty="0"/>
-              <a:t>Improvements from tuning where improving accuracy and F1-score by ~2% </a:t>
+              <a:t>Improvements from tuning were improving accuracy and F1-score by ~2% </a:t>
             </a:r>
           </a:p>
           <a:p>
@@ -11571,6 +11956,13 @@
             <a:r>
               <a:rPr lang="en-US" sz="1600" dirty="0"/>
               <a:t>Out of vocabulary words – e.g., typos</a:t>
+            </a:r>
+          </a:p>
+          <a:p>
+            <a:pPr lvl="1"/>
+            <a:r>
+              <a:rPr lang="en-US" sz="1600" dirty="0"/>
+              <a:t>Create vectors for each word in each tweet</a:t>
             </a:r>
           </a:p>
           <a:p>
@@ -11926,12 +12318,6 @@
 </file>
 
 <file path=customXml/item2.xml><?xml version="1.0" encoding="utf-8"?>
-<p:properties xmlns:p="http://schemas.microsoft.com/office/2006/metadata/properties" xmlns:xsi="http://www.w3.org/2001/XMLSchema-instance" xmlns:pc="http://schemas.microsoft.com/office/infopath/2007/PartnerControls">
-  <documentManagement/>
-</p:properties>
-</file>
-
-<file path=customXml/item3.xml><?xml version="1.0" encoding="utf-8"?>
 <ct:contentTypeSchema xmlns:ct="http://schemas.microsoft.com/office/2006/metadata/contentType" xmlns:ma="http://schemas.microsoft.com/office/2006/metadata/properties/metaAttributes" ct:_="" ma:_="" ma:contentTypeName="Document" ma:contentTypeID="0x010100D09A4AC55DB23B409F9930A45A577CF8" ma:contentTypeVersion="13" ma:contentTypeDescription="Create a new document." ma:contentTypeScope="" ma:versionID="62863ce91714a6e6926beb841da81f45">
   <xsd:schema xmlns:xsd="http://www.w3.org/2001/XMLSchema" xmlns:xs="http://www.w3.org/2001/XMLSchema" xmlns:p="http://schemas.microsoft.com/office/2006/metadata/properties" xmlns:ns3="7eb5e0e6-c3bc-4107-a33a-80c64eb88319" xmlns:ns4="fedaa18d-8384-436c-aaa0-67ec6927a806" targetNamespace="http://schemas.microsoft.com/office/2006/metadata/properties" ma:root="true" ma:fieldsID="156b1824d531b0327b383d58586d45c8" ns3:_="" ns4:_="">
     <xsd:import namespace="7eb5e0e6-c3bc-4107-a33a-80c64eb88319"/>
@@ -12154,6 +12540,12 @@
 </ct:contentTypeSchema>
 </file>
 
+<file path=customXml/item3.xml><?xml version="1.0" encoding="utf-8"?>
+<p:properties xmlns:p="http://schemas.microsoft.com/office/2006/metadata/properties" xmlns:xsi="http://www.w3.org/2001/XMLSchema-instance" xmlns:pc="http://schemas.microsoft.com/office/infopath/2007/PartnerControls">
+  <documentManagement/>
+</p:properties>
+</file>
+
 <file path=customXml/itemProps1.xml><?xml version="1.0" encoding="utf-8"?>
 <ds:datastoreItem xmlns:ds="http://schemas.openxmlformats.org/officeDocument/2006/customXml" ds:itemID="{C6B9F356-E37B-4A78-945B-3DAA33D11308}">
   <ds:schemaRefs>
@@ -12163,23 +12555,6 @@
 </file>
 
 <file path=customXml/itemProps2.xml><?xml version="1.0" encoding="utf-8"?>
-<ds:datastoreItem xmlns:ds="http://schemas.openxmlformats.org/officeDocument/2006/customXml" ds:itemID="{59145ECF-049B-4915-AFF6-4AE84EC42C31}">
-  <ds:schemaRefs>
-    <ds:schemaRef ds:uri="7eb5e0e6-c3bc-4107-a33a-80c64eb88319"/>
-    <ds:schemaRef ds:uri="http://purl.org/dc/elements/1.1/"/>
-    <ds:schemaRef ds:uri="http://schemas.microsoft.com/office/2006/metadata/properties"/>
-    <ds:schemaRef ds:uri="http://purl.org/dc/terms/"/>
-    <ds:schemaRef ds:uri="http://schemas.openxmlformats.org/package/2006/metadata/core-properties"/>
-    <ds:schemaRef ds:uri="http://schemas.microsoft.com/office/infopath/2007/PartnerControls"/>
-    <ds:schemaRef ds:uri="http://schemas.microsoft.com/office/2006/documentManagement/types"/>
-    <ds:schemaRef ds:uri="fedaa18d-8384-436c-aaa0-67ec6927a806"/>
-    <ds:schemaRef ds:uri="http://www.w3.org/XML/1998/namespace"/>
-    <ds:schemaRef ds:uri="http://purl.org/dc/dcmitype/"/>
-  </ds:schemaRefs>
-</ds:datastoreItem>
-</file>
-
-<file path=customXml/itemProps3.xml><?xml version="1.0" encoding="utf-8"?>
 <ds:datastoreItem xmlns:ds="http://schemas.openxmlformats.org/officeDocument/2006/customXml" ds:itemID="{CDCEAE7F-77A9-4A38-AC78-B7889F39FB25}">
   <ds:schemaRefs>
     <ds:schemaRef ds:uri="http://schemas.microsoft.com/office/2006/metadata/contentType"/>
@@ -12196,4 +12571,21 @@
     <ds:schemaRef ds:uri="http://schemas.microsoft.com/internal/obd"/>
   </ds:schemaRefs>
 </ds:datastoreItem>
+</file>
+
+<file path=customXml/itemProps3.xml><?xml version="1.0" encoding="utf-8"?>
+<ds:datastoreItem xmlns:ds="http://schemas.openxmlformats.org/officeDocument/2006/customXml" ds:itemID="{59145ECF-049B-4915-AFF6-4AE84EC42C31}">
+  <ds:schemaRefs>
+    <ds:schemaRef ds:uri="7eb5e0e6-c3bc-4107-a33a-80c64eb88319"/>
+    <ds:schemaRef ds:uri="http://purl.org/dc/elements/1.1/"/>
+    <ds:schemaRef ds:uri="http://schemas.microsoft.com/office/2006/metadata/properties"/>
+    <ds:schemaRef ds:uri="http://purl.org/dc/terms/"/>
+    <ds:schemaRef ds:uri="http://schemas.openxmlformats.org/package/2006/metadata/core-properties"/>
+    <ds:schemaRef ds:uri="http://schemas.microsoft.com/office/infopath/2007/PartnerControls"/>
+    <ds:schemaRef ds:uri="http://schemas.microsoft.com/office/2006/documentManagement/types"/>
+    <ds:schemaRef ds:uri="fedaa18d-8384-436c-aaa0-67ec6927a806"/>
+    <ds:schemaRef ds:uri="http://www.w3.org/XML/1998/namespace"/>
+    <ds:schemaRef ds:uri="http://purl.org/dc/dcmitype/"/>
+  </ds:schemaRefs>
+</ds:datastoreItem>
 </file>
--- a/FinalProject_presentation.pptx
+++ b/FinalProject_presentation.pptx
@@ -13,10 +13,11 @@
     <p:sldId id="265" r:id="rId10"/>
     <p:sldId id="270" r:id="rId11"/>
     <p:sldId id="275" r:id="rId12"/>
-    <p:sldId id="271" r:id="rId13"/>
-    <p:sldId id="266" r:id="rId14"/>
-    <p:sldId id="258" r:id="rId15"/>
-    <p:sldId id="274" r:id="rId16"/>
+    <p:sldId id="276" r:id="rId13"/>
+    <p:sldId id="271" r:id="rId14"/>
+    <p:sldId id="266" r:id="rId15"/>
+    <p:sldId id="258" r:id="rId16"/>
+    <p:sldId id="274" r:id="rId17"/>
   </p:sldIdLst>
   <p:sldSz cx="12192000" cy="6858000"/>
   <p:notesSz cx="6858000" cy="9144000"/>
@@ -7901,6 +7902,210 @@
           <p:cNvPr id="2" name="Title 1">
             <a:extLst>
               <a:ext uri="{FF2B5EF4-FFF2-40B4-BE49-F238E27FC236}">
+                <a16:creationId xmlns:a16="http://schemas.microsoft.com/office/drawing/2014/main" id="{7F92F32C-00D4-47E2-8D04-D403030811B7}"/>
+              </a:ext>
+            </a:extLst>
+          </p:cNvPr>
+          <p:cNvSpPr>
+            <a:spLocks noGrp="1"/>
+          </p:cNvSpPr>
+          <p:nvPr>
+            <p:ph type="title"/>
+          </p:nvPr>
+        </p:nvSpPr>
+        <p:spPr>
+          <a:xfrm>
+            <a:off x="581192" y="702156"/>
+            <a:ext cx="11029616" cy="821844"/>
+          </a:xfrm>
+        </p:spPr>
+        <p:txBody>
+          <a:bodyPr/>
+          <a:lstStyle/>
+          <a:p>
+            <a:r>
+              <a:rPr lang="en-US" dirty="0"/>
+              <a:t>Conclusions </a:t>
+            </a:r>
+          </a:p>
+        </p:txBody>
+      </p:sp>
+      <p:sp>
+        <p:nvSpPr>
+          <p:cNvPr id="3" name="Content Placeholder 2">
+            <a:extLst>
+              <a:ext uri="{FF2B5EF4-FFF2-40B4-BE49-F238E27FC236}">
+                <a16:creationId xmlns:a16="http://schemas.microsoft.com/office/drawing/2014/main" id="{7808778D-6DDF-4AB1-AE62-EACDBB769681}"/>
+              </a:ext>
+            </a:extLst>
+          </p:cNvPr>
+          <p:cNvSpPr>
+            <a:spLocks noGrp="1"/>
+          </p:cNvSpPr>
+          <p:nvPr>
+            <p:ph idx="1"/>
+          </p:nvPr>
+        </p:nvSpPr>
+        <p:spPr>
+          <a:xfrm>
+            <a:off x="838200" y="1992925"/>
+            <a:ext cx="10515600" cy="3949578"/>
+          </a:xfrm>
+        </p:spPr>
+        <p:txBody>
+          <a:bodyPr>
+            <a:normAutofit/>
+          </a:bodyPr>
+          <a:lstStyle/>
+          <a:p>
+            <a:r>
+              <a:rPr lang="en-US" sz="1600" dirty="0"/>
+              <a:t>Best Classification performance (measured by accuracy and F1-score) is obtained for: Features via Embeddings (either Word2Vec or GloVe) and XGBoost Classifier</a:t>
+            </a:r>
+          </a:p>
+          <a:p>
+            <a:pPr lvl="1"/>
+            <a:r>
+              <a:rPr lang="en-US" sz="1600" dirty="0"/>
+              <a:t>Accuracy = 82% </a:t>
+            </a:r>
+          </a:p>
+          <a:p>
+            <a:pPr lvl="1"/>
+            <a:r>
+              <a:rPr lang="en-US" sz="1600" dirty="0"/>
+              <a:t>F1-score = 82%</a:t>
+            </a:r>
+          </a:p>
+          <a:p>
+            <a:pPr lvl="1"/>
+            <a:r>
+              <a:rPr lang="en-US" sz="1600" dirty="0"/>
+              <a:t>Precision Rate = 82% &amp; Recall Rate = 81%</a:t>
+            </a:r>
+          </a:p>
+          <a:p>
+            <a:r>
+              <a:rPr lang="en-US" sz="1600" dirty="0"/>
+              <a:t>Improvements from tuning were improving accuracy and F1-score by ~2% </a:t>
+            </a:r>
+          </a:p>
+          <a:p>
+            <a:r>
+              <a:rPr lang="en-US" sz="1600" dirty="0"/>
+              <a:t>Potential improvements (future work)</a:t>
+            </a:r>
+          </a:p>
+          <a:p>
+            <a:pPr lvl="1"/>
+            <a:r>
+              <a:rPr lang="en-US" sz="1600" dirty="0"/>
+              <a:t>Out of vocabulary words – e.g., typos</a:t>
+            </a:r>
+          </a:p>
+          <a:p>
+            <a:pPr lvl="1"/>
+            <a:r>
+              <a:rPr lang="en-US" sz="1600" dirty="0"/>
+              <a:t>Create vectors for each word in each tweet</a:t>
+            </a:r>
+          </a:p>
+          <a:p>
+            <a:pPr lvl="1"/>
+            <a:endParaRPr lang="en-US" sz="1600" dirty="0"/>
+          </a:p>
+          <a:p>
+            <a:endParaRPr lang="en-US" sz="1800" dirty="0"/>
+          </a:p>
+        </p:txBody>
+      </p:sp>
+      <p:sp>
+        <p:nvSpPr>
+          <p:cNvPr id="4" name="Rectangle 3">
+            <a:extLst>
+              <a:ext uri="{FF2B5EF4-FFF2-40B4-BE49-F238E27FC236}">
+                <a16:creationId xmlns:a16="http://schemas.microsoft.com/office/drawing/2014/main" id="{154BF716-C4AA-4568-B1ED-4D75497D4B1F}"/>
+              </a:ext>
+            </a:extLst>
+          </p:cNvPr>
+          <p:cNvSpPr/>
+          <p:nvPr/>
+        </p:nvSpPr>
+        <p:spPr>
+          <a:xfrm>
+            <a:off x="5228492" y="6646985"/>
+            <a:ext cx="1641231" cy="199292"/>
+          </a:xfrm>
+          <a:prstGeom prst="rect">
+            <a:avLst/>
+          </a:prstGeom>
+          <a:solidFill>
+            <a:schemeClr val="bg1"/>
+          </a:solidFill>
+          <a:ln>
+            <a:noFill/>
+          </a:ln>
+        </p:spPr>
+        <p:style>
+          <a:lnRef idx="2">
+            <a:schemeClr val="accent1">
+              <a:shade val="50000"/>
+            </a:schemeClr>
+          </a:lnRef>
+          <a:fillRef idx="1">
+            <a:schemeClr val="accent1"/>
+          </a:fillRef>
+          <a:effectRef idx="0">
+            <a:schemeClr val="accent1"/>
+          </a:effectRef>
+          <a:fontRef idx="minor">
+            <a:schemeClr val="lt1"/>
+          </a:fontRef>
+        </p:style>
+        <p:txBody>
+          <a:bodyPr rtlCol="0" anchor="ctr"/>
+          <a:lstStyle/>
+          <a:p>
+            <a:pPr algn="ctr"/>
+            <a:endParaRPr lang="en-US"/>
+          </a:p>
+        </p:txBody>
+      </p:sp>
+    </p:spTree>
+    <p:extLst>
+      <p:ext uri="{BB962C8B-B14F-4D97-AF65-F5344CB8AC3E}">
+        <p14:creationId xmlns:p14="http://schemas.microsoft.com/office/powerpoint/2010/main" val="2468802684"/>
+      </p:ext>
+    </p:extLst>
+  </p:cSld>
+  <p:clrMapOvr>
+    <a:masterClrMapping/>
+  </p:clrMapOvr>
+</p:sld>
+</file>
+
+<file path=ppt/slides/slide11.xml><?xml version="1.0" encoding="utf-8"?>
+<p:sld xmlns:a="http://schemas.openxmlformats.org/drawingml/2006/main" xmlns:r="http://schemas.openxmlformats.org/officeDocument/2006/relationships" xmlns:p="http://schemas.openxmlformats.org/presentationml/2006/main">
+  <p:cSld>
+    <p:spTree>
+      <p:nvGrpSpPr>
+        <p:cNvPr id="1" name=""/>
+        <p:cNvGrpSpPr/>
+        <p:nvPr/>
+      </p:nvGrpSpPr>
+      <p:grpSpPr>
+        <a:xfrm>
+          <a:off x="0" y="0"/>
+          <a:ext cx="0" cy="0"/>
+          <a:chOff x="0" y="0"/>
+          <a:chExt cx="0" cy="0"/>
+        </a:xfrm>
+      </p:grpSpPr>
+      <p:sp>
+        <p:nvSpPr>
+          <p:cNvPr id="2" name="Title 1">
+            <a:extLst>
+              <a:ext uri="{FF2B5EF4-FFF2-40B4-BE49-F238E27FC236}">
                 <a16:creationId xmlns:a16="http://schemas.microsoft.com/office/drawing/2014/main" id="{9498966D-07EA-4186-9D32-3786C7E89CCB}"/>
               </a:ext>
             </a:extLst>
@@ -7991,7 +8196,7 @@
 </p:sld>
 </file>
 
-<file path=ppt/slides/slide11.xml><?xml version="1.0" encoding="utf-8"?>
+<file path=ppt/slides/slide12.xml><?xml version="1.0" encoding="utf-8"?>
 <p:sld xmlns:a="http://schemas.openxmlformats.org/drawingml/2006/main" xmlns:r="http://schemas.openxmlformats.org/officeDocument/2006/relationships" xmlns:p="http://schemas.openxmlformats.org/presentationml/2006/main">
   <p:cSld>
     <p:spTree>
@@ -8179,7 +8384,7 @@
 </p:sld>
 </file>
 
-<file path=ppt/slides/slide12.xml><?xml version="1.0" encoding="utf-8"?>
+<file path=ppt/slides/slide13.xml><?xml version="1.0" encoding="utf-8"?>
 <p:sld xmlns:a="http://schemas.openxmlformats.org/drawingml/2006/main" xmlns:r="http://schemas.openxmlformats.org/officeDocument/2006/relationships" xmlns:p="http://schemas.openxmlformats.org/presentationml/2006/main">
   <p:cSld>
     <p:spTree>
@@ -11817,7 +12022,7 @@
         </p:blipFill>
         <p:spPr>
           <a:xfrm>
-            <a:off x="2917530" y="1890876"/>
+            <a:off x="3785038" y="1399735"/>
             <a:ext cx="4621924" cy="4756109"/>
           </a:xfrm>
         </p:spPr>
@@ -11880,97 +12085,8 @@
           <a:p>
             <a:r>
               <a:rPr lang="en-US" dirty="0"/>
-              <a:t>Conclusions </a:t>
-            </a:r>
-          </a:p>
-        </p:txBody>
-      </p:sp>
-      <p:sp>
-        <p:nvSpPr>
-          <p:cNvPr id="3" name="Content Placeholder 2">
-            <a:extLst>
-              <a:ext uri="{FF2B5EF4-FFF2-40B4-BE49-F238E27FC236}">
-                <a16:creationId xmlns:a16="http://schemas.microsoft.com/office/drawing/2014/main" id="{7808778D-6DDF-4AB1-AE62-EACDBB769681}"/>
-              </a:ext>
-            </a:extLst>
-          </p:cNvPr>
-          <p:cNvSpPr>
-            <a:spLocks noGrp="1"/>
-          </p:cNvSpPr>
-          <p:nvPr>
-            <p:ph idx="1"/>
-          </p:nvPr>
-        </p:nvSpPr>
-        <p:spPr>
-          <a:xfrm>
-            <a:off x="838200" y="1992925"/>
-            <a:ext cx="10515600" cy="3949578"/>
-          </a:xfrm>
-        </p:spPr>
-        <p:txBody>
-          <a:bodyPr>
-            <a:normAutofit/>
-          </a:bodyPr>
-          <a:lstStyle/>
-          <a:p>
-            <a:r>
-              <a:rPr lang="en-US" sz="1600" dirty="0"/>
-              <a:t>Best Classification performance (measured by accuracy and F1-score) is obtained for: Features via Embeddings (either Word2Vec or GloVe) and XGBoost Classifier</a:t>
-            </a:r>
-          </a:p>
-          <a:p>
-            <a:pPr lvl="1"/>
-            <a:r>
-              <a:rPr lang="en-US" sz="1600" dirty="0"/>
-              <a:t>Accuracy = 82% </a:t>
-            </a:r>
-          </a:p>
-          <a:p>
-            <a:pPr lvl="1"/>
-            <a:r>
-              <a:rPr lang="en-US" sz="1600" dirty="0"/>
-              <a:t>F1-score = 82%</a:t>
-            </a:r>
-          </a:p>
-          <a:p>
-            <a:pPr lvl="1"/>
-            <a:r>
-              <a:rPr lang="en-US" sz="1600" dirty="0"/>
-              <a:t>Precision Rate = 82% &amp; Recall Rate = 81%</a:t>
-            </a:r>
-          </a:p>
-          <a:p>
-            <a:r>
-              <a:rPr lang="en-US" sz="1600" dirty="0"/>
-              <a:t>Improvements from tuning were improving accuracy and F1-score by ~2% </a:t>
-            </a:r>
-          </a:p>
-          <a:p>
-            <a:r>
-              <a:rPr lang="en-US" sz="1600" dirty="0"/>
-              <a:t>Potential improvements (future work)</a:t>
-            </a:r>
-          </a:p>
-          <a:p>
-            <a:pPr lvl="1"/>
-            <a:r>
-              <a:rPr lang="en-US" sz="1600" dirty="0"/>
-              <a:t>Out of vocabulary words – e.g., typos</a:t>
-            </a:r>
-          </a:p>
-          <a:p>
-            <a:pPr lvl="1"/>
-            <a:r>
-              <a:rPr lang="en-US" sz="1600" dirty="0"/>
-              <a:t>Create vectors for each word in each tweet</a:t>
-            </a:r>
-          </a:p>
-          <a:p>
-            <a:pPr lvl="1"/>
-            <a:endParaRPr lang="en-US" sz="1600" dirty="0"/>
-          </a:p>
-          <a:p>
-            <a:endParaRPr lang="en-US" sz="1800" dirty="0"/>
+              <a:t>Confusion matrix </a:t>
+            </a:r>
           </a:p>
         </p:txBody>
       </p:sp>
@@ -12026,10 +12142,417 @@
           </a:p>
         </p:txBody>
       </p:sp>
+      <p:graphicFrame>
+        <p:nvGraphicFramePr>
+          <p:cNvPr id="7" name="Table 7">
+            <a:extLst>
+              <a:ext uri="{FF2B5EF4-FFF2-40B4-BE49-F238E27FC236}">
+                <a16:creationId xmlns:a16="http://schemas.microsoft.com/office/drawing/2014/main" id="{385ACD4E-F096-498F-B4D6-1762D3F9B1B4}"/>
+              </a:ext>
+            </a:extLst>
+          </p:cNvPr>
+          <p:cNvGraphicFramePr>
+            <a:graphicFrameLocks noGrp="1"/>
+          </p:cNvGraphicFramePr>
+          <p:nvPr>
+            <p:extLst>
+              <p:ext uri="{D42A27DB-BD31-4B8C-83A1-F6EECF244321}">
+                <p14:modId xmlns:p14="http://schemas.microsoft.com/office/powerpoint/2010/main" val="1487206056"/>
+              </p:ext>
+            </p:extLst>
+          </p:nvPr>
+        </p:nvGraphicFramePr>
+        <p:xfrm>
+          <a:off x="1523999" y="2910617"/>
+          <a:ext cx="4933245" cy="2057541"/>
+        </p:xfrm>
+        <a:graphic>
+          <a:graphicData uri="http://schemas.openxmlformats.org/drawingml/2006/table">
+            <a:tbl>
+              <a:tblPr firstRow="1" bandRow="1">
+                <a:tableStyleId>{5C22544A-7EE6-4342-B048-85BDC9FD1C3A}</a:tableStyleId>
+              </a:tblPr>
+              <a:tblGrid>
+                <a:gridCol w="1096277">
+                  <a:extLst>
+                    <a:ext uri="{9D8B030D-6E8A-4147-A177-3AD203B41FA5}">
+                      <a16:colId xmlns:a16="http://schemas.microsoft.com/office/drawing/2014/main" val="2117913464"/>
+                    </a:ext>
+                  </a:extLst>
+                </a:gridCol>
+                <a:gridCol w="1872702">
+                  <a:extLst>
+                    <a:ext uri="{9D8B030D-6E8A-4147-A177-3AD203B41FA5}">
+                      <a16:colId xmlns:a16="http://schemas.microsoft.com/office/drawing/2014/main" val="811524132"/>
+                    </a:ext>
+                  </a:extLst>
+                </a:gridCol>
+                <a:gridCol w="1964266">
+                  <a:extLst>
+                    <a:ext uri="{9D8B030D-6E8A-4147-A177-3AD203B41FA5}">
+                      <a16:colId xmlns:a16="http://schemas.microsoft.com/office/drawing/2014/main" val="2938836560"/>
+                    </a:ext>
+                  </a:extLst>
+                </a:gridCol>
+              </a:tblGrid>
+              <a:tr h="356223">
+                <a:tc>
+                  <a:txBody>
+                    <a:bodyPr/>
+                    <a:lstStyle/>
+                    <a:p>
+                      <a:endParaRPr lang="en-US" sz="1600" dirty="0"/>
+                    </a:p>
+                  </a:txBody>
+                  <a:tcPr/>
+                </a:tc>
+                <a:tc>
+                  <a:txBody>
+                    <a:bodyPr/>
+                    <a:lstStyle/>
+                    <a:p>
+                      <a:r>
+                        <a:rPr lang="en-US" sz="1600" b="0" dirty="0">
+                          <a:solidFill>
+                            <a:schemeClr val="tx1"/>
+                          </a:solidFill>
+                        </a:rPr>
+                        <a:t>Actual</a:t>
+                      </a:r>
+                      <a:r>
+                        <a:rPr lang="en-US" sz="1600" dirty="0">
+                          <a:solidFill>
+                            <a:schemeClr val="tx1"/>
+                          </a:solidFill>
+                        </a:rPr>
+                        <a:t> TRUE </a:t>
+                      </a:r>
+                      <a:r>
+                        <a:rPr lang="en-US" sz="1600" b="0" dirty="0">
+                          <a:solidFill>
+                            <a:schemeClr val="tx1"/>
+                          </a:solidFill>
+                        </a:rPr>
+                        <a:t>Tweets</a:t>
+                      </a:r>
+                    </a:p>
+                  </a:txBody>
+                  <a:tcPr/>
+                </a:tc>
+                <a:tc>
+                  <a:txBody>
+                    <a:bodyPr/>
+                    <a:lstStyle/>
+                    <a:p>
+                      <a:pPr marL="0" marR="0" lvl="0" indent="0" algn="l" defTabSz="457200" rtl="0" eaLnBrk="1" fontAlgn="auto" latinLnBrk="0" hangingPunct="1">
+                        <a:lnSpc>
+                          <a:spcPct val="100000"/>
+                        </a:lnSpc>
+                        <a:spcBef>
+                          <a:spcPts val="0"/>
+                        </a:spcBef>
+                        <a:spcAft>
+                          <a:spcPts val="0"/>
+                        </a:spcAft>
+                        <a:buClrTx/>
+                        <a:buSzTx/>
+                        <a:buFontTx/>
+                        <a:buNone/>
+                        <a:tabLst/>
+                        <a:defRPr/>
+                      </a:pPr>
+                      <a:r>
+                        <a:rPr lang="en-US" sz="1600" b="0" dirty="0">
+                          <a:solidFill>
+                            <a:schemeClr val="tx1"/>
+                          </a:solidFill>
+                        </a:rPr>
+                        <a:t>Actual</a:t>
+                      </a:r>
+                      <a:r>
+                        <a:rPr lang="en-US" sz="1600" b="1" dirty="0">
+                          <a:solidFill>
+                            <a:schemeClr val="tx1"/>
+                          </a:solidFill>
+                        </a:rPr>
+                        <a:t> FALSE </a:t>
+                      </a:r>
+                      <a:r>
+                        <a:rPr lang="en-US" sz="1600" b="0" dirty="0">
+                          <a:solidFill>
+                            <a:schemeClr val="tx1"/>
+                          </a:solidFill>
+                        </a:rPr>
+                        <a:t>Tweets</a:t>
+                      </a:r>
+                    </a:p>
+                  </a:txBody>
+                  <a:tcPr/>
+                </a:tc>
+                <a:extLst>
+                  <a:ext uri="{0D108BD9-81ED-4DB2-BD59-A6C34878D82A}">
+                    <a16:rowId xmlns:a16="http://schemas.microsoft.com/office/drawing/2014/main" val="4253280723"/>
+                  </a:ext>
+                </a:extLst>
+              </a:tr>
+              <a:tr h="657883">
+                <a:tc>
+                  <a:txBody>
+                    <a:bodyPr/>
+                    <a:lstStyle/>
+                    <a:p>
+                      <a:r>
+                        <a:rPr lang="en-US" sz="1600" dirty="0"/>
+                        <a:t>Tweets classified as </a:t>
+                      </a:r>
+                      <a:r>
+                        <a:rPr lang="en-US" sz="1600" b="1" dirty="0"/>
+                        <a:t>TRUE</a:t>
+                      </a:r>
+                    </a:p>
+                  </a:txBody>
+                  <a:tcPr>
+                    <a:solidFill>
+                      <a:srgbClr val="00B0F0"/>
+                    </a:solidFill>
+                  </a:tcPr>
+                </a:tc>
+                <a:tc>
+                  <a:txBody>
+                    <a:bodyPr/>
+                    <a:lstStyle/>
+                    <a:p>
+                      <a:pPr algn="ctr"/>
+                      <a:r>
+                        <a:rPr lang="en-US" sz="2000" dirty="0"/>
+                        <a:t>1176</a:t>
+                      </a:r>
+                    </a:p>
+                  </a:txBody>
+                  <a:tcPr anchor="ctr"/>
+                </a:tc>
+                <a:tc>
+                  <a:txBody>
+                    <a:bodyPr/>
+                    <a:lstStyle/>
+                    <a:p>
+                      <a:pPr algn="ctr"/>
+                      <a:r>
+                        <a:rPr lang="en-US" sz="2000" dirty="0"/>
+                        <a:t>142</a:t>
+                      </a:r>
+                    </a:p>
+                  </a:txBody>
+                  <a:tcPr anchor="ctr"/>
+                </a:tc>
+                <a:extLst>
+                  <a:ext uri="{0D108BD9-81ED-4DB2-BD59-A6C34878D82A}">
+                    <a16:rowId xmlns:a16="http://schemas.microsoft.com/office/drawing/2014/main" val="446786842"/>
+                  </a:ext>
+                </a:extLst>
+              </a:tr>
+              <a:tr h="878358">
+                <a:tc>
+                  <a:txBody>
+                    <a:bodyPr/>
+                    <a:lstStyle/>
+                    <a:p>
+                      <a:pPr marL="0" marR="0" lvl="0" indent="0" algn="l" defTabSz="457200" rtl="0" eaLnBrk="1" fontAlgn="auto" latinLnBrk="0" hangingPunct="1">
+                        <a:lnSpc>
+                          <a:spcPct val="100000"/>
+                        </a:lnSpc>
+                        <a:spcBef>
+                          <a:spcPts val="0"/>
+                        </a:spcBef>
+                        <a:spcAft>
+                          <a:spcPts val="0"/>
+                        </a:spcAft>
+                        <a:buClrTx/>
+                        <a:buSzTx/>
+                        <a:buFontTx/>
+                        <a:buNone/>
+                        <a:tabLst/>
+                        <a:defRPr/>
+                      </a:pPr>
+                      <a:r>
+                        <a:rPr lang="en-US" sz="1600" dirty="0"/>
+                        <a:t>Tweets classified as </a:t>
+                      </a:r>
+                      <a:r>
+                        <a:rPr lang="en-US" sz="1600" b="1" dirty="0"/>
+                        <a:t>FALSE</a:t>
+                      </a:r>
+                    </a:p>
+                  </a:txBody>
+                  <a:tcPr>
+                    <a:solidFill>
+                      <a:srgbClr val="00B0F0"/>
+                    </a:solidFill>
+                  </a:tcPr>
+                </a:tc>
+                <a:tc>
+                  <a:txBody>
+                    <a:bodyPr/>
+                    <a:lstStyle/>
+                    <a:p>
+                      <a:pPr algn="ctr"/>
+                      <a:r>
+                        <a:rPr lang="en-US" sz="2000" dirty="0"/>
+                        <a:t>382</a:t>
+                      </a:r>
+                    </a:p>
+                  </a:txBody>
+                  <a:tcPr anchor="ctr"/>
+                </a:tc>
+                <a:tc>
+                  <a:txBody>
+                    <a:bodyPr/>
+                    <a:lstStyle/>
+                    <a:p>
+                      <a:pPr algn="ctr"/>
+                      <a:r>
+                        <a:rPr lang="en-US" sz="2000" dirty="0"/>
+                        <a:t>584</a:t>
+                      </a:r>
+                    </a:p>
+                  </a:txBody>
+                  <a:tcPr anchor="ctr"/>
+                </a:tc>
+                <a:extLst>
+                  <a:ext uri="{0D108BD9-81ED-4DB2-BD59-A6C34878D82A}">
+                    <a16:rowId xmlns:a16="http://schemas.microsoft.com/office/drawing/2014/main" val="2021752507"/>
+                  </a:ext>
+                </a:extLst>
+              </a:tr>
+            </a:tbl>
+          </a:graphicData>
+        </a:graphic>
+      </p:graphicFrame>
+      <p:sp>
+        <p:nvSpPr>
+          <p:cNvPr id="9" name="TextBox 8">
+            <a:extLst>
+              <a:ext uri="{FF2B5EF4-FFF2-40B4-BE49-F238E27FC236}">
+                <a16:creationId xmlns:a16="http://schemas.microsoft.com/office/drawing/2014/main" id="{608F168F-43CC-400B-919A-D7A2676D9B0C}"/>
+              </a:ext>
+            </a:extLst>
+          </p:cNvPr>
+          <p:cNvSpPr txBox="1"/>
+          <p:nvPr/>
+        </p:nvSpPr>
+        <p:spPr>
+          <a:xfrm>
+            <a:off x="812800" y="2182261"/>
+            <a:ext cx="5205784" cy="400110"/>
+          </a:xfrm>
+          <a:prstGeom prst="rect">
+            <a:avLst/>
+          </a:prstGeom>
+          <a:noFill/>
+        </p:spPr>
+        <p:txBody>
+          <a:bodyPr wrap="none" rtlCol="0">
+            <a:spAutoFit/>
+          </a:bodyPr>
+          <a:lstStyle/>
+          <a:p>
+            <a:r>
+              <a:rPr lang="en-US" sz="2000" u="sng" dirty="0"/>
+              <a:t>Example</a:t>
+            </a:r>
+            <a:r>
+              <a:rPr lang="en-US" sz="2000" dirty="0"/>
+              <a:t>: TF-IDF Features &amp; XGBoost Classifier</a:t>
+            </a:r>
+          </a:p>
+        </p:txBody>
+      </p:sp>
+      <p:sp>
+        <p:nvSpPr>
+          <p:cNvPr id="6" name="TextBox 5">
+            <a:extLst>
+              <a:ext uri="{FF2B5EF4-FFF2-40B4-BE49-F238E27FC236}">
+                <a16:creationId xmlns:a16="http://schemas.microsoft.com/office/drawing/2014/main" id="{CFA85287-C5AB-4DC3-B6CC-5F7A5052D8A1}"/>
+              </a:ext>
+            </a:extLst>
+          </p:cNvPr>
+          <p:cNvSpPr txBox="1"/>
+          <p:nvPr/>
+        </p:nvSpPr>
+        <p:spPr>
+          <a:xfrm>
+            <a:off x="6849085" y="4079628"/>
+            <a:ext cx="4952381" cy="830997"/>
+          </a:xfrm>
+          <a:prstGeom prst="rect">
+            <a:avLst/>
+          </a:prstGeom>
+          <a:noFill/>
+        </p:spPr>
+        <p:txBody>
+          <a:bodyPr wrap="none" rtlCol="0">
+            <a:spAutoFit/>
+          </a:bodyPr>
+          <a:lstStyle/>
+          <a:p>
+            <a:r>
+              <a:rPr lang="en-US" sz="1600" b="1" dirty="0"/>
+              <a:t>Accuracy</a:t>
+            </a:r>
+            <a:r>
+              <a:rPr lang="en-US" sz="1600" dirty="0"/>
+              <a:t> = (1176+142)/(1176+142+382+584) = 0.77</a:t>
+            </a:r>
+          </a:p>
+          <a:p>
+            <a:endParaRPr lang="en-US" sz="1600" dirty="0"/>
+          </a:p>
+          <a:p>
+            <a:r>
+              <a:rPr lang="en-US" sz="1600" b="1" dirty="0"/>
+              <a:t>TPR</a:t>
+            </a:r>
+            <a:r>
+              <a:rPr lang="en-US" sz="1600" dirty="0"/>
+              <a:t> = 1176/(1176+382) = 0.75</a:t>
+            </a:r>
+          </a:p>
+        </p:txBody>
+      </p:sp>
+      <p:pic>
+        <p:nvPicPr>
+          <p:cNvPr id="10" name="Picture 9">
+            <a:extLst>
+              <a:ext uri="{FF2B5EF4-FFF2-40B4-BE49-F238E27FC236}">
+                <a16:creationId xmlns:a16="http://schemas.microsoft.com/office/drawing/2014/main" id="{6B422663-EA48-4A30-BE59-D53EEEBADAC0}"/>
+              </a:ext>
+            </a:extLst>
+          </p:cNvPr>
+          <p:cNvPicPr>
+            <a:picLocks noChangeAspect="1"/>
+          </p:cNvPicPr>
+          <p:nvPr/>
+        </p:nvPicPr>
+        <p:blipFill>
+          <a:blip r:embed="rId2"/>
+          <a:stretch>
+            <a:fillRect/>
+          </a:stretch>
+        </p:blipFill>
+        <p:spPr>
+          <a:xfrm>
+            <a:off x="7562683" y="1020271"/>
+            <a:ext cx="4048125" cy="1562100"/>
+          </a:xfrm>
+          <a:prstGeom prst="rect">
+            <a:avLst/>
+          </a:prstGeom>
+        </p:spPr>
+      </p:pic>
     </p:spTree>
     <p:extLst>
       <p:ext uri="{BB962C8B-B14F-4D97-AF65-F5344CB8AC3E}">
-        <p14:creationId xmlns:p14="http://schemas.microsoft.com/office/powerpoint/2010/main" val="2468802684"/>
+        <p14:creationId xmlns:p14="http://schemas.microsoft.com/office/powerpoint/2010/main" val="155986466"/>
       </p:ext>
     </p:extLst>
   </p:cSld>
@@ -12318,6 +12841,12 @@
 </file>
 
 <file path=customXml/item2.xml><?xml version="1.0" encoding="utf-8"?>
+<p:properties xmlns:p="http://schemas.microsoft.com/office/2006/metadata/properties" xmlns:xsi="http://www.w3.org/2001/XMLSchema-instance" xmlns:pc="http://schemas.microsoft.com/office/infopath/2007/PartnerControls">
+  <documentManagement/>
+</p:properties>
+</file>
+
+<file path=customXml/item3.xml><?xml version="1.0" encoding="utf-8"?>
 <ct:contentTypeSchema xmlns:ct="http://schemas.microsoft.com/office/2006/metadata/contentType" xmlns:ma="http://schemas.microsoft.com/office/2006/metadata/properties/metaAttributes" ct:_="" ma:_="" ma:contentTypeName="Document" ma:contentTypeID="0x010100D09A4AC55DB23B409F9930A45A577CF8" ma:contentTypeVersion="13" ma:contentTypeDescription="Create a new document." ma:contentTypeScope="" ma:versionID="62863ce91714a6e6926beb841da81f45">
   <xsd:schema xmlns:xsd="http://www.w3.org/2001/XMLSchema" xmlns:xs="http://www.w3.org/2001/XMLSchema" xmlns:p="http://schemas.microsoft.com/office/2006/metadata/properties" xmlns:ns3="7eb5e0e6-c3bc-4107-a33a-80c64eb88319" xmlns:ns4="fedaa18d-8384-436c-aaa0-67ec6927a806" targetNamespace="http://schemas.microsoft.com/office/2006/metadata/properties" ma:root="true" ma:fieldsID="156b1824d531b0327b383d58586d45c8" ns3:_="" ns4:_="">
     <xsd:import namespace="7eb5e0e6-c3bc-4107-a33a-80c64eb88319"/>
@@ -12540,12 +13069,6 @@
 </ct:contentTypeSchema>
 </file>
 
-<file path=customXml/item3.xml><?xml version="1.0" encoding="utf-8"?>
-<p:properties xmlns:p="http://schemas.microsoft.com/office/2006/metadata/properties" xmlns:xsi="http://www.w3.org/2001/XMLSchema-instance" xmlns:pc="http://schemas.microsoft.com/office/infopath/2007/PartnerControls">
-  <documentManagement/>
-</p:properties>
-</file>
-
 <file path=customXml/itemProps1.xml><?xml version="1.0" encoding="utf-8"?>
 <ds:datastoreItem xmlns:ds="http://schemas.openxmlformats.org/officeDocument/2006/customXml" ds:itemID="{C6B9F356-E37B-4A78-945B-3DAA33D11308}">
   <ds:schemaRefs>
@@ -12555,6 +13078,23 @@
 </file>
 
 <file path=customXml/itemProps2.xml><?xml version="1.0" encoding="utf-8"?>
+<ds:datastoreItem xmlns:ds="http://schemas.openxmlformats.org/officeDocument/2006/customXml" ds:itemID="{59145ECF-049B-4915-AFF6-4AE84EC42C31}">
+  <ds:schemaRefs>
+    <ds:schemaRef ds:uri="7eb5e0e6-c3bc-4107-a33a-80c64eb88319"/>
+    <ds:schemaRef ds:uri="http://purl.org/dc/elements/1.1/"/>
+    <ds:schemaRef ds:uri="http://schemas.microsoft.com/office/2006/metadata/properties"/>
+    <ds:schemaRef ds:uri="http://purl.org/dc/terms/"/>
+    <ds:schemaRef ds:uri="http://schemas.openxmlformats.org/package/2006/metadata/core-properties"/>
+    <ds:schemaRef ds:uri="http://schemas.microsoft.com/office/infopath/2007/PartnerControls"/>
+    <ds:schemaRef ds:uri="http://schemas.microsoft.com/office/2006/documentManagement/types"/>
+    <ds:schemaRef ds:uri="fedaa18d-8384-436c-aaa0-67ec6927a806"/>
+    <ds:schemaRef ds:uri="http://www.w3.org/XML/1998/namespace"/>
+    <ds:schemaRef ds:uri="http://purl.org/dc/dcmitype/"/>
+  </ds:schemaRefs>
+</ds:datastoreItem>
+</file>
+
+<file path=customXml/itemProps3.xml><?xml version="1.0" encoding="utf-8"?>
 <ds:datastoreItem xmlns:ds="http://schemas.openxmlformats.org/officeDocument/2006/customXml" ds:itemID="{CDCEAE7F-77A9-4A38-AC78-B7889F39FB25}">
   <ds:schemaRefs>
     <ds:schemaRef ds:uri="http://schemas.microsoft.com/office/2006/metadata/contentType"/>
@@ -12571,21 +13111,4 @@
     <ds:schemaRef ds:uri="http://schemas.microsoft.com/internal/obd"/>
   </ds:schemaRefs>
 </ds:datastoreItem>
-</file>
-
-<file path=customXml/itemProps3.xml><?xml version="1.0" encoding="utf-8"?>
-<ds:datastoreItem xmlns:ds="http://schemas.openxmlformats.org/officeDocument/2006/customXml" ds:itemID="{59145ECF-049B-4915-AFF6-4AE84EC42C31}">
-  <ds:schemaRefs>
-    <ds:schemaRef ds:uri="7eb5e0e6-c3bc-4107-a33a-80c64eb88319"/>
-    <ds:schemaRef ds:uri="http://purl.org/dc/elements/1.1/"/>
-    <ds:schemaRef ds:uri="http://schemas.microsoft.com/office/2006/metadata/properties"/>
-    <ds:schemaRef ds:uri="http://purl.org/dc/terms/"/>
-    <ds:schemaRef ds:uri="http://schemas.openxmlformats.org/package/2006/metadata/core-properties"/>
-    <ds:schemaRef ds:uri="http://schemas.microsoft.com/office/infopath/2007/PartnerControls"/>
-    <ds:schemaRef ds:uri="http://schemas.microsoft.com/office/2006/documentManagement/types"/>
-    <ds:schemaRef ds:uri="fedaa18d-8384-436c-aaa0-67ec6927a806"/>
-    <ds:schemaRef ds:uri="http://www.w3.org/XML/1998/namespace"/>
-    <ds:schemaRef ds:uri="http://purl.org/dc/dcmitype/"/>
-  </ds:schemaRefs>
-</ds:datastoreItem>
 </file>
--- a/FinalProject_presentation.pptx
+++ b/FinalProject_presentation.pptx
@@ -16,8 +16,9 @@
     <p:sldId id="276" r:id="rId13"/>
     <p:sldId id="271" r:id="rId14"/>
     <p:sldId id="266" r:id="rId15"/>
-    <p:sldId id="258" r:id="rId16"/>
-    <p:sldId id="274" r:id="rId17"/>
+    <p:sldId id="274" r:id="rId16"/>
+    <p:sldId id="277" r:id="rId17"/>
+    <p:sldId id="258" r:id="rId18"/>
   </p:sldIdLst>
   <p:sldSz cx="12192000" cy="6858000"/>
   <p:notesSz cx="6858000" cy="9144000"/>
@@ -3987,7 +3988,7 @@
           <a:p>
             <a:fld id="{ED291B17-9318-49DB-B28B-6E5994AE9581}" type="datetime1">
               <a:rPr lang="en-US" smtClean="0"/>
-              <a:t>3/20/2020</a:t>
+              <a:t>3/21/2020</a:t>
             </a:fld>
             <a:endParaRPr lang="en-US" dirty="0"/>
           </a:p>
@@ -4190,7 +4191,7 @@
           <a:p>
             <a:fld id="{2CED4963-E985-44C4-B8C4-FDD613B7C2F8}" type="datetime1">
               <a:rPr lang="en-US" smtClean="0"/>
-              <a:t>3/20/2020</a:t>
+              <a:t>3/21/2020</a:t>
             </a:fld>
             <a:endParaRPr lang="en-US" dirty="0"/>
           </a:p>
@@ -4552,7 +4553,7 @@
           <a:p>
             <a:fld id="{ED291B17-9318-49DB-B28B-6E5994AE9581}" type="datetime1">
               <a:rPr lang="en-US" smtClean="0"/>
-              <a:t>3/20/2020</a:t>
+              <a:t>3/21/2020</a:t>
             </a:fld>
             <a:endParaRPr lang="en-US" dirty="0"/>
           </a:p>
@@ -4750,7 +4751,7 @@
           <a:p>
             <a:fld id="{78DD82B9-B8EE-4375-B6FF-88FA6ABB15D9}" type="datetime1">
               <a:rPr lang="en-US" smtClean="0"/>
-              <a:t>3/20/2020</a:t>
+              <a:t>3/21/2020</a:t>
             </a:fld>
             <a:endParaRPr lang="en-US" dirty="0"/>
           </a:p>
@@ -5062,7 +5063,7 @@
           <a:p>
             <a:fld id="{B2497495-0637-405E-AE64-5CC7506D51F5}" type="datetime1">
               <a:rPr lang="en-US" smtClean="0"/>
-              <a:t>3/20/2020</a:t>
+              <a:t>3/21/2020</a:t>
             </a:fld>
             <a:endParaRPr lang="en-US" dirty="0"/>
           </a:p>
@@ -5315,7 +5316,7 @@
           <a:p>
             <a:fld id="{7BFFD690-9426-415D-8B65-26881E07B2D4}" type="datetime1">
               <a:rPr lang="en-US" smtClean="0"/>
-              <a:t>3/20/2020</a:t>
+              <a:t>3/21/2020</a:t>
             </a:fld>
             <a:endParaRPr lang="en-US" dirty="0"/>
           </a:p>
@@ -5737,7 +5738,7 @@
           <a:p>
             <a:fld id="{04C4989A-474C-40DE-95B9-011C28B71673}" type="datetime1">
               <a:rPr lang="en-US" smtClean="0"/>
-              <a:t>3/20/2020</a:t>
+              <a:t>3/21/2020</a:t>
             </a:fld>
             <a:endParaRPr lang="en-US" dirty="0"/>
           </a:p>
@@ -5860,7 +5861,7 @@
           <a:p>
             <a:fld id="{5DB4ED54-5B5E-4A04-93D3-5772E3CE3818}" type="datetime1">
               <a:rPr lang="en-US" smtClean="0"/>
-              <a:t>3/20/2020</a:t>
+              <a:t>3/21/2020</a:t>
             </a:fld>
             <a:endParaRPr lang="en-US" dirty="0"/>
           </a:p>
@@ -5955,7 +5956,7 @@
           <a:p>
             <a:fld id="{4EDE50D6-574B-40AF-946F-D52A04ADE379}" type="datetime1">
               <a:rPr lang="en-US" smtClean="0"/>
-              <a:t>3/20/2020</a:t>
+              <a:t>3/21/2020</a:t>
             </a:fld>
             <a:endParaRPr lang="en-US" dirty="0"/>
           </a:p>
@@ -6332,7 +6333,7 @@
           <a:p>
             <a:fld id="{D82884F1-FFEA-405F-9602-3DCA865EDA4E}" type="datetime1">
               <a:rPr lang="en-US" smtClean="0"/>
-              <a:t>3/20/2020</a:t>
+              <a:t>3/21/2020</a:t>
             </a:fld>
             <a:endParaRPr lang="en-US" dirty="0"/>
           </a:p>
@@ -6625,7 +6626,7 @@
           <a:p>
             <a:fld id="{7E18DB4A-8810-4A10-AD5C-D5E2C667F5B3}" type="datetime1">
               <a:rPr lang="en-US" smtClean="0"/>
-              <a:t>3/20/2020</a:t>
+              <a:t>3/21/2020</a:t>
             </a:fld>
             <a:endParaRPr lang="en-US" dirty="0"/>
           </a:p>
@@ -6840,7 +6841,7 @@
           <a:p>
             <a:fld id="{ED291B17-9318-49DB-B28B-6E5994AE9581}" type="datetime1">
               <a:rPr lang="en-US" smtClean="0"/>
-              <a:t>3/20/2020</a:t>
+              <a:t>3/21/2020</a:t>
             </a:fld>
             <a:endParaRPr lang="en-US" dirty="0"/>
           </a:p>
@@ -7954,7 +7955,7 @@
         </p:spPr>
         <p:txBody>
           <a:bodyPr>
-            <a:normAutofit/>
+            <a:normAutofit lnSpcReduction="10000"/>
           </a:bodyPr>
           <a:lstStyle/>
           <a:p>
@@ -7974,20 +7975,26 @@
             <a:pPr lvl="1"/>
             <a:r>
               <a:rPr lang="en-US" sz="1600" dirty="0"/>
-              <a:t>F1-score = 82%</a:t>
+              <a:t>F1-score = 78%</a:t>
             </a:r>
           </a:p>
           <a:p>
             <a:pPr lvl="1"/>
             <a:r>
               <a:rPr lang="en-US" sz="1600" dirty="0"/>
-              <a:t>Precision Rate = 82% &amp; Recall Rate = 81%</a:t>
+              <a:t>Precision Rate = 82% &amp; Recall Rate = 75%</a:t>
             </a:r>
           </a:p>
           <a:p>
             <a:r>
               <a:rPr lang="en-US" sz="1600" dirty="0"/>
-              <a:t>Improvements from tuning were improving accuracy and F1-score by ~2% </a:t>
+              <a:t>Tuning hyperparameters give improvements in accuracy of ~2% </a:t>
+            </a:r>
+          </a:p>
+          <a:p>
+            <a:r>
+              <a:rPr lang="en-US" sz="1600" dirty="0"/>
+              <a:t>For our use case, Recall Rate can be considered more important that Precision Rate – prefer not to miss disaster tweets, accepting few more false alarms</a:t>
             </a:r>
           </a:p>
           <a:p>
@@ -8007,12 +8014,8 @@
             <a:pPr lvl="1"/>
             <a:r>
               <a:rPr lang="en-US" sz="1600" dirty="0"/>
-              <a:t>Create vectors for each word in each tweet</a:t>
-            </a:r>
-          </a:p>
-          <a:p>
-            <a:pPr lvl="1"/>
-            <a:endParaRPr lang="en-US" sz="1600" dirty="0"/>
+              <a:t>Create vectors for each word in each tweet – i.e., 2D array (tweet) as input to Classifier</a:t>
+            </a:r>
           </a:p>
           <a:p>
             <a:endParaRPr lang="en-US" sz="1800" dirty="0"/>
@@ -8197,194 +8200,6 @@
 </file>
 
 <file path=ppt/slides/slide12.xml><?xml version="1.0" encoding="utf-8"?>
-<p:sld xmlns:a="http://schemas.openxmlformats.org/drawingml/2006/main" xmlns:r="http://schemas.openxmlformats.org/officeDocument/2006/relationships" xmlns:p="http://schemas.openxmlformats.org/presentationml/2006/main">
-  <p:cSld>
-    <p:spTree>
-      <p:nvGrpSpPr>
-        <p:cNvPr id="1" name=""/>
-        <p:cNvGrpSpPr/>
-        <p:nvPr/>
-      </p:nvGrpSpPr>
-      <p:grpSpPr>
-        <a:xfrm>
-          <a:off x="0" y="0"/>
-          <a:ext cx="0" cy="0"/>
-          <a:chOff x="0" y="0"/>
-          <a:chExt cx="0" cy="0"/>
-        </a:xfrm>
-      </p:grpSpPr>
-      <p:sp>
-        <p:nvSpPr>
-          <p:cNvPr id="2" name="Title 1">
-            <a:extLst>
-              <a:ext uri="{FF2B5EF4-FFF2-40B4-BE49-F238E27FC236}">
-                <a16:creationId xmlns:a16="http://schemas.microsoft.com/office/drawing/2014/main" id="{5E562972-3449-42D1-8185-B4BEFD52AB44}"/>
-              </a:ext>
-            </a:extLst>
-          </p:cNvPr>
-          <p:cNvSpPr>
-            <a:spLocks noGrp="1"/>
-          </p:cNvSpPr>
-          <p:nvPr>
-            <p:ph type="title"/>
-          </p:nvPr>
-        </p:nvSpPr>
-        <p:spPr>
-          <a:xfrm>
-            <a:off x="581192" y="702156"/>
-            <a:ext cx="11029616" cy="950798"/>
-          </a:xfrm>
-        </p:spPr>
-        <p:txBody>
-          <a:bodyPr/>
-          <a:lstStyle/>
-          <a:p>
-            <a:r>
-              <a:rPr lang="en-US" dirty="0"/>
-              <a:t>TOP FEATURES (for TF-IDF + RF)</a:t>
-            </a:r>
-          </a:p>
-        </p:txBody>
-      </p:sp>
-      <p:sp>
-        <p:nvSpPr>
-          <p:cNvPr id="5" name="Rectangle 4">
-            <a:extLst>
-              <a:ext uri="{FF2B5EF4-FFF2-40B4-BE49-F238E27FC236}">
-                <a16:creationId xmlns:a16="http://schemas.microsoft.com/office/drawing/2014/main" id="{E8EB424B-F403-42AB-BE90-82FAAB16DB87}"/>
-              </a:ext>
-            </a:extLst>
-          </p:cNvPr>
-          <p:cNvSpPr/>
-          <p:nvPr/>
-        </p:nvSpPr>
-        <p:spPr>
-          <a:xfrm>
-            <a:off x="6745730" y="5421814"/>
-            <a:ext cx="4865078" cy="769441"/>
-          </a:xfrm>
-          <a:prstGeom prst="rect">
-            <a:avLst/>
-          </a:prstGeom>
-        </p:spPr>
-        <p:txBody>
-          <a:bodyPr wrap="square">
-            <a:spAutoFit/>
-          </a:bodyPr>
-          <a:lstStyle/>
-          <a:p>
-            <a:r>
-              <a:rPr lang="en-US" sz="1100" dirty="0"/>
-              <a:t>NOTE:  mh370 </a:t>
-            </a:r>
-            <a:r>
-              <a:rPr lang="en-US" sz="1100" dirty="0">
-                <a:sym typeface="Wingdings" panose="05000000000000000000" pitchFamily="2" charset="2"/>
-              </a:rPr>
-              <a:t> </a:t>
-            </a:r>
-            <a:r>
-              <a:rPr lang="en-US" sz="1100" dirty="0"/>
-              <a:t>Malaysia Airlines Flight 370 was a scheduled international passenger flight operated by Malaysia Airlines that disappeared on 8 March 2014 while flying from Kuala Lumpur International Airport to its destination, Beijing Capital International Airport</a:t>
-            </a:r>
-          </a:p>
-        </p:txBody>
-      </p:sp>
-      <p:pic>
-        <p:nvPicPr>
-          <p:cNvPr id="6" name="Picture 5">
-            <a:extLst>
-              <a:ext uri="{FF2B5EF4-FFF2-40B4-BE49-F238E27FC236}">
-                <a16:creationId xmlns:a16="http://schemas.microsoft.com/office/drawing/2014/main" id="{7557666A-BCA3-4095-8A8E-CA403BD1EB65}"/>
-              </a:ext>
-            </a:extLst>
-          </p:cNvPr>
-          <p:cNvPicPr>
-            <a:picLocks noChangeAspect="1"/>
-          </p:cNvPicPr>
-          <p:nvPr/>
-        </p:nvPicPr>
-        <p:blipFill rotWithShape="1">
-          <a:blip r:embed="rId2"/>
-          <a:srcRect l="4766" t="32128" r="28751" b="21695"/>
-          <a:stretch/>
-        </p:blipFill>
-        <p:spPr>
-          <a:xfrm>
-            <a:off x="1413530" y="1957752"/>
-            <a:ext cx="8870860" cy="3464062"/>
-          </a:xfrm>
-          <a:prstGeom prst="rect">
-            <a:avLst/>
-          </a:prstGeom>
-        </p:spPr>
-      </p:pic>
-      <p:sp>
-        <p:nvSpPr>
-          <p:cNvPr id="7" name="Rectangle 6">
-            <a:extLst>
-              <a:ext uri="{FF2B5EF4-FFF2-40B4-BE49-F238E27FC236}">
-                <a16:creationId xmlns:a16="http://schemas.microsoft.com/office/drawing/2014/main" id="{DDA92DAE-539B-4D77-B6FA-5415BDABF95D}"/>
-              </a:ext>
-            </a:extLst>
-          </p:cNvPr>
-          <p:cNvSpPr/>
-          <p:nvPr/>
-        </p:nvSpPr>
-        <p:spPr>
-          <a:xfrm>
-            <a:off x="5228492" y="6646985"/>
-            <a:ext cx="1641231" cy="199292"/>
-          </a:xfrm>
-          <a:prstGeom prst="rect">
-            <a:avLst/>
-          </a:prstGeom>
-          <a:solidFill>
-            <a:schemeClr val="bg1"/>
-          </a:solidFill>
-          <a:ln>
-            <a:noFill/>
-          </a:ln>
-        </p:spPr>
-        <p:style>
-          <a:lnRef idx="2">
-            <a:schemeClr val="accent1">
-              <a:shade val="50000"/>
-            </a:schemeClr>
-          </a:lnRef>
-          <a:fillRef idx="1">
-            <a:schemeClr val="accent1"/>
-          </a:fillRef>
-          <a:effectRef idx="0">
-            <a:schemeClr val="accent1"/>
-          </a:effectRef>
-          <a:fontRef idx="minor">
-            <a:schemeClr val="lt1"/>
-          </a:fontRef>
-        </p:style>
-        <p:txBody>
-          <a:bodyPr rtlCol="0" anchor="ctr"/>
-          <a:lstStyle/>
-          <a:p>
-            <a:pPr algn="ctr"/>
-            <a:endParaRPr lang="en-US"/>
-          </a:p>
-        </p:txBody>
-      </p:sp>
-    </p:spTree>
-    <p:extLst>
-      <p:ext uri="{BB962C8B-B14F-4D97-AF65-F5344CB8AC3E}">
-        <p14:creationId xmlns:p14="http://schemas.microsoft.com/office/powerpoint/2010/main" val="263784652"/>
-      </p:ext>
-    </p:extLst>
-  </p:cSld>
-  <p:clrMapOvr>
-    <a:masterClrMapping/>
-  </p:clrMapOvr>
-</p:sld>
-</file>
-
-<file path=ppt/slides/slide13.xml><?xml version="1.0" encoding="utf-8"?>
 <p:sld xmlns:a="http://schemas.openxmlformats.org/drawingml/2006/main" xmlns:r="http://schemas.openxmlformats.org/officeDocument/2006/relationships" xmlns:p="http://schemas.openxmlformats.org/presentationml/2006/main">
   <p:cSld>
     <p:spTree>
@@ -8524,6 +8339,357 @@
 </p:sld>
 </file>
 
+<file path=ppt/slides/slide13.xml><?xml version="1.0" encoding="utf-8"?>
+<p:sld xmlns:a="http://schemas.openxmlformats.org/drawingml/2006/main" xmlns:r="http://schemas.openxmlformats.org/officeDocument/2006/relationships" xmlns:p="http://schemas.openxmlformats.org/presentationml/2006/main">
+  <p:cSld>
+    <p:spTree>
+      <p:nvGrpSpPr>
+        <p:cNvPr id="1" name=""/>
+        <p:cNvGrpSpPr/>
+        <p:nvPr/>
+      </p:nvGrpSpPr>
+      <p:grpSpPr>
+        <a:xfrm>
+          <a:off x="0" y="0"/>
+          <a:ext cx="0" cy="0"/>
+          <a:chOff x="0" y="0"/>
+          <a:chExt cx="0" cy="0"/>
+        </a:xfrm>
+      </p:grpSpPr>
+      <p:pic>
+        <p:nvPicPr>
+          <p:cNvPr id="2" name="Picture 1">
+            <a:extLst>
+              <a:ext uri="{FF2B5EF4-FFF2-40B4-BE49-F238E27FC236}">
+                <a16:creationId xmlns:a16="http://schemas.microsoft.com/office/drawing/2014/main" id="{DC728919-1CD2-4826-AEFE-81C4254A5A9D}"/>
+              </a:ext>
+            </a:extLst>
+          </p:cNvPr>
+          <p:cNvPicPr>
+            <a:picLocks noChangeAspect="1"/>
+          </p:cNvPicPr>
+          <p:nvPr/>
+        </p:nvPicPr>
+        <p:blipFill rotWithShape="1">
+          <a:blip r:embed="rId2"/>
+          <a:srcRect l="4260" t="31926" r="34907" b="23443"/>
+          <a:stretch/>
+        </p:blipFill>
+        <p:spPr>
+          <a:xfrm>
+            <a:off x="936975" y="1357488"/>
+            <a:ext cx="10044153" cy="4143023"/>
+          </a:xfrm>
+          <a:prstGeom prst="rect">
+            <a:avLst/>
+          </a:prstGeom>
+        </p:spPr>
+      </p:pic>
+      <p:sp>
+        <p:nvSpPr>
+          <p:cNvPr id="4" name="Rectangle 3">
+            <a:extLst>
+              <a:ext uri="{FF2B5EF4-FFF2-40B4-BE49-F238E27FC236}">
+                <a16:creationId xmlns:a16="http://schemas.microsoft.com/office/drawing/2014/main" id="{6508B5DE-720F-4ADB-B4DB-D31F0FDB7F70}"/>
+              </a:ext>
+            </a:extLst>
+          </p:cNvPr>
+          <p:cNvSpPr/>
+          <p:nvPr/>
+        </p:nvSpPr>
+        <p:spPr>
+          <a:xfrm>
+            <a:off x="3567289" y="2641600"/>
+            <a:ext cx="3668889" cy="316089"/>
+          </a:xfrm>
+          <a:prstGeom prst="rect">
+            <a:avLst/>
+          </a:prstGeom>
+          <a:noFill/>
+          <a:ln>
+            <a:solidFill>
+              <a:srgbClr val="FF0000"/>
+            </a:solidFill>
+          </a:ln>
+        </p:spPr>
+        <p:style>
+          <a:lnRef idx="2">
+            <a:schemeClr val="accent1">
+              <a:shade val="50000"/>
+            </a:schemeClr>
+          </a:lnRef>
+          <a:fillRef idx="1">
+            <a:schemeClr val="accent1"/>
+          </a:fillRef>
+          <a:effectRef idx="0">
+            <a:schemeClr val="accent1"/>
+          </a:effectRef>
+          <a:fontRef idx="minor">
+            <a:schemeClr val="lt1"/>
+          </a:fontRef>
+        </p:style>
+        <p:txBody>
+          <a:bodyPr rtlCol="0" anchor="ctr"/>
+          <a:lstStyle/>
+          <a:p>
+            <a:pPr algn="ctr"/>
+            <a:endParaRPr lang="en-US"/>
+          </a:p>
+        </p:txBody>
+      </p:sp>
+      <p:sp>
+        <p:nvSpPr>
+          <p:cNvPr id="5" name="Rectangle 4">
+            <a:extLst>
+              <a:ext uri="{FF2B5EF4-FFF2-40B4-BE49-F238E27FC236}">
+                <a16:creationId xmlns:a16="http://schemas.microsoft.com/office/drawing/2014/main" id="{0CCCD0D0-16B6-4852-ADA6-FB0FA783FF98}"/>
+              </a:ext>
+            </a:extLst>
+          </p:cNvPr>
+          <p:cNvSpPr/>
+          <p:nvPr/>
+        </p:nvSpPr>
+        <p:spPr>
+          <a:xfrm>
+            <a:off x="6445956" y="3002844"/>
+            <a:ext cx="598311" cy="316089"/>
+          </a:xfrm>
+          <a:prstGeom prst="rect">
+            <a:avLst/>
+          </a:prstGeom>
+          <a:noFill/>
+          <a:ln>
+            <a:solidFill>
+              <a:srgbClr val="FF0000"/>
+            </a:solidFill>
+          </a:ln>
+        </p:spPr>
+        <p:style>
+          <a:lnRef idx="2">
+            <a:schemeClr val="accent1">
+              <a:shade val="50000"/>
+            </a:schemeClr>
+          </a:lnRef>
+          <a:fillRef idx="1">
+            <a:schemeClr val="accent1"/>
+          </a:fillRef>
+          <a:effectRef idx="0">
+            <a:schemeClr val="accent1"/>
+          </a:effectRef>
+          <a:fontRef idx="minor">
+            <a:schemeClr val="lt1"/>
+          </a:fontRef>
+        </p:style>
+        <p:txBody>
+          <a:bodyPr rtlCol="0" anchor="ctr"/>
+          <a:lstStyle/>
+          <a:p>
+            <a:pPr algn="ctr"/>
+            <a:endParaRPr lang="en-US"/>
+          </a:p>
+        </p:txBody>
+      </p:sp>
+    </p:spTree>
+    <p:extLst>
+      <p:ext uri="{BB962C8B-B14F-4D97-AF65-F5344CB8AC3E}">
+        <p14:creationId xmlns:p14="http://schemas.microsoft.com/office/powerpoint/2010/main" val="2517969997"/>
+      </p:ext>
+    </p:extLst>
+  </p:cSld>
+  <p:clrMapOvr>
+    <a:masterClrMapping/>
+  </p:clrMapOvr>
+</p:sld>
+</file>
+
+<file path=ppt/slides/slide14.xml><?xml version="1.0" encoding="utf-8"?>
+<p:sld xmlns:a="http://schemas.openxmlformats.org/drawingml/2006/main" xmlns:r="http://schemas.openxmlformats.org/officeDocument/2006/relationships" xmlns:p="http://schemas.openxmlformats.org/presentationml/2006/main">
+  <p:cSld>
+    <p:spTree>
+      <p:nvGrpSpPr>
+        <p:cNvPr id="1" name=""/>
+        <p:cNvGrpSpPr/>
+        <p:nvPr/>
+      </p:nvGrpSpPr>
+      <p:grpSpPr>
+        <a:xfrm>
+          <a:off x="0" y="0"/>
+          <a:ext cx="0" cy="0"/>
+          <a:chOff x="0" y="0"/>
+          <a:chExt cx="0" cy="0"/>
+        </a:xfrm>
+      </p:grpSpPr>
+      <p:sp>
+        <p:nvSpPr>
+          <p:cNvPr id="2" name="Title 1">
+            <a:extLst>
+              <a:ext uri="{FF2B5EF4-FFF2-40B4-BE49-F238E27FC236}">
+                <a16:creationId xmlns:a16="http://schemas.microsoft.com/office/drawing/2014/main" id="{5E562972-3449-42D1-8185-B4BEFD52AB44}"/>
+              </a:ext>
+            </a:extLst>
+          </p:cNvPr>
+          <p:cNvSpPr>
+            <a:spLocks noGrp="1"/>
+          </p:cNvSpPr>
+          <p:nvPr>
+            <p:ph type="title"/>
+          </p:nvPr>
+        </p:nvSpPr>
+        <p:spPr>
+          <a:xfrm>
+            <a:off x="581192" y="702156"/>
+            <a:ext cx="11029616" cy="950798"/>
+          </a:xfrm>
+        </p:spPr>
+        <p:txBody>
+          <a:bodyPr/>
+          <a:lstStyle/>
+          <a:p>
+            <a:r>
+              <a:rPr lang="en-US" dirty="0"/>
+              <a:t>TOP FEATURES (for TF-IDF + RF)</a:t>
+            </a:r>
+          </a:p>
+        </p:txBody>
+      </p:sp>
+      <p:sp>
+        <p:nvSpPr>
+          <p:cNvPr id="5" name="Rectangle 4">
+            <a:extLst>
+              <a:ext uri="{FF2B5EF4-FFF2-40B4-BE49-F238E27FC236}">
+                <a16:creationId xmlns:a16="http://schemas.microsoft.com/office/drawing/2014/main" id="{E8EB424B-F403-42AB-BE90-82FAAB16DB87}"/>
+              </a:ext>
+            </a:extLst>
+          </p:cNvPr>
+          <p:cNvSpPr/>
+          <p:nvPr/>
+        </p:nvSpPr>
+        <p:spPr>
+          <a:xfrm>
+            <a:off x="6745730" y="5421814"/>
+            <a:ext cx="4865078" cy="769441"/>
+          </a:xfrm>
+          <a:prstGeom prst="rect">
+            <a:avLst/>
+          </a:prstGeom>
+        </p:spPr>
+        <p:txBody>
+          <a:bodyPr wrap="square">
+            <a:spAutoFit/>
+          </a:bodyPr>
+          <a:lstStyle/>
+          <a:p>
+            <a:r>
+              <a:rPr lang="en-US" sz="1100" dirty="0"/>
+              <a:t>NOTE:  mh370 </a:t>
+            </a:r>
+            <a:r>
+              <a:rPr lang="en-US" sz="1100" dirty="0">
+                <a:sym typeface="Wingdings" panose="05000000000000000000" pitchFamily="2" charset="2"/>
+              </a:rPr>
+              <a:t> </a:t>
+            </a:r>
+            <a:r>
+              <a:rPr lang="en-US" sz="1100" dirty="0"/>
+              <a:t>Malaysia Airlines Flight 370 was a scheduled international passenger flight operated by Malaysia Airlines that disappeared on 8 March 2014 while flying from Kuala Lumpur International Airport to its destination, Beijing Capital International Airport</a:t>
+            </a:r>
+          </a:p>
+        </p:txBody>
+      </p:sp>
+      <p:pic>
+        <p:nvPicPr>
+          <p:cNvPr id="6" name="Picture 5">
+            <a:extLst>
+              <a:ext uri="{FF2B5EF4-FFF2-40B4-BE49-F238E27FC236}">
+                <a16:creationId xmlns:a16="http://schemas.microsoft.com/office/drawing/2014/main" id="{7557666A-BCA3-4095-8A8E-CA403BD1EB65}"/>
+              </a:ext>
+            </a:extLst>
+          </p:cNvPr>
+          <p:cNvPicPr>
+            <a:picLocks noChangeAspect="1"/>
+          </p:cNvPicPr>
+          <p:nvPr/>
+        </p:nvPicPr>
+        <p:blipFill rotWithShape="1">
+          <a:blip r:embed="rId2"/>
+          <a:srcRect l="4766" t="32128" r="28751" b="21695"/>
+          <a:stretch/>
+        </p:blipFill>
+        <p:spPr>
+          <a:xfrm>
+            <a:off x="1413530" y="1957752"/>
+            <a:ext cx="8870860" cy="3464062"/>
+          </a:xfrm>
+          <a:prstGeom prst="rect">
+            <a:avLst/>
+          </a:prstGeom>
+        </p:spPr>
+      </p:pic>
+      <p:sp>
+        <p:nvSpPr>
+          <p:cNvPr id="7" name="Rectangle 6">
+            <a:extLst>
+              <a:ext uri="{FF2B5EF4-FFF2-40B4-BE49-F238E27FC236}">
+                <a16:creationId xmlns:a16="http://schemas.microsoft.com/office/drawing/2014/main" id="{DDA92DAE-539B-4D77-B6FA-5415BDABF95D}"/>
+              </a:ext>
+            </a:extLst>
+          </p:cNvPr>
+          <p:cNvSpPr/>
+          <p:nvPr/>
+        </p:nvSpPr>
+        <p:spPr>
+          <a:xfrm>
+            <a:off x="5228492" y="6646985"/>
+            <a:ext cx="1641231" cy="199292"/>
+          </a:xfrm>
+          <a:prstGeom prst="rect">
+            <a:avLst/>
+          </a:prstGeom>
+          <a:solidFill>
+            <a:schemeClr val="bg1"/>
+          </a:solidFill>
+          <a:ln>
+            <a:noFill/>
+          </a:ln>
+        </p:spPr>
+        <p:style>
+          <a:lnRef idx="2">
+            <a:schemeClr val="accent1">
+              <a:shade val="50000"/>
+            </a:schemeClr>
+          </a:lnRef>
+          <a:fillRef idx="1">
+            <a:schemeClr val="accent1"/>
+          </a:fillRef>
+          <a:effectRef idx="0">
+            <a:schemeClr val="accent1"/>
+          </a:effectRef>
+          <a:fontRef idx="minor">
+            <a:schemeClr val="lt1"/>
+          </a:fontRef>
+        </p:style>
+        <p:txBody>
+          <a:bodyPr rtlCol="0" anchor="ctr"/>
+          <a:lstStyle/>
+          <a:p>
+            <a:pPr algn="ctr"/>
+            <a:endParaRPr lang="en-US"/>
+          </a:p>
+        </p:txBody>
+      </p:sp>
+    </p:spTree>
+    <p:extLst>
+      <p:ext uri="{BB962C8B-B14F-4D97-AF65-F5344CB8AC3E}">
+        <p14:creationId xmlns:p14="http://schemas.microsoft.com/office/powerpoint/2010/main" val="263784652"/>
+      </p:ext>
+    </p:extLst>
+  </p:cSld>
+  <p:clrMapOvr>
+    <a:masterClrMapping/>
+  </p:clrMapOvr>
+</p:sld>
+</file>
+
 <file path=ppt/slides/slide2.xml><?xml version="1.0" encoding="utf-8"?>
 <p:sld xmlns:a="http://schemas.openxmlformats.org/drawingml/2006/main" xmlns:r="http://schemas.openxmlformats.org/officeDocument/2006/relationships" xmlns:p="http://schemas.openxmlformats.org/presentationml/2006/main">
   <p:cSld>
@@ -8699,7 +8865,7 @@
         </p:nvSpPr>
         <p:spPr>
           <a:xfrm>
-            <a:off x="581192" y="4439702"/>
+            <a:off x="581192" y="4259078"/>
             <a:ext cx="11234446" cy="2120123"/>
           </a:xfrm>
           <a:prstGeom prst="rect">
@@ -8933,10 +9099,10 @@
               <a:buNone/>
             </a:pPr>
             <a:r>
-              <a:rPr lang="en-US" sz="2000" dirty="0"/>
+              <a:rPr lang="en-US" sz="1600" dirty="0"/>
               <a:t>Examples</a:t>
             </a:r>
-            <a:endParaRPr lang="en-US" dirty="0"/>
+            <a:endParaRPr lang="en-US" sz="1400" dirty="0"/>
           </a:p>
           <a:p>
             <a:pPr>
@@ -8944,8 +9110,8 @@
               <a:buChar char="§"/>
             </a:pPr>
             <a:r>
-              <a:rPr lang="en-US" sz="2000" dirty="0"/>
-              <a:t>She’s a natural disaster the last of the American girls ??”</a:t>
+              <a:rPr lang="en-US" sz="1600" i="1" dirty="0"/>
+              <a:t>“She’s a natural disaster the last of the American girls ??”</a:t>
             </a:r>
           </a:p>
           <a:p>
@@ -8954,51 +9120,51 @@
               <a:buChar char="§"/>
             </a:pPr>
             <a:r>
-              <a:rPr lang="en-US" sz="2000" dirty="0"/>
+              <a:rPr lang="en-US" sz="1600" i="1" dirty="0"/>
               <a:t>“Twilight’s encore wounded hearts book 3 </a:t>
             </a:r>
             <a:r>
-              <a:rPr lang="en-US" sz="2000" dirty="0" err="1"/>
+              <a:rPr lang="en-US" sz="1600" i="1" dirty="0" err="1"/>
               <a:t>jacquie</a:t>
             </a:r>
             <a:r>
-              <a:rPr lang="en-US" sz="2000" dirty="0"/>
+              <a:rPr lang="en-US" sz="1600" i="1" dirty="0"/>
               <a:t> </a:t>
             </a:r>
             <a:r>
-              <a:rPr lang="en-US" sz="2000" dirty="0" err="1"/>
+              <a:rPr lang="en-US" sz="1600" i="1" dirty="0" err="1"/>
               <a:t>biggar</a:t>
             </a:r>
             <a:r>
-              <a:rPr lang="en-US" sz="2000" dirty="0"/>
+              <a:rPr lang="en-US" sz="1600" i="1" dirty="0"/>
               <a:t> http t </a:t>
             </a:r>
             <a:r>
-              <a:rPr lang="en-US" sz="2000" dirty="0" err="1"/>
+              <a:rPr lang="en-US" sz="1600" i="1" dirty="0" err="1"/>
               <a:t>znptdicqxe</a:t>
             </a:r>
             <a:r>
-              <a:rPr lang="en-US" sz="2000" dirty="0"/>
+              <a:rPr lang="en-US" sz="1600" i="1" dirty="0"/>
               <a:t> amazon </a:t>
             </a:r>
             <a:r>
-              <a:rPr lang="en-US" sz="2000" dirty="0" err="1"/>
+              <a:rPr lang="en-US" sz="1600" i="1" dirty="0" err="1"/>
               <a:t>kindlecountdown</a:t>
             </a:r>
             <a:r>
-              <a:rPr lang="en-US" sz="2000" dirty="0"/>
+              <a:rPr lang="en-US" sz="1600" i="1" dirty="0"/>
               <a:t> sale </a:t>
             </a:r>
             <a:r>
-              <a:rPr lang="en-US" sz="2000" dirty="0" err="1"/>
+              <a:rPr lang="en-US" sz="1600" i="1" dirty="0" err="1"/>
               <a:t>mfrwauthor</a:t>
             </a:r>
             <a:r>
-              <a:rPr lang="en-US" sz="2000" dirty="0"/>
+              <a:rPr lang="en-US" sz="1600" i="1" dirty="0"/>
               <a:t> </a:t>
             </a:r>
             <a:r>
-              <a:rPr lang="en-US" sz="2000" dirty="0" err="1"/>
+              <a:rPr lang="en-US" sz="1600" i="1" dirty="0" err="1"/>
               <a:t>mgtab</a:t>
             </a:r>
             <a:r>
@@ -10336,7 +10502,7 @@
             <p:ph idx="1"/>
             <p:extLst>
               <p:ext uri="{D42A27DB-BD31-4B8C-83A1-F6EECF244321}">
-                <p14:modId xmlns:p14="http://schemas.microsoft.com/office/powerpoint/2010/main" val="2106349057"/>
+                <p14:modId xmlns:p14="http://schemas.microsoft.com/office/powerpoint/2010/main" val="2367016280"/>
               </p:ext>
             </p:extLst>
           </p:nvPr>
@@ -10490,7 +10656,7 @@
                       <a:pPr algn="ctr"/>
                       <a:r>
                         <a:rPr lang="en-US" dirty="0"/>
-                        <a:t>79%</a:t>
+                        <a:t>75%</a:t>
                       </a:r>
                     </a:p>
                   </a:txBody>
@@ -10504,7 +10670,7 @@
                       <a:pPr algn="ctr"/>
                       <a:r>
                         <a:rPr lang="en-US" dirty="0"/>
-                        <a:t>77%</a:t>
+                        <a:t>71%</a:t>
                       </a:r>
                     </a:p>
                   </a:txBody>
@@ -10518,7 +10684,7 @@
                       <a:pPr algn="ctr"/>
                       <a:r>
                         <a:rPr lang="en-US" dirty="0"/>
-                        <a:t>78%</a:t>
+                        <a:t>74%</a:t>
                       </a:r>
                     </a:p>
                   </a:txBody>
@@ -10566,7 +10732,7 @@
                       <a:pPr algn="ctr"/>
                       <a:r>
                         <a:rPr lang="en-US" dirty="0"/>
-                        <a:t>79%</a:t>
+                        <a:t>75%</a:t>
                       </a:r>
                     </a:p>
                   </a:txBody>
@@ -10580,7 +10746,7 @@
                       <a:pPr algn="ctr"/>
                       <a:r>
                         <a:rPr lang="en-US" dirty="0"/>
-                        <a:t>78%</a:t>
+                        <a:t>72%</a:t>
                       </a:r>
                     </a:p>
                   </a:txBody>
@@ -10594,7 +10760,7 @@
                       <a:pPr algn="ctr"/>
                       <a:r>
                         <a:rPr lang="en-US" dirty="0"/>
-                        <a:t>75%</a:t>
+                        <a:t>69%</a:t>
                       </a:r>
                     </a:p>
                   </a:txBody>
@@ -10642,7 +10808,7 @@
                       <a:pPr algn="ctr"/>
                       <a:r>
                         <a:rPr lang="en-US" dirty="0"/>
-                        <a:t>79%</a:t>
+                        <a:t>75%</a:t>
                       </a:r>
                     </a:p>
                   </a:txBody>
@@ -10656,7 +10822,7 @@
                       <a:pPr algn="ctr"/>
                       <a:r>
                         <a:rPr lang="en-US" dirty="0"/>
-                        <a:t>79%</a:t>
+                        <a:t>74%</a:t>
                       </a:r>
                     </a:p>
                   </a:txBody>
@@ -10670,7 +10836,7 @@
                       <a:pPr algn="ctr"/>
                       <a:r>
                         <a:rPr lang="en-US" dirty="0"/>
-                        <a:t>82%</a:t>
+                        <a:t>78%</a:t>
                       </a:r>
                     </a:p>
                   </a:txBody>
@@ -10718,7 +10884,7 @@
                       <a:pPr algn="ctr"/>
                       <a:r>
                         <a:rPr lang="en-US" dirty="0"/>
-                        <a:t>79%</a:t>
+                        <a:t>76%</a:t>
                       </a:r>
                     </a:p>
                   </a:txBody>
@@ -10732,7 +10898,7 @@
                       <a:pPr algn="ctr"/>
                       <a:r>
                         <a:rPr lang="en-US" dirty="0"/>
-                        <a:t>81%</a:t>
+                        <a:t>76%</a:t>
                       </a:r>
                     </a:p>
                   </a:txBody>
@@ -10746,7 +10912,7 @@
                       <a:pPr algn="ctr"/>
                       <a:r>
                         <a:rPr lang="en-US" dirty="0"/>
-                        <a:t>82%</a:t>
+                        <a:t>78%</a:t>
                       </a:r>
                     </a:p>
                   </a:txBody>
@@ -10921,7 +11087,7 @@
             <p:ph idx="1"/>
             <p:extLst>
               <p:ext uri="{D42A27DB-BD31-4B8C-83A1-F6EECF244321}">
-                <p14:modId xmlns:p14="http://schemas.microsoft.com/office/powerpoint/2010/main" val="710023217"/>
+                <p14:modId xmlns:p14="http://schemas.microsoft.com/office/powerpoint/2010/main" val="568630543"/>
               </p:ext>
             </p:extLst>
           </p:nvPr>
@@ -10980,7 +11146,11 @@
                     <a:lstStyle/>
                     <a:p>
                       <a:r>
-                        <a:rPr lang="en-US" sz="1400" dirty="0"/>
+                        <a:rPr lang="en-US" sz="1400" dirty="0">
+                          <a:solidFill>
+                            <a:schemeClr val="tx1"/>
+                          </a:solidFill>
+                        </a:rPr>
                         <a:t>PRECISION RATE %</a:t>
                       </a:r>
                     </a:p>
@@ -11156,7 +11326,21 @@
                       <a:pPr algn="ctr"/>
                       <a:r>
                         <a:rPr lang="en-US" sz="1400" dirty="0"/>
-                        <a:t>80%</a:t>
+                        <a:t>79%</a:t>
+                      </a:r>
+                    </a:p>
+                  </a:txBody>
+                  <a:tcPr/>
+                </a:tc>
+                <a:tc>
+                  <a:txBody>
+                    <a:bodyPr/>
+                    <a:lstStyle/>
+                    <a:p>
+                      <a:pPr algn="ctr"/>
+                      <a:r>
+                        <a:rPr lang="en-US" sz="1400" dirty="0"/>
+                        <a:t>82%</a:t>
                       </a:r>
                     </a:p>
                   </a:txBody>
@@ -11171,20 +11355,6 @@
                       <a:r>
                         <a:rPr lang="en-US" sz="1400" dirty="0"/>
                         <a:t>80%</a:t>
-                      </a:r>
-                    </a:p>
-                  </a:txBody>
-                  <a:tcPr/>
-                </a:tc>
-                <a:tc>
-                  <a:txBody>
-                    <a:bodyPr/>
-                    <a:lstStyle/>
-                    <a:p>
-                      <a:pPr algn="ctr"/>
-                      <a:r>
-                        <a:rPr lang="en-US" sz="1400" dirty="0"/>
-                        <a:t>78%</a:t>
                       </a:r>
                     </a:p>
                   </a:txBody>
@@ -11233,7 +11403,7 @@
                       <a:pPr algn="ctr"/>
                       <a:r>
                         <a:rPr lang="en-US" sz="1400" dirty="0"/>
-                        <a:t>79%</a:t>
+                        <a:t>77%</a:t>
                       </a:r>
                     </a:p>
                   </a:txBody>
@@ -11247,7 +11417,7 @@
                       <a:pPr algn="ctr"/>
                       <a:r>
                         <a:rPr lang="en-US" sz="1400" dirty="0"/>
-                        <a:t>81%</a:t>
+                        <a:t>84%</a:t>
                       </a:r>
                     </a:p>
                   </a:txBody>
@@ -11310,7 +11480,7 @@
                       <a:pPr algn="ctr"/>
                       <a:r>
                         <a:rPr lang="en-US" sz="1400" dirty="0"/>
-                        <a:t>80%</a:t>
+                        <a:t>78%</a:t>
                       </a:r>
                     </a:p>
                   </a:txBody>
@@ -11324,7 +11494,7 @@
                       <a:pPr algn="ctr"/>
                       <a:r>
                         <a:rPr lang="en-US" sz="1400" dirty="0"/>
-                        <a:t>83%</a:t>
+                        <a:t>86%</a:t>
                       </a:r>
                     </a:p>
                   </a:txBody>
@@ -11383,13 +11553,13 @@
           <p:nvPr>
             <p:extLst>
               <p:ext uri="{D42A27DB-BD31-4B8C-83A1-F6EECF244321}">
-                <p14:modId xmlns:p14="http://schemas.microsoft.com/office/powerpoint/2010/main" val="2733650760"/>
+                <p14:modId xmlns:p14="http://schemas.microsoft.com/office/powerpoint/2010/main" val="1187317680"/>
               </p:ext>
             </p:extLst>
           </p:nvPr>
         </p:nvGraphicFramePr>
         <p:xfrm>
-          <a:off x="5281249" y="4053008"/>
+          <a:off x="4931290" y="4109451"/>
           <a:ext cx="6160477" cy="1737360"/>
         </p:xfrm>
         <a:graphic>
@@ -11442,7 +11612,11 @@
                     <a:lstStyle/>
                     <a:p>
                       <a:r>
-                        <a:rPr lang="en-US" sz="1400" dirty="0"/>
+                        <a:rPr lang="en-US" sz="1400" dirty="0">
+                          <a:solidFill>
+                            <a:schemeClr val="tx1"/>
+                          </a:solidFill>
+                        </a:rPr>
                         <a:t>RECALL RATE %</a:t>
                       </a:r>
                     </a:p>
@@ -11541,7 +11715,7 @@
                       <a:pPr algn="ctr"/>
                       <a:r>
                         <a:rPr lang="en-US" sz="1400" dirty="0"/>
-                        <a:t>78%</a:t>
+                        <a:t>69%</a:t>
                       </a:r>
                     </a:p>
                   </a:txBody>
@@ -11555,7 +11729,7 @@
                       <a:pPr algn="ctr"/>
                       <a:r>
                         <a:rPr lang="en-US" sz="1400" dirty="0"/>
-                        <a:t>77%</a:t>
+                        <a:t>82%</a:t>
                       </a:r>
                     </a:p>
                   </a:txBody>
@@ -11569,7 +11743,7 @@
                       <a:pPr algn="ctr"/>
                       <a:r>
                         <a:rPr lang="en-US" sz="1400" dirty="0"/>
-                        <a:t>78%</a:t>
+                        <a:t>69%</a:t>
                       </a:r>
                     </a:p>
                   </a:txBody>
@@ -11618,7 +11792,7 @@
                       <a:pPr algn="ctr"/>
                       <a:r>
                         <a:rPr lang="en-US" sz="1400" dirty="0"/>
-                        <a:t>79%</a:t>
+                        <a:t>71%</a:t>
                       </a:r>
                     </a:p>
                   </a:txBody>
@@ -11632,7 +11806,7 @@
                       <a:pPr algn="ctr"/>
                       <a:r>
                         <a:rPr lang="en-US" sz="1400" dirty="0"/>
-                        <a:t>77%</a:t>
+                        <a:t>82%</a:t>
                       </a:r>
                     </a:p>
                   </a:txBody>
@@ -11646,7 +11820,7 @@
                       <a:pPr algn="ctr"/>
                       <a:r>
                         <a:rPr lang="en-US" sz="1400" dirty="0"/>
-                        <a:t>75%</a:t>
+                        <a:t>60%</a:t>
                       </a:r>
                     </a:p>
                   </a:txBody>
@@ -11695,7 +11869,7 @@
                       <a:pPr algn="ctr"/>
                       <a:r>
                         <a:rPr lang="en-US" sz="1400" dirty="0"/>
-                        <a:t>78%</a:t>
+                        <a:t>73%</a:t>
                       </a:r>
                     </a:p>
                   </a:txBody>
@@ -11709,7 +11883,7 @@
                       <a:pPr algn="ctr"/>
                       <a:r>
                         <a:rPr lang="en-US" sz="1400" dirty="0"/>
-                        <a:t>78%</a:t>
+                        <a:t>84%</a:t>
                       </a:r>
                     </a:p>
                   </a:txBody>
@@ -11723,7 +11897,7 @@
                       <a:pPr algn="ctr"/>
                       <a:r>
                         <a:rPr lang="en-US" sz="1400" dirty="0"/>
-                        <a:t>81%</a:t>
+                        <a:t>75%</a:t>
                       </a:r>
                     </a:p>
                   </a:txBody>
@@ -11772,7 +11946,7 @@
                       <a:pPr algn="ctr"/>
                       <a:r>
                         <a:rPr lang="en-US" sz="1400" dirty="0"/>
-                        <a:t>79%</a:t>
+                        <a:t>73%</a:t>
                       </a:r>
                     </a:p>
                   </a:txBody>
@@ -11786,7 +11960,7 @@
                       <a:pPr algn="ctr"/>
                       <a:r>
                         <a:rPr lang="en-US" sz="1400" dirty="0"/>
-                        <a:t>80%</a:t>
+                        <a:t>86%</a:t>
                       </a:r>
                     </a:p>
                   </a:txBody>
@@ -11800,7 +11974,7 @@
                       <a:pPr algn="ctr"/>
                       <a:r>
                         <a:rPr lang="en-US" sz="1400" dirty="0"/>
-                        <a:t>81%</a:t>
+                        <a:t>75%</a:t>
                       </a:r>
                     </a:p>
                   </a:txBody>
@@ -12157,7 +12331,7 @@
           <p:nvPr>
             <p:extLst>
               <p:ext uri="{D42A27DB-BD31-4B8C-83A1-F6EECF244321}">
-                <p14:modId xmlns:p14="http://schemas.microsoft.com/office/powerpoint/2010/main" val="1487206056"/>
+                <p14:modId xmlns:p14="http://schemas.microsoft.com/office/powerpoint/2010/main" val="1236724132"/>
               </p:ext>
             </p:extLst>
           </p:nvPr>
@@ -12325,7 +12499,7 @@
                       <a:pPr algn="ctr"/>
                       <a:r>
                         <a:rPr lang="en-US" sz="2000" dirty="0"/>
-                        <a:t>1176</a:t>
+                        <a:t>584</a:t>
                       </a:r>
                     </a:p>
                   </a:txBody>
@@ -12412,7 +12586,7 @@
                       <a:pPr algn="ctr"/>
                       <a:r>
                         <a:rPr lang="en-US" sz="2000" dirty="0"/>
-                        <a:t>584</a:t>
+                        <a:t>1176</a:t>
                       </a:r>
                     </a:p>
                   </a:txBody>
@@ -12482,7 +12656,7 @@
         <p:spPr>
           <a:xfrm>
             <a:off x="6849085" y="4079628"/>
-            <a:ext cx="4952381" cy="830997"/>
+            <a:ext cx="4960589" cy="830997"/>
           </a:xfrm>
           <a:prstGeom prst="rect">
             <a:avLst/>
@@ -12501,7 +12675,7 @@
             </a:r>
             <a:r>
               <a:rPr lang="en-US" sz="1600" dirty="0"/>
-              <a:t> = (1176+142)/(1176+142+382+584) = 0.77</a:t>
+              <a:t> = (1176+584)/(1176+142+382+584) = 0.77</a:t>
             </a:r>
           </a:p>
           <a:p>
@@ -12514,7 +12688,7 @@
             </a:r>
             <a:r>
               <a:rPr lang="en-US" sz="1600" dirty="0"/>
-              <a:t> = 1176/(1176+382) = 0.75</a:t>
+              <a:t> = 584/(584+382) = 0.60</a:t>
             </a:r>
           </a:p>
         </p:txBody>
@@ -12832,21 +13006,6 @@
 </file>
 
 <file path=customXml/item1.xml><?xml version="1.0" encoding="utf-8"?>
-<?mso-contentType ?>
-<FormTemplates xmlns="http://schemas.microsoft.com/sharepoint/v3/contenttype/forms">
-  <Display>DocumentLibraryForm</Display>
-  <Edit>DocumentLibraryForm</Edit>
-  <New>DocumentLibraryForm</New>
-</FormTemplates>
-</file>
-
-<file path=customXml/item2.xml><?xml version="1.0" encoding="utf-8"?>
-<p:properties xmlns:p="http://schemas.microsoft.com/office/2006/metadata/properties" xmlns:xsi="http://www.w3.org/2001/XMLSchema-instance" xmlns:pc="http://schemas.microsoft.com/office/infopath/2007/PartnerControls">
-  <documentManagement/>
-</p:properties>
-</file>
-
-<file path=customXml/item3.xml><?xml version="1.0" encoding="utf-8"?>
 <ct:contentTypeSchema xmlns:ct="http://schemas.microsoft.com/office/2006/metadata/contentType" xmlns:ma="http://schemas.microsoft.com/office/2006/metadata/properties/metaAttributes" ct:_="" ma:_="" ma:contentTypeName="Document" ma:contentTypeID="0x010100D09A4AC55DB23B409F9930A45A577CF8" ma:contentTypeVersion="13" ma:contentTypeDescription="Create a new document." ma:contentTypeScope="" ma:versionID="62863ce91714a6e6926beb841da81f45">
   <xsd:schema xmlns:xsd="http://www.w3.org/2001/XMLSchema" xmlns:xs="http://www.w3.org/2001/XMLSchema" xmlns:p="http://schemas.microsoft.com/office/2006/metadata/properties" xmlns:ns3="7eb5e0e6-c3bc-4107-a33a-80c64eb88319" xmlns:ns4="fedaa18d-8384-436c-aaa0-67ec6927a806" targetNamespace="http://schemas.microsoft.com/office/2006/metadata/properties" ma:root="true" ma:fieldsID="156b1824d531b0327b383d58586d45c8" ns3:_="" ns4:_="">
     <xsd:import namespace="7eb5e0e6-c3bc-4107-a33a-80c64eb88319"/>
@@ -13069,10 +13228,36 @@
 </ct:contentTypeSchema>
 </file>
 
+<file path=customXml/item2.xml><?xml version="1.0" encoding="utf-8"?>
+<p:properties xmlns:p="http://schemas.microsoft.com/office/2006/metadata/properties" xmlns:xsi="http://www.w3.org/2001/XMLSchema-instance" xmlns:pc="http://schemas.microsoft.com/office/infopath/2007/PartnerControls">
+  <documentManagement/>
+</p:properties>
+</file>
+
+<file path=customXml/item3.xml><?xml version="1.0" encoding="utf-8"?>
+<?mso-contentType ?>
+<FormTemplates xmlns="http://schemas.microsoft.com/sharepoint/v3/contenttype/forms">
+  <Display>DocumentLibraryForm</Display>
+  <Edit>DocumentLibraryForm</Edit>
+  <New>DocumentLibraryForm</New>
+</FormTemplates>
+</file>
+
 <file path=customXml/itemProps1.xml><?xml version="1.0" encoding="utf-8"?>
-<ds:datastoreItem xmlns:ds="http://schemas.openxmlformats.org/officeDocument/2006/customXml" ds:itemID="{C6B9F356-E37B-4A78-945B-3DAA33D11308}">
+<ds:datastoreItem xmlns:ds="http://schemas.openxmlformats.org/officeDocument/2006/customXml" ds:itemID="{CDCEAE7F-77A9-4A38-AC78-B7889F39FB25}">
   <ds:schemaRefs>
-    <ds:schemaRef ds:uri="http://schemas.microsoft.com/sharepoint/v3/contenttype/forms"/>
+    <ds:schemaRef ds:uri="http://schemas.microsoft.com/office/2006/metadata/contentType"/>
+    <ds:schemaRef ds:uri="http://schemas.microsoft.com/office/2006/metadata/properties/metaAttributes"/>
+    <ds:schemaRef ds:uri="http://www.w3.org/2001/XMLSchema"/>
+    <ds:schemaRef ds:uri="http://schemas.microsoft.com/office/2006/metadata/properties"/>
+    <ds:schemaRef ds:uri="7eb5e0e6-c3bc-4107-a33a-80c64eb88319"/>
+    <ds:schemaRef ds:uri="fedaa18d-8384-436c-aaa0-67ec6927a806"/>
+    <ds:schemaRef ds:uri="http://schemas.microsoft.com/office/2006/documentManagement/types"/>
+    <ds:schemaRef ds:uri="http://schemas.microsoft.com/office/infopath/2007/PartnerControls"/>
+    <ds:schemaRef ds:uri="http://schemas.openxmlformats.org/package/2006/metadata/core-properties"/>
+    <ds:schemaRef ds:uri="http://purl.org/dc/elements/1.1/"/>
+    <ds:schemaRef ds:uri="http://purl.org/dc/terms/"/>
+    <ds:schemaRef ds:uri="http://schemas.microsoft.com/internal/obd"/>
   </ds:schemaRefs>
 </ds:datastoreItem>
 </file>
@@ -13095,20 +13280,9 @@
 </file>
 
 <file path=customXml/itemProps3.xml><?xml version="1.0" encoding="utf-8"?>
-<ds:datastoreItem xmlns:ds="http://schemas.openxmlformats.org/officeDocument/2006/customXml" ds:itemID="{CDCEAE7F-77A9-4A38-AC78-B7889F39FB25}">
+<ds:datastoreItem xmlns:ds="http://schemas.openxmlformats.org/officeDocument/2006/customXml" ds:itemID="{C6B9F356-E37B-4A78-945B-3DAA33D11308}">
   <ds:schemaRefs>
-    <ds:schemaRef ds:uri="http://schemas.microsoft.com/office/2006/metadata/contentType"/>
-    <ds:schemaRef ds:uri="http://schemas.microsoft.com/office/2006/metadata/properties/metaAttributes"/>
-    <ds:schemaRef ds:uri="http://www.w3.org/2001/XMLSchema"/>
-    <ds:schemaRef ds:uri="http://schemas.microsoft.com/office/2006/metadata/properties"/>
-    <ds:schemaRef ds:uri="7eb5e0e6-c3bc-4107-a33a-80c64eb88319"/>
-    <ds:schemaRef ds:uri="fedaa18d-8384-436c-aaa0-67ec6927a806"/>
-    <ds:schemaRef ds:uri="http://schemas.microsoft.com/office/2006/documentManagement/types"/>
-    <ds:schemaRef ds:uri="http://schemas.microsoft.com/office/infopath/2007/PartnerControls"/>
-    <ds:schemaRef ds:uri="http://schemas.openxmlformats.org/package/2006/metadata/core-properties"/>
-    <ds:schemaRef ds:uri="http://purl.org/dc/elements/1.1/"/>
-    <ds:schemaRef ds:uri="http://purl.org/dc/terms/"/>
-    <ds:schemaRef ds:uri="http://schemas.microsoft.com/internal/obd"/>
+    <ds:schemaRef ds:uri="http://schemas.microsoft.com/sharepoint/v3/contenttype/forms"/>
   </ds:schemaRefs>
 </ds:datastoreItem>
 </file>